--- a/Compiled results.pptx
+++ b/Compiled results.pptx
@@ -16,6 +16,8 @@
     <p:sldId id="266" r:id="rId10"/>
     <p:sldId id="267" r:id="rId11"/>
     <p:sldId id="268" r:id="rId12"/>
+    <p:sldId id="269" r:id="rId13"/>
+    <p:sldId id="270" r:id="rId14"/>
   </p:sldIdLst>
   <p:sldSz cx="9144000" cy="6858000" type="screen4x3"/>
   <p:notesSz cx="6858000" cy="9144000"/>
@@ -119,6 +121,7 @@
 
 <file path=ppt/charts/chart1.xml><?xml version="1.0" encoding="utf-8"?>
 <c:chartSpace xmlns:c="http://schemas.openxmlformats.org/drawingml/2006/chart" xmlns:a="http://schemas.openxmlformats.org/drawingml/2006/main" xmlns:r="http://schemas.openxmlformats.org/officeDocument/2006/relationships">
+  <c:date1904 val="1"/>
   <c:lang val="en-US"/>
   <c:chart>
     <c:title>
@@ -179,64 +182,64 @@
                     <c:v>17.584265694080031</c:v>
                   </c:pt>
                   <c:pt idx="3">
-                    <c:v>17.185680085466501</c:v>
+                    <c:v>17.185680085466498</c:v>
                   </c:pt>
                   <c:pt idx="4">
                     <c:v>14.93109507035569</c:v>
                   </c:pt>
                   <c:pt idx="5">
-                    <c:v>17.256013444593741</c:v>
+                    <c:v>17.256013444593737</c:v>
                   </c:pt>
                   <c:pt idx="6">
-                    <c:v>14.847073785766669</c:v>
+                    <c:v>14.847073785766668</c:v>
                   </c:pt>
                   <c:pt idx="7">
-                    <c:v>19.459537507350991</c:v>
+                    <c:v>19.459537507350984</c:v>
                   </c:pt>
                   <c:pt idx="8">
                     <c:v>14.565177650821839</c:v>
                   </c:pt>
                   <c:pt idx="9">
-                    <c:v>22.92216394671323</c:v>
+                    <c:v>22.922163946713223</c:v>
                   </c:pt>
                   <c:pt idx="10">
                     <c:v>24.3000329217884</c:v>
                   </c:pt>
                   <c:pt idx="11">
-                    <c:v>17.354204101600281</c:v>
+                    <c:v>17.354204101600285</c:v>
                   </c:pt>
                   <c:pt idx="12">
-                    <c:v>27.795567992037871</c:v>
+                    <c:v>27.795567992037867</c:v>
                   </c:pt>
                   <c:pt idx="13">
-                    <c:v>18.709526984934708</c:v>
+                    <c:v>18.709526984934701</c:v>
                   </c:pt>
                   <c:pt idx="14">
-                    <c:v>24.638538917719941</c:v>
+                    <c:v>24.638538917719938</c:v>
                   </c:pt>
                   <c:pt idx="15">
-                    <c:v>25.235760341230058</c:v>
+                    <c:v>25.235760341230055</c:v>
                   </c:pt>
                   <c:pt idx="16">
-                    <c:v>24.06508674407803</c:v>
+                    <c:v>24.065086744078027</c:v>
                   </c:pt>
                   <c:pt idx="17">
-                    <c:v>28.6183228020092</c:v>
+                    <c:v>28.618322802009196</c:v>
                   </c:pt>
                   <c:pt idx="18">
                     <c:v>29.929310048846769</c:v>
                   </c:pt>
                   <c:pt idx="19">
-                    <c:v>24.826953095375998</c:v>
+                    <c:v>24.826953095375995</c:v>
                   </c:pt>
                   <c:pt idx="20">
                     <c:v>18.824335313630598</c:v>
                   </c:pt>
                   <c:pt idx="21">
-                    <c:v>16.797868912454341</c:v>
+                    <c:v>16.797868912454344</c:v>
                   </c:pt>
                   <c:pt idx="22">
-                    <c:v>25.525869231036971</c:v>
+                    <c:v>25.525869231036967</c:v>
                   </c:pt>
                 </c:numCache>
               </c:numRef>
@@ -254,64 +257,64 @@
                     <c:v>17.584265694080031</c:v>
                   </c:pt>
                   <c:pt idx="3">
-                    <c:v>17.185680085466501</c:v>
+                    <c:v>17.185680085466498</c:v>
                   </c:pt>
                   <c:pt idx="4">
                     <c:v>14.93109507035569</c:v>
                   </c:pt>
                   <c:pt idx="5">
-                    <c:v>17.256013444593741</c:v>
+                    <c:v>17.256013444593737</c:v>
                   </c:pt>
                   <c:pt idx="6">
-                    <c:v>14.847073785766669</c:v>
+                    <c:v>14.847073785766668</c:v>
                   </c:pt>
                   <c:pt idx="7">
-                    <c:v>19.459537507350991</c:v>
+                    <c:v>19.459537507350984</c:v>
                   </c:pt>
                   <c:pt idx="8">
                     <c:v>14.565177650821839</c:v>
                   </c:pt>
                   <c:pt idx="9">
-                    <c:v>22.92216394671323</c:v>
+                    <c:v>22.922163946713223</c:v>
                   </c:pt>
                   <c:pt idx="10">
                     <c:v>24.3000329217884</c:v>
                   </c:pt>
                   <c:pt idx="11">
-                    <c:v>17.354204101600281</c:v>
+                    <c:v>17.354204101600285</c:v>
                   </c:pt>
                   <c:pt idx="12">
-                    <c:v>27.795567992037871</c:v>
+                    <c:v>27.795567992037867</c:v>
                   </c:pt>
                   <c:pt idx="13">
-                    <c:v>18.709526984934708</c:v>
+                    <c:v>18.709526984934701</c:v>
                   </c:pt>
                   <c:pt idx="14">
-                    <c:v>24.638538917719941</c:v>
+                    <c:v>24.638538917719938</c:v>
                   </c:pt>
                   <c:pt idx="15">
-                    <c:v>25.235760341230058</c:v>
+                    <c:v>25.235760341230055</c:v>
                   </c:pt>
                   <c:pt idx="16">
-                    <c:v>24.06508674407803</c:v>
+                    <c:v>24.065086744078027</c:v>
                   </c:pt>
                   <c:pt idx="17">
-                    <c:v>28.6183228020092</c:v>
+                    <c:v>28.618322802009196</c:v>
                   </c:pt>
                   <c:pt idx="18">
                     <c:v>29.929310048846769</c:v>
                   </c:pt>
                   <c:pt idx="19">
-                    <c:v>24.826953095375998</c:v>
+                    <c:v>24.826953095375995</c:v>
                   </c:pt>
                   <c:pt idx="20">
                     <c:v>18.824335313630598</c:v>
                   </c:pt>
                   <c:pt idx="21">
-                    <c:v>16.797868912454341</c:v>
+                    <c:v>16.797868912454344</c:v>
                   </c:pt>
                   <c:pt idx="22">
-                    <c:v>25.525869231036971</c:v>
+                    <c:v>25.525869231036967</c:v>
                   </c:pt>
                 </c:numCache>
               </c:numRef>
@@ -327,13 +330,13 @@
                   <c:v>0</c:v>
                 </c:pt>
                 <c:pt idx="1">
-                  <c:v>0.05</c:v>
+                  <c:v>5.000000000000001E-2</c:v>
                 </c:pt>
                 <c:pt idx="2">
                   <c:v>0.1</c:v>
                 </c:pt>
                 <c:pt idx="3">
-                  <c:v>0.15</c:v>
+                  <c:v>0.15000000000000002</c:v>
                 </c:pt>
                 <c:pt idx="4">
                   <c:v>0.2</c:v>
@@ -342,10 +345,10 @@
                   <c:v>0.25</c:v>
                 </c:pt>
                 <c:pt idx="6">
-                  <c:v>0.3</c:v>
+                  <c:v>0.30000000000000004</c:v>
                 </c:pt>
                 <c:pt idx="7">
-                  <c:v>0.35</c:v>
+                  <c:v>0.35000000000000003</c:v>
                 </c:pt>
                 <c:pt idx="8">
                   <c:v>0.4</c:v>
@@ -360,28 +363,28 @@
                   <c:v>0.55000000000000004</c:v>
                 </c:pt>
                 <c:pt idx="12">
-                  <c:v>0.60000000000000009</c:v>
+                  <c:v>0.6000000000000002</c:v>
                 </c:pt>
                 <c:pt idx="13">
-                  <c:v>0.65</c:v>
+                  <c:v>0.65000000000000013</c:v>
                 </c:pt>
                 <c:pt idx="14">
-                  <c:v>0.70000000000000007</c:v>
+                  <c:v>0.70000000000000018</c:v>
                 </c:pt>
                 <c:pt idx="15">
-                  <c:v>0.75</c:v>
+                  <c:v>0.75000000000000011</c:v>
                 </c:pt>
                 <c:pt idx="16">
                   <c:v>0.8</c:v>
                 </c:pt>
                 <c:pt idx="17">
-                  <c:v>0.85000000000000009</c:v>
+                  <c:v>0.8500000000000002</c:v>
                 </c:pt>
                 <c:pt idx="18">
                   <c:v>0.9</c:v>
                 </c:pt>
                 <c:pt idx="19">
-                  <c:v>0.95000000000000007</c:v>
+                  <c:v>0.95000000000000018</c:v>
                 </c:pt>
                 <c:pt idx="20">
                   <c:v>1</c:v>
@@ -408,16 +411,16 @@
                   <c:v>42.7</c:v>
                 </c:pt>
                 <c:pt idx="4">
-                  <c:v>44.62</c:v>
+                  <c:v>44.620000000000005</c:v>
                 </c:pt>
                 <c:pt idx="5">
                   <c:v>46.92</c:v>
                 </c:pt>
                 <c:pt idx="6">
-                  <c:v>44.34</c:v>
+                  <c:v>44.339999999999996</c:v>
                 </c:pt>
                 <c:pt idx="7">
-                  <c:v>52.12</c:v>
+                  <c:v>52.120000000000005</c:v>
                 </c:pt>
                 <c:pt idx="8">
                   <c:v>50.78</c:v>
@@ -450,7 +453,7 @@
                   <c:v>65.319999999999993</c:v>
                 </c:pt>
                 <c:pt idx="18">
-                  <c:v>51.38</c:v>
+                  <c:v>51.379999999999995</c:v>
                 </c:pt>
                 <c:pt idx="19">
                   <c:v>51.46</c:v>
@@ -500,46 +503,46 @@
                     <c:v>22.202558411138121</c:v>
                   </c:pt>
                   <c:pt idx="5">
-                    <c:v>19.143667360252579</c:v>
+                    <c:v>19.143667360252586</c:v>
                   </c:pt>
                   <c:pt idx="6">
-                    <c:v>19.997039780927579</c:v>
+                    <c:v>19.997039780927576</c:v>
                   </c:pt>
                   <c:pt idx="7">
                     <c:v>20.861601089082299</c:v>
                   </c:pt>
                   <c:pt idx="8">
-                    <c:v>27.580203044937871</c:v>
+                    <c:v>27.580203044937864</c:v>
                   </c:pt>
                   <c:pt idx="9">
                     <c:v>21.8906372680194</c:v>
                   </c:pt>
                   <c:pt idx="10">
-                    <c:v>22.561914812355798</c:v>
+                    <c:v>22.561914812355795</c:v>
                   </c:pt>
                   <c:pt idx="11">
-                    <c:v>20.499990243900118</c:v>
+                    <c:v>20.499990243900115</c:v>
                   </c:pt>
                   <c:pt idx="12">
-                    <c:v>21.481377981870711</c:v>
+                    <c:v>21.481377981870708</c:v>
                   </c:pt>
                   <c:pt idx="13">
-                    <c:v>27.777285684530089</c:v>
+                    <c:v>27.777285684530092</c:v>
                   </c:pt>
                   <c:pt idx="14">
-                    <c:v>30.460262638394958</c:v>
+                    <c:v>30.460262638394951</c:v>
                   </c:pt>
                   <c:pt idx="15">
-                    <c:v>22.355312567709721</c:v>
+                    <c:v>22.355312567709717</c:v>
                   </c:pt>
                   <c:pt idx="16">
                     <c:v>26.730664039638071</c:v>
                   </c:pt>
                   <c:pt idx="17">
-                    <c:v>24.333318721456799</c:v>
+                    <c:v>24.333318721456806</c:v>
                   </c:pt>
                   <c:pt idx="18">
-                    <c:v>26.314171087077781</c:v>
+                    <c:v>26.314171087077785</c:v>
                   </c:pt>
                   <c:pt idx="19">
                     <c:v>27.567401038182759</c:v>
@@ -548,7 +551,7 @@
                     <c:v>36.30083194638933</c:v>
                   </c:pt>
                   <c:pt idx="21">
-                    <c:v>31.411615685921031</c:v>
+                    <c:v>31.411615685921024</c:v>
                   </c:pt>
                   <c:pt idx="22">
                     <c:v>22.488183563818581</c:v>
@@ -575,46 +578,46 @@
                     <c:v>22.202558411138121</c:v>
                   </c:pt>
                   <c:pt idx="5">
-                    <c:v>19.143667360252579</c:v>
+                    <c:v>19.143667360252586</c:v>
                   </c:pt>
                   <c:pt idx="6">
-                    <c:v>19.997039780927579</c:v>
+                    <c:v>19.997039780927576</c:v>
                   </c:pt>
                   <c:pt idx="7">
                     <c:v>20.861601089082299</c:v>
                   </c:pt>
                   <c:pt idx="8">
-                    <c:v>27.580203044937871</c:v>
+                    <c:v>27.580203044937864</c:v>
                   </c:pt>
                   <c:pt idx="9">
                     <c:v>21.8906372680194</c:v>
                   </c:pt>
                   <c:pt idx="10">
-                    <c:v>22.561914812355798</c:v>
+                    <c:v>22.561914812355795</c:v>
                   </c:pt>
                   <c:pt idx="11">
-                    <c:v>20.499990243900118</c:v>
+                    <c:v>20.499990243900115</c:v>
                   </c:pt>
                   <c:pt idx="12">
-                    <c:v>21.481377981870711</c:v>
+                    <c:v>21.481377981870708</c:v>
                   </c:pt>
                   <c:pt idx="13">
-                    <c:v>27.777285684530089</c:v>
+                    <c:v>27.777285684530092</c:v>
                   </c:pt>
                   <c:pt idx="14">
-                    <c:v>30.460262638394958</c:v>
+                    <c:v>30.460262638394951</c:v>
                   </c:pt>
                   <c:pt idx="15">
-                    <c:v>22.355312567709721</c:v>
+                    <c:v>22.355312567709717</c:v>
                   </c:pt>
                   <c:pt idx="16">
                     <c:v>26.730664039638071</c:v>
                   </c:pt>
                   <c:pt idx="17">
-                    <c:v>24.333318721456799</c:v>
+                    <c:v>24.333318721456806</c:v>
                   </c:pt>
                   <c:pt idx="18">
-                    <c:v>26.314171087077781</c:v>
+                    <c:v>26.314171087077785</c:v>
                   </c:pt>
                   <c:pt idx="19">
                     <c:v>27.567401038182759</c:v>
@@ -623,7 +626,7 @@
                     <c:v>36.30083194638933</c:v>
                   </c:pt>
                   <c:pt idx="21">
-                    <c:v>31.411615685921031</c:v>
+                    <c:v>31.411615685921024</c:v>
                   </c:pt>
                   <c:pt idx="22">
                     <c:v>22.488183563818581</c:v>
@@ -642,13 +645,13 @@
                   <c:v>0</c:v>
                 </c:pt>
                 <c:pt idx="1">
-                  <c:v>0.05</c:v>
+                  <c:v>5.000000000000001E-2</c:v>
                 </c:pt>
                 <c:pt idx="2">
                   <c:v>0.1</c:v>
                 </c:pt>
                 <c:pt idx="3">
-                  <c:v>0.15</c:v>
+                  <c:v>0.15000000000000002</c:v>
                 </c:pt>
                 <c:pt idx="4">
                   <c:v>0.2</c:v>
@@ -657,10 +660,10 @@
                   <c:v>0.25</c:v>
                 </c:pt>
                 <c:pt idx="6">
-                  <c:v>0.3</c:v>
+                  <c:v>0.30000000000000004</c:v>
                 </c:pt>
                 <c:pt idx="7">
-                  <c:v>0.35</c:v>
+                  <c:v>0.35000000000000003</c:v>
                 </c:pt>
                 <c:pt idx="8">
                   <c:v>0.4</c:v>
@@ -675,28 +678,28 @@
                   <c:v>0.55000000000000004</c:v>
                 </c:pt>
                 <c:pt idx="12">
-                  <c:v>0.60000000000000009</c:v>
+                  <c:v>0.6000000000000002</c:v>
                 </c:pt>
                 <c:pt idx="13">
-                  <c:v>0.65</c:v>
+                  <c:v>0.65000000000000013</c:v>
                 </c:pt>
                 <c:pt idx="14">
-                  <c:v>0.70000000000000007</c:v>
+                  <c:v>0.70000000000000018</c:v>
                 </c:pt>
                 <c:pt idx="15">
-                  <c:v>0.75</c:v>
+                  <c:v>0.75000000000000011</c:v>
                 </c:pt>
                 <c:pt idx="16">
                   <c:v>0.8</c:v>
                 </c:pt>
                 <c:pt idx="17">
-                  <c:v>0.85000000000000009</c:v>
+                  <c:v>0.8500000000000002</c:v>
                 </c:pt>
                 <c:pt idx="18">
                   <c:v>0.9</c:v>
                 </c:pt>
                 <c:pt idx="19">
-                  <c:v>0.95000000000000007</c:v>
+                  <c:v>0.95000000000000018</c:v>
                 </c:pt>
                 <c:pt idx="20">
                   <c:v>1</c:v>
@@ -711,7 +714,7 @@
                 <c:formatCode>General</c:formatCode>
                 <c:ptCount val="46"/>
                 <c:pt idx="0">
-                  <c:v>37.159999999999997</c:v>
+                  <c:v>37.160000000000004</c:v>
                 </c:pt>
                 <c:pt idx="1">
                   <c:v>38.9</c:v>
@@ -723,7 +726,7 @@
                   <c:v>45.8</c:v>
                 </c:pt>
                 <c:pt idx="4">
-                  <c:v>42.72</c:v>
+                  <c:v>42.720000000000006</c:v>
                 </c:pt>
                 <c:pt idx="5">
                   <c:v>45.56</c:v>
@@ -759,7 +762,7 @@
                   <c:v>65.36</c:v>
                 </c:pt>
                 <c:pt idx="16">
-                  <c:v>63.62</c:v>
+                  <c:v>63.620000000000005</c:v>
                 </c:pt>
                 <c:pt idx="17">
                   <c:v>61.28</c:v>
@@ -809,19 +812,19 @@
                     <c:v>20.006808840992111</c:v>
                   </c:pt>
                   <c:pt idx="3">
-                    <c:v>19.359018570165169</c:v>
+                    <c:v>19.359018570165166</c:v>
                   </c:pt>
                   <c:pt idx="4">
-                    <c:v>18.804520733057782</c:v>
+                    <c:v>18.804520733057785</c:v>
                   </c:pt>
                   <c:pt idx="5">
-                    <c:v>12.360598691001989</c:v>
+                    <c:v>12.360598691001991</c:v>
                   </c:pt>
                   <c:pt idx="6">
-                    <c:v>16.72034688635377</c:v>
+                    <c:v>16.720346886353763</c:v>
                   </c:pt>
                   <c:pt idx="7">
-                    <c:v>13.010165256444671</c:v>
+                    <c:v>13.010165256444672</c:v>
                   </c:pt>
                   <c:pt idx="8">
                     <c:v>12.16291083581558</c:v>
@@ -830,37 +833,37 @@
                     <c:v>10.96474349905186</c:v>
                   </c:pt>
                   <c:pt idx="10">
-                    <c:v>9.5974163189891897</c:v>
+                    <c:v>9.5974163189891915</c:v>
                   </c:pt>
                   <c:pt idx="11">
-                    <c:v>9.880809683421699</c:v>
+                    <c:v>9.8808096834217007</c:v>
                   </c:pt>
                   <c:pt idx="12">
-                    <c:v>7.4767907553976656</c:v>
+                    <c:v>7.4767907553976682</c:v>
                   </c:pt>
                   <c:pt idx="13">
                     <c:v>7.0785309210315672</c:v>
                   </c:pt>
                   <c:pt idx="14">
-                    <c:v>6.4982766946322013</c:v>
+                    <c:v>6.4982766946322021</c:v>
                   </c:pt>
                   <c:pt idx="15">
-                    <c:v>6.3220566273958667</c:v>
+                    <c:v>6.3220566273958658</c:v>
                   </c:pt>
                   <c:pt idx="16">
-                    <c:v>5.0596442562694071</c:v>
+                    <c:v>5.0596442562694062</c:v>
                   </c:pt>
                   <c:pt idx="17">
                     <c:v>4.2286640916488034</c:v>
                   </c:pt>
                   <c:pt idx="18">
-                    <c:v>4.308131845707603</c:v>
+                    <c:v>4.3081318457076021</c:v>
                   </c:pt>
                   <c:pt idx="19">
-                    <c:v>2.5640592816859749</c:v>
+                    <c:v>2.5640592816859753</c:v>
                   </c:pt>
                   <c:pt idx="20">
-                    <c:v>2.156756824493665</c:v>
+                    <c:v>2.1567568244936641</c:v>
                   </c:pt>
                   <c:pt idx="21">
                     <c:v>1.0111379727811629</c:v>
@@ -884,19 +887,19 @@
                     <c:v>20.006808840992111</c:v>
                   </c:pt>
                   <c:pt idx="3">
-                    <c:v>19.359018570165169</c:v>
+                    <c:v>19.359018570165166</c:v>
                   </c:pt>
                   <c:pt idx="4">
-                    <c:v>18.804520733057782</c:v>
+                    <c:v>18.804520733057785</c:v>
                   </c:pt>
                   <c:pt idx="5">
-                    <c:v>12.360598691001989</c:v>
+                    <c:v>12.360598691001991</c:v>
                   </c:pt>
                   <c:pt idx="6">
-                    <c:v>16.72034688635377</c:v>
+                    <c:v>16.720346886353763</c:v>
                   </c:pt>
                   <c:pt idx="7">
-                    <c:v>13.010165256444671</c:v>
+                    <c:v>13.010165256444672</c:v>
                   </c:pt>
                   <c:pt idx="8">
                     <c:v>12.16291083581558</c:v>
@@ -905,37 +908,37 @@
                     <c:v>10.96474349905186</c:v>
                   </c:pt>
                   <c:pt idx="10">
-                    <c:v>9.5974163189891897</c:v>
+                    <c:v>9.5974163189891915</c:v>
                   </c:pt>
                   <c:pt idx="11">
-                    <c:v>9.880809683421699</c:v>
+                    <c:v>9.8808096834217007</c:v>
                   </c:pt>
                   <c:pt idx="12">
-                    <c:v>7.4767907553976656</c:v>
+                    <c:v>7.4767907553976682</c:v>
                   </c:pt>
                   <c:pt idx="13">
                     <c:v>7.0785309210315672</c:v>
                   </c:pt>
                   <c:pt idx="14">
-                    <c:v>6.4982766946322013</c:v>
+                    <c:v>6.4982766946322021</c:v>
                   </c:pt>
                   <c:pt idx="15">
-                    <c:v>6.3220566273958667</c:v>
+                    <c:v>6.3220566273958658</c:v>
                   </c:pt>
                   <c:pt idx="16">
-                    <c:v>5.0596442562694071</c:v>
+                    <c:v>5.0596442562694062</c:v>
                   </c:pt>
                   <c:pt idx="17">
                     <c:v>4.2286640916488034</c:v>
                   </c:pt>
                   <c:pt idx="18">
-                    <c:v>4.308131845707603</c:v>
+                    <c:v>4.3081318457076021</c:v>
                   </c:pt>
                   <c:pt idx="19">
-                    <c:v>2.5640592816859749</c:v>
+                    <c:v>2.5640592816859753</c:v>
                   </c:pt>
                   <c:pt idx="20">
-                    <c:v>2.156756824493665</c:v>
+                    <c:v>2.1567568244936641</c:v>
                   </c:pt>
                   <c:pt idx="21">
                     <c:v>1.0111379727811629</c:v>
@@ -957,13 +960,13 @@
                   <c:v>0</c:v>
                 </c:pt>
                 <c:pt idx="1">
-                  <c:v>0.05</c:v>
+                  <c:v>5.000000000000001E-2</c:v>
                 </c:pt>
                 <c:pt idx="2">
                   <c:v>0.1</c:v>
                 </c:pt>
                 <c:pt idx="3">
-                  <c:v>0.15</c:v>
+                  <c:v>0.15000000000000002</c:v>
                 </c:pt>
                 <c:pt idx="4">
                   <c:v>0.2</c:v>
@@ -972,10 +975,10 @@
                   <c:v>0.25</c:v>
                 </c:pt>
                 <c:pt idx="6">
-                  <c:v>0.3</c:v>
+                  <c:v>0.30000000000000004</c:v>
                 </c:pt>
                 <c:pt idx="7">
-                  <c:v>0.35</c:v>
+                  <c:v>0.35000000000000003</c:v>
                 </c:pt>
                 <c:pt idx="8">
                   <c:v>0.4</c:v>
@@ -990,28 +993,28 @@
                   <c:v>0.55000000000000004</c:v>
                 </c:pt>
                 <c:pt idx="12">
-                  <c:v>0.60000000000000009</c:v>
+                  <c:v>0.6000000000000002</c:v>
                 </c:pt>
                 <c:pt idx="13">
-                  <c:v>0.65</c:v>
+                  <c:v>0.65000000000000013</c:v>
                 </c:pt>
                 <c:pt idx="14">
-                  <c:v>0.70000000000000007</c:v>
+                  <c:v>0.70000000000000018</c:v>
                 </c:pt>
                 <c:pt idx="15">
-                  <c:v>0.75</c:v>
+                  <c:v>0.75000000000000011</c:v>
                 </c:pt>
                 <c:pt idx="16">
                   <c:v>0.8</c:v>
                 </c:pt>
                 <c:pt idx="17">
-                  <c:v>0.85000000000000009</c:v>
+                  <c:v>0.8500000000000002</c:v>
                 </c:pt>
                 <c:pt idx="18">
                   <c:v>0.9</c:v>
                 </c:pt>
                 <c:pt idx="19">
-                  <c:v>0.95000000000000007</c:v>
+                  <c:v>0.95000000000000018</c:v>
                 </c:pt>
                 <c:pt idx="20">
                   <c:v>1</c:v>
@@ -1035,7 +1038,7 @@
                   <c:v>40.5</c:v>
                 </c:pt>
                 <c:pt idx="3">
-                  <c:v>35.659999999999997</c:v>
+                  <c:v>35.660000000000004</c:v>
                 </c:pt>
                 <c:pt idx="4">
                   <c:v>36.1</c:v>
@@ -1056,7 +1059,7 @@
                   <c:v>26.36</c:v>
                 </c:pt>
                 <c:pt idx="10">
-                  <c:v>23.76</c:v>
+                  <c:v>23.759999999999998</c:v>
                 </c:pt>
                 <c:pt idx="11">
                   <c:v>23.88</c:v>
@@ -1065,13 +1068,13 @@
                   <c:v>20.18</c:v>
                 </c:pt>
                 <c:pt idx="13">
-                  <c:v>18.46</c:v>
+                  <c:v>18.459999999999997</c:v>
                 </c:pt>
                 <c:pt idx="14">
                   <c:v>16.8</c:v>
                 </c:pt>
                 <c:pt idx="15">
-                  <c:v>14.72</c:v>
+                  <c:v>14.719999999999999</c:v>
                 </c:pt>
                 <c:pt idx="16">
                   <c:v>13.2</c:v>
@@ -1080,7 +1083,7 @@
                   <c:v>10.16</c:v>
                 </c:pt>
                 <c:pt idx="18">
-                  <c:v>8.2200000000000006</c:v>
+                  <c:v>8.2199999999999989</c:v>
                 </c:pt>
                 <c:pt idx="19">
                   <c:v>7.24</c:v>
@@ -1124,10 +1127,10 @@
                     <c:v>16.325440269714019</c:v>
                   </c:pt>
                   <c:pt idx="3">
-                    <c:v>13.044554419373631</c:v>
+                    <c:v>13.044554419373632</c:v>
                   </c:pt>
                   <c:pt idx="4">
-                    <c:v>17.381150709892601</c:v>
+                    <c:v>17.381150709892605</c:v>
                   </c:pt>
                   <c:pt idx="5">
                     <c:v>14.0511778865688</c:v>
@@ -1139,19 +1142,19 @@
                     <c:v>13.751741707871041</c:v>
                   </c:pt>
                   <c:pt idx="8">
-                    <c:v>13.689777207829209</c:v>
+                    <c:v>13.689777207829211</c:v>
                   </c:pt>
                   <c:pt idx="9">
                     <c:v>8.3744611766966841</c:v>
                   </c:pt>
                   <c:pt idx="10">
-                    <c:v>10.706801576568051</c:v>
+                    <c:v>10.706801576568052</c:v>
                   </c:pt>
                   <c:pt idx="11">
-                    <c:v>9.5440243084350964</c:v>
+                    <c:v>9.5440243084350946</c:v>
                   </c:pt>
                   <c:pt idx="12">
-                    <c:v>7.7388629655783419</c:v>
+                    <c:v>7.7388629655783427</c:v>
                   </c:pt>
                   <c:pt idx="13">
                     <c:v>5.9711305462198698</c:v>
@@ -1160,22 +1163,22 @@
                     <c:v>6.7959988228368609</c:v>
                   </c:pt>
                   <c:pt idx="15">
-                    <c:v>6.969763267141861</c:v>
+                    <c:v>6.9697632671418619</c:v>
                   </c:pt>
                   <c:pt idx="16">
-                    <c:v>4.2209477608707733</c:v>
+                    <c:v>4.2209477608707724</c:v>
                   </c:pt>
                   <c:pt idx="17">
-                    <c:v>3.3754407119663652</c:v>
+                    <c:v>3.3754407119663647</c:v>
                   </c:pt>
                   <c:pt idx="18">
-                    <c:v>3.2771328932467778</c:v>
+                    <c:v>3.2771328932467783</c:v>
                   </c:pt>
                   <c:pt idx="19">
-                    <c:v>3.245242671973855</c:v>
+                    <c:v>3.2452426719738545</c:v>
                   </c:pt>
                   <c:pt idx="20">
-                    <c:v>1.5067846561469891</c:v>
+                    <c:v>1.5067846561469889</c:v>
                   </c:pt>
                   <c:pt idx="21">
                     <c:v>1.0873821775254551</c:v>
@@ -1199,10 +1202,10 @@
                     <c:v>16.325440269714019</c:v>
                   </c:pt>
                   <c:pt idx="3">
-                    <c:v>13.044554419373631</c:v>
+                    <c:v>13.044554419373632</c:v>
                   </c:pt>
                   <c:pt idx="4">
-                    <c:v>17.381150709892601</c:v>
+                    <c:v>17.381150709892605</c:v>
                   </c:pt>
                   <c:pt idx="5">
                     <c:v>14.0511778865688</c:v>
@@ -1214,19 +1217,19 @@
                     <c:v>13.751741707871041</c:v>
                   </c:pt>
                   <c:pt idx="8">
-                    <c:v>13.689777207829209</c:v>
+                    <c:v>13.689777207829211</c:v>
                   </c:pt>
                   <c:pt idx="9">
                     <c:v>8.3744611766966841</c:v>
                   </c:pt>
                   <c:pt idx="10">
-                    <c:v>10.706801576568051</c:v>
+                    <c:v>10.706801576568052</c:v>
                   </c:pt>
                   <c:pt idx="11">
-                    <c:v>9.5440243084350964</c:v>
+                    <c:v>9.5440243084350946</c:v>
                   </c:pt>
                   <c:pt idx="12">
-                    <c:v>7.7388629655783419</c:v>
+                    <c:v>7.7388629655783427</c:v>
                   </c:pt>
                   <c:pt idx="13">
                     <c:v>5.9711305462198698</c:v>
@@ -1235,22 +1238,22 @@
                     <c:v>6.7959988228368609</c:v>
                   </c:pt>
                   <c:pt idx="15">
-                    <c:v>6.969763267141861</c:v>
+                    <c:v>6.9697632671418619</c:v>
                   </c:pt>
                   <c:pt idx="16">
-                    <c:v>4.2209477608707733</c:v>
+                    <c:v>4.2209477608707724</c:v>
                   </c:pt>
                   <c:pt idx="17">
-                    <c:v>3.3754407119663652</c:v>
+                    <c:v>3.3754407119663647</c:v>
                   </c:pt>
                   <c:pt idx="18">
-                    <c:v>3.2771328932467778</c:v>
+                    <c:v>3.2771328932467783</c:v>
                   </c:pt>
                   <c:pt idx="19">
-                    <c:v>3.245242671973855</c:v>
+                    <c:v>3.2452426719738545</c:v>
                   </c:pt>
                   <c:pt idx="20">
-                    <c:v>1.5067846561469891</c:v>
+                    <c:v>1.5067846561469889</c:v>
                   </c:pt>
                   <c:pt idx="21">
                     <c:v>1.0873821775254551</c:v>
@@ -1272,13 +1275,13 @@
                   <c:v>0</c:v>
                 </c:pt>
                 <c:pt idx="1">
-                  <c:v>0.05</c:v>
+                  <c:v>5.000000000000001E-2</c:v>
                 </c:pt>
                 <c:pt idx="2">
                   <c:v>0.1</c:v>
                 </c:pt>
                 <c:pt idx="3">
-                  <c:v>0.15</c:v>
+                  <c:v>0.15000000000000002</c:v>
                 </c:pt>
                 <c:pt idx="4">
                   <c:v>0.2</c:v>
@@ -1287,10 +1290,10 @@
                   <c:v>0.25</c:v>
                 </c:pt>
                 <c:pt idx="6">
-                  <c:v>0.3</c:v>
+                  <c:v>0.30000000000000004</c:v>
                 </c:pt>
                 <c:pt idx="7">
-                  <c:v>0.35</c:v>
+                  <c:v>0.35000000000000003</c:v>
                 </c:pt>
                 <c:pt idx="8">
                   <c:v>0.4</c:v>
@@ -1305,28 +1308,28 @@
                   <c:v>0.55000000000000004</c:v>
                 </c:pt>
                 <c:pt idx="12">
-                  <c:v>0.60000000000000009</c:v>
+                  <c:v>0.6000000000000002</c:v>
                 </c:pt>
                 <c:pt idx="13">
-                  <c:v>0.65</c:v>
+                  <c:v>0.65000000000000013</c:v>
                 </c:pt>
                 <c:pt idx="14">
-                  <c:v>0.70000000000000007</c:v>
+                  <c:v>0.70000000000000018</c:v>
                 </c:pt>
                 <c:pt idx="15">
-                  <c:v>0.75</c:v>
+                  <c:v>0.75000000000000011</c:v>
                 </c:pt>
                 <c:pt idx="16">
                   <c:v>0.8</c:v>
                 </c:pt>
                 <c:pt idx="17">
-                  <c:v>0.85000000000000009</c:v>
+                  <c:v>0.8500000000000002</c:v>
                 </c:pt>
                 <c:pt idx="18">
                   <c:v>0.9</c:v>
                 </c:pt>
                 <c:pt idx="19">
-                  <c:v>0.95000000000000007</c:v>
+                  <c:v>0.95000000000000018</c:v>
                 </c:pt>
                 <c:pt idx="20">
                   <c:v>1</c:v>
@@ -1347,13 +1350,13 @@
                   <c:v>37.14</c:v>
                 </c:pt>
                 <c:pt idx="2">
-                  <c:v>40.659999999999997</c:v>
+                  <c:v>40.660000000000004</c:v>
                 </c:pt>
                 <c:pt idx="3">
-                  <c:v>36.380000000000003</c:v>
+                  <c:v>36.379999999999995</c:v>
                 </c:pt>
                 <c:pt idx="4">
-                  <c:v>35.26</c:v>
+                  <c:v>35.260000000000005</c:v>
                 </c:pt>
                 <c:pt idx="5">
                   <c:v>33.36</c:v>
@@ -1362,7 +1365,7 @@
                   <c:v>35.1</c:v>
                 </c:pt>
                 <c:pt idx="7">
-                  <c:v>27.78</c:v>
+                  <c:v>27.779999999999998</c:v>
                 </c:pt>
                 <c:pt idx="8">
                   <c:v>29.38</c:v>
@@ -1408,11 +1411,11 @@
           </c:yVal>
           <c:smooth val="1"/>
         </c:ser>
-        <c:axId val="65315584"/>
-        <c:axId val="65317504"/>
+        <c:axId val="65307008"/>
+        <c:axId val="65308928"/>
       </c:scatterChart>
       <c:valAx>
-        <c:axId val="65315584"/>
+        <c:axId val="65307008"/>
         <c:scaling>
           <c:orientation val="minMax"/>
         </c:scaling>
@@ -1444,12 +1447,12 @@
         </c:title>
         <c:numFmt formatCode="General" sourceLinked="1"/>
         <c:tickLblPos val="nextTo"/>
-        <c:crossAx val="65317504"/>
+        <c:crossAx val="65308928"/>
         <c:crosses val="autoZero"/>
         <c:crossBetween val="midCat"/>
       </c:valAx>
       <c:valAx>
-        <c:axId val="65317504"/>
+        <c:axId val="65308928"/>
         <c:scaling>
           <c:orientation val="minMax"/>
         </c:scaling>
@@ -1476,7 +1479,7 @@
         </c:title>
         <c:numFmt formatCode="General" sourceLinked="1"/>
         <c:tickLblPos val="nextTo"/>
-        <c:crossAx val="65315584"/>
+        <c:crossAx val="65307008"/>
         <c:crosses val="autoZero"/>
         <c:crossBetween val="midCat"/>
       </c:valAx>
@@ -1493,6 +1496,7 @@
 
 <file path=ppt/charts/chart2.xml><?xml version="1.0" encoding="utf-8"?>
 <c:chartSpace xmlns:c="http://schemas.openxmlformats.org/drawingml/2006/chart" xmlns:a="http://schemas.openxmlformats.org/drawingml/2006/main" xmlns:r="http://schemas.openxmlformats.org/officeDocument/2006/relationships">
+  <c:date1904 val="1"/>
   <c:lang val="en-US"/>
   <c:chart>
     <c:title>
@@ -1519,10 +1523,10 @@
           <c:layoutTarget val="inner"/>
           <c:xMode val="edge"/>
           <c:yMode val="edge"/>
-          <c:x val="0.10866907261592303"/>
-          <c:y val="0.1214700787401575"/>
+          <c:x val="0.10866907261592304"/>
+          <c:y val="0.12147007874015751"/>
           <c:w val="0.74166426071741032"/>
-          <c:h val="0.7388729658792651"/>
+          <c:h val="0.73887296587926499"/>
         </c:manualLayout>
       </c:layout>
       <c:scatterChart>
@@ -1555,31 +1559,31 @@
                     <c:v>49.096900105811159</c:v>
                   </c:pt>
                   <c:pt idx="1">
-                    <c:v>65.35533643092964</c:v>
+                    <c:v>65.355336430929611</c:v>
                   </c:pt>
                   <c:pt idx="2">
-                    <c:v>59.327754044797622</c:v>
+                    <c:v>59.327754044797615</c:v>
                   </c:pt>
                   <c:pt idx="3">
-                    <c:v>62.880508903793078</c:v>
+                    <c:v>62.880508903793071</c:v>
                   </c:pt>
                   <c:pt idx="4">
                     <c:v>70.788993494751708</c:v>
                   </c:pt>
                   <c:pt idx="5">
-                    <c:v>67.947320771315191</c:v>
+                    <c:v>67.947320771315219</c:v>
                   </c:pt>
                   <c:pt idx="6">
-                    <c:v>65.771775101482547</c:v>
+                    <c:v>65.771775101482518</c:v>
                   </c:pt>
                   <c:pt idx="7">
-                    <c:v>63.016493079193161</c:v>
+                    <c:v>63.016493079193147</c:v>
                   </c:pt>
                   <c:pt idx="8">
-                    <c:v>61.079702029397623</c:v>
+                    <c:v>61.079702029397616</c:v>
                   </c:pt>
                   <c:pt idx="9">
-                    <c:v>53.414863100077298</c:v>
+                    <c:v>53.414863100077291</c:v>
                   </c:pt>
                   <c:pt idx="10">
                     <c:v>61.284725666351811</c:v>
@@ -1588,10 +1592,10 @@
                     <c:v>57.079397333889219</c:v>
                   </c:pt>
                   <c:pt idx="12">
-                    <c:v>64.269510656297982</c:v>
+                    <c:v>64.269510656297996</c:v>
                   </c:pt>
                   <c:pt idx="13">
-                    <c:v>58.912219445544572</c:v>
+                    <c:v>58.912219445544565</c:v>
                   </c:pt>
                   <c:pt idx="14">
                     <c:v>50.939948959534703</c:v>
@@ -1600,16 +1604,16 @@
                     <c:v>66.979985070168539</c:v>
                   </c:pt>
                   <c:pt idx="16">
-                    <c:v>52.316960920909771</c:v>
+                    <c:v>52.316960920909779</c:v>
                   </c:pt>
                   <c:pt idx="17">
-                    <c:v>51.778377726614799</c:v>
+                    <c:v>51.778377726614806</c:v>
                   </c:pt>
                   <c:pt idx="18">
-                    <c:v>48.580094689080219</c:v>
+                    <c:v>48.580094689080205</c:v>
                   </c:pt>
                   <c:pt idx="19">
-                    <c:v>47.496631459504577</c:v>
+                    <c:v>47.49663145950457</c:v>
                   </c:pt>
                   <c:pt idx="20">
                     <c:v>66.121793684079691</c:v>
@@ -1627,31 +1631,31 @@
                     <c:v>49.096900105811159</c:v>
                   </c:pt>
                   <c:pt idx="1">
-                    <c:v>65.35533643092964</c:v>
+                    <c:v>65.355336430929611</c:v>
                   </c:pt>
                   <c:pt idx="2">
-                    <c:v>59.327754044797622</c:v>
+                    <c:v>59.327754044797615</c:v>
                   </c:pt>
                   <c:pt idx="3">
-                    <c:v>62.880508903793078</c:v>
+                    <c:v>62.880508903793071</c:v>
                   </c:pt>
                   <c:pt idx="4">
                     <c:v>70.788993494751708</c:v>
                   </c:pt>
                   <c:pt idx="5">
-                    <c:v>67.947320771315191</c:v>
+                    <c:v>67.947320771315219</c:v>
                   </c:pt>
                   <c:pt idx="6">
-                    <c:v>65.771775101482547</c:v>
+                    <c:v>65.771775101482518</c:v>
                   </c:pt>
                   <c:pt idx="7">
-                    <c:v>63.016493079193161</c:v>
+                    <c:v>63.016493079193147</c:v>
                   </c:pt>
                   <c:pt idx="8">
-                    <c:v>61.079702029397623</c:v>
+                    <c:v>61.079702029397616</c:v>
                   </c:pt>
                   <c:pt idx="9">
-                    <c:v>53.414863100077298</c:v>
+                    <c:v>53.414863100077291</c:v>
                   </c:pt>
                   <c:pt idx="10">
                     <c:v>61.284725666351811</c:v>
@@ -1660,10 +1664,10 @@
                     <c:v>57.079397333889219</c:v>
                   </c:pt>
                   <c:pt idx="12">
-                    <c:v>64.269510656297982</c:v>
+                    <c:v>64.269510656297996</c:v>
                   </c:pt>
                   <c:pt idx="13">
-                    <c:v>58.912219445544572</c:v>
+                    <c:v>58.912219445544565</c:v>
                   </c:pt>
                   <c:pt idx="14">
                     <c:v>50.939948959534703</c:v>
@@ -1672,16 +1676,16 @@
                     <c:v>66.979985070168539</c:v>
                   </c:pt>
                   <c:pt idx="16">
-                    <c:v>52.316960920909771</c:v>
+                    <c:v>52.316960920909779</c:v>
                   </c:pt>
                   <c:pt idx="17">
-                    <c:v>51.778377726614799</c:v>
+                    <c:v>51.778377726614806</c:v>
                   </c:pt>
                   <c:pt idx="18">
-                    <c:v>48.580094689080219</c:v>
+                    <c:v>48.580094689080205</c:v>
                   </c:pt>
                   <c:pt idx="19">
-                    <c:v>47.496631459504577</c:v>
+                    <c:v>47.49663145950457</c:v>
                   </c:pt>
                   <c:pt idx="20">
                     <c:v>66.121793684079691</c:v>
@@ -1706,7 +1710,7 @@
                   <c:v>0.1</c:v>
                 </c:pt>
                 <c:pt idx="3">
-                  <c:v>0.15</c:v>
+                  <c:v>0.15000000000000002</c:v>
                 </c:pt>
                 <c:pt idx="4">
                   <c:v>0.2</c:v>
@@ -1715,10 +1719,10 @@
                   <c:v>0.25</c:v>
                 </c:pt>
                 <c:pt idx="6">
-                  <c:v>0.3</c:v>
+                  <c:v>0.30000000000000004</c:v>
                 </c:pt>
                 <c:pt idx="7">
-                  <c:v>0.35</c:v>
+                  <c:v>0.35000000000000003</c:v>
                 </c:pt>
                 <c:pt idx="8">
                   <c:v>0.4</c:v>
@@ -1733,28 +1737,28 @@
                   <c:v>0.55000000000000004</c:v>
                 </c:pt>
                 <c:pt idx="12">
-                  <c:v>0.60000000000000009</c:v>
+                  <c:v>0.6000000000000002</c:v>
                 </c:pt>
                 <c:pt idx="13">
-                  <c:v>0.65</c:v>
+                  <c:v>0.65000000000000013</c:v>
                 </c:pt>
                 <c:pt idx="14">
-                  <c:v>0.70000000000000007</c:v>
+                  <c:v>0.70000000000000018</c:v>
                 </c:pt>
                 <c:pt idx="15">
-                  <c:v>0.75</c:v>
+                  <c:v>0.75000000000000011</c:v>
                 </c:pt>
                 <c:pt idx="16">
                   <c:v>0.8</c:v>
                 </c:pt>
                 <c:pt idx="17">
-                  <c:v>0.85000000000000009</c:v>
+                  <c:v>0.8500000000000002</c:v>
                 </c:pt>
                 <c:pt idx="18">
                   <c:v>0.9</c:v>
                 </c:pt>
                 <c:pt idx="19">
-                  <c:v>0.95000000000000007</c:v>
+                  <c:v>0.95000000000000018</c:v>
                 </c:pt>
                 <c:pt idx="20">
                   <c:v>1</c:v>
@@ -1769,7 +1773,7 @@
                 <c:formatCode>General</c:formatCode>
                 <c:ptCount val="21"/>
                 <c:pt idx="0">
-                  <c:v>46.12</c:v>
+                  <c:v>46.120000000000005</c:v>
                 </c:pt>
                 <c:pt idx="1">
                   <c:v>61</c:v>
@@ -1787,7 +1791,7 @@
                   <c:v>63.04</c:v>
                 </c:pt>
                 <c:pt idx="6">
-                  <c:v>66.44</c:v>
+                  <c:v>66.440000000000012</c:v>
                 </c:pt>
                 <c:pt idx="7">
                   <c:v>64.040000000000006</c:v>
@@ -1817,13 +1821,13 @@
                   <c:v>79.040000000000006</c:v>
                 </c:pt>
                 <c:pt idx="16">
-                  <c:v>61.34</c:v>
+                  <c:v>61.339999999999996</c:v>
                 </c:pt>
                 <c:pt idx="17">
                   <c:v>54.86</c:v>
                 </c:pt>
                 <c:pt idx="18">
-                  <c:v>57.88</c:v>
+                  <c:v>57.879999999999995</c:v>
                 </c:pt>
                 <c:pt idx="19">
                   <c:v>49.7</c:v>
@@ -1861,25 +1865,25 @@
                   <c:formatCode>General</c:formatCode>
                   <c:ptCount val="21"/>
                   <c:pt idx="0">
-                    <c:v>63.627038277763653</c:v>
+                    <c:v>63.627038277763646</c:v>
                   </c:pt>
                   <c:pt idx="1">
-                    <c:v>56.981386434519123</c:v>
+                    <c:v>56.981386434519116</c:v>
                   </c:pt>
                   <c:pt idx="2">
-                    <c:v>53.450047708117147</c:v>
+                    <c:v>53.45004770811714</c:v>
                   </c:pt>
                   <c:pt idx="3">
-                    <c:v>68.186711315328878</c:v>
+                    <c:v>68.186711315328864</c:v>
                   </c:pt>
                   <c:pt idx="4">
-                    <c:v>67.38879728857016</c:v>
+                    <c:v>67.388797288570146</c:v>
                   </c:pt>
                   <c:pt idx="5">
-                    <c:v>58.309464068879933</c:v>
+                    <c:v>58.309464068879926</c:v>
                   </c:pt>
                   <c:pt idx="6">
-                    <c:v>61.065879179784183</c:v>
+                    <c:v>61.065879179784176</c:v>
                   </c:pt>
                   <c:pt idx="7">
                     <c:v>59.211650880548838</c:v>
@@ -1888,25 +1892,25 @@
                     <c:v>59.890530136241082</c:v>
                   </c:pt>
                   <c:pt idx="9">
-                    <c:v>52.777271623303911</c:v>
+                    <c:v>52.777271623303903</c:v>
                   </c:pt>
                   <c:pt idx="10">
-                    <c:v>67.508189132874847</c:v>
+                    <c:v>67.508189132874818</c:v>
                   </c:pt>
                   <c:pt idx="11">
-                    <c:v>62.057341225676112</c:v>
+                    <c:v>62.057341225676097</c:v>
                   </c:pt>
                   <c:pt idx="12">
                     <c:v>63.602732645696918</c:v>
                   </c:pt>
                   <c:pt idx="13">
-                    <c:v>57.453288852771522</c:v>
+                    <c:v>57.453288852771514</c:v>
                   </c:pt>
                   <c:pt idx="14">
-                    <c:v>62.973962873555926</c:v>
+                    <c:v>62.973962873555934</c:v>
                   </c:pt>
                   <c:pt idx="15">
-                    <c:v>63.058068476603367</c:v>
+                    <c:v>63.058068476603353</c:v>
                   </c:pt>
                   <c:pt idx="16">
                     <c:v>52.148035437588639</c:v>
@@ -1918,10 +1922,10 @@
                     <c:v>61.504393339012793</c:v>
                   </c:pt>
                   <c:pt idx="19">
-                    <c:v>45.648837882250618</c:v>
+                    <c:v>45.648837882250611</c:v>
                   </c:pt>
                   <c:pt idx="20">
-                    <c:v>60.325039577276698</c:v>
+                    <c:v>60.325039577276691</c:v>
                   </c:pt>
                 </c:numCache>
               </c:numRef>
@@ -1933,25 +1937,25 @@
                   <c:formatCode>General</c:formatCode>
                   <c:ptCount val="21"/>
                   <c:pt idx="0">
-                    <c:v>63.627038277763653</c:v>
+                    <c:v>63.627038277763646</c:v>
                   </c:pt>
                   <c:pt idx="1">
-                    <c:v>56.981386434519123</c:v>
+                    <c:v>56.981386434519116</c:v>
                   </c:pt>
                   <c:pt idx="2">
-                    <c:v>53.450047708117147</c:v>
+                    <c:v>53.45004770811714</c:v>
                   </c:pt>
                   <c:pt idx="3">
-                    <c:v>68.186711315328878</c:v>
+                    <c:v>68.186711315328864</c:v>
                   </c:pt>
                   <c:pt idx="4">
-                    <c:v>67.38879728857016</c:v>
+                    <c:v>67.388797288570146</c:v>
                   </c:pt>
                   <c:pt idx="5">
-                    <c:v>58.309464068879933</c:v>
+                    <c:v>58.309464068879926</c:v>
                   </c:pt>
                   <c:pt idx="6">
-                    <c:v>61.065879179784183</c:v>
+                    <c:v>61.065879179784176</c:v>
                   </c:pt>
                   <c:pt idx="7">
                     <c:v>59.211650880548838</c:v>
@@ -1960,25 +1964,25 @@
                     <c:v>59.890530136241082</c:v>
                   </c:pt>
                   <c:pt idx="9">
-                    <c:v>52.777271623303911</c:v>
+                    <c:v>52.777271623303903</c:v>
                   </c:pt>
                   <c:pt idx="10">
-                    <c:v>67.508189132874847</c:v>
+                    <c:v>67.508189132874818</c:v>
                   </c:pt>
                   <c:pt idx="11">
-                    <c:v>62.057341225676112</c:v>
+                    <c:v>62.057341225676097</c:v>
                   </c:pt>
                   <c:pt idx="12">
                     <c:v>63.602732645696918</c:v>
                   </c:pt>
                   <c:pt idx="13">
-                    <c:v>57.453288852771522</c:v>
+                    <c:v>57.453288852771514</c:v>
                   </c:pt>
                   <c:pt idx="14">
-                    <c:v>62.973962873555926</c:v>
+                    <c:v>62.973962873555934</c:v>
                   </c:pt>
                   <c:pt idx="15">
-                    <c:v>63.058068476603367</c:v>
+                    <c:v>63.058068476603353</c:v>
                   </c:pt>
                   <c:pt idx="16">
                     <c:v>52.148035437588639</c:v>
@@ -1990,10 +1994,10 @@
                     <c:v>61.504393339012793</c:v>
                   </c:pt>
                   <c:pt idx="19">
-                    <c:v>45.648837882250618</c:v>
+                    <c:v>45.648837882250611</c:v>
                   </c:pt>
                   <c:pt idx="20">
-                    <c:v>60.325039577276698</c:v>
+                    <c:v>60.325039577276691</c:v>
                   </c:pt>
                 </c:numCache>
               </c:numRef>
@@ -2015,7 +2019,7 @@
                   <c:v>0.1</c:v>
                 </c:pt>
                 <c:pt idx="3">
-                  <c:v>0.15</c:v>
+                  <c:v>0.15000000000000002</c:v>
                 </c:pt>
                 <c:pt idx="4">
                   <c:v>0.2</c:v>
@@ -2024,10 +2028,10 @@
                   <c:v>0.25</c:v>
                 </c:pt>
                 <c:pt idx="6">
-                  <c:v>0.3</c:v>
+                  <c:v>0.30000000000000004</c:v>
                 </c:pt>
                 <c:pt idx="7">
-                  <c:v>0.35</c:v>
+                  <c:v>0.35000000000000003</c:v>
                 </c:pt>
                 <c:pt idx="8">
                   <c:v>0.4</c:v>
@@ -2042,28 +2046,28 @@
                   <c:v>0.55000000000000004</c:v>
                 </c:pt>
                 <c:pt idx="12">
-                  <c:v>0.60000000000000009</c:v>
+                  <c:v>0.6000000000000002</c:v>
                 </c:pt>
                 <c:pt idx="13">
-                  <c:v>0.65</c:v>
+                  <c:v>0.65000000000000013</c:v>
                 </c:pt>
                 <c:pt idx="14">
-                  <c:v>0.70000000000000007</c:v>
+                  <c:v>0.70000000000000018</c:v>
                 </c:pt>
                 <c:pt idx="15">
-                  <c:v>0.75</c:v>
+                  <c:v>0.75000000000000011</c:v>
                 </c:pt>
                 <c:pt idx="16">
                   <c:v>0.8</c:v>
                 </c:pt>
                 <c:pt idx="17">
-                  <c:v>0.85000000000000009</c:v>
+                  <c:v>0.8500000000000002</c:v>
                 </c:pt>
                 <c:pt idx="18">
                   <c:v>0.9</c:v>
                 </c:pt>
                 <c:pt idx="19">
-                  <c:v>0.95000000000000007</c:v>
+                  <c:v>0.95000000000000018</c:v>
                 </c:pt>
                 <c:pt idx="20">
                   <c:v>1</c:v>
@@ -2102,13 +2106,13 @@
                   <c:v>60.02</c:v>
                 </c:pt>
                 <c:pt idx="8">
-                  <c:v>62.38</c:v>
+                  <c:v>62.379999999999995</c:v>
                 </c:pt>
                 <c:pt idx="9">
                   <c:v>51.86</c:v>
                 </c:pt>
                 <c:pt idx="10">
-                  <c:v>62.38</c:v>
+                  <c:v>62.379999999999995</c:v>
                 </c:pt>
                 <c:pt idx="11">
                   <c:v>59.92</c:v>
@@ -2173,10 +2177,10 @@
                     <c:v>67.440370698862566</c:v>
                   </c:pt>
                   <c:pt idx="1">
-                    <c:v>58.266371090020712</c:v>
+                    <c:v>58.266371090020719</c:v>
                   </c:pt>
                   <c:pt idx="2">
-                    <c:v>60.081611163483288</c:v>
+                    <c:v>60.081611163483274</c:v>
                   </c:pt>
                   <c:pt idx="3">
                     <c:v>58.652413420080173</c:v>
@@ -2197,16 +2201,16 @@
                     <c:v>48.680690216963853</c:v>
                   </c:pt>
                   <c:pt idx="9">
-                    <c:v>76.249527211648982</c:v>
+                    <c:v>76.249527211648996</c:v>
                   </c:pt>
                   <c:pt idx="10">
-                    <c:v>64.864400097434029</c:v>
+                    <c:v>64.864400097434014</c:v>
                   </c:pt>
                   <c:pt idx="11">
-                    <c:v>65.770878054044559</c:v>
+                    <c:v>65.770878054044545</c:v>
                   </c:pt>
                   <c:pt idx="12">
-                    <c:v>67.043377003250669</c:v>
+                    <c:v>67.043377003250654</c:v>
                   </c:pt>
                   <c:pt idx="13">
                     <c:v>61.907983330100492</c:v>
@@ -2215,10 +2219,10 @@
                     <c:v>65.821346081647405</c:v>
                   </c:pt>
                   <c:pt idx="15">
-                    <c:v>62.092643686671927</c:v>
+                    <c:v>62.092643686671934</c:v>
                   </c:pt>
                   <c:pt idx="16">
-                    <c:v>62.478873229276473</c:v>
+                    <c:v>62.478873229276466</c:v>
                   </c:pt>
                   <c:pt idx="17">
                     <c:v>59.674788646462758</c:v>
@@ -2230,7 +2234,7 @@
                     <c:v>63.304900284259197</c:v>
                   </c:pt>
                   <c:pt idx="20">
-                    <c:v>28.675536612241451</c:v>
+                    <c:v>28.675536612241448</c:v>
                   </c:pt>
                 </c:numCache>
               </c:numRef>
@@ -2245,10 +2249,10 @@
                     <c:v>67.440370698862566</c:v>
                   </c:pt>
                   <c:pt idx="1">
-                    <c:v>58.266371090020712</c:v>
+                    <c:v>58.266371090020719</c:v>
                   </c:pt>
                   <c:pt idx="2">
-                    <c:v>60.081611163483288</c:v>
+                    <c:v>60.081611163483274</c:v>
                   </c:pt>
                   <c:pt idx="3">
                     <c:v>58.652413420080173</c:v>
@@ -2269,16 +2273,16 @@
                     <c:v>48.680690216963853</c:v>
                   </c:pt>
                   <c:pt idx="9">
-                    <c:v>76.249527211648982</c:v>
+                    <c:v>76.249527211648996</c:v>
                   </c:pt>
                   <c:pt idx="10">
-                    <c:v>64.864400097434029</c:v>
+                    <c:v>64.864400097434014</c:v>
                   </c:pt>
                   <c:pt idx="11">
-                    <c:v>65.770878054044559</c:v>
+                    <c:v>65.770878054044545</c:v>
                   </c:pt>
                   <c:pt idx="12">
-                    <c:v>67.043377003250669</c:v>
+                    <c:v>67.043377003250654</c:v>
                   </c:pt>
                   <c:pt idx="13">
                     <c:v>61.907983330100492</c:v>
@@ -2287,10 +2291,10 @@
                     <c:v>65.821346081647405</c:v>
                   </c:pt>
                   <c:pt idx="15">
-                    <c:v>62.092643686671927</c:v>
+                    <c:v>62.092643686671934</c:v>
                   </c:pt>
                   <c:pt idx="16">
-                    <c:v>62.478873229276473</c:v>
+                    <c:v>62.478873229276466</c:v>
                   </c:pt>
                   <c:pt idx="17">
                     <c:v>59.674788646462758</c:v>
@@ -2302,7 +2306,7 @@
                     <c:v>63.304900284259197</c:v>
                   </c:pt>
                   <c:pt idx="20">
-                    <c:v>28.675536612241451</c:v>
+                    <c:v>28.675536612241448</c:v>
                   </c:pt>
                 </c:numCache>
               </c:numRef>
@@ -2324,7 +2328,7 @@
                   <c:v>0.1</c:v>
                 </c:pt>
                 <c:pt idx="3">
-                  <c:v>0.15</c:v>
+                  <c:v>0.15000000000000002</c:v>
                 </c:pt>
                 <c:pt idx="4">
                   <c:v>0.2</c:v>
@@ -2333,10 +2337,10 @@
                   <c:v>0.25</c:v>
                 </c:pt>
                 <c:pt idx="6">
-                  <c:v>0.3</c:v>
+                  <c:v>0.30000000000000004</c:v>
                 </c:pt>
                 <c:pt idx="7">
-                  <c:v>0.35</c:v>
+                  <c:v>0.35000000000000003</c:v>
                 </c:pt>
                 <c:pt idx="8">
                   <c:v>0.4</c:v>
@@ -2351,28 +2355,28 @@
                   <c:v>0.55000000000000004</c:v>
                 </c:pt>
                 <c:pt idx="12">
-                  <c:v>0.60000000000000009</c:v>
+                  <c:v>0.6000000000000002</c:v>
                 </c:pt>
                 <c:pt idx="13">
-                  <c:v>0.65</c:v>
+                  <c:v>0.65000000000000013</c:v>
                 </c:pt>
                 <c:pt idx="14">
-                  <c:v>0.70000000000000007</c:v>
+                  <c:v>0.70000000000000018</c:v>
                 </c:pt>
                 <c:pt idx="15">
-                  <c:v>0.75</c:v>
+                  <c:v>0.75000000000000011</c:v>
                 </c:pt>
                 <c:pt idx="16">
                   <c:v>0.8</c:v>
                 </c:pt>
                 <c:pt idx="17">
-                  <c:v>0.85000000000000009</c:v>
+                  <c:v>0.8500000000000002</c:v>
                 </c:pt>
                 <c:pt idx="18">
                   <c:v>0.9</c:v>
                 </c:pt>
                 <c:pt idx="19">
-                  <c:v>0.95000000000000007</c:v>
+                  <c:v>0.95000000000000018</c:v>
                 </c:pt>
                 <c:pt idx="20">
                   <c:v>1</c:v>
@@ -2396,7 +2400,7 @@
                   <c:v>52.8</c:v>
                 </c:pt>
                 <c:pt idx="3">
-                  <c:v>57.88</c:v>
+                  <c:v>57.879999999999995</c:v>
                 </c:pt>
                 <c:pt idx="4">
                   <c:v>56.68</c:v>
@@ -2411,7 +2415,7 @@
                   <c:v>47.58</c:v>
                 </c:pt>
                 <c:pt idx="8">
-                  <c:v>37.479999999999997</c:v>
+                  <c:v>37.480000000000004</c:v>
                 </c:pt>
                 <c:pt idx="9">
                   <c:v>72.36</c:v>
@@ -2423,7 +2427,7 @@
                   <c:v>54.54</c:v>
                 </c:pt>
                 <c:pt idx="12">
-                  <c:v>63.84</c:v>
+                  <c:v>63.839999999999996</c:v>
                 </c:pt>
                 <c:pt idx="13">
                   <c:v>54.04</c:v>
@@ -2479,31 +2483,31 @@
                   <c:formatCode>General</c:formatCode>
                   <c:ptCount val="21"/>
                   <c:pt idx="0">
-                    <c:v>69.286293016728777</c:v>
+                    <c:v>69.286293016728763</c:v>
                   </c:pt>
                   <c:pt idx="1">
-                    <c:v>66.815267716293704</c:v>
+                    <c:v>66.81526771629369</c:v>
                   </c:pt>
                   <c:pt idx="2">
-                    <c:v>60.131841814466313</c:v>
+                    <c:v>60.131841814466299</c:v>
                   </c:pt>
                   <c:pt idx="3">
-                    <c:v>73.396228785953298</c:v>
+                    <c:v>73.396228785953312</c:v>
                   </c:pt>
                   <c:pt idx="4">
-                    <c:v>68.878806609870935</c:v>
+                    <c:v>68.878806609870921</c:v>
                   </c:pt>
                   <c:pt idx="5">
                     <c:v>62.794381914308232</c:v>
                   </c:pt>
                   <c:pt idx="6">
-                    <c:v>61.687924263991903</c:v>
+                    <c:v>61.687924263991896</c:v>
                   </c:pt>
                   <c:pt idx="7">
-                    <c:v>59.905512267236311</c:v>
+                    <c:v>59.905512267236304</c:v>
                   </c:pt>
                   <c:pt idx="8">
-                    <c:v>61.034170757043967</c:v>
+                    <c:v>61.03417075704396</c:v>
                   </c:pt>
                   <c:pt idx="9">
                     <c:v>70.569401301130512</c:v>
@@ -2512,34 +2516,34 @@
                     <c:v>63.180633108572117</c:v>
                   </c:pt>
                   <c:pt idx="11">
-                    <c:v>62.201942091867203</c:v>
+                    <c:v>62.201942091867195</c:v>
                   </c:pt>
                   <c:pt idx="12">
                     <c:v>70.971588681668962</c:v>
                   </c:pt>
                   <c:pt idx="13">
-                    <c:v>60.231832115584872</c:v>
+                    <c:v>60.231832115584879</c:v>
                   </c:pt>
                   <c:pt idx="14">
-                    <c:v>63.172908750507922</c:v>
+                    <c:v>63.172908750507929</c:v>
                   </c:pt>
                   <c:pt idx="15">
-                    <c:v>65.805680605856523</c:v>
+                    <c:v>65.805680605856509</c:v>
                   </c:pt>
                   <c:pt idx="16">
                     <c:v>72.827360243249245</c:v>
                   </c:pt>
                   <c:pt idx="17">
-                    <c:v>59.939666332070949</c:v>
+                    <c:v>59.939666332070956</c:v>
                   </c:pt>
                   <c:pt idx="18">
-                    <c:v>63.069869192824562</c:v>
+                    <c:v>63.069869192824555</c:v>
                   </c:pt>
                   <c:pt idx="19">
-                    <c:v>56.316494919339569</c:v>
+                    <c:v>56.316494919339554</c:v>
                   </c:pt>
                   <c:pt idx="20">
-                    <c:v>37.087685287707018</c:v>
+                    <c:v>37.087685287707004</c:v>
                   </c:pt>
                 </c:numCache>
               </c:numRef>
@@ -2551,31 +2555,31 @@
                   <c:formatCode>General</c:formatCode>
                   <c:ptCount val="21"/>
                   <c:pt idx="0">
-                    <c:v>69.286293016728777</c:v>
+                    <c:v>69.286293016728763</c:v>
                   </c:pt>
                   <c:pt idx="1">
-                    <c:v>66.815267716293704</c:v>
+                    <c:v>66.81526771629369</c:v>
                   </c:pt>
                   <c:pt idx="2">
-                    <c:v>60.131841814466313</c:v>
+                    <c:v>60.131841814466299</c:v>
                   </c:pt>
                   <c:pt idx="3">
-                    <c:v>73.396228785953298</c:v>
+                    <c:v>73.396228785953312</c:v>
                   </c:pt>
                   <c:pt idx="4">
-                    <c:v>68.878806609870935</c:v>
+                    <c:v>68.878806609870921</c:v>
                   </c:pt>
                   <c:pt idx="5">
                     <c:v>62.794381914308232</c:v>
                   </c:pt>
                   <c:pt idx="6">
-                    <c:v>61.687924263991903</c:v>
+                    <c:v>61.687924263991896</c:v>
                   </c:pt>
                   <c:pt idx="7">
-                    <c:v>59.905512267236311</c:v>
+                    <c:v>59.905512267236304</c:v>
                   </c:pt>
                   <c:pt idx="8">
-                    <c:v>61.034170757043967</c:v>
+                    <c:v>61.03417075704396</c:v>
                   </c:pt>
                   <c:pt idx="9">
                     <c:v>70.569401301130512</c:v>
@@ -2584,34 +2588,34 @@
                     <c:v>63.180633108572117</c:v>
                   </c:pt>
                   <c:pt idx="11">
-                    <c:v>62.201942091867203</c:v>
+                    <c:v>62.201942091867195</c:v>
                   </c:pt>
                   <c:pt idx="12">
                     <c:v>70.971588681668962</c:v>
                   </c:pt>
                   <c:pt idx="13">
-                    <c:v>60.231832115584872</c:v>
+                    <c:v>60.231832115584879</c:v>
                   </c:pt>
                   <c:pt idx="14">
-                    <c:v>63.172908750507922</c:v>
+                    <c:v>63.172908750507929</c:v>
                   </c:pt>
                   <c:pt idx="15">
-                    <c:v>65.805680605856523</c:v>
+                    <c:v>65.805680605856509</c:v>
                   </c:pt>
                   <c:pt idx="16">
                     <c:v>72.827360243249245</c:v>
                   </c:pt>
                   <c:pt idx="17">
-                    <c:v>59.939666332070949</c:v>
+                    <c:v>59.939666332070956</c:v>
                   </c:pt>
                   <c:pt idx="18">
-                    <c:v>63.069869192824562</c:v>
+                    <c:v>63.069869192824555</c:v>
                   </c:pt>
                   <c:pt idx="19">
-                    <c:v>56.316494919339569</c:v>
+                    <c:v>56.316494919339554</c:v>
                   </c:pt>
                   <c:pt idx="20">
-                    <c:v>37.087685287707018</c:v>
+                    <c:v>37.087685287707004</c:v>
                   </c:pt>
                 </c:numCache>
               </c:numRef>
@@ -2633,7 +2637,7 @@
                   <c:v>0.1</c:v>
                 </c:pt>
                 <c:pt idx="3">
-                  <c:v>0.15</c:v>
+                  <c:v>0.15000000000000002</c:v>
                 </c:pt>
                 <c:pt idx="4">
                   <c:v>0.2</c:v>
@@ -2642,10 +2646,10 @@
                   <c:v>0.25</c:v>
                 </c:pt>
                 <c:pt idx="6">
-                  <c:v>0.3</c:v>
+                  <c:v>0.30000000000000004</c:v>
                 </c:pt>
                 <c:pt idx="7">
-                  <c:v>0.35</c:v>
+                  <c:v>0.35000000000000003</c:v>
                 </c:pt>
                 <c:pt idx="8">
                   <c:v>0.4</c:v>
@@ -2660,28 +2664,28 @@
                   <c:v>0.55000000000000004</c:v>
                 </c:pt>
                 <c:pt idx="12">
-                  <c:v>0.60000000000000009</c:v>
+                  <c:v>0.6000000000000002</c:v>
                 </c:pt>
                 <c:pt idx="13">
-                  <c:v>0.65</c:v>
+                  <c:v>0.65000000000000013</c:v>
                 </c:pt>
                 <c:pt idx="14">
-                  <c:v>0.70000000000000007</c:v>
+                  <c:v>0.70000000000000018</c:v>
                 </c:pt>
                 <c:pt idx="15">
-                  <c:v>0.75</c:v>
+                  <c:v>0.75000000000000011</c:v>
                 </c:pt>
                 <c:pt idx="16">
                   <c:v>0.8</c:v>
                 </c:pt>
                 <c:pt idx="17">
-                  <c:v>0.85000000000000009</c:v>
+                  <c:v>0.8500000000000002</c:v>
                 </c:pt>
                 <c:pt idx="18">
                   <c:v>0.9</c:v>
                 </c:pt>
                 <c:pt idx="19">
-                  <c:v>0.95000000000000007</c:v>
+                  <c:v>0.95000000000000018</c:v>
                 </c:pt>
                 <c:pt idx="20">
                   <c:v>1</c:v>
@@ -2705,13 +2709,13 @@
                   <c:v>54.96</c:v>
                 </c:pt>
                 <c:pt idx="3">
-                  <c:v>77.44</c:v>
+                  <c:v>77.440000000000012</c:v>
                 </c:pt>
                 <c:pt idx="4">
                   <c:v>61.9</c:v>
                 </c:pt>
                 <c:pt idx="5">
-                  <c:v>59.84</c:v>
+                  <c:v>59.839999999999996</c:v>
                 </c:pt>
                 <c:pt idx="6">
                   <c:v>58.8</c:v>
@@ -2729,7 +2733,7 @@
                   <c:v>57.74</c:v>
                 </c:pt>
                 <c:pt idx="11">
-                  <c:v>63.72</c:v>
+                  <c:v>63.720000000000006</c:v>
                 </c:pt>
                 <c:pt idx="12">
                   <c:v>58.44</c:v>
@@ -2744,7 +2748,7 @@
                   <c:v>54.82</c:v>
                 </c:pt>
                 <c:pt idx="16">
-                  <c:v>55.66</c:v>
+                  <c:v>55.660000000000004</c:v>
                 </c:pt>
                 <c:pt idx="17">
                   <c:v>67.42</c:v>
@@ -2763,11 +2767,11 @@
           </c:yVal>
           <c:smooth val="1"/>
         </c:ser>
-        <c:axId val="67096960"/>
-        <c:axId val="67098880"/>
+        <c:axId val="64055936"/>
+        <c:axId val="64062208"/>
       </c:scatterChart>
       <c:valAx>
-        <c:axId val="67096960"/>
+        <c:axId val="64055936"/>
         <c:scaling>
           <c:orientation val="minMax"/>
           <c:max val="1.2"/>
@@ -2796,19 +2800,19 @@
             <c:manualLayout>
               <c:xMode val="edge"/>
               <c:yMode val="edge"/>
-              <c:x val="0.42388320209973751"/>
-              <c:y val="0.90312493438320207"/>
+              <c:x val="0.42388320209973757"/>
+              <c:y val="0.90312493438320218"/>
             </c:manualLayout>
           </c:layout>
         </c:title>
         <c:numFmt formatCode="General" sourceLinked="1"/>
         <c:tickLblPos val="nextTo"/>
-        <c:crossAx val="67098880"/>
+        <c:crossAx val="64062208"/>
         <c:crosses val="autoZero"/>
         <c:crossBetween val="midCat"/>
       </c:valAx>
       <c:valAx>
-        <c:axId val="67098880"/>
+        <c:axId val="64062208"/>
         <c:scaling>
           <c:orientation val="minMax"/>
         </c:scaling>
@@ -2835,14 +2839,14 @@
             <c:manualLayout>
               <c:xMode val="edge"/>
               <c:yMode val="edge"/>
-              <c:x val="3.9653980752405948E-2"/>
-              <c:y val="0.38466482939632546"/>
+              <c:x val="3.9653980752405955E-2"/>
+              <c:y val="0.38466482939632551"/>
             </c:manualLayout>
           </c:layout>
         </c:title>
         <c:numFmt formatCode="General" sourceLinked="1"/>
         <c:tickLblPos val="nextTo"/>
-        <c:crossAx val="67096960"/>
+        <c:crossAx val="64055936"/>
         <c:crosses val="autoZero"/>
         <c:crossBetween val="midCat"/>
       </c:valAx>
@@ -2859,6 +2863,7 @@
 
 <file path=ppt/charts/chart3.xml><?xml version="1.0" encoding="utf-8"?>
 <c:chartSpace xmlns:c="http://schemas.openxmlformats.org/drawingml/2006/chart" xmlns:a="http://schemas.openxmlformats.org/drawingml/2006/main" xmlns:r="http://schemas.openxmlformats.org/officeDocument/2006/relationships">
+  <c:date1904 val="1"/>
   <c:lang val="en-US"/>
   <c:chart>
     <c:title>
@@ -2890,10 +2895,10 @@
           <c:layoutTarget val="inner"/>
           <c:xMode val="edge"/>
           <c:yMode val="edge"/>
-          <c:x val="9.9970581802274722E-2"/>
-          <c:y val="0.14147034120734908"/>
-          <c:w val="0.75772779965004389"/>
-          <c:h val="0.73942834645669286"/>
+          <c:x val="9.9970581802274708E-2"/>
+          <c:y val="0.14147034120734911"/>
+          <c:w val="0.757727799650044"/>
+          <c:h val="0.73942834645669298"/>
         </c:manualLayout>
       </c:layout>
       <c:scatterChart>
@@ -2926,22 +2931,22 @@
                     <c:v>61.034953919864627</c:v>
                   </c:pt>
                   <c:pt idx="1">
-                    <c:v>58.08452117388935</c:v>
+                    <c:v>58.084521173889343</c:v>
                   </c:pt>
                   <c:pt idx="2">
-                    <c:v>55.824729287297053</c:v>
+                    <c:v>55.824729287297039</c:v>
                   </c:pt>
                   <c:pt idx="3">
-                    <c:v>61.585611956040509</c:v>
+                    <c:v>61.585611956040502</c:v>
                   </c:pt>
                   <c:pt idx="4">
-                    <c:v>59.471418345285826</c:v>
+                    <c:v>59.471418345285834</c:v>
                   </c:pt>
                   <c:pt idx="5">
-                    <c:v>53.914840257576579</c:v>
+                    <c:v>53.914840257576564</c:v>
                   </c:pt>
                   <c:pt idx="6">
-                    <c:v>53.376178207136562</c:v>
+                    <c:v>53.376178207136554</c:v>
                   </c:pt>
                   <c:pt idx="7">
                     <c:v>61.633838108623422</c:v>
@@ -2950,16 +2955,16 @@
                     <c:v>58.569329857870152</c:v>
                   </c:pt>
                   <c:pt idx="9">
-                    <c:v>58.057175267145062</c:v>
+                    <c:v>58.057175267145055</c:v>
                   </c:pt>
                   <c:pt idx="10">
-                    <c:v>57.831133483617627</c:v>
+                    <c:v>57.831133483617613</c:v>
                   </c:pt>
                   <c:pt idx="11">
                     <c:v>55.616903905197738</c:v>
                   </c:pt>
                   <c:pt idx="12">
-                    <c:v>65.572750437967755</c:v>
+                    <c:v>65.572750437967741</c:v>
                   </c:pt>
                   <c:pt idx="13">
                     <c:v>63.120269327689023</c:v>
@@ -2968,22 +2973,22 @@
                     <c:v>62.893462299351917</c:v>
                   </c:pt>
                   <c:pt idx="15">
-                    <c:v>55.450157799595118</c:v>
+                    <c:v>55.450157799595111</c:v>
                   </c:pt>
                   <c:pt idx="16">
-                    <c:v>54.426522946078407</c:v>
+                    <c:v>54.426522946078421</c:v>
                   </c:pt>
                   <c:pt idx="17">
                     <c:v>56.138617724343739</c:v>
                   </c:pt>
                   <c:pt idx="18">
-                    <c:v>54.108369038439882</c:v>
+                    <c:v>54.108369038439889</c:v>
                   </c:pt>
                   <c:pt idx="19">
-                    <c:v>58.340809044784422</c:v>
+                    <c:v>58.340809044784415</c:v>
                   </c:pt>
                   <c:pt idx="20">
-                    <c:v>54.991693918263692</c:v>
+                    <c:v>54.991693918263685</c:v>
                   </c:pt>
                 </c:numCache>
               </c:numRef>
@@ -2998,22 +3003,22 @@
                     <c:v>61.034953919864627</c:v>
                   </c:pt>
                   <c:pt idx="1">
-                    <c:v>58.08452117388935</c:v>
+                    <c:v>58.084521173889343</c:v>
                   </c:pt>
                   <c:pt idx="2">
-                    <c:v>55.824729287297053</c:v>
+                    <c:v>55.824729287297039</c:v>
                   </c:pt>
                   <c:pt idx="3">
-                    <c:v>61.585611956040509</c:v>
+                    <c:v>61.585611956040502</c:v>
                   </c:pt>
                   <c:pt idx="4">
-                    <c:v>59.471418345285826</c:v>
+                    <c:v>59.471418345285834</c:v>
                   </c:pt>
                   <c:pt idx="5">
-                    <c:v>53.914840257576579</c:v>
+                    <c:v>53.914840257576564</c:v>
                   </c:pt>
                   <c:pt idx="6">
-                    <c:v>53.376178207136562</c:v>
+                    <c:v>53.376178207136554</c:v>
                   </c:pt>
                   <c:pt idx="7">
                     <c:v>61.633838108623422</c:v>
@@ -3022,16 +3027,16 @@
                     <c:v>58.569329857870152</c:v>
                   </c:pt>
                   <c:pt idx="9">
-                    <c:v>58.057175267145062</c:v>
+                    <c:v>58.057175267145055</c:v>
                   </c:pt>
                   <c:pt idx="10">
-                    <c:v>57.831133483617627</c:v>
+                    <c:v>57.831133483617613</c:v>
                   </c:pt>
                   <c:pt idx="11">
                     <c:v>55.616903905197738</c:v>
                   </c:pt>
                   <c:pt idx="12">
-                    <c:v>65.572750437967755</c:v>
+                    <c:v>65.572750437967741</c:v>
                   </c:pt>
                   <c:pt idx="13">
                     <c:v>63.120269327689023</c:v>
@@ -3040,22 +3045,22 @@
                     <c:v>62.893462299351917</c:v>
                   </c:pt>
                   <c:pt idx="15">
-                    <c:v>55.450157799595118</c:v>
+                    <c:v>55.450157799595111</c:v>
                   </c:pt>
                   <c:pt idx="16">
-                    <c:v>54.426522946078407</c:v>
+                    <c:v>54.426522946078421</c:v>
                   </c:pt>
                   <c:pt idx="17">
                     <c:v>56.138617724343739</c:v>
                   </c:pt>
                   <c:pt idx="18">
-                    <c:v>54.108369038439882</c:v>
+                    <c:v>54.108369038439889</c:v>
                   </c:pt>
                   <c:pt idx="19">
-                    <c:v>58.340809044784422</c:v>
+                    <c:v>58.340809044784415</c:v>
                   </c:pt>
                   <c:pt idx="20">
-                    <c:v>54.991693918263692</c:v>
+                    <c:v>54.991693918263685</c:v>
                   </c:pt>
                 </c:numCache>
               </c:numRef>
@@ -3077,7 +3082,7 @@
                   <c:v>0.1</c:v>
                 </c:pt>
                 <c:pt idx="3">
-                  <c:v>0.15</c:v>
+                  <c:v>0.15000000000000002</c:v>
                 </c:pt>
                 <c:pt idx="4">
                   <c:v>0.2</c:v>
@@ -3086,10 +3091,10 @@
                   <c:v>0.25</c:v>
                 </c:pt>
                 <c:pt idx="6">
-                  <c:v>0.3</c:v>
+                  <c:v>0.30000000000000004</c:v>
                 </c:pt>
                 <c:pt idx="7">
-                  <c:v>0.35</c:v>
+                  <c:v>0.35000000000000003</c:v>
                 </c:pt>
                 <c:pt idx="8">
                   <c:v>0.4</c:v>
@@ -3104,28 +3109,28 @@
                   <c:v>0.55000000000000004</c:v>
                 </c:pt>
                 <c:pt idx="12">
-                  <c:v>0.60000000000000009</c:v>
+                  <c:v>0.6000000000000002</c:v>
                 </c:pt>
                 <c:pt idx="13">
-                  <c:v>0.65</c:v>
+                  <c:v>0.65000000000000013</c:v>
                 </c:pt>
                 <c:pt idx="14">
-                  <c:v>0.70000000000000007</c:v>
+                  <c:v>0.70000000000000018</c:v>
                 </c:pt>
                 <c:pt idx="15">
-                  <c:v>0.75</c:v>
+                  <c:v>0.75000000000000011</c:v>
                 </c:pt>
                 <c:pt idx="16">
                   <c:v>0.8</c:v>
                 </c:pt>
                 <c:pt idx="17">
-                  <c:v>0.85000000000000009</c:v>
+                  <c:v>0.8500000000000002</c:v>
                 </c:pt>
                 <c:pt idx="18">
                   <c:v>0.9</c:v>
                 </c:pt>
                 <c:pt idx="19">
-                  <c:v>0.95000000000000007</c:v>
+                  <c:v>0.95000000000000018</c:v>
                 </c:pt>
                 <c:pt idx="20">
                   <c:v>1</c:v>
@@ -3140,7 +3145,7 @@
                 <c:formatCode>General</c:formatCode>
                 <c:ptCount val="21"/>
                 <c:pt idx="0">
-                  <c:v>120.12</c:v>
+                  <c:v>120.11999999999999</c:v>
                 </c:pt>
                 <c:pt idx="1">
                   <c:v>106.78</c:v>
@@ -3158,7 +3163,7 @@
                   <c:v>112.5</c:v>
                 </c:pt>
                 <c:pt idx="6">
-                  <c:v>118.94</c:v>
+                  <c:v>118.94000000000001</c:v>
                 </c:pt>
                 <c:pt idx="7">
                   <c:v>112.7</c:v>
@@ -3167,7 +3172,7 @@
                   <c:v>111.56</c:v>
                 </c:pt>
                 <c:pt idx="9">
-                  <c:v>103.62</c:v>
+                  <c:v>103.61999999999999</c:v>
                 </c:pt>
                 <c:pt idx="10">
                   <c:v>123.2</c:v>
@@ -3176,13 +3181,13 @@
                   <c:v>119.8</c:v>
                 </c:pt>
                 <c:pt idx="12">
-                  <c:v>117.12</c:v>
+                  <c:v>117.11999999999999</c:v>
                 </c:pt>
                 <c:pt idx="13">
                   <c:v>111.54</c:v>
                 </c:pt>
                 <c:pt idx="14">
-                  <c:v>118.18</c:v>
+                  <c:v>118.17999999999999</c:v>
                 </c:pt>
                 <c:pt idx="15">
                   <c:v>121.4</c:v>
@@ -3235,52 +3240,52 @@
                     <c:v>61.30060032332473</c:v>
                   </c:pt>
                   <c:pt idx="1">
-                    <c:v>54.702193740287967</c:v>
+                    <c:v>54.702193740287974</c:v>
                   </c:pt>
                   <c:pt idx="2">
-                    <c:v>58.446861335746682</c:v>
+                    <c:v>58.446861335746661</c:v>
                   </c:pt>
                   <c:pt idx="3">
-                    <c:v>58.24631833858686</c:v>
+                    <c:v>58.246318338586875</c:v>
                   </c:pt>
                   <c:pt idx="4">
-                    <c:v>53.263649893712689</c:v>
+                    <c:v>53.263649893712675</c:v>
                   </c:pt>
                   <c:pt idx="5">
                     <c:v>57.68517660543305</c:v>
                   </c:pt>
                   <c:pt idx="6">
-                    <c:v>58.812243623245656</c:v>
+                    <c:v>58.812243623245642</c:v>
                   </c:pt>
                   <c:pt idx="7">
-                    <c:v>52.938715511428867</c:v>
+                    <c:v>52.938715511428875</c:v>
                   </c:pt>
                   <c:pt idx="8">
-                    <c:v>53.870515126551368</c:v>
+                    <c:v>53.870515126551375</c:v>
                   </c:pt>
                   <c:pt idx="9">
                     <c:v>55.411872374067997</c:v>
                   </c:pt>
                   <c:pt idx="10">
-                    <c:v>54.055512207359577</c:v>
+                    <c:v>54.055512207359584</c:v>
                   </c:pt>
                   <c:pt idx="11">
-                    <c:v>57.772187079943578</c:v>
+                    <c:v>57.772187079943571</c:v>
                   </c:pt>
                   <c:pt idx="12">
-                    <c:v>55.323051253523609</c:v>
+                    <c:v>55.323051253523602</c:v>
                   </c:pt>
                   <c:pt idx="13">
-                    <c:v>53.871732847570442</c:v>
+                    <c:v>53.871732847570449</c:v>
                   </c:pt>
                   <c:pt idx="14">
-                    <c:v>57.861019693745469</c:v>
+                    <c:v>57.861019693745455</c:v>
                   </c:pt>
                   <c:pt idx="15">
-                    <c:v>52.452679626497627</c:v>
+                    <c:v>52.45267962649762</c:v>
                   </c:pt>
                   <c:pt idx="16">
-                    <c:v>58.642049759536889</c:v>
+                    <c:v>58.642049759536881</c:v>
                   </c:pt>
                   <c:pt idx="17">
                     <c:v>50.702035462099552</c:v>
@@ -3307,52 +3312,52 @@
                     <c:v>61.30060032332473</c:v>
                   </c:pt>
                   <c:pt idx="1">
-                    <c:v>54.702193740287967</c:v>
+                    <c:v>54.702193740287974</c:v>
                   </c:pt>
                   <c:pt idx="2">
-                    <c:v>58.446861335746682</c:v>
+                    <c:v>58.446861335746661</c:v>
                   </c:pt>
                   <c:pt idx="3">
-                    <c:v>58.24631833858686</c:v>
+                    <c:v>58.246318338586875</c:v>
                   </c:pt>
                   <c:pt idx="4">
-                    <c:v>53.263649893712689</c:v>
+                    <c:v>53.263649893712675</c:v>
                   </c:pt>
                   <c:pt idx="5">
                     <c:v>57.68517660543305</c:v>
                   </c:pt>
                   <c:pt idx="6">
-                    <c:v>58.812243623245656</c:v>
+                    <c:v>58.812243623245642</c:v>
                   </c:pt>
                   <c:pt idx="7">
-                    <c:v>52.938715511428867</c:v>
+                    <c:v>52.938715511428875</c:v>
                   </c:pt>
                   <c:pt idx="8">
-                    <c:v>53.870515126551368</c:v>
+                    <c:v>53.870515126551375</c:v>
                   </c:pt>
                   <c:pt idx="9">
                     <c:v>55.411872374067997</c:v>
                   </c:pt>
                   <c:pt idx="10">
-                    <c:v>54.055512207359577</c:v>
+                    <c:v>54.055512207359584</c:v>
                   </c:pt>
                   <c:pt idx="11">
-                    <c:v>57.772187079943578</c:v>
+                    <c:v>57.772187079943571</c:v>
                   </c:pt>
                   <c:pt idx="12">
-                    <c:v>55.323051253523609</c:v>
+                    <c:v>55.323051253523602</c:v>
                   </c:pt>
                   <c:pt idx="13">
-                    <c:v>53.871732847570442</c:v>
+                    <c:v>53.871732847570449</c:v>
                   </c:pt>
                   <c:pt idx="14">
-                    <c:v>57.861019693745469</c:v>
+                    <c:v>57.861019693745455</c:v>
                   </c:pt>
                   <c:pt idx="15">
-                    <c:v>52.452679626497627</c:v>
+                    <c:v>52.45267962649762</c:v>
                   </c:pt>
                   <c:pt idx="16">
-                    <c:v>58.642049759536889</c:v>
+                    <c:v>58.642049759536881</c:v>
                   </c:pt>
                   <c:pt idx="17">
                     <c:v>50.702035462099552</c:v>
@@ -3386,7 +3391,7 @@
                   <c:v>0.1</c:v>
                 </c:pt>
                 <c:pt idx="3">
-                  <c:v>0.15</c:v>
+                  <c:v>0.15000000000000002</c:v>
                 </c:pt>
                 <c:pt idx="4">
                   <c:v>0.2</c:v>
@@ -3395,10 +3400,10 @@
                   <c:v>0.25</c:v>
                 </c:pt>
                 <c:pt idx="6">
-                  <c:v>0.3</c:v>
+                  <c:v>0.30000000000000004</c:v>
                 </c:pt>
                 <c:pt idx="7">
-                  <c:v>0.35</c:v>
+                  <c:v>0.35000000000000003</c:v>
                 </c:pt>
                 <c:pt idx="8">
                   <c:v>0.4</c:v>
@@ -3413,28 +3418,28 @@
                   <c:v>0.55000000000000004</c:v>
                 </c:pt>
                 <c:pt idx="12">
-                  <c:v>0.60000000000000009</c:v>
+                  <c:v>0.6000000000000002</c:v>
                 </c:pt>
                 <c:pt idx="13">
-                  <c:v>0.65</c:v>
+                  <c:v>0.65000000000000013</c:v>
                 </c:pt>
                 <c:pt idx="14">
-                  <c:v>0.70000000000000007</c:v>
+                  <c:v>0.70000000000000018</c:v>
                 </c:pt>
                 <c:pt idx="15">
-                  <c:v>0.75</c:v>
+                  <c:v>0.75000000000000011</c:v>
                 </c:pt>
                 <c:pt idx="16">
                   <c:v>0.8</c:v>
                 </c:pt>
                 <c:pt idx="17">
-                  <c:v>0.85000000000000009</c:v>
+                  <c:v>0.8500000000000002</c:v>
                 </c:pt>
                 <c:pt idx="18">
                   <c:v>0.9</c:v>
                 </c:pt>
                 <c:pt idx="19">
-                  <c:v>0.95000000000000007</c:v>
+                  <c:v>0.95000000000000018</c:v>
                 </c:pt>
                 <c:pt idx="20">
                   <c:v>1</c:v>
@@ -3455,7 +3460,7 @@
                   <c:v>108.9</c:v>
                 </c:pt>
                 <c:pt idx="2">
-                  <c:v>113.62</c:v>
+                  <c:v>113.61999999999999</c:v>
                 </c:pt>
                 <c:pt idx="3">
                   <c:v>103.92</c:v>
@@ -3473,16 +3478,16 @@
                   <c:v>94.82</c:v>
                 </c:pt>
                 <c:pt idx="8">
-                  <c:v>93.74</c:v>
+                  <c:v>93.740000000000009</c:v>
                 </c:pt>
                 <c:pt idx="9">
-                  <c:v>104.62</c:v>
+                  <c:v>104.61999999999999</c:v>
                 </c:pt>
                 <c:pt idx="10">
-                  <c:v>93.96</c:v>
+                  <c:v>93.960000000000008</c:v>
                 </c:pt>
                 <c:pt idx="11">
-                  <c:v>113.12</c:v>
+                  <c:v>113.11999999999999</c:v>
                 </c:pt>
                 <c:pt idx="12">
                   <c:v>125.2</c:v>
@@ -3500,7 +3505,7 @@
                   <c:v>116.7</c:v>
                 </c:pt>
                 <c:pt idx="17">
-                  <c:v>104.94</c:v>
+                  <c:v>104.94000000000001</c:v>
                 </c:pt>
                 <c:pt idx="18">
                   <c:v>96.88</c:v>
@@ -3541,7 +3546,7 @@
                   <c:formatCode>General</c:formatCode>
                   <c:ptCount val="21"/>
                   <c:pt idx="0">
-                    <c:v>56.379886484454723</c:v>
+                    <c:v>56.379886484454715</c:v>
                   </c:pt>
                   <c:pt idx="1">
                     <c:v>56.196071037039587</c:v>
@@ -3550,55 +3555,55 @@
                     <c:v>58.237458735765593</c:v>
                   </c:pt>
                   <c:pt idx="3">
-                    <c:v>59.192959040750793</c:v>
+                    <c:v>59.192959040750807</c:v>
                   </c:pt>
                   <c:pt idx="4">
                     <c:v>53.158814885209772</c:v>
                   </c:pt>
                   <c:pt idx="5">
-                    <c:v>57.557220224746779</c:v>
+                    <c:v>57.557220224746771</c:v>
                   </c:pt>
                   <c:pt idx="6">
-                    <c:v>50.720504729349841</c:v>
+                    <c:v>50.720504729349848</c:v>
                   </c:pt>
                   <c:pt idx="7">
                     <c:v>59.755113588713073</c:v>
                   </c:pt>
                   <c:pt idx="8">
-                    <c:v>52.397362529043377</c:v>
+                    <c:v>52.39736252904337</c:v>
                   </c:pt>
                   <c:pt idx="9">
-                    <c:v>56.877763669117662</c:v>
+                    <c:v>56.877763669117641</c:v>
                   </c:pt>
                   <c:pt idx="10">
-                    <c:v>57.76663743026765</c:v>
+                    <c:v>57.766637430267643</c:v>
                   </c:pt>
                   <c:pt idx="11">
-                    <c:v>58.841944223487367</c:v>
+                    <c:v>58.841944223487353</c:v>
                   </c:pt>
                   <c:pt idx="12">
-                    <c:v>67.048531676689237</c:v>
+                    <c:v>67.048531676689208</c:v>
                   </c:pt>
                   <c:pt idx="13">
                     <c:v>51.521137409804922</c:v>
                   </c:pt>
                   <c:pt idx="14">
-                    <c:v>54.386472582803172</c:v>
+                    <c:v>54.386472582803165</c:v>
                   </c:pt>
                   <c:pt idx="15">
                     <c:v>57.170915682714053</c:v>
                   </c:pt>
                   <c:pt idx="16">
-                    <c:v>57.415820119545451</c:v>
+                    <c:v>57.415820119545444</c:v>
                   </c:pt>
                   <c:pt idx="17">
-                    <c:v>57.582570279555952</c:v>
+                    <c:v>57.582570279555959</c:v>
                   </c:pt>
                   <c:pt idx="18">
                     <c:v>61.36880314948305</c:v>
                   </c:pt>
                   <c:pt idx="19">
-                    <c:v>62.272305240772972</c:v>
+                    <c:v>62.272305240772987</c:v>
                   </c:pt>
                   <c:pt idx="20">
                     <c:v>0.37363083384538798</c:v>
@@ -3613,7 +3618,7 @@
                   <c:formatCode>General</c:formatCode>
                   <c:ptCount val="21"/>
                   <c:pt idx="0">
-                    <c:v>56.379886484454723</c:v>
+                    <c:v>56.379886484454715</c:v>
                   </c:pt>
                   <c:pt idx="1">
                     <c:v>56.196071037039587</c:v>
@@ -3622,55 +3627,55 @@
                     <c:v>58.237458735765593</c:v>
                   </c:pt>
                   <c:pt idx="3">
-                    <c:v>59.192959040750793</c:v>
+                    <c:v>59.192959040750807</c:v>
                   </c:pt>
                   <c:pt idx="4">
                     <c:v>53.158814885209772</c:v>
                   </c:pt>
                   <c:pt idx="5">
-                    <c:v>57.557220224746779</c:v>
+                    <c:v>57.557220224746771</c:v>
                   </c:pt>
                   <c:pt idx="6">
-                    <c:v>50.720504729349841</c:v>
+                    <c:v>50.720504729349848</c:v>
                   </c:pt>
                   <c:pt idx="7">
                     <c:v>59.755113588713073</c:v>
                   </c:pt>
                   <c:pt idx="8">
-                    <c:v>52.397362529043377</c:v>
+                    <c:v>52.39736252904337</c:v>
                   </c:pt>
                   <c:pt idx="9">
-                    <c:v>56.877763669117662</c:v>
+                    <c:v>56.877763669117641</c:v>
                   </c:pt>
                   <c:pt idx="10">
-                    <c:v>57.76663743026765</c:v>
+                    <c:v>57.766637430267643</c:v>
                   </c:pt>
                   <c:pt idx="11">
-                    <c:v>58.841944223487367</c:v>
+                    <c:v>58.841944223487353</c:v>
                   </c:pt>
                   <c:pt idx="12">
-                    <c:v>67.048531676689237</c:v>
+                    <c:v>67.048531676689208</c:v>
                   </c:pt>
                   <c:pt idx="13">
                     <c:v>51.521137409804922</c:v>
                   </c:pt>
                   <c:pt idx="14">
-                    <c:v>54.386472582803172</c:v>
+                    <c:v>54.386472582803165</c:v>
                   </c:pt>
                   <c:pt idx="15">
                     <c:v>57.170915682714053</c:v>
                   </c:pt>
                   <c:pt idx="16">
-                    <c:v>57.415820119545451</c:v>
+                    <c:v>57.415820119545444</c:v>
                   </c:pt>
                   <c:pt idx="17">
-                    <c:v>57.582570279555952</c:v>
+                    <c:v>57.582570279555959</c:v>
                   </c:pt>
                   <c:pt idx="18">
                     <c:v>61.36880314948305</c:v>
                   </c:pt>
                   <c:pt idx="19">
-                    <c:v>62.272305240772972</c:v>
+                    <c:v>62.272305240772987</c:v>
                   </c:pt>
                   <c:pt idx="20">
                     <c:v>0.37363083384538798</c:v>
@@ -3695,7 +3700,7 @@
                   <c:v>0.1</c:v>
                 </c:pt>
                 <c:pt idx="3">
-                  <c:v>0.15</c:v>
+                  <c:v>0.15000000000000002</c:v>
                 </c:pt>
                 <c:pt idx="4">
                   <c:v>0.2</c:v>
@@ -3704,10 +3709,10 @@
                   <c:v>0.25</c:v>
                 </c:pt>
                 <c:pt idx="6">
-                  <c:v>0.3</c:v>
+                  <c:v>0.30000000000000004</c:v>
                 </c:pt>
                 <c:pt idx="7">
-                  <c:v>0.35</c:v>
+                  <c:v>0.35000000000000003</c:v>
                 </c:pt>
                 <c:pt idx="8">
                   <c:v>0.4</c:v>
@@ -3722,28 +3727,28 @@
                   <c:v>0.55000000000000004</c:v>
                 </c:pt>
                 <c:pt idx="12">
-                  <c:v>0.60000000000000009</c:v>
+                  <c:v>0.6000000000000002</c:v>
                 </c:pt>
                 <c:pt idx="13">
-                  <c:v>0.65</c:v>
+                  <c:v>0.65000000000000013</c:v>
                 </c:pt>
                 <c:pt idx="14">
-                  <c:v>0.70000000000000007</c:v>
+                  <c:v>0.70000000000000018</c:v>
                 </c:pt>
                 <c:pt idx="15">
-                  <c:v>0.75</c:v>
+                  <c:v>0.75000000000000011</c:v>
                 </c:pt>
                 <c:pt idx="16">
                   <c:v>0.8</c:v>
                 </c:pt>
                 <c:pt idx="17">
-                  <c:v>0.85000000000000009</c:v>
+                  <c:v>0.8500000000000002</c:v>
                 </c:pt>
                 <c:pt idx="18">
                   <c:v>0.9</c:v>
                 </c:pt>
                 <c:pt idx="19">
-                  <c:v>0.95000000000000007</c:v>
+                  <c:v>0.95000000000000018</c:v>
                 </c:pt>
                 <c:pt idx="20">
                   <c:v>1</c:v>
@@ -3761,7 +3766,7 @@
                   <c:v>111.78</c:v>
                 </c:pt>
                 <c:pt idx="1">
-                  <c:v>102.96</c:v>
+                  <c:v>102.96000000000001</c:v>
                 </c:pt>
                 <c:pt idx="2">
                   <c:v>113.28</c:v>
@@ -3797,7 +3802,7 @@
                   <c:v>119.88</c:v>
                 </c:pt>
                 <c:pt idx="13">
-                  <c:v>124.18</c:v>
+                  <c:v>124.17999999999999</c:v>
                 </c:pt>
                 <c:pt idx="14">
                   <c:v>100.54</c:v>
@@ -3806,10 +3811,10 @@
                   <c:v>96.92</c:v>
                 </c:pt>
                 <c:pt idx="16">
-                  <c:v>110.94</c:v>
+                  <c:v>110.94000000000001</c:v>
                 </c:pt>
                 <c:pt idx="17">
-                  <c:v>115.74</c:v>
+                  <c:v>115.74000000000001</c:v>
                 </c:pt>
                 <c:pt idx="18">
                   <c:v>113.9</c:v>
@@ -3850,67 +3855,67 @@
                   <c:formatCode>General</c:formatCode>
                   <c:ptCount val="21"/>
                   <c:pt idx="0">
-                    <c:v>65.88354574550462</c:v>
+                    <c:v>65.883545745504605</c:v>
                   </c:pt>
                   <c:pt idx="1">
                     <c:v>54.222021356640703</c:v>
                   </c:pt>
                   <c:pt idx="2">
-                    <c:v>57.257858849244442</c:v>
+                    <c:v>57.257858849244435</c:v>
                   </c:pt>
                   <c:pt idx="3">
-                    <c:v>59.544390163977667</c:v>
+                    <c:v>59.54439016397766</c:v>
                   </c:pt>
                   <c:pt idx="4">
-                    <c:v>53.964243717483889</c:v>
+                    <c:v>53.964243717483882</c:v>
                   </c:pt>
                   <c:pt idx="5">
-                    <c:v>62.200887453476099</c:v>
+                    <c:v>62.200887453476085</c:v>
                   </c:pt>
                   <c:pt idx="6">
-                    <c:v>55.662199022316749</c:v>
+                    <c:v>55.662199022316756</c:v>
                   </c:pt>
                   <c:pt idx="7">
-                    <c:v>63.817289193446634</c:v>
+                    <c:v>63.817289193446612</c:v>
                   </c:pt>
                   <c:pt idx="8">
-                    <c:v>58.719673023612792</c:v>
+                    <c:v>58.719673023612785</c:v>
                   </c:pt>
                   <c:pt idx="9">
                     <c:v>61.264554189188388</c:v>
                   </c:pt>
                   <c:pt idx="10">
-                    <c:v>63.626107848901142</c:v>
+                    <c:v>63.626107848901157</c:v>
                   </c:pt>
                   <c:pt idx="11">
-                    <c:v>57.718769910662509</c:v>
+                    <c:v>57.718769910662502</c:v>
                   </c:pt>
                   <c:pt idx="12">
-                    <c:v>61.784839564410937</c:v>
+                    <c:v>61.78483956441093</c:v>
                   </c:pt>
                   <c:pt idx="13">
                     <c:v>55.608089339591587</c:v>
                   </c:pt>
                   <c:pt idx="14">
-                    <c:v>52.125939799681298</c:v>
+                    <c:v>52.125939799681305</c:v>
                   </c:pt>
                   <c:pt idx="15">
                     <c:v>59.207705579594958</c:v>
                   </c:pt>
                   <c:pt idx="16">
-                    <c:v>59.796056726175507</c:v>
+                    <c:v>59.796056726175522</c:v>
                   </c:pt>
                   <c:pt idx="17">
-                    <c:v>70.579172565283031</c:v>
+                    <c:v>70.579172565283017</c:v>
                   </c:pt>
                   <c:pt idx="18">
-                    <c:v>60.281061702660807</c:v>
+                    <c:v>60.2810617026608</c:v>
                   </c:pt>
                   <c:pt idx="19">
                     <c:v>61.963347230439382</c:v>
                   </c:pt>
                   <c:pt idx="20">
-                    <c:v>8.9173987238431813</c:v>
+                    <c:v>8.9173987238431796</c:v>
                   </c:pt>
                 </c:numCache>
               </c:numRef>
@@ -3922,67 +3927,67 @@
                   <c:formatCode>General</c:formatCode>
                   <c:ptCount val="21"/>
                   <c:pt idx="0">
-                    <c:v>65.88354574550462</c:v>
+                    <c:v>65.883545745504605</c:v>
                   </c:pt>
                   <c:pt idx="1">
                     <c:v>54.222021356640703</c:v>
                   </c:pt>
                   <c:pt idx="2">
-                    <c:v>57.257858849244442</c:v>
+                    <c:v>57.257858849244435</c:v>
                   </c:pt>
                   <c:pt idx="3">
-                    <c:v>59.544390163977667</c:v>
+                    <c:v>59.54439016397766</c:v>
                   </c:pt>
                   <c:pt idx="4">
-                    <c:v>53.964243717483889</c:v>
+                    <c:v>53.964243717483882</c:v>
                   </c:pt>
                   <c:pt idx="5">
-                    <c:v>62.200887453476099</c:v>
+                    <c:v>62.200887453476085</c:v>
                   </c:pt>
                   <c:pt idx="6">
-                    <c:v>55.662199022316749</c:v>
+                    <c:v>55.662199022316756</c:v>
                   </c:pt>
                   <c:pt idx="7">
-                    <c:v>63.817289193446634</c:v>
+                    <c:v>63.817289193446612</c:v>
                   </c:pt>
                   <c:pt idx="8">
-                    <c:v>58.719673023612792</c:v>
+                    <c:v>58.719673023612785</c:v>
                   </c:pt>
                   <c:pt idx="9">
                     <c:v>61.264554189188388</c:v>
                   </c:pt>
                   <c:pt idx="10">
-                    <c:v>63.626107848901142</c:v>
+                    <c:v>63.626107848901157</c:v>
                   </c:pt>
                   <c:pt idx="11">
-                    <c:v>57.718769910662509</c:v>
+                    <c:v>57.718769910662502</c:v>
                   </c:pt>
                   <c:pt idx="12">
-                    <c:v>61.784839564410937</c:v>
+                    <c:v>61.78483956441093</c:v>
                   </c:pt>
                   <c:pt idx="13">
                     <c:v>55.608089339591587</c:v>
                   </c:pt>
                   <c:pt idx="14">
-                    <c:v>52.125939799681298</c:v>
+                    <c:v>52.125939799681305</c:v>
                   </c:pt>
                   <c:pt idx="15">
                     <c:v>59.207705579594958</c:v>
                   </c:pt>
                   <c:pt idx="16">
-                    <c:v>59.796056726175507</c:v>
+                    <c:v>59.796056726175522</c:v>
                   </c:pt>
                   <c:pt idx="17">
-                    <c:v>70.579172565283031</c:v>
+                    <c:v>70.579172565283017</c:v>
                   </c:pt>
                   <c:pt idx="18">
-                    <c:v>60.281061702660807</c:v>
+                    <c:v>60.2810617026608</c:v>
                   </c:pt>
                   <c:pt idx="19">
                     <c:v>61.963347230439382</c:v>
                   </c:pt>
                   <c:pt idx="20">
-                    <c:v>8.9173987238431813</c:v>
+                    <c:v>8.9173987238431796</c:v>
                   </c:pt>
                 </c:numCache>
               </c:numRef>
@@ -4004,7 +4009,7 @@
                   <c:v>0.1</c:v>
                 </c:pt>
                 <c:pt idx="3">
-                  <c:v>0.15</c:v>
+                  <c:v>0.15000000000000002</c:v>
                 </c:pt>
                 <c:pt idx="4">
                   <c:v>0.2</c:v>
@@ -4013,10 +4018,10 @@
                   <c:v>0.25</c:v>
                 </c:pt>
                 <c:pt idx="6">
-                  <c:v>0.3</c:v>
+                  <c:v>0.30000000000000004</c:v>
                 </c:pt>
                 <c:pt idx="7">
-                  <c:v>0.35</c:v>
+                  <c:v>0.35000000000000003</c:v>
                 </c:pt>
                 <c:pt idx="8">
                   <c:v>0.4</c:v>
@@ -4031,28 +4036,28 @@
                   <c:v>0.55000000000000004</c:v>
                 </c:pt>
                 <c:pt idx="12">
-                  <c:v>0.60000000000000009</c:v>
+                  <c:v>0.6000000000000002</c:v>
                 </c:pt>
                 <c:pt idx="13">
-                  <c:v>0.65</c:v>
+                  <c:v>0.65000000000000013</c:v>
                 </c:pt>
                 <c:pt idx="14">
-                  <c:v>0.70000000000000007</c:v>
+                  <c:v>0.70000000000000018</c:v>
                 </c:pt>
                 <c:pt idx="15">
-                  <c:v>0.75</c:v>
+                  <c:v>0.75000000000000011</c:v>
                 </c:pt>
                 <c:pt idx="16">
                   <c:v>0.8</c:v>
                 </c:pt>
                 <c:pt idx="17">
-                  <c:v>0.85000000000000009</c:v>
+                  <c:v>0.8500000000000002</c:v>
                 </c:pt>
                 <c:pt idx="18">
                   <c:v>0.9</c:v>
                 </c:pt>
                 <c:pt idx="19">
-                  <c:v>0.95000000000000007</c:v>
+                  <c:v>0.95000000000000018</c:v>
                 </c:pt>
                 <c:pt idx="20">
                   <c:v>1</c:v>
@@ -4073,7 +4078,7 @@
                   <c:v>111.82</c:v>
                 </c:pt>
                 <c:pt idx="2">
-                  <c:v>107.24</c:v>
+                  <c:v>107.24000000000001</c:v>
                 </c:pt>
                 <c:pt idx="3">
                   <c:v>116.16</c:v>
@@ -4088,13 +4093,13 @@
                   <c:v>120.14</c:v>
                 </c:pt>
                 <c:pt idx="7">
-                  <c:v>107.44</c:v>
+                  <c:v>107.44000000000001</c:v>
                 </c:pt>
                 <c:pt idx="8">
                   <c:v>114.8</c:v>
                 </c:pt>
                 <c:pt idx="9">
-                  <c:v>107.12</c:v>
+                  <c:v>107.11999999999999</c:v>
                 </c:pt>
                 <c:pt idx="10">
                   <c:v>101.28</c:v>
@@ -4121,10 +4126,10 @@
                   <c:v>115.98</c:v>
                 </c:pt>
                 <c:pt idx="18">
-                  <c:v>126.44</c:v>
+                  <c:v>126.44000000000001</c:v>
                 </c:pt>
                 <c:pt idx="19">
-                  <c:v>113.94</c:v>
+                  <c:v>113.94000000000001</c:v>
                 </c:pt>
                 <c:pt idx="20">
                   <c:v>6.6</c:v>
@@ -4134,11 +4139,11 @@
           </c:yVal>
           <c:smooth val="1"/>
         </c:ser>
-        <c:axId val="66092416"/>
-        <c:axId val="66258432"/>
+        <c:axId val="63974016"/>
+        <c:axId val="63984384"/>
       </c:scatterChart>
       <c:valAx>
-        <c:axId val="66092416"/>
+        <c:axId val="63974016"/>
         <c:scaling>
           <c:orientation val="minMax"/>
           <c:max val="1.2"/>
@@ -4166,19 +4171,19 @@
             <c:manualLayout>
               <c:xMode val="edge"/>
               <c:yMode val="edge"/>
-              <c:x val="0.43258442694663168"/>
-              <c:y val="0.9010876640419947"/>
+              <c:x val="0.43258442694663174"/>
+              <c:y val="0.90108766404199458"/>
             </c:manualLayout>
           </c:layout>
         </c:title>
         <c:numFmt formatCode="General" sourceLinked="1"/>
         <c:tickLblPos val="nextTo"/>
-        <c:crossAx val="66258432"/>
+        <c:crossAx val="63984384"/>
         <c:crosses val="autoZero"/>
         <c:crossBetween val="midCat"/>
       </c:valAx>
       <c:valAx>
-        <c:axId val="66258432"/>
+        <c:axId val="63984384"/>
         <c:scaling>
           <c:orientation val="minMax"/>
         </c:scaling>
@@ -4206,13 +4211,13 @@
               <c:xMode val="edge"/>
               <c:yMode val="edge"/>
               <c:x val="3.1292990766592435E-2"/>
-              <c:y val="0.35884808791424483"/>
+              <c:y val="0.358848087914245"/>
             </c:manualLayout>
           </c:layout>
         </c:title>
         <c:numFmt formatCode="General" sourceLinked="1"/>
         <c:tickLblPos val="nextTo"/>
-        <c:crossAx val="66092416"/>
+        <c:crossAx val="63974016"/>
         <c:crosses val="autoZero"/>
         <c:crossBetween val="midCat"/>
       </c:valAx>
@@ -4229,6 +4234,7 @@
 
 <file path=ppt/charts/chart4.xml><?xml version="1.0" encoding="utf-8"?>
 <c:chartSpace xmlns:c="http://schemas.openxmlformats.org/drawingml/2006/chart" xmlns:a="http://schemas.openxmlformats.org/drawingml/2006/main" xmlns:r="http://schemas.openxmlformats.org/officeDocument/2006/relationships">
+  <c:date1904 val="1"/>
   <c:lang val="en-US"/>
   <c:chart>
     <c:title>
@@ -4260,9 +4266,9 @@
           <c:layoutTarget val="inner"/>
           <c:xMode val="edge"/>
           <c:yMode val="edge"/>
-          <c:x val="0.10866907261592303"/>
+          <c:x val="0.10866907261592304"/>
           <c:y val="0.12535897856517936"/>
-          <c:w val="0.74101137357830271"/>
+          <c:w val="0.74101137357830282"/>
           <c:h val="0.69553942475940511"/>
         </c:manualLayout>
       </c:layout>
@@ -4293,16 +4299,16 @@
                   <c:formatCode>General</c:formatCode>
                   <c:ptCount val="21"/>
                   <c:pt idx="0">
-                    <c:v>40.212953137017927</c:v>
+                    <c:v>40.212953137017934</c:v>
                   </c:pt>
                   <c:pt idx="1">
                     <c:v>40.458353896321583</c:v>
                   </c:pt>
                   <c:pt idx="2">
-                    <c:v>58.159604537857717</c:v>
+                    <c:v>58.15960453785771</c:v>
                   </c:pt>
                   <c:pt idx="3">
-                    <c:v>48.553821682747071</c:v>
+                    <c:v>48.553821682747056</c:v>
                   </c:pt>
                   <c:pt idx="4">
                     <c:v>45.690594218066373</c:v>
@@ -4326,28 +4332,28 @@
                     <c:v>45.92167244341173</c:v>
                   </c:pt>
                   <c:pt idx="11">
-                    <c:v>45.682189089403323</c:v>
+                    <c:v>45.682189089403316</c:v>
                   </c:pt>
                   <c:pt idx="12">
-                    <c:v>39.200719381154222</c:v>
+                    <c:v>39.200719381154229</c:v>
                   </c:pt>
                   <c:pt idx="13">
                     <c:v>52.623188804936561</c:v>
                   </c:pt>
                   <c:pt idx="14">
-                    <c:v>48.041881728341991</c:v>
+                    <c:v>48.041881728341984</c:v>
                   </c:pt>
                   <c:pt idx="15">
-                    <c:v>46.854088402187493</c:v>
+                    <c:v>46.854088402187479</c:v>
                   </c:pt>
                   <c:pt idx="16">
-                    <c:v>41.377984484505767</c:v>
+                    <c:v>41.37798448450576</c:v>
                   </c:pt>
                   <c:pt idx="17">
                     <c:v>45.191631968761648</c:v>
                   </c:pt>
                   <c:pt idx="18">
-                    <c:v>56.827936791687243</c:v>
+                    <c:v>56.827936791687236</c:v>
                   </c:pt>
                   <c:pt idx="19">
                     <c:v>46.19432432669624</c:v>
@@ -4365,16 +4371,16 @@
                   <c:formatCode>General</c:formatCode>
                   <c:ptCount val="21"/>
                   <c:pt idx="0">
-                    <c:v>40.212953137017927</c:v>
+                    <c:v>40.212953137017934</c:v>
                   </c:pt>
                   <c:pt idx="1">
                     <c:v>40.458353896321583</c:v>
                   </c:pt>
                   <c:pt idx="2">
-                    <c:v>58.159604537857717</c:v>
+                    <c:v>58.15960453785771</c:v>
                   </c:pt>
                   <c:pt idx="3">
-                    <c:v>48.553821682747071</c:v>
+                    <c:v>48.553821682747056</c:v>
                   </c:pt>
                   <c:pt idx="4">
                     <c:v>45.690594218066373</c:v>
@@ -4398,28 +4404,28 @@
                     <c:v>45.92167244341173</c:v>
                   </c:pt>
                   <c:pt idx="11">
-                    <c:v>45.682189089403323</c:v>
+                    <c:v>45.682189089403316</c:v>
                   </c:pt>
                   <c:pt idx="12">
-                    <c:v>39.200719381154222</c:v>
+                    <c:v>39.200719381154229</c:v>
                   </c:pt>
                   <c:pt idx="13">
                     <c:v>52.623188804936561</c:v>
                   </c:pt>
                   <c:pt idx="14">
-                    <c:v>48.041881728341991</c:v>
+                    <c:v>48.041881728341984</c:v>
                   </c:pt>
                   <c:pt idx="15">
-                    <c:v>46.854088402187493</c:v>
+                    <c:v>46.854088402187479</c:v>
                   </c:pt>
                   <c:pt idx="16">
-                    <c:v>41.377984484505767</c:v>
+                    <c:v>41.37798448450576</c:v>
                   </c:pt>
                   <c:pt idx="17">
                     <c:v>45.191631968761648</c:v>
                   </c:pt>
                   <c:pt idx="18">
-                    <c:v>56.827936791687243</c:v>
+                    <c:v>56.827936791687236</c:v>
                   </c:pt>
                   <c:pt idx="19">
                     <c:v>46.19432432669624</c:v>
@@ -4447,7 +4453,7 @@
                   <c:v>0.1</c:v>
                 </c:pt>
                 <c:pt idx="3">
-                  <c:v>0.15</c:v>
+                  <c:v>0.15000000000000002</c:v>
                 </c:pt>
                 <c:pt idx="4">
                   <c:v>0.2</c:v>
@@ -4456,10 +4462,10 @@
                   <c:v>0.25</c:v>
                 </c:pt>
                 <c:pt idx="6">
-                  <c:v>0.3</c:v>
+                  <c:v>0.30000000000000004</c:v>
                 </c:pt>
                 <c:pt idx="7">
-                  <c:v>0.35</c:v>
+                  <c:v>0.35000000000000003</c:v>
                 </c:pt>
                 <c:pt idx="8">
                   <c:v>0.4</c:v>
@@ -4474,28 +4480,28 @@
                   <c:v>0.55000000000000004</c:v>
                 </c:pt>
                 <c:pt idx="12">
-                  <c:v>0.60000000000000009</c:v>
+                  <c:v>0.6000000000000002</c:v>
                 </c:pt>
                 <c:pt idx="13">
-                  <c:v>0.65</c:v>
+                  <c:v>0.65000000000000013</c:v>
                 </c:pt>
                 <c:pt idx="14">
-                  <c:v>0.70000000000000007</c:v>
+                  <c:v>0.70000000000000018</c:v>
                 </c:pt>
                 <c:pt idx="15">
-                  <c:v>0.75</c:v>
+                  <c:v>0.75000000000000011</c:v>
                 </c:pt>
                 <c:pt idx="16">
                   <c:v>0.8</c:v>
                 </c:pt>
                 <c:pt idx="17">
-                  <c:v>0.85000000000000009</c:v>
+                  <c:v>0.8500000000000002</c:v>
                 </c:pt>
                 <c:pt idx="18">
                   <c:v>0.9</c:v>
                 </c:pt>
                 <c:pt idx="19">
-                  <c:v>0.95000000000000007</c:v>
+                  <c:v>0.95000000000000018</c:v>
                 </c:pt>
                 <c:pt idx="20">
                   <c:v>1</c:v>
@@ -4525,7 +4531,7 @@
                   <c:v>90.36</c:v>
                 </c:pt>
                 <c:pt idx="5">
-                  <c:v>90.96</c:v>
+                  <c:v>90.960000000000008</c:v>
                 </c:pt>
                 <c:pt idx="6">
                   <c:v>91.4</c:v>
@@ -4552,10 +4558,10 @@
                   <c:v>101.8</c:v>
                 </c:pt>
                 <c:pt idx="14">
-                  <c:v>94.24</c:v>
+                  <c:v>94.240000000000009</c:v>
                 </c:pt>
                 <c:pt idx="15">
-                  <c:v>99.12</c:v>
+                  <c:v>99.11999999999999</c:v>
                 </c:pt>
                 <c:pt idx="16">
                   <c:v>92.32</c:v>
@@ -4567,7 +4573,7 @@
                   <c:v>111.84</c:v>
                 </c:pt>
                 <c:pt idx="19">
-                  <c:v>98.62</c:v>
+                  <c:v>98.61999999999999</c:v>
                 </c:pt>
                 <c:pt idx="20">
                   <c:v>99.7</c:v>
@@ -4602,10 +4608,10 @@
                   <c:formatCode>General</c:formatCode>
                   <c:ptCount val="21"/>
                   <c:pt idx="0">
-                    <c:v>49.457250226837317</c:v>
+                    <c:v>49.45725022683731</c:v>
                   </c:pt>
                   <c:pt idx="1">
-                    <c:v>34.254628884283647</c:v>
+                    <c:v>34.25462888428364</c:v>
                   </c:pt>
                   <c:pt idx="2">
                     <c:v>47.895619841484461</c:v>
@@ -4617,52 +4623,52 @@
                     <c:v>51.946510951169763</c:v>
                   </c:pt>
                   <c:pt idx="5">
-                    <c:v>43.630764375610021</c:v>
+                    <c:v>43.630764375610013</c:v>
                   </c:pt>
                   <c:pt idx="6">
-                    <c:v>40.75831203570629</c:v>
+                    <c:v>40.758312035706297</c:v>
                   </c:pt>
                   <c:pt idx="7">
-                    <c:v>38.837862969015177</c:v>
+                    <c:v>38.83786296901517</c:v>
                   </c:pt>
                   <c:pt idx="8">
                     <c:v>49.601306434407547</c:v>
                   </c:pt>
                   <c:pt idx="9">
-                    <c:v>49.847222590631873</c:v>
+                    <c:v>49.847222590631866</c:v>
                   </c:pt>
                   <c:pt idx="10">
-                    <c:v>45.369522809921641</c:v>
+                    <c:v>45.369522809921648</c:v>
                   </c:pt>
                   <c:pt idx="11">
-                    <c:v>49.066501811317259</c:v>
+                    <c:v>49.066501811317252</c:v>
                   </c:pt>
                   <c:pt idx="12">
                     <c:v>53.736129373076359</c:v>
                   </c:pt>
                   <c:pt idx="13">
-                    <c:v>54.943057796231187</c:v>
+                    <c:v>54.94305779623118</c:v>
                   </c:pt>
                   <c:pt idx="14">
-                    <c:v>48.362067780441308</c:v>
+                    <c:v>48.362067780441301</c:v>
                   </c:pt>
                   <c:pt idx="15">
-                    <c:v>42.506112501615583</c:v>
+                    <c:v>42.506112501615576</c:v>
                   </c:pt>
                   <c:pt idx="16">
-                    <c:v>43.793337392804403</c:v>
+                    <c:v>43.793337392804411</c:v>
                   </c:pt>
                   <c:pt idx="17">
-                    <c:v>46.06798888599328</c:v>
+                    <c:v>46.067988885993273</c:v>
                   </c:pt>
                   <c:pt idx="18">
-                    <c:v>53.986520539853281</c:v>
+                    <c:v>53.986520539853274</c:v>
                   </c:pt>
                   <c:pt idx="19">
-                    <c:v>53.828204502844052</c:v>
+                    <c:v>53.828204502844045</c:v>
                   </c:pt>
                   <c:pt idx="20">
-                    <c:v>52.744956156963482</c:v>
+                    <c:v>52.744956156963475</c:v>
                   </c:pt>
                 </c:numCache>
               </c:numRef>
@@ -4674,10 +4680,10 @@
                   <c:formatCode>General</c:formatCode>
                   <c:ptCount val="21"/>
                   <c:pt idx="0">
-                    <c:v>49.457250226837317</c:v>
+                    <c:v>49.45725022683731</c:v>
                   </c:pt>
                   <c:pt idx="1">
-                    <c:v>34.254628884283647</c:v>
+                    <c:v>34.25462888428364</c:v>
                   </c:pt>
                   <c:pt idx="2">
                     <c:v>47.895619841484461</c:v>
@@ -4689,52 +4695,52 @@
                     <c:v>51.946510951169763</c:v>
                   </c:pt>
                   <c:pt idx="5">
-                    <c:v>43.630764375610021</c:v>
+                    <c:v>43.630764375610013</c:v>
                   </c:pt>
                   <c:pt idx="6">
-                    <c:v>40.75831203570629</c:v>
+                    <c:v>40.758312035706297</c:v>
                   </c:pt>
                   <c:pt idx="7">
-                    <c:v>38.837862969015177</c:v>
+                    <c:v>38.83786296901517</c:v>
                   </c:pt>
                   <c:pt idx="8">
                     <c:v>49.601306434407547</c:v>
                   </c:pt>
                   <c:pt idx="9">
-                    <c:v>49.847222590631873</c:v>
+                    <c:v>49.847222590631866</c:v>
                   </c:pt>
                   <c:pt idx="10">
-                    <c:v>45.369522809921641</c:v>
+                    <c:v>45.369522809921648</c:v>
                   </c:pt>
                   <c:pt idx="11">
-                    <c:v>49.066501811317259</c:v>
+                    <c:v>49.066501811317252</c:v>
                   </c:pt>
                   <c:pt idx="12">
                     <c:v>53.736129373076359</c:v>
                   </c:pt>
                   <c:pt idx="13">
-                    <c:v>54.943057796231187</c:v>
+                    <c:v>54.94305779623118</c:v>
                   </c:pt>
                   <c:pt idx="14">
-                    <c:v>48.362067780441308</c:v>
+                    <c:v>48.362067780441301</c:v>
                   </c:pt>
                   <c:pt idx="15">
-                    <c:v>42.506112501615583</c:v>
+                    <c:v>42.506112501615576</c:v>
                   </c:pt>
                   <c:pt idx="16">
-                    <c:v>43.793337392804403</c:v>
+                    <c:v>43.793337392804411</c:v>
                   </c:pt>
                   <c:pt idx="17">
-                    <c:v>46.06798888599328</c:v>
+                    <c:v>46.067988885993273</c:v>
                   </c:pt>
                   <c:pt idx="18">
-                    <c:v>53.986520539853281</c:v>
+                    <c:v>53.986520539853274</c:v>
                   </c:pt>
                   <c:pt idx="19">
-                    <c:v>53.828204502844052</c:v>
+                    <c:v>53.828204502844045</c:v>
                   </c:pt>
                   <c:pt idx="20">
-                    <c:v>52.744956156963482</c:v>
+                    <c:v>52.744956156963475</c:v>
                   </c:pt>
                 </c:numCache>
               </c:numRef>
@@ -4756,7 +4762,7 @@
                   <c:v>0.1</c:v>
                 </c:pt>
                 <c:pt idx="3">
-                  <c:v>0.15</c:v>
+                  <c:v>0.15000000000000002</c:v>
                 </c:pt>
                 <c:pt idx="4">
                   <c:v>0.2</c:v>
@@ -4765,10 +4771,10 @@
                   <c:v>0.25</c:v>
                 </c:pt>
                 <c:pt idx="6">
-                  <c:v>0.3</c:v>
+                  <c:v>0.30000000000000004</c:v>
                 </c:pt>
                 <c:pt idx="7">
-                  <c:v>0.35</c:v>
+                  <c:v>0.35000000000000003</c:v>
                 </c:pt>
                 <c:pt idx="8">
                   <c:v>0.4</c:v>
@@ -4783,28 +4789,28 @@
                   <c:v>0.55000000000000004</c:v>
                 </c:pt>
                 <c:pt idx="12">
-                  <c:v>0.60000000000000009</c:v>
+                  <c:v>0.6000000000000002</c:v>
                 </c:pt>
                 <c:pt idx="13">
-                  <c:v>0.65</c:v>
+                  <c:v>0.65000000000000013</c:v>
                 </c:pt>
                 <c:pt idx="14">
-                  <c:v>0.70000000000000007</c:v>
+                  <c:v>0.70000000000000018</c:v>
                 </c:pt>
                 <c:pt idx="15">
-                  <c:v>0.75</c:v>
+                  <c:v>0.75000000000000011</c:v>
                 </c:pt>
                 <c:pt idx="16">
                   <c:v>0.8</c:v>
                 </c:pt>
                 <c:pt idx="17">
-                  <c:v>0.85000000000000009</c:v>
+                  <c:v>0.8500000000000002</c:v>
                 </c:pt>
                 <c:pt idx="18">
                   <c:v>0.9</c:v>
                 </c:pt>
                 <c:pt idx="19">
-                  <c:v>0.95000000000000007</c:v>
+                  <c:v>0.95000000000000018</c:v>
                 </c:pt>
                 <c:pt idx="20">
                   <c:v>1</c:v>
@@ -4846,7 +4852,7 @@
                   <c:v>108.52</c:v>
                 </c:pt>
                 <c:pt idx="9">
-                  <c:v>96.12</c:v>
+                  <c:v>96.11999999999999</c:v>
                 </c:pt>
                 <c:pt idx="10">
                   <c:v>99.92</c:v>
@@ -4876,7 +4882,7 @@
                   <c:v>108.66</c:v>
                 </c:pt>
                 <c:pt idx="19">
-                  <c:v>101.62</c:v>
+                  <c:v>101.61999999999999</c:v>
                 </c:pt>
                 <c:pt idx="20">
                   <c:v>104.36</c:v>
@@ -4917,28 +4923,28 @@
                     <c:v>40.92185724035506</c:v>
                   </c:pt>
                   <c:pt idx="2">
-                    <c:v>39.774308290654147</c:v>
+                    <c:v>39.774308290654155</c:v>
                   </c:pt>
                   <c:pt idx="3">
-                    <c:v>35.140426861380043</c:v>
+                    <c:v>35.140426861380035</c:v>
                   </c:pt>
                   <c:pt idx="4">
-                    <c:v>46.091322393700104</c:v>
+                    <c:v>46.091322393700111</c:v>
                   </c:pt>
                   <c:pt idx="5">
                     <c:v>38.222276227352033</c:v>
                   </c:pt>
                   <c:pt idx="6">
-                    <c:v>45.711377139613717</c:v>
+                    <c:v>45.71137713961371</c:v>
                   </c:pt>
                   <c:pt idx="7">
-                    <c:v>35.867807292891491</c:v>
+                    <c:v>35.867807292891484</c:v>
                   </c:pt>
                   <c:pt idx="8">
-                    <c:v>33.989463073134893</c:v>
+                    <c:v>33.989463073134885</c:v>
                   </c:pt>
                   <c:pt idx="9">
-                    <c:v>30.667565928844109</c:v>
+                    <c:v>30.667565928844116</c:v>
                   </c:pt>
                   <c:pt idx="10">
                     <c:v>46.570501393049227</c:v>
@@ -4956,19 +4962,19 @@
                     <c:v>44.794504127180602</c:v>
                   </c:pt>
                   <c:pt idx="15">
-                    <c:v>34.62050837292832</c:v>
+                    <c:v>34.620508372928334</c:v>
                   </c:pt>
                   <c:pt idx="16">
-                    <c:v>28.610410692613272</c:v>
+                    <c:v>28.610410692613275</c:v>
                   </c:pt>
                   <c:pt idx="17">
-                    <c:v>17.12099296185826</c:v>
+                    <c:v>17.120992961858263</c:v>
                   </c:pt>
                   <c:pt idx="18">
                     <c:v>14.62496495722297</c:v>
                   </c:pt>
                   <c:pt idx="19">
-                    <c:v>8.411444584612088</c:v>
+                    <c:v>8.4114445846120898</c:v>
                   </c:pt>
                   <c:pt idx="20">
                     <c:v>1.2059850745345071</c:v>
@@ -4989,28 +4995,28 @@
                     <c:v>40.92185724035506</c:v>
                   </c:pt>
                   <c:pt idx="2">
-                    <c:v>39.774308290654147</c:v>
+                    <c:v>39.774308290654155</c:v>
                   </c:pt>
                   <c:pt idx="3">
-                    <c:v>35.140426861380043</c:v>
+                    <c:v>35.140426861380035</c:v>
                   </c:pt>
                   <c:pt idx="4">
-                    <c:v>46.091322393700104</c:v>
+                    <c:v>46.091322393700111</c:v>
                   </c:pt>
                   <c:pt idx="5">
                     <c:v>38.222276227352033</c:v>
                   </c:pt>
                   <c:pt idx="6">
-                    <c:v>45.711377139613717</c:v>
+                    <c:v>45.71137713961371</c:v>
                   </c:pt>
                   <c:pt idx="7">
-                    <c:v>35.867807292891491</c:v>
+                    <c:v>35.867807292891484</c:v>
                   </c:pt>
                   <c:pt idx="8">
-                    <c:v>33.989463073134893</c:v>
+                    <c:v>33.989463073134885</c:v>
                   </c:pt>
                   <c:pt idx="9">
-                    <c:v>30.667565928844109</c:v>
+                    <c:v>30.667565928844116</c:v>
                   </c:pt>
                   <c:pt idx="10">
                     <c:v>46.570501393049227</c:v>
@@ -5028,19 +5034,19 @@
                     <c:v>44.794504127180602</c:v>
                   </c:pt>
                   <c:pt idx="15">
-                    <c:v>34.62050837292832</c:v>
+                    <c:v>34.620508372928334</c:v>
                   </c:pt>
                   <c:pt idx="16">
-                    <c:v>28.610410692613272</c:v>
+                    <c:v>28.610410692613275</c:v>
                   </c:pt>
                   <c:pt idx="17">
-                    <c:v>17.12099296185826</c:v>
+                    <c:v>17.120992961858263</c:v>
                   </c:pt>
                   <c:pt idx="18">
                     <c:v>14.62496495722297</c:v>
                   </c:pt>
                   <c:pt idx="19">
-                    <c:v>8.411444584612088</c:v>
+                    <c:v>8.4114445846120898</c:v>
                   </c:pt>
                   <c:pt idx="20">
                     <c:v>1.2059850745345071</c:v>
@@ -5065,7 +5071,7 @@
                   <c:v>0.1</c:v>
                 </c:pt>
                 <c:pt idx="3">
-                  <c:v>0.15</c:v>
+                  <c:v>0.15000000000000002</c:v>
                 </c:pt>
                 <c:pt idx="4">
                   <c:v>0.2</c:v>
@@ -5074,10 +5080,10 @@
                   <c:v>0.25</c:v>
                 </c:pt>
                 <c:pt idx="6">
-                  <c:v>0.3</c:v>
+                  <c:v>0.30000000000000004</c:v>
                 </c:pt>
                 <c:pt idx="7">
-                  <c:v>0.35</c:v>
+                  <c:v>0.35000000000000003</c:v>
                 </c:pt>
                 <c:pt idx="8">
                   <c:v>0.4</c:v>
@@ -5092,28 +5098,28 @@
                   <c:v>0.55000000000000004</c:v>
                 </c:pt>
                 <c:pt idx="12">
-                  <c:v>0.60000000000000009</c:v>
+                  <c:v>0.6000000000000002</c:v>
                 </c:pt>
                 <c:pt idx="13">
-                  <c:v>0.65</c:v>
+                  <c:v>0.65000000000000013</c:v>
                 </c:pt>
                 <c:pt idx="14">
-                  <c:v>0.70000000000000007</c:v>
+                  <c:v>0.70000000000000018</c:v>
                 </c:pt>
                 <c:pt idx="15">
-                  <c:v>0.75</c:v>
+                  <c:v>0.75000000000000011</c:v>
                 </c:pt>
                 <c:pt idx="16">
                   <c:v>0.8</c:v>
                 </c:pt>
                 <c:pt idx="17">
-                  <c:v>0.85000000000000009</c:v>
+                  <c:v>0.8500000000000002</c:v>
                 </c:pt>
                 <c:pt idx="18">
                   <c:v>0.9</c:v>
                 </c:pt>
                 <c:pt idx="19">
-                  <c:v>0.95000000000000007</c:v>
+                  <c:v>0.95000000000000018</c:v>
                 </c:pt>
                 <c:pt idx="20">
                   <c:v>1</c:v>
@@ -5131,7 +5137,7 @@
                   <c:v>91.8</c:v>
                 </c:pt>
                 <c:pt idx="1">
-                  <c:v>87.96</c:v>
+                  <c:v>87.960000000000008</c:v>
                 </c:pt>
                 <c:pt idx="2">
                   <c:v>81.38</c:v>
@@ -5164,7 +5170,7 @@
                   <c:v>63.96</c:v>
                 </c:pt>
                 <c:pt idx="12">
-                  <c:v>57.34</c:v>
+                  <c:v>57.339999999999996</c:v>
                 </c:pt>
                 <c:pt idx="13">
                   <c:v>62.44</c:v>
@@ -5176,7 +5182,7 @@
                   <c:v>53.02</c:v>
                 </c:pt>
                 <c:pt idx="16">
-                  <c:v>48.62</c:v>
+                  <c:v>48.620000000000005</c:v>
                 </c:pt>
                 <c:pt idx="17">
                   <c:v>34.54</c:v>
@@ -5220,22 +5226,22 @@
                   <c:formatCode>General</c:formatCode>
                   <c:ptCount val="21"/>
                   <c:pt idx="0">
-                    <c:v>35.931045072471797</c:v>
+                    <c:v>35.931045072471804</c:v>
                   </c:pt>
                   <c:pt idx="1">
-                    <c:v>43.871289016850191</c:v>
+                    <c:v>43.871289016850184</c:v>
                   </c:pt>
                   <c:pt idx="2">
                     <c:v>44.576567835579262</c:v>
                   </c:pt>
                   <c:pt idx="3">
-                    <c:v>39.204208957712687</c:v>
+                    <c:v>39.204208957712673</c:v>
                   </c:pt>
                   <c:pt idx="4">
-                    <c:v>32.614205493925503</c:v>
+                    <c:v>32.614205493925496</c:v>
                   </c:pt>
                   <c:pt idx="5">
-                    <c:v>40.486664471156423</c:v>
+                    <c:v>40.486664471156402</c:v>
                   </c:pt>
                   <c:pt idx="6">
                     <c:v>46.825928714762291</c:v>
@@ -5244,31 +5250,31 @@
                     <c:v>33.151168908501553</c:v>
                   </c:pt>
                   <c:pt idx="8">
-                    <c:v>45.59796486686659</c:v>
+                    <c:v>45.597964866866583</c:v>
                   </c:pt>
                   <c:pt idx="9">
-                    <c:v>34.619815135266101</c:v>
+                    <c:v>34.619815135266094</c:v>
                   </c:pt>
                   <c:pt idx="10">
-                    <c:v>34.026395636329163</c:v>
+                    <c:v>34.02639563632917</c:v>
                   </c:pt>
                   <c:pt idx="11">
-                    <c:v>35.021416304884077</c:v>
+                    <c:v>35.021416304884085</c:v>
                   </c:pt>
                   <c:pt idx="12">
                     <c:v>38.052258802862148</c:v>
                   </c:pt>
                   <c:pt idx="13">
-                    <c:v>37.666542182685149</c:v>
+                    <c:v>37.666542182685156</c:v>
                   </c:pt>
                   <c:pt idx="14">
-                    <c:v>27.675700533139182</c:v>
+                    <c:v>27.675700533139178</c:v>
                   </c:pt>
                   <c:pt idx="15">
                     <c:v>28.910378759193041</c:v>
                   </c:pt>
                   <c:pt idx="16">
-                    <c:v>31.338213095197371</c:v>
+                    <c:v>31.338213095197368</c:v>
                   </c:pt>
                   <c:pt idx="17">
                     <c:v>13.84918770181125</c:v>
@@ -5280,7 +5286,7 @@
                     <c:v>8.3168503653726997</c:v>
                   </c:pt>
                   <c:pt idx="20">
-                    <c:v>0.64621977685614052</c:v>
+                    <c:v>0.64621977685614063</c:v>
                   </c:pt>
                 </c:numCache>
               </c:numRef>
@@ -5292,22 +5298,22 @@
                   <c:formatCode>General</c:formatCode>
                   <c:ptCount val="21"/>
                   <c:pt idx="0">
-                    <c:v>35.931045072471797</c:v>
+                    <c:v>35.931045072471804</c:v>
                   </c:pt>
                   <c:pt idx="1">
-                    <c:v>43.871289016850191</c:v>
+                    <c:v>43.871289016850184</c:v>
                   </c:pt>
                   <c:pt idx="2">
                     <c:v>44.576567835579262</c:v>
                   </c:pt>
                   <c:pt idx="3">
-                    <c:v>39.204208957712687</c:v>
+                    <c:v>39.204208957712673</c:v>
                   </c:pt>
                   <c:pt idx="4">
-                    <c:v>32.614205493925503</c:v>
+                    <c:v>32.614205493925496</c:v>
                   </c:pt>
                   <c:pt idx="5">
-                    <c:v>40.486664471156423</c:v>
+                    <c:v>40.486664471156402</c:v>
                   </c:pt>
                   <c:pt idx="6">
                     <c:v>46.825928714762291</c:v>
@@ -5316,31 +5322,31 @@
                     <c:v>33.151168908501553</c:v>
                   </c:pt>
                   <c:pt idx="8">
-                    <c:v>45.59796486686659</c:v>
+                    <c:v>45.597964866866583</c:v>
                   </c:pt>
                   <c:pt idx="9">
-                    <c:v>34.619815135266101</c:v>
+                    <c:v>34.619815135266094</c:v>
                   </c:pt>
                   <c:pt idx="10">
-                    <c:v>34.026395636329163</c:v>
+                    <c:v>34.02639563632917</c:v>
                   </c:pt>
                   <c:pt idx="11">
-                    <c:v>35.021416304884077</c:v>
+                    <c:v>35.021416304884085</c:v>
                   </c:pt>
                   <c:pt idx="12">
                     <c:v>38.052258802862148</c:v>
                   </c:pt>
                   <c:pt idx="13">
-                    <c:v>37.666542182685149</c:v>
+                    <c:v>37.666542182685156</c:v>
                   </c:pt>
                   <c:pt idx="14">
-                    <c:v>27.675700533139182</c:v>
+                    <c:v>27.675700533139178</c:v>
                   </c:pt>
                   <c:pt idx="15">
                     <c:v>28.910378759193041</c:v>
                   </c:pt>
                   <c:pt idx="16">
-                    <c:v>31.338213095197371</c:v>
+                    <c:v>31.338213095197368</c:v>
                   </c:pt>
                   <c:pt idx="17">
                     <c:v>13.84918770181125</c:v>
@@ -5352,7 +5358,7 @@
                     <c:v>8.3168503653726997</c:v>
                   </c:pt>
                   <c:pt idx="20">
-                    <c:v>0.64621977685614052</c:v>
+                    <c:v>0.64621977685614063</c:v>
                   </c:pt>
                 </c:numCache>
               </c:numRef>
@@ -5374,7 +5380,7 @@
                   <c:v>0.1</c:v>
                 </c:pt>
                 <c:pt idx="3">
-                  <c:v>0.15</c:v>
+                  <c:v>0.15000000000000002</c:v>
                 </c:pt>
                 <c:pt idx="4">
                   <c:v>0.2</c:v>
@@ -5383,10 +5389,10 @@
                   <c:v>0.25</c:v>
                 </c:pt>
                 <c:pt idx="6">
-                  <c:v>0.3</c:v>
+                  <c:v>0.30000000000000004</c:v>
                 </c:pt>
                 <c:pt idx="7">
-                  <c:v>0.35</c:v>
+                  <c:v>0.35000000000000003</c:v>
                 </c:pt>
                 <c:pt idx="8">
                   <c:v>0.4</c:v>
@@ -5401,28 +5407,28 @@
                   <c:v>0.55000000000000004</c:v>
                 </c:pt>
                 <c:pt idx="12">
-                  <c:v>0.60000000000000009</c:v>
+                  <c:v>0.6000000000000002</c:v>
                 </c:pt>
                 <c:pt idx="13">
-                  <c:v>0.65</c:v>
+                  <c:v>0.65000000000000013</c:v>
                 </c:pt>
                 <c:pt idx="14">
-                  <c:v>0.70000000000000007</c:v>
+                  <c:v>0.70000000000000018</c:v>
                 </c:pt>
                 <c:pt idx="15">
-                  <c:v>0.75</c:v>
+                  <c:v>0.75000000000000011</c:v>
                 </c:pt>
                 <c:pt idx="16">
                   <c:v>0.8</c:v>
                 </c:pt>
                 <c:pt idx="17">
-                  <c:v>0.85000000000000009</c:v>
+                  <c:v>0.8500000000000002</c:v>
                 </c:pt>
                 <c:pt idx="18">
                   <c:v>0.9</c:v>
                 </c:pt>
                 <c:pt idx="19">
-                  <c:v>0.95000000000000007</c:v>
+                  <c:v>0.95000000000000018</c:v>
                 </c:pt>
                 <c:pt idx="20">
                   <c:v>1</c:v>
@@ -5455,7 +5461,7 @@
                   <c:v>82.9</c:v>
                 </c:pt>
                 <c:pt idx="6">
-                  <c:v>81.180000000000007</c:v>
+                  <c:v>81.179999999999993</c:v>
                 </c:pt>
                 <c:pt idx="7">
                   <c:v>64</c:v>
@@ -5467,19 +5473,19 @@
                   <c:v>67.78</c:v>
                 </c:pt>
                 <c:pt idx="10">
-                  <c:v>62.62</c:v>
+                  <c:v>62.620000000000005</c:v>
                 </c:pt>
                 <c:pt idx="11">
                   <c:v>61.98</c:v>
                 </c:pt>
                 <c:pt idx="12">
-                  <c:v>63.16</c:v>
+                  <c:v>63.160000000000004</c:v>
                 </c:pt>
                 <c:pt idx="13">
                   <c:v>64.459999999999994</c:v>
                 </c:pt>
                 <c:pt idx="14">
-                  <c:v>46.66</c:v>
+                  <c:v>46.660000000000004</c:v>
                 </c:pt>
                 <c:pt idx="15">
                   <c:v>50.3</c:v>
@@ -5504,11 +5510,11 @@
           </c:yVal>
           <c:smooth val="1"/>
         </c:ser>
-        <c:axId val="64288640"/>
-        <c:axId val="66035712"/>
+        <c:axId val="64022400"/>
+        <c:axId val="65748992"/>
       </c:scatterChart>
       <c:valAx>
-        <c:axId val="64288640"/>
+        <c:axId val="64022400"/>
         <c:scaling>
           <c:orientation val="minMax"/>
           <c:max val="1.2"/>
@@ -5537,19 +5543,19 @@
             <c:manualLayout>
               <c:xMode val="edge"/>
               <c:yMode val="edge"/>
-              <c:x val="0.44091776027996499"/>
+              <c:x val="0.4409177602799651"/>
               <c:y val="0.89719898293963252"/>
             </c:manualLayout>
           </c:layout>
         </c:title>
         <c:numFmt formatCode="General" sourceLinked="1"/>
         <c:tickLblPos val="nextTo"/>
-        <c:crossAx val="66035712"/>
+        <c:crossAx val="65748992"/>
         <c:crosses val="autoZero"/>
         <c:crossBetween val="midCat"/>
       </c:valAx>
       <c:valAx>
-        <c:axId val="66035712"/>
+        <c:axId val="65748992"/>
         <c:scaling>
           <c:orientation val="minMax"/>
         </c:scaling>
@@ -5576,14 +5582,14 @@
             <c:manualLayout>
               <c:xMode val="edge"/>
               <c:yMode val="edge"/>
-              <c:x val="3.9653980752405948E-2"/>
-              <c:y val="0.3832936898512686"/>
+              <c:x val="3.9653980752405955E-2"/>
+              <c:y val="0.38329368985126866"/>
             </c:manualLayout>
           </c:layout>
         </c:title>
         <c:numFmt formatCode="General" sourceLinked="1"/>
         <c:tickLblPos val="nextTo"/>
-        <c:crossAx val="64288640"/>
+        <c:crossAx val="64022400"/>
         <c:crosses val="autoZero"/>
         <c:crossBetween val="midCat"/>
       </c:valAx>
@@ -5600,6 +5606,7 @@
 
 <file path=ppt/charts/chart5.xml><?xml version="1.0" encoding="utf-8"?>
 <c:chartSpace xmlns:c="http://schemas.openxmlformats.org/drawingml/2006/chart" xmlns:a="http://schemas.openxmlformats.org/drawingml/2006/main" xmlns:r="http://schemas.openxmlformats.org/officeDocument/2006/relationships">
+  <c:date1904 val="1"/>
   <c:lang val="en-US"/>
   <c:chart>
     <c:title>
@@ -5622,8 +5629,8 @@
         <c:manualLayout>
           <c:xMode val="edge"/>
           <c:yMode val="edge"/>
-          <c:x val="0.42371008311461067"/>
-          <c:y val="3.9286351706036747E-2"/>
+          <c:x val="0.42371008311461078"/>
+          <c:y val="3.9286351706036754E-2"/>
         </c:manualLayout>
       </c:layout>
     </c:title>
@@ -5633,10 +5640,10 @@
           <c:layoutTarget val="inner"/>
           <c:xMode val="edge"/>
           <c:yMode val="edge"/>
-          <c:x val="0.10033573928258969"/>
-          <c:y val="0.14147007874015749"/>
+          <c:x val="0.10033573928258971"/>
+          <c:y val="0.14147007874015746"/>
           <c:w val="0.76666426071741034"/>
-          <c:h val="0.67887296587926504"/>
+          <c:h val="0.67887296587926493"/>
         </c:manualLayout>
       </c:layout>
       <c:scatterChart>
@@ -5666,22 +5673,22 @@
                   <c:formatCode>General</c:formatCode>
                   <c:ptCount val="21"/>
                   <c:pt idx="0">
-                    <c:v>11.81736011129389</c:v>
+                    <c:v>11.817360111293889</c:v>
                   </c:pt>
                   <c:pt idx="1">
                     <c:v>10.174399245164309</c:v>
                   </c:pt>
                   <c:pt idx="2">
-                    <c:v>13.43035368112098</c:v>
+                    <c:v>13.430353681120978</c:v>
                   </c:pt>
                   <c:pt idx="3">
-                    <c:v>10.072457495566811</c:v>
+                    <c:v>10.072457495566814</c:v>
                   </c:pt>
                   <c:pt idx="4">
-                    <c:v>13.588583443464589</c:v>
+                    <c:v>13.588583443464588</c:v>
                   </c:pt>
                   <c:pt idx="5">
-                    <c:v>13.3483931617255</c:v>
+                    <c:v>13.348393161725497</c:v>
                   </c:pt>
                   <c:pt idx="6">
                     <c:v>13.2685492801587</c:v>
@@ -5693,7 +5700,7 @@
                     <c:v>14.79163276991421</c:v>
                   </c:pt>
                   <c:pt idx="9">
-                    <c:v>14.222250173583641</c:v>
+                    <c:v>14.222250173583642</c:v>
                   </c:pt>
                   <c:pt idx="10">
                     <c:v>16.84418000378766</c:v>
@@ -5702,28 +5709,28 @@
                     <c:v>12.275846203011829</c:v>
                   </c:pt>
                   <c:pt idx="12">
-                    <c:v>20.329289215316901</c:v>
+                    <c:v>20.329289215316898</c:v>
                   </c:pt>
                   <c:pt idx="13">
                     <c:v>13.99005360961851</c:v>
                   </c:pt>
                   <c:pt idx="14">
-                    <c:v>17.075409219108039</c:v>
+                    <c:v>17.075409219108035</c:v>
                   </c:pt>
                   <c:pt idx="15">
-                    <c:v>19.916465549891129</c:v>
+                    <c:v>19.916465549891132</c:v>
                   </c:pt>
                   <c:pt idx="16">
-                    <c:v>15.53922778004107</c:v>
+                    <c:v>15.539227780041067</c:v>
                   </c:pt>
                   <c:pt idx="17">
-                    <c:v>17.854926491027619</c:v>
+                    <c:v>17.854926491027623</c:v>
                   </c:pt>
                   <c:pt idx="18">
-                    <c:v>19.089525923919641</c:v>
+                    <c:v>19.089525923919638</c:v>
                   </c:pt>
                   <c:pt idx="19">
-                    <c:v>21.661772780638241</c:v>
+                    <c:v>21.661772780638238</c:v>
                   </c:pt>
                   <c:pt idx="20">
                     <c:v>22.734783922439199</c:v>
@@ -5738,22 +5745,22 @@
                   <c:formatCode>General</c:formatCode>
                   <c:ptCount val="21"/>
                   <c:pt idx="0">
-                    <c:v>11.81736011129389</c:v>
+                    <c:v>11.817360111293889</c:v>
                   </c:pt>
                   <c:pt idx="1">
                     <c:v>10.174399245164309</c:v>
                   </c:pt>
                   <c:pt idx="2">
-                    <c:v>13.43035368112098</c:v>
+                    <c:v>13.430353681120978</c:v>
                   </c:pt>
                   <c:pt idx="3">
-                    <c:v>10.072457495566811</c:v>
+                    <c:v>10.072457495566814</c:v>
                   </c:pt>
                   <c:pt idx="4">
-                    <c:v>13.588583443464589</c:v>
+                    <c:v>13.588583443464588</c:v>
                   </c:pt>
                   <c:pt idx="5">
-                    <c:v>13.3483931617255</c:v>
+                    <c:v>13.348393161725497</c:v>
                   </c:pt>
                   <c:pt idx="6">
                     <c:v>13.2685492801587</c:v>
@@ -5765,7 +5772,7 @@
                     <c:v>14.79163276991421</c:v>
                   </c:pt>
                   <c:pt idx="9">
-                    <c:v>14.222250173583641</c:v>
+                    <c:v>14.222250173583642</c:v>
                   </c:pt>
                   <c:pt idx="10">
                     <c:v>16.84418000378766</c:v>
@@ -5774,28 +5781,28 @@
                     <c:v>12.275846203011829</c:v>
                   </c:pt>
                   <c:pt idx="12">
-                    <c:v>20.329289215316901</c:v>
+                    <c:v>20.329289215316898</c:v>
                   </c:pt>
                   <c:pt idx="13">
                     <c:v>13.99005360961851</c:v>
                   </c:pt>
                   <c:pt idx="14">
-                    <c:v>17.075409219108039</c:v>
+                    <c:v>17.075409219108035</c:v>
                   </c:pt>
                   <c:pt idx="15">
-                    <c:v>19.916465549891129</c:v>
+                    <c:v>19.916465549891132</c:v>
                   </c:pt>
                   <c:pt idx="16">
-                    <c:v>15.53922778004107</c:v>
+                    <c:v>15.539227780041067</c:v>
                   </c:pt>
                   <c:pt idx="17">
-                    <c:v>17.854926491027619</c:v>
+                    <c:v>17.854926491027623</c:v>
                   </c:pt>
                   <c:pt idx="18">
-                    <c:v>19.089525923919641</c:v>
+                    <c:v>19.089525923919638</c:v>
                   </c:pt>
                   <c:pt idx="19">
-                    <c:v>21.661772780638241</c:v>
+                    <c:v>21.661772780638238</c:v>
                   </c:pt>
                   <c:pt idx="20">
                     <c:v>22.734783922439199</c:v>
@@ -5820,7 +5827,7 @@
                   <c:v>0.1</c:v>
                 </c:pt>
                 <c:pt idx="3">
-                  <c:v>0.15</c:v>
+                  <c:v>0.15000000000000002</c:v>
                 </c:pt>
                 <c:pt idx="4">
                   <c:v>0.2</c:v>
@@ -5829,10 +5836,10 @@
                   <c:v>0.25</c:v>
                 </c:pt>
                 <c:pt idx="6">
-                  <c:v>0.3</c:v>
+                  <c:v>0.30000000000000004</c:v>
                 </c:pt>
                 <c:pt idx="7">
-                  <c:v>0.35</c:v>
+                  <c:v>0.35000000000000003</c:v>
                 </c:pt>
                 <c:pt idx="8">
                   <c:v>0.4</c:v>
@@ -5847,28 +5854,28 @@
                   <c:v>0.55000000000000004</c:v>
                 </c:pt>
                 <c:pt idx="12">
-                  <c:v>0.60000000000000009</c:v>
+                  <c:v>0.6000000000000002</c:v>
                 </c:pt>
                 <c:pt idx="13">
-                  <c:v>0.65</c:v>
+                  <c:v>0.65000000000000013</c:v>
                 </c:pt>
                 <c:pt idx="14">
-                  <c:v>0.70000000000000007</c:v>
+                  <c:v>0.70000000000000018</c:v>
                 </c:pt>
                 <c:pt idx="15">
-                  <c:v>0.75</c:v>
+                  <c:v>0.75000000000000011</c:v>
                 </c:pt>
                 <c:pt idx="16">
                   <c:v>0.8</c:v>
                 </c:pt>
                 <c:pt idx="17">
-                  <c:v>0.85000000000000009</c:v>
+                  <c:v>0.8500000000000002</c:v>
                 </c:pt>
                 <c:pt idx="18">
                   <c:v>0.9</c:v>
                 </c:pt>
                 <c:pt idx="19">
-                  <c:v>0.95000000000000007</c:v>
+                  <c:v>0.95000000000000018</c:v>
                 </c:pt>
                 <c:pt idx="20">
                   <c:v>1</c:v>
@@ -5886,28 +5893,28 @@
                   <c:v>34.700000000000003</c:v>
                 </c:pt>
                 <c:pt idx="1">
-                  <c:v>30.96</c:v>
+                  <c:v>30.959999999999997</c:v>
                 </c:pt>
                 <c:pt idx="2">
-                  <c:v>33.840000000000003</c:v>
+                  <c:v>33.839999999999996</c:v>
                 </c:pt>
                 <c:pt idx="3">
-                  <c:v>32.840000000000003</c:v>
+                  <c:v>32.839999999999996</c:v>
                 </c:pt>
                 <c:pt idx="4">
-                  <c:v>37.479999999999997</c:v>
+                  <c:v>37.480000000000004</c:v>
                 </c:pt>
                 <c:pt idx="5">
-                  <c:v>34.979999999999997</c:v>
+                  <c:v>34.980000000000004</c:v>
                 </c:pt>
                 <c:pt idx="6">
-                  <c:v>36.840000000000003</c:v>
+                  <c:v>36.839999999999996</c:v>
                 </c:pt>
                 <c:pt idx="7">
                   <c:v>37.14</c:v>
                 </c:pt>
                 <c:pt idx="8">
-                  <c:v>37.26</c:v>
+                  <c:v>37.260000000000005</c:v>
                 </c:pt>
                 <c:pt idx="9">
                   <c:v>37.74</c:v>
@@ -5922,13 +5929,13 @@
                   <c:v>43.8</c:v>
                 </c:pt>
                 <c:pt idx="13">
-                  <c:v>34.72</c:v>
+                  <c:v>34.720000000000006</c:v>
                 </c:pt>
                 <c:pt idx="14">
                   <c:v>43.52</c:v>
                 </c:pt>
                 <c:pt idx="15">
-                  <c:v>40.119999999999997</c:v>
+                  <c:v>40.120000000000005</c:v>
                 </c:pt>
                 <c:pt idx="16">
                   <c:v>45.18</c:v>
@@ -5981,25 +5988,25 @@
                     <c:v>12.30681112230134</c:v>
                   </c:pt>
                   <c:pt idx="2">
-                    <c:v>12.852766239218701</c:v>
+                    <c:v>12.852766239218706</c:v>
                   </c:pt>
                   <c:pt idx="3">
-                    <c:v>12.12263997650677</c:v>
+                    <c:v>12.122639976506772</c:v>
                   </c:pt>
                   <c:pt idx="4">
-                    <c:v>16.116376764024849</c:v>
+                    <c:v>16.116376764024853</c:v>
                   </c:pt>
                   <c:pt idx="5">
                     <c:v>18.771254619763699</c:v>
                   </c:pt>
                   <c:pt idx="6">
-                    <c:v>13.388427838995881</c:v>
+                    <c:v>13.388427838995883</c:v>
                   </c:pt>
                   <c:pt idx="7">
                     <c:v>11.506328693375661</c:v>
                   </c:pt>
                   <c:pt idx="8">
-                    <c:v>12.620633898501289</c:v>
+                    <c:v>12.620633898501291</c:v>
                   </c:pt>
                   <c:pt idx="9">
                     <c:v>19.88898187439468</c:v>
@@ -6008,13 +6015,13 @@
                     <c:v>15.489557772899779</c:v>
                   </c:pt>
                   <c:pt idx="11">
-                    <c:v>20.266070166660331</c:v>
+                    <c:v>20.266070166660327</c:v>
                   </c:pt>
                   <c:pt idx="12">
                     <c:v>11.52369732334202</c:v>
                   </c:pt>
                   <c:pt idx="13">
-                    <c:v>19.235685586950101</c:v>
+                    <c:v>19.235685586950098</c:v>
                   </c:pt>
                   <c:pt idx="14">
                     <c:v>13.59082043145299</c:v>
@@ -6029,13 +6036,13 @@
                     <c:v>17.091705590724409</c:v>
                   </c:pt>
                   <c:pt idx="18">
-                    <c:v>19.8275061467649</c:v>
+                    <c:v>19.827506146764897</c:v>
                   </c:pt>
                   <c:pt idx="19">
                     <c:v>16.55609857424146</c:v>
                   </c:pt>
                   <c:pt idx="20">
-                    <c:v>19.29174953185947</c:v>
+                    <c:v>19.291749531859466</c:v>
                   </c:pt>
                 </c:numCache>
               </c:numRef>
@@ -6053,25 +6060,25 @@
                     <c:v>12.30681112230134</c:v>
                   </c:pt>
                   <c:pt idx="2">
-                    <c:v>12.852766239218701</c:v>
+                    <c:v>12.852766239218706</c:v>
                   </c:pt>
                   <c:pt idx="3">
-                    <c:v>12.12263997650677</c:v>
+                    <c:v>12.122639976506772</c:v>
                   </c:pt>
                   <c:pt idx="4">
-                    <c:v>16.116376764024849</c:v>
+                    <c:v>16.116376764024853</c:v>
                   </c:pt>
                   <c:pt idx="5">
                     <c:v>18.771254619763699</c:v>
                   </c:pt>
                   <c:pt idx="6">
-                    <c:v>13.388427838995881</c:v>
+                    <c:v>13.388427838995883</c:v>
                   </c:pt>
                   <c:pt idx="7">
                     <c:v>11.506328693375661</c:v>
                   </c:pt>
                   <c:pt idx="8">
-                    <c:v>12.620633898501289</c:v>
+                    <c:v>12.620633898501291</c:v>
                   </c:pt>
                   <c:pt idx="9">
                     <c:v>19.88898187439468</c:v>
@@ -6080,13 +6087,13 @@
                     <c:v>15.489557772899779</c:v>
                   </c:pt>
                   <c:pt idx="11">
-                    <c:v>20.266070166660331</c:v>
+                    <c:v>20.266070166660327</c:v>
                   </c:pt>
                   <c:pt idx="12">
                     <c:v>11.52369732334202</c:v>
                   </c:pt>
                   <c:pt idx="13">
-                    <c:v>19.235685586950101</c:v>
+                    <c:v>19.235685586950098</c:v>
                   </c:pt>
                   <c:pt idx="14">
                     <c:v>13.59082043145299</c:v>
@@ -6101,13 +6108,13 @@
                     <c:v>17.091705590724409</c:v>
                   </c:pt>
                   <c:pt idx="18">
-                    <c:v>19.8275061467649</c:v>
+                    <c:v>19.827506146764897</c:v>
                   </c:pt>
                   <c:pt idx="19">
                     <c:v>16.55609857424146</c:v>
                   </c:pt>
                   <c:pt idx="20">
-                    <c:v>19.29174953185947</c:v>
+                    <c:v>19.291749531859466</c:v>
                   </c:pt>
                 </c:numCache>
               </c:numRef>
@@ -6129,7 +6136,7 @@
                   <c:v>0.1</c:v>
                 </c:pt>
                 <c:pt idx="3">
-                  <c:v>0.15</c:v>
+                  <c:v>0.15000000000000002</c:v>
                 </c:pt>
                 <c:pt idx="4">
                   <c:v>0.2</c:v>
@@ -6138,10 +6145,10 @@
                   <c:v>0.25</c:v>
                 </c:pt>
                 <c:pt idx="6">
-                  <c:v>0.3</c:v>
+                  <c:v>0.30000000000000004</c:v>
                 </c:pt>
                 <c:pt idx="7">
-                  <c:v>0.35</c:v>
+                  <c:v>0.35000000000000003</c:v>
                 </c:pt>
                 <c:pt idx="8">
                   <c:v>0.4</c:v>
@@ -6156,28 +6163,28 @@
                   <c:v>0.55000000000000004</c:v>
                 </c:pt>
                 <c:pt idx="12">
-                  <c:v>0.60000000000000009</c:v>
+                  <c:v>0.6000000000000002</c:v>
                 </c:pt>
                 <c:pt idx="13">
-                  <c:v>0.65</c:v>
+                  <c:v>0.65000000000000013</c:v>
                 </c:pt>
                 <c:pt idx="14">
-                  <c:v>0.70000000000000007</c:v>
+                  <c:v>0.70000000000000018</c:v>
                 </c:pt>
                 <c:pt idx="15">
-                  <c:v>0.75</c:v>
+                  <c:v>0.75000000000000011</c:v>
                 </c:pt>
                 <c:pt idx="16">
                   <c:v>0.8</c:v>
                 </c:pt>
                 <c:pt idx="17">
-                  <c:v>0.85000000000000009</c:v>
+                  <c:v>0.8500000000000002</c:v>
                 </c:pt>
                 <c:pt idx="18">
                   <c:v>0.9</c:v>
                 </c:pt>
                 <c:pt idx="19">
-                  <c:v>0.95000000000000007</c:v>
+                  <c:v>0.95000000000000018</c:v>
                 </c:pt>
                 <c:pt idx="20">
                   <c:v>1</c:v>
@@ -6210,16 +6217,16 @@
                   <c:v>39.6</c:v>
                 </c:pt>
                 <c:pt idx="6">
-                  <c:v>38.299999999999997</c:v>
+                  <c:v>38.300000000000011</c:v>
                 </c:pt>
                 <c:pt idx="7">
-                  <c:v>35.380000000000003</c:v>
+                  <c:v>35.379999999999995</c:v>
                 </c:pt>
                 <c:pt idx="8">
                   <c:v>38.14</c:v>
                 </c:pt>
                 <c:pt idx="9">
-                  <c:v>40.22</c:v>
+                  <c:v>40.220000000000006</c:v>
                 </c:pt>
                 <c:pt idx="10">
                   <c:v>38.56</c:v>
@@ -6228,16 +6235,16 @@
                   <c:v>41.08</c:v>
                 </c:pt>
                 <c:pt idx="12">
-                  <c:v>36.619999999999997</c:v>
+                  <c:v>36.620000000000005</c:v>
                 </c:pt>
                 <c:pt idx="13">
-                  <c:v>43.22</c:v>
+                  <c:v>43.220000000000006</c:v>
                 </c:pt>
                 <c:pt idx="14">
                   <c:v>42.36</c:v>
                 </c:pt>
                 <c:pt idx="15">
-                  <c:v>38.380000000000003</c:v>
+                  <c:v>38.379999999999995</c:v>
                 </c:pt>
                 <c:pt idx="16">
                   <c:v>45.32</c:v>
@@ -6249,7 +6256,7 @@
                   <c:v>43.3</c:v>
                 </c:pt>
                 <c:pt idx="19">
-                  <c:v>44.66</c:v>
+                  <c:v>44.660000000000004</c:v>
                 </c:pt>
                 <c:pt idx="20">
                   <c:v>42.78</c:v>
@@ -6284,22 +6291,22 @@
                   <c:formatCode>General</c:formatCode>
                   <c:ptCount val="21"/>
                   <c:pt idx="0">
-                    <c:v>10.07301345179286</c:v>
+                    <c:v>10.073013451792859</c:v>
                   </c:pt>
                   <c:pt idx="1">
-                    <c:v>11.978664366280579</c:v>
+                    <c:v>11.978664366280578</c:v>
                   </c:pt>
                   <c:pt idx="2">
                     <c:v>9.5949153201057484</c:v>
                   </c:pt>
                   <c:pt idx="3">
-                    <c:v>9.2493459228207051</c:v>
+                    <c:v>9.2493459228207033</c:v>
                   </c:pt>
                   <c:pt idx="4">
-                    <c:v>11.729347807955911</c:v>
+                    <c:v>11.729347807955913</c:v>
                   </c:pt>
                   <c:pt idx="5">
-                    <c:v>10.499695233672259</c:v>
+                    <c:v>10.499695233672261</c:v>
                   </c:pt>
                   <c:pt idx="6">
                     <c:v>9.8392072851424377</c:v>
@@ -6311,13 +6318,13 @@
                     <c:v>9.1233546461814132</c:v>
                   </c:pt>
                   <c:pt idx="9">
-                    <c:v>8.0259828058624709</c:v>
+                    <c:v>8.0259828058624727</c:v>
                   </c:pt>
                   <c:pt idx="10">
-                    <c:v>8.4537329032800663</c:v>
+                    <c:v>8.4537329032800681</c:v>
                   </c:pt>
                   <c:pt idx="11">
-                    <c:v>7.7651529283073373</c:v>
+                    <c:v>7.7651529283073364</c:v>
                   </c:pt>
                   <c:pt idx="12">
                     <c:v>5.7910620787555027</c:v>
@@ -6326,10 +6333,10 @@
                     <c:v>5.3807434430569163</c:v>
                   </c:pt>
                   <c:pt idx="14">
-                    <c:v>6.4279390165122132</c:v>
+                    <c:v>6.4279390165122114</c:v>
                   </c:pt>
                   <c:pt idx="15">
-                    <c:v>5.6272195620928098</c:v>
+                    <c:v>5.6272195620928089</c:v>
                   </c:pt>
                   <c:pt idx="16">
                     <c:v>6.8813952073689242</c:v>
@@ -6338,7 +6345,7 @@
                     <c:v>4.4294017654757853</c:v>
                   </c:pt>
                   <c:pt idx="18">
-                    <c:v>3.5949408896392159</c:v>
+                    <c:v>3.5949408896392154</c:v>
                   </c:pt>
                   <c:pt idx="19">
                     <c:v>4.6029990223766077</c:v>
@@ -6356,22 +6363,22 @@
                   <c:formatCode>General</c:formatCode>
                   <c:ptCount val="21"/>
                   <c:pt idx="0">
-                    <c:v>10.07301345179286</c:v>
+                    <c:v>10.073013451792859</c:v>
                   </c:pt>
                   <c:pt idx="1">
-                    <c:v>11.978664366280579</c:v>
+                    <c:v>11.978664366280578</c:v>
                   </c:pt>
                   <c:pt idx="2">
                     <c:v>9.5949153201057484</c:v>
                   </c:pt>
                   <c:pt idx="3">
-                    <c:v>9.2493459228207051</c:v>
+                    <c:v>9.2493459228207033</c:v>
                   </c:pt>
                   <c:pt idx="4">
-                    <c:v>11.729347807955911</c:v>
+                    <c:v>11.729347807955913</c:v>
                   </c:pt>
                   <c:pt idx="5">
-                    <c:v>10.499695233672259</c:v>
+                    <c:v>10.499695233672261</c:v>
                   </c:pt>
                   <c:pt idx="6">
                     <c:v>9.8392072851424377</c:v>
@@ -6383,13 +6390,13 @@
                     <c:v>9.1233546461814132</c:v>
                   </c:pt>
                   <c:pt idx="9">
-                    <c:v>8.0259828058624709</c:v>
+                    <c:v>8.0259828058624727</c:v>
                   </c:pt>
                   <c:pt idx="10">
-                    <c:v>8.4537329032800663</c:v>
+                    <c:v>8.4537329032800681</c:v>
                   </c:pt>
                   <c:pt idx="11">
-                    <c:v>7.7651529283073373</c:v>
+                    <c:v>7.7651529283073364</c:v>
                   </c:pt>
                   <c:pt idx="12">
                     <c:v>5.7910620787555027</c:v>
@@ -6398,10 +6405,10 @@
                     <c:v>5.3807434430569163</c:v>
                   </c:pt>
                   <c:pt idx="14">
-                    <c:v>6.4279390165122132</c:v>
+                    <c:v>6.4279390165122114</c:v>
                   </c:pt>
                   <c:pt idx="15">
-                    <c:v>5.6272195620928098</c:v>
+                    <c:v>5.6272195620928089</c:v>
                   </c:pt>
                   <c:pt idx="16">
                     <c:v>6.8813952073689242</c:v>
@@ -6410,7 +6417,7 @@
                     <c:v>4.4294017654757853</c:v>
                   </c:pt>
                   <c:pt idx="18">
-                    <c:v>3.5949408896392159</c:v>
+                    <c:v>3.5949408896392154</c:v>
                   </c:pt>
                   <c:pt idx="19">
                     <c:v>4.6029990223766077</c:v>
@@ -6438,7 +6445,7 @@
                   <c:v>0.1</c:v>
                 </c:pt>
                 <c:pt idx="3">
-                  <c:v>0.15</c:v>
+                  <c:v>0.15000000000000002</c:v>
                 </c:pt>
                 <c:pt idx="4">
                   <c:v>0.2</c:v>
@@ -6447,10 +6454,10 @@
                   <c:v>0.25</c:v>
                 </c:pt>
                 <c:pt idx="6">
-                  <c:v>0.3</c:v>
+                  <c:v>0.30000000000000004</c:v>
                 </c:pt>
                 <c:pt idx="7">
-                  <c:v>0.35</c:v>
+                  <c:v>0.35000000000000003</c:v>
                 </c:pt>
                 <c:pt idx="8">
                   <c:v>0.4</c:v>
@@ -6465,28 +6472,28 @@
                   <c:v>0.55000000000000004</c:v>
                 </c:pt>
                 <c:pt idx="12">
-                  <c:v>0.60000000000000009</c:v>
+                  <c:v>0.6000000000000002</c:v>
                 </c:pt>
                 <c:pt idx="13">
-                  <c:v>0.65</c:v>
+                  <c:v>0.65000000000000013</c:v>
                 </c:pt>
                 <c:pt idx="14">
-                  <c:v>0.70000000000000007</c:v>
+                  <c:v>0.70000000000000018</c:v>
                 </c:pt>
                 <c:pt idx="15">
-                  <c:v>0.75</c:v>
+                  <c:v>0.75000000000000011</c:v>
                 </c:pt>
                 <c:pt idx="16">
                   <c:v>0.8</c:v>
                 </c:pt>
                 <c:pt idx="17">
-                  <c:v>0.85000000000000009</c:v>
+                  <c:v>0.8500000000000002</c:v>
                 </c:pt>
                 <c:pt idx="18">
                   <c:v>0.9</c:v>
                 </c:pt>
                 <c:pt idx="19">
-                  <c:v>0.95000000000000007</c:v>
+                  <c:v>0.95000000000000018</c:v>
                 </c:pt>
                 <c:pt idx="20">
                   <c:v>1</c:v>
@@ -6516,19 +6523,19 @@
                   <c:v>33.32</c:v>
                 </c:pt>
                 <c:pt idx="5">
-                  <c:v>29.42</c:v>
+                  <c:v>29.419999999999998</c:v>
                 </c:pt>
                 <c:pt idx="6">
                   <c:v>28.5</c:v>
                 </c:pt>
                 <c:pt idx="7">
-                  <c:v>26.26</c:v>
+                  <c:v>26.259999999999998</c:v>
                 </c:pt>
                 <c:pt idx="8">
                   <c:v>27.62</c:v>
                 </c:pt>
                 <c:pt idx="9">
-                  <c:v>25.94</c:v>
+                  <c:v>25.939999999999998</c:v>
                 </c:pt>
                 <c:pt idx="10">
                   <c:v>27.12</c:v>
@@ -6549,10 +6556,10 @@
                   <c:v>20.88</c:v>
                 </c:pt>
                 <c:pt idx="16">
-                  <c:v>19.079999999999998</c:v>
+                  <c:v>19.079999999999995</c:v>
                 </c:pt>
                 <c:pt idx="17">
-                  <c:v>16.98</c:v>
+                  <c:v>16.979999999999997</c:v>
                 </c:pt>
                 <c:pt idx="18">
                   <c:v>15.58</c:v>
@@ -6599,19 +6606,19 @@
                     <c:v>10.271144045333999</c:v>
                   </c:pt>
                   <c:pt idx="2">
-                    <c:v>8.7504285609334591</c:v>
+                    <c:v>8.7504285609334573</c:v>
                   </c:pt>
                   <c:pt idx="3">
                     <c:v>9.8453847055358903</c:v>
                   </c:pt>
                   <c:pt idx="4">
-                    <c:v>7.4072667023673464</c:v>
+                    <c:v>7.4072667023673473</c:v>
                   </c:pt>
                   <c:pt idx="5">
                     <c:v>9.0667745091625598</c:v>
                   </c:pt>
                   <c:pt idx="6">
-                    <c:v>8.7518912241869184</c:v>
+                    <c:v>8.7518912241869202</c:v>
                   </c:pt>
                   <c:pt idx="7">
                     <c:v>9.2007825754117238</c:v>
@@ -6620,7 +6627,7 @@
                     <c:v>10.853570840972109</c:v>
                   </c:pt>
                   <c:pt idx="9">
-                    <c:v>9.8216902822273937</c:v>
+                    <c:v>9.8216902822273955</c:v>
                   </c:pt>
                   <c:pt idx="10">
                     <c:v>6.9983998171010491</c:v>
@@ -6632,10 +6639,10 @@
                     <c:v>6.3395898920986991</c:v>
                   </c:pt>
                   <c:pt idx="13">
-                    <c:v>7.3789159095357633</c:v>
+                    <c:v>7.3789159095357615</c:v>
                   </c:pt>
                   <c:pt idx="14">
-                    <c:v>6.1393484996374008</c:v>
+                    <c:v>6.1393484996374017</c:v>
                   </c:pt>
                   <c:pt idx="15">
                     <c:v>6.4084007365332569</c:v>
@@ -6644,13 +6651,13 @@
                     <c:v>5.9594966230378894</c:v>
                   </c:pt>
                   <c:pt idx="17">
-                    <c:v>6.3584903868764329</c:v>
+                    <c:v>6.358490386876432</c:v>
                   </c:pt>
                   <c:pt idx="18">
-                    <c:v>5.3822300210972038</c:v>
+                    <c:v>5.3822300210972029</c:v>
                   </c:pt>
                   <c:pt idx="19">
-                    <c:v>5.5099909255823647</c:v>
+                    <c:v>5.5099909255823665</c:v>
                   </c:pt>
                   <c:pt idx="20">
                     <c:v>4.9421048147525157</c:v>
@@ -6687,7 +6694,7 @@
                   <c:v>0.1</c:v>
                 </c:pt>
                 <c:pt idx="3">
-                  <c:v>0.15</c:v>
+                  <c:v>0.15000000000000002</c:v>
                 </c:pt>
                 <c:pt idx="4">
                   <c:v>0.2</c:v>
@@ -6696,10 +6703,10 @@
                   <c:v>0.25</c:v>
                 </c:pt>
                 <c:pt idx="6">
-                  <c:v>0.3</c:v>
+                  <c:v>0.30000000000000004</c:v>
                 </c:pt>
                 <c:pt idx="7">
-                  <c:v>0.35</c:v>
+                  <c:v>0.35000000000000003</c:v>
                 </c:pt>
                 <c:pt idx="8">
                   <c:v>0.4</c:v>
@@ -6714,28 +6721,28 @@
                   <c:v>0.55000000000000004</c:v>
                 </c:pt>
                 <c:pt idx="12">
-                  <c:v>0.60000000000000009</c:v>
+                  <c:v>0.6000000000000002</c:v>
                 </c:pt>
                 <c:pt idx="13">
-                  <c:v>0.65</c:v>
+                  <c:v>0.65000000000000013</c:v>
                 </c:pt>
                 <c:pt idx="14">
-                  <c:v>0.70000000000000007</c:v>
+                  <c:v>0.70000000000000018</c:v>
                 </c:pt>
                 <c:pt idx="15">
-                  <c:v>0.75</c:v>
+                  <c:v>0.75000000000000011</c:v>
                 </c:pt>
                 <c:pt idx="16">
                   <c:v>0.8</c:v>
                 </c:pt>
                 <c:pt idx="17">
-                  <c:v>0.85000000000000009</c:v>
+                  <c:v>0.8500000000000002</c:v>
                 </c:pt>
                 <c:pt idx="18">
                   <c:v>0.9</c:v>
                 </c:pt>
                 <c:pt idx="19">
-                  <c:v>0.95000000000000007</c:v>
+                  <c:v>0.95000000000000018</c:v>
                 </c:pt>
                 <c:pt idx="20">
                   <c:v>1</c:v>
@@ -6753,19 +6760,19 @@
                   <c:v>31.38</c:v>
                 </c:pt>
                 <c:pt idx="1">
-                  <c:v>31.94</c:v>
+                  <c:v>31.939999999999998</c:v>
                 </c:pt>
                 <c:pt idx="2">
                   <c:v>30.1</c:v>
                 </c:pt>
                 <c:pt idx="3">
-                  <c:v>30.78</c:v>
+                  <c:v>30.779999999999998</c:v>
                 </c:pt>
                 <c:pt idx="4">
                   <c:v>28.82</c:v>
                 </c:pt>
                 <c:pt idx="5">
-                  <c:v>28.44</c:v>
+                  <c:v>28.439999999999998</c:v>
                 </c:pt>
                 <c:pt idx="6">
                   <c:v>26.38</c:v>
@@ -6792,7 +6799,7 @@
                   <c:v>21.54</c:v>
                 </c:pt>
                 <c:pt idx="14">
-                  <c:v>20.78</c:v>
+                  <c:v>20.779999999999998</c:v>
                 </c:pt>
                 <c:pt idx="15">
                   <c:v>19.82</c:v>
@@ -6817,11 +6824,11 @@
           </c:yVal>
           <c:smooth val="1"/>
         </c:ser>
-        <c:axId val="66111744"/>
-        <c:axId val="66154880"/>
+        <c:axId val="66913024"/>
+        <c:axId val="66914944"/>
       </c:scatterChart>
       <c:valAx>
-        <c:axId val="66111744"/>
+        <c:axId val="66913024"/>
         <c:scaling>
           <c:orientation val="minMax"/>
           <c:max val="1.2"/>
@@ -6851,18 +6858,18 @@
               <c:xMode val="edge"/>
               <c:yMode val="edge"/>
               <c:x val="0.44054986876640417"/>
-              <c:y val="0.90312493438320207"/>
+              <c:y val="0.90312493438320218"/>
             </c:manualLayout>
           </c:layout>
         </c:title>
         <c:numFmt formatCode="General" sourceLinked="1"/>
         <c:tickLblPos val="nextTo"/>
-        <c:crossAx val="66154880"/>
+        <c:crossAx val="66914944"/>
         <c:crosses val="autoZero"/>
         <c:crossBetween val="midCat"/>
       </c:valAx>
       <c:valAx>
-        <c:axId val="66154880"/>
+        <c:axId val="66914944"/>
         <c:scaling>
           <c:orientation val="minMax"/>
         </c:scaling>
@@ -6889,14 +6896,14 @@
             <c:manualLayout>
               <c:xMode val="edge"/>
               <c:yMode val="edge"/>
-              <c:x val="3.9751202974628176E-2"/>
-              <c:y val="0.38466482939632546"/>
+              <c:x val="3.9751202974628183E-2"/>
+              <c:y val="0.38466482939632551"/>
             </c:manualLayout>
           </c:layout>
         </c:title>
         <c:numFmt formatCode="General" sourceLinked="1"/>
         <c:tickLblPos val="nextTo"/>
-        <c:crossAx val="66111744"/>
+        <c:crossAx val="66913024"/>
         <c:crosses val="autoZero"/>
         <c:crossBetween val="midCat"/>
       </c:valAx>
@@ -6935,8 +6942,8 @@
         <c:manualLayout>
           <c:xMode val="edge"/>
           <c:yMode val="edge"/>
-          <c:x val="0.43204341644794403"/>
-          <c:y val="3.9286351706036747E-2"/>
+          <c:x val="0.43204341644794408"/>
+          <c:y val="3.9286351706036754E-2"/>
         </c:manualLayout>
       </c:layout>
     </c:title>
@@ -6946,10 +6953,10 @@
           <c:layoutTarget val="inner"/>
           <c:xMode val="edge"/>
           <c:yMode val="edge"/>
-          <c:x val="0.10866907261592303"/>
-          <c:y val="0.14147007874015749"/>
+          <c:x val="0.10866907261592304"/>
+          <c:y val="0.14147007874015746"/>
           <c:w val="0.76666426071741034"/>
-          <c:h val="0.67887296587926504"/>
+          <c:h val="0.67887296587926493"/>
         </c:manualLayout>
       </c:layout>
       <c:scatterChart>
@@ -6982,10 +6989,10 @@
                     <c:v>15.93036095008522</c:v>
                   </c:pt>
                   <c:pt idx="1">
-                    <c:v>13.668416148186299</c:v>
+                    <c:v>13.668416148186301</c:v>
                   </c:pt>
                   <c:pt idx="2">
-                    <c:v>10.4914441331973</c:v>
+                    <c:v>10.491444133197302</c:v>
                   </c:pt>
                   <c:pt idx="3">
                     <c:v>29.074359838180449</c:v>
@@ -6997,31 +7004,31 @@
                     <c:v>16.43294252408862</c:v>
                   </c:pt>
                   <c:pt idx="6">
-                    <c:v>19.433054314749391</c:v>
+                    <c:v>19.433054314749388</c:v>
                   </c:pt>
                   <c:pt idx="7">
-                    <c:v>20.723358801121019</c:v>
+                    <c:v>20.723358801121016</c:v>
                   </c:pt>
                   <c:pt idx="8">
-                    <c:v>15.906275491138709</c:v>
+                    <c:v>15.906275491138707</c:v>
                   </c:pt>
                   <c:pt idx="9">
                     <c:v>22.221152085344269</c:v>
                   </c:pt>
                   <c:pt idx="10">
-                    <c:v>31.906294049920621</c:v>
+                    <c:v>31.906294049920618</c:v>
                   </c:pt>
                   <c:pt idx="11">
-                    <c:v>29.901812654085031</c:v>
+                    <c:v>29.901812654085028</c:v>
                   </c:pt>
                   <c:pt idx="12">
-                    <c:v>25.44889781503317</c:v>
+                    <c:v>25.448897815033167</c:v>
                   </c:pt>
                   <c:pt idx="13">
                     <c:v>27.368039754428889</c:v>
                   </c:pt>
                   <c:pt idx="14">
-                    <c:v>15.881612008861071</c:v>
+                    <c:v>15.881612008861072</c:v>
                   </c:pt>
                   <c:pt idx="15">
                     <c:v>32.938275607566347</c:v>
@@ -7033,13 +7040,13 @@
                     <c:v>31.915945857831002</c:v>
                   </c:pt>
                   <c:pt idx="18">
-                    <c:v>18.935479925261991</c:v>
+                    <c:v>18.935479925261983</c:v>
                   </c:pt>
                   <c:pt idx="19">
-                    <c:v>27.986882641694841</c:v>
+                    <c:v>27.986882641694837</c:v>
                   </c:pt>
                   <c:pt idx="20">
-                    <c:v>23.78410393519167</c:v>
+                    <c:v>23.784103935191666</c:v>
                   </c:pt>
                 </c:numCache>
               </c:numRef>
@@ -7054,10 +7061,10 @@
                     <c:v>15.93036095008522</c:v>
                   </c:pt>
                   <c:pt idx="1">
-                    <c:v>13.668416148186299</c:v>
+                    <c:v>13.668416148186301</c:v>
                   </c:pt>
                   <c:pt idx="2">
-                    <c:v>10.4914441331973</c:v>
+                    <c:v>10.491444133197302</c:v>
                   </c:pt>
                   <c:pt idx="3">
                     <c:v>29.074359838180449</c:v>
@@ -7069,31 +7076,31 @@
                     <c:v>16.43294252408862</c:v>
                   </c:pt>
                   <c:pt idx="6">
-                    <c:v>19.433054314749391</c:v>
+                    <c:v>19.433054314749388</c:v>
                   </c:pt>
                   <c:pt idx="7">
-                    <c:v>20.723358801121019</c:v>
+                    <c:v>20.723358801121016</c:v>
                   </c:pt>
                   <c:pt idx="8">
-                    <c:v>15.906275491138709</c:v>
+                    <c:v>15.906275491138707</c:v>
                   </c:pt>
                   <c:pt idx="9">
                     <c:v>22.221152085344269</c:v>
                   </c:pt>
                   <c:pt idx="10">
-                    <c:v>31.906294049920621</c:v>
+                    <c:v>31.906294049920618</c:v>
                   </c:pt>
                   <c:pt idx="11">
-                    <c:v>29.901812654085031</c:v>
+                    <c:v>29.901812654085028</c:v>
                   </c:pt>
                   <c:pt idx="12">
-                    <c:v>25.44889781503317</c:v>
+                    <c:v>25.448897815033167</c:v>
                   </c:pt>
                   <c:pt idx="13">
                     <c:v>27.368039754428889</c:v>
                   </c:pt>
                   <c:pt idx="14">
-                    <c:v>15.881612008861071</c:v>
+                    <c:v>15.881612008861072</c:v>
                   </c:pt>
                   <c:pt idx="15">
                     <c:v>32.938275607566347</c:v>
@@ -7105,13 +7112,13 @@
                     <c:v>31.915945857831002</c:v>
                   </c:pt>
                   <c:pt idx="18">
-                    <c:v>18.935479925261991</c:v>
+                    <c:v>18.935479925261983</c:v>
                   </c:pt>
                   <c:pt idx="19">
-                    <c:v>27.986882641694841</c:v>
+                    <c:v>27.986882641694837</c:v>
                   </c:pt>
                   <c:pt idx="20">
-                    <c:v>23.78410393519167</c:v>
+                    <c:v>23.784103935191666</c:v>
                   </c:pt>
                 </c:numCache>
               </c:numRef>
@@ -7133,7 +7140,7 @@
                   <c:v>0.1</c:v>
                 </c:pt>
                 <c:pt idx="3">
-                  <c:v>0.15</c:v>
+                  <c:v>0.15000000000000002</c:v>
                 </c:pt>
                 <c:pt idx="4">
                   <c:v>0.2</c:v>
@@ -7142,10 +7149,10 @@
                   <c:v>0.25</c:v>
                 </c:pt>
                 <c:pt idx="6">
-                  <c:v>0.3</c:v>
+                  <c:v>0.30000000000000004</c:v>
                 </c:pt>
                 <c:pt idx="7">
-                  <c:v>0.35</c:v>
+                  <c:v>0.35000000000000003</c:v>
                 </c:pt>
                 <c:pt idx="8">
                   <c:v>0.4</c:v>
@@ -7160,28 +7167,28 @@
                   <c:v>0.55000000000000004</c:v>
                 </c:pt>
                 <c:pt idx="12">
-                  <c:v>0.60000000000000009</c:v>
+                  <c:v>0.6000000000000002</c:v>
                 </c:pt>
                 <c:pt idx="13">
-                  <c:v>0.65</c:v>
+                  <c:v>0.65000000000000013</c:v>
                 </c:pt>
                 <c:pt idx="14">
-                  <c:v>0.70000000000000007</c:v>
+                  <c:v>0.70000000000000018</c:v>
                 </c:pt>
                 <c:pt idx="15">
-                  <c:v>0.75</c:v>
+                  <c:v>0.75000000000000011</c:v>
                 </c:pt>
                 <c:pt idx="16">
                   <c:v>0.8</c:v>
                 </c:pt>
                 <c:pt idx="17">
-                  <c:v>0.85000000000000009</c:v>
+                  <c:v>0.8500000000000002</c:v>
                 </c:pt>
                 <c:pt idx="18">
                   <c:v>0.9</c:v>
                 </c:pt>
                 <c:pt idx="19">
-                  <c:v>0.95000000000000007</c:v>
+                  <c:v>0.95000000000000018</c:v>
                 </c:pt>
                 <c:pt idx="20">
                   <c:v>1</c:v>
@@ -7196,7 +7203,7 @@
                 <c:formatCode>General</c:formatCode>
                 <c:ptCount val="21"/>
                 <c:pt idx="0">
-                  <c:v>22.94</c:v>
+                  <c:v>22.939999999999998</c:v>
                 </c:pt>
                 <c:pt idx="1">
                   <c:v>22.88</c:v>
@@ -7205,16 +7212,16 @@
                   <c:v>21.64</c:v>
                 </c:pt>
                 <c:pt idx="3">
-                  <c:v>30.96</c:v>
+                  <c:v>30.959999999999997</c:v>
                 </c:pt>
                 <c:pt idx="4">
                   <c:v>24.4</c:v>
                 </c:pt>
                 <c:pt idx="5">
-                  <c:v>28.28</c:v>
+                  <c:v>28.279999999999998</c:v>
                 </c:pt>
                 <c:pt idx="6">
-                  <c:v>30.42</c:v>
+                  <c:v>30.419999999999998</c:v>
                 </c:pt>
                 <c:pt idx="7">
                   <c:v>31.32</c:v>
@@ -7223,7 +7230,7 @@
                   <c:v>29.52</c:v>
                 </c:pt>
                 <c:pt idx="9">
-                  <c:v>30.98</c:v>
+                  <c:v>30.979999999999997</c:v>
                 </c:pt>
                 <c:pt idx="10">
                   <c:v>37.78</c:v>
@@ -7235,7 +7242,7 @@
                   <c:v>31.56</c:v>
                 </c:pt>
                 <c:pt idx="13">
-                  <c:v>36.479999999999997</c:v>
+                  <c:v>36.480000000000004</c:v>
                 </c:pt>
                 <c:pt idx="14">
                   <c:v>31.88</c:v>
@@ -7250,10 +7257,10 @@
                   <c:v>42.82</c:v>
                 </c:pt>
                 <c:pt idx="18">
-                  <c:v>35.26</c:v>
+                  <c:v>35.260000000000005</c:v>
                 </c:pt>
                 <c:pt idx="19">
-                  <c:v>39.880000000000003</c:v>
+                  <c:v>39.879999999999995</c:v>
                 </c:pt>
                 <c:pt idx="20">
                   <c:v>42.42</c:v>
@@ -7288,13 +7295,13 @@
                   <c:formatCode>General</c:formatCode>
                   <c:ptCount val="21"/>
                   <c:pt idx="0">
-                    <c:v>16.244986919046749</c:v>
+                    <c:v>16.244986919046752</c:v>
                   </c:pt>
                   <c:pt idx="1">
-                    <c:v>19.119215465075971</c:v>
+                    <c:v>19.119215465075975</c:v>
                   </c:pt>
                   <c:pt idx="2">
-                    <c:v>15.40649213805661</c:v>
+                    <c:v>15.406492138056613</c:v>
                   </c:pt>
                   <c:pt idx="3">
                     <c:v>19.27200041511</c:v>
@@ -7303,13 +7310,13 @@
                     <c:v>17.637743619862491</c:v>
                   </c:pt>
                   <c:pt idx="5">
-                    <c:v>16.46845469374707</c:v>
+                    <c:v>16.468454693747066</c:v>
                   </c:pt>
                   <c:pt idx="6">
                     <c:v>24.107003131870211</c:v>
                   </c:pt>
                   <c:pt idx="7">
-                    <c:v>32.601380338875217</c:v>
+                    <c:v>32.601380338875224</c:v>
                   </c:pt>
                   <c:pt idx="8">
                     <c:v>25.503795795920269</c:v>
@@ -7321,13 +7328,13 @@
                     <c:v>26.705175528350299</c:v>
                   </c:pt>
                   <c:pt idx="11">
-                    <c:v>23.41282554498709</c:v>
+                    <c:v>23.412825544987086</c:v>
                   </c:pt>
                   <c:pt idx="12">
-                    <c:v>21.84345210812614</c:v>
+                    <c:v>21.843452108126137</c:v>
                   </c:pt>
                   <c:pt idx="13">
-                    <c:v>19.70950024734265</c:v>
+                    <c:v>19.709500247342646</c:v>
                   </c:pt>
                   <c:pt idx="14">
                     <c:v>34.217328943095481</c:v>
@@ -7339,16 +7346,16 @@
                     <c:v>26.441490124423769</c:v>
                   </c:pt>
                   <c:pt idx="17">
-                    <c:v>25.690901113039999</c:v>
+                    <c:v>25.690901113040002</c:v>
                   </c:pt>
                   <c:pt idx="18">
-                    <c:v>37.0140513859264</c:v>
+                    <c:v>37.014051385926393</c:v>
                   </c:pt>
                   <c:pt idx="19">
-                    <c:v>39.382452945442601</c:v>
+                    <c:v>39.382452945442594</c:v>
                   </c:pt>
                   <c:pt idx="20">
-                    <c:v>33.67933491029774</c:v>
+                    <c:v>33.679334910297747</c:v>
                   </c:pt>
                 </c:numCache>
               </c:numRef>
@@ -7360,13 +7367,13 @@
                   <c:formatCode>General</c:formatCode>
                   <c:ptCount val="21"/>
                   <c:pt idx="0">
-                    <c:v>16.244986919046749</c:v>
+                    <c:v>16.244986919046752</c:v>
                   </c:pt>
                   <c:pt idx="1">
-                    <c:v>19.119215465075971</c:v>
+                    <c:v>19.119215465075975</c:v>
                   </c:pt>
                   <c:pt idx="2">
-                    <c:v>15.40649213805661</c:v>
+                    <c:v>15.406492138056613</c:v>
                   </c:pt>
                   <c:pt idx="3">
                     <c:v>19.27200041511</c:v>
@@ -7375,13 +7382,13 @@
                     <c:v>17.637743619862491</c:v>
                   </c:pt>
                   <c:pt idx="5">
-                    <c:v>16.46845469374707</c:v>
+                    <c:v>16.468454693747066</c:v>
                   </c:pt>
                   <c:pt idx="6">
                     <c:v>24.107003131870211</c:v>
                   </c:pt>
                   <c:pt idx="7">
-                    <c:v>32.601380338875217</c:v>
+                    <c:v>32.601380338875224</c:v>
                   </c:pt>
                   <c:pt idx="8">
                     <c:v>25.503795795920269</c:v>
@@ -7393,13 +7400,13 @@
                     <c:v>26.705175528350299</c:v>
                   </c:pt>
                   <c:pt idx="11">
-                    <c:v>23.41282554498709</c:v>
+                    <c:v>23.412825544987086</c:v>
                   </c:pt>
                   <c:pt idx="12">
-                    <c:v>21.84345210812614</c:v>
+                    <c:v>21.843452108126137</c:v>
                   </c:pt>
                   <c:pt idx="13">
-                    <c:v>19.70950024734265</c:v>
+                    <c:v>19.709500247342646</c:v>
                   </c:pt>
                   <c:pt idx="14">
                     <c:v>34.217328943095481</c:v>
@@ -7411,16 +7418,16 @@
                     <c:v>26.441490124423769</c:v>
                   </c:pt>
                   <c:pt idx="17">
-                    <c:v>25.690901113039999</c:v>
+                    <c:v>25.690901113040002</c:v>
                   </c:pt>
                   <c:pt idx="18">
-                    <c:v>37.0140513859264</c:v>
+                    <c:v>37.014051385926393</c:v>
                   </c:pt>
                   <c:pt idx="19">
-                    <c:v>39.382452945442601</c:v>
+                    <c:v>39.382452945442594</c:v>
                   </c:pt>
                   <c:pt idx="20">
-                    <c:v>33.67933491029774</c:v>
+                    <c:v>33.679334910297747</c:v>
                   </c:pt>
                 </c:numCache>
               </c:numRef>
@@ -7442,7 +7449,7 @@
                   <c:v>0.1</c:v>
                 </c:pt>
                 <c:pt idx="3">
-                  <c:v>0.15</c:v>
+                  <c:v>0.15000000000000002</c:v>
                 </c:pt>
                 <c:pt idx="4">
                   <c:v>0.2</c:v>
@@ -7451,10 +7458,10 @@
                   <c:v>0.25</c:v>
                 </c:pt>
                 <c:pt idx="6">
-                  <c:v>0.3</c:v>
+                  <c:v>0.30000000000000004</c:v>
                 </c:pt>
                 <c:pt idx="7">
-                  <c:v>0.35</c:v>
+                  <c:v>0.35000000000000003</c:v>
                 </c:pt>
                 <c:pt idx="8">
                   <c:v>0.4</c:v>
@@ -7469,28 +7476,28 @@
                   <c:v>0.55000000000000004</c:v>
                 </c:pt>
                 <c:pt idx="12">
-                  <c:v>0.60000000000000009</c:v>
+                  <c:v>0.6000000000000002</c:v>
                 </c:pt>
                 <c:pt idx="13">
-                  <c:v>0.65</c:v>
+                  <c:v>0.65000000000000013</c:v>
                 </c:pt>
                 <c:pt idx="14">
-                  <c:v>0.70000000000000007</c:v>
+                  <c:v>0.70000000000000018</c:v>
                 </c:pt>
                 <c:pt idx="15">
-                  <c:v>0.75</c:v>
+                  <c:v>0.75000000000000011</c:v>
                 </c:pt>
                 <c:pt idx="16">
                   <c:v>0.8</c:v>
                 </c:pt>
                 <c:pt idx="17">
-                  <c:v>0.85000000000000009</c:v>
+                  <c:v>0.8500000000000002</c:v>
                 </c:pt>
                 <c:pt idx="18">
                   <c:v>0.9</c:v>
                 </c:pt>
                 <c:pt idx="19">
-                  <c:v>0.95000000000000007</c:v>
+                  <c:v>0.95000000000000018</c:v>
                 </c:pt>
                 <c:pt idx="20">
                   <c:v>1</c:v>
@@ -7544,10 +7551,10 @@
                   <c:v>33.94</c:v>
                 </c:pt>
                 <c:pt idx="13">
-                  <c:v>33.659999999999997</c:v>
+                  <c:v>33.660000000000004</c:v>
                 </c:pt>
                 <c:pt idx="14">
-                  <c:v>44.12</c:v>
+                  <c:v>44.120000000000005</c:v>
                 </c:pt>
                 <c:pt idx="15">
                   <c:v>39.32</c:v>
@@ -7600,13 +7607,13 @@
                     <c:v>13.56862557520105</c:v>
                   </c:pt>
                   <c:pt idx="1">
-                    <c:v>17.463344467770199</c:v>
+                    <c:v>17.463344467770195</c:v>
                   </c:pt>
                   <c:pt idx="2">
-                    <c:v>15.90508094918099</c:v>
+                    <c:v>15.905080949180993</c:v>
                   </c:pt>
                   <c:pt idx="3">
-                    <c:v>11.212296820901591</c:v>
+                    <c:v>11.212296820901592</c:v>
                   </c:pt>
                   <c:pt idx="4">
                     <c:v>11.073138669772</c:v>
@@ -7621,19 +7628,19 @@
                     <c:v>8.5327838364744721</c:v>
                   </c:pt>
                   <c:pt idx="8">
-                    <c:v>9.3125506710030841</c:v>
+                    <c:v>9.3125506710030859</c:v>
                   </c:pt>
                   <c:pt idx="9">
-                    <c:v>6.1307095837268308</c:v>
+                    <c:v>6.1307095837268317</c:v>
                   </c:pt>
                   <c:pt idx="10">
-                    <c:v>6.6224164773895033</c:v>
+                    <c:v>6.6224164773895007</c:v>
                   </c:pt>
                   <c:pt idx="11">
-                    <c:v>7.3543456541013903</c:v>
+                    <c:v>7.3543456541013894</c:v>
                   </c:pt>
                   <c:pt idx="12">
-                    <c:v>6.7111846942250084</c:v>
+                    <c:v>6.7111846942250075</c:v>
                   </c:pt>
                   <c:pt idx="13">
                     <c:v>4.2083726070774672</c:v>
@@ -7645,16 +7652,16 @@
                     <c:v>5.9999999999999991</c:v>
                   </c:pt>
                   <c:pt idx="16">
-                    <c:v>3.119294792096444</c:v>
+                    <c:v>3.1192947920964444</c:v>
                   </c:pt>
                   <c:pt idx="17">
-                    <c:v>1.9983993594874869</c:v>
+                    <c:v>1.9983993594874867</c:v>
                   </c:pt>
                   <c:pt idx="18">
                     <c:v>1.937937047481161</c:v>
                   </c:pt>
                   <c:pt idx="19">
-                    <c:v>2.0424495097798618</c:v>
+                    <c:v>2.0424495097798609</c:v>
                   </c:pt>
                   <c:pt idx="20">
                     <c:v>1.1634431657799189</c:v>
@@ -7672,13 +7679,13 @@
                     <c:v>13.56862557520105</c:v>
                   </c:pt>
                   <c:pt idx="1">
-                    <c:v>17.463344467770199</c:v>
+                    <c:v>17.463344467770195</c:v>
                   </c:pt>
                   <c:pt idx="2">
-                    <c:v>15.90508094918099</c:v>
+                    <c:v>15.905080949180993</c:v>
                   </c:pt>
                   <c:pt idx="3">
-                    <c:v>11.212296820901591</c:v>
+                    <c:v>11.212296820901592</c:v>
                   </c:pt>
                   <c:pt idx="4">
                     <c:v>11.073138669772</c:v>
@@ -7693,19 +7700,19 @@
                     <c:v>8.5327838364744721</c:v>
                   </c:pt>
                   <c:pt idx="8">
-                    <c:v>9.3125506710030841</c:v>
+                    <c:v>9.3125506710030859</c:v>
                   </c:pt>
                   <c:pt idx="9">
-                    <c:v>6.1307095837268308</c:v>
+                    <c:v>6.1307095837268317</c:v>
                   </c:pt>
                   <c:pt idx="10">
-                    <c:v>6.6224164773895033</c:v>
+                    <c:v>6.6224164773895007</c:v>
                   </c:pt>
                   <c:pt idx="11">
-                    <c:v>7.3543456541013903</c:v>
+                    <c:v>7.3543456541013894</c:v>
                   </c:pt>
                   <c:pt idx="12">
-                    <c:v>6.7111846942250084</c:v>
+                    <c:v>6.7111846942250075</c:v>
                   </c:pt>
                   <c:pt idx="13">
                     <c:v>4.2083726070774672</c:v>
@@ -7717,16 +7724,16 @@
                     <c:v>5.9999999999999991</c:v>
                   </c:pt>
                   <c:pt idx="16">
-                    <c:v>3.119294792096444</c:v>
+                    <c:v>3.1192947920964444</c:v>
                   </c:pt>
                   <c:pt idx="17">
-                    <c:v>1.9983993594874869</c:v>
+                    <c:v>1.9983993594874867</c:v>
                   </c:pt>
                   <c:pt idx="18">
                     <c:v>1.937937047481161</c:v>
                   </c:pt>
                   <c:pt idx="19">
-                    <c:v>2.0424495097798618</c:v>
+                    <c:v>2.0424495097798609</c:v>
                   </c:pt>
                   <c:pt idx="20">
                     <c:v>1.1634431657799189</c:v>
@@ -7751,7 +7758,7 @@
                   <c:v>0.1</c:v>
                 </c:pt>
                 <c:pt idx="3">
-                  <c:v>0.15</c:v>
+                  <c:v>0.15000000000000002</c:v>
                 </c:pt>
                 <c:pt idx="4">
                   <c:v>0.2</c:v>
@@ -7760,10 +7767,10 @@
                   <c:v>0.25</c:v>
                 </c:pt>
                 <c:pt idx="6">
-                  <c:v>0.3</c:v>
+                  <c:v>0.30000000000000004</c:v>
                 </c:pt>
                 <c:pt idx="7">
-                  <c:v>0.35</c:v>
+                  <c:v>0.35000000000000003</c:v>
                 </c:pt>
                 <c:pt idx="8">
                   <c:v>0.4</c:v>
@@ -7778,28 +7785,28 @@
                   <c:v>0.55000000000000004</c:v>
                 </c:pt>
                 <c:pt idx="12">
-                  <c:v>0.60000000000000009</c:v>
+                  <c:v>0.6000000000000002</c:v>
                 </c:pt>
                 <c:pt idx="13">
-                  <c:v>0.65</c:v>
+                  <c:v>0.65000000000000013</c:v>
                 </c:pt>
                 <c:pt idx="14">
-                  <c:v>0.70000000000000007</c:v>
+                  <c:v>0.70000000000000018</c:v>
                 </c:pt>
                 <c:pt idx="15">
-                  <c:v>0.75</c:v>
+                  <c:v>0.75000000000000011</c:v>
                 </c:pt>
                 <c:pt idx="16">
                   <c:v>0.8</c:v>
                 </c:pt>
                 <c:pt idx="17">
-                  <c:v>0.85000000000000009</c:v>
+                  <c:v>0.8500000000000002</c:v>
                 </c:pt>
                 <c:pt idx="18">
                   <c:v>0.9</c:v>
                 </c:pt>
                 <c:pt idx="19">
-                  <c:v>0.95000000000000007</c:v>
+                  <c:v>0.95000000000000018</c:v>
                 </c:pt>
                 <c:pt idx="20">
                   <c:v>1</c:v>
@@ -7817,10 +7824,10 @@
                   <c:v>23.18</c:v>
                 </c:pt>
                 <c:pt idx="1">
-                  <c:v>23.46</c:v>
+                  <c:v>23.459999999999997</c:v>
                 </c:pt>
                 <c:pt idx="2">
-                  <c:v>24.78</c:v>
+                  <c:v>24.779999999999998</c:v>
                 </c:pt>
                 <c:pt idx="3">
                   <c:v>19.38</c:v>
@@ -7838,7 +7845,7 @@
                   <c:v>17.54</c:v>
                 </c:pt>
                 <c:pt idx="8">
-                  <c:v>16.579999999999998</c:v>
+                  <c:v>16.579999999999995</c:v>
                 </c:pt>
                 <c:pt idx="9">
                   <c:v>13.12</c:v>
@@ -7853,13 +7860,13 @@
                   <c:v>12.4</c:v>
                 </c:pt>
                 <c:pt idx="13">
-                  <c:v>11.64</c:v>
+                  <c:v>11.639999999999999</c:v>
                 </c:pt>
                 <c:pt idx="14">
                   <c:v>10.62</c:v>
                 </c:pt>
                 <c:pt idx="15">
-                  <c:v>10.199999999999999</c:v>
+                  <c:v>10.200000000000001</c:v>
                 </c:pt>
                 <c:pt idx="16">
                   <c:v>9.3000000000000007</c:v>
@@ -7868,7 +7875,7 @@
                   <c:v>7.92</c:v>
                 </c:pt>
                 <c:pt idx="18">
-                  <c:v>7.62</c:v>
+                  <c:v>7.6199999999999992</c:v>
                 </c:pt>
                 <c:pt idx="19">
                   <c:v>7.22</c:v>
@@ -7909,10 +7916,10 @@
                     <c:v>10.00177984160819</c:v>
                   </c:pt>
                   <c:pt idx="1">
-                    <c:v>10.66247626023149</c:v>
+                    <c:v>10.662476260231491</c:v>
                   </c:pt>
                   <c:pt idx="2">
-                    <c:v>9.158689862638651</c:v>
+                    <c:v>9.1586898626386528</c:v>
                   </c:pt>
                   <c:pt idx="3">
                     <c:v>7.5319054694014849</c:v>
@@ -7927,43 +7934,43 @@
                     <c:v>14.24613631831452</c:v>
                   </c:pt>
                   <c:pt idx="7">
-                    <c:v>7.6565266276556496</c:v>
+                    <c:v>7.6565266276556487</c:v>
                   </c:pt>
                   <c:pt idx="8">
-                    <c:v>7.4409945571811837</c:v>
+                    <c:v>7.4409945571811829</c:v>
                   </c:pt>
                   <c:pt idx="9">
-                    <c:v>8.239029069010499</c:v>
+                    <c:v>8.2390290690104973</c:v>
                   </c:pt>
                   <c:pt idx="10">
                     <c:v>6.3102773314649179</c:v>
                   </c:pt>
                   <c:pt idx="11">
-                    <c:v>7.2497172358651349</c:v>
+                    <c:v>7.2497172358651358</c:v>
                   </c:pt>
                   <c:pt idx="12">
                     <c:v>5.6609539832081301</c:v>
                   </c:pt>
                   <c:pt idx="13">
-                    <c:v>5.3209397666201781</c:v>
+                    <c:v>5.3209397666201772</c:v>
                   </c:pt>
                   <c:pt idx="14">
-                    <c:v>3.9257610727093408</c:v>
+                    <c:v>3.9257610727093413</c:v>
                   </c:pt>
                   <c:pt idx="15">
                     <c:v>3.48</c:v>
                   </c:pt>
                   <c:pt idx="16">
-                    <c:v>2.979932885150268</c:v>
+                    <c:v>2.9799328851502676</c:v>
                   </c:pt>
                   <c:pt idx="17">
                     <c:v>1.9287301521985909</c:v>
                   </c:pt>
                   <c:pt idx="18">
-                    <c:v>1.711607431626774</c:v>
+                    <c:v>1.7116074316267742</c:v>
                   </c:pt>
                   <c:pt idx="19">
-                    <c:v>1.862900963551203</c:v>
+                    <c:v>1.8629009635512035</c:v>
                   </c:pt>
                   <c:pt idx="20">
                     <c:v>1.3965672200076871</c:v>
@@ -8000,7 +8007,7 @@
                   <c:v>0.1</c:v>
                 </c:pt>
                 <c:pt idx="3">
-                  <c:v>0.15</c:v>
+                  <c:v>0.15000000000000002</c:v>
                 </c:pt>
                 <c:pt idx="4">
                   <c:v>0.2</c:v>
@@ -8009,10 +8016,10 @@
                   <c:v>0.25</c:v>
                 </c:pt>
                 <c:pt idx="6">
-                  <c:v>0.3</c:v>
+                  <c:v>0.30000000000000004</c:v>
                 </c:pt>
                 <c:pt idx="7">
-                  <c:v>0.35</c:v>
+                  <c:v>0.35000000000000003</c:v>
                 </c:pt>
                 <c:pt idx="8">
                   <c:v>0.4</c:v>
@@ -8027,28 +8034,28 @@
                   <c:v>0.55000000000000004</c:v>
                 </c:pt>
                 <c:pt idx="12">
-                  <c:v>0.60000000000000009</c:v>
+                  <c:v>0.6000000000000002</c:v>
                 </c:pt>
                 <c:pt idx="13">
-                  <c:v>0.65</c:v>
+                  <c:v>0.65000000000000013</c:v>
                 </c:pt>
                 <c:pt idx="14">
-                  <c:v>0.70000000000000007</c:v>
+                  <c:v>0.70000000000000018</c:v>
                 </c:pt>
                 <c:pt idx="15">
-                  <c:v>0.75</c:v>
+                  <c:v>0.75000000000000011</c:v>
                 </c:pt>
                 <c:pt idx="16">
                   <c:v>0.8</c:v>
                 </c:pt>
                 <c:pt idx="17">
-                  <c:v>0.85000000000000009</c:v>
+                  <c:v>0.8500000000000002</c:v>
                 </c:pt>
                 <c:pt idx="18">
                   <c:v>0.9</c:v>
                 </c:pt>
                 <c:pt idx="19">
-                  <c:v>0.95000000000000007</c:v>
+                  <c:v>0.95000000000000018</c:v>
                 </c:pt>
                 <c:pt idx="20">
                   <c:v>1</c:v>
@@ -8066,13 +8073,13 @@
                   <c:v>21.62</c:v>
                 </c:pt>
                 <c:pt idx="1">
-                  <c:v>19.46</c:v>
+                  <c:v>19.459999999999997</c:v>
                 </c:pt>
                 <c:pt idx="2">
                   <c:v>18.72</c:v>
                 </c:pt>
                 <c:pt idx="3">
-                  <c:v>19.48</c:v>
+                  <c:v>19.479999999999997</c:v>
                 </c:pt>
                 <c:pt idx="4">
                   <c:v>17.760000000000002</c:v>
@@ -8090,7 +8097,7 @@
                   <c:v>15.54</c:v>
                 </c:pt>
                 <c:pt idx="9">
-                  <c:v>14.72</c:v>
+                  <c:v>14.719999999999999</c:v>
                 </c:pt>
                 <c:pt idx="10">
                   <c:v>12.98</c:v>
@@ -8102,13 +8109,13 @@
                   <c:v>12.44</c:v>
                 </c:pt>
                 <c:pt idx="13">
-                  <c:v>10.74</c:v>
+                  <c:v>10.739999999999998</c:v>
                 </c:pt>
                 <c:pt idx="14">
-                  <c:v>9.7799999999999994</c:v>
+                  <c:v>9.7800000000000011</c:v>
                 </c:pt>
                 <c:pt idx="15">
-                  <c:v>9.36</c:v>
+                  <c:v>9.3600000000000012</c:v>
                 </c:pt>
                 <c:pt idx="16">
                   <c:v>8.8000000000000007</c:v>
@@ -8120,7 +8127,7 @@
                   <c:v>7.52</c:v>
                 </c:pt>
                 <c:pt idx="19">
-                  <c:v>7.36</c:v>
+                  <c:v>7.3599999999999994</c:v>
                 </c:pt>
                 <c:pt idx="20">
                   <c:v>6.64</c:v>
@@ -8130,11 +8137,11 @@
           </c:yVal>
           <c:smooth val="1"/>
         </c:ser>
-        <c:axId val="63753216"/>
-        <c:axId val="63796352"/>
+        <c:axId val="66973696"/>
+        <c:axId val="66975616"/>
       </c:scatterChart>
       <c:valAx>
-        <c:axId val="63753216"/>
+        <c:axId val="66973696"/>
         <c:scaling>
           <c:orientation val="minMax"/>
         </c:scaling>
@@ -8162,18 +8169,18 @@
               <c:xMode val="edge"/>
               <c:yMode val="edge"/>
               <c:x val="0.45721653543307089"/>
-              <c:y val="0.90312493438320207"/>
+              <c:y val="0.90312493438320218"/>
             </c:manualLayout>
           </c:layout>
         </c:title>
         <c:numFmt formatCode="General" sourceLinked="1"/>
         <c:tickLblPos val="nextTo"/>
-        <c:crossAx val="63796352"/>
+        <c:crossAx val="66975616"/>
         <c:crosses val="autoZero"/>
         <c:crossBetween val="midCat"/>
       </c:valAx>
       <c:valAx>
-        <c:axId val="63796352"/>
+        <c:axId val="66975616"/>
         <c:scaling>
           <c:orientation val="minMax"/>
         </c:scaling>
@@ -8200,14 +8207,14 @@
             <c:manualLayout>
               <c:xMode val="edge"/>
               <c:yMode val="edge"/>
-              <c:x val="3.9653980752405948E-2"/>
+              <c:x val="3.9653980752405955E-2"/>
               <c:y val="0.40466482939632548"/>
             </c:manualLayout>
           </c:layout>
         </c:title>
         <c:numFmt formatCode="General" sourceLinked="1"/>
         <c:tickLblPos val="nextTo"/>
-        <c:crossAx val="63753216"/>
+        <c:crossAx val="66973696"/>
         <c:crosses val="autoZero"/>
         <c:crossBetween val="midCat"/>
       </c:valAx>
@@ -8224,6 +8231,7 @@
 
 <file path=ppt/charts/chart7.xml><?xml version="1.0" encoding="utf-8"?>
 <c:chartSpace xmlns:c="http://schemas.openxmlformats.org/drawingml/2006/chart" xmlns:a="http://schemas.openxmlformats.org/drawingml/2006/main" xmlns:r="http://schemas.openxmlformats.org/officeDocument/2006/relationships">
+  <c:date1904 val="1"/>
   <c:lang val="en-US"/>
   <c:chart>
     <c:title>
@@ -8255,10 +8263,10 @@
           <c:layoutTarget val="inner"/>
           <c:xMode val="edge"/>
           <c:yMode val="edge"/>
-          <c:x val="0.10866907261592303"/>
+          <c:x val="0.10866907261592304"/>
           <c:y val="0.12535897856517936"/>
           <c:w val="0.77434470691163604"/>
-          <c:h val="0.70942831364829395"/>
+          <c:h val="0.70942831364829406"/>
         </c:manualLayout>
       </c:layout>
       <c:scatterChart>
@@ -8288,34 +8296,34 @@
                   <c:formatCode>General</c:formatCode>
                   <c:ptCount val="21"/>
                   <c:pt idx="0">
-                    <c:v>29.371714284324639</c:v>
+                    <c:v>29.371714284324636</c:v>
                   </c:pt>
                   <c:pt idx="1">
                     <c:v>25.857795729721431</c:v>
                   </c:pt>
                   <c:pt idx="2">
-                    <c:v>29.590160526769711</c:v>
+                    <c:v>29.590160526769708</c:v>
                   </c:pt>
                   <c:pt idx="3">
-                    <c:v>35.96618411786271</c:v>
+                    <c:v>35.966184117862703</c:v>
                   </c:pt>
                   <c:pt idx="4">
-                    <c:v>32.071644797234832</c:v>
+                    <c:v>32.071644797234818</c:v>
                   </c:pt>
                   <c:pt idx="5">
-                    <c:v>31.932359762472931</c:v>
+                    <c:v>31.932359762472927</c:v>
                   </c:pt>
                   <c:pt idx="6">
-                    <c:v>39.912484262446</c:v>
+                    <c:v>39.912484262445986</c:v>
                   </c:pt>
                   <c:pt idx="7">
-                    <c:v>32.368632964646501</c:v>
+                    <c:v>32.368632964646494</c:v>
                   </c:pt>
                   <c:pt idx="8">
-                    <c:v>37.724162018526002</c:v>
+                    <c:v>37.724162018526009</c:v>
                   </c:pt>
                   <c:pt idx="9">
-                    <c:v>35.731778573141312</c:v>
+                    <c:v>35.731778573141305</c:v>
                   </c:pt>
                   <c:pt idx="10">
                     <c:v>36.476343018455132</c:v>
@@ -8327,28 +8335,28 @@
                     <c:v>44.1334159113024</c:v>
                   </c:pt>
                   <c:pt idx="13">
-                    <c:v>30.502039276087761</c:v>
+                    <c:v>30.502039276087753</c:v>
                   </c:pt>
                   <c:pt idx="14">
                     <c:v>41.006340973073911</c:v>
                   </c:pt>
                   <c:pt idx="15">
-                    <c:v>38.853385952835573</c:v>
+                    <c:v>38.853385952835566</c:v>
                   </c:pt>
                   <c:pt idx="16">
-                    <c:v>38.99043985389239</c:v>
+                    <c:v>38.990439853892383</c:v>
                   </c:pt>
                   <c:pt idx="17">
-                    <c:v>44.96877138637435</c:v>
+                    <c:v>44.968771386374357</c:v>
                   </c:pt>
                   <c:pt idx="18">
-                    <c:v>41.54998916967368</c:v>
+                    <c:v>41.549989169673665</c:v>
                   </c:pt>
                   <c:pt idx="19">
                     <c:v>39.798874355941273</c:v>
                   </c:pt>
                   <c:pt idx="20">
-                    <c:v>46.443359051644833</c:v>
+                    <c:v>46.443359051644819</c:v>
                   </c:pt>
                 </c:numCache>
               </c:numRef>
@@ -8360,34 +8368,34 @@
                   <c:formatCode>General</c:formatCode>
                   <c:ptCount val="21"/>
                   <c:pt idx="0">
-                    <c:v>29.371714284324639</c:v>
+                    <c:v>29.371714284324636</c:v>
                   </c:pt>
                   <c:pt idx="1">
                     <c:v>25.857795729721431</c:v>
                   </c:pt>
                   <c:pt idx="2">
-                    <c:v>29.590160526769711</c:v>
+                    <c:v>29.590160526769708</c:v>
                   </c:pt>
                   <c:pt idx="3">
-                    <c:v>35.96618411786271</c:v>
+                    <c:v>35.966184117862703</c:v>
                   </c:pt>
                   <c:pt idx="4">
-                    <c:v>32.071644797234832</c:v>
+                    <c:v>32.071644797234818</c:v>
                   </c:pt>
                   <c:pt idx="5">
-                    <c:v>31.932359762472931</c:v>
+                    <c:v>31.932359762472927</c:v>
                   </c:pt>
                   <c:pt idx="6">
-                    <c:v>39.912484262446</c:v>
+                    <c:v>39.912484262445986</c:v>
                   </c:pt>
                   <c:pt idx="7">
-                    <c:v>32.368632964646501</c:v>
+                    <c:v>32.368632964646494</c:v>
                   </c:pt>
                   <c:pt idx="8">
-                    <c:v>37.724162018526002</c:v>
+                    <c:v>37.724162018526009</c:v>
                   </c:pt>
                   <c:pt idx="9">
-                    <c:v>35.731778573141312</c:v>
+                    <c:v>35.731778573141305</c:v>
                   </c:pt>
                   <c:pt idx="10">
                     <c:v>36.476343018455132</c:v>
@@ -8399,28 +8407,28 @@
                     <c:v>44.1334159113024</c:v>
                   </c:pt>
                   <c:pt idx="13">
-                    <c:v>30.502039276087761</c:v>
+                    <c:v>30.502039276087753</c:v>
                   </c:pt>
                   <c:pt idx="14">
                     <c:v>41.006340973073911</c:v>
                   </c:pt>
                   <c:pt idx="15">
-                    <c:v>38.853385952835573</c:v>
+                    <c:v>38.853385952835566</c:v>
                   </c:pt>
                   <c:pt idx="16">
-                    <c:v>38.99043985389239</c:v>
+                    <c:v>38.990439853892383</c:v>
                   </c:pt>
                   <c:pt idx="17">
-                    <c:v>44.96877138637435</c:v>
+                    <c:v>44.968771386374357</c:v>
                   </c:pt>
                   <c:pt idx="18">
-                    <c:v>41.54998916967368</c:v>
+                    <c:v>41.549989169673665</c:v>
                   </c:pt>
                   <c:pt idx="19">
                     <c:v>39.798874355941273</c:v>
                   </c:pt>
                   <c:pt idx="20">
-                    <c:v>46.443359051644833</c:v>
+                    <c:v>46.443359051644819</c:v>
                   </c:pt>
                 </c:numCache>
               </c:numRef>
@@ -8442,7 +8450,7 @@
                   <c:v>0.1</c:v>
                 </c:pt>
                 <c:pt idx="3">
-                  <c:v>0.15</c:v>
+                  <c:v>0.15000000000000002</c:v>
                 </c:pt>
                 <c:pt idx="4">
                   <c:v>0.2</c:v>
@@ -8451,10 +8459,10 @@
                   <c:v>0.25</c:v>
                 </c:pt>
                 <c:pt idx="6">
-                  <c:v>0.3</c:v>
+                  <c:v>0.30000000000000004</c:v>
                 </c:pt>
                 <c:pt idx="7">
-                  <c:v>0.35</c:v>
+                  <c:v>0.35000000000000003</c:v>
                 </c:pt>
                 <c:pt idx="8">
                   <c:v>0.4</c:v>
@@ -8469,28 +8477,28 @@
                   <c:v>0.55000000000000004</c:v>
                 </c:pt>
                 <c:pt idx="12">
-                  <c:v>0.60000000000000009</c:v>
+                  <c:v>0.6000000000000002</c:v>
                 </c:pt>
                 <c:pt idx="13">
-                  <c:v>0.65</c:v>
+                  <c:v>0.65000000000000013</c:v>
                 </c:pt>
                 <c:pt idx="14">
-                  <c:v>0.70000000000000007</c:v>
+                  <c:v>0.70000000000000018</c:v>
                 </c:pt>
                 <c:pt idx="15">
-                  <c:v>0.75</c:v>
+                  <c:v>0.75000000000000011</c:v>
                 </c:pt>
                 <c:pt idx="16">
                   <c:v>0.8</c:v>
                 </c:pt>
                 <c:pt idx="17">
-                  <c:v>0.85000000000000009</c:v>
+                  <c:v>0.8500000000000002</c:v>
                 </c:pt>
                 <c:pt idx="18">
                   <c:v>0.9</c:v>
                 </c:pt>
                 <c:pt idx="19">
-                  <c:v>0.95000000000000007</c:v>
+                  <c:v>0.95000000000000018</c:v>
                 </c:pt>
                 <c:pt idx="20">
                   <c:v>1</c:v>
@@ -8508,19 +8516,19 @@
                   <c:v>70.319999999999993</c:v>
                 </c:pt>
                 <c:pt idx="1">
-                  <c:v>58.88</c:v>
+                  <c:v>58.879999999999995</c:v>
                 </c:pt>
                 <c:pt idx="2">
-                  <c:v>65.680000000000007</c:v>
+                  <c:v>65.679999999999993</c:v>
                 </c:pt>
                 <c:pt idx="3">
-                  <c:v>66.44</c:v>
+                  <c:v>66.440000000000012</c:v>
                 </c:pt>
                 <c:pt idx="4">
                   <c:v>75.36</c:v>
                 </c:pt>
                 <c:pt idx="5">
-                  <c:v>70.62</c:v>
+                  <c:v>70.61999999999999</c:v>
                 </c:pt>
                 <c:pt idx="6">
                   <c:v>69.56</c:v>
@@ -8550,7 +8558,7 @@
                   <c:v>85.2</c:v>
                 </c:pt>
                 <c:pt idx="15">
-                  <c:v>77.12</c:v>
+                  <c:v>77.11999999999999</c:v>
                 </c:pt>
                 <c:pt idx="16">
                   <c:v>80.16</c:v>
@@ -8603,16 +8611,16 @@
                     <c:v>26.648894911421749</c:v>
                   </c:pt>
                   <c:pt idx="2">
-                    <c:v>33.677440520324581</c:v>
+                    <c:v>33.677440520324573</c:v>
                   </c:pt>
                   <c:pt idx="3">
                     <c:v>23.436458776871561</c:v>
                   </c:pt>
                   <c:pt idx="4">
-                    <c:v>19.288597668052489</c:v>
+                    <c:v>19.288597668052493</c:v>
                   </c:pt>
                   <c:pt idx="5">
-                    <c:v>24.171793479177339</c:v>
+                    <c:v>24.171793479177335</c:v>
                   </c:pt>
                   <c:pt idx="6">
                     <c:v>20.912857289237159</c:v>
@@ -8675,16 +8683,16 @@
                     <c:v>26.648894911421749</c:v>
                   </c:pt>
                   <c:pt idx="2">
-                    <c:v>33.677440520324581</c:v>
+                    <c:v>33.677440520324573</c:v>
                   </c:pt>
                   <c:pt idx="3">
                     <c:v>23.436458776871561</c:v>
                   </c:pt>
                   <c:pt idx="4">
-                    <c:v>19.288597668052489</c:v>
+                    <c:v>19.288597668052493</c:v>
                   </c:pt>
                   <c:pt idx="5">
-                    <c:v>24.171793479177339</c:v>
+                    <c:v>24.171793479177335</c:v>
                   </c:pt>
                   <c:pt idx="6">
                     <c:v>20.912857289237159</c:v>
@@ -8751,7 +8759,7 @@
                   <c:v>0.1</c:v>
                 </c:pt>
                 <c:pt idx="3">
-                  <c:v>0.15</c:v>
+                  <c:v>0.15000000000000002</c:v>
                 </c:pt>
                 <c:pt idx="4">
                   <c:v>0.2</c:v>
@@ -8760,10 +8768,10 @@
                   <c:v>0.25</c:v>
                 </c:pt>
                 <c:pt idx="6">
-                  <c:v>0.3</c:v>
+                  <c:v>0.30000000000000004</c:v>
                 </c:pt>
                 <c:pt idx="7">
-                  <c:v>0.35</c:v>
+                  <c:v>0.35000000000000003</c:v>
                 </c:pt>
                 <c:pt idx="8">
                   <c:v>0.4</c:v>
@@ -8778,28 +8786,28 @@
                   <c:v>0.55000000000000004</c:v>
                 </c:pt>
                 <c:pt idx="12">
-                  <c:v>0.60000000000000009</c:v>
+                  <c:v>0.6000000000000002</c:v>
                 </c:pt>
                 <c:pt idx="13">
-                  <c:v>0.65</c:v>
+                  <c:v>0.65000000000000013</c:v>
                 </c:pt>
                 <c:pt idx="14">
-                  <c:v>0.70000000000000007</c:v>
+                  <c:v>0.70000000000000018</c:v>
                 </c:pt>
                 <c:pt idx="15">
-                  <c:v>0.75</c:v>
+                  <c:v>0.75000000000000011</c:v>
                 </c:pt>
                 <c:pt idx="16">
                   <c:v>0.8</c:v>
                 </c:pt>
                 <c:pt idx="17">
-                  <c:v>0.85000000000000009</c:v>
+                  <c:v>0.8500000000000002</c:v>
                 </c:pt>
                 <c:pt idx="18">
                   <c:v>0.9</c:v>
                 </c:pt>
                 <c:pt idx="19">
-                  <c:v>0.95000000000000007</c:v>
+                  <c:v>0.95000000000000018</c:v>
                 </c:pt>
                 <c:pt idx="20">
                   <c:v>1</c:v>
@@ -8829,7 +8837,7 @@
                   <c:v>52.3</c:v>
                 </c:pt>
                 <c:pt idx="5">
-                  <c:v>56.62</c:v>
+                  <c:v>56.620000000000005</c:v>
                 </c:pt>
                 <c:pt idx="6">
                   <c:v>52.82</c:v>
@@ -8850,31 +8858,31 @@
                   <c:v>40.020000000000003</c:v>
                 </c:pt>
                 <c:pt idx="12">
-                  <c:v>37.340000000000003</c:v>
+                  <c:v>37.339999999999996</c:v>
                 </c:pt>
                 <c:pt idx="13">
                   <c:v>35.06</c:v>
                 </c:pt>
                 <c:pt idx="14">
-                  <c:v>34.119999999999997</c:v>
+                  <c:v>34.120000000000005</c:v>
                 </c:pt>
                 <c:pt idx="15">
                   <c:v>28.5</c:v>
                 </c:pt>
                 <c:pt idx="16">
-                  <c:v>24.94</c:v>
+                  <c:v>24.939999999999998</c:v>
                 </c:pt>
                 <c:pt idx="17">
-                  <c:v>21.26</c:v>
+                  <c:v>21.259999999999998</c:v>
                 </c:pt>
                 <c:pt idx="18">
-                  <c:v>16.98</c:v>
+                  <c:v>16.979999999999997</c:v>
                 </c:pt>
                 <c:pt idx="19">
                   <c:v>12.76</c:v>
                 </c:pt>
                 <c:pt idx="20">
-                  <c:v>8.64</c:v>
+                  <c:v>8.6399999999999988</c:v>
                 </c:pt>
               </c:numCache>
             </c:numRef>
@@ -8906,58 +8914,58 @@
                   <c:formatCode>General</c:formatCode>
                   <c:ptCount val="21"/>
                   <c:pt idx="0">
-                    <c:v>32.194589607572262</c:v>
+                    <c:v>32.194589607572254</c:v>
                   </c:pt>
                   <c:pt idx="1">
-                    <c:v>26.4592138961081</c:v>
+                    <c:v>26.459213896108096</c:v>
                   </c:pt>
                   <c:pt idx="2">
-                    <c:v>30.123937325655159</c:v>
+                    <c:v>30.123937325655163</c:v>
                   </c:pt>
                   <c:pt idx="3">
-                    <c:v>20.908601100982342</c:v>
+                    <c:v>20.908601100982338</c:v>
                   </c:pt>
                   <c:pt idx="4">
-                    <c:v>20.947257577067219</c:v>
+                    <c:v>20.947257577067216</c:v>
                   </c:pt>
                   <c:pt idx="5">
                     <c:v>25.80523977799858</c:v>
                   </c:pt>
                   <c:pt idx="6">
-                    <c:v>22.593485786836879</c:v>
+                    <c:v>22.593485786836883</c:v>
                   </c:pt>
                   <c:pt idx="7">
-                    <c:v>26.059163455491049</c:v>
+                    <c:v>26.059163455491053</c:v>
                   </c:pt>
                   <c:pt idx="8">
                     <c:v>17.664937022248338</c:v>
                   </c:pt>
                   <c:pt idx="9">
-                    <c:v>18.4634666300779</c:v>
+                    <c:v>18.463466630077892</c:v>
                   </c:pt>
                   <c:pt idx="10">
                     <c:v>17.203488018422309</c:v>
                   </c:pt>
                   <c:pt idx="11">
-                    <c:v>15.88545246444054</c:v>
+                    <c:v>15.885452464440542</c:v>
                   </c:pt>
                   <c:pt idx="12">
-                    <c:v>13.55557449907602</c:v>
+                    <c:v>13.555574499076021</c:v>
                   </c:pt>
                   <c:pt idx="13">
-                    <c:v>14.236024726025169</c:v>
+                    <c:v>14.236024726025168</c:v>
                   </c:pt>
                   <c:pt idx="14">
-                    <c:v>14.55285538992262</c:v>
+                    <c:v>14.552855389922621</c:v>
                   </c:pt>
                   <c:pt idx="15">
-                    <c:v>9.378358065247884</c:v>
+                    <c:v>9.3783580652478822</c:v>
                   </c:pt>
                   <c:pt idx="16">
-                    <c:v>9.7302826269332989</c:v>
+                    <c:v>9.7302826269333007</c:v>
                   </c:pt>
                   <c:pt idx="17">
-                    <c:v>7.6765617303581948</c:v>
+                    <c:v>7.6765617303581957</c:v>
                   </c:pt>
                   <c:pt idx="18">
                     <c:v>5.6044625076808217</c:v>
@@ -8966,7 +8974,7 @@
                     <c:v>3.9216833120485388</c:v>
                   </c:pt>
                   <c:pt idx="20">
-                    <c:v>1.117318217877074</c:v>
+                    <c:v>1.1173182178770737</c:v>
                   </c:pt>
                 </c:numCache>
               </c:numRef>
@@ -8978,58 +8986,58 @@
                   <c:formatCode>General</c:formatCode>
                   <c:ptCount val="21"/>
                   <c:pt idx="0">
-                    <c:v>32.194589607572262</c:v>
+                    <c:v>32.194589607572254</c:v>
                   </c:pt>
                   <c:pt idx="1">
-                    <c:v>26.4592138961081</c:v>
+                    <c:v>26.459213896108096</c:v>
                   </c:pt>
                   <c:pt idx="2">
-                    <c:v>30.123937325655159</c:v>
+                    <c:v>30.123937325655163</c:v>
                   </c:pt>
                   <c:pt idx="3">
-                    <c:v>20.908601100982342</c:v>
+                    <c:v>20.908601100982338</c:v>
                   </c:pt>
                   <c:pt idx="4">
-                    <c:v>20.947257577067219</c:v>
+                    <c:v>20.947257577067216</c:v>
                   </c:pt>
                   <c:pt idx="5">
                     <c:v>25.80523977799858</c:v>
                   </c:pt>
                   <c:pt idx="6">
-                    <c:v>22.593485786836879</c:v>
+                    <c:v>22.593485786836883</c:v>
                   </c:pt>
                   <c:pt idx="7">
-                    <c:v>26.059163455491049</c:v>
+                    <c:v>26.059163455491053</c:v>
                   </c:pt>
                   <c:pt idx="8">
                     <c:v>17.664937022248338</c:v>
                   </c:pt>
                   <c:pt idx="9">
-                    <c:v>18.4634666300779</c:v>
+                    <c:v>18.463466630077892</c:v>
                   </c:pt>
                   <c:pt idx="10">
                     <c:v>17.203488018422309</c:v>
                   </c:pt>
                   <c:pt idx="11">
-                    <c:v>15.88545246444054</c:v>
+                    <c:v>15.885452464440542</c:v>
                   </c:pt>
                   <c:pt idx="12">
-                    <c:v>13.55557449907602</c:v>
+                    <c:v>13.555574499076021</c:v>
                   </c:pt>
                   <c:pt idx="13">
-                    <c:v>14.236024726025169</c:v>
+                    <c:v>14.236024726025168</c:v>
                   </c:pt>
                   <c:pt idx="14">
-                    <c:v>14.55285538992262</c:v>
+                    <c:v>14.552855389922621</c:v>
                   </c:pt>
                   <c:pt idx="15">
-                    <c:v>9.378358065247884</c:v>
+                    <c:v>9.3783580652478822</c:v>
                   </c:pt>
                   <c:pt idx="16">
-                    <c:v>9.7302826269332989</c:v>
+                    <c:v>9.7302826269333007</c:v>
                   </c:pt>
                   <c:pt idx="17">
-                    <c:v>7.6765617303581948</c:v>
+                    <c:v>7.6765617303581957</c:v>
                   </c:pt>
                   <c:pt idx="18">
                     <c:v>5.6044625076808217</c:v>
@@ -9038,7 +9046,7 @@
                     <c:v>3.9216833120485388</c:v>
                   </c:pt>
                   <c:pt idx="20">
-                    <c:v>1.117318217877074</c:v>
+                    <c:v>1.1173182178770737</c:v>
                   </c:pt>
                 </c:numCache>
               </c:numRef>
@@ -9060,7 +9068,7 @@
                   <c:v>0.1</c:v>
                 </c:pt>
                 <c:pt idx="3">
-                  <c:v>0.15</c:v>
+                  <c:v>0.15000000000000002</c:v>
                 </c:pt>
                 <c:pt idx="4">
                   <c:v>0.2</c:v>
@@ -9069,10 +9077,10 @@
                   <c:v>0.25</c:v>
                 </c:pt>
                 <c:pt idx="6">
-                  <c:v>0.3</c:v>
+                  <c:v>0.30000000000000004</c:v>
                 </c:pt>
                 <c:pt idx="7">
-                  <c:v>0.35</c:v>
+                  <c:v>0.35000000000000003</c:v>
                 </c:pt>
                 <c:pt idx="8">
                   <c:v>0.4</c:v>
@@ -9087,28 +9095,28 @@
                   <c:v>0.55000000000000004</c:v>
                 </c:pt>
                 <c:pt idx="12">
-                  <c:v>0.60000000000000009</c:v>
+                  <c:v>0.6000000000000002</c:v>
                 </c:pt>
                 <c:pt idx="13">
-                  <c:v>0.65</c:v>
+                  <c:v>0.65000000000000013</c:v>
                 </c:pt>
                 <c:pt idx="14">
-                  <c:v>0.70000000000000007</c:v>
+                  <c:v>0.70000000000000018</c:v>
                 </c:pt>
                 <c:pt idx="15">
-                  <c:v>0.75</c:v>
+                  <c:v>0.75000000000000011</c:v>
                 </c:pt>
                 <c:pt idx="16">
                   <c:v>0.8</c:v>
                 </c:pt>
                 <c:pt idx="17">
-                  <c:v>0.85000000000000009</c:v>
+                  <c:v>0.8500000000000002</c:v>
                 </c:pt>
                 <c:pt idx="18">
                   <c:v>0.9</c:v>
                 </c:pt>
                 <c:pt idx="19">
-                  <c:v>0.95000000000000007</c:v>
+                  <c:v>0.95000000000000018</c:v>
                 </c:pt>
                 <c:pt idx="20">
                   <c:v>1</c:v>
@@ -9123,7 +9131,7 @@
                 <c:formatCode>General</c:formatCode>
                 <c:ptCount val="21"/>
                 <c:pt idx="0">
-                  <c:v>62.22</c:v>
+                  <c:v>62.220000000000006</c:v>
                 </c:pt>
                 <c:pt idx="1">
                   <c:v>64.099999999999994</c:v>
@@ -9141,7 +9149,7 @@
                   <c:v>53.64</c:v>
                 </c:pt>
                 <c:pt idx="6">
-                  <c:v>54.88</c:v>
+                  <c:v>54.879999999999995</c:v>
                 </c:pt>
                 <c:pt idx="7">
                   <c:v>50.6</c:v>
@@ -9162,10 +9170,10 @@
                   <c:v>38.92</c:v>
                 </c:pt>
                 <c:pt idx="13">
-                  <c:v>33.659999999999997</c:v>
+                  <c:v>33.660000000000004</c:v>
                 </c:pt>
                 <c:pt idx="14">
-                  <c:v>35.119999999999997</c:v>
+                  <c:v>35.120000000000005</c:v>
                 </c:pt>
                 <c:pt idx="15">
                   <c:v>30.08</c:v>
@@ -9183,7 +9191,7 @@
                   <c:v>12.98</c:v>
                 </c:pt>
                 <c:pt idx="20">
-                  <c:v>8.5399999999999991</c:v>
+                  <c:v>8.5400000000000009</c:v>
                 </c:pt>
               </c:numCache>
             </c:numRef>
@@ -9212,7 +9220,7 @@
                   <c:v>0.1</c:v>
                 </c:pt>
                 <c:pt idx="3">
-                  <c:v>0.15</c:v>
+                  <c:v>0.15000000000000002</c:v>
                 </c:pt>
                 <c:pt idx="4">
                   <c:v>0.2</c:v>
@@ -9221,10 +9229,10 @@
                   <c:v>0.25</c:v>
                 </c:pt>
                 <c:pt idx="6">
-                  <c:v>0.3</c:v>
+                  <c:v>0.30000000000000004</c:v>
                 </c:pt>
                 <c:pt idx="7">
-                  <c:v>0.35</c:v>
+                  <c:v>0.35000000000000003</c:v>
                 </c:pt>
                 <c:pt idx="8">
                   <c:v>0.4</c:v>
@@ -9239,28 +9247,28 @@
                   <c:v>0.55000000000000004</c:v>
                 </c:pt>
                 <c:pt idx="12">
-                  <c:v>0.60000000000000009</c:v>
+                  <c:v>0.6000000000000002</c:v>
                 </c:pt>
                 <c:pt idx="13">
-                  <c:v>0.65</c:v>
+                  <c:v>0.65000000000000013</c:v>
                 </c:pt>
                 <c:pt idx="14">
-                  <c:v>0.70000000000000007</c:v>
+                  <c:v>0.70000000000000018</c:v>
                 </c:pt>
                 <c:pt idx="15">
-                  <c:v>0.75</c:v>
+                  <c:v>0.75000000000000011</c:v>
                 </c:pt>
                 <c:pt idx="16">
                   <c:v>0.8</c:v>
                 </c:pt>
                 <c:pt idx="17">
-                  <c:v>0.85000000000000009</c:v>
+                  <c:v>0.8500000000000002</c:v>
                 </c:pt>
                 <c:pt idx="18">
                   <c:v>0.9</c:v>
                 </c:pt>
                 <c:pt idx="19">
-                  <c:v>0.95000000000000007</c:v>
+                  <c:v>0.95000000000000018</c:v>
                 </c:pt>
                 <c:pt idx="20">
                   <c:v>1</c:v>
@@ -9275,7 +9283,7 @@
                 <c:formatCode>General</c:formatCode>
                 <c:ptCount val="21"/>
                 <c:pt idx="0">
-                  <c:v>62.34</c:v>
+                  <c:v>62.339999999999996</c:v>
                 </c:pt>
                 <c:pt idx="1">
                   <c:v>62.02</c:v>
@@ -9311,16 +9319,16 @@
                   <c:v>75.08</c:v>
                 </c:pt>
                 <c:pt idx="12">
-                  <c:v>84.46</c:v>
+                  <c:v>84.460000000000008</c:v>
                 </c:pt>
                 <c:pt idx="13">
                   <c:v>84.38</c:v>
                 </c:pt>
                 <c:pt idx="14">
-                  <c:v>90.62</c:v>
+                  <c:v>90.61999999999999</c:v>
                 </c:pt>
                 <c:pt idx="15">
-                  <c:v>84.46</c:v>
+                  <c:v>84.460000000000008</c:v>
                 </c:pt>
                 <c:pt idx="16">
                   <c:v>76.98</c:v>
@@ -9329,7 +9337,7 @@
                   <c:v>94.16</c:v>
                 </c:pt>
                 <c:pt idx="18">
-                  <c:v>92.18</c:v>
+                  <c:v>92.179999999999993</c:v>
                 </c:pt>
                 <c:pt idx="19">
                   <c:v>84.08</c:v>
@@ -9342,11 +9350,11 @@
           </c:yVal>
           <c:smooth val="1"/>
         </c:ser>
-        <c:axId val="66138496"/>
-        <c:axId val="66140800"/>
+        <c:axId val="67021056"/>
+        <c:axId val="67027328"/>
       </c:scatterChart>
       <c:valAx>
-        <c:axId val="66138496"/>
+        <c:axId val="67021056"/>
         <c:scaling>
           <c:orientation val="minMax"/>
         </c:scaling>
@@ -9373,19 +9381,19 @@
             <c:manualLayout>
               <c:xMode val="edge"/>
               <c:yMode val="edge"/>
-              <c:x val="0.46591776027996501"/>
+              <c:x val="0.46591776027996512"/>
               <c:y val="0.89719898293963252"/>
             </c:manualLayout>
           </c:layout>
         </c:title>
         <c:numFmt formatCode="General" sourceLinked="1"/>
         <c:tickLblPos val="nextTo"/>
-        <c:crossAx val="66140800"/>
+        <c:crossAx val="67027328"/>
         <c:crosses val="autoZero"/>
         <c:crossBetween val="midCat"/>
       </c:valAx>
       <c:valAx>
-        <c:axId val="66140800"/>
+        <c:axId val="67027328"/>
         <c:scaling>
           <c:orientation val="minMax"/>
         </c:scaling>
@@ -9412,14 +9420,1367 @@
             <c:manualLayout>
               <c:xMode val="edge"/>
               <c:yMode val="edge"/>
-              <c:x val="3.9653980752405948E-2"/>
-              <c:y val="0.3832936898512686"/>
+              <c:x val="3.9653980752405955E-2"/>
+              <c:y val="0.38329368985126866"/>
             </c:manualLayout>
           </c:layout>
         </c:title>
         <c:numFmt formatCode="General" sourceLinked="1"/>
         <c:tickLblPos val="nextTo"/>
-        <c:crossAx val="66138496"/>
+        <c:crossAx val="67021056"/>
+        <c:crosses val="autoZero"/>
+        <c:crossBetween val="midCat"/>
+      </c:valAx>
+    </c:plotArea>
+    <c:legend>
+      <c:legendPos val="r"/>
+      <c:layout/>
+    </c:legend>
+    <c:plotVisOnly val="1"/>
+  </c:chart>
+  <c:externalData r:id="rId1"/>
+</c:chartSpace>
+</file>
+
+<file path=ppt/charts/chart8.xml><?xml version="1.0" encoding="utf-8"?>
+<c:chartSpace xmlns:c="http://schemas.openxmlformats.org/drawingml/2006/chart" xmlns:a="http://schemas.openxmlformats.org/drawingml/2006/main" xmlns:r="http://schemas.openxmlformats.org/officeDocument/2006/relationships">
+  <c:lang val="en-US"/>
+  <c:chart>
+    <c:title>
+      <c:tx>
+        <c:rich>
+          <a:bodyPr/>
+          <a:lstStyle/>
+          <a:p>
+            <a:pPr>
+              <a:defRPr/>
+            </a:pPr>
+            <a:r>
+              <a:rPr lang="en-US"/>
+              <a:t>(x</a:t>
+            </a:r>
+            <a:r>
+              <a:rPr lang="en-US" baseline="0"/>
+              <a:t> - y)</a:t>
+            </a:r>
+            <a:r>
+              <a:rPr lang="en-US" baseline="30000"/>
+              <a:t>2</a:t>
+            </a:r>
+            <a:r>
+              <a:rPr lang="en-US" baseline="0"/>
+              <a:t> type</a:t>
+            </a:r>
+            <a:endParaRPr lang="en-US"/>
+          </a:p>
+        </c:rich>
+      </c:tx>
+      <c:layout/>
+    </c:title>
+    <c:plotArea>
+      <c:layout/>
+      <c:scatterChart>
+        <c:scatterStyle val="smoothMarker"/>
+        <c:ser>
+          <c:idx val="0"/>
+          <c:order val="0"/>
+          <c:tx>
+            <c:strRef>
+              <c:f>Sheet1!$B$1:$B$2</c:f>
+              <c:strCache>
+                <c:ptCount val="1"/>
+                <c:pt idx="0">
+                  <c:v> +ve int tfix_x</c:v>
+                </c:pt>
+              </c:strCache>
+            </c:strRef>
+          </c:tx>
+          <c:errBars>
+            <c:errDir val="y"/>
+            <c:errBarType val="both"/>
+            <c:errValType val="cust"/>
+            <c:plus>
+              <c:numRef>
+                <c:f>Sheet1!$C$3:$C$23</c:f>
+                <c:numCache>
+                  <c:formatCode>General</c:formatCode>
+                  <c:ptCount val="21"/>
+                  <c:pt idx="0">
+                    <c:v>6.0189284760661508</c:v>
+                  </c:pt>
+                  <c:pt idx="1">
+                    <c:v>4.5177427992306072</c:v>
+                  </c:pt>
+                  <c:pt idx="2">
+                    <c:v>5.960494945891659</c:v>
+                  </c:pt>
+                  <c:pt idx="3">
+                    <c:v>7.8012819459368341</c:v>
+                  </c:pt>
+                  <c:pt idx="4">
+                    <c:v>7.0420167565833021</c:v>
+                  </c:pt>
+                  <c:pt idx="5">
+                    <c:v>8.2636251125035916</c:v>
+                  </c:pt>
+                  <c:pt idx="6">
+                    <c:v>6.6893572187468058</c:v>
+                  </c:pt>
+                  <c:pt idx="7">
+                    <c:v>6.2391906526407741</c:v>
+                  </c:pt>
+                  <c:pt idx="8">
+                    <c:v>6.9289248805280037</c:v>
+                  </c:pt>
+                  <c:pt idx="9">
+                    <c:v>4.3963052669258538</c:v>
+                  </c:pt>
+                  <c:pt idx="10">
+                    <c:v>5.4062463872820299</c:v>
+                  </c:pt>
+                  <c:pt idx="11">
+                    <c:v>5.6709787515031307</c:v>
+                  </c:pt>
+                  <c:pt idx="12">
+                    <c:v>5.1310330343898594</c:v>
+                  </c:pt>
+                  <c:pt idx="13">
+                    <c:v>3.368605052540294</c:v>
+                  </c:pt>
+                  <c:pt idx="14">
+                    <c:v>7.148426400264607</c:v>
+                  </c:pt>
+                  <c:pt idx="15">
+                    <c:v>4.1880783182743846</c:v>
+                  </c:pt>
+                  <c:pt idx="16">
+                    <c:v>4.8836461788299124</c:v>
+                  </c:pt>
+                  <c:pt idx="17">
+                    <c:v>4.3886216514983376</c:v>
+                  </c:pt>
+                  <c:pt idx="18">
+                    <c:v>4.7167255591140762</c:v>
+                  </c:pt>
+                  <c:pt idx="19">
+                    <c:v>5.580994535026889</c:v>
+                  </c:pt>
+                  <c:pt idx="20">
+                    <c:v>4.5964660338133676</c:v>
+                  </c:pt>
+                </c:numCache>
+              </c:numRef>
+            </c:plus>
+            <c:minus>
+              <c:numRef>
+                <c:f>Sheet1!$C$3:$C$23</c:f>
+                <c:numCache>
+                  <c:formatCode>General</c:formatCode>
+                  <c:ptCount val="21"/>
+                  <c:pt idx="0">
+                    <c:v>6.0189284760661508</c:v>
+                  </c:pt>
+                  <c:pt idx="1">
+                    <c:v>4.5177427992306072</c:v>
+                  </c:pt>
+                  <c:pt idx="2">
+                    <c:v>5.960494945891659</c:v>
+                  </c:pt>
+                  <c:pt idx="3">
+                    <c:v>7.8012819459368341</c:v>
+                  </c:pt>
+                  <c:pt idx="4">
+                    <c:v>7.0420167565833021</c:v>
+                  </c:pt>
+                  <c:pt idx="5">
+                    <c:v>8.2636251125035916</c:v>
+                  </c:pt>
+                  <c:pt idx="6">
+                    <c:v>6.6893572187468058</c:v>
+                  </c:pt>
+                  <c:pt idx="7">
+                    <c:v>6.2391906526407741</c:v>
+                  </c:pt>
+                  <c:pt idx="8">
+                    <c:v>6.9289248805280037</c:v>
+                  </c:pt>
+                  <c:pt idx="9">
+                    <c:v>4.3963052669258538</c:v>
+                  </c:pt>
+                  <c:pt idx="10">
+                    <c:v>5.4062463872820299</c:v>
+                  </c:pt>
+                  <c:pt idx="11">
+                    <c:v>5.6709787515031307</c:v>
+                  </c:pt>
+                  <c:pt idx="12">
+                    <c:v>5.1310330343898594</c:v>
+                  </c:pt>
+                  <c:pt idx="13">
+                    <c:v>3.368605052540294</c:v>
+                  </c:pt>
+                  <c:pt idx="14">
+                    <c:v>7.148426400264607</c:v>
+                  </c:pt>
+                  <c:pt idx="15">
+                    <c:v>4.1880783182743846</c:v>
+                  </c:pt>
+                  <c:pt idx="16">
+                    <c:v>4.8836461788299124</c:v>
+                  </c:pt>
+                  <c:pt idx="17">
+                    <c:v>4.3886216514983376</c:v>
+                  </c:pt>
+                  <c:pt idx="18">
+                    <c:v>4.7167255591140762</c:v>
+                  </c:pt>
+                  <c:pt idx="19">
+                    <c:v>5.580994535026889</c:v>
+                  </c:pt>
+                  <c:pt idx="20">
+                    <c:v>4.5964660338133676</c:v>
+                  </c:pt>
+                </c:numCache>
+              </c:numRef>
+            </c:minus>
+          </c:errBars>
+          <c:xVal>
+            <c:numRef>
+              <c:f>Sheet1!$A$3:$A$23</c:f>
+              <c:numCache>
+                <c:formatCode>General</c:formatCode>
+                <c:ptCount val="21"/>
+                <c:pt idx="0">
+                  <c:v>0</c:v>
+                </c:pt>
+                <c:pt idx="1">
+                  <c:v>0.05</c:v>
+                </c:pt>
+                <c:pt idx="2">
+                  <c:v>0.1</c:v>
+                </c:pt>
+                <c:pt idx="3">
+                  <c:v>0.15</c:v>
+                </c:pt>
+                <c:pt idx="4">
+                  <c:v>0.2</c:v>
+                </c:pt>
+                <c:pt idx="5">
+                  <c:v>0.25</c:v>
+                </c:pt>
+                <c:pt idx="6">
+                  <c:v>0.3</c:v>
+                </c:pt>
+                <c:pt idx="7">
+                  <c:v>0.35</c:v>
+                </c:pt>
+                <c:pt idx="8">
+                  <c:v>0.4</c:v>
+                </c:pt>
+                <c:pt idx="9">
+                  <c:v>0.45</c:v>
+                </c:pt>
+                <c:pt idx="10">
+                  <c:v>0.5</c:v>
+                </c:pt>
+                <c:pt idx="11">
+                  <c:v>0.55000000000000004</c:v>
+                </c:pt>
+                <c:pt idx="12">
+                  <c:v>0.60000000000000009</c:v>
+                </c:pt>
+                <c:pt idx="13">
+                  <c:v>0.65</c:v>
+                </c:pt>
+                <c:pt idx="14">
+                  <c:v>0.70000000000000007</c:v>
+                </c:pt>
+                <c:pt idx="15">
+                  <c:v>0.75</c:v>
+                </c:pt>
+                <c:pt idx="16">
+                  <c:v>0.8</c:v>
+                </c:pt>
+                <c:pt idx="17">
+                  <c:v>0.85000000000000009</c:v>
+                </c:pt>
+                <c:pt idx="18">
+                  <c:v>0.9</c:v>
+                </c:pt>
+                <c:pt idx="19">
+                  <c:v>0.95000000000000007</c:v>
+                </c:pt>
+                <c:pt idx="20">
+                  <c:v>1</c:v>
+                </c:pt>
+              </c:numCache>
+            </c:numRef>
+          </c:xVal>
+          <c:yVal>
+            <c:numRef>
+              <c:f>Sheet1!$B$3:$B$23</c:f>
+              <c:numCache>
+                <c:formatCode>General</c:formatCode>
+                <c:ptCount val="21"/>
+                <c:pt idx="0">
+                  <c:v>16.649999999999999</c:v>
+                </c:pt>
+                <c:pt idx="1">
+                  <c:v>14.3</c:v>
+                </c:pt>
+                <c:pt idx="2">
+                  <c:v>16.649999999999999</c:v>
+                </c:pt>
+                <c:pt idx="3">
+                  <c:v>21.2</c:v>
+                </c:pt>
+                <c:pt idx="4">
+                  <c:v>16.899999999999999</c:v>
+                </c:pt>
+                <c:pt idx="5">
+                  <c:v>17.75</c:v>
+                </c:pt>
+                <c:pt idx="6">
+                  <c:v>16.45</c:v>
+                </c:pt>
+                <c:pt idx="7">
+                  <c:v>18.149999999999999</c:v>
+                </c:pt>
+                <c:pt idx="8">
+                  <c:v>17.7</c:v>
+                </c:pt>
+                <c:pt idx="9">
+                  <c:v>15.65</c:v>
+                </c:pt>
+                <c:pt idx="10">
+                  <c:v>16.850000000000001</c:v>
+                </c:pt>
+                <c:pt idx="11">
+                  <c:v>17.2</c:v>
+                </c:pt>
+                <c:pt idx="12">
+                  <c:v>15.35</c:v>
+                </c:pt>
+                <c:pt idx="13">
+                  <c:v>14.55</c:v>
+                </c:pt>
+                <c:pt idx="14">
+                  <c:v>18</c:v>
+                </c:pt>
+                <c:pt idx="15">
+                  <c:v>14.6</c:v>
+                </c:pt>
+                <c:pt idx="16">
+                  <c:v>17.5</c:v>
+                </c:pt>
+                <c:pt idx="17">
+                  <c:v>17.2</c:v>
+                </c:pt>
+                <c:pt idx="18">
+                  <c:v>15.55</c:v>
+                </c:pt>
+                <c:pt idx="19">
+                  <c:v>18.05</c:v>
+                </c:pt>
+                <c:pt idx="20">
+                  <c:v>14.15</c:v>
+                </c:pt>
+              </c:numCache>
+            </c:numRef>
+          </c:yVal>
+          <c:smooth val="1"/>
+        </c:ser>
+        <c:ser>
+          <c:idx val="1"/>
+          <c:order val="1"/>
+          <c:tx>
+            <c:strRef>
+              <c:f>Sheet1!$F$1:$F$2</c:f>
+              <c:strCache>
+                <c:ptCount val="1"/>
+                <c:pt idx="0">
+                  <c:v> +ve int tfix_y</c:v>
+                </c:pt>
+              </c:strCache>
+            </c:strRef>
+          </c:tx>
+          <c:errBars>
+            <c:errDir val="y"/>
+            <c:errBarType val="both"/>
+            <c:errValType val="cust"/>
+            <c:plus>
+              <c:numRef>
+                <c:f>Sheet1!$G$3:$G$23</c:f>
+                <c:numCache>
+                  <c:formatCode>General</c:formatCode>
+                  <c:ptCount val="21"/>
+                  <c:pt idx="0">
+                    <c:v>3.590264614203249</c:v>
+                  </c:pt>
+                  <c:pt idx="1">
+                    <c:v>5.5970974620780014</c:v>
+                  </c:pt>
+                  <c:pt idx="2">
+                    <c:v>4.4438159277809879</c:v>
+                  </c:pt>
+                  <c:pt idx="3">
+                    <c:v>7.3457470688827833</c:v>
+                  </c:pt>
+                  <c:pt idx="4">
+                    <c:v>7.4793047805260624</c:v>
+                  </c:pt>
+                  <c:pt idx="5">
+                    <c:v>5.3598041008977191</c:v>
+                  </c:pt>
+                  <c:pt idx="6">
+                    <c:v>4.5307284182568264</c:v>
+                  </c:pt>
+                  <c:pt idx="7">
+                    <c:v>4.9343185953077651</c:v>
+                  </c:pt>
+                  <c:pt idx="8">
+                    <c:v>4.9545433694741234</c:v>
+                  </c:pt>
+                  <c:pt idx="9">
+                    <c:v>6.3124876237502434</c:v>
+                  </c:pt>
+                  <c:pt idx="10">
+                    <c:v>6.9661682437334216</c:v>
+                  </c:pt>
+                  <c:pt idx="11">
+                    <c:v>6.0106156090703386</c:v>
+                  </c:pt>
+                  <c:pt idx="12">
+                    <c:v>4.2023802778901391</c:v>
+                  </c:pt>
+                  <c:pt idx="13">
+                    <c:v>3.9226904032819112</c:v>
+                  </c:pt>
+                  <c:pt idx="14">
+                    <c:v>5.3609700614720843</c:v>
+                  </c:pt>
+                  <c:pt idx="15">
+                    <c:v>4.5855752092839994</c:v>
+                  </c:pt>
+                  <c:pt idx="16">
+                    <c:v>5.0842895275544651</c:v>
+                  </c:pt>
+                  <c:pt idx="17">
+                    <c:v>4.4056781543821382</c:v>
+                  </c:pt>
+                  <c:pt idx="18">
+                    <c:v>4.59782557302906</c:v>
+                  </c:pt>
+                  <c:pt idx="19">
+                    <c:v>4.313930922024598</c:v>
+                  </c:pt>
+                  <c:pt idx="20">
+                    <c:v>4.9545433694741234</c:v>
+                  </c:pt>
+                </c:numCache>
+              </c:numRef>
+            </c:plus>
+            <c:minus>
+              <c:numRef>
+                <c:f>Sheet1!$G$3:$G$23</c:f>
+                <c:numCache>
+                  <c:formatCode>General</c:formatCode>
+                  <c:ptCount val="21"/>
+                  <c:pt idx="0">
+                    <c:v>3.590264614203249</c:v>
+                  </c:pt>
+                  <c:pt idx="1">
+                    <c:v>5.5970974620780014</c:v>
+                  </c:pt>
+                  <c:pt idx="2">
+                    <c:v>4.4438159277809879</c:v>
+                  </c:pt>
+                  <c:pt idx="3">
+                    <c:v>7.3457470688827833</c:v>
+                  </c:pt>
+                  <c:pt idx="4">
+                    <c:v>7.4793047805260624</c:v>
+                  </c:pt>
+                  <c:pt idx="5">
+                    <c:v>5.3598041008977191</c:v>
+                  </c:pt>
+                  <c:pt idx="6">
+                    <c:v>4.5307284182568264</c:v>
+                  </c:pt>
+                  <c:pt idx="7">
+                    <c:v>4.9343185953077651</c:v>
+                  </c:pt>
+                  <c:pt idx="8">
+                    <c:v>4.9545433694741234</c:v>
+                  </c:pt>
+                  <c:pt idx="9">
+                    <c:v>6.3124876237502434</c:v>
+                  </c:pt>
+                  <c:pt idx="10">
+                    <c:v>6.9661682437334216</c:v>
+                  </c:pt>
+                  <c:pt idx="11">
+                    <c:v>6.0106156090703386</c:v>
+                  </c:pt>
+                  <c:pt idx="12">
+                    <c:v>4.2023802778901391</c:v>
+                  </c:pt>
+                  <c:pt idx="13">
+                    <c:v>3.9226904032819112</c:v>
+                  </c:pt>
+                  <c:pt idx="14">
+                    <c:v>5.3609700614720843</c:v>
+                  </c:pt>
+                  <c:pt idx="15">
+                    <c:v>4.5855752092839994</c:v>
+                  </c:pt>
+                  <c:pt idx="16">
+                    <c:v>5.0842895275544651</c:v>
+                  </c:pt>
+                  <c:pt idx="17">
+                    <c:v>4.4056781543821382</c:v>
+                  </c:pt>
+                  <c:pt idx="18">
+                    <c:v>4.59782557302906</c:v>
+                  </c:pt>
+                  <c:pt idx="19">
+                    <c:v>4.313930922024598</c:v>
+                  </c:pt>
+                  <c:pt idx="20">
+                    <c:v>4.9545433694741234</c:v>
+                  </c:pt>
+                </c:numCache>
+              </c:numRef>
+            </c:minus>
+          </c:errBars>
+          <c:xVal>
+            <c:numRef>
+              <c:f>Sheet1!$A$3:$A$23</c:f>
+              <c:numCache>
+                <c:formatCode>General</c:formatCode>
+                <c:ptCount val="21"/>
+                <c:pt idx="0">
+                  <c:v>0</c:v>
+                </c:pt>
+                <c:pt idx="1">
+                  <c:v>0.05</c:v>
+                </c:pt>
+                <c:pt idx="2">
+                  <c:v>0.1</c:v>
+                </c:pt>
+                <c:pt idx="3">
+                  <c:v>0.15</c:v>
+                </c:pt>
+                <c:pt idx="4">
+                  <c:v>0.2</c:v>
+                </c:pt>
+                <c:pt idx="5">
+                  <c:v>0.25</c:v>
+                </c:pt>
+                <c:pt idx="6">
+                  <c:v>0.3</c:v>
+                </c:pt>
+                <c:pt idx="7">
+                  <c:v>0.35</c:v>
+                </c:pt>
+                <c:pt idx="8">
+                  <c:v>0.4</c:v>
+                </c:pt>
+                <c:pt idx="9">
+                  <c:v>0.45</c:v>
+                </c:pt>
+                <c:pt idx="10">
+                  <c:v>0.5</c:v>
+                </c:pt>
+                <c:pt idx="11">
+                  <c:v>0.55000000000000004</c:v>
+                </c:pt>
+                <c:pt idx="12">
+                  <c:v>0.60000000000000009</c:v>
+                </c:pt>
+                <c:pt idx="13">
+                  <c:v>0.65</c:v>
+                </c:pt>
+                <c:pt idx="14">
+                  <c:v>0.70000000000000007</c:v>
+                </c:pt>
+                <c:pt idx="15">
+                  <c:v>0.75</c:v>
+                </c:pt>
+                <c:pt idx="16">
+                  <c:v>0.8</c:v>
+                </c:pt>
+                <c:pt idx="17">
+                  <c:v>0.85000000000000009</c:v>
+                </c:pt>
+                <c:pt idx="18">
+                  <c:v>0.9</c:v>
+                </c:pt>
+                <c:pt idx="19">
+                  <c:v>0.95000000000000007</c:v>
+                </c:pt>
+                <c:pt idx="20">
+                  <c:v>1</c:v>
+                </c:pt>
+              </c:numCache>
+            </c:numRef>
+          </c:xVal>
+          <c:yVal>
+            <c:numRef>
+              <c:f>Sheet1!$F$3:$F$23</c:f>
+              <c:numCache>
+                <c:formatCode>General</c:formatCode>
+                <c:ptCount val="21"/>
+                <c:pt idx="0">
+                  <c:v>15.9</c:v>
+                </c:pt>
+                <c:pt idx="1">
+                  <c:v>16.649999999999999</c:v>
+                </c:pt>
+                <c:pt idx="2">
+                  <c:v>16.55</c:v>
+                </c:pt>
+                <c:pt idx="3">
+                  <c:v>19.2</c:v>
+                </c:pt>
+                <c:pt idx="4">
+                  <c:v>16.399999999999999</c:v>
+                </c:pt>
+                <c:pt idx="5">
+                  <c:v>17.149999999999999</c:v>
+                </c:pt>
+                <c:pt idx="6">
+                  <c:v>15.15</c:v>
+                </c:pt>
+                <c:pt idx="7">
+                  <c:v>17.45</c:v>
+                </c:pt>
+                <c:pt idx="8">
+                  <c:v>15.55</c:v>
+                </c:pt>
+                <c:pt idx="9">
+                  <c:v>18.05</c:v>
+                </c:pt>
+                <c:pt idx="10">
+                  <c:v>18.649999999999999</c:v>
+                </c:pt>
+                <c:pt idx="11">
+                  <c:v>17.350000000000001</c:v>
+                </c:pt>
+                <c:pt idx="12">
+                  <c:v>16.8</c:v>
+                </c:pt>
+                <c:pt idx="13">
+                  <c:v>14.75</c:v>
+                </c:pt>
+                <c:pt idx="14">
+                  <c:v>15.6</c:v>
+                </c:pt>
+                <c:pt idx="15">
+                  <c:v>15.35</c:v>
+                </c:pt>
+                <c:pt idx="16">
+                  <c:v>16.5</c:v>
+                </c:pt>
+                <c:pt idx="17">
+                  <c:v>16.7</c:v>
+                </c:pt>
+                <c:pt idx="18">
+                  <c:v>14.6</c:v>
+                </c:pt>
+                <c:pt idx="19">
+                  <c:v>14.3</c:v>
+                </c:pt>
+                <c:pt idx="20">
+                  <c:v>17.05</c:v>
+                </c:pt>
+              </c:numCache>
+            </c:numRef>
+          </c:yVal>
+          <c:smooth val="1"/>
+        </c:ser>
+        <c:ser>
+          <c:idx val="2"/>
+          <c:order val="2"/>
+          <c:tx>
+            <c:strRef>
+              <c:f>Sheet1!$K$1:$K$2</c:f>
+              <c:strCache>
+                <c:ptCount val="1"/>
+                <c:pt idx="0">
+                  <c:v> -ve int tfix_x</c:v>
+                </c:pt>
+              </c:strCache>
+            </c:strRef>
+          </c:tx>
+          <c:errBars>
+            <c:errDir val="y"/>
+            <c:errBarType val="both"/>
+            <c:errValType val="cust"/>
+            <c:plus>
+              <c:numRef>
+                <c:f>Sheet1!$L$3:$L$23</c:f>
+                <c:numCache>
+                  <c:formatCode>General</c:formatCode>
+                  <c:ptCount val="21"/>
+                  <c:pt idx="0">
+                    <c:v>5.1565492337414947</c:v>
+                  </c:pt>
+                  <c:pt idx="1">
+                    <c:v>4.3871972830042649</c:v>
+                  </c:pt>
+                  <c:pt idx="2">
+                    <c:v>6.0216276869298389</c:v>
+                  </c:pt>
+                  <c:pt idx="3">
+                    <c:v>7.6197112806194953</c:v>
+                  </c:pt>
+                  <c:pt idx="4">
+                    <c:v>5.8504273348192264</c:v>
+                  </c:pt>
+                  <c:pt idx="5">
+                    <c:v>4.2008927622589942</c:v>
+                  </c:pt>
+                  <c:pt idx="6">
+                    <c:v>4.8207883172775796</c:v>
+                  </c:pt>
+                  <c:pt idx="7">
+                    <c:v>6.6518794336638418</c:v>
+                  </c:pt>
+                  <c:pt idx="8">
+                    <c:v>5.3749418601506749</c:v>
+                  </c:pt>
+                  <c:pt idx="9">
+                    <c:v>5.5396299515400846</c:v>
+                  </c:pt>
+                  <c:pt idx="10">
+                    <c:v>7.5571158519636308</c:v>
+                  </c:pt>
+                  <c:pt idx="11">
+                    <c:v>5.3665631459994954</c:v>
+                  </c:pt>
+                  <c:pt idx="12">
+                    <c:v>6.582362797658603</c:v>
+                  </c:pt>
+                  <c:pt idx="13">
+                    <c:v>4.4732538492690086</c:v>
+                  </c:pt>
+                  <c:pt idx="14">
+                    <c:v>4.3817804600413286</c:v>
+                  </c:pt>
+                  <c:pt idx="15">
+                    <c:v>5.1923019942988677</c:v>
+                  </c:pt>
+                  <c:pt idx="16">
+                    <c:v>6.0778285596090971</c:v>
+                  </c:pt>
+                  <c:pt idx="17">
+                    <c:v>4.1264391428930578</c:v>
+                  </c:pt>
+                  <c:pt idx="18">
+                    <c:v>6.3015871016752589</c:v>
+                  </c:pt>
+                  <c:pt idx="19">
+                    <c:v>4.241167292149651</c:v>
+                  </c:pt>
+                  <c:pt idx="20">
+                    <c:v>0</c:v>
+                  </c:pt>
+                </c:numCache>
+              </c:numRef>
+            </c:plus>
+            <c:minus>
+              <c:numRef>
+                <c:f>Sheet1!$L$3:$L$23</c:f>
+                <c:numCache>
+                  <c:formatCode>General</c:formatCode>
+                  <c:ptCount val="21"/>
+                  <c:pt idx="0">
+                    <c:v>5.1565492337414947</c:v>
+                  </c:pt>
+                  <c:pt idx="1">
+                    <c:v>4.3871972830042649</c:v>
+                  </c:pt>
+                  <c:pt idx="2">
+                    <c:v>6.0216276869298389</c:v>
+                  </c:pt>
+                  <c:pt idx="3">
+                    <c:v>7.6197112806194953</c:v>
+                  </c:pt>
+                  <c:pt idx="4">
+                    <c:v>5.8504273348192264</c:v>
+                  </c:pt>
+                  <c:pt idx="5">
+                    <c:v>4.2008927622589942</c:v>
+                  </c:pt>
+                  <c:pt idx="6">
+                    <c:v>4.8207883172775796</c:v>
+                  </c:pt>
+                  <c:pt idx="7">
+                    <c:v>6.6518794336638418</c:v>
+                  </c:pt>
+                  <c:pt idx="8">
+                    <c:v>5.3749418601506749</c:v>
+                  </c:pt>
+                  <c:pt idx="9">
+                    <c:v>5.5396299515400846</c:v>
+                  </c:pt>
+                  <c:pt idx="10">
+                    <c:v>7.5571158519636308</c:v>
+                  </c:pt>
+                  <c:pt idx="11">
+                    <c:v>5.3665631459994954</c:v>
+                  </c:pt>
+                  <c:pt idx="12">
+                    <c:v>6.582362797658603</c:v>
+                  </c:pt>
+                  <c:pt idx="13">
+                    <c:v>4.4732538492690086</c:v>
+                  </c:pt>
+                  <c:pt idx="14">
+                    <c:v>4.3817804600413286</c:v>
+                  </c:pt>
+                  <c:pt idx="15">
+                    <c:v>5.1923019942988677</c:v>
+                  </c:pt>
+                  <c:pt idx="16">
+                    <c:v>6.0778285596090971</c:v>
+                  </c:pt>
+                  <c:pt idx="17">
+                    <c:v>4.1264391428930578</c:v>
+                  </c:pt>
+                  <c:pt idx="18">
+                    <c:v>6.3015871016752589</c:v>
+                  </c:pt>
+                  <c:pt idx="19">
+                    <c:v>4.241167292149651</c:v>
+                  </c:pt>
+                  <c:pt idx="20">
+                    <c:v>0</c:v>
+                  </c:pt>
+                </c:numCache>
+              </c:numRef>
+            </c:minus>
+          </c:errBars>
+          <c:xVal>
+            <c:numRef>
+              <c:f>Sheet1!$A$3:$A$23</c:f>
+              <c:numCache>
+                <c:formatCode>General</c:formatCode>
+                <c:ptCount val="21"/>
+                <c:pt idx="0">
+                  <c:v>0</c:v>
+                </c:pt>
+                <c:pt idx="1">
+                  <c:v>0.05</c:v>
+                </c:pt>
+                <c:pt idx="2">
+                  <c:v>0.1</c:v>
+                </c:pt>
+                <c:pt idx="3">
+                  <c:v>0.15</c:v>
+                </c:pt>
+                <c:pt idx="4">
+                  <c:v>0.2</c:v>
+                </c:pt>
+                <c:pt idx="5">
+                  <c:v>0.25</c:v>
+                </c:pt>
+                <c:pt idx="6">
+                  <c:v>0.3</c:v>
+                </c:pt>
+                <c:pt idx="7">
+                  <c:v>0.35</c:v>
+                </c:pt>
+                <c:pt idx="8">
+                  <c:v>0.4</c:v>
+                </c:pt>
+                <c:pt idx="9">
+                  <c:v>0.45</c:v>
+                </c:pt>
+                <c:pt idx="10">
+                  <c:v>0.5</c:v>
+                </c:pt>
+                <c:pt idx="11">
+                  <c:v>0.55000000000000004</c:v>
+                </c:pt>
+                <c:pt idx="12">
+                  <c:v>0.60000000000000009</c:v>
+                </c:pt>
+                <c:pt idx="13">
+                  <c:v>0.65</c:v>
+                </c:pt>
+                <c:pt idx="14">
+                  <c:v>0.70000000000000007</c:v>
+                </c:pt>
+                <c:pt idx="15">
+                  <c:v>0.75</c:v>
+                </c:pt>
+                <c:pt idx="16">
+                  <c:v>0.8</c:v>
+                </c:pt>
+                <c:pt idx="17">
+                  <c:v>0.85000000000000009</c:v>
+                </c:pt>
+                <c:pt idx="18">
+                  <c:v>0.9</c:v>
+                </c:pt>
+                <c:pt idx="19">
+                  <c:v>0.95000000000000007</c:v>
+                </c:pt>
+                <c:pt idx="20">
+                  <c:v>1</c:v>
+                </c:pt>
+              </c:numCache>
+            </c:numRef>
+          </c:xVal>
+          <c:yVal>
+            <c:numRef>
+              <c:f>Sheet1!$K$3:$K$23</c:f>
+              <c:numCache>
+                <c:formatCode>General</c:formatCode>
+                <c:ptCount val="21"/>
+                <c:pt idx="0">
+                  <c:v>15.9</c:v>
+                </c:pt>
+                <c:pt idx="1">
+                  <c:v>15.05</c:v>
+                </c:pt>
+                <c:pt idx="2">
+                  <c:v>18.8</c:v>
+                </c:pt>
+                <c:pt idx="3">
+                  <c:v>17.2</c:v>
+                </c:pt>
+                <c:pt idx="4">
+                  <c:v>16.850000000000001</c:v>
+                </c:pt>
+                <c:pt idx="5">
+                  <c:v>14.45</c:v>
+                </c:pt>
+                <c:pt idx="6">
+                  <c:v>16.399999999999999</c:v>
+                </c:pt>
+                <c:pt idx="7">
+                  <c:v>17.45</c:v>
+                </c:pt>
+                <c:pt idx="8">
+                  <c:v>14.9</c:v>
+                </c:pt>
+                <c:pt idx="9">
+                  <c:v>16.75</c:v>
+                </c:pt>
+                <c:pt idx="10">
+                  <c:v>18.3</c:v>
+                </c:pt>
+                <c:pt idx="11">
+                  <c:v>16</c:v>
+                </c:pt>
+                <c:pt idx="12">
+                  <c:v>18.350000000000001</c:v>
+                </c:pt>
+                <c:pt idx="13">
+                  <c:v>14.3</c:v>
+                </c:pt>
+                <c:pt idx="14">
+                  <c:v>18</c:v>
+                </c:pt>
+                <c:pt idx="15">
+                  <c:v>15.8</c:v>
+                </c:pt>
+                <c:pt idx="16">
+                  <c:v>17.600000000000001</c:v>
+                </c:pt>
+                <c:pt idx="17">
+                  <c:v>15.65</c:v>
+                </c:pt>
+                <c:pt idx="18">
+                  <c:v>16.7</c:v>
+                </c:pt>
+                <c:pt idx="19">
+                  <c:v>16.75</c:v>
+                </c:pt>
+                <c:pt idx="20">
+                  <c:v>2</c:v>
+                </c:pt>
+              </c:numCache>
+            </c:numRef>
+          </c:yVal>
+          <c:smooth val="1"/>
+        </c:ser>
+        <c:ser>
+          <c:idx val="3"/>
+          <c:order val="3"/>
+          <c:tx>
+            <c:strRef>
+              <c:f>Sheet1!$O$1:$O$2</c:f>
+              <c:strCache>
+                <c:ptCount val="1"/>
+                <c:pt idx="0">
+                  <c:v> -ve int tfix_y</c:v>
+                </c:pt>
+              </c:strCache>
+            </c:strRef>
+          </c:tx>
+          <c:errBars>
+            <c:errDir val="y"/>
+            <c:errBarType val="both"/>
+            <c:errValType val="cust"/>
+            <c:plus>
+              <c:numRef>
+                <c:f>Sheet1!$P$3:$P$23</c:f>
+                <c:numCache>
+                  <c:formatCode>General</c:formatCode>
+                  <c:ptCount val="21"/>
+                  <c:pt idx="0">
+                    <c:v>5.4277066980447648</c:v>
+                  </c:pt>
+                  <c:pt idx="1">
+                    <c:v>6.0423505360083176</c:v>
+                  </c:pt>
+                  <c:pt idx="2">
+                    <c:v>4.1530109559210171</c:v>
+                  </c:pt>
+                  <c:pt idx="3">
+                    <c:v>6.0448325038829651</c:v>
+                  </c:pt>
+                  <c:pt idx="4">
+                    <c:v>4.6861498055439927</c:v>
+                  </c:pt>
+                  <c:pt idx="5">
+                    <c:v>4.7592016137163169</c:v>
+                  </c:pt>
+                  <c:pt idx="6">
+                    <c:v>5.4632865566433546</c:v>
+                  </c:pt>
+                  <c:pt idx="7">
+                    <c:v>4.8744230427815767</c:v>
+                  </c:pt>
+                  <c:pt idx="8">
+                    <c:v>4.3734997427689413</c:v>
+                  </c:pt>
+                  <c:pt idx="9">
+                    <c:v>4.9759421218498909</c:v>
+                  </c:pt>
+                  <c:pt idx="10">
+                    <c:v>4.5453272709454051</c:v>
+                  </c:pt>
+                  <c:pt idx="11">
+                    <c:v>6.5772334609621392</c:v>
+                  </c:pt>
+                  <c:pt idx="12">
+                    <c:v>5.3000000000000007</c:v>
+                  </c:pt>
+                  <c:pt idx="13">
+                    <c:v>4.112177038990418</c:v>
+                  </c:pt>
+                  <c:pt idx="14">
+                    <c:v>3.734635189680513</c:v>
+                  </c:pt>
+                  <c:pt idx="15">
+                    <c:v>4.1409539963636401</c:v>
+                  </c:pt>
+                  <c:pt idx="16">
+                    <c:v>7.1082698316819686</c:v>
+                  </c:pt>
+                  <c:pt idx="17">
+                    <c:v>5.4906739112790151</c:v>
+                  </c:pt>
+                  <c:pt idx="18">
+                    <c:v>5.78013840664737</c:v>
+                  </c:pt>
+                  <c:pt idx="19">
+                    <c:v>3.640054944640259</c:v>
+                  </c:pt>
+                  <c:pt idx="20">
+                    <c:v>0</c:v>
+                  </c:pt>
+                </c:numCache>
+              </c:numRef>
+            </c:plus>
+            <c:minus>
+              <c:numRef>
+                <c:f>Sheet1!$P$3:$P$23</c:f>
+                <c:numCache>
+                  <c:formatCode>General</c:formatCode>
+                  <c:ptCount val="21"/>
+                  <c:pt idx="0">
+                    <c:v>5.4277066980447648</c:v>
+                  </c:pt>
+                  <c:pt idx="1">
+                    <c:v>6.0423505360083176</c:v>
+                  </c:pt>
+                  <c:pt idx="2">
+                    <c:v>4.1530109559210171</c:v>
+                  </c:pt>
+                  <c:pt idx="3">
+                    <c:v>6.0448325038829651</c:v>
+                  </c:pt>
+                  <c:pt idx="4">
+                    <c:v>4.6861498055439927</c:v>
+                  </c:pt>
+                  <c:pt idx="5">
+                    <c:v>4.7592016137163169</c:v>
+                  </c:pt>
+                  <c:pt idx="6">
+                    <c:v>5.4632865566433546</c:v>
+                  </c:pt>
+                  <c:pt idx="7">
+                    <c:v>4.8744230427815767</c:v>
+                  </c:pt>
+                  <c:pt idx="8">
+                    <c:v>4.3734997427689413</c:v>
+                  </c:pt>
+                  <c:pt idx="9">
+                    <c:v>4.9759421218498909</c:v>
+                  </c:pt>
+                  <c:pt idx="10">
+                    <c:v>4.5453272709454051</c:v>
+                  </c:pt>
+                  <c:pt idx="11">
+                    <c:v>6.5772334609621392</c:v>
+                  </c:pt>
+                  <c:pt idx="12">
+                    <c:v>5.3000000000000007</c:v>
+                  </c:pt>
+                  <c:pt idx="13">
+                    <c:v>4.112177038990418</c:v>
+                  </c:pt>
+                  <c:pt idx="14">
+                    <c:v>3.734635189680513</c:v>
+                  </c:pt>
+                  <c:pt idx="15">
+                    <c:v>4.1409539963636401</c:v>
+                  </c:pt>
+                  <c:pt idx="16">
+                    <c:v>7.1082698316819686</c:v>
+                  </c:pt>
+                  <c:pt idx="17">
+                    <c:v>5.4906739112790151</c:v>
+                  </c:pt>
+                  <c:pt idx="18">
+                    <c:v>5.78013840664737</c:v>
+                  </c:pt>
+                  <c:pt idx="19">
+                    <c:v>3.640054944640259</c:v>
+                  </c:pt>
+                  <c:pt idx="20">
+                    <c:v>0</c:v>
+                  </c:pt>
+                </c:numCache>
+              </c:numRef>
+            </c:minus>
+          </c:errBars>
+          <c:xVal>
+            <c:numRef>
+              <c:f>Sheet1!$A$3:$A$23</c:f>
+              <c:numCache>
+                <c:formatCode>General</c:formatCode>
+                <c:ptCount val="21"/>
+                <c:pt idx="0">
+                  <c:v>0</c:v>
+                </c:pt>
+                <c:pt idx="1">
+                  <c:v>0.05</c:v>
+                </c:pt>
+                <c:pt idx="2">
+                  <c:v>0.1</c:v>
+                </c:pt>
+                <c:pt idx="3">
+                  <c:v>0.15</c:v>
+                </c:pt>
+                <c:pt idx="4">
+                  <c:v>0.2</c:v>
+                </c:pt>
+                <c:pt idx="5">
+                  <c:v>0.25</c:v>
+                </c:pt>
+                <c:pt idx="6">
+                  <c:v>0.3</c:v>
+                </c:pt>
+                <c:pt idx="7">
+                  <c:v>0.35</c:v>
+                </c:pt>
+                <c:pt idx="8">
+                  <c:v>0.4</c:v>
+                </c:pt>
+                <c:pt idx="9">
+                  <c:v>0.45</c:v>
+                </c:pt>
+                <c:pt idx="10">
+                  <c:v>0.5</c:v>
+                </c:pt>
+                <c:pt idx="11">
+                  <c:v>0.55000000000000004</c:v>
+                </c:pt>
+                <c:pt idx="12">
+                  <c:v>0.60000000000000009</c:v>
+                </c:pt>
+                <c:pt idx="13">
+                  <c:v>0.65</c:v>
+                </c:pt>
+                <c:pt idx="14">
+                  <c:v>0.70000000000000007</c:v>
+                </c:pt>
+                <c:pt idx="15">
+                  <c:v>0.75</c:v>
+                </c:pt>
+                <c:pt idx="16">
+                  <c:v>0.8</c:v>
+                </c:pt>
+                <c:pt idx="17">
+                  <c:v>0.85000000000000009</c:v>
+                </c:pt>
+                <c:pt idx="18">
+                  <c:v>0.9</c:v>
+                </c:pt>
+                <c:pt idx="19">
+                  <c:v>0.95000000000000007</c:v>
+                </c:pt>
+                <c:pt idx="20">
+                  <c:v>1</c:v>
+                </c:pt>
+              </c:numCache>
+            </c:numRef>
+          </c:xVal>
+          <c:yVal>
+            <c:numRef>
+              <c:f>Sheet1!$O$3:$O$23</c:f>
+              <c:numCache>
+                <c:formatCode>General</c:formatCode>
+                <c:ptCount val="21"/>
+                <c:pt idx="0">
+                  <c:v>16.2</c:v>
+                </c:pt>
+                <c:pt idx="1">
+                  <c:v>17.7</c:v>
+                </c:pt>
+                <c:pt idx="2">
+                  <c:v>16.05</c:v>
+                </c:pt>
+                <c:pt idx="3">
+                  <c:v>17.399999999999999</c:v>
+                </c:pt>
+                <c:pt idx="4">
+                  <c:v>17.2</c:v>
+                </c:pt>
+                <c:pt idx="5">
+                  <c:v>15.5</c:v>
+                </c:pt>
+                <c:pt idx="6">
+                  <c:v>18.55</c:v>
+                </c:pt>
+                <c:pt idx="7">
+                  <c:v>15.8</c:v>
+                </c:pt>
+                <c:pt idx="8">
+                  <c:v>16.850000000000001</c:v>
+                </c:pt>
+                <c:pt idx="9">
+                  <c:v>15.8</c:v>
+                </c:pt>
+                <c:pt idx="10">
+                  <c:v>15.8</c:v>
+                </c:pt>
+                <c:pt idx="11">
+                  <c:v>16.2</c:v>
+                </c:pt>
+                <c:pt idx="12">
+                  <c:v>15.9</c:v>
+                </c:pt>
+                <c:pt idx="13">
+                  <c:v>15.3</c:v>
+                </c:pt>
+                <c:pt idx="14">
+                  <c:v>15.45</c:v>
+                </c:pt>
+                <c:pt idx="15">
+                  <c:v>17.95</c:v>
+                </c:pt>
+                <c:pt idx="16">
+                  <c:v>18.149999999999999</c:v>
+                </c:pt>
+                <c:pt idx="17">
+                  <c:v>15.95</c:v>
+                </c:pt>
+                <c:pt idx="18">
+                  <c:v>20.7</c:v>
+                </c:pt>
+                <c:pt idx="19">
+                  <c:v>14.5</c:v>
+                </c:pt>
+                <c:pt idx="20">
+                  <c:v>2</c:v>
+                </c:pt>
+              </c:numCache>
+            </c:numRef>
+          </c:yVal>
+          <c:smooth val="1"/>
+        </c:ser>
+        <c:axId val="100972032"/>
+        <c:axId val="100988800"/>
+      </c:scatterChart>
+      <c:valAx>
+        <c:axId val="100972032"/>
+        <c:scaling>
+          <c:orientation val="minMax"/>
+        </c:scaling>
+        <c:axPos val="b"/>
+        <c:majorGridlines/>
+        <c:minorGridlines/>
+        <c:title>
+          <c:tx>
+            <c:rich>
+              <a:bodyPr/>
+              <a:lstStyle/>
+              <a:p>
+                <a:pPr>
+                  <a:defRPr/>
+                </a:pPr>
+                <a:r>
+                  <a:rPr lang="en-US"/>
+                  <a:t>b, interaction coeff</a:t>
+                </a:r>
+              </a:p>
+            </c:rich>
+          </c:tx>
+          <c:layout/>
+        </c:title>
+        <c:numFmt formatCode="General" sourceLinked="1"/>
+        <c:tickLblPos val="nextTo"/>
+        <c:crossAx val="100988800"/>
+        <c:crosses val="autoZero"/>
+        <c:crossBetween val="midCat"/>
+      </c:valAx>
+      <c:valAx>
+        <c:axId val="100988800"/>
+        <c:scaling>
+          <c:orientation val="minMax"/>
+        </c:scaling>
+        <c:axPos val="l"/>
+        <c:majorGridlines/>
+        <c:minorGridlines/>
+        <c:title>
+          <c:tx>
+            <c:rich>
+              <a:bodyPr/>
+              <a:lstStyle/>
+              <a:p>
+                <a:pPr>
+                  <a:defRPr/>
+                </a:pPr>
+                <a:r>
+                  <a:rPr lang="en-US"/>
+                  <a:t>Time to fixation</a:t>
+                </a:r>
+              </a:p>
+            </c:rich>
+          </c:tx>
+          <c:layout/>
+        </c:title>
+        <c:numFmt formatCode="General" sourceLinked="1"/>
+        <c:tickLblPos val="nextTo"/>
+        <c:crossAx val="100972032"/>
         <c:crosses val="autoZero"/>
         <c:crossBetween val="midCat"/>
       </c:valAx>
@@ -9616,7 +10977,7 @@
             <a:fld id="{1D8BD707-D9CF-40AE-B4C6-C98DA3205C09}" type="datetimeFigureOut">
               <a:rPr lang="en-US" smtClean="0"/>
               <a:pPr/>
-              <a:t>6/19/2018</a:t>
+              <a:t>6/26/2018</a:t>
             </a:fld>
             <a:endParaRPr lang="en-US"/>
           </a:p>
@@ -9783,7 +11144,7 @@
             <a:fld id="{1D8BD707-D9CF-40AE-B4C6-C98DA3205C09}" type="datetimeFigureOut">
               <a:rPr lang="en-US" smtClean="0"/>
               <a:pPr/>
-              <a:t>6/19/2018</a:t>
+              <a:t>6/26/2018</a:t>
             </a:fld>
             <a:endParaRPr lang="en-US"/>
           </a:p>
@@ -9960,7 +11321,7 @@
             <a:fld id="{1D8BD707-D9CF-40AE-B4C6-C98DA3205C09}" type="datetimeFigureOut">
               <a:rPr lang="en-US" smtClean="0"/>
               <a:pPr/>
-              <a:t>6/19/2018</a:t>
+              <a:t>6/26/2018</a:t>
             </a:fld>
             <a:endParaRPr lang="en-US"/>
           </a:p>
@@ -10127,7 +11488,7 @@
             <a:fld id="{1D8BD707-D9CF-40AE-B4C6-C98DA3205C09}" type="datetimeFigureOut">
               <a:rPr lang="en-US" smtClean="0"/>
               <a:pPr/>
-              <a:t>6/19/2018</a:t>
+              <a:t>6/26/2018</a:t>
             </a:fld>
             <a:endParaRPr lang="en-US"/>
           </a:p>
@@ -10370,7 +11731,7 @@
             <a:fld id="{1D8BD707-D9CF-40AE-B4C6-C98DA3205C09}" type="datetimeFigureOut">
               <a:rPr lang="en-US" smtClean="0"/>
               <a:pPr/>
-              <a:t>6/19/2018</a:t>
+              <a:t>6/26/2018</a:t>
             </a:fld>
             <a:endParaRPr lang="en-US"/>
           </a:p>
@@ -10655,7 +12016,7 @@
             <a:fld id="{1D8BD707-D9CF-40AE-B4C6-C98DA3205C09}" type="datetimeFigureOut">
               <a:rPr lang="en-US" smtClean="0"/>
               <a:pPr/>
-              <a:t>6/19/2018</a:t>
+              <a:t>6/26/2018</a:t>
             </a:fld>
             <a:endParaRPr lang="en-US"/>
           </a:p>
@@ -11074,7 +12435,7 @@
             <a:fld id="{1D8BD707-D9CF-40AE-B4C6-C98DA3205C09}" type="datetimeFigureOut">
               <a:rPr lang="en-US" smtClean="0"/>
               <a:pPr/>
-              <a:t>6/19/2018</a:t>
+              <a:t>6/26/2018</a:t>
             </a:fld>
             <a:endParaRPr lang="en-US"/>
           </a:p>
@@ -11189,7 +12550,7 @@
             <a:fld id="{1D8BD707-D9CF-40AE-B4C6-C98DA3205C09}" type="datetimeFigureOut">
               <a:rPr lang="en-US" smtClean="0"/>
               <a:pPr/>
-              <a:t>6/19/2018</a:t>
+              <a:t>6/26/2018</a:t>
             </a:fld>
             <a:endParaRPr lang="en-US"/>
           </a:p>
@@ -11281,7 +12642,7 @@
             <a:fld id="{1D8BD707-D9CF-40AE-B4C6-C98DA3205C09}" type="datetimeFigureOut">
               <a:rPr lang="en-US" smtClean="0"/>
               <a:pPr/>
-              <a:t>6/19/2018</a:t>
+              <a:t>6/26/2018</a:t>
             </a:fld>
             <a:endParaRPr lang="en-US"/>
           </a:p>
@@ -11555,7 +12916,7 @@
             <a:fld id="{1D8BD707-D9CF-40AE-B4C6-C98DA3205C09}" type="datetimeFigureOut">
               <a:rPr lang="en-US" smtClean="0"/>
               <a:pPr/>
-              <a:t>6/19/2018</a:t>
+              <a:t>6/26/2018</a:t>
             </a:fld>
             <a:endParaRPr lang="en-US"/>
           </a:p>
@@ -11805,7 +13166,7 @@
             <a:fld id="{1D8BD707-D9CF-40AE-B4C6-C98DA3205C09}" type="datetimeFigureOut">
               <a:rPr lang="en-US" smtClean="0"/>
               <a:pPr/>
-              <a:t>6/19/2018</a:t>
+              <a:t>6/26/2018</a:t>
             </a:fld>
             <a:endParaRPr lang="en-US"/>
           </a:p>
@@ -12015,7 +13376,7 @@
             <a:fld id="{1D8BD707-D9CF-40AE-B4C6-C98DA3205C09}" type="datetimeFigureOut">
               <a:rPr lang="en-US" smtClean="0"/>
               <a:pPr/>
-              <a:t>6/19/2018</a:t>
+              <a:t>6/26/2018</a:t>
             </a:fld>
             <a:endParaRPr lang="en-US"/>
           </a:p>
@@ -12704,6 +14065,215 @@
 </p:sld>
 </file>
 
+<file path=ppt/slides/slide12.xml><?xml version="1.0" encoding="utf-8"?>
+<p:sld xmlns:a="http://schemas.openxmlformats.org/drawingml/2006/main" xmlns:r="http://schemas.openxmlformats.org/officeDocument/2006/relationships" xmlns:p="http://schemas.openxmlformats.org/presentationml/2006/main">
+  <p:cSld>
+    <p:spTree>
+      <p:nvGrpSpPr>
+        <p:cNvPr id="1" name=""/>
+        <p:cNvGrpSpPr/>
+        <p:nvPr/>
+      </p:nvGrpSpPr>
+      <p:grpSpPr>
+        <a:xfrm>
+          <a:off x="0" y="0"/>
+          <a:ext cx="0" cy="0"/>
+          <a:chOff x="0" y="0"/>
+          <a:chExt cx="0" cy="0"/>
+        </a:xfrm>
+      </p:grpSpPr>
+      <p:sp>
+        <p:nvSpPr>
+          <p:cNvPr id="2" name="Title 1"/>
+          <p:cNvSpPr>
+            <a:spLocks noGrp="1"/>
+          </p:cNvSpPr>
+          <p:nvPr>
+            <p:ph type="title"/>
+          </p:nvPr>
+        </p:nvSpPr>
+        <p:spPr/>
+        <p:txBody>
+          <a:bodyPr/>
+          <a:lstStyle/>
+          <a:p>
+            <a:r>
+              <a:rPr lang="en-US" dirty="0" smtClean="0"/>
+              <a:t>(x – y)</a:t>
+            </a:r>
+            <a:r>
+              <a:rPr lang="en-US" baseline="30000" dirty="0" smtClean="0"/>
+              <a:t>2</a:t>
+            </a:r>
+            <a:r>
+              <a:rPr lang="en-US" dirty="0" smtClean="0"/>
+              <a:t> type</a:t>
+            </a:r>
+            <a:endParaRPr lang="en-US" dirty="0"/>
+          </a:p>
+        </p:txBody>
+      </p:sp>
+      <p:sp>
+        <p:nvSpPr>
+          <p:cNvPr id="3" name="Content Placeholder 2"/>
+          <p:cNvSpPr>
+            <a:spLocks noGrp="1"/>
+          </p:cNvSpPr>
+          <p:nvPr>
+            <p:ph idx="1"/>
+          </p:nvPr>
+        </p:nvSpPr>
+        <p:spPr/>
+        <p:txBody>
+          <a:bodyPr/>
+          <a:lstStyle/>
+          <a:p>
+            <a:r>
+              <a:rPr lang="en-US" dirty="0" err="1" smtClean="0"/>
+              <a:t>f</a:t>
+            </a:r>
+            <a:r>
+              <a:rPr lang="en-US" dirty="0" err="1" smtClean="0"/>
+              <a:t>ecx</a:t>
+            </a:r>
+            <a:r>
+              <a:rPr lang="en-US" dirty="0" smtClean="0"/>
+              <a:t> = a*(x – y)</a:t>
+            </a:r>
+            <a:r>
+              <a:rPr lang="en-US" baseline="30000" dirty="0" smtClean="0"/>
+              <a:t>2</a:t>
+            </a:r>
+            <a:r>
+              <a:rPr lang="en-US" dirty="0" smtClean="0"/>
+              <a:t> ± b*(y – x)</a:t>
+            </a:r>
+            <a:r>
+              <a:rPr lang="en-US" baseline="30000" dirty="0" smtClean="0"/>
+              <a:t>2</a:t>
+            </a:r>
+            <a:r>
+              <a:rPr lang="en-US" dirty="0" smtClean="0"/>
+              <a:t/>
+            </a:r>
+            <a:br>
+              <a:rPr lang="en-US" dirty="0" smtClean="0"/>
+            </a:br>
+            <a:r>
+              <a:rPr lang="en-US" dirty="0" smtClean="0"/>
+              <a:t/>
+            </a:r>
+            <a:br>
+              <a:rPr lang="en-US" dirty="0" smtClean="0"/>
+            </a:br>
+            <a:r>
+              <a:rPr lang="en-US" dirty="0" smtClean="0"/>
+              <a:t>a = 1, b is 0.5 for normal simulations</a:t>
+            </a:r>
+          </a:p>
+        </p:txBody>
+      </p:sp>
+    </p:spTree>
+  </p:cSld>
+  <p:clrMapOvr>
+    <a:masterClrMapping/>
+  </p:clrMapOvr>
+</p:sld>
+</file>
+
+<file path=ppt/slides/slide13.xml><?xml version="1.0" encoding="utf-8"?>
+<p:sld xmlns:a="http://schemas.openxmlformats.org/drawingml/2006/main" xmlns:r="http://schemas.openxmlformats.org/officeDocument/2006/relationships" xmlns:p="http://schemas.openxmlformats.org/presentationml/2006/main">
+  <p:cSld>
+    <p:spTree>
+      <p:nvGrpSpPr>
+        <p:cNvPr id="1" name=""/>
+        <p:cNvGrpSpPr/>
+        <p:nvPr/>
+      </p:nvGrpSpPr>
+      <p:grpSpPr>
+        <a:xfrm>
+          <a:off x="0" y="0"/>
+          <a:ext cx="0" cy="0"/>
+          <a:chOff x="0" y="0"/>
+          <a:chExt cx="0" cy="0"/>
+        </a:xfrm>
+      </p:grpSpPr>
+      <p:pic>
+        <p:nvPicPr>
+          <p:cNvPr id="1026" name="Picture 2" descr="D:\Projects\Summer 2018\Revamped code\x - y square type\x-y square_Fitness Vs Phenotype.png"/>
+          <p:cNvPicPr>
+            <a:picLocks noChangeAspect="1" noChangeArrowheads="1"/>
+          </p:cNvPicPr>
+          <p:nvPr/>
+        </p:nvPicPr>
+        <p:blipFill>
+          <a:blip r:embed="rId2"/>
+          <a:srcRect/>
+          <a:stretch>
+            <a:fillRect/>
+          </a:stretch>
+        </p:blipFill>
+        <p:spPr bwMode="auto">
+          <a:xfrm>
+            <a:off x="0" y="1"/>
+            <a:ext cx="4800600" cy="3505199"/>
+          </a:xfrm>
+          <a:prstGeom prst="rect">
+            <a:avLst/>
+          </a:prstGeom>
+          <a:noFill/>
+        </p:spPr>
+      </p:pic>
+      <p:pic>
+        <p:nvPicPr>
+          <p:cNvPr id="1027" name="Picture 3" descr="D:\Projects\Summer 2018\Revamped code\x - y square type\x-y square_Fitness_only interactions Vs Phenotype.png"/>
+          <p:cNvPicPr>
+            <a:picLocks noChangeAspect="1" noChangeArrowheads="1"/>
+          </p:cNvPicPr>
+          <p:nvPr/>
+        </p:nvPicPr>
+        <p:blipFill>
+          <a:blip r:embed="rId3"/>
+          <a:srcRect/>
+          <a:stretch>
+            <a:fillRect/>
+          </a:stretch>
+        </p:blipFill>
+        <p:spPr bwMode="auto">
+          <a:xfrm>
+            <a:off x="4343400" y="1"/>
+            <a:ext cx="4800600" cy="3505199"/>
+          </a:xfrm>
+          <a:prstGeom prst="rect">
+            <a:avLst/>
+          </a:prstGeom>
+          <a:noFill/>
+        </p:spPr>
+      </p:pic>
+      <p:graphicFrame>
+        <p:nvGraphicFramePr>
+          <p:cNvPr id="6" name="Chart 5"/>
+          <p:cNvGraphicFramePr/>
+          <p:nvPr/>
+        </p:nvGraphicFramePr>
+        <p:xfrm>
+          <a:off x="0" y="3200400"/>
+          <a:ext cx="9144000" cy="3657600"/>
+        </p:xfrm>
+        <a:graphic>
+          <a:graphicData uri="http://schemas.openxmlformats.org/drawingml/2006/chart">
+            <c:chart xmlns:c="http://schemas.openxmlformats.org/drawingml/2006/chart" xmlns:r="http://schemas.openxmlformats.org/officeDocument/2006/relationships" r:id="rId4"/>
+          </a:graphicData>
+        </a:graphic>
+      </p:graphicFrame>
+    </p:spTree>
+  </p:cSld>
+  <p:clrMapOvr>
+    <a:masterClrMapping/>
+  </p:clrMapOvr>
+</p:sld>
+</file>
+
 <file path=ppt/slides/slide2.xml><?xml version="1.0" encoding="utf-8"?>
 <p:sld xmlns:a="http://schemas.openxmlformats.org/drawingml/2006/main" xmlns:r="http://schemas.openxmlformats.org/officeDocument/2006/relationships" xmlns:p="http://schemas.openxmlformats.org/presentationml/2006/main">
   <p:cSld>

--- a/Compiled results.pptx
+++ b/Compiled results.pptx
@@ -18,6 +18,7 @@
     <p:sldId id="268" r:id="rId12"/>
     <p:sldId id="269" r:id="rId13"/>
     <p:sldId id="270" r:id="rId14"/>
+    <p:sldId id="271" r:id="rId15"/>
   </p:sldIdLst>
   <p:sldSz cx="9144000" cy="6858000" type="screen4x3"/>
   <p:notesSz cx="6858000" cy="9144000"/>
@@ -131,7 +132,7 @@
           <a:lstStyle/>
           <a:p>
             <a:pPr>
-              <a:defRPr/>
+              <a:defRPr lang="en-IN"/>
             </a:pPr>
             <a:r>
               <a:rPr lang="en-US"/>
@@ -182,64 +183,64 @@
                     <c:v>17.584265694080031</c:v>
                   </c:pt>
                   <c:pt idx="3">
-                    <c:v>17.185680085466498</c:v>
+                    <c:v>17.185680085466487</c:v>
                   </c:pt>
                   <c:pt idx="4">
                     <c:v>14.93109507035569</c:v>
                   </c:pt>
                   <c:pt idx="5">
-                    <c:v>17.256013444593737</c:v>
+                    <c:v>17.256013444593727</c:v>
                   </c:pt>
                   <c:pt idx="6">
                     <c:v>14.847073785766668</c:v>
                   </c:pt>
                   <c:pt idx="7">
-                    <c:v>19.459537507350984</c:v>
+                    <c:v>19.459537507350973</c:v>
                   </c:pt>
                   <c:pt idx="8">
                     <c:v>14.565177650821839</c:v>
                   </c:pt>
                   <c:pt idx="9">
-                    <c:v>22.922163946713223</c:v>
+                    <c:v>22.922163946713212</c:v>
                   </c:pt>
                   <c:pt idx="10">
                     <c:v>24.3000329217884</c:v>
                   </c:pt>
                   <c:pt idx="11">
-                    <c:v>17.354204101600285</c:v>
+                    <c:v>17.354204101600295</c:v>
                   </c:pt>
                   <c:pt idx="12">
-                    <c:v>27.795567992037867</c:v>
+                    <c:v>27.795567992037856</c:v>
                   </c:pt>
                   <c:pt idx="13">
-                    <c:v>18.709526984934701</c:v>
+                    <c:v>18.709526984934683</c:v>
                   </c:pt>
                   <c:pt idx="14">
-                    <c:v>24.638538917719938</c:v>
+                    <c:v>24.638538917719927</c:v>
                   </c:pt>
                   <c:pt idx="15">
-                    <c:v>25.235760341230055</c:v>
+                    <c:v>25.235760341230044</c:v>
                   </c:pt>
                   <c:pt idx="16">
                     <c:v>24.065086744078027</c:v>
                   </c:pt>
                   <c:pt idx="17">
-                    <c:v>28.618322802009196</c:v>
+                    <c:v>28.618322802009189</c:v>
                   </c:pt>
                   <c:pt idx="18">
                     <c:v>29.929310048846769</c:v>
                   </c:pt>
                   <c:pt idx="19">
-                    <c:v>24.826953095375995</c:v>
+                    <c:v>24.826953095375988</c:v>
                   </c:pt>
                   <c:pt idx="20">
                     <c:v>18.824335313630598</c:v>
                   </c:pt>
                   <c:pt idx="21">
-                    <c:v>16.797868912454344</c:v>
+                    <c:v>16.797868912454355</c:v>
                   </c:pt>
                   <c:pt idx="22">
-                    <c:v>25.525869231036967</c:v>
+                    <c:v>25.525869231036957</c:v>
                   </c:pt>
                 </c:numCache>
               </c:numRef>
@@ -257,64 +258,64 @@
                     <c:v>17.584265694080031</c:v>
                   </c:pt>
                   <c:pt idx="3">
-                    <c:v>17.185680085466498</c:v>
+                    <c:v>17.185680085466487</c:v>
                   </c:pt>
                   <c:pt idx="4">
                     <c:v>14.93109507035569</c:v>
                   </c:pt>
                   <c:pt idx="5">
-                    <c:v>17.256013444593737</c:v>
+                    <c:v>17.256013444593727</c:v>
                   </c:pt>
                   <c:pt idx="6">
                     <c:v>14.847073785766668</c:v>
                   </c:pt>
                   <c:pt idx="7">
-                    <c:v>19.459537507350984</c:v>
+                    <c:v>19.459537507350973</c:v>
                   </c:pt>
                   <c:pt idx="8">
                     <c:v>14.565177650821839</c:v>
                   </c:pt>
                   <c:pt idx="9">
-                    <c:v>22.922163946713223</c:v>
+                    <c:v>22.922163946713212</c:v>
                   </c:pt>
                   <c:pt idx="10">
                     <c:v>24.3000329217884</c:v>
                   </c:pt>
                   <c:pt idx="11">
-                    <c:v>17.354204101600285</c:v>
+                    <c:v>17.354204101600295</c:v>
                   </c:pt>
                   <c:pt idx="12">
-                    <c:v>27.795567992037867</c:v>
+                    <c:v>27.795567992037856</c:v>
                   </c:pt>
                   <c:pt idx="13">
-                    <c:v>18.709526984934701</c:v>
+                    <c:v>18.709526984934683</c:v>
                   </c:pt>
                   <c:pt idx="14">
-                    <c:v>24.638538917719938</c:v>
+                    <c:v>24.638538917719927</c:v>
                   </c:pt>
                   <c:pt idx="15">
-                    <c:v>25.235760341230055</c:v>
+                    <c:v>25.235760341230044</c:v>
                   </c:pt>
                   <c:pt idx="16">
                     <c:v>24.065086744078027</c:v>
                   </c:pt>
                   <c:pt idx="17">
-                    <c:v>28.618322802009196</c:v>
+                    <c:v>28.618322802009189</c:v>
                   </c:pt>
                   <c:pt idx="18">
                     <c:v>29.929310048846769</c:v>
                   </c:pt>
                   <c:pt idx="19">
-                    <c:v>24.826953095375995</c:v>
+                    <c:v>24.826953095375988</c:v>
                   </c:pt>
                   <c:pt idx="20">
                     <c:v>18.824335313630598</c:v>
                   </c:pt>
                   <c:pt idx="21">
-                    <c:v>16.797868912454344</c:v>
+                    <c:v>16.797868912454355</c:v>
                   </c:pt>
                   <c:pt idx="22">
-                    <c:v>25.525869231036967</c:v>
+                    <c:v>25.525869231036957</c:v>
                   </c:pt>
                 </c:numCache>
               </c:numRef>
@@ -330,13 +331,13 @@
                   <c:v>0</c:v>
                 </c:pt>
                 <c:pt idx="1">
-                  <c:v>5.000000000000001E-2</c:v>
+                  <c:v>5.0000000000000031E-2</c:v>
                 </c:pt>
                 <c:pt idx="2">
                   <c:v>0.1</c:v>
                 </c:pt>
                 <c:pt idx="3">
-                  <c:v>0.15000000000000002</c:v>
+                  <c:v>0.15000000000000011</c:v>
                 </c:pt>
                 <c:pt idx="4">
                   <c:v>0.2</c:v>
@@ -345,10 +346,10 @@
                   <c:v>0.25</c:v>
                 </c:pt>
                 <c:pt idx="6">
-                  <c:v>0.30000000000000004</c:v>
+                  <c:v>0.30000000000000021</c:v>
                 </c:pt>
                 <c:pt idx="7">
-                  <c:v>0.35000000000000003</c:v>
+                  <c:v>0.3500000000000002</c:v>
                 </c:pt>
                 <c:pt idx="8">
                   <c:v>0.4</c:v>
@@ -363,28 +364,28 @@
                   <c:v>0.55000000000000004</c:v>
                 </c:pt>
                 <c:pt idx="12">
-                  <c:v>0.6000000000000002</c:v>
+                  <c:v>0.60000000000000053</c:v>
                 </c:pt>
                 <c:pt idx="13">
-                  <c:v>0.65000000000000013</c:v>
+                  <c:v>0.65000000000000058</c:v>
                 </c:pt>
                 <c:pt idx="14">
-                  <c:v>0.70000000000000018</c:v>
+                  <c:v>0.70000000000000051</c:v>
                 </c:pt>
                 <c:pt idx="15">
-                  <c:v>0.75000000000000011</c:v>
+                  <c:v>0.75000000000000044</c:v>
                 </c:pt>
                 <c:pt idx="16">
                   <c:v>0.8</c:v>
                 </c:pt>
                 <c:pt idx="17">
-                  <c:v>0.8500000000000002</c:v>
+                  <c:v>0.85000000000000053</c:v>
                 </c:pt>
                 <c:pt idx="18">
                   <c:v>0.9</c:v>
                 </c:pt>
                 <c:pt idx="19">
-                  <c:v>0.95000000000000018</c:v>
+                  <c:v>0.95000000000000051</c:v>
                 </c:pt>
                 <c:pt idx="20">
                   <c:v>1</c:v>
@@ -411,16 +412,16 @@
                   <c:v>42.7</c:v>
                 </c:pt>
                 <c:pt idx="4">
-                  <c:v>44.620000000000005</c:v>
+                  <c:v>44.620000000000012</c:v>
                 </c:pt>
                 <c:pt idx="5">
                   <c:v>46.92</c:v>
                 </c:pt>
                 <c:pt idx="6">
-                  <c:v>44.339999999999996</c:v>
+                  <c:v>44.34</c:v>
                 </c:pt>
                 <c:pt idx="7">
-                  <c:v>52.120000000000005</c:v>
+                  <c:v>52.120000000000012</c:v>
                 </c:pt>
                 <c:pt idx="8">
                   <c:v>50.78</c:v>
@@ -453,7 +454,7 @@
                   <c:v>65.319999999999993</c:v>
                 </c:pt>
                 <c:pt idx="18">
-                  <c:v>51.379999999999995</c:v>
+                  <c:v>51.38</c:v>
                 </c:pt>
                 <c:pt idx="19">
                   <c:v>51.46</c:v>
@@ -503,46 +504,46 @@
                     <c:v>22.202558411138121</c:v>
                   </c:pt>
                   <c:pt idx="5">
-                    <c:v>19.143667360252586</c:v>
+                    <c:v>19.1436673602526</c:v>
                   </c:pt>
                   <c:pt idx="6">
-                    <c:v>19.997039780927576</c:v>
+                    <c:v>19.997039780927565</c:v>
                   </c:pt>
                   <c:pt idx="7">
                     <c:v>20.861601089082299</c:v>
                   </c:pt>
                   <c:pt idx="8">
-                    <c:v>27.580203044937864</c:v>
+                    <c:v>27.580203044937843</c:v>
                   </c:pt>
                   <c:pt idx="9">
                     <c:v>21.8906372680194</c:v>
                   </c:pt>
                   <c:pt idx="10">
-                    <c:v>22.561914812355795</c:v>
+                    <c:v>22.561914812355788</c:v>
                   </c:pt>
                   <c:pt idx="11">
-                    <c:v>20.499990243900115</c:v>
+                    <c:v>20.499990243900104</c:v>
                   </c:pt>
                   <c:pt idx="12">
-                    <c:v>21.481377981870708</c:v>
+                    <c:v>21.481377981870697</c:v>
                   </c:pt>
                   <c:pt idx="13">
                     <c:v>27.777285684530092</c:v>
                   </c:pt>
                   <c:pt idx="14">
-                    <c:v>30.460262638394951</c:v>
+                    <c:v>30.46026263839493</c:v>
                   </c:pt>
                   <c:pt idx="15">
-                    <c:v>22.355312567709717</c:v>
+                    <c:v>22.355312567709706</c:v>
                   </c:pt>
                   <c:pt idx="16">
                     <c:v>26.730664039638071</c:v>
                   </c:pt>
                   <c:pt idx="17">
-                    <c:v>24.333318721456806</c:v>
+                    <c:v>24.333318721456827</c:v>
                   </c:pt>
                   <c:pt idx="18">
-                    <c:v>26.314171087077785</c:v>
+                    <c:v>26.314171087077799</c:v>
                   </c:pt>
                   <c:pt idx="19">
                     <c:v>27.567401038182759</c:v>
@@ -551,7 +552,7 @@
                     <c:v>36.30083194638933</c:v>
                   </c:pt>
                   <c:pt idx="21">
-                    <c:v>31.411615685921024</c:v>
+                    <c:v>31.411615685921014</c:v>
                   </c:pt>
                   <c:pt idx="22">
                     <c:v>22.488183563818581</c:v>
@@ -578,46 +579,46 @@
                     <c:v>22.202558411138121</c:v>
                   </c:pt>
                   <c:pt idx="5">
-                    <c:v>19.143667360252586</c:v>
+                    <c:v>19.1436673602526</c:v>
                   </c:pt>
                   <c:pt idx="6">
-                    <c:v>19.997039780927576</c:v>
+                    <c:v>19.997039780927565</c:v>
                   </c:pt>
                   <c:pt idx="7">
                     <c:v>20.861601089082299</c:v>
                   </c:pt>
                   <c:pt idx="8">
-                    <c:v>27.580203044937864</c:v>
+                    <c:v>27.580203044937843</c:v>
                   </c:pt>
                   <c:pt idx="9">
                     <c:v>21.8906372680194</c:v>
                   </c:pt>
                   <c:pt idx="10">
-                    <c:v>22.561914812355795</c:v>
+                    <c:v>22.561914812355788</c:v>
                   </c:pt>
                   <c:pt idx="11">
-                    <c:v>20.499990243900115</c:v>
+                    <c:v>20.499990243900104</c:v>
                   </c:pt>
                   <c:pt idx="12">
-                    <c:v>21.481377981870708</c:v>
+                    <c:v>21.481377981870697</c:v>
                   </c:pt>
                   <c:pt idx="13">
                     <c:v>27.777285684530092</c:v>
                   </c:pt>
                   <c:pt idx="14">
-                    <c:v>30.460262638394951</c:v>
+                    <c:v>30.46026263839493</c:v>
                   </c:pt>
                   <c:pt idx="15">
-                    <c:v>22.355312567709717</c:v>
+                    <c:v>22.355312567709706</c:v>
                   </c:pt>
                   <c:pt idx="16">
                     <c:v>26.730664039638071</c:v>
                   </c:pt>
                   <c:pt idx="17">
-                    <c:v>24.333318721456806</c:v>
+                    <c:v>24.333318721456827</c:v>
                   </c:pt>
                   <c:pt idx="18">
-                    <c:v>26.314171087077785</c:v>
+                    <c:v>26.314171087077799</c:v>
                   </c:pt>
                   <c:pt idx="19">
                     <c:v>27.567401038182759</c:v>
@@ -626,7 +627,7 @@
                     <c:v>36.30083194638933</c:v>
                   </c:pt>
                   <c:pt idx="21">
-                    <c:v>31.411615685921024</c:v>
+                    <c:v>31.411615685921014</c:v>
                   </c:pt>
                   <c:pt idx="22">
                     <c:v>22.488183563818581</c:v>
@@ -645,13 +646,13 @@
                   <c:v>0</c:v>
                 </c:pt>
                 <c:pt idx="1">
-                  <c:v>5.000000000000001E-2</c:v>
+                  <c:v>5.0000000000000031E-2</c:v>
                 </c:pt>
                 <c:pt idx="2">
                   <c:v>0.1</c:v>
                 </c:pt>
                 <c:pt idx="3">
-                  <c:v>0.15000000000000002</c:v>
+                  <c:v>0.15000000000000011</c:v>
                 </c:pt>
                 <c:pt idx="4">
                   <c:v>0.2</c:v>
@@ -660,10 +661,10 @@
                   <c:v>0.25</c:v>
                 </c:pt>
                 <c:pt idx="6">
-                  <c:v>0.30000000000000004</c:v>
+                  <c:v>0.30000000000000021</c:v>
                 </c:pt>
                 <c:pt idx="7">
-                  <c:v>0.35000000000000003</c:v>
+                  <c:v>0.3500000000000002</c:v>
                 </c:pt>
                 <c:pt idx="8">
                   <c:v>0.4</c:v>
@@ -678,28 +679,28 @@
                   <c:v>0.55000000000000004</c:v>
                 </c:pt>
                 <c:pt idx="12">
-                  <c:v>0.6000000000000002</c:v>
+                  <c:v>0.60000000000000053</c:v>
                 </c:pt>
                 <c:pt idx="13">
-                  <c:v>0.65000000000000013</c:v>
+                  <c:v>0.65000000000000058</c:v>
                 </c:pt>
                 <c:pt idx="14">
-                  <c:v>0.70000000000000018</c:v>
+                  <c:v>0.70000000000000051</c:v>
                 </c:pt>
                 <c:pt idx="15">
-                  <c:v>0.75000000000000011</c:v>
+                  <c:v>0.75000000000000044</c:v>
                 </c:pt>
                 <c:pt idx="16">
                   <c:v>0.8</c:v>
                 </c:pt>
                 <c:pt idx="17">
-                  <c:v>0.8500000000000002</c:v>
+                  <c:v>0.85000000000000053</c:v>
                 </c:pt>
                 <c:pt idx="18">
                   <c:v>0.9</c:v>
                 </c:pt>
                 <c:pt idx="19">
-                  <c:v>0.95000000000000018</c:v>
+                  <c:v>0.95000000000000051</c:v>
                 </c:pt>
                 <c:pt idx="20">
                   <c:v>1</c:v>
@@ -714,7 +715,7 @@
                 <c:formatCode>General</c:formatCode>
                 <c:ptCount val="46"/>
                 <c:pt idx="0">
-                  <c:v>37.160000000000004</c:v>
+                  <c:v>37.160000000000011</c:v>
                 </c:pt>
                 <c:pt idx="1">
                   <c:v>38.9</c:v>
@@ -726,7 +727,7 @@
                   <c:v>45.8</c:v>
                 </c:pt>
                 <c:pt idx="4">
-                  <c:v>42.720000000000006</c:v>
+                  <c:v>42.720000000000013</c:v>
                 </c:pt>
                 <c:pt idx="5">
                   <c:v>45.56</c:v>
@@ -762,7 +763,7 @@
                   <c:v>65.36</c:v>
                 </c:pt>
                 <c:pt idx="16">
-                  <c:v>63.620000000000005</c:v>
+                  <c:v>63.620000000000012</c:v>
                 </c:pt>
                 <c:pt idx="17">
                   <c:v>61.28</c:v>
@@ -812,16 +813,16 @@
                     <c:v>20.006808840992111</c:v>
                   </c:pt>
                   <c:pt idx="3">
-                    <c:v>19.359018570165166</c:v>
+                    <c:v>19.359018570165151</c:v>
                   </c:pt>
                   <c:pt idx="4">
                     <c:v>18.804520733057785</c:v>
                   </c:pt>
                   <c:pt idx="5">
-                    <c:v>12.360598691001991</c:v>
+                    <c:v>12.360598691002002</c:v>
                   </c:pt>
                   <c:pt idx="6">
-                    <c:v>16.720346886353763</c:v>
+                    <c:v>16.720346886353742</c:v>
                   </c:pt>
                   <c:pt idx="7">
                     <c:v>13.010165256444672</c:v>
@@ -833,37 +834,37 @@
                     <c:v>10.96474349905186</c:v>
                   </c:pt>
                   <c:pt idx="10">
-                    <c:v>9.5974163189891915</c:v>
+                    <c:v>9.5974163189892021</c:v>
                   </c:pt>
                   <c:pt idx="11">
                     <c:v>9.8808096834217007</c:v>
                   </c:pt>
                   <c:pt idx="12">
-                    <c:v>7.4767907553976682</c:v>
+                    <c:v>7.4767907553976736</c:v>
                   </c:pt>
                   <c:pt idx="13">
                     <c:v>7.0785309210315672</c:v>
                   </c:pt>
                   <c:pt idx="14">
-                    <c:v>6.4982766946322021</c:v>
+                    <c:v>6.4982766946322048</c:v>
                   </c:pt>
                   <c:pt idx="15">
-                    <c:v>6.3220566273958658</c:v>
+                    <c:v>6.3220566273958632</c:v>
                   </c:pt>
                   <c:pt idx="16">
-                    <c:v>5.0596442562694062</c:v>
+                    <c:v>5.0596442562694035</c:v>
                   </c:pt>
                   <c:pt idx="17">
                     <c:v>4.2286640916488034</c:v>
                   </c:pt>
                   <c:pt idx="18">
-                    <c:v>4.3081318457076021</c:v>
+                    <c:v>4.3081318457075994</c:v>
                   </c:pt>
                   <c:pt idx="19">
-                    <c:v>2.5640592816859753</c:v>
+                    <c:v>2.5640592816859766</c:v>
                   </c:pt>
                   <c:pt idx="20">
-                    <c:v>2.1567568244936641</c:v>
+                    <c:v>2.1567568244936619</c:v>
                   </c:pt>
                   <c:pt idx="21">
                     <c:v>1.0111379727811629</c:v>
@@ -887,16 +888,16 @@
                     <c:v>20.006808840992111</c:v>
                   </c:pt>
                   <c:pt idx="3">
-                    <c:v>19.359018570165166</c:v>
+                    <c:v>19.359018570165151</c:v>
                   </c:pt>
                   <c:pt idx="4">
                     <c:v>18.804520733057785</c:v>
                   </c:pt>
                   <c:pt idx="5">
-                    <c:v>12.360598691001991</c:v>
+                    <c:v>12.360598691002002</c:v>
                   </c:pt>
                   <c:pt idx="6">
-                    <c:v>16.720346886353763</c:v>
+                    <c:v>16.720346886353742</c:v>
                   </c:pt>
                   <c:pt idx="7">
                     <c:v>13.010165256444672</c:v>
@@ -908,37 +909,37 @@
                     <c:v>10.96474349905186</c:v>
                   </c:pt>
                   <c:pt idx="10">
-                    <c:v>9.5974163189891915</c:v>
+                    <c:v>9.5974163189892021</c:v>
                   </c:pt>
                   <c:pt idx="11">
                     <c:v>9.8808096834217007</c:v>
                   </c:pt>
                   <c:pt idx="12">
-                    <c:v>7.4767907553976682</c:v>
+                    <c:v>7.4767907553976736</c:v>
                   </c:pt>
                   <c:pt idx="13">
                     <c:v>7.0785309210315672</c:v>
                   </c:pt>
                   <c:pt idx="14">
-                    <c:v>6.4982766946322021</c:v>
+                    <c:v>6.4982766946322048</c:v>
                   </c:pt>
                   <c:pt idx="15">
-                    <c:v>6.3220566273958658</c:v>
+                    <c:v>6.3220566273958632</c:v>
                   </c:pt>
                   <c:pt idx="16">
-                    <c:v>5.0596442562694062</c:v>
+                    <c:v>5.0596442562694035</c:v>
                   </c:pt>
                   <c:pt idx="17">
                     <c:v>4.2286640916488034</c:v>
                   </c:pt>
                   <c:pt idx="18">
-                    <c:v>4.3081318457076021</c:v>
+                    <c:v>4.3081318457075994</c:v>
                   </c:pt>
                   <c:pt idx="19">
-                    <c:v>2.5640592816859753</c:v>
+                    <c:v>2.5640592816859766</c:v>
                   </c:pt>
                   <c:pt idx="20">
-                    <c:v>2.1567568244936641</c:v>
+                    <c:v>2.1567568244936619</c:v>
                   </c:pt>
                   <c:pt idx="21">
                     <c:v>1.0111379727811629</c:v>
@@ -960,13 +961,13 @@
                   <c:v>0</c:v>
                 </c:pt>
                 <c:pt idx="1">
-                  <c:v>5.000000000000001E-2</c:v>
+                  <c:v>5.0000000000000031E-2</c:v>
                 </c:pt>
                 <c:pt idx="2">
                   <c:v>0.1</c:v>
                 </c:pt>
                 <c:pt idx="3">
-                  <c:v>0.15000000000000002</c:v>
+                  <c:v>0.15000000000000011</c:v>
                 </c:pt>
                 <c:pt idx="4">
                   <c:v>0.2</c:v>
@@ -975,10 +976,10 @@
                   <c:v>0.25</c:v>
                 </c:pt>
                 <c:pt idx="6">
-                  <c:v>0.30000000000000004</c:v>
+                  <c:v>0.30000000000000021</c:v>
                 </c:pt>
                 <c:pt idx="7">
-                  <c:v>0.35000000000000003</c:v>
+                  <c:v>0.3500000000000002</c:v>
                 </c:pt>
                 <c:pt idx="8">
                   <c:v>0.4</c:v>
@@ -993,28 +994,28 @@
                   <c:v>0.55000000000000004</c:v>
                 </c:pt>
                 <c:pt idx="12">
-                  <c:v>0.6000000000000002</c:v>
+                  <c:v>0.60000000000000053</c:v>
                 </c:pt>
                 <c:pt idx="13">
-                  <c:v>0.65000000000000013</c:v>
+                  <c:v>0.65000000000000058</c:v>
                 </c:pt>
                 <c:pt idx="14">
-                  <c:v>0.70000000000000018</c:v>
+                  <c:v>0.70000000000000051</c:v>
                 </c:pt>
                 <c:pt idx="15">
-                  <c:v>0.75000000000000011</c:v>
+                  <c:v>0.75000000000000044</c:v>
                 </c:pt>
                 <c:pt idx="16">
                   <c:v>0.8</c:v>
                 </c:pt>
                 <c:pt idx="17">
-                  <c:v>0.8500000000000002</c:v>
+                  <c:v>0.85000000000000053</c:v>
                 </c:pt>
                 <c:pt idx="18">
                   <c:v>0.9</c:v>
                 </c:pt>
                 <c:pt idx="19">
-                  <c:v>0.95000000000000018</c:v>
+                  <c:v>0.95000000000000051</c:v>
                 </c:pt>
                 <c:pt idx="20">
                   <c:v>1</c:v>
@@ -1038,7 +1039,7 @@
                   <c:v>40.5</c:v>
                 </c:pt>
                 <c:pt idx="3">
-                  <c:v>35.660000000000004</c:v>
+                  <c:v>35.660000000000011</c:v>
                 </c:pt>
                 <c:pt idx="4">
                   <c:v>36.1</c:v>
@@ -1059,7 +1060,7 @@
                   <c:v>26.36</c:v>
                 </c:pt>
                 <c:pt idx="10">
-                  <c:v>23.759999999999998</c:v>
+                  <c:v>23.759999999999987</c:v>
                 </c:pt>
                 <c:pt idx="11">
                   <c:v>23.88</c:v>
@@ -1068,13 +1069,13 @@
                   <c:v>20.18</c:v>
                 </c:pt>
                 <c:pt idx="13">
-                  <c:v>18.459999999999997</c:v>
+                  <c:v>18.459999999999987</c:v>
                 </c:pt>
                 <c:pt idx="14">
                   <c:v>16.8</c:v>
                 </c:pt>
                 <c:pt idx="15">
-                  <c:v>14.719999999999999</c:v>
+                  <c:v>14.72</c:v>
                 </c:pt>
                 <c:pt idx="16">
                   <c:v>13.2</c:v>
@@ -1130,7 +1131,7 @@
                     <c:v>13.044554419373632</c:v>
                   </c:pt>
                   <c:pt idx="4">
-                    <c:v>17.381150709892605</c:v>
+                    <c:v>17.381150709892623</c:v>
                   </c:pt>
                   <c:pt idx="5">
                     <c:v>14.0511778865688</c:v>
@@ -1142,7 +1143,7 @@
                     <c:v>13.751741707871041</c:v>
                   </c:pt>
                   <c:pt idx="8">
-                    <c:v>13.689777207829211</c:v>
+                    <c:v>13.689777207829222</c:v>
                   </c:pt>
                   <c:pt idx="9">
                     <c:v>8.3744611766966841</c:v>
@@ -1151,10 +1152,10 @@
                     <c:v>10.706801576568052</c:v>
                   </c:pt>
                   <c:pt idx="11">
-                    <c:v>9.5440243084350946</c:v>
+                    <c:v>9.5440243084350929</c:v>
                   </c:pt>
                   <c:pt idx="12">
-                    <c:v>7.7388629655783427</c:v>
+                    <c:v>7.7388629655783463</c:v>
                   </c:pt>
                   <c:pt idx="13">
                     <c:v>5.9711305462198698</c:v>
@@ -1163,22 +1164,22 @@
                     <c:v>6.7959988228368609</c:v>
                   </c:pt>
                   <c:pt idx="15">
-                    <c:v>6.9697632671418619</c:v>
+                    <c:v>6.9697632671418646</c:v>
                   </c:pt>
                   <c:pt idx="16">
-                    <c:v>4.2209477608707724</c:v>
+                    <c:v>4.2209477608707715</c:v>
                   </c:pt>
                   <c:pt idx="17">
                     <c:v>3.3754407119663647</c:v>
                   </c:pt>
                   <c:pt idx="18">
-                    <c:v>3.2771328932467783</c:v>
+                    <c:v>3.2771328932467791</c:v>
                   </c:pt>
                   <c:pt idx="19">
-                    <c:v>3.2452426719738545</c:v>
+                    <c:v>3.2452426719738532</c:v>
                   </c:pt>
                   <c:pt idx="20">
-                    <c:v>1.5067846561469889</c:v>
+                    <c:v>1.5067846561469882</c:v>
                   </c:pt>
                   <c:pt idx="21">
                     <c:v>1.0873821775254551</c:v>
@@ -1205,7 +1206,7 @@
                     <c:v>13.044554419373632</c:v>
                   </c:pt>
                   <c:pt idx="4">
-                    <c:v>17.381150709892605</c:v>
+                    <c:v>17.381150709892623</c:v>
                   </c:pt>
                   <c:pt idx="5">
                     <c:v>14.0511778865688</c:v>
@@ -1217,7 +1218,7 @@
                     <c:v>13.751741707871041</c:v>
                   </c:pt>
                   <c:pt idx="8">
-                    <c:v>13.689777207829211</c:v>
+                    <c:v>13.689777207829222</c:v>
                   </c:pt>
                   <c:pt idx="9">
                     <c:v>8.3744611766966841</c:v>
@@ -1226,10 +1227,10 @@
                     <c:v>10.706801576568052</c:v>
                   </c:pt>
                   <c:pt idx="11">
-                    <c:v>9.5440243084350946</c:v>
+                    <c:v>9.5440243084350929</c:v>
                   </c:pt>
                   <c:pt idx="12">
-                    <c:v>7.7388629655783427</c:v>
+                    <c:v>7.7388629655783463</c:v>
                   </c:pt>
                   <c:pt idx="13">
                     <c:v>5.9711305462198698</c:v>
@@ -1238,22 +1239,22 @@
                     <c:v>6.7959988228368609</c:v>
                   </c:pt>
                   <c:pt idx="15">
-                    <c:v>6.9697632671418619</c:v>
+                    <c:v>6.9697632671418646</c:v>
                   </c:pt>
                   <c:pt idx="16">
-                    <c:v>4.2209477608707724</c:v>
+                    <c:v>4.2209477608707715</c:v>
                   </c:pt>
                   <c:pt idx="17">
                     <c:v>3.3754407119663647</c:v>
                   </c:pt>
                   <c:pt idx="18">
-                    <c:v>3.2771328932467783</c:v>
+                    <c:v>3.2771328932467791</c:v>
                   </c:pt>
                   <c:pt idx="19">
-                    <c:v>3.2452426719738545</c:v>
+                    <c:v>3.2452426719738532</c:v>
                   </c:pt>
                   <c:pt idx="20">
-                    <c:v>1.5067846561469889</c:v>
+                    <c:v>1.5067846561469882</c:v>
                   </c:pt>
                   <c:pt idx="21">
                     <c:v>1.0873821775254551</c:v>
@@ -1275,13 +1276,13 @@
                   <c:v>0</c:v>
                 </c:pt>
                 <c:pt idx="1">
-                  <c:v>5.000000000000001E-2</c:v>
+                  <c:v>5.0000000000000031E-2</c:v>
                 </c:pt>
                 <c:pt idx="2">
                   <c:v>0.1</c:v>
                 </c:pt>
                 <c:pt idx="3">
-                  <c:v>0.15000000000000002</c:v>
+                  <c:v>0.15000000000000011</c:v>
                 </c:pt>
                 <c:pt idx="4">
                   <c:v>0.2</c:v>
@@ -1290,10 +1291,10 @@
                   <c:v>0.25</c:v>
                 </c:pt>
                 <c:pt idx="6">
-                  <c:v>0.30000000000000004</c:v>
+                  <c:v>0.30000000000000021</c:v>
                 </c:pt>
                 <c:pt idx="7">
-                  <c:v>0.35000000000000003</c:v>
+                  <c:v>0.3500000000000002</c:v>
                 </c:pt>
                 <c:pt idx="8">
                   <c:v>0.4</c:v>
@@ -1308,28 +1309,28 @@
                   <c:v>0.55000000000000004</c:v>
                 </c:pt>
                 <c:pt idx="12">
-                  <c:v>0.6000000000000002</c:v>
+                  <c:v>0.60000000000000053</c:v>
                 </c:pt>
                 <c:pt idx="13">
-                  <c:v>0.65000000000000013</c:v>
+                  <c:v>0.65000000000000058</c:v>
                 </c:pt>
                 <c:pt idx="14">
-                  <c:v>0.70000000000000018</c:v>
+                  <c:v>0.70000000000000051</c:v>
                 </c:pt>
                 <c:pt idx="15">
-                  <c:v>0.75000000000000011</c:v>
+                  <c:v>0.75000000000000044</c:v>
                 </c:pt>
                 <c:pt idx="16">
                   <c:v>0.8</c:v>
                 </c:pt>
                 <c:pt idx="17">
-                  <c:v>0.8500000000000002</c:v>
+                  <c:v>0.85000000000000053</c:v>
                 </c:pt>
                 <c:pt idx="18">
                   <c:v>0.9</c:v>
                 </c:pt>
                 <c:pt idx="19">
-                  <c:v>0.95000000000000018</c:v>
+                  <c:v>0.95000000000000051</c:v>
                 </c:pt>
                 <c:pt idx="20">
                   <c:v>1</c:v>
@@ -1350,13 +1351,13 @@
                   <c:v>37.14</c:v>
                 </c:pt>
                 <c:pt idx="2">
-                  <c:v>40.660000000000004</c:v>
+                  <c:v>40.660000000000011</c:v>
                 </c:pt>
                 <c:pt idx="3">
-                  <c:v>36.379999999999995</c:v>
+                  <c:v>36.380000000000003</c:v>
                 </c:pt>
                 <c:pt idx="4">
-                  <c:v>35.260000000000005</c:v>
+                  <c:v>35.260000000000012</c:v>
                 </c:pt>
                 <c:pt idx="5">
                   <c:v>33.36</c:v>
@@ -1365,7 +1366,7 @@
                   <c:v>35.1</c:v>
                 </c:pt>
                 <c:pt idx="7">
-                  <c:v>27.779999999999998</c:v>
+                  <c:v>27.779999999999987</c:v>
                 </c:pt>
                 <c:pt idx="8">
                   <c:v>29.38</c:v>
@@ -1411,11 +1412,11 @@
           </c:yVal>
           <c:smooth val="1"/>
         </c:ser>
-        <c:axId val="65307008"/>
-        <c:axId val="65308928"/>
+        <c:axId val="63287296"/>
+        <c:axId val="63289216"/>
       </c:scatterChart>
       <c:valAx>
-        <c:axId val="65307008"/>
+        <c:axId val="63287296"/>
         <c:scaling>
           <c:orientation val="minMax"/>
         </c:scaling>
@@ -1429,7 +1430,7 @@
               <a:lstStyle/>
               <a:p>
                 <a:pPr>
-                  <a:defRPr/>
+                  <a:defRPr lang="en-IN"/>
                 </a:pPr>
                 <a:r>
                   <a:rPr lang="en-US"/>
@@ -1447,12 +1448,22 @@
         </c:title>
         <c:numFmt formatCode="General" sourceLinked="1"/>
         <c:tickLblPos val="nextTo"/>
-        <c:crossAx val="65308928"/>
+        <c:txPr>
+          <a:bodyPr/>
+          <a:lstStyle/>
+          <a:p>
+            <a:pPr>
+              <a:defRPr lang="en-IN"/>
+            </a:pPr>
+            <a:endParaRPr lang="en-US"/>
+          </a:p>
+        </c:txPr>
+        <c:crossAx val="63289216"/>
         <c:crosses val="autoZero"/>
         <c:crossBetween val="midCat"/>
       </c:valAx>
       <c:valAx>
-        <c:axId val="65308928"/>
+        <c:axId val="63289216"/>
         <c:scaling>
           <c:orientation val="minMax"/>
         </c:scaling>
@@ -1466,7 +1477,7 @@
               <a:lstStyle/>
               <a:p>
                 <a:pPr>
-                  <a:defRPr/>
+                  <a:defRPr lang="en-IN"/>
                 </a:pPr>
                 <a:r>
                   <a:rPr lang="en-US"/>
@@ -1479,7 +1490,17 @@
         </c:title>
         <c:numFmt formatCode="General" sourceLinked="1"/>
         <c:tickLblPos val="nextTo"/>
-        <c:crossAx val="65307008"/>
+        <c:txPr>
+          <a:bodyPr/>
+          <a:lstStyle/>
+          <a:p>
+            <a:pPr>
+              <a:defRPr lang="en-IN"/>
+            </a:pPr>
+            <a:endParaRPr lang="en-US"/>
+          </a:p>
+        </c:txPr>
+        <c:crossAx val="63287296"/>
         <c:crosses val="autoZero"/>
         <c:crossBetween val="midCat"/>
       </c:valAx>
@@ -1487,6 +1508,16 @@
     <c:legend>
       <c:legendPos val="r"/>
       <c:layout/>
+      <c:txPr>
+        <a:bodyPr/>
+        <a:lstStyle/>
+        <a:p>
+          <a:pPr>
+            <a:defRPr lang="en-IN"/>
+          </a:pPr>
+          <a:endParaRPr lang="en-US"/>
+        </a:p>
+      </c:txPr>
     </c:legend>
     <c:plotVisOnly val="1"/>
   </c:chart>
@@ -1506,7 +1537,7 @@
           <a:lstStyle/>
           <a:p>
             <a:pPr>
-              <a:defRPr/>
+              <a:defRPr lang="en-IN"/>
             </a:pPr>
             <a:r>
               <a:rPr lang="en-US"/>
@@ -1523,10 +1554,10 @@
           <c:layoutTarget val="inner"/>
           <c:xMode val="edge"/>
           <c:yMode val="edge"/>
-          <c:x val="0.10866907261592304"/>
-          <c:y val="0.12147007874015751"/>
+          <c:x val="0.10866907261592308"/>
+          <c:y val="0.12147007874015756"/>
           <c:w val="0.74166426071741032"/>
-          <c:h val="0.73887296587926499"/>
+          <c:h val="0.73887296587926465"/>
         </c:manualLayout>
       </c:layout>
       <c:scatterChart>
@@ -1559,31 +1590,31 @@
                     <c:v>49.096900105811159</c:v>
                   </c:pt>
                   <c:pt idx="1">
-                    <c:v>65.355336430929611</c:v>
+                    <c:v>65.355336430929526</c:v>
                   </c:pt>
                   <c:pt idx="2">
-                    <c:v>59.327754044797615</c:v>
+                    <c:v>59.327754044797594</c:v>
                   </c:pt>
                   <c:pt idx="3">
-                    <c:v>62.880508903793071</c:v>
+                    <c:v>62.88050890379305</c:v>
                   </c:pt>
                   <c:pt idx="4">
                     <c:v>70.788993494751708</c:v>
                   </c:pt>
                   <c:pt idx="5">
-                    <c:v>67.947320771315219</c:v>
+                    <c:v>67.947320771315319</c:v>
                   </c:pt>
                   <c:pt idx="6">
-                    <c:v>65.771775101482518</c:v>
+                    <c:v>65.771775101482447</c:v>
                   </c:pt>
                   <c:pt idx="7">
-                    <c:v>63.016493079193147</c:v>
+                    <c:v>63.016493079193118</c:v>
                   </c:pt>
                   <c:pt idx="8">
-                    <c:v>61.079702029397616</c:v>
+                    <c:v>61.079702029397595</c:v>
                   </c:pt>
                   <c:pt idx="9">
-                    <c:v>53.414863100077291</c:v>
+                    <c:v>53.41486310007727</c:v>
                   </c:pt>
                   <c:pt idx="10">
                     <c:v>61.284725666351811</c:v>
@@ -1595,7 +1626,7 @@
                     <c:v>64.269510656297996</c:v>
                   </c:pt>
                   <c:pt idx="13">
-                    <c:v>58.912219445544565</c:v>
+                    <c:v>58.912219445544544</c:v>
                   </c:pt>
                   <c:pt idx="14">
                     <c:v>50.939948959534703</c:v>
@@ -1604,16 +1635,16 @@
                     <c:v>66.979985070168539</c:v>
                   </c:pt>
                   <c:pt idx="16">
-                    <c:v>52.316960920909779</c:v>
+                    <c:v>52.3169609209098</c:v>
                   </c:pt>
                   <c:pt idx="17">
-                    <c:v>51.778377726614806</c:v>
+                    <c:v>51.778377726614828</c:v>
                   </c:pt>
                   <c:pt idx="18">
-                    <c:v>48.580094689080205</c:v>
+                    <c:v>48.580094689080184</c:v>
                   </c:pt>
                   <c:pt idx="19">
-                    <c:v>47.49663145950457</c:v>
+                    <c:v>47.496631459504542</c:v>
                   </c:pt>
                   <c:pt idx="20">
                     <c:v>66.121793684079691</c:v>
@@ -1631,31 +1662,31 @@
                     <c:v>49.096900105811159</c:v>
                   </c:pt>
                   <c:pt idx="1">
-                    <c:v>65.355336430929611</c:v>
+                    <c:v>65.355336430929526</c:v>
                   </c:pt>
                   <c:pt idx="2">
-                    <c:v>59.327754044797615</c:v>
+                    <c:v>59.327754044797594</c:v>
                   </c:pt>
                   <c:pt idx="3">
-                    <c:v>62.880508903793071</c:v>
+                    <c:v>62.88050890379305</c:v>
                   </c:pt>
                   <c:pt idx="4">
                     <c:v>70.788993494751708</c:v>
                   </c:pt>
                   <c:pt idx="5">
-                    <c:v>67.947320771315219</c:v>
+                    <c:v>67.947320771315319</c:v>
                   </c:pt>
                   <c:pt idx="6">
-                    <c:v>65.771775101482518</c:v>
+                    <c:v>65.771775101482447</c:v>
                   </c:pt>
                   <c:pt idx="7">
-                    <c:v>63.016493079193147</c:v>
+                    <c:v>63.016493079193118</c:v>
                   </c:pt>
                   <c:pt idx="8">
-                    <c:v>61.079702029397616</c:v>
+                    <c:v>61.079702029397595</c:v>
                   </c:pt>
                   <c:pt idx="9">
-                    <c:v>53.414863100077291</c:v>
+                    <c:v>53.41486310007727</c:v>
                   </c:pt>
                   <c:pt idx="10">
                     <c:v>61.284725666351811</c:v>
@@ -1667,7 +1698,7 @@
                     <c:v>64.269510656297996</c:v>
                   </c:pt>
                   <c:pt idx="13">
-                    <c:v>58.912219445544565</c:v>
+                    <c:v>58.912219445544544</c:v>
                   </c:pt>
                   <c:pt idx="14">
                     <c:v>50.939948959534703</c:v>
@@ -1676,16 +1707,16 @@
                     <c:v>66.979985070168539</c:v>
                   </c:pt>
                   <c:pt idx="16">
-                    <c:v>52.316960920909779</c:v>
+                    <c:v>52.3169609209098</c:v>
                   </c:pt>
                   <c:pt idx="17">
-                    <c:v>51.778377726614806</c:v>
+                    <c:v>51.778377726614828</c:v>
                   </c:pt>
                   <c:pt idx="18">
-                    <c:v>48.580094689080205</c:v>
+                    <c:v>48.580094689080184</c:v>
                   </c:pt>
                   <c:pt idx="19">
-                    <c:v>47.49663145950457</c:v>
+                    <c:v>47.496631459504542</c:v>
                   </c:pt>
                   <c:pt idx="20">
                     <c:v>66.121793684079691</c:v>
@@ -1710,7 +1741,7 @@
                   <c:v>0.1</c:v>
                 </c:pt>
                 <c:pt idx="3">
-                  <c:v>0.15000000000000002</c:v>
+                  <c:v>0.15000000000000011</c:v>
                 </c:pt>
                 <c:pt idx="4">
                   <c:v>0.2</c:v>
@@ -1719,10 +1750,10 @@
                   <c:v>0.25</c:v>
                 </c:pt>
                 <c:pt idx="6">
-                  <c:v>0.30000000000000004</c:v>
+                  <c:v>0.30000000000000021</c:v>
                 </c:pt>
                 <c:pt idx="7">
-                  <c:v>0.35000000000000003</c:v>
+                  <c:v>0.3500000000000002</c:v>
                 </c:pt>
                 <c:pt idx="8">
                   <c:v>0.4</c:v>
@@ -1737,28 +1768,28 @@
                   <c:v>0.55000000000000004</c:v>
                 </c:pt>
                 <c:pt idx="12">
-                  <c:v>0.6000000000000002</c:v>
+                  <c:v>0.60000000000000053</c:v>
                 </c:pt>
                 <c:pt idx="13">
-                  <c:v>0.65000000000000013</c:v>
+                  <c:v>0.65000000000000058</c:v>
                 </c:pt>
                 <c:pt idx="14">
-                  <c:v>0.70000000000000018</c:v>
+                  <c:v>0.70000000000000051</c:v>
                 </c:pt>
                 <c:pt idx="15">
-                  <c:v>0.75000000000000011</c:v>
+                  <c:v>0.75000000000000044</c:v>
                 </c:pt>
                 <c:pt idx="16">
                   <c:v>0.8</c:v>
                 </c:pt>
                 <c:pt idx="17">
-                  <c:v>0.8500000000000002</c:v>
+                  <c:v>0.85000000000000053</c:v>
                 </c:pt>
                 <c:pt idx="18">
                   <c:v>0.9</c:v>
                 </c:pt>
                 <c:pt idx="19">
-                  <c:v>0.95000000000000018</c:v>
+                  <c:v>0.95000000000000051</c:v>
                 </c:pt>
                 <c:pt idx="20">
                   <c:v>1</c:v>
@@ -1773,7 +1804,7 @@
                 <c:formatCode>General</c:formatCode>
                 <c:ptCount val="21"/>
                 <c:pt idx="0">
-                  <c:v>46.120000000000005</c:v>
+                  <c:v>46.120000000000012</c:v>
                 </c:pt>
                 <c:pt idx="1">
                   <c:v>61</c:v>
@@ -1791,7 +1822,7 @@
                   <c:v>63.04</c:v>
                 </c:pt>
                 <c:pt idx="6">
-                  <c:v>66.440000000000012</c:v>
+                  <c:v>66.440000000000026</c:v>
                 </c:pt>
                 <c:pt idx="7">
                   <c:v>64.040000000000006</c:v>
@@ -1821,13 +1852,13 @@
                   <c:v>79.040000000000006</c:v>
                 </c:pt>
                 <c:pt idx="16">
-                  <c:v>61.339999999999996</c:v>
+                  <c:v>61.34</c:v>
                 </c:pt>
                 <c:pt idx="17">
                   <c:v>54.86</c:v>
                 </c:pt>
                 <c:pt idx="18">
-                  <c:v>57.879999999999995</c:v>
+                  <c:v>57.88</c:v>
                 </c:pt>
                 <c:pt idx="19">
                   <c:v>49.7</c:v>
@@ -1868,16 +1899,16 @@
                     <c:v>63.627038277763646</c:v>
                   </c:pt>
                   <c:pt idx="1">
-                    <c:v>56.981386434519116</c:v>
+                    <c:v>56.981386434519095</c:v>
                   </c:pt>
                   <c:pt idx="2">
-                    <c:v>53.45004770811714</c:v>
+                    <c:v>53.450047708117104</c:v>
                   </c:pt>
                   <c:pt idx="3">
-                    <c:v>68.186711315328864</c:v>
+                    <c:v>68.186711315328779</c:v>
                   </c:pt>
                   <c:pt idx="4">
-                    <c:v>67.388797288570146</c:v>
+                    <c:v>67.388797288570103</c:v>
                   </c:pt>
                   <c:pt idx="5">
                     <c:v>58.309464068879926</c:v>
@@ -1892,25 +1923,25 @@
                     <c:v>59.890530136241082</c:v>
                   </c:pt>
                   <c:pt idx="9">
-                    <c:v>52.777271623303903</c:v>
+                    <c:v>52.777271623303896</c:v>
                   </c:pt>
                   <c:pt idx="10">
-                    <c:v>67.508189132874818</c:v>
+                    <c:v>67.508189132874747</c:v>
                   </c:pt>
                   <c:pt idx="11">
-                    <c:v>62.057341225676097</c:v>
+                    <c:v>62.057341225676069</c:v>
                   </c:pt>
                   <c:pt idx="12">
                     <c:v>63.602732645696918</c:v>
                   </c:pt>
                   <c:pt idx="13">
-                    <c:v>57.453288852771514</c:v>
+                    <c:v>57.453288852771493</c:v>
                   </c:pt>
                   <c:pt idx="14">
-                    <c:v>62.973962873555934</c:v>
+                    <c:v>62.973962873555955</c:v>
                   </c:pt>
                   <c:pt idx="15">
-                    <c:v>63.058068476603353</c:v>
+                    <c:v>63.058068476603317</c:v>
                   </c:pt>
                   <c:pt idx="16">
                     <c:v>52.148035437588639</c:v>
@@ -1922,10 +1953,10 @@
                     <c:v>61.504393339012793</c:v>
                   </c:pt>
                   <c:pt idx="19">
-                    <c:v>45.648837882250611</c:v>
+                    <c:v>45.648837882250604</c:v>
                   </c:pt>
                   <c:pt idx="20">
-                    <c:v>60.325039577276691</c:v>
+                    <c:v>60.325039577276669</c:v>
                   </c:pt>
                 </c:numCache>
               </c:numRef>
@@ -1940,16 +1971,16 @@
                     <c:v>63.627038277763646</c:v>
                   </c:pt>
                   <c:pt idx="1">
-                    <c:v>56.981386434519116</c:v>
+                    <c:v>56.981386434519095</c:v>
                   </c:pt>
                   <c:pt idx="2">
-                    <c:v>53.45004770811714</c:v>
+                    <c:v>53.450047708117104</c:v>
                   </c:pt>
                   <c:pt idx="3">
-                    <c:v>68.186711315328864</c:v>
+                    <c:v>68.186711315328779</c:v>
                   </c:pt>
                   <c:pt idx="4">
-                    <c:v>67.388797288570146</c:v>
+                    <c:v>67.388797288570103</c:v>
                   </c:pt>
                   <c:pt idx="5">
                     <c:v>58.309464068879926</c:v>
@@ -1964,25 +1995,25 @@
                     <c:v>59.890530136241082</c:v>
                   </c:pt>
                   <c:pt idx="9">
-                    <c:v>52.777271623303903</c:v>
+                    <c:v>52.777271623303896</c:v>
                   </c:pt>
                   <c:pt idx="10">
-                    <c:v>67.508189132874818</c:v>
+                    <c:v>67.508189132874747</c:v>
                   </c:pt>
                   <c:pt idx="11">
-                    <c:v>62.057341225676097</c:v>
+                    <c:v>62.057341225676069</c:v>
                   </c:pt>
                   <c:pt idx="12">
                     <c:v>63.602732645696918</c:v>
                   </c:pt>
                   <c:pt idx="13">
-                    <c:v>57.453288852771514</c:v>
+                    <c:v>57.453288852771493</c:v>
                   </c:pt>
                   <c:pt idx="14">
-                    <c:v>62.973962873555934</c:v>
+                    <c:v>62.973962873555955</c:v>
                   </c:pt>
                   <c:pt idx="15">
-                    <c:v>63.058068476603353</c:v>
+                    <c:v>63.058068476603317</c:v>
                   </c:pt>
                   <c:pt idx="16">
                     <c:v>52.148035437588639</c:v>
@@ -1994,10 +2025,10 @@
                     <c:v>61.504393339012793</c:v>
                   </c:pt>
                   <c:pt idx="19">
-                    <c:v>45.648837882250611</c:v>
+                    <c:v>45.648837882250604</c:v>
                   </c:pt>
                   <c:pt idx="20">
-                    <c:v>60.325039577276691</c:v>
+                    <c:v>60.325039577276669</c:v>
                   </c:pt>
                 </c:numCache>
               </c:numRef>
@@ -2019,7 +2050,7 @@
                   <c:v>0.1</c:v>
                 </c:pt>
                 <c:pt idx="3">
-                  <c:v>0.15000000000000002</c:v>
+                  <c:v>0.15000000000000011</c:v>
                 </c:pt>
                 <c:pt idx="4">
                   <c:v>0.2</c:v>
@@ -2028,10 +2059,10 @@
                   <c:v>0.25</c:v>
                 </c:pt>
                 <c:pt idx="6">
-                  <c:v>0.30000000000000004</c:v>
+                  <c:v>0.30000000000000021</c:v>
                 </c:pt>
                 <c:pt idx="7">
-                  <c:v>0.35000000000000003</c:v>
+                  <c:v>0.3500000000000002</c:v>
                 </c:pt>
                 <c:pt idx="8">
                   <c:v>0.4</c:v>
@@ -2046,28 +2077,28 @@
                   <c:v>0.55000000000000004</c:v>
                 </c:pt>
                 <c:pt idx="12">
-                  <c:v>0.6000000000000002</c:v>
+                  <c:v>0.60000000000000053</c:v>
                 </c:pt>
                 <c:pt idx="13">
-                  <c:v>0.65000000000000013</c:v>
+                  <c:v>0.65000000000000058</c:v>
                 </c:pt>
                 <c:pt idx="14">
-                  <c:v>0.70000000000000018</c:v>
+                  <c:v>0.70000000000000051</c:v>
                 </c:pt>
                 <c:pt idx="15">
-                  <c:v>0.75000000000000011</c:v>
+                  <c:v>0.75000000000000044</c:v>
                 </c:pt>
                 <c:pt idx="16">
                   <c:v>0.8</c:v>
                 </c:pt>
                 <c:pt idx="17">
-                  <c:v>0.8500000000000002</c:v>
+                  <c:v>0.85000000000000053</c:v>
                 </c:pt>
                 <c:pt idx="18">
                   <c:v>0.9</c:v>
                 </c:pt>
                 <c:pt idx="19">
-                  <c:v>0.95000000000000018</c:v>
+                  <c:v>0.95000000000000051</c:v>
                 </c:pt>
                 <c:pt idx="20">
                   <c:v>1</c:v>
@@ -2106,13 +2137,13 @@
                   <c:v>60.02</c:v>
                 </c:pt>
                 <c:pt idx="8">
-                  <c:v>62.379999999999995</c:v>
+                  <c:v>62.38</c:v>
                 </c:pt>
                 <c:pt idx="9">
                   <c:v>51.86</c:v>
                 </c:pt>
                 <c:pt idx="10">
-                  <c:v>62.379999999999995</c:v>
+                  <c:v>62.38</c:v>
                 </c:pt>
                 <c:pt idx="11">
                   <c:v>59.92</c:v>
@@ -2177,10 +2208,10 @@
                     <c:v>67.440370698862566</c:v>
                   </c:pt>
                   <c:pt idx="1">
-                    <c:v>58.266371090020719</c:v>
+                    <c:v>58.266371090020755</c:v>
                   </c:pt>
                   <c:pt idx="2">
-                    <c:v>60.081611163483274</c:v>
+                    <c:v>60.081611163483238</c:v>
                   </c:pt>
                   <c:pt idx="3">
                     <c:v>58.652413420080173</c:v>
@@ -2204,13 +2235,13 @@
                     <c:v>76.249527211648996</c:v>
                   </c:pt>
                   <c:pt idx="10">
-                    <c:v>64.864400097434014</c:v>
+                    <c:v>64.864400097433972</c:v>
                   </c:pt>
                   <c:pt idx="11">
-                    <c:v>65.770878054044545</c:v>
+                    <c:v>65.770878054044474</c:v>
                   </c:pt>
                   <c:pt idx="12">
-                    <c:v>67.043377003250654</c:v>
+                    <c:v>67.043377003250598</c:v>
                   </c:pt>
                   <c:pt idx="13">
                     <c:v>61.907983330100492</c:v>
@@ -2219,10 +2250,10 @@
                     <c:v>65.821346081647405</c:v>
                   </c:pt>
                   <c:pt idx="15">
-                    <c:v>62.092643686671934</c:v>
+                    <c:v>62.092643686671956</c:v>
                   </c:pt>
                   <c:pt idx="16">
-                    <c:v>62.478873229276466</c:v>
+                    <c:v>62.478873229276445</c:v>
                   </c:pt>
                   <c:pt idx="17">
                     <c:v>59.674788646462758</c:v>
@@ -2234,7 +2265,7 @@
                     <c:v>63.304900284259197</c:v>
                   </c:pt>
                   <c:pt idx="20">
-                    <c:v>28.675536612241448</c:v>
+                    <c:v>28.675536612241437</c:v>
                   </c:pt>
                 </c:numCache>
               </c:numRef>
@@ -2249,10 +2280,10 @@
                     <c:v>67.440370698862566</c:v>
                   </c:pt>
                   <c:pt idx="1">
-                    <c:v>58.266371090020719</c:v>
+                    <c:v>58.266371090020755</c:v>
                   </c:pt>
                   <c:pt idx="2">
-                    <c:v>60.081611163483274</c:v>
+                    <c:v>60.081611163483238</c:v>
                   </c:pt>
                   <c:pt idx="3">
                     <c:v>58.652413420080173</c:v>
@@ -2276,13 +2307,13 @@
                     <c:v>76.249527211648996</c:v>
                   </c:pt>
                   <c:pt idx="10">
-                    <c:v>64.864400097434014</c:v>
+                    <c:v>64.864400097433972</c:v>
                   </c:pt>
                   <c:pt idx="11">
-                    <c:v>65.770878054044545</c:v>
+                    <c:v>65.770878054044474</c:v>
                   </c:pt>
                   <c:pt idx="12">
-                    <c:v>67.043377003250654</c:v>
+                    <c:v>67.043377003250598</c:v>
                   </c:pt>
                   <c:pt idx="13">
                     <c:v>61.907983330100492</c:v>
@@ -2291,10 +2322,10 @@
                     <c:v>65.821346081647405</c:v>
                   </c:pt>
                   <c:pt idx="15">
-                    <c:v>62.092643686671934</c:v>
+                    <c:v>62.092643686671956</c:v>
                   </c:pt>
                   <c:pt idx="16">
-                    <c:v>62.478873229276466</c:v>
+                    <c:v>62.478873229276445</c:v>
                   </c:pt>
                   <c:pt idx="17">
                     <c:v>59.674788646462758</c:v>
@@ -2306,7 +2337,7 @@
                     <c:v>63.304900284259197</c:v>
                   </c:pt>
                   <c:pt idx="20">
-                    <c:v>28.675536612241448</c:v>
+                    <c:v>28.675536612241437</c:v>
                   </c:pt>
                 </c:numCache>
               </c:numRef>
@@ -2328,7 +2359,7 @@
                   <c:v>0.1</c:v>
                 </c:pt>
                 <c:pt idx="3">
-                  <c:v>0.15000000000000002</c:v>
+                  <c:v>0.15000000000000011</c:v>
                 </c:pt>
                 <c:pt idx="4">
                   <c:v>0.2</c:v>
@@ -2337,10 +2368,10 @@
                   <c:v>0.25</c:v>
                 </c:pt>
                 <c:pt idx="6">
-                  <c:v>0.30000000000000004</c:v>
+                  <c:v>0.30000000000000021</c:v>
                 </c:pt>
                 <c:pt idx="7">
-                  <c:v>0.35000000000000003</c:v>
+                  <c:v>0.3500000000000002</c:v>
                 </c:pt>
                 <c:pt idx="8">
                   <c:v>0.4</c:v>
@@ -2355,28 +2386,28 @@
                   <c:v>0.55000000000000004</c:v>
                 </c:pt>
                 <c:pt idx="12">
-                  <c:v>0.6000000000000002</c:v>
+                  <c:v>0.60000000000000053</c:v>
                 </c:pt>
                 <c:pt idx="13">
-                  <c:v>0.65000000000000013</c:v>
+                  <c:v>0.65000000000000058</c:v>
                 </c:pt>
                 <c:pt idx="14">
-                  <c:v>0.70000000000000018</c:v>
+                  <c:v>0.70000000000000051</c:v>
                 </c:pt>
                 <c:pt idx="15">
-                  <c:v>0.75000000000000011</c:v>
+                  <c:v>0.75000000000000044</c:v>
                 </c:pt>
                 <c:pt idx="16">
                   <c:v>0.8</c:v>
                 </c:pt>
                 <c:pt idx="17">
-                  <c:v>0.8500000000000002</c:v>
+                  <c:v>0.85000000000000053</c:v>
                 </c:pt>
                 <c:pt idx="18">
                   <c:v>0.9</c:v>
                 </c:pt>
                 <c:pt idx="19">
-                  <c:v>0.95000000000000018</c:v>
+                  <c:v>0.95000000000000051</c:v>
                 </c:pt>
                 <c:pt idx="20">
                   <c:v>1</c:v>
@@ -2400,7 +2431,7 @@
                   <c:v>52.8</c:v>
                 </c:pt>
                 <c:pt idx="3">
-                  <c:v>57.879999999999995</c:v>
+                  <c:v>57.88</c:v>
                 </c:pt>
                 <c:pt idx="4">
                   <c:v>56.68</c:v>
@@ -2427,7 +2458,7 @@
                   <c:v>54.54</c:v>
                 </c:pt>
                 <c:pt idx="12">
-                  <c:v>63.839999999999996</c:v>
+                  <c:v>63.84</c:v>
                 </c:pt>
                 <c:pt idx="13">
                   <c:v>54.04</c:v>
@@ -2483,19 +2514,19 @@
                   <c:formatCode>General</c:formatCode>
                   <c:ptCount val="21"/>
                   <c:pt idx="0">
-                    <c:v>69.286293016728763</c:v>
+                    <c:v>69.286293016728749</c:v>
                   </c:pt>
                   <c:pt idx="1">
-                    <c:v>66.81526771629369</c:v>
+                    <c:v>66.815267716293647</c:v>
                   </c:pt>
                   <c:pt idx="2">
-                    <c:v>60.131841814466299</c:v>
+                    <c:v>60.131841814466277</c:v>
                   </c:pt>
                   <c:pt idx="3">
-                    <c:v>73.396228785953312</c:v>
+                    <c:v>73.396228785953326</c:v>
                   </c:pt>
                   <c:pt idx="4">
-                    <c:v>68.878806609870921</c:v>
+                    <c:v>68.878806609870878</c:v>
                   </c:pt>
                   <c:pt idx="5">
                     <c:v>62.794381914308232</c:v>
@@ -2507,7 +2538,7 @@
                     <c:v>59.905512267236304</c:v>
                   </c:pt>
                   <c:pt idx="8">
-                    <c:v>61.03417075704396</c:v>
+                    <c:v>61.034170757043945</c:v>
                   </c:pt>
                   <c:pt idx="9">
                     <c:v>70.569401301130512</c:v>
@@ -2522,10 +2553,10 @@
                     <c:v>70.971588681668962</c:v>
                   </c:pt>
                   <c:pt idx="13">
-                    <c:v>60.231832115584879</c:v>
+                    <c:v>60.231832115584901</c:v>
                   </c:pt>
                   <c:pt idx="14">
-                    <c:v>63.172908750507929</c:v>
+                    <c:v>63.172908750507951</c:v>
                   </c:pt>
                   <c:pt idx="15">
                     <c:v>65.805680605856509</c:v>
@@ -2534,16 +2565,16 @@
                     <c:v>72.827360243249245</c:v>
                   </c:pt>
                   <c:pt idx="17">
-                    <c:v>59.939666332070956</c:v>
+                    <c:v>59.939666332070978</c:v>
                   </c:pt>
                   <c:pt idx="18">
                     <c:v>63.069869192824555</c:v>
                   </c:pt>
                   <c:pt idx="19">
-                    <c:v>56.316494919339554</c:v>
+                    <c:v>56.316494919339533</c:v>
                   </c:pt>
                   <c:pt idx="20">
-                    <c:v>37.087685287707004</c:v>
+                    <c:v>37.087685287706975</c:v>
                   </c:pt>
                 </c:numCache>
               </c:numRef>
@@ -2555,19 +2586,19 @@
                   <c:formatCode>General</c:formatCode>
                   <c:ptCount val="21"/>
                   <c:pt idx="0">
-                    <c:v>69.286293016728763</c:v>
+                    <c:v>69.286293016728749</c:v>
                   </c:pt>
                   <c:pt idx="1">
-                    <c:v>66.81526771629369</c:v>
+                    <c:v>66.815267716293647</c:v>
                   </c:pt>
                   <c:pt idx="2">
-                    <c:v>60.131841814466299</c:v>
+                    <c:v>60.131841814466277</c:v>
                   </c:pt>
                   <c:pt idx="3">
-                    <c:v>73.396228785953312</c:v>
+                    <c:v>73.396228785953326</c:v>
                   </c:pt>
                   <c:pt idx="4">
-                    <c:v>68.878806609870921</c:v>
+                    <c:v>68.878806609870878</c:v>
                   </c:pt>
                   <c:pt idx="5">
                     <c:v>62.794381914308232</c:v>
@@ -2579,7 +2610,7 @@
                     <c:v>59.905512267236304</c:v>
                   </c:pt>
                   <c:pt idx="8">
-                    <c:v>61.03417075704396</c:v>
+                    <c:v>61.034170757043945</c:v>
                   </c:pt>
                   <c:pt idx="9">
                     <c:v>70.569401301130512</c:v>
@@ -2594,10 +2625,10 @@
                     <c:v>70.971588681668962</c:v>
                   </c:pt>
                   <c:pt idx="13">
-                    <c:v>60.231832115584879</c:v>
+                    <c:v>60.231832115584901</c:v>
                   </c:pt>
                   <c:pt idx="14">
-                    <c:v>63.172908750507929</c:v>
+                    <c:v>63.172908750507951</c:v>
                   </c:pt>
                   <c:pt idx="15">
                     <c:v>65.805680605856509</c:v>
@@ -2606,16 +2637,16 @@
                     <c:v>72.827360243249245</c:v>
                   </c:pt>
                   <c:pt idx="17">
-                    <c:v>59.939666332070956</c:v>
+                    <c:v>59.939666332070978</c:v>
                   </c:pt>
                   <c:pt idx="18">
                     <c:v>63.069869192824555</c:v>
                   </c:pt>
                   <c:pt idx="19">
-                    <c:v>56.316494919339554</c:v>
+                    <c:v>56.316494919339533</c:v>
                   </c:pt>
                   <c:pt idx="20">
-                    <c:v>37.087685287707004</c:v>
+                    <c:v>37.087685287706975</c:v>
                   </c:pt>
                 </c:numCache>
               </c:numRef>
@@ -2637,7 +2668,7 @@
                   <c:v>0.1</c:v>
                 </c:pt>
                 <c:pt idx="3">
-                  <c:v>0.15000000000000002</c:v>
+                  <c:v>0.15000000000000011</c:v>
                 </c:pt>
                 <c:pt idx="4">
                   <c:v>0.2</c:v>
@@ -2646,10 +2677,10 @@
                   <c:v>0.25</c:v>
                 </c:pt>
                 <c:pt idx="6">
-                  <c:v>0.30000000000000004</c:v>
+                  <c:v>0.30000000000000021</c:v>
                 </c:pt>
                 <c:pt idx="7">
-                  <c:v>0.35000000000000003</c:v>
+                  <c:v>0.3500000000000002</c:v>
                 </c:pt>
                 <c:pt idx="8">
                   <c:v>0.4</c:v>
@@ -2664,28 +2695,28 @@
                   <c:v>0.55000000000000004</c:v>
                 </c:pt>
                 <c:pt idx="12">
-                  <c:v>0.6000000000000002</c:v>
+                  <c:v>0.60000000000000053</c:v>
                 </c:pt>
                 <c:pt idx="13">
-                  <c:v>0.65000000000000013</c:v>
+                  <c:v>0.65000000000000058</c:v>
                 </c:pt>
                 <c:pt idx="14">
-                  <c:v>0.70000000000000018</c:v>
+                  <c:v>0.70000000000000051</c:v>
                 </c:pt>
                 <c:pt idx="15">
-                  <c:v>0.75000000000000011</c:v>
+                  <c:v>0.75000000000000044</c:v>
                 </c:pt>
                 <c:pt idx="16">
                   <c:v>0.8</c:v>
                 </c:pt>
                 <c:pt idx="17">
-                  <c:v>0.8500000000000002</c:v>
+                  <c:v>0.85000000000000053</c:v>
                 </c:pt>
                 <c:pt idx="18">
                   <c:v>0.9</c:v>
                 </c:pt>
                 <c:pt idx="19">
-                  <c:v>0.95000000000000018</c:v>
+                  <c:v>0.95000000000000051</c:v>
                 </c:pt>
                 <c:pt idx="20">
                   <c:v>1</c:v>
@@ -2709,13 +2740,13 @@
                   <c:v>54.96</c:v>
                 </c:pt>
                 <c:pt idx="3">
-                  <c:v>77.440000000000012</c:v>
+                  <c:v>77.440000000000026</c:v>
                 </c:pt>
                 <c:pt idx="4">
                   <c:v>61.9</c:v>
                 </c:pt>
                 <c:pt idx="5">
-                  <c:v>59.839999999999996</c:v>
+                  <c:v>59.84</c:v>
                 </c:pt>
                 <c:pt idx="6">
                   <c:v>58.8</c:v>
@@ -2733,7 +2764,7 @@
                   <c:v>57.74</c:v>
                 </c:pt>
                 <c:pt idx="11">
-                  <c:v>63.720000000000006</c:v>
+                  <c:v>63.720000000000013</c:v>
                 </c:pt>
                 <c:pt idx="12">
                   <c:v>58.44</c:v>
@@ -2748,7 +2779,7 @@
                   <c:v>54.82</c:v>
                 </c:pt>
                 <c:pt idx="16">
-                  <c:v>55.660000000000004</c:v>
+                  <c:v>55.660000000000011</c:v>
                 </c:pt>
                 <c:pt idx="17">
                   <c:v>67.42</c:v>
@@ -2767,11 +2798,11 @@
           </c:yVal>
           <c:smooth val="1"/>
         </c:ser>
-        <c:axId val="64055936"/>
-        <c:axId val="64062208"/>
+        <c:axId val="63400192"/>
+        <c:axId val="63414656"/>
       </c:scatterChart>
       <c:valAx>
-        <c:axId val="64055936"/>
+        <c:axId val="63400192"/>
         <c:scaling>
           <c:orientation val="minMax"/>
           <c:max val="1.2"/>
@@ -2787,7 +2818,7 @@
               <a:lstStyle/>
               <a:p>
                 <a:pPr>
-                  <a:defRPr/>
+                  <a:defRPr lang="en-IN"/>
                 </a:pPr>
                 <a:r>
                   <a:rPr lang="en-US"/>
@@ -2800,19 +2831,29 @@
             <c:manualLayout>
               <c:xMode val="edge"/>
               <c:yMode val="edge"/>
-              <c:x val="0.42388320209973757"/>
-              <c:y val="0.90312493438320218"/>
+              <c:x val="0.42388320209973773"/>
+              <c:y val="0.90312493438320252"/>
             </c:manualLayout>
           </c:layout>
         </c:title>
         <c:numFmt formatCode="General" sourceLinked="1"/>
         <c:tickLblPos val="nextTo"/>
-        <c:crossAx val="64062208"/>
+        <c:txPr>
+          <a:bodyPr/>
+          <a:lstStyle/>
+          <a:p>
+            <a:pPr>
+              <a:defRPr lang="en-IN"/>
+            </a:pPr>
+            <a:endParaRPr lang="en-US"/>
+          </a:p>
+        </c:txPr>
+        <c:crossAx val="63414656"/>
         <c:crosses val="autoZero"/>
         <c:crossBetween val="midCat"/>
       </c:valAx>
       <c:valAx>
-        <c:axId val="64062208"/>
+        <c:axId val="63414656"/>
         <c:scaling>
           <c:orientation val="minMax"/>
         </c:scaling>
@@ -2826,7 +2867,7 @@
               <a:lstStyle/>
               <a:p>
                 <a:pPr>
-                  <a:defRPr/>
+                  <a:defRPr lang="en-IN"/>
                 </a:pPr>
                 <a:r>
                   <a:rPr lang="en-US"/>
@@ -2839,14 +2880,24 @@
             <c:manualLayout>
               <c:xMode val="edge"/>
               <c:yMode val="edge"/>
-              <c:x val="3.9653980752405955E-2"/>
-              <c:y val="0.38466482939632551"/>
+              <c:x val="3.9653980752405976E-2"/>
+              <c:y val="0.38466482939632568"/>
             </c:manualLayout>
           </c:layout>
         </c:title>
         <c:numFmt formatCode="General" sourceLinked="1"/>
         <c:tickLblPos val="nextTo"/>
-        <c:crossAx val="64055936"/>
+        <c:txPr>
+          <a:bodyPr/>
+          <a:lstStyle/>
+          <a:p>
+            <a:pPr>
+              <a:defRPr lang="en-IN"/>
+            </a:pPr>
+            <a:endParaRPr lang="en-US"/>
+          </a:p>
+        </c:txPr>
+        <c:crossAx val="63400192"/>
         <c:crosses val="autoZero"/>
         <c:crossBetween val="midCat"/>
       </c:valAx>
@@ -2854,6 +2905,16 @@
     <c:legend>
       <c:legendPos val="r"/>
       <c:layout/>
+      <c:txPr>
+        <a:bodyPr/>
+        <a:lstStyle/>
+        <a:p>
+          <a:pPr>
+            <a:defRPr lang="en-IN"/>
+          </a:pPr>
+          <a:endParaRPr lang="en-US"/>
+        </a:p>
+      </c:txPr>
     </c:legend>
     <c:plotVisOnly val="1"/>
   </c:chart>
@@ -2873,7 +2934,7 @@
           <a:lstStyle/>
           <a:p>
             <a:pPr>
-              <a:defRPr/>
+              <a:defRPr lang="en-IN"/>
             </a:pPr>
             <a:r>
               <a:rPr lang="en-US"/>
@@ -2895,10 +2956,10 @@
           <c:layoutTarget val="inner"/>
           <c:xMode val="edge"/>
           <c:yMode val="edge"/>
-          <c:x val="9.9970581802274708E-2"/>
-          <c:y val="0.14147034120734911"/>
-          <c:w val="0.757727799650044"/>
-          <c:h val="0.73942834645669298"/>
+          <c:x val="9.9970581802274694E-2"/>
+          <c:y val="0.14147034120734922"/>
+          <c:w val="0.75772779965004433"/>
+          <c:h val="0.73942834645669331"/>
         </c:manualLayout>
       </c:layout>
       <c:scatterChart>
@@ -2931,19 +2992,19 @@
                     <c:v>61.034953919864627</c:v>
                   </c:pt>
                   <c:pt idx="1">
-                    <c:v>58.084521173889343</c:v>
+                    <c:v>58.084521173889321</c:v>
                   </c:pt>
                   <c:pt idx="2">
-                    <c:v>55.824729287297039</c:v>
+                    <c:v>55.824729287297004</c:v>
                   </c:pt>
                   <c:pt idx="3">
-                    <c:v>61.585611956040502</c:v>
+                    <c:v>61.585611956040495</c:v>
                   </c:pt>
                   <c:pt idx="4">
-                    <c:v>59.471418345285834</c:v>
+                    <c:v>59.471418345285855</c:v>
                   </c:pt>
                   <c:pt idx="5">
-                    <c:v>53.914840257576564</c:v>
+                    <c:v>53.914840257576522</c:v>
                   </c:pt>
                   <c:pt idx="6">
                     <c:v>53.376178207136554</c:v>
@@ -2958,13 +3019,13 @@
                     <c:v>58.057175267145055</c:v>
                   </c:pt>
                   <c:pt idx="10">
-                    <c:v>57.831133483617613</c:v>
+                    <c:v>57.831133483617563</c:v>
                   </c:pt>
                   <c:pt idx="11">
                     <c:v>55.616903905197738</c:v>
                   </c:pt>
                   <c:pt idx="12">
-                    <c:v>65.572750437967741</c:v>
+                    <c:v>65.572750437967684</c:v>
                   </c:pt>
                   <c:pt idx="13">
                     <c:v>63.120269327689023</c:v>
@@ -2973,22 +3034,22 @@
                     <c:v>62.893462299351917</c:v>
                   </c:pt>
                   <c:pt idx="15">
-                    <c:v>55.450157799595111</c:v>
+                    <c:v>55.450157799595104</c:v>
                   </c:pt>
                   <c:pt idx="16">
-                    <c:v>54.426522946078421</c:v>
+                    <c:v>54.426522946078464</c:v>
                   </c:pt>
                   <c:pt idx="17">
                     <c:v>56.138617724343739</c:v>
                   </c:pt>
                   <c:pt idx="18">
-                    <c:v>54.108369038439889</c:v>
+                    <c:v>54.108369038439918</c:v>
                   </c:pt>
                   <c:pt idx="19">
-                    <c:v>58.340809044784415</c:v>
+                    <c:v>58.340809044784393</c:v>
                   </c:pt>
                   <c:pt idx="20">
-                    <c:v>54.991693918263685</c:v>
+                    <c:v>54.991693918263664</c:v>
                   </c:pt>
                 </c:numCache>
               </c:numRef>
@@ -3003,19 +3064,19 @@
                     <c:v>61.034953919864627</c:v>
                   </c:pt>
                   <c:pt idx="1">
-                    <c:v>58.084521173889343</c:v>
+                    <c:v>58.084521173889321</c:v>
                   </c:pt>
                   <c:pt idx="2">
-                    <c:v>55.824729287297039</c:v>
+                    <c:v>55.824729287297004</c:v>
                   </c:pt>
                   <c:pt idx="3">
-                    <c:v>61.585611956040502</c:v>
+                    <c:v>61.585611956040495</c:v>
                   </c:pt>
                   <c:pt idx="4">
-                    <c:v>59.471418345285834</c:v>
+                    <c:v>59.471418345285855</c:v>
                   </c:pt>
                   <c:pt idx="5">
-                    <c:v>53.914840257576564</c:v>
+                    <c:v>53.914840257576522</c:v>
                   </c:pt>
                   <c:pt idx="6">
                     <c:v>53.376178207136554</c:v>
@@ -3030,13 +3091,13 @@
                     <c:v>58.057175267145055</c:v>
                   </c:pt>
                   <c:pt idx="10">
-                    <c:v>57.831133483617613</c:v>
+                    <c:v>57.831133483617563</c:v>
                   </c:pt>
                   <c:pt idx="11">
                     <c:v>55.616903905197738</c:v>
                   </c:pt>
                   <c:pt idx="12">
-                    <c:v>65.572750437967741</c:v>
+                    <c:v>65.572750437967684</c:v>
                   </c:pt>
                   <c:pt idx="13">
                     <c:v>63.120269327689023</c:v>
@@ -3045,22 +3106,22 @@
                     <c:v>62.893462299351917</c:v>
                   </c:pt>
                   <c:pt idx="15">
-                    <c:v>55.450157799595111</c:v>
+                    <c:v>55.450157799595104</c:v>
                   </c:pt>
                   <c:pt idx="16">
-                    <c:v>54.426522946078421</c:v>
+                    <c:v>54.426522946078464</c:v>
                   </c:pt>
                   <c:pt idx="17">
                     <c:v>56.138617724343739</c:v>
                   </c:pt>
                   <c:pt idx="18">
-                    <c:v>54.108369038439889</c:v>
+                    <c:v>54.108369038439918</c:v>
                   </c:pt>
                   <c:pt idx="19">
-                    <c:v>58.340809044784415</c:v>
+                    <c:v>58.340809044784393</c:v>
                   </c:pt>
                   <c:pt idx="20">
-                    <c:v>54.991693918263685</c:v>
+                    <c:v>54.991693918263664</c:v>
                   </c:pt>
                 </c:numCache>
               </c:numRef>
@@ -3082,7 +3143,7 @@
                   <c:v>0.1</c:v>
                 </c:pt>
                 <c:pt idx="3">
-                  <c:v>0.15000000000000002</c:v>
+                  <c:v>0.15000000000000011</c:v>
                 </c:pt>
                 <c:pt idx="4">
                   <c:v>0.2</c:v>
@@ -3091,10 +3152,10 @@
                   <c:v>0.25</c:v>
                 </c:pt>
                 <c:pt idx="6">
-                  <c:v>0.30000000000000004</c:v>
+                  <c:v>0.30000000000000021</c:v>
                 </c:pt>
                 <c:pt idx="7">
-                  <c:v>0.35000000000000003</c:v>
+                  <c:v>0.3500000000000002</c:v>
                 </c:pt>
                 <c:pt idx="8">
                   <c:v>0.4</c:v>
@@ -3109,28 +3170,28 @@
                   <c:v>0.55000000000000004</c:v>
                 </c:pt>
                 <c:pt idx="12">
-                  <c:v>0.6000000000000002</c:v>
+                  <c:v>0.60000000000000053</c:v>
                 </c:pt>
                 <c:pt idx="13">
-                  <c:v>0.65000000000000013</c:v>
+                  <c:v>0.65000000000000058</c:v>
                 </c:pt>
                 <c:pt idx="14">
-                  <c:v>0.70000000000000018</c:v>
+                  <c:v>0.70000000000000051</c:v>
                 </c:pt>
                 <c:pt idx="15">
-                  <c:v>0.75000000000000011</c:v>
+                  <c:v>0.75000000000000044</c:v>
                 </c:pt>
                 <c:pt idx="16">
                   <c:v>0.8</c:v>
                 </c:pt>
                 <c:pt idx="17">
-                  <c:v>0.8500000000000002</c:v>
+                  <c:v>0.85000000000000053</c:v>
                 </c:pt>
                 <c:pt idx="18">
                   <c:v>0.9</c:v>
                 </c:pt>
                 <c:pt idx="19">
-                  <c:v>0.95000000000000018</c:v>
+                  <c:v>0.95000000000000051</c:v>
                 </c:pt>
                 <c:pt idx="20">
                   <c:v>1</c:v>
@@ -3163,7 +3224,7 @@
                   <c:v>112.5</c:v>
                 </c:pt>
                 <c:pt idx="6">
-                  <c:v>118.94000000000001</c:v>
+                  <c:v>118.94000000000005</c:v>
                 </c:pt>
                 <c:pt idx="7">
                   <c:v>112.7</c:v>
@@ -3187,7 +3248,7 @@
                   <c:v>111.54</c:v>
                 </c:pt>
                 <c:pt idx="14">
-                  <c:v>118.17999999999999</c:v>
+                  <c:v>118.17999999999998</c:v>
                 </c:pt>
                 <c:pt idx="15">
                   <c:v>121.4</c:v>
@@ -3240,52 +3301,52 @@
                     <c:v>61.30060032332473</c:v>
                   </c:pt>
                   <c:pt idx="1">
-                    <c:v>54.702193740287974</c:v>
+                    <c:v>54.70219374028801</c:v>
                   </c:pt>
                   <c:pt idx="2">
-                    <c:v>58.446861335746661</c:v>
+                    <c:v>58.446861335746611</c:v>
                   </c:pt>
                   <c:pt idx="3">
-                    <c:v>58.246318338586875</c:v>
+                    <c:v>58.246318338586931</c:v>
                   </c:pt>
                   <c:pt idx="4">
-                    <c:v>53.263649893712675</c:v>
+                    <c:v>53.263649893712639</c:v>
                   </c:pt>
                   <c:pt idx="5">
                     <c:v>57.68517660543305</c:v>
                   </c:pt>
                   <c:pt idx="6">
-                    <c:v>58.812243623245642</c:v>
+                    <c:v>58.8122436232456</c:v>
                   </c:pt>
                   <c:pt idx="7">
-                    <c:v>52.938715511428875</c:v>
+                    <c:v>52.93871551142891</c:v>
                   </c:pt>
                   <c:pt idx="8">
-                    <c:v>53.870515126551375</c:v>
+                    <c:v>53.87051512655141</c:v>
                   </c:pt>
                   <c:pt idx="9">
                     <c:v>55.411872374067997</c:v>
                   </c:pt>
                   <c:pt idx="10">
-                    <c:v>54.055512207359584</c:v>
+                    <c:v>54.055512207359605</c:v>
                   </c:pt>
                   <c:pt idx="11">
-                    <c:v>57.772187079943571</c:v>
+                    <c:v>57.772187079943549</c:v>
                   </c:pt>
                   <c:pt idx="12">
-                    <c:v>55.323051253523602</c:v>
+                    <c:v>55.323051253523595</c:v>
                   </c:pt>
                   <c:pt idx="13">
-                    <c:v>53.871732847570449</c:v>
+                    <c:v>53.871732847570463</c:v>
                   </c:pt>
                   <c:pt idx="14">
-                    <c:v>57.861019693745455</c:v>
+                    <c:v>57.861019693745433</c:v>
                   </c:pt>
                   <c:pt idx="15">
-                    <c:v>52.45267962649762</c:v>
+                    <c:v>52.452679626497591</c:v>
                   </c:pt>
                   <c:pt idx="16">
-                    <c:v>58.642049759536881</c:v>
+                    <c:v>58.642049759536874</c:v>
                   </c:pt>
                   <c:pt idx="17">
                     <c:v>50.702035462099552</c:v>
@@ -3312,52 +3373,52 @@
                     <c:v>61.30060032332473</c:v>
                   </c:pt>
                   <c:pt idx="1">
-                    <c:v>54.702193740287974</c:v>
+                    <c:v>54.70219374028801</c:v>
                   </c:pt>
                   <c:pt idx="2">
-                    <c:v>58.446861335746661</c:v>
+                    <c:v>58.446861335746611</c:v>
                   </c:pt>
                   <c:pt idx="3">
-                    <c:v>58.246318338586875</c:v>
+                    <c:v>58.246318338586931</c:v>
                   </c:pt>
                   <c:pt idx="4">
-                    <c:v>53.263649893712675</c:v>
+                    <c:v>53.263649893712639</c:v>
                   </c:pt>
                   <c:pt idx="5">
                     <c:v>57.68517660543305</c:v>
                   </c:pt>
                   <c:pt idx="6">
-                    <c:v>58.812243623245642</c:v>
+                    <c:v>58.8122436232456</c:v>
                   </c:pt>
                   <c:pt idx="7">
-                    <c:v>52.938715511428875</c:v>
+                    <c:v>52.93871551142891</c:v>
                   </c:pt>
                   <c:pt idx="8">
-                    <c:v>53.870515126551375</c:v>
+                    <c:v>53.87051512655141</c:v>
                   </c:pt>
                   <c:pt idx="9">
                     <c:v>55.411872374067997</c:v>
                   </c:pt>
                   <c:pt idx="10">
-                    <c:v>54.055512207359584</c:v>
+                    <c:v>54.055512207359605</c:v>
                   </c:pt>
                   <c:pt idx="11">
-                    <c:v>57.772187079943571</c:v>
+                    <c:v>57.772187079943549</c:v>
                   </c:pt>
                   <c:pt idx="12">
-                    <c:v>55.323051253523602</c:v>
+                    <c:v>55.323051253523595</c:v>
                   </c:pt>
                   <c:pt idx="13">
-                    <c:v>53.871732847570449</c:v>
+                    <c:v>53.871732847570463</c:v>
                   </c:pt>
                   <c:pt idx="14">
-                    <c:v>57.861019693745455</c:v>
+                    <c:v>57.861019693745433</c:v>
                   </c:pt>
                   <c:pt idx="15">
-                    <c:v>52.45267962649762</c:v>
+                    <c:v>52.452679626497591</c:v>
                   </c:pt>
                   <c:pt idx="16">
-                    <c:v>58.642049759536881</c:v>
+                    <c:v>58.642049759536874</c:v>
                   </c:pt>
                   <c:pt idx="17">
                     <c:v>50.702035462099552</c:v>
@@ -3391,7 +3452,7 @@
                   <c:v>0.1</c:v>
                 </c:pt>
                 <c:pt idx="3">
-                  <c:v>0.15000000000000002</c:v>
+                  <c:v>0.15000000000000011</c:v>
                 </c:pt>
                 <c:pt idx="4">
                   <c:v>0.2</c:v>
@@ -3400,10 +3461,10 @@
                   <c:v>0.25</c:v>
                 </c:pt>
                 <c:pt idx="6">
-                  <c:v>0.30000000000000004</c:v>
+                  <c:v>0.30000000000000021</c:v>
                 </c:pt>
                 <c:pt idx="7">
-                  <c:v>0.35000000000000003</c:v>
+                  <c:v>0.3500000000000002</c:v>
                 </c:pt>
                 <c:pt idx="8">
                   <c:v>0.4</c:v>
@@ -3418,28 +3479,28 @@
                   <c:v>0.55000000000000004</c:v>
                 </c:pt>
                 <c:pt idx="12">
-                  <c:v>0.6000000000000002</c:v>
+                  <c:v>0.60000000000000053</c:v>
                 </c:pt>
                 <c:pt idx="13">
-                  <c:v>0.65000000000000013</c:v>
+                  <c:v>0.65000000000000058</c:v>
                 </c:pt>
                 <c:pt idx="14">
-                  <c:v>0.70000000000000018</c:v>
+                  <c:v>0.70000000000000051</c:v>
                 </c:pt>
                 <c:pt idx="15">
-                  <c:v>0.75000000000000011</c:v>
+                  <c:v>0.75000000000000044</c:v>
                 </c:pt>
                 <c:pt idx="16">
                   <c:v>0.8</c:v>
                 </c:pt>
                 <c:pt idx="17">
-                  <c:v>0.8500000000000002</c:v>
+                  <c:v>0.85000000000000053</c:v>
                 </c:pt>
                 <c:pt idx="18">
                   <c:v>0.9</c:v>
                 </c:pt>
                 <c:pt idx="19">
-                  <c:v>0.95000000000000018</c:v>
+                  <c:v>0.95000000000000051</c:v>
                 </c:pt>
                 <c:pt idx="20">
                   <c:v>1</c:v>
@@ -3478,13 +3539,13 @@
                   <c:v>94.82</c:v>
                 </c:pt>
                 <c:pt idx="8">
-                  <c:v>93.740000000000009</c:v>
+                  <c:v>93.740000000000023</c:v>
                 </c:pt>
                 <c:pt idx="9">
                   <c:v>104.61999999999999</c:v>
                 </c:pt>
                 <c:pt idx="10">
-                  <c:v>93.960000000000008</c:v>
+                  <c:v>93.960000000000022</c:v>
                 </c:pt>
                 <c:pt idx="11">
                   <c:v>113.11999999999999</c:v>
@@ -3505,7 +3566,7 @@
                   <c:v>116.7</c:v>
                 </c:pt>
                 <c:pt idx="17">
-                  <c:v>104.94000000000001</c:v>
+                  <c:v>104.94000000000005</c:v>
                 </c:pt>
                 <c:pt idx="18">
                   <c:v>96.88</c:v>
@@ -3546,7 +3607,7 @@
                   <c:formatCode>General</c:formatCode>
                   <c:ptCount val="21"/>
                   <c:pt idx="0">
-                    <c:v>56.379886484454715</c:v>
+                    <c:v>56.379886484454694</c:v>
                   </c:pt>
                   <c:pt idx="1">
                     <c:v>56.196071037039587</c:v>
@@ -3555,40 +3616,40 @@
                     <c:v>58.237458735765593</c:v>
                   </c:pt>
                   <c:pt idx="3">
-                    <c:v>59.192959040750807</c:v>
+                    <c:v>59.19295904075085</c:v>
                   </c:pt>
                   <c:pt idx="4">
                     <c:v>53.158814885209772</c:v>
                   </c:pt>
                   <c:pt idx="5">
-                    <c:v>57.557220224746771</c:v>
+                    <c:v>57.55722022474675</c:v>
                   </c:pt>
                   <c:pt idx="6">
-                    <c:v>50.720504729349848</c:v>
+                    <c:v>50.720504729349862</c:v>
                   </c:pt>
                   <c:pt idx="7">
                     <c:v>59.755113588713073</c:v>
                   </c:pt>
                   <c:pt idx="8">
-                    <c:v>52.39736252904337</c:v>
+                    <c:v>52.397362529043342</c:v>
                   </c:pt>
                   <c:pt idx="9">
-                    <c:v>56.877763669117641</c:v>
+                    <c:v>56.877763669117591</c:v>
                   </c:pt>
                   <c:pt idx="10">
-                    <c:v>57.766637430267643</c:v>
+                    <c:v>57.766637430267622</c:v>
                   </c:pt>
                   <c:pt idx="11">
-                    <c:v>58.841944223487353</c:v>
+                    <c:v>58.841944223487317</c:v>
                   </c:pt>
                   <c:pt idx="12">
-                    <c:v>67.048531676689208</c:v>
+                    <c:v>67.048531676689137</c:v>
                   </c:pt>
                   <c:pt idx="13">
                     <c:v>51.521137409804922</c:v>
                   </c:pt>
                   <c:pt idx="14">
-                    <c:v>54.386472582803165</c:v>
+                    <c:v>54.386472582803144</c:v>
                   </c:pt>
                   <c:pt idx="15">
                     <c:v>57.170915682714053</c:v>
@@ -3597,13 +3658,13 @@
                     <c:v>57.415820119545444</c:v>
                   </c:pt>
                   <c:pt idx="17">
-                    <c:v>57.582570279555959</c:v>
+                    <c:v>57.582570279555988</c:v>
                   </c:pt>
                   <c:pt idx="18">
                     <c:v>61.36880314948305</c:v>
                   </c:pt>
                   <c:pt idx="19">
-                    <c:v>62.272305240772987</c:v>
+                    <c:v>62.272305240773029</c:v>
                   </c:pt>
                   <c:pt idx="20">
                     <c:v>0.37363083384538798</c:v>
@@ -3618,7 +3679,7 @@
                   <c:formatCode>General</c:formatCode>
                   <c:ptCount val="21"/>
                   <c:pt idx="0">
-                    <c:v>56.379886484454715</c:v>
+                    <c:v>56.379886484454694</c:v>
                   </c:pt>
                   <c:pt idx="1">
                     <c:v>56.196071037039587</c:v>
@@ -3627,40 +3688,40 @@
                     <c:v>58.237458735765593</c:v>
                   </c:pt>
                   <c:pt idx="3">
-                    <c:v>59.192959040750807</c:v>
+                    <c:v>59.19295904075085</c:v>
                   </c:pt>
                   <c:pt idx="4">
                     <c:v>53.158814885209772</c:v>
                   </c:pt>
                   <c:pt idx="5">
-                    <c:v>57.557220224746771</c:v>
+                    <c:v>57.55722022474675</c:v>
                   </c:pt>
                   <c:pt idx="6">
-                    <c:v>50.720504729349848</c:v>
+                    <c:v>50.720504729349862</c:v>
                   </c:pt>
                   <c:pt idx="7">
                     <c:v>59.755113588713073</c:v>
                   </c:pt>
                   <c:pt idx="8">
-                    <c:v>52.39736252904337</c:v>
+                    <c:v>52.397362529043342</c:v>
                   </c:pt>
                   <c:pt idx="9">
-                    <c:v>56.877763669117641</c:v>
+                    <c:v>56.877763669117591</c:v>
                   </c:pt>
                   <c:pt idx="10">
-                    <c:v>57.766637430267643</c:v>
+                    <c:v>57.766637430267622</c:v>
                   </c:pt>
                   <c:pt idx="11">
-                    <c:v>58.841944223487353</c:v>
+                    <c:v>58.841944223487317</c:v>
                   </c:pt>
                   <c:pt idx="12">
-                    <c:v>67.048531676689208</c:v>
+                    <c:v>67.048531676689137</c:v>
                   </c:pt>
                   <c:pt idx="13">
                     <c:v>51.521137409804922</c:v>
                   </c:pt>
                   <c:pt idx="14">
-                    <c:v>54.386472582803165</c:v>
+                    <c:v>54.386472582803144</c:v>
                   </c:pt>
                   <c:pt idx="15">
                     <c:v>57.170915682714053</c:v>
@@ -3669,13 +3730,13 @@
                     <c:v>57.415820119545444</c:v>
                   </c:pt>
                   <c:pt idx="17">
-                    <c:v>57.582570279555959</c:v>
+                    <c:v>57.582570279555988</c:v>
                   </c:pt>
                   <c:pt idx="18">
                     <c:v>61.36880314948305</c:v>
                   </c:pt>
                   <c:pt idx="19">
-                    <c:v>62.272305240772987</c:v>
+                    <c:v>62.272305240773029</c:v>
                   </c:pt>
                   <c:pt idx="20">
                     <c:v>0.37363083384538798</c:v>
@@ -3700,7 +3761,7 @@
                   <c:v>0.1</c:v>
                 </c:pt>
                 <c:pt idx="3">
-                  <c:v>0.15000000000000002</c:v>
+                  <c:v>0.15000000000000011</c:v>
                 </c:pt>
                 <c:pt idx="4">
                   <c:v>0.2</c:v>
@@ -3709,10 +3770,10 @@
                   <c:v>0.25</c:v>
                 </c:pt>
                 <c:pt idx="6">
-                  <c:v>0.30000000000000004</c:v>
+                  <c:v>0.30000000000000021</c:v>
                 </c:pt>
                 <c:pt idx="7">
-                  <c:v>0.35000000000000003</c:v>
+                  <c:v>0.3500000000000002</c:v>
                 </c:pt>
                 <c:pt idx="8">
                   <c:v>0.4</c:v>
@@ -3727,28 +3788,28 @@
                   <c:v>0.55000000000000004</c:v>
                 </c:pt>
                 <c:pt idx="12">
-                  <c:v>0.6000000000000002</c:v>
+                  <c:v>0.60000000000000053</c:v>
                 </c:pt>
                 <c:pt idx="13">
-                  <c:v>0.65000000000000013</c:v>
+                  <c:v>0.65000000000000058</c:v>
                 </c:pt>
                 <c:pt idx="14">
-                  <c:v>0.70000000000000018</c:v>
+                  <c:v>0.70000000000000051</c:v>
                 </c:pt>
                 <c:pt idx="15">
-                  <c:v>0.75000000000000011</c:v>
+                  <c:v>0.75000000000000044</c:v>
                 </c:pt>
                 <c:pt idx="16">
                   <c:v>0.8</c:v>
                 </c:pt>
                 <c:pt idx="17">
-                  <c:v>0.8500000000000002</c:v>
+                  <c:v>0.85000000000000053</c:v>
                 </c:pt>
                 <c:pt idx="18">
                   <c:v>0.9</c:v>
                 </c:pt>
                 <c:pt idx="19">
-                  <c:v>0.95000000000000018</c:v>
+                  <c:v>0.95000000000000051</c:v>
                 </c:pt>
                 <c:pt idx="20">
                   <c:v>1</c:v>
@@ -3766,7 +3827,7 @@
                   <c:v>111.78</c:v>
                 </c:pt>
                 <c:pt idx="1">
-                  <c:v>102.96000000000001</c:v>
+                  <c:v>102.96000000000002</c:v>
                 </c:pt>
                 <c:pt idx="2">
                   <c:v>113.28</c:v>
@@ -3802,7 +3863,7 @@
                   <c:v>119.88</c:v>
                 </c:pt>
                 <c:pt idx="13">
-                  <c:v>124.17999999999999</c:v>
+                  <c:v>124.17999999999998</c:v>
                 </c:pt>
                 <c:pt idx="14">
                   <c:v>100.54</c:v>
@@ -3811,10 +3872,10 @@
                   <c:v>96.92</c:v>
                 </c:pt>
                 <c:pt idx="16">
-                  <c:v>110.94000000000001</c:v>
+                  <c:v>110.94000000000005</c:v>
                 </c:pt>
                 <c:pt idx="17">
-                  <c:v>115.74000000000001</c:v>
+                  <c:v>115.74000000000002</c:v>
                 </c:pt>
                 <c:pt idx="18">
                   <c:v>113.9</c:v>
@@ -3855,67 +3916,67 @@
                   <c:formatCode>General</c:formatCode>
                   <c:ptCount val="21"/>
                   <c:pt idx="0">
-                    <c:v>65.883545745504605</c:v>
+                    <c:v>65.883545745504563</c:v>
                   </c:pt>
                   <c:pt idx="1">
                     <c:v>54.222021356640703</c:v>
                   </c:pt>
                   <c:pt idx="2">
-                    <c:v>57.257858849244435</c:v>
+                    <c:v>57.257858849244414</c:v>
                   </c:pt>
                   <c:pt idx="3">
-                    <c:v>59.54439016397766</c:v>
+                    <c:v>59.544390163977646</c:v>
                   </c:pt>
                   <c:pt idx="4">
-                    <c:v>53.964243717483882</c:v>
+                    <c:v>53.964243717483875</c:v>
                   </c:pt>
                   <c:pt idx="5">
-                    <c:v>62.200887453476085</c:v>
+                    <c:v>62.200887453476042</c:v>
                   </c:pt>
                   <c:pt idx="6">
-                    <c:v>55.662199022316756</c:v>
+                    <c:v>55.662199022316763</c:v>
                   </c:pt>
                   <c:pt idx="7">
-                    <c:v>63.817289193446612</c:v>
+                    <c:v>63.817289193446534</c:v>
                   </c:pt>
                   <c:pt idx="8">
-                    <c:v>58.719673023612785</c:v>
+                    <c:v>58.719673023612764</c:v>
                   </c:pt>
                   <c:pt idx="9">
                     <c:v>61.264554189188388</c:v>
                   </c:pt>
                   <c:pt idx="10">
-                    <c:v>63.626107848901157</c:v>
+                    <c:v>63.626107848901199</c:v>
                   </c:pt>
                   <c:pt idx="11">
-                    <c:v>57.718769910662502</c:v>
+                    <c:v>57.718769910662495</c:v>
                   </c:pt>
                   <c:pt idx="12">
-                    <c:v>61.78483956441093</c:v>
+                    <c:v>61.784839564410909</c:v>
                   </c:pt>
                   <c:pt idx="13">
                     <c:v>55.608089339591587</c:v>
                   </c:pt>
                   <c:pt idx="14">
-                    <c:v>52.125939799681305</c:v>
+                    <c:v>52.125939799681312</c:v>
                   </c:pt>
                   <c:pt idx="15">
                     <c:v>59.207705579594958</c:v>
                   </c:pt>
                   <c:pt idx="16">
-                    <c:v>59.796056726175522</c:v>
+                    <c:v>59.796056726175564</c:v>
                   </c:pt>
                   <c:pt idx="17">
-                    <c:v>70.579172565283017</c:v>
+                    <c:v>70.579172565282988</c:v>
                   </c:pt>
                   <c:pt idx="18">
-                    <c:v>60.2810617026608</c:v>
+                    <c:v>60.281061702660779</c:v>
                   </c:pt>
                   <c:pt idx="19">
                     <c:v>61.963347230439382</c:v>
                   </c:pt>
                   <c:pt idx="20">
-                    <c:v>8.9173987238431796</c:v>
+                    <c:v>8.9173987238431689</c:v>
                   </c:pt>
                 </c:numCache>
               </c:numRef>
@@ -3927,67 +3988,67 @@
                   <c:formatCode>General</c:formatCode>
                   <c:ptCount val="21"/>
                   <c:pt idx="0">
-                    <c:v>65.883545745504605</c:v>
+                    <c:v>65.883545745504563</c:v>
                   </c:pt>
                   <c:pt idx="1">
                     <c:v>54.222021356640703</c:v>
                   </c:pt>
                   <c:pt idx="2">
-                    <c:v>57.257858849244435</c:v>
+                    <c:v>57.257858849244414</c:v>
                   </c:pt>
                   <c:pt idx="3">
-                    <c:v>59.54439016397766</c:v>
+                    <c:v>59.544390163977646</c:v>
                   </c:pt>
                   <c:pt idx="4">
-                    <c:v>53.964243717483882</c:v>
+                    <c:v>53.964243717483875</c:v>
                   </c:pt>
                   <c:pt idx="5">
-                    <c:v>62.200887453476085</c:v>
+                    <c:v>62.200887453476042</c:v>
                   </c:pt>
                   <c:pt idx="6">
-                    <c:v>55.662199022316756</c:v>
+                    <c:v>55.662199022316763</c:v>
                   </c:pt>
                   <c:pt idx="7">
-                    <c:v>63.817289193446612</c:v>
+                    <c:v>63.817289193446534</c:v>
                   </c:pt>
                   <c:pt idx="8">
-                    <c:v>58.719673023612785</c:v>
+                    <c:v>58.719673023612764</c:v>
                   </c:pt>
                   <c:pt idx="9">
                     <c:v>61.264554189188388</c:v>
                   </c:pt>
                   <c:pt idx="10">
-                    <c:v>63.626107848901157</c:v>
+                    <c:v>63.626107848901199</c:v>
                   </c:pt>
                   <c:pt idx="11">
-                    <c:v>57.718769910662502</c:v>
+                    <c:v>57.718769910662495</c:v>
                   </c:pt>
                   <c:pt idx="12">
-                    <c:v>61.78483956441093</c:v>
+                    <c:v>61.784839564410909</c:v>
                   </c:pt>
                   <c:pt idx="13">
                     <c:v>55.608089339591587</c:v>
                   </c:pt>
                   <c:pt idx="14">
-                    <c:v>52.125939799681305</c:v>
+                    <c:v>52.125939799681312</c:v>
                   </c:pt>
                   <c:pt idx="15">
                     <c:v>59.207705579594958</c:v>
                   </c:pt>
                   <c:pt idx="16">
-                    <c:v>59.796056726175522</c:v>
+                    <c:v>59.796056726175564</c:v>
                   </c:pt>
                   <c:pt idx="17">
-                    <c:v>70.579172565283017</c:v>
+                    <c:v>70.579172565282988</c:v>
                   </c:pt>
                   <c:pt idx="18">
-                    <c:v>60.2810617026608</c:v>
+                    <c:v>60.281061702660779</c:v>
                   </c:pt>
                   <c:pt idx="19">
                     <c:v>61.963347230439382</c:v>
                   </c:pt>
                   <c:pt idx="20">
-                    <c:v>8.9173987238431796</c:v>
+                    <c:v>8.9173987238431689</c:v>
                   </c:pt>
                 </c:numCache>
               </c:numRef>
@@ -4009,7 +4070,7 @@
                   <c:v>0.1</c:v>
                 </c:pt>
                 <c:pt idx="3">
-                  <c:v>0.15000000000000002</c:v>
+                  <c:v>0.15000000000000011</c:v>
                 </c:pt>
                 <c:pt idx="4">
                   <c:v>0.2</c:v>
@@ -4018,10 +4079,10 @@
                   <c:v>0.25</c:v>
                 </c:pt>
                 <c:pt idx="6">
-                  <c:v>0.30000000000000004</c:v>
+                  <c:v>0.30000000000000021</c:v>
                 </c:pt>
                 <c:pt idx="7">
-                  <c:v>0.35000000000000003</c:v>
+                  <c:v>0.3500000000000002</c:v>
                 </c:pt>
                 <c:pt idx="8">
                   <c:v>0.4</c:v>
@@ -4036,28 +4097,28 @@
                   <c:v>0.55000000000000004</c:v>
                 </c:pt>
                 <c:pt idx="12">
-                  <c:v>0.6000000000000002</c:v>
+                  <c:v>0.60000000000000053</c:v>
                 </c:pt>
                 <c:pt idx="13">
-                  <c:v>0.65000000000000013</c:v>
+                  <c:v>0.65000000000000058</c:v>
                 </c:pt>
                 <c:pt idx="14">
-                  <c:v>0.70000000000000018</c:v>
+                  <c:v>0.70000000000000051</c:v>
                 </c:pt>
                 <c:pt idx="15">
-                  <c:v>0.75000000000000011</c:v>
+                  <c:v>0.75000000000000044</c:v>
                 </c:pt>
                 <c:pt idx="16">
                   <c:v>0.8</c:v>
                 </c:pt>
                 <c:pt idx="17">
-                  <c:v>0.8500000000000002</c:v>
+                  <c:v>0.85000000000000053</c:v>
                 </c:pt>
                 <c:pt idx="18">
                   <c:v>0.9</c:v>
                 </c:pt>
                 <c:pt idx="19">
-                  <c:v>0.95000000000000018</c:v>
+                  <c:v>0.95000000000000051</c:v>
                 </c:pt>
                 <c:pt idx="20">
                   <c:v>1</c:v>
@@ -4078,7 +4139,7 @@
                   <c:v>111.82</c:v>
                 </c:pt>
                 <c:pt idx="2">
-                  <c:v>107.24000000000001</c:v>
+                  <c:v>107.24000000000002</c:v>
                 </c:pt>
                 <c:pt idx="3">
                   <c:v>116.16</c:v>
@@ -4093,7 +4154,7 @@
                   <c:v>120.14</c:v>
                 </c:pt>
                 <c:pt idx="7">
-                  <c:v>107.44000000000001</c:v>
+                  <c:v>107.44000000000005</c:v>
                 </c:pt>
                 <c:pt idx="8">
                   <c:v>114.8</c:v>
@@ -4126,10 +4187,10 @@
                   <c:v>115.98</c:v>
                 </c:pt>
                 <c:pt idx="18">
-                  <c:v>126.44000000000001</c:v>
+                  <c:v>126.44000000000005</c:v>
                 </c:pt>
                 <c:pt idx="19">
-                  <c:v>113.94000000000001</c:v>
+                  <c:v>113.94000000000005</c:v>
                 </c:pt>
                 <c:pt idx="20">
                   <c:v>6.6</c:v>
@@ -4139,11 +4200,11 @@
           </c:yVal>
           <c:smooth val="1"/>
         </c:ser>
-        <c:axId val="63974016"/>
-        <c:axId val="63984384"/>
+        <c:axId val="62925056"/>
+        <c:axId val="62935424"/>
       </c:scatterChart>
       <c:valAx>
-        <c:axId val="63974016"/>
+        <c:axId val="62925056"/>
         <c:scaling>
           <c:orientation val="minMax"/>
           <c:max val="1.2"/>
@@ -4158,7 +4219,7 @@
               <a:lstStyle/>
               <a:p>
                 <a:pPr>
-                  <a:defRPr/>
+                  <a:defRPr lang="en-IN"/>
                 </a:pPr>
                 <a:r>
                   <a:rPr lang="en-US"/>
@@ -4171,19 +4232,29 @@
             <c:manualLayout>
               <c:xMode val="edge"/>
               <c:yMode val="edge"/>
-              <c:x val="0.43258442694663174"/>
+              <c:x val="0.43258442694663196"/>
               <c:y val="0.90108766404199458"/>
             </c:manualLayout>
           </c:layout>
         </c:title>
         <c:numFmt formatCode="General" sourceLinked="1"/>
         <c:tickLblPos val="nextTo"/>
-        <c:crossAx val="63984384"/>
+        <c:txPr>
+          <a:bodyPr/>
+          <a:lstStyle/>
+          <a:p>
+            <a:pPr>
+              <a:defRPr lang="en-IN"/>
+            </a:pPr>
+            <a:endParaRPr lang="en-US"/>
+          </a:p>
+        </c:txPr>
+        <c:crossAx val="62935424"/>
         <c:crosses val="autoZero"/>
         <c:crossBetween val="midCat"/>
       </c:valAx>
       <c:valAx>
-        <c:axId val="63984384"/>
+        <c:axId val="62935424"/>
         <c:scaling>
           <c:orientation val="minMax"/>
         </c:scaling>
@@ -4197,7 +4268,7 @@
               <a:lstStyle/>
               <a:p>
                 <a:pPr>
-                  <a:defRPr/>
+                  <a:defRPr lang="en-IN"/>
                 </a:pPr>
                 <a:r>
                   <a:rPr lang="en-US"/>
@@ -4211,13 +4282,23 @@
               <c:xMode val="edge"/>
               <c:yMode val="edge"/>
               <c:x val="3.1292990766592435E-2"/>
-              <c:y val="0.358848087914245"/>
+              <c:y val="0.35884808791424549"/>
             </c:manualLayout>
           </c:layout>
         </c:title>
         <c:numFmt formatCode="General" sourceLinked="1"/>
         <c:tickLblPos val="nextTo"/>
-        <c:crossAx val="63974016"/>
+        <c:txPr>
+          <a:bodyPr/>
+          <a:lstStyle/>
+          <a:p>
+            <a:pPr>
+              <a:defRPr lang="en-IN"/>
+            </a:pPr>
+            <a:endParaRPr lang="en-US"/>
+          </a:p>
+        </c:txPr>
+        <c:crossAx val="62925056"/>
         <c:crosses val="autoZero"/>
         <c:crossBetween val="midCat"/>
       </c:valAx>
@@ -4225,6 +4306,16 @@
     <c:legend>
       <c:legendPos val="r"/>
       <c:layout/>
+      <c:txPr>
+        <a:bodyPr/>
+        <a:lstStyle/>
+        <a:p>
+          <a:pPr>
+            <a:defRPr lang="en-IN"/>
+          </a:pPr>
+          <a:endParaRPr lang="en-US"/>
+        </a:p>
+      </c:txPr>
     </c:legend>
     <c:plotVisOnly val="1"/>
   </c:chart>
@@ -4244,7 +4335,7 @@
           <a:lstStyle/>
           <a:p>
             <a:pPr>
-              <a:defRPr/>
+              <a:defRPr lang="en-IN"/>
             </a:pPr>
             <a:r>
               <a:rPr lang="en-US"/>
@@ -4266,9 +4357,9 @@
           <c:layoutTarget val="inner"/>
           <c:xMode val="edge"/>
           <c:yMode val="edge"/>
-          <c:x val="0.10866907261592304"/>
+          <c:x val="0.10866907261592308"/>
           <c:y val="0.12535897856517936"/>
-          <c:w val="0.74101137357830282"/>
+          <c:w val="0.74101137357830316"/>
           <c:h val="0.69553942475940511"/>
         </c:manualLayout>
       </c:layout>
@@ -4299,16 +4390,16 @@
                   <c:formatCode>General</c:formatCode>
                   <c:ptCount val="21"/>
                   <c:pt idx="0">
-                    <c:v>40.212953137017934</c:v>
+                    <c:v>40.212953137017955</c:v>
                   </c:pt>
                   <c:pt idx="1">
                     <c:v>40.458353896321583</c:v>
                   </c:pt>
                   <c:pt idx="2">
-                    <c:v>58.15960453785771</c:v>
+                    <c:v>58.159604537857689</c:v>
                   </c:pt>
                   <c:pt idx="3">
-                    <c:v>48.553821682747056</c:v>
+                    <c:v>48.553821682747014</c:v>
                   </c:pt>
                   <c:pt idx="4">
                     <c:v>45.690594218066373</c:v>
@@ -4332,28 +4423,28 @@
                     <c:v>45.92167244341173</c:v>
                   </c:pt>
                   <c:pt idx="11">
-                    <c:v>45.682189089403316</c:v>
+                    <c:v>45.682189089403295</c:v>
                   </c:pt>
                   <c:pt idx="12">
-                    <c:v>39.200719381154229</c:v>
+                    <c:v>39.200719381154258</c:v>
                   </c:pt>
                   <c:pt idx="13">
                     <c:v>52.623188804936561</c:v>
                   </c:pt>
                   <c:pt idx="14">
-                    <c:v>48.041881728341984</c:v>
+                    <c:v>48.041881728341963</c:v>
                   </c:pt>
                   <c:pt idx="15">
-                    <c:v>46.854088402187479</c:v>
+                    <c:v>46.854088402187436</c:v>
                   </c:pt>
                   <c:pt idx="16">
-                    <c:v>41.37798448450576</c:v>
+                    <c:v>41.377984484505745</c:v>
                   </c:pt>
                   <c:pt idx="17">
                     <c:v>45.191631968761648</c:v>
                   </c:pt>
                   <c:pt idx="18">
-                    <c:v>56.827936791687236</c:v>
+                    <c:v>56.827936791687215</c:v>
                   </c:pt>
                   <c:pt idx="19">
                     <c:v>46.19432432669624</c:v>
@@ -4371,16 +4462,16 @@
                   <c:formatCode>General</c:formatCode>
                   <c:ptCount val="21"/>
                   <c:pt idx="0">
-                    <c:v>40.212953137017934</c:v>
+                    <c:v>40.212953137017955</c:v>
                   </c:pt>
                   <c:pt idx="1">
                     <c:v>40.458353896321583</c:v>
                   </c:pt>
                   <c:pt idx="2">
-                    <c:v>58.15960453785771</c:v>
+                    <c:v>58.159604537857689</c:v>
                   </c:pt>
                   <c:pt idx="3">
-                    <c:v>48.553821682747056</c:v>
+                    <c:v>48.553821682747014</c:v>
                   </c:pt>
                   <c:pt idx="4">
                     <c:v>45.690594218066373</c:v>
@@ -4404,28 +4495,28 @@
                     <c:v>45.92167244341173</c:v>
                   </c:pt>
                   <c:pt idx="11">
-                    <c:v>45.682189089403316</c:v>
+                    <c:v>45.682189089403295</c:v>
                   </c:pt>
                   <c:pt idx="12">
-                    <c:v>39.200719381154229</c:v>
+                    <c:v>39.200719381154258</c:v>
                   </c:pt>
                   <c:pt idx="13">
                     <c:v>52.623188804936561</c:v>
                   </c:pt>
                   <c:pt idx="14">
-                    <c:v>48.041881728341984</c:v>
+                    <c:v>48.041881728341963</c:v>
                   </c:pt>
                   <c:pt idx="15">
-                    <c:v>46.854088402187479</c:v>
+                    <c:v>46.854088402187436</c:v>
                   </c:pt>
                   <c:pt idx="16">
-                    <c:v>41.37798448450576</c:v>
+                    <c:v>41.377984484505745</c:v>
                   </c:pt>
                   <c:pt idx="17">
                     <c:v>45.191631968761648</c:v>
                   </c:pt>
                   <c:pt idx="18">
-                    <c:v>56.827936791687236</c:v>
+                    <c:v>56.827936791687215</c:v>
                   </c:pt>
                   <c:pt idx="19">
                     <c:v>46.19432432669624</c:v>
@@ -4453,7 +4544,7 @@
                   <c:v>0.1</c:v>
                 </c:pt>
                 <c:pt idx="3">
-                  <c:v>0.15000000000000002</c:v>
+                  <c:v>0.15000000000000011</c:v>
                 </c:pt>
                 <c:pt idx="4">
                   <c:v>0.2</c:v>
@@ -4462,10 +4553,10 @@
                   <c:v>0.25</c:v>
                 </c:pt>
                 <c:pt idx="6">
-                  <c:v>0.30000000000000004</c:v>
+                  <c:v>0.30000000000000021</c:v>
                 </c:pt>
                 <c:pt idx="7">
-                  <c:v>0.35000000000000003</c:v>
+                  <c:v>0.3500000000000002</c:v>
                 </c:pt>
                 <c:pt idx="8">
                   <c:v>0.4</c:v>
@@ -4480,28 +4571,28 @@
                   <c:v>0.55000000000000004</c:v>
                 </c:pt>
                 <c:pt idx="12">
-                  <c:v>0.6000000000000002</c:v>
+                  <c:v>0.60000000000000053</c:v>
                 </c:pt>
                 <c:pt idx="13">
-                  <c:v>0.65000000000000013</c:v>
+                  <c:v>0.65000000000000058</c:v>
                 </c:pt>
                 <c:pt idx="14">
-                  <c:v>0.70000000000000018</c:v>
+                  <c:v>0.70000000000000051</c:v>
                 </c:pt>
                 <c:pt idx="15">
-                  <c:v>0.75000000000000011</c:v>
+                  <c:v>0.75000000000000044</c:v>
                 </c:pt>
                 <c:pt idx="16">
                   <c:v>0.8</c:v>
                 </c:pt>
                 <c:pt idx="17">
-                  <c:v>0.8500000000000002</c:v>
+                  <c:v>0.85000000000000053</c:v>
                 </c:pt>
                 <c:pt idx="18">
                   <c:v>0.9</c:v>
                 </c:pt>
                 <c:pt idx="19">
-                  <c:v>0.95000000000000018</c:v>
+                  <c:v>0.95000000000000051</c:v>
                 </c:pt>
                 <c:pt idx="20">
                   <c:v>1</c:v>
@@ -4531,7 +4622,7 @@
                   <c:v>90.36</c:v>
                 </c:pt>
                 <c:pt idx="5">
-                  <c:v>90.960000000000008</c:v>
+                  <c:v>90.960000000000022</c:v>
                 </c:pt>
                 <c:pt idx="6">
                   <c:v>91.4</c:v>
@@ -4558,7 +4649,7 @@
                   <c:v>101.8</c:v>
                 </c:pt>
                 <c:pt idx="14">
-                  <c:v>94.240000000000009</c:v>
+                  <c:v>94.240000000000023</c:v>
                 </c:pt>
                 <c:pt idx="15">
                   <c:v>99.11999999999999</c:v>
@@ -4608,10 +4699,10 @@
                   <c:formatCode>General</c:formatCode>
                   <c:ptCount val="21"/>
                   <c:pt idx="0">
-                    <c:v>49.45725022683731</c:v>
+                    <c:v>49.457250226837296</c:v>
                   </c:pt>
                   <c:pt idx="1">
-                    <c:v>34.25462888428364</c:v>
+                    <c:v>34.254628884283605</c:v>
                   </c:pt>
                   <c:pt idx="2">
                     <c:v>47.895619841484461</c:v>
@@ -4623,43 +4714,43 @@
                     <c:v>51.946510951169763</c:v>
                   </c:pt>
                   <c:pt idx="5">
-                    <c:v>43.630764375610013</c:v>
+                    <c:v>43.630764375609999</c:v>
                   </c:pt>
                   <c:pt idx="6">
-                    <c:v>40.758312035706297</c:v>
+                    <c:v>40.758312035706311</c:v>
                   </c:pt>
                   <c:pt idx="7">
-                    <c:v>38.83786296901517</c:v>
+                    <c:v>38.837862969015141</c:v>
                   </c:pt>
                   <c:pt idx="8">
                     <c:v>49.601306434407547</c:v>
                   </c:pt>
                   <c:pt idx="9">
-                    <c:v>49.847222590631866</c:v>
+                    <c:v>49.847222590631844</c:v>
                   </c:pt>
                   <c:pt idx="10">
-                    <c:v>45.369522809921648</c:v>
+                    <c:v>45.369522809921662</c:v>
                   </c:pt>
                   <c:pt idx="11">
-                    <c:v>49.066501811317252</c:v>
+                    <c:v>49.066501811317245</c:v>
                   </c:pt>
                   <c:pt idx="12">
                     <c:v>53.736129373076359</c:v>
                   </c:pt>
                   <c:pt idx="13">
-                    <c:v>54.94305779623118</c:v>
+                    <c:v>54.943057796231159</c:v>
                   </c:pt>
                   <c:pt idx="14">
-                    <c:v>48.362067780441301</c:v>
+                    <c:v>48.362067780441294</c:v>
                   </c:pt>
                   <c:pt idx="15">
                     <c:v>42.506112501615576</c:v>
                   </c:pt>
                   <c:pt idx="16">
-                    <c:v>43.793337392804411</c:v>
+                    <c:v>43.793337392804439</c:v>
                   </c:pt>
                   <c:pt idx="17">
-                    <c:v>46.067988885993273</c:v>
+                    <c:v>46.067988885993252</c:v>
                   </c:pt>
                   <c:pt idx="18">
                     <c:v>53.986520539853274</c:v>
@@ -4680,10 +4771,10 @@
                   <c:formatCode>General</c:formatCode>
                   <c:ptCount val="21"/>
                   <c:pt idx="0">
-                    <c:v>49.45725022683731</c:v>
+                    <c:v>49.457250226837296</c:v>
                   </c:pt>
                   <c:pt idx="1">
-                    <c:v>34.25462888428364</c:v>
+                    <c:v>34.254628884283605</c:v>
                   </c:pt>
                   <c:pt idx="2">
                     <c:v>47.895619841484461</c:v>
@@ -4695,43 +4786,43 @@
                     <c:v>51.946510951169763</c:v>
                   </c:pt>
                   <c:pt idx="5">
-                    <c:v>43.630764375610013</c:v>
+                    <c:v>43.630764375609999</c:v>
                   </c:pt>
                   <c:pt idx="6">
-                    <c:v>40.758312035706297</c:v>
+                    <c:v>40.758312035706311</c:v>
                   </c:pt>
                   <c:pt idx="7">
-                    <c:v>38.83786296901517</c:v>
+                    <c:v>38.837862969015141</c:v>
                   </c:pt>
                   <c:pt idx="8">
                     <c:v>49.601306434407547</c:v>
                   </c:pt>
                   <c:pt idx="9">
-                    <c:v>49.847222590631866</c:v>
+                    <c:v>49.847222590631844</c:v>
                   </c:pt>
                   <c:pt idx="10">
-                    <c:v>45.369522809921648</c:v>
+                    <c:v>45.369522809921662</c:v>
                   </c:pt>
                   <c:pt idx="11">
-                    <c:v>49.066501811317252</c:v>
+                    <c:v>49.066501811317245</c:v>
                   </c:pt>
                   <c:pt idx="12">
                     <c:v>53.736129373076359</c:v>
                   </c:pt>
                   <c:pt idx="13">
-                    <c:v>54.94305779623118</c:v>
+                    <c:v>54.943057796231159</c:v>
                   </c:pt>
                   <c:pt idx="14">
-                    <c:v>48.362067780441301</c:v>
+                    <c:v>48.362067780441294</c:v>
                   </c:pt>
                   <c:pt idx="15">
                     <c:v>42.506112501615576</c:v>
                   </c:pt>
                   <c:pt idx="16">
-                    <c:v>43.793337392804411</c:v>
+                    <c:v>43.793337392804439</c:v>
                   </c:pt>
                   <c:pt idx="17">
-                    <c:v>46.067988885993273</c:v>
+                    <c:v>46.067988885993252</c:v>
                   </c:pt>
                   <c:pt idx="18">
                     <c:v>53.986520539853274</c:v>
@@ -4762,7 +4853,7 @@
                   <c:v>0.1</c:v>
                 </c:pt>
                 <c:pt idx="3">
-                  <c:v>0.15000000000000002</c:v>
+                  <c:v>0.15000000000000011</c:v>
                 </c:pt>
                 <c:pt idx="4">
                   <c:v>0.2</c:v>
@@ -4771,10 +4862,10 @@
                   <c:v>0.25</c:v>
                 </c:pt>
                 <c:pt idx="6">
-                  <c:v>0.30000000000000004</c:v>
+                  <c:v>0.30000000000000021</c:v>
                 </c:pt>
                 <c:pt idx="7">
-                  <c:v>0.35000000000000003</c:v>
+                  <c:v>0.3500000000000002</c:v>
                 </c:pt>
                 <c:pt idx="8">
                   <c:v>0.4</c:v>
@@ -4789,28 +4880,28 @@
                   <c:v>0.55000000000000004</c:v>
                 </c:pt>
                 <c:pt idx="12">
-                  <c:v>0.6000000000000002</c:v>
+                  <c:v>0.60000000000000053</c:v>
                 </c:pt>
                 <c:pt idx="13">
-                  <c:v>0.65000000000000013</c:v>
+                  <c:v>0.65000000000000058</c:v>
                 </c:pt>
                 <c:pt idx="14">
-                  <c:v>0.70000000000000018</c:v>
+                  <c:v>0.70000000000000051</c:v>
                 </c:pt>
                 <c:pt idx="15">
-                  <c:v>0.75000000000000011</c:v>
+                  <c:v>0.75000000000000044</c:v>
                 </c:pt>
                 <c:pt idx="16">
                   <c:v>0.8</c:v>
                 </c:pt>
                 <c:pt idx="17">
-                  <c:v>0.8500000000000002</c:v>
+                  <c:v>0.85000000000000053</c:v>
                 </c:pt>
                 <c:pt idx="18">
                   <c:v>0.9</c:v>
                 </c:pt>
                 <c:pt idx="19">
-                  <c:v>0.95000000000000018</c:v>
+                  <c:v>0.95000000000000051</c:v>
                 </c:pt>
                 <c:pt idx="20">
                   <c:v>1</c:v>
@@ -4923,10 +5014,10 @@
                     <c:v>40.92185724035506</c:v>
                   </c:pt>
                   <c:pt idx="2">
-                    <c:v>39.774308290654155</c:v>
+                    <c:v>39.774308290654162</c:v>
                   </c:pt>
                   <c:pt idx="3">
-                    <c:v>35.140426861380035</c:v>
+                    <c:v>35.140426861380014</c:v>
                   </c:pt>
                   <c:pt idx="4">
                     <c:v>46.091322393700111</c:v>
@@ -4935,16 +5026,16 @@
                     <c:v>38.222276227352033</c:v>
                   </c:pt>
                   <c:pt idx="6">
-                    <c:v>45.71137713961371</c:v>
+                    <c:v>45.711377139613688</c:v>
                   </c:pt>
                   <c:pt idx="7">
-                    <c:v>35.867807292891484</c:v>
+                    <c:v>35.867807292891463</c:v>
                   </c:pt>
                   <c:pt idx="8">
-                    <c:v>33.989463073134885</c:v>
+                    <c:v>33.989463073134864</c:v>
                   </c:pt>
                   <c:pt idx="9">
-                    <c:v>30.667565928844116</c:v>
+                    <c:v>30.667565928844134</c:v>
                   </c:pt>
                   <c:pt idx="10">
                     <c:v>46.570501393049227</c:v>
@@ -4962,13 +5053,13 @@
                     <c:v>44.794504127180602</c:v>
                   </c:pt>
                   <c:pt idx="15">
-                    <c:v>34.620508372928334</c:v>
+                    <c:v>34.62050837292837</c:v>
                   </c:pt>
                   <c:pt idx="16">
                     <c:v>28.610410692613275</c:v>
                   </c:pt>
                   <c:pt idx="17">
-                    <c:v>17.120992961858263</c:v>
+                    <c:v>17.120992961858274</c:v>
                   </c:pt>
                   <c:pt idx="18">
                     <c:v>14.62496495722297</c:v>
@@ -4995,10 +5086,10 @@
                     <c:v>40.92185724035506</c:v>
                   </c:pt>
                   <c:pt idx="2">
-                    <c:v>39.774308290654155</c:v>
+                    <c:v>39.774308290654162</c:v>
                   </c:pt>
                   <c:pt idx="3">
-                    <c:v>35.140426861380035</c:v>
+                    <c:v>35.140426861380014</c:v>
                   </c:pt>
                   <c:pt idx="4">
                     <c:v>46.091322393700111</c:v>
@@ -5007,16 +5098,16 @@
                     <c:v>38.222276227352033</c:v>
                   </c:pt>
                   <c:pt idx="6">
-                    <c:v>45.71137713961371</c:v>
+                    <c:v>45.711377139613688</c:v>
                   </c:pt>
                   <c:pt idx="7">
-                    <c:v>35.867807292891484</c:v>
+                    <c:v>35.867807292891463</c:v>
                   </c:pt>
                   <c:pt idx="8">
-                    <c:v>33.989463073134885</c:v>
+                    <c:v>33.989463073134864</c:v>
                   </c:pt>
                   <c:pt idx="9">
-                    <c:v>30.667565928844116</c:v>
+                    <c:v>30.667565928844134</c:v>
                   </c:pt>
                   <c:pt idx="10">
                     <c:v>46.570501393049227</c:v>
@@ -5034,13 +5125,13 @@
                     <c:v>44.794504127180602</c:v>
                   </c:pt>
                   <c:pt idx="15">
-                    <c:v>34.620508372928334</c:v>
+                    <c:v>34.62050837292837</c:v>
                   </c:pt>
                   <c:pt idx="16">
                     <c:v>28.610410692613275</c:v>
                   </c:pt>
                   <c:pt idx="17">
-                    <c:v>17.120992961858263</c:v>
+                    <c:v>17.120992961858274</c:v>
                   </c:pt>
                   <c:pt idx="18">
                     <c:v>14.62496495722297</c:v>
@@ -5071,7 +5162,7 @@
                   <c:v>0.1</c:v>
                 </c:pt>
                 <c:pt idx="3">
-                  <c:v>0.15000000000000002</c:v>
+                  <c:v>0.15000000000000011</c:v>
                 </c:pt>
                 <c:pt idx="4">
                   <c:v>0.2</c:v>
@@ -5080,10 +5171,10 @@
                   <c:v>0.25</c:v>
                 </c:pt>
                 <c:pt idx="6">
-                  <c:v>0.30000000000000004</c:v>
+                  <c:v>0.30000000000000021</c:v>
                 </c:pt>
                 <c:pt idx="7">
-                  <c:v>0.35000000000000003</c:v>
+                  <c:v>0.3500000000000002</c:v>
                 </c:pt>
                 <c:pt idx="8">
                   <c:v>0.4</c:v>
@@ -5098,28 +5189,28 @@
                   <c:v>0.55000000000000004</c:v>
                 </c:pt>
                 <c:pt idx="12">
-                  <c:v>0.6000000000000002</c:v>
+                  <c:v>0.60000000000000053</c:v>
                 </c:pt>
                 <c:pt idx="13">
-                  <c:v>0.65000000000000013</c:v>
+                  <c:v>0.65000000000000058</c:v>
                 </c:pt>
                 <c:pt idx="14">
-                  <c:v>0.70000000000000018</c:v>
+                  <c:v>0.70000000000000051</c:v>
                 </c:pt>
                 <c:pt idx="15">
-                  <c:v>0.75000000000000011</c:v>
+                  <c:v>0.75000000000000044</c:v>
                 </c:pt>
                 <c:pt idx="16">
                   <c:v>0.8</c:v>
                 </c:pt>
                 <c:pt idx="17">
-                  <c:v>0.8500000000000002</c:v>
+                  <c:v>0.85000000000000053</c:v>
                 </c:pt>
                 <c:pt idx="18">
                   <c:v>0.9</c:v>
                 </c:pt>
                 <c:pt idx="19">
-                  <c:v>0.95000000000000018</c:v>
+                  <c:v>0.95000000000000051</c:v>
                 </c:pt>
                 <c:pt idx="20">
                   <c:v>1</c:v>
@@ -5137,7 +5228,7 @@
                   <c:v>91.8</c:v>
                 </c:pt>
                 <c:pt idx="1">
-                  <c:v>87.960000000000008</c:v>
+                  <c:v>87.960000000000022</c:v>
                 </c:pt>
                 <c:pt idx="2">
                   <c:v>81.38</c:v>
@@ -5170,7 +5261,7 @@
                   <c:v>63.96</c:v>
                 </c:pt>
                 <c:pt idx="12">
-                  <c:v>57.339999999999996</c:v>
+                  <c:v>57.34</c:v>
                 </c:pt>
                 <c:pt idx="13">
                   <c:v>62.44</c:v>
@@ -5182,7 +5273,7 @@
                   <c:v>53.02</c:v>
                 </c:pt>
                 <c:pt idx="16">
-                  <c:v>48.620000000000005</c:v>
+                  <c:v>48.620000000000012</c:v>
                 </c:pt>
                 <c:pt idx="17">
                   <c:v>34.54</c:v>
@@ -5226,22 +5317,22 @@
                   <c:formatCode>General</c:formatCode>
                   <c:ptCount val="21"/>
                   <c:pt idx="0">
-                    <c:v>35.931045072471804</c:v>
+                    <c:v>35.931045072471811</c:v>
                   </c:pt>
                   <c:pt idx="1">
-                    <c:v>43.871289016850184</c:v>
+                    <c:v>43.871289016850163</c:v>
                   </c:pt>
                   <c:pt idx="2">
                     <c:v>44.576567835579262</c:v>
                   </c:pt>
                   <c:pt idx="3">
-                    <c:v>39.204208957712673</c:v>
+                    <c:v>39.204208957712638</c:v>
                   </c:pt>
                   <c:pt idx="4">
                     <c:v>32.614205493925496</c:v>
                   </c:pt>
                   <c:pt idx="5">
-                    <c:v>40.486664471156402</c:v>
+                    <c:v>40.486664471156338</c:v>
                   </c:pt>
                   <c:pt idx="6">
                     <c:v>46.825928714762291</c:v>
@@ -5250,31 +5341,31 @@
                     <c:v>33.151168908501553</c:v>
                   </c:pt>
                   <c:pt idx="8">
-                    <c:v>45.597964866866583</c:v>
+                    <c:v>45.597964866866548</c:v>
                   </c:pt>
                   <c:pt idx="9">
                     <c:v>34.619815135266094</c:v>
                   </c:pt>
                   <c:pt idx="10">
-                    <c:v>34.02639563632917</c:v>
+                    <c:v>34.026395636329212</c:v>
                   </c:pt>
                   <c:pt idx="11">
-                    <c:v>35.021416304884085</c:v>
+                    <c:v>35.021416304884106</c:v>
                   </c:pt>
                   <c:pt idx="12">
                     <c:v>38.052258802862148</c:v>
                   </c:pt>
                   <c:pt idx="13">
-                    <c:v>37.666542182685156</c:v>
+                    <c:v>37.666542182685163</c:v>
                   </c:pt>
                   <c:pt idx="14">
-                    <c:v>27.675700533139178</c:v>
+                    <c:v>27.675700533139157</c:v>
                   </c:pt>
                   <c:pt idx="15">
                     <c:v>28.910378759193041</c:v>
                   </c:pt>
                   <c:pt idx="16">
-                    <c:v>31.338213095197368</c:v>
+                    <c:v>31.338213095197357</c:v>
                   </c:pt>
                   <c:pt idx="17">
                     <c:v>13.84918770181125</c:v>
@@ -5298,22 +5389,22 @@
                   <c:formatCode>General</c:formatCode>
                   <c:ptCount val="21"/>
                   <c:pt idx="0">
-                    <c:v>35.931045072471804</c:v>
+                    <c:v>35.931045072471811</c:v>
                   </c:pt>
                   <c:pt idx="1">
-                    <c:v>43.871289016850184</c:v>
+                    <c:v>43.871289016850163</c:v>
                   </c:pt>
                   <c:pt idx="2">
                     <c:v>44.576567835579262</c:v>
                   </c:pt>
                   <c:pt idx="3">
-                    <c:v>39.204208957712673</c:v>
+                    <c:v>39.204208957712638</c:v>
                   </c:pt>
                   <c:pt idx="4">
                     <c:v>32.614205493925496</c:v>
                   </c:pt>
                   <c:pt idx="5">
-                    <c:v>40.486664471156402</c:v>
+                    <c:v>40.486664471156338</c:v>
                   </c:pt>
                   <c:pt idx="6">
                     <c:v>46.825928714762291</c:v>
@@ -5322,31 +5413,31 @@
                     <c:v>33.151168908501553</c:v>
                   </c:pt>
                   <c:pt idx="8">
-                    <c:v>45.597964866866583</c:v>
+                    <c:v>45.597964866866548</c:v>
                   </c:pt>
                   <c:pt idx="9">
                     <c:v>34.619815135266094</c:v>
                   </c:pt>
                   <c:pt idx="10">
-                    <c:v>34.02639563632917</c:v>
+                    <c:v>34.026395636329212</c:v>
                   </c:pt>
                   <c:pt idx="11">
-                    <c:v>35.021416304884085</c:v>
+                    <c:v>35.021416304884106</c:v>
                   </c:pt>
                   <c:pt idx="12">
                     <c:v>38.052258802862148</c:v>
                   </c:pt>
                   <c:pt idx="13">
-                    <c:v>37.666542182685156</c:v>
+                    <c:v>37.666542182685163</c:v>
                   </c:pt>
                   <c:pt idx="14">
-                    <c:v>27.675700533139178</c:v>
+                    <c:v>27.675700533139157</c:v>
                   </c:pt>
                   <c:pt idx="15">
                     <c:v>28.910378759193041</c:v>
                   </c:pt>
                   <c:pt idx="16">
-                    <c:v>31.338213095197368</c:v>
+                    <c:v>31.338213095197357</c:v>
                   </c:pt>
                   <c:pt idx="17">
                     <c:v>13.84918770181125</c:v>
@@ -5380,7 +5471,7 @@
                   <c:v>0.1</c:v>
                 </c:pt>
                 <c:pt idx="3">
-                  <c:v>0.15000000000000002</c:v>
+                  <c:v>0.15000000000000011</c:v>
                 </c:pt>
                 <c:pt idx="4">
                   <c:v>0.2</c:v>
@@ -5389,10 +5480,10 @@
                   <c:v>0.25</c:v>
                 </c:pt>
                 <c:pt idx="6">
-                  <c:v>0.30000000000000004</c:v>
+                  <c:v>0.30000000000000021</c:v>
                 </c:pt>
                 <c:pt idx="7">
-                  <c:v>0.35000000000000003</c:v>
+                  <c:v>0.3500000000000002</c:v>
                 </c:pt>
                 <c:pt idx="8">
                   <c:v>0.4</c:v>
@@ -5407,28 +5498,28 @@
                   <c:v>0.55000000000000004</c:v>
                 </c:pt>
                 <c:pt idx="12">
-                  <c:v>0.6000000000000002</c:v>
+                  <c:v>0.60000000000000053</c:v>
                 </c:pt>
                 <c:pt idx="13">
-                  <c:v>0.65000000000000013</c:v>
+                  <c:v>0.65000000000000058</c:v>
                 </c:pt>
                 <c:pt idx="14">
-                  <c:v>0.70000000000000018</c:v>
+                  <c:v>0.70000000000000051</c:v>
                 </c:pt>
                 <c:pt idx="15">
-                  <c:v>0.75000000000000011</c:v>
+                  <c:v>0.75000000000000044</c:v>
                 </c:pt>
                 <c:pt idx="16">
                   <c:v>0.8</c:v>
                 </c:pt>
                 <c:pt idx="17">
-                  <c:v>0.8500000000000002</c:v>
+                  <c:v>0.85000000000000053</c:v>
                 </c:pt>
                 <c:pt idx="18">
                   <c:v>0.9</c:v>
                 </c:pt>
                 <c:pt idx="19">
-                  <c:v>0.95000000000000018</c:v>
+                  <c:v>0.95000000000000051</c:v>
                 </c:pt>
                 <c:pt idx="20">
                   <c:v>1</c:v>
@@ -5461,7 +5552,7 @@
                   <c:v>82.9</c:v>
                 </c:pt>
                 <c:pt idx="6">
-                  <c:v>81.179999999999993</c:v>
+                  <c:v>81.179999999999978</c:v>
                 </c:pt>
                 <c:pt idx="7">
                   <c:v>64</c:v>
@@ -5473,19 +5564,19 @@
                   <c:v>67.78</c:v>
                 </c:pt>
                 <c:pt idx="10">
-                  <c:v>62.620000000000005</c:v>
+                  <c:v>62.620000000000012</c:v>
                 </c:pt>
                 <c:pt idx="11">
                   <c:v>61.98</c:v>
                 </c:pt>
                 <c:pt idx="12">
-                  <c:v>63.160000000000004</c:v>
+                  <c:v>63.160000000000011</c:v>
                 </c:pt>
                 <c:pt idx="13">
                   <c:v>64.459999999999994</c:v>
                 </c:pt>
                 <c:pt idx="14">
-                  <c:v>46.660000000000004</c:v>
+                  <c:v>46.660000000000011</c:v>
                 </c:pt>
                 <c:pt idx="15">
                   <c:v>50.3</c:v>
@@ -5510,11 +5601,11 @@
           </c:yVal>
           <c:smooth val="1"/>
         </c:ser>
-        <c:axId val="64022400"/>
-        <c:axId val="65748992"/>
+        <c:axId val="64116224"/>
+        <c:axId val="64118144"/>
       </c:scatterChart>
       <c:valAx>
-        <c:axId val="64022400"/>
+        <c:axId val="64116224"/>
         <c:scaling>
           <c:orientation val="minMax"/>
           <c:max val="1.2"/>
@@ -5530,7 +5621,7 @@
               <a:lstStyle/>
               <a:p>
                 <a:pPr>
-                  <a:defRPr/>
+                  <a:defRPr lang="en-IN"/>
                 </a:pPr>
                 <a:r>
                   <a:rPr lang="en-US"/>
@@ -5543,19 +5634,29 @@
             <c:manualLayout>
               <c:xMode val="edge"/>
               <c:yMode val="edge"/>
-              <c:x val="0.4409177602799651"/>
+              <c:x val="0.44091776027996538"/>
               <c:y val="0.89719898293963252"/>
             </c:manualLayout>
           </c:layout>
         </c:title>
         <c:numFmt formatCode="General" sourceLinked="1"/>
         <c:tickLblPos val="nextTo"/>
-        <c:crossAx val="65748992"/>
+        <c:txPr>
+          <a:bodyPr/>
+          <a:lstStyle/>
+          <a:p>
+            <a:pPr>
+              <a:defRPr lang="en-IN"/>
+            </a:pPr>
+            <a:endParaRPr lang="en-US"/>
+          </a:p>
+        </c:txPr>
+        <c:crossAx val="64118144"/>
         <c:crosses val="autoZero"/>
         <c:crossBetween val="midCat"/>
       </c:valAx>
       <c:valAx>
-        <c:axId val="65748992"/>
+        <c:axId val="64118144"/>
         <c:scaling>
           <c:orientation val="minMax"/>
         </c:scaling>
@@ -5569,7 +5670,7 @@
               <a:lstStyle/>
               <a:p>
                 <a:pPr>
-                  <a:defRPr/>
+                  <a:defRPr lang="en-IN"/>
                 </a:pPr>
                 <a:r>
                   <a:rPr lang="en-US"/>
@@ -5582,14 +5683,24 @@
             <c:manualLayout>
               <c:xMode val="edge"/>
               <c:yMode val="edge"/>
-              <c:x val="3.9653980752405955E-2"/>
-              <c:y val="0.38329368985126866"/>
+              <c:x val="3.9653980752405976E-2"/>
+              <c:y val="0.38329368985126883"/>
             </c:manualLayout>
           </c:layout>
         </c:title>
         <c:numFmt formatCode="General" sourceLinked="1"/>
         <c:tickLblPos val="nextTo"/>
-        <c:crossAx val="64022400"/>
+        <c:txPr>
+          <a:bodyPr/>
+          <a:lstStyle/>
+          <a:p>
+            <a:pPr>
+              <a:defRPr lang="en-IN"/>
+            </a:pPr>
+            <a:endParaRPr lang="en-US"/>
+          </a:p>
+        </c:txPr>
+        <c:crossAx val="64116224"/>
         <c:crosses val="autoZero"/>
         <c:crossBetween val="midCat"/>
       </c:valAx>
@@ -5597,6 +5708,16 @@
     <c:legend>
       <c:legendPos val="r"/>
       <c:layout/>
+      <c:txPr>
+        <a:bodyPr/>
+        <a:lstStyle/>
+        <a:p>
+          <a:pPr>
+            <a:defRPr lang="en-IN"/>
+          </a:pPr>
+          <a:endParaRPr lang="en-US"/>
+        </a:p>
+      </c:txPr>
     </c:legend>
     <c:plotVisOnly val="1"/>
   </c:chart>
@@ -5616,7 +5737,7 @@
           <a:lstStyle/>
           <a:p>
             <a:pPr>
-              <a:defRPr/>
+              <a:defRPr lang="en-IN"/>
             </a:pPr>
             <a:r>
               <a:rPr lang="en-US"/>
@@ -5629,7 +5750,7 @@
         <c:manualLayout>
           <c:xMode val="edge"/>
           <c:yMode val="edge"/>
-          <c:x val="0.42371008311461078"/>
+          <c:x val="0.42371008311461111"/>
           <c:y val="3.9286351706036754E-2"/>
         </c:manualLayout>
       </c:layout>
@@ -5640,10 +5761,10 @@
           <c:layoutTarget val="inner"/>
           <c:xMode val="edge"/>
           <c:yMode val="edge"/>
-          <c:x val="0.10033573928258971"/>
-          <c:y val="0.14147007874015746"/>
+          <c:x val="0.10033573928258978"/>
+          <c:y val="0.14147007874015738"/>
           <c:w val="0.76666426071741034"/>
-          <c:h val="0.67887296587926493"/>
+          <c:h val="0.6788729658792646"/>
         </c:manualLayout>
       </c:layout>
       <c:scatterChart>
@@ -5673,22 +5794,22 @@
                   <c:formatCode>General</c:formatCode>
                   <c:ptCount val="21"/>
                   <c:pt idx="0">
-                    <c:v>11.817360111293889</c:v>
+                    <c:v>11.817360111293883</c:v>
                   </c:pt>
                   <c:pt idx="1">
                     <c:v>10.174399245164309</c:v>
                   </c:pt>
                   <c:pt idx="2">
-                    <c:v>13.430353681120978</c:v>
+                    <c:v>13.430353681120973</c:v>
                   </c:pt>
                   <c:pt idx="3">
-                    <c:v>10.072457495566814</c:v>
+                    <c:v>10.072457495566821</c:v>
                   </c:pt>
                   <c:pt idx="4">
                     <c:v>13.588583443464588</c:v>
                   </c:pt>
                   <c:pt idx="5">
-                    <c:v>13.348393161725497</c:v>
+                    <c:v>13.348393161725491</c:v>
                   </c:pt>
                   <c:pt idx="6">
                     <c:v>13.2685492801587</c:v>
@@ -5709,28 +5830,28 @@
                     <c:v>12.275846203011829</c:v>
                   </c:pt>
                   <c:pt idx="12">
-                    <c:v>20.329289215316898</c:v>
+                    <c:v>20.329289215316887</c:v>
                   </c:pt>
                   <c:pt idx="13">
                     <c:v>13.99005360961851</c:v>
                   </c:pt>
                   <c:pt idx="14">
-                    <c:v>17.075409219108035</c:v>
+                    <c:v>17.075409219108021</c:v>
                   </c:pt>
                   <c:pt idx="15">
                     <c:v>19.916465549891132</c:v>
                   </c:pt>
                   <c:pt idx="16">
-                    <c:v>15.539227780041067</c:v>
+                    <c:v>15.539227780041061</c:v>
                   </c:pt>
                   <c:pt idx="17">
-                    <c:v>17.854926491027623</c:v>
+                    <c:v>17.85492649102763</c:v>
                   </c:pt>
                   <c:pt idx="18">
-                    <c:v>19.089525923919638</c:v>
+                    <c:v>19.089525923919627</c:v>
                   </c:pt>
                   <c:pt idx="19">
-                    <c:v>21.661772780638238</c:v>
+                    <c:v>21.661772780638227</c:v>
                   </c:pt>
                   <c:pt idx="20">
                     <c:v>22.734783922439199</c:v>
@@ -5745,22 +5866,22 @@
                   <c:formatCode>General</c:formatCode>
                   <c:ptCount val="21"/>
                   <c:pt idx="0">
-                    <c:v>11.817360111293889</c:v>
+                    <c:v>11.817360111293883</c:v>
                   </c:pt>
                   <c:pt idx="1">
                     <c:v>10.174399245164309</c:v>
                   </c:pt>
                   <c:pt idx="2">
-                    <c:v>13.430353681120978</c:v>
+                    <c:v>13.430353681120973</c:v>
                   </c:pt>
                   <c:pt idx="3">
-                    <c:v>10.072457495566814</c:v>
+                    <c:v>10.072457495566821</c:v>
                   </c:pt>
                   <c:pt idx="4">
                     <c:v>13.588583443464588</c:v>
                   </c:pt>
                   <c:pt idx="5">
-                    <c:v>13.348393161725497</c:v>
+                    <c:v>13.348393161725491</c:v>
                   </c:pt>
                   <c:pt idx="6">
                     <c:v>13.2685492801587</c:v>
@@ -5781,28 +5902,28 @@
                     <c:v>12.275846203011829</c:v>
                   </c:pt>
                   <c:pt idx="12">
-                    <c:v>20.329289215316898</c:v>
+                    <c:v>20.329289215316887</c:v>
                   </c:pt>
                   <c:pt idx="13">
                     <c:v>13.99005360961851</c:v>
                   </c:pt>
                   <c:pt idx="14">
-                    <c:v>17.075409219108035</c:v>
+                    <c:v>17.075409219108021</c:v>
                   </c:pt>
                   <c:pt idx="15">
                     <c:v>19.916465549891132</c:v>
                   </c:pt>
                   <c:pt idx="16">
-                    <c:v>15.539227780041067</c:v>
+                    <c:v>15.539227780041061</c:v>
                   </c:pt>
                   <c:pt idx="17">
-                    <c:v>17.854926491027623</c:v>
+                    <c:v>17.85492649102763</c:v>
                   </c:pt>
                   <c:pt idx="18">
-                    <c:v>19.089525923919638</c:v>
+                    <c:v>19.089525923919627</c:v>
                   </c:pt>
                   <c:pt idx="19">
-                    <c:v>21.661772780638238</c:v>
+                    <c:v>21.661772780638227</c:v>
                   </c:pt>
                   <c:pt idx="20">
                     <c:v>22.734783922439199</c:v>
@@ -5827,7 +5948,7 @@
                   <c:v>0.1</c:v>
                 </c:pt>
                 <c:pt idx="3">
-                  <c:v>0.15000000000000002</c:v>
+                  <c:v>0.15000000000000011</c:v>
                 </c:pt>
                 <c:pt idx="4">
                   <c:v>0.2</c:v>
@@ -5836,10 +5957,10 @@
                   <c:v>0.25</c:v>
                 </c:pt>
                 <c:pt idx="6">
-                  <c:v>0.30000000000000004</c:v>
+                  <c:v>0.30000000000000021</c:v>
                 </c:pt>
                 <c:pt idx="7">
-                  <c:v>0.35000000000000003</c:v>
+                  <c:v>0.3500000000000002</c:v>
                 </c:pt>
                 <c:pt idx="8">
                   <c:v>0.4</c:v>
@@ -5854,28 +5975,28 @@
                   <c:v>0.55000000000000004</c:v>
                 </c:pt>
                 <c:pt idx="12">
-                  <c:v>0.6000000000000002</c:v>
+                  <c:v>0.60000000000000053</c:v>
                 </c:pt>
                 <c:pt idx="13">
-                  <c:v>0.65000000000000013</c:v>
+                  <c:v>0.65000000000000058</c:v>
                 </c:pt>
                 <c:pt idx="14">
-                  <c:v>0.70000000000000018</c:v>
+                  <c:v>0.70000000000000051</c:v>
                 </c:pt>
                 <c:pt idx="15">
-                  <c:v>0.75000000000000011</c:v>
+                  <c:v>0.75000000000000044</c:v>
                 </c:pt>
                 <c:pt idx="16">
                   <c:v>0.8</c:v>
                 </c:pt>
                 <c:pt idx="17">
-                  <c:v>0.8500000000000002</c:v>
+                  <c:v>0.85000000000000053</c:v>
                 </c:pt>
                 <c:pt idx="18">
                   <c:v>0.9</c:v>
                 </c:pt>
                 <c:pt idx="19">
-                  <c:v>0.95000000000000018</c:v>
+                  <c:v>0.95000000000000051</c:v>
                 </c:pt>
                 <c:pt idx="20">
                   <c:v>1</c:v>
@@ -5893,13 +6014,13 @@
                   <c:v>34.700000000000003</c:v>
                 </c:pt>
                 <c:pt idx="1">
-                  <c:v>30.959999999999997</c:v>
+                  <c:v>30.959999999999987</c:v>
                 </c:pt>
                 <c:pt idx="2">
-                  <c:v>33.839999999999996</c:v>
+                  <c:v>33.840000000000003</c:v>
                 </c:pt>
                 <c:pt idx="3">
-                  <c:v>32.839999999999996</c:v>
+                  <c:v>32.840000000000003</c:v>
                 </c:pt>
                 <c:pt idx="4">
                   <c:v>37.480000000000004</c:v>
@@ -5908,13 +6029,13 @@
                   <c:v>34.980000000000004</c:v>
                 </c:pt>
                 <c:pt idx="6">
-                  <c:v>36.839999999999996</c:v>
+                  <c:v>36.840000000000003</c:v>
                 </c:pt>
                 <c:pt idx="7">
                   <c:v>37.14</c:v>
                 </c:pt>
                 <c:pt idx="8">
-                  <c:v>37.260000000000005</c:v>
+                  <c:v>37.260000000000012</c:v>
                 </c:pt>
                 <c:pt idx="9">
                   <c:v>37.74</c:v>
@@ -5929,13 +6050,13 @@
                   <c:v>43.8</c:v>
                 </c:pt>
                 <c:pt idx="13">
-                  <c:v>34.720000000000006</c:v>
+                  <c:v>34.720000000000013</c:v>
                 </c:pt>
                 <c:pt idx="14">
                   <c:v>43.52</c:v>
                 </c:pt>
                 <c:pt idx="15">
-                  <c:v>40.120000000000005</c:v>
+                  <c:v>40.120000000000012</c:v>
                 </c:pt>
                 <c:pt idx="16">
                   <c:v>45.18</c:v>
@@ -5988,25 +6109,25 @@
                     <c:v>12.30681112230134</c:v>
                   </c:pt>
                   <c:pt idx="2">
-                    <c:v>12.852766239218706</c:v>
+                    <c:v>12.85276623921872</c:v>
                   </c:pt>
                   <c:pt idx="3">
-                    <c:v>12.122639976506772</c:v>
+                    <c:v>12.122639976506777</c:v>
                   </c:pt>
                   <c:pt idx="4">
-                    <c:v>16.116376764024853</c:v>
+                    <c:v>16.116376764024864</c:v>
                   </c:pt>
                   <c:pt idx="5">
                     <c:v>18.771254619763699</c:v>
                   </c:pt>
                   <c:pt idx="6">
-                    <c:v>13.388427838995883</c:v>
+                    <c:v>13.388427838995884</c:v>
                   </c:pt>
                   <c:pt idx="7">
                     <c:v>11.506328693375661</c:v>
                   </c:pt>
                   <c:pt idx="8">
-                    <c:v>12.620633898501291</c:v>
+                    <c:v>12.620633898501298</c:v>
                   </c:pt>
                   <c:pt idx="9">
                     <c:v>19.88898187439468</c:v>
@@ -6021,7 +6142,7 @@
                     <c:v>11.52369732334202</c:v>
                   </c:pt>
                   <c:pt idx="13">
-                    <c:v>19.235685586950098</c:v>
+                    <c:v>19.235685586950087</c:v>
                   </c:pt>
                   <c:pt idx="14">
                     <c:v>13.59082043145299</c:v>
@@ -6036,13 +6157,13 @@
                     <c:v>17.091705590724409</c:v>
                   </c:pt>
                   <c:pt idx="18">
-                    <c:v>19.827506146764897</c:v>
+                    <c:v>19.827506146764886</c:v>
                   </c:pt>
                   <c:pt idx="19">
                     <c:v>16.55609857424146</c:v>
                   </c:pt>
                   <c:pt idx="20">
-                    <c:v>19.291749531859466</c:v>
+                    <c:v>19.291749531859455</c:v>
                   </c:pt>
                 </c:numCache>
               </c:numRef>
@@ -6060,25 +6181,25 @@
                     <c:v>12.30681112230134</c:v>
                   </c:pt>
                   <c:pt idx="2">
-                    <c:v>12.852766239218706</c:v>
+                    <c:v>12.85276623921872</c:v>
                   </c:pt>
                   <c:pt idx="3">
-                    <c:v>12.122639976506772</c:v>
+                    <c:v>12.122639976506777</c:v>
                   </c:pt>
                   <c:pt idx="4">
-                    <c:v>16.116376764024853</c:v>
+                    <c:v>16.116376764024864</c:v>
                   </c:pt>
                   <c:pt idx="5">
                     <c:v>18.771254619763699</c:v>
                   </c:pt>
                   <c:pt idx="6">
-                    <c:v>13.388427838995883</c:v>
+                    <c:v>13.388427838995884</c:v>
                   </c:pt>
                   <c:pt idx="7">
                     <c:v>11.506328693375661</c:v>
                   </c:pt>
                   <c:pt idx="8">
-                    <c:v>12.620633898501291</c:v>
+                    <c:v>12.620633898501298</c:v>
                   </c:pt>
                   <c:pt idx="9">
                     <c:v>19.88898187439468</c:v>
@@ -6093,7 +6214,7 @@
                     <c:v>11.52369732334202</c:v>
                   </c:pt>
                   <c:pt idx="13">
-                    <c:v>19.235685586950098</c:v>
+                    <c:v>19.235685586950087</c:v>
                   </c:pt>
                   <c:pt idx="14">
                     <c:v>13.59082043145299</c:v>
@@ -6108,13 +6229,13 @@
                     <c:v>17.091705590724409</c:v>
                   </c:pt>
                   <c:pt idx="18">
-                    <c:v>19.827506146764897</c:v>
+                    <c:v>19.827506146764886</c:v>
                   </c:pt>
                   <c:pt idx="19">
                     <c:v>16.55609857424146</c:v>
                   </c:pt>
                   <c:pt idx="20">
-                    <c:v>19.291749531859466</c:v>
+                    <c:v>19.291749531859455</c:v>
                   </c:pt>
                 </c:numCache>
               </c:numRef>
@@ -6136,7 +6257,7 @@
                   <c:v>0.1</c:v>
                 </c:pt>
                 <c:pt idx="3">
-                  <c:v>0.15000000000000002</c:v>
+                  <c:v>0.15000000000000011</c:v>
                 </c:pt>
                 <c:pt idx="4">
                   <c:v>0.2</c:v>
@@ -6145,10 +6266,10 @@
                   <c:v>0.25</c:v>
                 </c:pt>
                 <c:pt idx="6">
-                  <c:v>0.30000000000000004</c:v>
+                  <c:v>0.30000000000000021</c:v>
                 </c:pt>
                 <c:pt idx="7">
-                  <c:v>0.35000000000000003</c:v>
+                  <c:v>0.3500000000000002</c:v>
                 </c:pt>
                 <c:pt idx="8">
                   <c:v>0.4</c:v>
@@ -6163,28 +6284,28 @@
                   <c:v>0.55000000000000004</c:v>
                 </c:pt>
                 <c:pt idx="12">
-                  <c:v>0.6000000000000002</c:v>
+                  <c:v>0.60000000000000053</c:v>
                 </c:pt>
                 <c:pt idx="13">
-                  <c:v>0.65000000000000013</c:v>
+                  <c:v>0.65000000000000058</c:v>
                 </c:pt>
                 <c:pt idx="14">
-                  <c:v>0.70000000000000018</c:v>
+                  <c:v>0.70000000000000051</c:v>
                 </c:pt>
                 <c:pt idx="15">
-                  <c:v>0.75000000000000011</c:v>
+                  <c:v>0.75000000000000044</c:v>
                 </c:pt>
                 <c:pt idx="16">
                   <c:v>0.8</c:v>
                 </c:pt>
                 <c:pt idx="17">
-                  <c:v>0.8500000000000002</c:v>
+                  <c:v>0.85000000000000053</c:v>
                 </c:pt>
                 <c:pt idx="18">
                   <c:v>0.9</c:v>
                 </c:pt>
                 <c:pt idx="19">
-                  <c:v>0.95000000000000018</c:v>
+                  <c:v>0.95000000000000051</c:v>
                 </c:pt>
                 <c:pt idx="20">
                   <c:v>1</c:v>
@@ -6217,16 +6338,16 @@
                   <c:v>39.6</c:v>
                 </c:pt>
                 <c:pt idx="6">
-                  <c:v>38.300000000000011</c:v>
+                  <c:v>38.300000000000004</c:v>
                 </c:pt>
                 <c:pt idx="7">
-                  <c:v>35.379999999999995</c:v>
+                  <c:v>35.380000000000003</c:v>
                 </c:pt>
                 <c:pt idx="8">
                   <c:v>38.14</c:v>
                 </c:pt>
                 <c:pt idx="9">
-                  <c:v>40.220000000000006</c:v>
+                  <c:v>40.220000000000013</c:v>
                 </c:pt>
                 <c:pt idx="10">
                   <c:v>38.56</c:v>
@@ -6235,16 +6356,16 @@
                   <c:v>41.08</c:v>
                 </c:pt>
                 <c:pt idx="12">
-                  <c:v>36.620000000000005</c:v>
+                  <c:v>36.620000000000012</c:v>
                 </c:pt>
                 <c:pt idx="13">
-                  <c:v>43.220000000000006</c:v>
+                  <c:v>43.220000000000013</c:v>
                 </c:pt>
                 <c:pt idx="14">
                   <c:v>42.36</c:v>
                 </c:pt>
                 <c:pt idx="15">
-                  <c:v>38.379999999999995</c:v>
+                  <c:v>38.380000000000003</c:v>
                 </c:pt>
                 <c:pt idx="16">
                   <c:v>45.32</c:v>
@@ -6256,7 +6377,7 @@
                   <c:v>43.3</c:v>
                 </c:pt>
                 <c:pt idx="19">
-                  <c:v>44.660000000000004</c:v>
+                  <c:v>44.660000000000011</c:v>
                 </c:pt>
                 <c:pt idx="20">
                   <c:v>42.78</c:v>
@@ -6291,7 +6412,7 @@
                   <c:formatCode>General</c:formatCode>
                   <c:ptCount val="21"/>
                   <c:pt idx="0">
-                    <c:v>10.073013451792859</c:v>
+                    <c:v>10.073013451792853</c:v>
                   </c:pt>
                   <c:pt idx="1">
                     <c:v>11.978664366280578</c:v>
@@ -6300,13 +6421,13 @@
                     <c:v>9.5949153201057484</c:v>
                   </c:pt>
                   <c:pt idx="3">
-                    <c:v>9.2493459228207033</c:v>
+                    <c:v>9.249345922820698</c:v>
                   </c:pt>
                   <c:pt idx="4">
-                    <c:v>11.729347807955913</c:v>
+                    <c:v>11.729347807955914</c:v>
                   </c:pt>
                   <c:pt idx="5">
-                    <c:v>10.499695233672261</c:v>
+                    <c:v>10.499695233672272</c:v>
                   </c:pt>
                   <c:pt idx="6">
                     <c:v>9.8392072851424377</c:v>
@@ -6321,10 +6442,10 @@
                     <c:v>8.0259828058624727</c:v>
                   </c:pt>
                   <c:pt idx="10">
-                    <c:v>8.4537329032800681</c:v>
+                    <c:v>8.4537329032800752</c:v>
                   </c:pt>
                   <c:pt idx="11">
-                    <c:v>7.7651529283073364</c:v>
+                    <c:v>7.7651529283073355</c:v>
                   </c:pt>
                   <c:pt idx="12">
                     <c:v>5.7910620787555027</c:v>
@@ -6333,10 +6454,10 @@
                     <c:v>5.3807434430569163</c:v>
                   </c:pt>
                   <c:pt idx="14">
-                    <c:v>6.4279390165122114</c:v>
+                    <c:v>6.4279390165122079</c:v>
                   </c:pt>
                   <c:pt idx="15">
-                    <c:v>5.6272195620928089</c:v>
+                    <c:v>5.6272195620928063</c:v>
                   </c:pt>
                   <c:pt idx="16">
                     <c:v>6.8813952073689242</c:v>
@@ -6345,7 +6466,7 @@
                     <c:v>4.4294017654757853</c:v>
                   </c:pt>
                   <c:pt idx="18">
-                    <c:v>3.5949408896392154</c:v>
+                    <c:v>3.5949408896392141</c:v>
                   </c:pt>
                   <c:pt idx="19">
                     <c:v>4.6029990223766077</c:v>
@@ -6363,7 +6484,7 @@
                   <c:formatCode>General</c:formatCode>
                   <c:ptCount val="21"/>
                   <c:pt idx="0">
-                    <c:v>10.073013451792859</c:v>
+                    <c:v>10.073013451792853</c:v>
                   </c:pt>
                   <c:pt idx="1">
                     <c:v>11.978664366280578</c:v>
@@ -6372,13 +6493,13 @@
                     <c:v>9.5949153201057484</c:v>
                   </c:pt>
                   <c:pt idx="3">
-                    <c:v>9.2493459228207033</c:v>
+                    <c:v>9.249345922820698</c:v>
                   </c:pt>
                   <c:pt idx="4">
-                    <c:v>11.729347807955913</c:v>
+                    <c:v>11.729347807955914</c:v>
                   </c:pt>
                   <c:pt idx="5">
-                    <c:v>10.499695233672261</c:v>
+                    <c:v>10.499695233672272</c:v>
                   </c:pt>
                   <c:pt idx="6">
                     <c:v>9.8392072851424377</c:v>
@@ -6393,10 +6514,10 @@
                     <c:v>8.0259828058624727</c:v>
                   </c:pt>
                   <c:pt idx="10">
-                    <c:v>8.4537329032800681</c:v>
+                    <c:v>8.4537329032800752</c:v>
                   </c:pt>
                   <c:pt idx="11">
-                    <c:v>7.7651529283073364</c:v>
+                    <c:v>7.7651529283073355</c:v>
                   </c:pt>
                   <c:pt idx="12">
                     <c:v>5.7910620787555027</c:v>
@@ -6405,10 +6526,10 @@
                     <c:v>5.3807434430569163</c:v>
                   </c:pt>
                   <c:pt idx="14">
-                    <c:v>6.4279390165122114</c:v>
+                    <c:v>6.4279390165122079</c:v>
                   </c:pt>
                   <c:pt idx="15">
-                    <c:v>5.6272195620928089</c:v>
+                    <c:v>5.6272195620928063</c:v>
                   </c:pt>
                   <c:pt idx="16">
                     <c:v>6.8813952073689242</c:v>
@@ -6417,7 +6538,7 @@
                     <c:v>4.4294017654757853</c:v>
                   </c:pt>
                   <c:pt idx="18">
-                    <c:v>3.5949408896392154</c:v>
+                    <c:v>3.5949408896392141</c:v>
                   </c:pt>
                   <c:pt idx="19">
                     <c:v>4.6029990223766077</c:v>
@@ -6445,7 +6566,7 @@
                   <c:v>0.1</c:v>
                 </c:pt>
                 <c:pt idx="3">
-                  <c:v>0.15000000000000002</c:v>
+                  <c:v>0.15000000000000011</c:v>
                 </c:pt>
                 <c:pt idx="4">
                   <c:v>0.2</c:v>
@@ -6454,10 +6575,10 @@
                   <c:v>0.25</c:v>
                 </c:pt>
                 <c:pt idx="6">
-                  <c:v>0.30000000000000004</c:v>
+                  <c:v>0.30000000000000021</c:v>
                 </c:pt>
                 <c:pt idx="7">
-                  <c:v>0.35000000000000003</c:v>
+                  <c:v>0.3500000000000002</c:v>
                 </c:pt>
                 <c:pt idx="8">
                   <c:v>0.4</c:v>
@@ -6472,28 +6593,28 @@
                   <c:v>0.55000000000000004</c:v>
                 </c:pt>
                 <c:pt idx="12">
-                  <c:v>0.6000000000000002</c:v>
+                  <c:v>0.60000000000000053</c:v>
                 </c:pt>
                 <c:pt idx="13">
-                  <c:v>0.65000000000000013</c:v>
+                  <c:v>0.65000000000000058</c:v>
                 </c:pt>
                 <c:pt idx="14">
-                  <c:v>0.70000000000000018</c:v>
+                  <c:v>0.70000000000000051</c:v>
                 </c:pt>
                 <c:pt idx="15">
-                  <c:v>0.75000000000000011</c:v>
+                  <c:v>0.75000000000000044</c:v>
                 </c:pt>
                 <c:pt idx="16">
                   <c:v>0.8</c:v>
                 </c:pt>
                 <c:pt idx="17">
-                  <c:v>0.8500000000000002</c:v>
+                  <c:v>0.85000000000000053</c:v>
                 </c:pt>
                 <c:pt idx="18">
                   <c:v>0.9</c:v>
                 </c:pt>
                 <c:pt idx="19">
-                  <c:v>0.95000000000000018</c:v>
+                  <c:v>0.95000000000000051</c:v>
                 </c:pt>
                 <c:pt idx="20">
                   <c:v>1</c:v>
@@ -6523,19 +6644,19 @@
                   <c:v>33.32</c:v>
                 </c:pt>
                 <c:pt idx="5">
-                  <c:v>29.419999999999998</c:v>
+                  <c:v>29.419999999999987</c:v>
                 </c:pt>
                 <c:pt idx="6">
                   <c:v>28.5</c:v>
                 </c:pt>
                 <c:pt idx="7">
-                  <c:v>26.259999999999998</c:v>
+                  <c:v>26.259999999999987</c:v>
                 </c:pt>
                 <c:pt idx="8">
                   <c:v>27.62</c:v>
                 </c:pt>
                 <c:pt idx="9">
-                  <c:v>25.939999999999998</c:v>
+                  <c:v>25.939999999999987</c:v>
                 </c:pt>
                 <c:pt idx="10">
                   <c:v>27.12</c:v>
@@ -6556,10 +6677,10 @@
                   <c:v>20.88</c:v>
                 </c:pt>
                 <c:pt idx="16">
-                  <c:v>19.079999999999995</c:v>
+                  <c:v>19.079999999999988</c:v>
                 </c:pt>
                 <c:pt idx="17">
-                  <c:v>16.979999999999997</c:v>
+                  <c:v>16.979999999999986</c:v>
                 </c:pt>
                 <c:pt idx="18">
                   <c:v>15.58</c:v>
@@ -6606,13 +6727,13 @@
                     <c:v>10.271144045333999</c:v>
                   </c:pt>
                   <c:pt idx="2">
-                    <c:v>8.7504285609334573</c:v>
+                    <c:v>8.750428560933452</c:v>
                   </c:pt>
                   <c:pt idx="3">
                     <c:v>9.8453847055358903</c:v>
                   </c:pt>
                   <c:pt idx="4">
-                    <c:v>7.4072667023673473</c:v>
+                    <c:v>7.40726670236735</c:v>
                   </c:pt>
                   <c:pt idx="5">
                     <c:v>9.0667745091625598</c:v>
@@ -6627,7 +6748,7 @@
                     <c:v>10.853570840972109</c:v>
                   </c:pt>
                   <c:pt idx="9">
-                    <c:v>9.8216902822273955</c:v>
+                    <c:v>9.8216902822274008</c:v>
                   </c:pt>
                   <c:pt idx="10">
                     <c:v>6.9983998171010491</c:v>
@@ -6639,10 +6760,10 @@
                     <c:v>6.3395898920986991</c:v>
                   </c:pt>
                   <c:pt idx="13">
-                    <c:v>7.3789159095357615</c:v>
+                    <c:v>7.3789159095357579</c:v>
                   </c:pt>
                   <c:pt idx="14">
-                    <c:v>6.1393484996374017</c:v>
+                    <c:v>6.1393484996374044</c:v>
                   </c:pt>
                   <c:pt idx="15">
                     <c:v>6.4084007365332569</c:v>
@@ -6651,13 +6772,13 @@
                     <c:v>5.9594966230378894</c:v>
                   </c:pt>
                   <c:pt idx="17">
-                    <c:v>6.358490386876432</c:v>
+                    <c:v>6.3584903868764293</c:v>
                   </c:pt>
                   <c:pt idx="18">
-                    <c:v>5.3822300210972029</c:v>
+                    <c:v>5.3822300210972003</c:v>
                   </c:pt>
                   <c:pt idx="19">
-                    <c:v>5.5099909255823665</c:v>
+                    <c:v>5.50999092558237</c:v>
                   </c:pt>
                   <c:pt idx="20">
                     <c:v>4.9421048147525157</c:v>
@@ -6694,7 +6815,7 @@
                   <c:v>0.1</c:v>
                 </c:pt>
                 <c:pt idx="3">
-                  <c:v>0.15000000000000002</c:v>
+                  <c:v>0.15000000000000011</c:v>
                 </c:pt>
                 <c:pt idx="4">
                   <c:v>0.2</c:v>
@@ -6703,10 +6824,10 @@
                   <c:v>0.25</c:v>
                 </c:pt>
                 <c:pt idx="6">
-                  <c:v>0.30000000000000004</c:v>
+                  <c:v>0.30000000000000021</c:v>
                 </c:pt>
                 <c:pt idx="7">
-                  <c:v>0.35000000000000003</c:v>
+                  <c:v>0.3500000000000002</c:v>
                 </c:pt>
                 <c:pt idx="8">
                   <c:v>0.4</c:v>
@@ -6721,28 +6842,28 @@
                   <c:v>0.55000000000000004</c:v>
                 </c:pt>
                 <c:pt idx="12">
-                  <c:v>0.6000000000000002</c:v>
+                  <c:v>0.60000000000000053</c:v>
                 </c:pt>
                 <c:pt idx="13">
-                  <c:v>0.65000000000000013</c:v>
+                  <c:v>0.65000000000000058</c:v>
                 </c:pt>
                 <c:pt idx="14">
-                  <c:v>0.70000000000000018</c:v>
+                  <c:v>0.70000000000000051</c:v>
                 </c:pt>
                 <c:pt idx="15">
-                  <c:v>0.75000000000000011</c:v>
+                  <c:v>0.75000000000000044</c:v>
                 </c:pt>
                 <c:pt idx="16">
                   <c:v>0.8</c:v>
                 </c:pt>
                 <c:pt idx="17">
-                  <c:v>0.8500000000000002</c:v>
+                  <c:v>0.85000000000000053</c:v>
                 </c:pt>
                 <c:pt idx="18">
                   <c:v>0.9</c:v>
                 </c:pt>
                 <c:pt idx="19">
-                  <c:v>0.95000000000000018</c:v>
+                  <c:v>0.95000000000000051</c:v>
                 </c:pt>
                 <c:pt idx="20">
                   <c:v>1</c:v>
@@ -6760,19 +6881,19 @@
                   <c:v>31.38</c:v>
                 </c:pt>
                 <c:pt idx="1">
-                  <c:v>31.939999999999998</c:v>
+                  <c:v>31.939999999999987</c:v>
                 </c:pt>
                 <c:pt idx="2">
                   <c:v>30.1</c:v>
                 </c:pt>
                 <c:pt idx="3">
-                  <c:v>30.779999999999998</c:v>
+                  <c:v>30.779999999999987</c:v>
                 </c:pt>
                 <c:pt idx="4">
                   <c:v>28.82</c:v>
                 </c:pt>
                 <c:pt idx="5">
-                  <c:v>28.439999999999998</c:v>
+                  <c:v>28.439999999999987</c:v>
                 </c:pt>
                 <c:pt idx="6">
                   <c:v>26.38</c:v>
@@ -6799,7 +6920,7 @@
                   <c:v>21.54</c:v>
                 </c:pt>
                 <c:pt idx="14">
-                  <c:v>20.779999999999998</c:v>
+                  <c:v>20.779999999999987</c:v>
                 </c:pt>
                 <c:pt idx="15">
                   <c:v>19.82</c:v>
@@ -6824,11 +6945,11 @@
           </c:yVal>
           <c:smooth val="1"/>
         </c:ser>
-        <c:axId val="66913024"/>
-        <c:axId val="66914944"/>
+        <c:axId val="65622400"/>
+        <c:axId val="65624320"/>
       </c:scatterChart>
       <c:valAx>
-        <c:axId val="66913024"/>
+        <c:axId val="65622400"/>
         <c:scaling>
           <c:orientation val="minMax"/>
           <c:max val="1.2"/>
@@ -6844,7 +6965,7 @@
               <a:lstStyle/>
               <a:p>
                 <a:pPr>
-                  <a:defRPr/>
+                  <a:defRPr lang="en-IN"/>
                 </a:pPr>
                 <a:r>
                   <a:rPr lang="en-US"/>
@@ -6858,18 +6979,28 @@
               <c:xMode val="edge"/>
               <c:yMode val="edge"/>
               <c:x val="0.44054986876640417"/>
-              <c:y val="0.90312493438320218"/>
+              <c:y val="0.90312493438320252"/>
             </c:manualLayout>
           </c:layout>
         </c:title>
         <c:numFmt formatCode="General" sourceLinked="1"/>
         <c:tickLblPos val="nextTo"/>
-        <c:crossAx val="66914944"/>
+        <c:txPr>
+          <a:bodyPr/>
+          <a:lstStyle/>
+          <a:p>
+            <a:pPr>
+              <a:defRPr lang="en-IN"/>
+            </a:pPr>
+            <a:endParaRPr lang="en-US"/>
+          </a:p>
+        </c:txPr>
+        <c:crossAx val="65624320"/>
         <c:crosses val="autoZero"/>
         <c:crossBetween val="midCat"/>
       </c:valAx>
       <c:valAx>
-        <c:axId val="66914944"/>
+        <c:axId val="65624320"/>
         <c:scaling>
           <c:orientation val="minMax"/>
         </c:scaling>
@@ -6883,7 +7014,7 @@
               <a:lstStyle/>
               <a:p>
                 <a:pPr>
-                  <a:defRPr/>
+                  <a:defRPr lang="en-IN"/>
                 </a:pPr>
                 <a:r>
                   <a:rPr lang="en-US"/>
@@ -6896,14 +7027,24 @@
             <c:manualLayout>
               <c:xMode val="edge"/>
               <c:yMode val="edge"/>
-              <c:x val="3.9751202974628183E-2"/>
-              <c:y val="0.38466482939632551"/>
+              <c:x val="3.9751202974628204E-2"/>
+              <c:y val="0.38466482939632568"/>
             </c:manualLayout>
           </c:layout>
         </c:title>
         <c:numFmt formatCode="General" sourceLinked="1"/>
         <c:tickLblPos val="nextTo"/>
-        <c:crossAx val="66913024"/>
+        <c:txPr>
+          <a:bodyPr/>
+          <a:lstStyle/>
+          <a:p>
+            <a:pPr>
+              <a:defRPr lang="en-IN"/>
+            </a:pPr>
+            <a:endParaRPr lang="en-US"/>
+          </a:p>
+        </c:txPr>
+        <c:crossAx val="65622400"/>
         <c:crosses val="autoZero"/>
         <c:crossBetween val="midCat"/>
       </c:valAx>
@@ -6911,6 +7052,16 @@
     <c:legend>
       <c:legendPos val="r"/>
       <c:layout/>
+      <c:txPr>
+        <a:bodyPr/>
+        <a:lstStyle/>
+        <a:p>
+          <a:pPr>
+            <a:defRPr lang="en-IN"/>
+          </a:pPr>
+          <a:endParaRPr lang="en-US"/>
+        </a:p>
+      </c:txPr>
     </c:legend>
     <c:plotVisOnly val="1"/>
   </c:chart>
@@ -6920,6 +7071,7 @@
 
 <file path=ppt/charts/chart6.xml><?xml version="1.0" encoding="utf-8"?>
 <c:chartSpace xmlns:c="http://schemas.openxmlformats.org/drawingml/2006/chart" xmlns:a="http://schemas.openxmlformats.org/drawingml/2006/main" xmlns:r="http://schemas.openxmlformats.org/officeDocument/2006/relationships">
+  <c:date1904 val="1"/>
   <c:lang val="en-US"/>
   <c:chart>
     <c:title>
@@ -6929,7 +7081,7 @@
           <a:lstStyle/>
           <a:p>
             <a:pPr>
-              <a:defRPr/>
+              <a:defRPr lang="en-IN"/>
             </a:pPr>
             <a:r>
               <a:rPr lang="en-US"/>
@@ -6953,10 +7105,10 @@
           <c:layoutTarget val="inner"/>
           <c:xMode val="edge"/>
           <c:yMode val="edge"/>
-          <c:x val="0.10866907261592304"/>
-          <c:y val="0.14147007874015746"/>
+          <c:x val="0.10866907261592308"/>
+          <c:y val="0.14147007874015738"/>
           <c:w val="0.76666426071741034"/>
-          <c:h val="0.67887296587926493"/>
+          <c:h val="0.6788729658792646"/>
         </c:manualLayout>
       </c:layout>
       <c:scatterChart>
@@ -6989,10 +7141,10 @@
                     <c:v>15.93036095008522</c:v>
                   </c:pt>
                   <c:pt idx="1">
-                    <c:v>13.668416148186301</c:v>
+                    <c:v>13.668416148186306</c:v>
                   </c:pt>
                   <c:pt idx="2">
-                    <c:v>10.491444133197302</c:v>
+                    <c:v>10.491444133197307</c:v>
                   </c:pt>
                   <c:pt idx="3">
                     <c:v>29.074359838180449</c:v>
@@ -7007,22 +7159,22 @@
                     <c:v>19.433054314749388</c:v>
                   </c:pt>
                   <c:pt idx="7">
-                    <c:v>20.723358801121016</c:v>
+                    <c:v>20.723358801121005</c:v>
                   </c:pt>
                   <c:pt idx="8">
-                    <c:v>15.906275491138707</c:v>
+                    <c:v>15.906275491138702</c:v>
                   </c:pt>
                   <c:pt idx="9">
                     <c:v>22.221152085344269</c:v>
                   </c:pt>
                   <c:pt idx="10">
-                    <c:v>31.906294049920618</c:v>
+                    <c:v>31.906294049920607</c:v>
                   </c:pt>
                   <c:pt idx="11">
                     <c:v>29.901812654085028</c:v>
                   </c:pt>
                   <c:pt idx="12">
-                    <c:v>25.448897815033167</c:v>
+                    <c:v>25.448897815033156</c:v>
                   </c:pt>
                   <c:pt idx="13">
                     <c:v>27.368039754428889</c:v>
@@ -7040,13 +7192,13 @@
                     <c:v>31.915945857831002</c:v>
                   </c:pt>
                   <c:pt idx="18">
-                    <c:v>18.935479925261983</c:v>
+                    <c:v>18.935479925261973</c:v>
                   </c:pt>
                   <c:pt idx="19">
-                    <c:v>27.986882641694837</c:v>
+                    <c:v>27.986882641694827</c:v>
                   </c:pt>
                   <c:pt idx="20">
-                    <c:v>23.784103935191666</c:v>
+                    <c:v>23.784103935191656</c:v>
                   </c:pt>
                 </c:numCache>
               </c:numRef>
@@ -7061,10 +7213,10 @@
                     <c:v>15.93036095008522</c:v>
                   </c:pt>
                   <c:pt idx="1">
-                    <c:v>13.668416148186301</c:v>
+                    <c:v>13.668416148186306</c:v>
                   </c:pt>
                   <c:pt idx="2">
-                    <c:v>10.491444133197302</c:v>
+                    <c:v>10.491444133197307</c:v>
                   </c:pt>
                   <c:pt idx="3">
                     <c:v>29.074359838180449</c:v>
@@ -7079,22 +7231,22 @@
                     <c:v>19.433054314749388</c:v>
                   </c:pt>
                   <c:pt idx="7">
-                    <c:v>20.723358801121016</c:v>
+                    <c:v>20.723358801121005</c:v>
                   </c:pt>
                   <c:pt idx="8">
-                    <c:v>15.906275491138707</c:v>
+                    <c:v>15.906275491138702</c:v>
                   </c:pt>
                   <c:pt idx="9">
                     <c:v>22.221152085344269</c:v>
                   </c:pt>
                   <c:pt idx="10">
-                    <c:v>31.906294049920618</c:v>
+                    <c:v>31.906294049920607</c:v>
                   </c:pt>
                   <c:pt idx="11">
                     <c:v>29.901812654085028</c:v>
                   </c:pt>
                   <c:pt idx="12">
-                    <c:v>25.448897815033167</c:v>
+                    <c:v>25.448897815033156</c:v>
                   </c:pt>
                   <c:pt idx="13">
                     <c:v>27.368039754428889</c:v>
@@ -7112,13 +7264,13 @@
                     <c:v>31.915945857831002</c:v>
                   </c:pt>
                   <c:pt idx="18">
-                    <c:v>18.935479925261983</c:v>
+                    <c:v>18.935479925261973</c:v>
                   </c:pt>
                   <c:pt idx="19">
-                    <c:v>27.986882641694837</c:v>
+                    <c:v>27.986882641694827</c:v>
                   </c:pt>
                   <c:pt idx="20">
-                    <c:v>23.784103935191666</c:v>
+                    <c:v>23.784103935191656</c:v>
                   </c:pt>
                 </c:numCache>
               </c:numRef>
@@ -7140,7 +7292,7 @@
                   <c:v>0.1</c:v>
                 </c:pt>
                 <c:pt idx="3">
-                  <c:v>0.15000000000000002</c:v>
+                  <c:v>0.15000000000000011</c:v>
                 </c:pt>
                 <c:pt idx="4">
                   <c:v>0.2</c:v>
@@ -7149,10 +7301,10 @@
                   <c:v>0.25</c:v>
                 </c:pt>
                 <c:pt idx="6">
-                  <c:v>0.30000000000000004</c:v>
+                  <c:v>0.30000000000000021</c:v>
                 </c:pt>
                 <c:pt idx="7">
-                  <c:v>0.35000000000000003</c:v>
+                  <c:v>0.3500000000000002</c:v>
                 </c:pt>
                 <c:pt idx="8">
                   <c:v>0.4</c:v>
@@ -7167,28 +7319,28 @@
                   <c:v>0.55000000000000004</c:v>
                 </c:pt>
                 <c:pt idx="12">
-                  <c:v>0.6000000000000002</c:v>
+                  <c:v>0.60000000000000053</c:v>
                 </c:pt>
                 <c:pt idx="13">
-                  <c:v>0.65000000000000013</c:v>
+                  <c:v>0.65000000000000058</c:v>
                 </c:pt>
                 <c:pt idx="14">
-                  <c:v>0.70000000000000018</c:v>
+                  <c:v>0.70000000000000051</c:v>
                 </c:pt>
                 <c:pt idx="15">
-                  <c:v>0.75000000000000011</c:v>
+                  <c:v>0.75000000000000044</c:v>
                 </c:pt>
                 <c:pt idx="16">
                   <c:v>0.8</c:v>
                 </c:pt>
                 <c:pt idx="17">
-                  <c:v>0.8500000000000002</c:v>
+                  <c:v>0.85000000000000053</c:v>
                 </c:pt>
                 <c:pt idx="18">
                   <c:v>0.9</c:v>
                 </c:pt>
                 <c:pt idx="19">
-                  <c:v>0.95000000000000018</c:v>
+                  <c:v>0.95000000000000051</c:v>
                 </c:pt>
                 <c:pt idx="20">
                   <c:v>1</c:v>
@@ -7203,7 +7355,7 @@
                 <c:formatCode>General</c:formatCode>
                 <c:ptCount val="21"/>
                 <c:pt idx="0">
-                  <c:v>22.939999999999998</c:v>
+                  <c:v>22.939999999999987</c:v>
                 </c:pt>
                 <c:pt idx="1">
                   <c:v>22.88</c:v>
@@ -7212,16 +7364,16 @@
                   <c:v>21.64</c:v>
                 </c:pt>
                 <c:pt idx="3">
-                  <c:v>30.959999999999997</c:v>
+                  <c:v>30.959999999999987</c:v>
                 </c:pt>
                 <c:pt idx="4">
                   <c:v>24.4</c:v>
                 </c:pt>
                 <c:pt idx="5">
-                  <c:v>28.279999999999998</c:v>
+                  <c:v>28.279999999999987</c:v>
                 </c:pt>
                 <c:pt idx="6">
-                  <c:v>30.419999999999998</c:v>
+                  <c:v>30.419999999999987</c:v>
                 </c:pt>
                 <c:pt idx="7">
                   <c:v>31.32</c:v>
@@ -7230,7 +7382,7 @@
                   <c:v>29.52</c:v>
                 </c:pt>
                 <c:pt idx="9">
-                  <c:v>30.979999999999997</c:v>
+                  <c:v>30.979999999999986</c:v>
                 </c:pt>
                 <c:pt idx="10">
                   <c:v>37.78</c:v>
@@ -7257,10 +7409,10 @@
                   <c:v>42.82</c:v>
                 </c:pt>
                 <c:pt idx="18">
-                  <c:v>35.260000000000005</c:v>
+                  <c:v>35.260000000000012</c:v>
                 </c:pt>
                 <c:pt idx="19">
-                  <c:v>39.879999999999995</c:v>
+                  <c:v>39.880000000000003</c:v>
                 </c:pt>
                 <c:pt idx="20">
                   <c:v>42.42</c:v>
@@ -7295,13 +7447,13 @@
                   <c:formatCode>General</c:formatCode>
                   <c:ptCount val="21"/>
                   <c:pt idx="0">
-                    <c:v>16.244986919046752</c:v>
+                    <c:v>16.244986919046763</c:v>
                   </c:pt>
                   <c:pt idx="1">
-                    <c:v>19.119215465075975</c:v>
+                    <c:v>19.119215465075989</c:v>
                   </c:pt>
                   <c:pt idx="2">
-                    <c:v>15.406492138056613</c:v>
+                    <c:v>15.406492138056622</c:v>
                   </c:pt>
                   <c:pt idx="3">
                     <c:v>19.27200041511</c:v>
@@ -7310,13 +7462,13 @@
                     <c:v>17.637743619862491</c:v>
                   </c:pt>
                   <c:pt idx="5">
-                    <c:v>16.468454693747066</c:v>
+                    <c:v>16.468454693747056</c:v>
                   </c:pt>
                   <c:pt idx="6">
                     <c:v>24.107003131870211</c:v>
                   </c:pt>
                   <c:pt idx="7">
-                    <c:v>32.601380338875224</c:v>
+                    <c:v>32.601380338875259</c:v>
                   </c:pt>
                   <c:pt idx="8">
                     <c:v>25.503795795920269</c:v>
@@ -7331,10 +7483,10 @@
                     <c:v>23.412825544987086</c:v>
                   </c:pt>
                   <c:pt idx="12">
-                    <c:v>21.843452108126137</c:v>
+                    <c:v>21.843452108126129</c:v>
                   </c:pt>
                   <c:pt idx="13">
-                    <c:v>19.709500247342646</c:v>
+                    <c:v>19.709500247342636</c:v>
                   </c:pt>
                   <c:pt idx="14">
                     <c:v>34.217328943095481</c:v>
@@ -7346,16 +7498,16 @@
                     <c:v>26.441490124423769</c:v>
                   </c:pt>
                   <c:pt idx="17">
-                    <c:v>25.690901113040002</c:v>
+                    <c:v>25.690901113040024</c:v>
                   </c:pt>
                   <c:pt idx="18">
-                    <c:v>37.014051385926393</c:v>
+                    <c:v>37.014051385926372</c:v>
                   </c:pt>
                   <c:pt idx="19">
                     <c:v>39.382452945442594</c:v>
                   </c:pt>
                   <c:pt idx="20">
-                    <c:v>33.679334910297747</c:v>
+                    <c:v>33.679334910297761</c:v>
                   </c:pt>
                 </c:numCache>
               </c:numRef>
@@ -7367,13 +7519,13 @@
                   <c:formatCode>General</c:formatCode>
                   <c:ptCount val="21"/>
                   <c:pt idx="0">
-                    <c:v>16.244986919046752</c:v>
+                    <c:v>16.244986919046763</c:v>
                   </c:pt>
                   <c:pt idx="1">
-                    <c:v>19.119215465075975</c:v>
+                    <c:v>19.119215465075989</c:v>
                   </c:pt>
                   <c:pt idx="2">
-                    <c:v>15.406492138056613</c:v>
+                    <c:v>15.406492138056622</c:v>
                   </c:pt>
                   <c:pt idx="3">
                     <c:v>19.27200041511</c:v>
@@ -7382,13 +7534,13 @@
                     <c:v>17.637743619862491</c:v>
                   </c:pt>
                   <c:pt idx="5">
-                    <c:v>16.468454693747066</c:v>
+                    <c:v>16.468454693747056</c:v>
                   </c:pt>
                   <c:pt idx="6">
                     <c:v>24.107003131870211</c:v>
                   </c:pt>
                   <c:pt idx="7">
-                    <c:v>32.601380338875224</c:v>
+                    <c:v>32.601380338875259</c:v>
                   </c:pt>
                   <c:pt idx="8">
                     <c:v>25.503795795920269</c:v>
@@ -7403,10 +7555,10 @@
                     <c:v>23.412825544987086</c:v>
                   </c:pt>
                   <c:pt idx="12">
-                    <c:v>21.843452108126137</c:v>
+                    <c:v>21.843452108126129</c:v>
                   </c:pt>
                   <c:pt idx="13">
-                    <c:v>19.709500247342646</c:v>
+                    <c:v>19.709500247342636</c:v>
                   </c:pt>
                   <c:pt idx="14">
                     <c:v>34.217328943095481</c:v>
@@ -7418,16 +7570,16 @@
                     <c:v>26.441490124423769</c:v>
                   </c:pt>
                   <c:pt idx="17">
-                    <c:v>25.690901113040002</c:v>
+                    <c:v>25.690901113040024</c:v>
                   </c:pt>
                   <c:pt idx="18">
-                    <c:v>37.014051385926393</c:v>
+                    <c:v>37.014051385926372</c:v>
                   </c:pt>
                   <c:pt idx="19">
                     <c:v>39.382452945442594</c:v>
                   </c:pt>
                   <c:pt idx="20">
-                    <c:v>33.679334910297747</c:v>
+                    <c:v>33.679334910297761</c:v>
                   </c:pt>
                 </c:numCache>
               </c:numRef>
@@ -7449,7 +7601,7 @@
                   <c:v>0.1</c:v>
                 </c:pt>
                 <c:pt idx="3">
-                  <c:v>0.15000000000000002</c:v>
+                  <c:v>0.15000000000000011</c:v>
                 </c:pt>
                 <c:pt idx="4">
                   <c:v>0.2</c:v>
@@ -7458,10 +7610,10 @@
                   <c:v>0.25</c:v>
                 </c:pt>
                 <c:pt idx="6">
-                  <c:v>0.30000000000000004</c:v>
+                  <c:v>0.30000000000000021</c:v>
                 </c:pt>
                 <c:pt idx="7">
-                  <c:v>0.35000000000000003</c:v>
+                  <c:v>0.3500000000000002</c:v>
                 </c:pt>
                 <c:pt idx="8">
                   <c:v>0.4</c:v>
@@ -7476,28 +7628,28 @@
                   <c:v>0.55000000000000004</c:v>
                 </c:pt>
                 <c:pt idx="12">
-                  <c:v>0.6000000000000002</c:v>
+                  <c:v>0.60000000000000053</c:v>
                 </c:pt>
                 <c:pt idx="13">
-                  <c:v>0.65000000000000013</c:v>
+                  <c:v>0.65000000000000058</c:v>
                 </c:pt>
                 <c:pt idx="14">
-                  <c:v>0.70000000000000018</c:v>
+                  <c:v>0.70000000000000051</c:v>
                 </c:pt>
                 <c:pt idx="15">
-                  <c:v>0.75000000000000011</c:v>
+                  <c:v>0.75000000000000044</c:v>
                 </c:pt>
                 <c:pt idx="16">
                   <c:v>0.8</c:v>
                 </c:pt>
                 <c:pt idx="17">
-                  <c:v>0.8500000000000002</c:v>
+                  <c:v>0.85000000000000053</c:v>
                 </c:pt>
                 <c:pt idx="18">
                   <c:v>0.9</c:v>
                 </c:pt>
                 <c:pt idx="19">
-                  <c:v>0.95000000000000018</c:v>
+                  <c:v>0.95000000000000051</c:v>
                 </c:pt>
                 <c:pt idx="20">
                   <c:v>1</c:v>
@@ -7551,10 +7703,10 @@
                   <c:v>33.94</c:v>
                 </c:pt>
                 <c:pt idx="13">
-                  <c:v>33.660000000000004</c:v>
+                  <c:v>33.660000000000011</c:v>
                 </c:pt>
                 <c:pt idx="14">
-                  <c:v>44.120000000000005</c:v>
+                  <c:v>44.120000000000012</c:v>
                 </c:pt>
                 <c:pt idx="15">
                   <c:v>39.32</c:v>
@@ -7607,10 +7759,10 @@
                     <c:v>13.56862557520105</c:v>
                   </c:pt>
                   <c:pt idx="1">
-                    <c:v>17.463344467770195</c:v>
+                    <c:v>17.463344467770181</c:v>
                   </c:pt>
                   <c:pt idx="2">
-                    <c:v>15.905080949180993</c:v>
+                    <c:v>15.905080949181002</c:v>
                   </c:pt>
                   <c:pt idx="3">
                     <c:v>11.212296820901592</c:v>
@@ -7628,16 +7780,16 @@
                     <c:v>8.5327838364744721</c:v>
                   </c:pt>
                   <c:pt idx="8">
-                    <c:v>9.3125506710030859</c:v>
+                    <c:v>9.3125506710030947</c:v>
                   </c:pt>
                   <c:pt idx="9">
-                    <c:v>6.1307095837268317</c:v>
+                    <c:v>6.1307095837268344</c:v>
                   </c:pt>
                   <c:pt idx="10">
-                    <c:v>6.6224164773895007</c:v>
+                    <c:v>6.6224164773894936</c:v>
                   </c:pt>
                   <c:pt idx="11">
-                    <c:v>7.3543456541013894</c:v>
+                    <c:v>7.3543456541013885</c:v>
                   </c:pt>
                   <c:pt idx="12">
                     <c:v>6.7111846942250075</c:v>
@@ -7652,16 +7804,16 @@
                     <c:v>5.9999999999999991</c:v>
                   </c:pt>
                   <c:pt idx="16">
-                    <c:v>3.1192947920964444</c:v>
+                    <c:v>3.1192947920964458</c:v>
                   </c:pt>
                   <c:pt idx="17">
-                    <c:v>1.9983993594874867</c:v>
+                    <c:v>1.998399359487486</c:v>
                   </c:pt>
                   <c:pt idx="18">
                     <c:v>1.937937047481161</c:v>
                   </c:pt>
                   <c:pt idx="19">
-                    <c:v>2.0424495097798609</c:v>
+                    <c:v>2.0424495097798583</c:v>
                   </c:pt>
                   <c:pt idx="20">
                     <c:v>1.1634431657799189</c:v>
@@ -7679,10 +7831,10 @@
                     <c:v>13.56862557520105</c:v>
                   </c:pt>
                   <c:pt idx="1">
-                    <c:v>17.463344467770195</c:v>
+                    <c:v>17.463344467770181</c:v>
                   </c:pt>
                   <c:pt idx="2">
-                    <c:v>15.905080949180993</c:v>
+                    <c:v>15.905080949181002</c:v>
                   </c:pt>
                   <c:pt idx="3">
                     <c:v>11.212296820901592</c:v>
@@ -7700,16 +7852,16 @@
                     <c:v>8.5327838364744721</c:v>
                   </c:pt>
                   <c:pt idx="8">
-                    <c:v>9.3125506710030859</c:v>
+                    <c:v>9.3125506710030947</c:v>
                   </c:pt>
                   <c:pt idx="9">
-                    <c:v>6.1307095837268317</c:v>
+                    <c:v>6.1307095837268344</c:v>
                   </c:pt>
                   <c:pt idx="10">
-                    <c:v>6.6224164773895007</c:v>
+                    <c:v>6.6224164773894936</c:v>
                   </c:pt>
                   <c:pt idx="11">
-                    <c:v>7.3543456541013894</c:v>
+                    <c:v>7.3543456541013885</c:v>
                   </c:pt>
                   <c:pt idx="12">
                     <c:v>6.7111846942250075</c:v>
@@ -7724,16 +7876,16 @@
                     <c:v>5.9999999999999991</c:v>
                   </c:pt>
                   <c:pt idx="16">
-                    <c:v>3.1192947920964444</c:v>
+                    <c:v>3.1192947920964458</c:v>
                   </c:pt>
                   <c:pt idx="17">
-                    <c:v>1.9983993594874867</c:v>
+                    <c:v>1.998399359487486</c:v>
                   </c:pt>
                   <c:pt idx="18">
                     <c:v>1.937937047481161</c:v>
                   </c:pt>
                   <c:pt idx="19">
-                    <c:v>2.0424495097798609</c:v>
+                    <c:v>2.0424495097798583</c:v>
                   </c:pt>
                   <c:pt idx="20">
                     <c:v>1.1634431657799189</c:v>
@@ -7758,7 +7910,7 @@
                   <c:v>0.1</c:v>
                 </c:pt>
                 <c:pt idx="3">
-                  <c:v>0.15000000000000002</c:v>
+                  <c:v>0.15000000000000011</c:v>
                 </c:pt>
                 <c:pt idx="4">
                   <c:v>0.2</c:v>
@@ -7767,10 +7919,10 @@
                   <c:v>0.25</c:v>
                 </c:pt>
                 <c:pt idx="6">
-                  <c:v>0.30000000000000004</c:v>
+                  <c:v>0.30000000000000021</c:v>
                 </c:pt>
                 <c:pt idx="7">
-                  <c:v>0.35000000000000003</c:v>
+                  <c:v>0.3500000000000002</c:v>
                 </c:pt>
                 <c:pt idx="8">
                   <c:v>0.4</c:v>
@@ -7785,28 +7937,28 @@
                   <c:v>0.55000000000000004</c:v>
                 </c:pt>
                 <c:pt idx="12">
-                  <c:v>0.6000000000000002</c:v>
+                  <c:v>0.60000000000000053</c:v>
                 </c:pt>
                 <c:pt idx="13">
-                  <c:v>0.65000000000000013</c:v>
+                  <c:v>0.65000000000000058</c:v>
                 </c:pt>
                 <c:pt idx="14">
-                  <c:v>0.70000000000000018</c:v>
+                  <c:v>0.70000000000000051</c:v>
                 </c:pt>
                 <c:pt idx="15">
-                  <c:v>0.75000000000000011</c:v>
+                  <c:v>0.75000000000000044</c:v>
                 </c:pt>
                 <c:pt idx="16">
                   <c:v>0.8</c:v>
                 </c:pt>
                 <c:pt idx="17">
-                  <c:v>0.8500000000000002</c:v>
+                  <c:v>0.85000000000000053</c:v>
                 </c:pt>
                 <c:pt idx="18">
                   <c:v>0.9</c:v>
                 </c:pt>
                 <c:pt idx="19">
-                  <c:v>0.95000000000000018</c:v>
+                  <c:v>0.95000000000000051</c:v>
                 </c:pt>
                 <c:pt idx="20">
                   <c:v>1</c:v>
@@ -7824,10 +7976,10 @@
                   <c:v>23.18</c:v>
                 </c:pt>
                 <c:pt idx="1">
-                  <c:v>23.459999999999997</c:v>
+                  <c:v>23.459999999999987</c:v>
                 </c:pt>
                 <c:pt idx="2">
-                  <c:v>24.779999999999998</c:v>
+                  <c:v>24.779999999999987</c:v>
                 </c:pt>
                 <c:pt idx="3">
                   <c:v>19.38</c:v>
@@ -7845,7 +7997,7 @@
                   <c:v>17.54</c:v>
                 </c:pt>
                 <c:pt idx="8">
-                  <c:v>16.579999999999995</c:v>
+                  <c:v>16.579999999999988</c:v>
                 </c:pt>
                 <c:pt idx="9">
                   <c:v>13.12</c:v>
@@ -7860,7 +8012,7 @@
                   <c:v>12.4</c:v>
                 </c:pt>
                 <c:pt idx="13">
-                  <c:v>11.639999999999999</c:v>
+                  <c:v>11.64</c:v>
                 </c:pt>
                 <c:pt idx="14">
                   <c:v>10.62</c:v>
@@ -7875,7 +8027,7 @@
                   <c:v>7.92</c:v>
                 </c:pt>
                 <c:pt idx="18">
-                  <c:v>7.6199999999999992</c:v>
+                  <c:v>7.6199999999999966</c:v>
                 </c:pt>
                 <c:pt idx="19">
                   <c:v>7.22</c:v>
@@ -7916,7 +8068,7 @@
                     <c:v>10.00177984160819</c:v>
                   </c:pt>
                   <c:pt idx="1">
-                    <c:v>10.662476260231491</c:v>
+                    <c:v>10.662476260231497</c:v>
                   </c:pt>
                   <c:pt idx="2">
                     <c:v>9.1586898626386528</c:v>
@@ -7934,43 +8086,43 @@
                     <c:v>14.24613631831452</c:v>
                   </c:pt>
                   <c:pt idx="7">
-                    <c:v>7.6565266276556487</c:v>
+                    <c:v>7.6565266276556461</c:v>
                   </c:pt>
                   <c:pt idx="8">
-                    <c:v>7.4409945571811829</c:v>
+                    <c:v>7.4409945571811802</c:v>
                   </c:pt>
                   <c:pt idx="9">
-                    <c:v>8.2390290690104973</c:v>
+                    <c:v>8.2390290690104919</c:v>
                   </c:pt>
                   <c:pt idx="10">
                     <c:v>6.3102773314649179</c:v>
                   </c:pt>
                   <c:pt idx="11">
-                    <c:v>7.2497172358651358</c:v>
+                    <c:v>7.2497172358651385</c:v>
                   </c:pt>
                   <c:pt idx="12">
                     <c:v>5.6609539832081301</c:v>
                   </c:pt>
                   <c:pt idx="13">
-                    <c:v>5.3209397666201772</c:v>
+                    <c:v>5.3209397666201745</c:v>
                   </c:pt>
                   <c:pt idx="14">
-                    <c:v>3.9257610727093413</c:v>
+                    <c:v>3.9257610727093426</c:v>
                   </c:pt>
                   <c:pt idx="15">
                     <c:v>3.48</c:v>
                   </c:pt>
                   <c:pt idx="16">
-                    <c:v>2.9799328851502676</c:v>
+                    <c:v>2.9799328851502667</c:v>
                   </c:pt>
                   <c:pt idx="17">
                     <c:v>1.9287301521985909</c:v>
                   </c:pt>
                   <c:pt idx="18">
-                    <c:v>1.7116074316267742</c:v>
+                    <c:v>1.7116074316267749</c:v>
                   </c:pt>
                   <c:pt idx="19">
-                    <c:v>1.8629009635512035</c:v>
+                    <c:v>1.8629009635512048</c:v>
                   </c:pt>
                   <c:pt idx="20">
                     <c:v>1.3965672200076871</c:v>
@@ -8007,7 +8159,7 @@
                   <c:v>0.1</c:v>
                 </c:pt>
                 <c:pt idx="3">
-                  <c:v>0.15000000000000002</c:v>
+                  <c:v>0.15000000000000011</c:v>
                 </c:pt>
                 <c:pt idx="4">
                   <c:v>0.2</c:v>
@@ -8016,10 +8168,10 @@
                   <c:v>0.25</c:v>
                 </c:pt>
                 <c:pt idx="6">
-                  <c:v>0.30000000000000004</c:v>
+                  <c:v>0.30000000000000021</c:v>
                 </c:pt>
                 <c:pt idx="7">
-                  <c:v>0.35000000000000003</c:v>
+                  <c:v>0.3500000000000002</c:v>
                 </c:pt>
                 <c:pt idx="8">
                   <c:v>0.4</c:v>
@@ -8034,28 +8186,28 @@
                   <c:v>0.55000000000000004</c:v>
                 </c:pt>
                 <c:pt idx="12">
-                  <c:v>0.6000000000000002</c:v>
+                  <c:v>0.60000000000000053</c:v>
                 </c:pt>
                 <c:pt idx="13">
-                  <c:v>0.65000000000000013</c:v>
+                  <c:v>0.65000000000000058</c:v>
                 </c:pt>
                 <c:pt idx="14">
-                  <c:v>0.70000000000000018</c:v>
+                  <c:v>0.70000000000000051</c:v>
                 </c:pt>
                 <c:pt idx="15">
-                  <c:v>0.75000000000000011</c:v>
+                  <c:v>0.75000000000000044</c:v>
                 </c:pt>
                 <c:pt idx="16">
                   <c:v>0.8</c:v>
                 </c:pt>
                 <c:pt idx="17">
-                  <c:v>0.8500000000000002</c:v>
+                  <c:v>0.85000000000000053</c:v>
                 </c:pt>
                 <c:pt idx="18">
                   <c:v>0.9</c:v>
                 </c:pt>
                 <c:pt idx="19">
-                  <c:v>0.95000000000000018</c:v>
+                  <c:v>0.95000000000000051</c:v>
                 </c:pt>
                 <c:pt idx="20">
                   <c:v>1</c:v>
@@ -8073,13 +8225,13 @@
                   <c:v>21.62</c:v>
                 </c:pt>
                 <c:pt idx="1">
-                  <c:v>19.459999999999997</c:v>
+                  <c:v>19.459999999999987</c:v>
                 </c:pt>
                 <c:pt idx="2">
                   <c:v>18.72</c:v>
                 </c:pt>
                 <c:pt idx="3">
-                  <c:v>19.479999999999997</c:v>
+                  <c:v>19.479999999999986</c:v>
                 </c:pt>
                 <c:pt idx="4">
                   <c:v>17.760000000000002</c:v>
@@ -8097,7 +8249,7 @@
                   <c:v>15.54</c:v>
                 </c:pt>
                 <c:pt idx="9">
-                  <c:v>14.719999999999999</c:v>
+                  <c:v>14.72</c:v>
                 </c:pt>
                 <c:pt idx="10">
                   <c:v>12.98</c:v>
@@ -8109,13 +8261,13 @@
                   <c:v>12.44</c:v>
                 </c:pt>
                 <c:pt idx="13">
-                  <c:v>10.739999999999998</c:v>
+                  <c:v>10.74</c:v>
                 </c:pt>
                 <c:pt idx="14">
                   <c:v>9.7800000000000011</c:v>
                 </c:pt>
                 <c:pt idx="15">
-                  <c:v>9.3600000000000012</c:v>
+                  <c:v>9.3600000000000048</c:v>
                 </c:pt>
                 <c:pt idx="16">
                   <c:v>8.8000000000000007</c:v>
@@ -8127,7 +8279,7 @@
                   <c:v>7.52</c:v>
                 </c:pt>
                 <c:pt idx="19">
-                  <c:v>7.3599999999999994</c:v>
+                  <c:v>7.3599999999999985</c:v>
                 </c:pt>
                 <c:pt idx="20">
                   <c:v>6.64</c:v>
@@ -8137,11 +8289,11 @@
           </c:yVal>
           <c:smooth val="1"/>
         </c:ser>
-        <c:axId val="66973696"/>
-        <c:axId val="66975616"/>
+        <c:axId val="65662336"/>
+        <c:axId val="65676800"/>
       </c:scatterChart>
       <c:valAx>
-        <c:axId val="66973696"/>
+        <c:axId val="65662336"/>
         <c:scaling>
           <c:orientation val="minMax"/>
         </c:scaling>
@@ -8155,7 +8307,7 @@
               <a:lstStyle/>
               <a:p>
                 <a:pPr>
-                  <a:defRPr/>
+                  <a:defRPr lang="en-IN"/>
                 </a:pPr>
                 <a:r>
                   <a:rPr lang="en-US"/>
@@ -8169,18 +8321,28 @@
               <c:xMode val="edge"/>
               <c:yMode val="edge"/>
               <c:x val="0.45721653543307089"/>
-              <c:y val="0.90312493438320218"/>
+              <c:y val="0.90312493438320252"/>
             </c:manualLayout>
           </c:layout>
         </c:title>
         <c:numFmt formatCode="General" sourceLinked="1"/>
         <c:tickLblPos val="nextTo"/>
-        <c:crossAx val="66975616"/>
+        <c:txPr>
+          <a:bodyPr/>
+          <a:lstStyle/>
+          <a:p>
+            <a:pPr>
+              <a:defRPr lang="en-IN"/>
+            </a:pPr>
+            <a:endParaRPr lang="en-US"/>
+          </a:p>
+        </c:txPr>
+        <c:crossAx val="65676800"/>
         <c:crosses val="autoZero"/>
         <c:crossBetween val="midCat"/>
       </c:valAx>
       <c:valAx>
-        <c:axId val="66975616"/>
+        <c:axId val="65676800"/>
         <c:scaling>
           <c:orientation val="minMax"/>
         </c:scaling>
@@ -8194,7 +8356,7 @@
               <a:lstStyle/>
               <a:p>
                 <a:pPr>
-                  <a:defRPr/>
+                  <a:defRPr lang="en-IN"/>
                 </a:pPr>
                 <a:r>
                   <a:rPr lang="en-US"/>
@@ -8207,14 +8369,24 @@
             <c:manualLayout>
               <c:xMode val="edge"/>
               <c:yMode val="edge"/>
-              <c:x val="3.9653980752405955E-2"/>
+              <c:x val="3.9653980752405976E-2"/>
               <c:y val="0.40466482939632548"/>
             </c:manualLayout>
           </c:layout>
         </c:title>
         <c:numFmt formatCode="General" sourceLinked="1"/>
         <c:tickLblPos val="nextTo"/>
-        <c:crossAx val="66973696"/>
+        <c:txPr>
+          <a:bodyPr/>
+          <a:lstStyle/>
+          <a:p>
+            <a:pPr>
+              <a:defRPr lang="en-IN"/>
+            </a:pPr>
+            <a:endParaRPr lang="en-US"/>
+          </a:p>
+        </c:txPr>
+        <c:crossAx val="65662336"/>
         <c:crosses val="autoZero"/>
         <c:crossBetween val="midCat"/>
       </c:valAx>
@@ -8222,6 +8394,16 @@
     <c:legend>
       <c:legendPos val="r"/>
       <c:layout/>
+      <c:txPr>
+        <a:bodyPr/>
+        <a:lstStyle/>
+        <a:p>
+          <a:pPr>
+            <a:defRPr lang="en-IN"/>
+          </a:pPr>
+          <a:endParaRPr lang="en-US"/>
+        </a:p>
+      </c:txPr>
     </c:legend>
     <c:plotVisOnly val="1"/>
   </c:chart>
@@ -8241,7 +8423,7 @@
           <a:lstStyle/>
           <a:p>
             <a:pPr>
-              <a:defRPr/>
+              <a:defRPr lang="en-IN"/>
             </a:pPr>
             <a:r>
               <a:rPr lang="en-US"/>
@@ -8263,10 +8445,10 @@
           <c:layoutTarget val="inner"/>
           <c:xMode val="edge"/>
           <c:yMode val="edge"/>
-          <c:x val="0.10866907261592304"/>
+          <c:x val="0.10866907261592308"/>
           <c:y val="0.12535897856517936"/>
           <c:w val="0.77434470691163604"/>
-          <c:h val="0.70942831364829406"/>
+          <c:h val="0.70942831364829473"/>
         </c:manualLayout>
       </c:layout>
       <c:scatterChart>
@@ -8296,31 +8478,31 @@
                   <c:formatCode>General</c:formatCode>
                   <c:ptCount val="21"/>
                   <c:pt idx="0">
-                    <c:v>29.371714284324636</c:v>
+                    <c:v>29.371714284324629</c:v>
                   </c:pt>
                   <c:pt idx="1">
                     <c:v>25.857795729721431</c:v>
                   </c:pt>
                   <c:pt idx="2">
-                    <c:v>29.590160526769708</c:v>
+                    <c:v>29.590160526769697</c:v>
                   </c:pt>
                   <c:pt idx="3">
-                    <c:v>35.966184117862703</c:v>
+                    <c:v>35.966184117862674</c:v>
                   </c:pt>
                   <c:pt idx="4">
-                    <c:v>32.071644797234818</c:v>
+                    <c:v>32.071644797234789</c:v>
                   </c:pt>
                   <c:pt idx="5">
                     <c:v>31.932359762472927</c:v>
                   </c:pt>
                   <c:pt idx="6">
-                    <c:v>39.912484262445986</c:v>
+                    <c:v>39.912484262445965</c:v>
                   </c:pt>
                   <c:pt idx="7">
                     <c:v>32.368632964646494</c:v>
                   </c:pt>
                   <c:pt idx="8">
-                    <c:v>37.724162018526009</c:v>
+                    <c:v>37.72416201852603</c:v>
                   </c:pt>
                   <c:pt idx="9">
                     <c:v>35.731778573141305</c:v>
@@ -8335,28 +8517,28 @@
                     <c:v>44.1334159113024</c:v>
                   </c:pt>
                   <c:pt idx="13">
-                    <c:v>30.502039276087753</c:v>
+                    <c:v>30.502039276087732</c:v>
                   </c:pt>
                   <c:pt idx="14">
                     <c:v>41.006340973073911</c:v>
                   </c:pt>
                   <c:pt idx="15">
-                    <c:v>38.853385952835566</c:v>
+                    <c:v>38.853385952835545</c:v>
                   </c:pt>
                   <c:pt idx="16">
-                    <c:v>38.990439853892383</c:v>
+                    <c:v>38.990439853892347</c:v>
                   </c:pt>
                   <c:pt idx="17">
-                    <c:v>44.968771386374357</c:v>
+                    <c:v>44.968771386374378</c:v>
                   </c:pt>
                   <c:pt idx="18">
-                    <c:v>41.549989169673665</c:v>
+                    <c:v>41.549989169673623</c:v>
                   </c:pt>
                   <c:pt idx="19">
                     <c:v>39.798874355941273</c:v>
                   </c:pt>
                   <c:pt idx="20">
-                    <c:v>46.443359051644819</c:v>
+                    <c:v>46.443359051644791</c:v>
                   </c:pt>
                 </c:numCache>
               </c:numRef>
@@ -8368,31 +8550,31 @@
                   <c:formatCode>General</c:formatCode>
                   <c:ptCount val="21"/>
                   <c:pt idx="0">
-                    <c:v>29.371714284324636</c:v>
+                    <c:v>29.371714284324629</c:v>
                   </c:pt>
                   <c:pt idx="1">
                     <c:v>25.857795729721431</c:v>
                   </c:pt>
                   <c:pt idx="2">
-                    <c:v>29.590160526769708</c:v>
+                    <c:v>29.590160526769697</c:v>
                   </c:pt>
                   <c:pt idx="3">
-                    <c:v>35.966184117862703</c:v>
+                    <c:v>35.966184117862674</c:v>
                   </c:pt>
                   <c:pt idx="4">
-                    <c:v>32.071644797234818</c:v>
+                    <c:v>32.071644797234789</c:v>
                   </c:pt>
                   <c:pt idx="5">
                     <c:v>31.932359762472927</c:v>
                   </c:pt>
                   <c:pt idx="6">
-                    <c:v>39.912484262445986</c:v>
+                    <c:v>39.912484262445965</c:v>
                   </c:pt>
                   <c:pt idx="7">
                     <c:v>32.368632964646494</c:v>
                   </c:pt>
                   <c:pt idx="8">
-                    <c:v>37.724162018526009</c:v>
+                    <c:v>37.72416201852603</c:v>
                   </c:pt>
                   <c:pt idx="9">
                     <c:v>35.731778573141305</c:v>
@@ -8407,28 +8589,28 @@
                     <c:v>44.1334159113024</c:v>
                   </c:pt>
                   <c:pt idx="13">
-                    <c:v>30.502039276087753</c:v>
+                    <c:v>30.502039276087732</c:v>
                   </c:pt>
                   <c:pt idx="14">
                     <c:v>41.006340973073911</c:v>
                   </c:pt>
                   <c:pt idx="15">
-                    <c:v>38.853385952835566</c:v>
+                    <c:v>38.853385952835545</c:v>
                   </c:pt>
                   <c:pt idx="16">
-                    <c:v>38.990439853892383</c:v>
+                    <c:v>38.990439853892347</c:v>
                   </c:pt>
                   <c:pt idx="17">
-                    <c:v>44.968771386374357</c:v>
+                    <c:v>44.968771386374378</c:v>
                   </c:pt>
                   <c:pt idx="18">
-                    <c:v>41.549989169673665</c:v>
+                    <c:v>41.549989169673623</c:v>
                   </c:pt>
                   <c:pt idx="19">
                     <c:v>39.798874355941273</c:v>
                   </c:pt>
                   <c:pt idx="20">
-                    <c:v>46.443359051644819</c:v>
+                    <c:v>46.443359051644791</c:v>
                   </c:pt>
                 </c:numCache>
               </c:numRef>
@@ -8450,7 +8632,7 @@
                   <c:v>0.1</c:v>
                 </c:pt>
                 <c:pt idx="3">
-                  <c:v>0.15000000000000002</c:v>
+                  <c:v>0.15000000000000011</c:v>
                 </c:pt>
                 <c:pt idx="4">
                   <c:v>0.2</c:v>
@@ -8459,10 +8641,10 @@
                   <c:v>0.25</c:v>
                 </c:pt>
                 <c:pt idx="6">
-                  <c:v>0.30000000000000004</c:v>
+                  <c:v>0.30000000000000021</c:v>
                 </c:pt>
                 <c:pt idx="7">
-                  <c:v>0.35000000000000003</c:v>
+                  <c:v>0.3500000000000002</c:v>
                 </c:pt>
                 <c:pt idx="8">
                   <c:v>0.4</c:v>
@@ -8477,28 +8659,28 @@
                   <c:v>0.55000000000000004</c:v>
                 </c:pt>
                 <c:pt idx="12">
-                  <c:v>0.6000000000000002</c:v>
+                  <c:v>0.60000000000000053</c:v>
                 </c:pt>
                 <c:pt idx="13">
-                  <c:v>0.65000000000000013</c:v>
+                  <c:v>0.65000000000000058</c:v>
                 </c:pt>
                 <c:pt idx="14">
-                  <c:v>0.70000000000000018</c:v>
+                  <c:v>0.70000000000000051</c:v>
                 </c:pt>
                 <c:pt idx="15">
-                  <c:v>0.75000000000000011</c:v>
+                  <c:v>0.75000000000000044</c:v>
                 </c:pt>
                 <c:pt idx="16">
                   <c:v>0.8</c:v>
                 </c:pt>
                 <c:pt idx="17">
-                  <c:v>0.8500000000000002</c:v>
+                  <c:v>0.85000000000000053</c:v>
                 </c:pt>
                 <c:pt idx="18">
                   <c:v>0.9</c:v>
                 </c:pt>
                 <c:pt idx="19">
-                  <c:v>0.95000000000000018</c:v>
+                  <c:v>0.95000000000000051</c:v>
                 </c:pt>
                 <c:pt idx="20">
                   <c:v>1</c:v>
@@ -8516,13 +8698,13 @@
                   <c:v>70.319999999999993</c:v>
                 </c:pt>
                 <c:pt idx="1">
-                  <c:v>58.879999999999995</c:v>
+                  <c:v>58.88</c:v>
                 </c:pt>
                 <c:pt idx="2">
-                  <c:v>65.679999999999993</c:v>
+                  <c:v>65.679999999999978</c:v>
                 </c:pt>
                 <c:pt idx="3">
-                  <c:v>66.440000000000012</c:v>
+                  <c:v>66.440000000000026</c:v>
                 </c:pt>
                 <c:pt idx="4">
                   <c:v>75.36</c:v>
@@ -8611,7 +8793,7 @@
                     <c:v>26.648894911421749</c:v>
                   </c:pt>
                   <c:pt idx="2">
-                    <c:v>33.677440520324573</c:v>
+                    <c:v>33.677440520324552</c:v>
                   </c:pt>
                   <c:pt idx="3">
                     <c:v>23.436458776871561</c:v>
@@ -8620,7 +8802,7 @@
                     <c:v>19.288597668052493</c:v>
                   </c:pt>
                   <c:pt idx="5">
-                    <c:v>24.171793479177335</c:v>
+                    <c:v>24.171793479177321</c:v>
                   </c:pt>
                   <c:pt idx="6">
                     <c:v>20.912857289237159</c:v>
@@ -8683,7 +8865,7 @@
                     <c:v>26.648894911421749</c:v>
                   </c:pt>
                   <c:pt idx="2">
-                    <c:v>33.677440520324573</c:v>
+                    <c:v>33.677440520324552</c:v>
                   </c:pt>
                   <c:pt idx="3">
                     <c:v>23.436458776871561</c:v>
@@ -8692,7 +8874,7 @@
                     <c:v>19.288597668052493</c:v>
                   </c:pt>
                   <c:pt idx="5">
-                    <c:v>24.171793479177335</c:v>
+                    <c:v>24.171793479177321</c:v>
                   </c:pt>
                   <c:pt idx="6">
                     <c:v>20.912857289237159</c:v>
@@ -8759,7 +8941,7 @@
                   <c:v>0.1</c:v>
                 </c:pt>
                 <c:pt idx="3">
-                  <c:v>0.15000000000000002</c:v>
+                  <c:v>0.15000000000000011</c:v>
                 </c:pt>
                 <c:pt idx="4">
                   <c:v>0.2</c:v>
@@ -8768,10 +8950,10 @@
                   <c:v>0.25</c:v>
                 </c:pt>
                 <c:pt idx="6">
-                  <c:v>0.30000000000000004</c:v>
+                  <c:v>0.30000000000000021</c:v>
                 </c:pt>
                 <c:pt idx="7">
-                  <c:v>0.35000000000000003</c:v>
+                  <c:v>0.3500000000000002</c:v>
                 </c:pt>
                 <c:pt idx="8">
                   <c:v>0.4</c:v>
@@ -8786,28 +8968,28 @@
                   <c:v>0.55000000000000004</c:v>
                 </c:pt>
                 <c:pt idx="12">
-                  <c:v>0.6000000000000002</c:v>
+                  <c:v>0.60000000000000053</c:v>
                 </c:pt>
                 <c:pt idx="13">
-                  <c:v>0.65000000000000013</c:v>
+                  <c:v>0.65000000000000058</c:v>
                 </c:pt>
                 <c:pt idx="14">
-                  <c:v>0.70000000000000018</c:v>
+                  <c:v>0.70000000000000051</c:v>
                 </c:pt>
                 <c:pt idx="15">
-                  <c:v>0.75000000000000011</c:v>
+                  <c:v>0.75000000000000044</c:v>
                 </c:pt>
                 <c:pt idx="16">
                   <c:v>0.8</c:v>
                 </c:pt>
                 <c:pt idx="17">
-                  <c:v>0.8500000000000002</c:v>
+                  <c:v>0.85000000000000053</c:v>
                 </c:pt>
                 <c:pt idx="18">
                   <c:v>0.9</c:v>
                 </c:pt>
                 <c:pt idx="19">
-                  <c:v>0.95000000000000018</c:v>
+                  <c:v>0.95000000000000051</c:v>
                 </c:pt>
                 <c:pt idx="20">
                   <c:v>1</c:v>
@@ -8837,7 +9019,7 @@
                   <c:v>52.3</c:v>
                 </c:pt>
                 <c:pt idx="5">
-                  <c:v>56.620000000000005</c:v>
+                  <c:v>56.620000000000012</c:v>
                 </c:pt>
                 <c:pt idx="6">
                   <c:v>52.82</c:v>
@@ -8858,31 +9040,31 @@
                   <c:v>40.020000000000003</c:v>
                 </c:pt>
                 <c:pt idx="12">
-                  <c:v>37.339999999999996</c:v>
+                  <c:v>37.340000000000003</c:v>
                 </c:pt>
                 <c:pt idx="13">
                   <c:v>35.06</c:v>
                 </c:pt>
                 <c:pt idx="14">
-                  <c:v>34.120000000000005</c:v>
+                  <c:v>34.120000000000012</c:v>
                 </c:pt>
                 <c:pt idx="15">
                   <c:v>28.5</c:v>
                 </c:pt>
                 <c:pt idx="16">
-                  <c:v>24.939999999999998</c:v>
+                  <c:v>24.939999999999987</c:v>
                 </c:pt>
                 <c:pt idx="17">
-                  <c:v>21.259999999999998</c:v>
+                  <c:v>21.259999999999987</c:v>
                 </c:pt>
                 <c:pt idx="18">
-                  <c:v>16.979999999999997</c:v>
+                  <c:v>16.979999999999986</c:v>
                 </c:pt>
                 <c:pt idx="19">
                   <c:v>12.76</c:v>
                 </c:pt>
                 <c:pt idx="20">
-                  <c:v>8.6399999999999988</c:v>
+                  <c:v>8.64</c:v>
                 </c:pt>
               </c:numCache>
             </c:numRef>
@@ -8917,55 +9099,55 @@
                     <c:v>32.194589607572254</c:v>
                   </c:pt>
                   <c:pt idx="1">
-                    <c:v>26.459213896108096</c:v>
+                    <c:v>26.459213896108089</c:v>
                   </c:pt>
                   <c:pt idx="2">
-                    <c:v>30.123937325655163</c:v>
+                    <c:v>30.123937325655174</c:v>
                   </c:pt>
                   <c:pt idx="3">
-                    <c:v>20.908601100982338</c:v>
+                    <c:v>20.90860110098232</c:v>
                   </c:pt>
                   <c:pt idx="4">
-                    <c:v>20.947257577067216</c:v>
+                    <c:v>20.947257577067205</c:v>
                   </c:pt>
                   <c:pt idx="5">
                     <c:v>25.80523977799858</c:v>
                   </c:pt>
                   <c:pt idx="6">
-                    <c:v>22.593485786836883</c:v>
+                    <c:v>22.59348578683689</c:v>
                   </c:pt>
                   <c:pt idx="7">
-                    <c:v>26.059163455491053</c:v>
+                    <c:v>26.059163455491063</c:v>
                   </c:pt>
                   <c:pt idx="8">
                     <c:v>17.664937022248338</c:v>
                   </c:pt>
                   <c:pt idx="9">
-                    <c:v>18.463466630077892</c:v>
+                    <c:v>18.463466630077871</c:v>
                   </c:pt>
                   <c:pt idx="10">
                     <c:v>17.203488018422309</c:v>
                   </c:pt>
                   <c:pt idx="11">
-                    <c:v>15.885452464440542</c:v>
+                    <c:v>15.885452464440547</c:v>
                   </c:pt>
                   <c:pt idx="12">
-                    <c:v>13.555574499076021</c:v>
+                    <c:v>13.555574499076027</c:v>
                   </c:pt>
                   <c:pt idx="13">
                     <c:v>14.236024726025168</c:v>
                   </c:pt>
                   <c:pt idx="14">
-                    <c:v>14.552855389922621</c:v>
+                    <c:v>14.552855389922627</c:v>
                   </c:pt>
                   <c:pt idx="15">
-                    <c:v>9.3783580652478822</c:v>
+                    <c:v>9.3783580652478769</c:v>
                   </c:pt>
                   <c:pt idx="16">
-                    <c:v>9.7302826269333007</c:v>
+                    <c:v>9.7302826269332989</c:v>
                   </c:pt>
                   <c:pt idx="17">
-                    <c:v>7.6765617303581957</c:v>
+                    <c:v>7.6765617303581974</c:v>
                   </c:pt>
                   <c:pt idx="18">
                     <c:v>5.6044625076808217</c:v>
@@ -8974,7 +9156,7 @@
                     <c:v>3.9216833120485388</c:v>
                   </c:pt>
                   <c:pt idx="20">
-                    <c:v>1.1173182178770737</c:v>
+                    <c:v>1.1173182178770731</c:v>
                   </c:pt>
                 </c:numCache>
               </c:numRef>
@@ -8989,55 +9171,55 @@
                     <c:v>32.194589607572254</c:v>
                   </c:pt>
                   <c:pt idx="1">
-                    <c:v>26.459213896108096</c:v>
+                    <c:v>26.459213896108089</c:v>
                   </c:pt>
                   <c:pt idx="2">
-                    <c:v>30.123937325655163</c:v>
+                    <c:v>30.123937325655174</c:v>
                   </c:pt>
                   <c:pt idx="3">
-                    <c:v>20.908601100982338</c:v>
+                    <c:v>20.90860110098232</c:v>
                   </c:pt>
                   <c:pt idx="4">
-                    <c:v>20.947257577067216</c:v>
+                    <c:v>20.947257577067205</c:v>
                   </c:pt>
                   <c:pt idx="5">
                     <c:v>25.80523977799858</c:v>
                   </c:pt>
                   <c:pt idx="6">
-                    <c:v>22.593485786836883</c:v>
+                    <c:v>22.59348578683689</c:v>
                   </c:pt>
                   <c:pt idx="7">
-                    <c:v>26.059163455491053</c:v>
+                    <c:v>26.059163455491063</c:v>
                   </c:pt>
                   <c:pt idx="8">
                     <c:v>17.664937022248338</c:v>
                   </c:pt>
                   <c:pt idx="9">
-                    <c:v>18.463466630077892</c:v>
+                    <c:v>18.463466630077871</c:v>
                   </c:pt>
                   <c:pt idx="10">
                     <c:v>17.203488018422309</c:v>
                   </c:pt>
                   <c:pt idx="11">
-                    <c:v>15.885452464440542</c:v>
+                    <c:v>15.885452464440547</c:v>
                   </c:pt>
                   <c:pt idx="12">
-                    <c:v>13.555574499076021</c:v>
+                    <c:v>13.555574499076027</c:v>
                   </c:pt>
                   <c:pt idx="13">
                     <c:v>14.236024726025168</c:v>
                   </c:pt>
                   <c:pt idx="14">
-                    <c:v>14.552855389922621</c:v>
+                    <c:v>14.552855389922627</c:v>
                   </c:pt>
                   <c:pt idx="15">
-                    <c:v>9.3783580652478822</c:v>
+                    <c:v>9.3783580652478769</c:v>
                   </c:pt>
                   <c:pt idx="16">
-                    <c:v>9.7302826269333007</c:v>
+                    <c:v>9.7302826269332989</c:v>
                   </c:pt>
                   <c:pt idx="17">
-                    <c:v>7.6765617303581957</c:v>
+                    <c:v>7.6765617303581974</c:v>
                   </c:pt>
                   <c:pt idx="18">
                     <c:v>5.6044625076808217</c:v>
@@ -9046,7 +9228,7 @@
                     <c:v>3.9216833120485388</c:v>
                   </c:pt>
                   <c:pt idx="20">
-                    <c:v>1.1173182178770737</c:v>
+                    <c:v>1.1173182178770731</c:v>
                   </c:pt>
                 </c:numCache>
               </c:numRef>
@@ -9068,7 +9250,7 @@
                   <c:v>0.1</c:v>
                 </c:pt>
                 <c:pt idx="3">
-                  <c:v>0.15000000000000002</c:v>
+                  <c:v>0.15000000000000011</c:v>
                 </c:pt>
                 <c:pt idx="4">
                   <c:v>0.2</c:v>
@@ -9077,10 +9259,10 @@
                   <c:v>0.25</c:v>
                 </c:pt>
                 <c:pt idx="6">
-                  <c:v>0.30000000000000004</c:v>
+                  <c:v>0.30000000000000021</c:v>
                 </c:pt>
                 <c:pt idx="7">
-                  <c:v>0.35000000000000003</c:v>
+                  <c:v>0.3500000000000002</c:v>
                 </c:pt>
                 <c:pt idx="8">
                   <c:v>0.4</c:v>
@@ -9095,28 +9277,28 @@
                   <c:v>0.55000000000000004</c:v>
                 </c:pt>
                 <c:pt idx="12">
-                  <c:v>0.6000000000000002</c:v>
+                  <c:v>0.60000000000000053</c:v>
                 </c:pt>
                 <c:pt idx="13">
-                  <c:v>0.65000000000000013</c:v>
+                  <c:v>0.65000000000000058</c:v>
                 </c:pt>
                 <c:pt idx="14">
-                  <c:v>0.70000000000000018</c:v>
+                  <c:v>0.70000000000000051</c:v>
                 </c:pt>
                 <c:pt idx="15">
-                  <c:v>0.75000000000000011</c:v>
+                  <c:v>0.75000000000000044</c:v>
                 </c:pt>
                 <c:pt idx="16">
                   <c:v>0.8</c:v>
                 </c:pt>
                 <c:pt idx="17">
-                  <c:v>0.8500000000000002</c:v>
+                  <c:v>0.85000000000000053</c:v>
                 </c:pt>
                 <c:pt idx="18">
                   <c:v>0.9</c:v>
                 </c:pt>
                 <c:pt idx="19">
-                  <c:v>0.95000000000000018</c:v>
+                  <c:v>0.95000000000000051</c:v>
                 </c:pt>
                 <c:pt idx="20">
                   <c:v>1</c:v>
@@ -9131,7 +9313,7 @@
                 <c:formatCode>General</c:formatCode>
                 <c:ptCount val="21"/>
                 <c:pt idx="0">
-                  <c:v>62.220000000000006</c:v>
+                  <c:v>62.220000000000013</c:v>
                 </c:pt>
                 <c:pt idx="1">
                   <c:v>64.099999999999994</c:v>
@@ -9149,7 +9331,7 @@
                   <c:v>53.64</c:v>
                 </c:pt>
                 <c:pt idx="6">
-                  <c:v>54.879999999999995</c:v>
+                  <c:v>54.88</c:v>
                 </c:pt>
                 <c:pt idx="7">
                   <c:v>50.6</c:v>
@@ -9170,10 +9352,10 @@
                   <c:v>38.92</c:v>
                 </c:pt>
                 <c:pt idx="13">
-                  <c:v>33.660000000000004</c:v>
+                  <c:v>33.660000000000011</c:v>
                 </c:pt>
                 <c:pt idx="14">
-                  <c:v>35.120000000000005</c:v>
+                  <c:v>35.120000000000012</c:v>
                 </c:pt>
                 <c:pt idx="15">
                   <c:v>30.08</c:v>
@@ -9220,7 +9402,7 @@
                   <c:v>0.1</c:v>
                 </c:pt>
                 <c:pt idx="3">
-                  <c:v>0.15000000000000002</c:v>
+                  <c:v>0.15000000000000011</c:v>
                 </c:pt>
                 <c:pt idx="4">
                   <c:v>0.2</c:v>
@@ -9229,10 +9411,10 @@
                   <c:v>0.25</c:v>
                 </c:pt>
                 <c:pt idx="6">
-                  <c:v>0.30000000000000004</c:v>
+                  <c:v>0.30000000000000021</c:v>
                 </c:pt>
                 <c:pt idx="7">
-                  <c:v>0.35000000000000003</c:v>
+                  <c:v>0.3500000000000002</c:v>
                 </c:pt>
                 <c:pt idx="8">
                   <c:v>0.4</c:v>
@@ -9247,28 +9429,28 @@
                   <c:v>0.55000000000000004</c:v>
                 </c:pt>
                 <c:pt idx="12">
-                  <c:v>0.6000000000000002</c:v>
+                  <c:v>0.60000000000000053</c:v>
                 </c:pt>
                 <c:pt idx="13">
-                  <c:v>0.65000000000000013</c:v>
+                  <c:v>0.65000000000000058</c:v>
                 </c:pt>
                 <c:pt idx="14">
-                  <c:v>0.70000000000000018</c:v>
+                  <c:v>0.70000000000000051</c:v>
                 </c:pt>
                 <c:pt idx="15">
-                  <c:v>0.75000000000000011</c:v>
+                  <c:v>0.75000000000000044</c:v>
                 </c:pt>
                 <c:pt idx="16">
                   <c:v>0.8</c:v>
                 </c:pt>
                 <c:pt idx="17">
-                  <c:v>0.8500000000000002</c:v>
+                  <c:v>0.85000000000000053</c:v>
                 </c:pt>
                 <c:pt idx="18">
                   <c:v>0.9</c:v>
                 </c:pt>
                 <c:pt idx="19">
-                  <c:v>0.95000000000000018</c:v>
+                  <c:v>0.95000000000000051</c:v>
                 </c:pt>
                 <c:pt idx="20">
                   <c:v>1</c:v>
@@ -9283,7 +9465,7 @@
                 <c:formatCode>General</c:formatCode>
                 <c:ptCount val="21"/>
                 <c:pt idx="0">
-                  <c:v>62.339999999999996</c:v>
+                  <c:v>62.34</c:v>
                 </c:pt>
                 <c:pt idx="1">
                   <c:v>62.02</c:v>
@@ -9319,7 +9501,7 @@
                   <c:v>75.08</c:v>
                 </c:pt>
                 <c:pt idx="12">
-                  <c:v>84.460000000000008</c:v>
+                  <c:v>84.460000000000022</c:v>
                 </c:pt>
                 <c:pt idx="13">
                   <c:v>84.38</c:v>
@@ -9328,7 +9510,7 @@
                   <c:v>90.61999999999999</c:v>
                 </c:pt>
                 <c:pt idx="15">
-                  <c:v>84.460000000000008</c:v>
+                  <c:v>84.460000000000022</c:v>
                 </c:pt>
                 <c:pt idx="16">
                   <c:v>76.98</c:v>
@@ -9337,7 +9519,7 @@
                   <c:v>94.16</c:v>
                 </c:pt>
                 <c:pt idx="18">
-                  <c:v>92.179999999999993</c:v>
+                  <c:v>92.179999999999978</c:v>
                 </c:pt>
                 <c:pt idx="19">
                   <c:v>84.08</c:v>
@@ -9350,11 +9532,11 @@
           </c:yVal>
           <c:smooth val="1"/>
         </c:ser>
-        <c:axId val="67021056"/>
-        <c:axId val="67027328"/>
+        <c:axId val="65722240"/>
+        <c:axId val="65728512"/>
       </c:scatterChart>
       <c:valAx>
-        <c:axId val="67021056"/>
+        <c:axId val="65722240"/>
         <c:scaling>
           <c:orientation val="minMax"/>
         </c:scaling>
@@ -9368,7 +9550,7 @@
               <a:lstStyle/>
               <a:p>
                 <a:pPr>
-                  <a:defRPr/>
+                  <a:defRPr lang="en-IN"/>
                 </a:pPr>
                 <a:r>
                   <a:rPr lang="en-US"/>
@@ -9381,19 +9563,29 @@
             <c:manualLayout>
               <c:xMode val="edge"/>
               <c:yMode val="edge"/>
-              <c:x val="0.46591776027996512"/>
+              <c:x val="0.46591776027996551"/>
               <c:y val="0.89719898293963252"/>
             </c:manualLayout>
           </c:layout>
         </c:title>
         <c:numFmt formatCode="General" sourceLinked="1"/>
         <c:tickLblPos val="nextTo"/>
-        <c:crossAx val="67027328"/>
+        <c:txPr>
+          <a:bodyPr/>
+          <a:lstStyle/>
+          <a:p>
+            <a:pPr>
+              <a:defRPr lang="en-IN"/>
+            </a:pPr>
+            <a:endParaRPr lang="en-US"/>
+          </a:p>
+        </c:txPr>
+        <c:crossAx val="65728512"/>
         <c:crosses val="autoZero"/>
         <c:crossBetween val="midCat"/>
       </c:valAx>
       <c:valAx>
-        <c:axId val="67027328"/>
+        <c:axId val="65728512"/>
         <c:scaling>
           <c:orientation val="minMax"/>
         </c:scaling>
@@ -9407,7 +9599,7 @@
               <a:lstStyle/>
               <a:p>
                 <a:pPr>
-                  <a:defRPr/>
+                  <a:defRPr lang="en-IN"/>
                 </a:pPr>
                 <a:r>
                   <a:rPr lang="en-US"/>
@@ -9420,14 +9612,24 @@
             <c:manualLayout>
               <c:xMode val="edge"/>
               <c:yMode val="edge"/>
-              <c:x val="3.9653980752405955E-2"/>
-              <c:y val="0.38329368985126866"/>
+              <c:x val="3.9653980752405976E-2"/>
+              <c:y val="0.38329368985126883"/>
             </c:manualLayout>
           </c:layout>
         </c:title>
         <c:numFmt formatCode="General" sourceLinked="1"/>
         <c:tickLblPos val="nextTo"/>
-        <c:crossAx val="67021056"/>
+        <c:txPr>
+          <a:bodyPr/>
+          <a:lstStyle/>
+          <a:p>
+            <a:pPr>
+              <a:defRPr lang="en-IN"/>
+            </a:pPr>
+            <a:endParaRPr lang="en-US"/>
+          </a:p>
+        </c:txPr>
+        <c:crossAx val="65722240"/>
         <c:crosses val="autoZero"/>
         <c:crossBetween val="midCat"/>
       </c:valAx>
@@ -9435,6 +9637,16 @@
     <c:legend>
       <c:legendPos val="r"/>
       <c:layout/>
+      <c:txPr>
+        <a:bodyPr/>
+        <a:lstStyle/>
+        <a:p>
+          <a:pPr>
+            <a:defRPr lang="en-IN"/>
+          </a:pPr>
+          <a:endParaRPr lang="en-US"/>
+        </a:p>
+      </c:txPr>
     </c:legend>
     <c:plotVisOnly val="1"/>
   </c:chart>
@@ -9444,6 +9656,7 @@
 
 <file path=ppt/charts/chart8.xml><?xml version="1.0" encoding="utf-8"?>
 <c:chartSpace xmlns:c="http://schemas.openxmlformats.org/drawingml/2006/chart" xmlns:a="http://schemas.openxmlformats.org/drawingml/2006/main" xmlns:r="http://schemas.openxmlformats.org/officeDocument/2006/relationships">
+  <c:date1904 val="1"/>
   <c:lang val="en-US"/>
   <c:chart>
     <c:title>
@@ -9453,7 +9666,7 @@
           <a:lstStyle/>
           <a:p>
             <a:pPr>
-              <a:defRPr/>
+              <a:defRPr lang="en-IN"/>
             </a:pPr>
             <a:r>
               <a:rPr lang="en-US"/>
@@ -9506,67 +9719,67 @@
                   <c:formatCode>General</c:formatCode>
                   <c:ptCount val="21"/>
                   <c:pt idx="0">
-                    <c:v>6.0189284760661508</c:v>
+                    <c:v>4.3174066289845792</c:v>
                   </c:pt>
                   <c:pt idx="1">
-                    <c:v>4.5177427992306072</c:v>
+                    <c:v>5.4785399514834259</c:v>
                   </c:pt>
                   <c:pt idx="2">
-                    <c:v>5.960494945891659</c:v>
+                    <c:v>6.8934751758456354</c:v>
                   </c:pt>
                   <c:pt idx="3">
-                    <c:v>7.8012819459368341</c:v>
+                    <c:v>5.8879198364108154</c:v>
                   </c:pt>
                   <c:pt idx="4">
-                    <c:v>7.0420167565833021</c:v>
+                    <c:v>4.4862456464175029</c:v>
                   </c:pt>
                   <c:pt idx="5">
-                    <c:v>8.2636251125035916</c:v>
+                    <c:v>5.8531700812465717</c:v>
                   </c:pt>
                   <c:pt idx="6">
-                    <c:v>6.6893572187468058</c:v>
+                    <c:v>7.0313583324987796</c:v>
                   </c:pt>
                   <c:pt idx="7">
-                    <c:v>6.2391906526407741</c:v>
+                    <c:v>6.1599999999999984</c:v>
                   </c:pt>
                   <c:pt idx="8">
-                    <c:v>6.9289248805280037</c:v>
+                    <c:v>6.0279681485555292</c:v>
                   </c:pt>
                   <c:pt idx="9">
-                    <c:v>4.3963052669258538</c:v>
+                    <c:v>5.3823786563191556</c:v>
                   </c:pt>
                   <c:pt idx="10">
-                    <c:v>5.4062463872820299</c:v>
+                    <c:v>4.2628159706935476</c:v>
                   </c:pt>
                   <c:pt idx="11">
-                    <c:v>5.6709787515031307</c:v>
+                    <c:v>4.5514393327825431</c:v>
                   </c:pt>
                   <c:pt idx="12">
-                    <c:v>5.1310330343898594</c:v>
+                    <c:v>6.4917178003976721</c:v>
                   </c:pt>
                   <c:pt idx="13">
-                    <c:v>3.368605052540294</c:v>
+                    <c:v>5.2001538438780806</c:v>
                   </c:pt>
                   <c:pt idx="14">
-                    <c:v>7.148426400264607</c:v>
+                    <c:v>4.9089306371143611</c:v>
                   </c:pt>
                   <c:pt idx="15">
-                    <c:v>4.1880783182743846</c:v>
+                    <c:v>5.5496306183384849</c:v>
                   </c:pt>
                   <c:pt idx="16">
-                    <c:v>4.8836461788299124</c:v>
+                    <c:v>5.0533553209723916</c:v>
                   </c:pt>
                   <c:pt idx="17">
-                    <c:v>4.3886216514983376</c:v>
+                    <c:v>5.1179683469126696</c:v>
                   </c:pt>
                   <c:pt idx="18">
-                    <c:v>4.7167255591140762</c:v>
+                    <c:v>6.3812224534175312</c:v>
                   </c:pt>
                   <c:pt idx="19">
-                    <c:v>5.580994535026889</c:v>
+                    <c:v>6.1510649484459154</c:v>
                   </c:pt>
                   <c:pt idx="20">
-                    <c:v>4.5964660338133676</c:v>
+                    <c:v>5.5776697643370783</c:v>
                   </c:pt>
                 </c:numCache>
               </c:numRef>
@@ -9578,67 +9791,67 @@
                   <c:formatCode>General</c:formatCode>
                   <c:ptCount val="21"/>
                   <c:pt idx="0">
-                    <c:v>6.0189284760661508</c:v>
+                    <c:v>4.3174066289845792</c:v>
                   </c:pt>
                   <c:pt idx="1">
-                    <c:v>4.5177427992306072</c:v>
+                    <c:v>5.4785399514834259</c:v>
                   </c:pt>
                   <c:pt idx="2">
-                    <c:v>5.960494945891659</c:v>
+                    <c:v>6.8934751758456354</c:v>
                   </c:pt>
                   <c:pt idx="3">
-                    <c:v>7.8012819459368341</c:v>
+                    <c:v>5.8879198364108154</c:v>
                   </c:pt>
                   <c:pt idx="4">
-                    <c:v>7.0420167565833021</c:v>
+                    <c:v>4.4862456464175029</c:v>
                   </c:pt>
                   <c:pt idx="5">
-                    <c:v>8.2636251125035916</c:v>
+                    <c:v>5.8531700812465717</c:v>
                   </c:pt>
                   <c:pt idx="6">
-                    <c:v>6.6893572187468058</c:v>
+                    <c:v>7.0313583324987796</c:v>
                   </c:pt>
                   <c:pt idx="7">
-                    <c:v>6.2391906526407741</c:v>
+                    <c:v>6.1599999999999984</c:v>
                   </c:pt>
                   <c:pt idx="8">
-                    <c:v>6.9289248805280037</c:v>
+                    <c:v>6.0279681485555292</c:v>
                   </c:pt>
                   <c:pt idx="9">
-                    <c:v>4.3963052669258538</c:v>
+                    <c:v>5.3823786563191556</c:v>
                   </c:pt>
                   <c:pt idx="10">
-                    <c:v>5.4062463872820299</c:v>
+                    <c:v>4.2628159706935476</c:v>
                   </c:pt>
                   <c:pt idx="11">
-                    <c:v>5.6709787515031307</c:v>
+                    <c:v>4.5514393327825431</c:v>
                   </c:pt>
                   <c:pt idx="12">
-                    <c:v>5.1310330343898594</c:v>
+                    <c:v>6.4917178003976721</c:v>
                   </c:pt>
                   <c:pt idx="13">
-                    <c:v>3.368605052540294</c:v>
+                    <c:v>5.2001538438780806</c:v>
                   </c:pt>
                   <c:pt idx="14">
-                    <c:v>7.148426400264607</c:v>
+                    <c:v>4.9089306371143611</c:v>
                   </c:pt>
                   <c:pt idx="15">
-                    <c:v>4.1880783182743846</c:v>
+                    <c:v>5.5496306183384849</c:v>
                   </c:pt>
                   <c:pt idx="16">
-                    <c:v>4.8836461788299124</c:v>
+                    <c:v>5.0533553209723916</c:v>
                   </c:pt>
                   <c:pt idx="17">
-                    <c:v>4.3886216514983376</c:v>
+                    <c:v>5.1179683469126696</c:v>
                   </c:pt>
                   <c:pt idx="18">
-                    <c:v>4.7167255591140762</c:v>
+                    <c:v>6.3812224534175312</c:v>
                   </c:pt>
                   <c:pt idx="19">
-                    <c:v>5.580994535026889</c:v>
+                    <c:v>6.1510649484459154</c:v>
                   </c:pt>
                   <c:pt idx="20">
-                    <c:v>4.5964660338133676</c:v>
+                    <c:v>5.5776697643370783</c:v>
                   </c:pt>
                 </c:numCache>
               </c:numRef>
@@ -9660,7 +9873,7 @@
                   <c:v>0.1</c:v>
                 </c:pt>
                 <c:pt idx="3">
-                  <c:v>0.15</c:v>
+                  <c:v>0.15000000000000005</c:v>
                 </c:pt>
                 <c:pt idx="4">
                   <c:v>0.2</c:v>
@@ -9669,10 +9882,10 @@
                   <c:v>0.25</c:v>
                 </c:pt>
                 <c:pt idx="6">
-                  <c:v>0.3</c:v>
+                  <c:v>0.3000000000000001</c:v>
                 </c:pt>
                 <c:pt idx="7">
-                  <c:v>0.35</c:v>
+                  <c:v>0.35000000000000009</c:v>
                 </c:pt>
                 <c:pt idx="8">
                   <c:v>0.4</c:v>
@@ -9687,28 +9900,28 @@
                   <c:v>0.55000000000000004</c:v>
                 </c:pt>
                 <c:pt idx="12">
-                  <c:v>0.60000000000000009</c:v>
+                  <c:v>0.60000000000000031</c:v>
                 </c:pt>
                 <c:pt idx="13">
-                  <c:v>0.65</c:v>
+                  <c:v>0.65000000000000024</c:v>
                 </c:pt>
                 <c:pt idx="14">
-                  <c:v>0.70000000000000007</c:v>
+                  <c:v>0.70000000000000029</c:v>
                 </c:pt>
                 <c:pt idx="15">
-                  <c:v>0.75</c:v>
+                  <c:v>0.75000000000000022</c:v>
                 </c:pt>
                 <c:pt idx="16">
                   <c:v>0.8</c:v>
                 </c:pt>
                 <c:pt idx="17">
-                  <c:v>0.85000000000000009</c:v>
+                  <c:v>0.85000000000000031</c:v>
                 </c:pt>
                 <c:pt idx="18">
                   <c:v>0.9</c:v>
                 </c:pt>
                 <c:pt idx="19">
-                  <c:v>0.95000000000000007</c:v>
+                  <c:v>0.95000000000000029</c:v>
                 </c:pt>
                 <c:pt idx="20">
                   <c:v>1</c:v>
@@ -9723,67 +9936,67 @@
                 <c:formatCode>General</c:formatCode>
                 <c:ptCount val="21"/>
                 <c:pt idx="0">
-                  <c:v>16.649999999999999</c:v>
+                  <c:v>15.4</c:v>
                 </c:pt>
                 <c:pt idx="1">
-                  <c:v>14.3</c:v>
+                  <c:v>16.16</c:v>
                 </c:pt>
                 <c:pt idx="2">
-                  <c:v>16.649999999999999</c:v>
+                  <c:v>16.8</c:v>
                 </c:pt>
                 <c:pt idx="3">
-                  <c:v>21.2</c:v>
+                  <c:v>16.82</c:v>
                 </c:pt>
                 <c:pt idx="4">
-                  <c:v>16.899999999999999</c:v>
+                  <c:v>15.56</c:v>
                 </c:pt>
                 <c:pt idx="5">
-                  <c:v>17.75</c:v>
+                  <c:v>17.02</c:v>
                 </c:pt>
                 <c:pt idx="6">
-                  <c:v>16.45</c:v>
+                  <c:v>16.600000000000001</c:v>
                 </c:pt>
                 <c:pt idx="7">
-                  <c:v>18.149999999999999</c:v>
+                  <c:v>16.12</c:v>
                 </c:pt>
                 <c:pt idx="8">
-                  <c:v>17.7</c:v>
+                  <c:v>16.059999999999999</c:v>
                 </c:pt>
                 <c:pt idx="9">
-                  <c:v>15.65</c:v>
+                  <c:v>15.5</c:v>
                 </c:pt>
                 <c:pt idx="10">
-                  <c:v>16.850000000000001</c:v>
+                  <c:v>16.22</c:v>
                 </c:pt>
                 <c:pt idx="11">
-                  <c:v>17.2</c:v>
+                  <c:v>16.62</c:v>
                 </c:pt>
                 <c:pt idx="12">
-                  <c:v>15.35</c:v>
+                  <c:v>16.760000000000002</c:v>
                 </c:pt>
                 <c:pt idx="13">
-                  <c:v>14.55</c:v>
+                  <c:v>16.72</c:v>
                 </c:pt>
                 <c:pt idx="14">
-                  <c:v>18</c:v>
+                  <c:v>15.68</c:v>
                 </c:pt>
                 <c:pt idx="15">
-                  <c:v>14.6</c:v>
+                  <c:v>16.959999999999994</c:v>
                 </c:pt>
                 <c:pt idx="16">
-                  <c:v>17.5</c:v>
+                  <c:v>16.059999999999999</c:v>
                 </c:pt>
                 <c:pt idx="17">
-                  <c:v>17.2</c:v>
+                  <c:v>16.079999999999991</c:v>
                 </c:pt>
                 <c:pt idx="18">
-                  <c:v>15.55</c:v>
+                  <c:v>17.8</c:v>
                 </c:pt>
                 <c:pt idx="19">
-                  <c:v>18.05</c:v>
+                  <c:v>17.62</c:v>
                 </c:pt>
                 <c:pt idx="20">
-                  <c:v>14.15</c:v>
+                  <c:v>16.36</c:v>
                 </c:pt>
               </c:numCache>
             </c:numRef>
@@ -9815,67 +10028,67 @@
                   <c:formatCode>General</c:formatCode>
                   <c:ptCount val="21"/>
                   <c:pt idx="0">
-                    <c:v>3.590264614203249</c:v>
+                    <c:v>5.0362287477834062</c:v>
                   </c:pt>
                   <c:pt idx="1">
-                    <c:v>5.5970974620780014</c:v>
+                    <c:v>5.4304327636018126</c:v>
                   </c:pt>
                   <c:pt idx="2">
-                    <c:v>4.4438159277809879</c:v>
+                    <c:v>4.2941821107167764</c:v>
                   </c:pt>
                   <c:pt idx="3">
-                    <c:v>7.3457470688827833</c:v>
+                    <c:v>6.4815121692395214</c:v>
                   </c:pt>
                   <c:pt idx="4">
-                    <c:v>7.4793047805260624</c:v>
+                    <c:v>5.0415870517129804</c:v>
                   </c:pt>
                   <c:pt idx="5">
-                    <c:v>5.3598041008977191</c:v>
+                    <c:v>4.9343287284087589</c:v>
                   </c:pt>
                   <c:pt idx="6">
-                    <c:v>4.5307284182568264</c:v>
+                    <c:v>5.1691391933280366</c:v>
                   </c:pt>
                   <c:pt idx="7">
-                    <c:v>4.9343185953077651</c:v>
+                    <c:v>5.3696927286391372</c:v>
                   </c:pt>
                   <c:pt idx="8">
-                    <c:v>4.9545433694741234</c:v>
+                    <c:v>5.498399767205</c:v>
                   </c:pt>
                   <c:pt idx="9">
-                    <c:v>6.3124876237502434</c:v>
+                    <c:v>4.8916663827370748</c:v>
                   </c:pt>
                   <c:pt idx="10">
-                    <c:v>6.9661682437334216</c:v>
+                    <c:v>4.7425309698514342</c:v>
                   </c:pt>
                   <c:pt idx="11">
-                    <c:v>6.0106156090703386</c:v>
+                    <c:v>5.1833965698178996</c:v>
                   </c:pt>
                   <c:pt idx="12">
-                    <c:v>4.2023802778901391</c:v>
+                    <c:v>4.447066448795205</c:v>
                   </c:pt>
                   <c:pt idx="13">
-                    <c:v>3.9226904032819112</c:v>
+                    <c:v>5.4460627980220755</c:v>
                   </c:pt>
                   <c:pt idx="14">
-                    <c:v>5.3609700614720843</c:v>
+                    <c:v>5.7957225606476372</c:v>
                   </c:pt>
                   <c:pt idx="15">
-                    <c:v>4.5855752092839994</c:v>
+                    <c:v>4.6264024900563925</c:v>
                   </c:pt>
                   <c:pt idx="16">
-                    <c:v>5.0842895275544651</c:v>
+                    <c:v>6.6794011707637404</c:v>
                   </c:pt>
                   <c:pt idx="17">
-                    <c:v>4.4056781543821382</c:v>
+                    <c:v>5.339063588308349</c:v>
                   </c:pt>
                   <c:pt idx="18">
-                    <c:v>4.59782557302906</c:v>
+                    <c:v>4.8181324182716274</c:v>
                   </c:pt>
                   <c:pt idx="19">
-                    <c:v>4.313930922024598</c:v>
+                    <c:v>4.7833461091583178</c:v>
                   </c:pt>
                   <c:pt idx="20">
-                    <c:v>4.9545433694741234</c:v>
+                    <c:v>5.8591808301160979</c:v>
                   </c:pt>
                 </c:numCache>
               </c:numRef>
@@ -9887,67 +10100,67 @@
                   <c:formatCode>General</c:formatCode>
                   <c:ptCount val="21"/>
                   <c:pt idx="0">
-                    <c:v>3.590264614203249</c:v>
+                    <c:v>5.0362287477834062</c:v>
                   </c:pt>
                   <c:pt idx="1">
-                    <c:v>5.5970974620780014</c:v>
+                    <c:v>5.4304327636018126</c:v>
                   </c:pt>
                   <c:pt idx="2">
-                    <c:v>4.4438159277809879</c:v>
+                    <c:v>4.2941821107167764</c:v>
                   </c:pt>
                   <c:pt idx="3">
-                    <c:v>7.3457470688827833</c:v>
+                    <c:v>6.4815121692395214</c:v>
                   </c:pt>
                   <c:pt idx="4">
-                    <c:v>7.4793047805260624</c:v>
+                    <c:v>5.0415870517129804</c:v>
                   </c:pt>
                   <c:pt idx="5">
-                    <c:v>5.3598041008977191</c:v>
+                    <c:v>4.9343287284087589</c:v>
                   </c:pt>
                   <c:pt idx="6">
-                    <c:v>4.5307284182568264</c:v>
+                    <c:v>5.1691391933280366</c:v>
                   </c:pt>
                   <c:pt idx="7">
-                    <c:v>4.9343185953077651</c:v>
+                    <c:v>5.3696927286391372</c:v>
                   </c:pt>
                   <c:pt idx="8">
-                    <c:v>4.9545433694741234</c:v>
+                    <c:v>5.498399767205</c:v>
                   </c:pt>
                   <c:pt idx="9">
-                    <c:v>6.3124876237502434</c:v>
+                    <c:v>4.8916663827370748</c:v>
                   </c:pt>
                   <c:pt idx="10">
-                    <c:v>6.9661682437334216</c:v>
+                    <c:v>4.7425309698514342</c:v>
                   </c:pt>
                   <c:pt idx="11">
-                    <c:v>6.0106156090703386</c:v>
+                    <c:v>5.1833965698178996</c:v>
                   </c:pt>
                   <c:pt idx="12">
-                    <c:v>4.2023802778901391</c:v>
+                    <c:v>4.447066448795205</c:v>
                   </c:pt>
                   <c:pt idx="13">
-                    <c:v>3.9226904032819112</c:v>
+                    <c:v>5.4460627980220755</c:v>
                   </c:pt>
                   <c:pt idx="14">
-                    <c:v>5.3609700614720843</c:v>
+                    <c:v>5.7957225606476372</c:v>
                   </c:pt>
                   <c:pt idx="15">
-                    <c:v>4.5855752092839994</c:v>
+                    <c:v>4.6264024900563925</c:v>
                   </c:pt>
                   <c:pt idx="16">
-                    <c:v>5.0842895275544651</c:v>
+                    <c:v>6.6794011707637404</c:v>
                   </c:pt>
                   <c:pt idx="17">
-                    <c:v>4.4056781543821382</c:v>
+                    <c:v>5.339063588308349</c:v>
                   </c:pt>
                   <c:pt idx="18">
-                    <c:v>4.59782557302906</c:v>
+                    <c:v>4.8181324182716274</c:v>
                   </c:pt>
                   <c:pt idx="19">
-                    <c:v>4.313930922024598</c:v>
+                    <c:v>4.7833461091583178</c:v>
                   </c:pt>
                   <c:pt idx="20">
-                    <c:v>4.9545433694741234</c:v>
+                    <c:v>5.8591808301160979</c:v>
                   </c:pt>
                 </c:numCache>
               </c:numRef>
@@ -9969,7 +10182,7 @@
                   <c:v>0.1</c:v>
                 </c:pt>
                 <c:pt idx="3">
-                  <c:v>0.15</c:v>
+                  <c:v>0.15000000000000005</c:v>
                 </c:pt>
                 <c:pt idx="4">
                   <c:v>0.2</c:v>
@@ -9978,10 +10191,10 @@
                   <c:v>0.25</c:v>
                 </c:pt>
                 <c:pt idx="6">
-                  <c:v>0.3</c:v>
+                  <c:v>0.3000000000000001</c:v>
                 </c:pt>
                 <c:pt idx="7">
-                  <c:v>0.35</c:v>
+                  <c:v>0.35000000000000009</c:v>
                 </c:pt>
                 <c:pt idx="8">
                   <c:v>0.4</c:v>
@@ -9996,28 +10209,28 @@
                   <c:v>0.55000000000000004</c:v>
                 </c:pt>
                 <c:pt idx="12">
-                  <c:v>0.60000000000000009</c:v>
+                  <c:v>0.60000000000000031</c:v>
                 </c:pt>
                 <c:pt idx="13">
-                  <c:v>0.65</c:v>
+                  <c:v>0.65000000000000024</c:v>
                 </c:pt>
                 <c:pt idx="14">
-                  <c:v>0.70000000000000007</c:v>
+                  <c:v>0.70000000000000029</c:v>
                 </c:pt>
                 <c:pt idx="15">
-                  <c:v>0.75</c:v>
+                  <c:v>0.75000000000000022</c:v>
                 </c:pt>
                 <c:pt idx="16">
                   <c:v>0.8</c:v>
                 </c:pt>
                 <c:pt idx="17">
-                  <c:v>0.85000000000000009</c:v>
+                  <c:v>0.85000000000000031</c:v>
                 </c:pt>
                 <c:pt idx="18">
                   <c:v>0.9</c:v>
                 </c:pt>
                 <c:pt idx="19">
-                  <c:v>0.95000000000000007</c:v>
+                  <c:v>0.95000000000000029</c:v>
                 </c:pt>
                 <c:pt idx="20">
                   <c:v>1</c:v>
@@ -10032,67 +10245,67 @@
                 <c:formatCode>General</c:formatCode>
                 <c:ptCount val="21"/>
                 <c:pt idx="0">
-                  <c:v>15.9</c:v>
+                  <c:v>16.420000000000002</c:v>
                 </c:pt>
                 <c:pt idx="1">
-                  <c:v>16.649999999999999</c:v>
+                  <c:v>16.479999999999993</c:v>
                 </c:pt>
                 <c:pt idx="2">
-                  <c:v>16.55</c:v>
+                  <c:v>15.8</c:v>
                 </c:pt>
                 <c:pt idx="3">
-                  <c:v>19.2</c:v>
+                  <c:v>16.7</c:v>
                 </c:pt>
                 <c:pt idx="4">
-                  <c:v>16.399999999999999</c:v>
+                  <c:v>16.32</c:v>
                 </c:pt>
                 <c:pt idx="5">
-                  <c:v>17.149999999999999</c:v>
+                  <c:v>15.82</c:v>
                 </c:pt>
                 <c:pt idx="6">
-                  <c:v>15.15</c:v>
+                  <c:v>17.8</c:v>
                 </c:pt>
                 <c:pt idx="7">
-                  <c:v>17.45</c:v>
+                  <c:v>18.079999999999991</c:v>
                 </c:pt>
                 <c:pt idx="8">
-                  <c:v>15.55</c:v>
+                  <c:v>16.739999999999991</c:v>
                 </c:pt>
                 <c:pt idx="9">
-                  <c:v>18.05</c:v>
+                  <c:v>17.459999999999994</c:v>
                 </c:pt>
                 <c:pt idx="10">
-                  <c:v>18.649999999999999</c:v>
+                  <c:v>15.78</c:v>
                 </c:pt>
                 <c:pt idx="11">
-                  <c:v>17.350000000000001</c:v>
+                  <c:v>15.82</c:v>
                 </c:pt>
                 <c:pt idx="12">
-                  <c:v>16.8</c:v>
+                  <c:v>16.059999999999999</c:v>
                 </c:pt>
                 <c:pt idx="13">
-                  <c:v>14.75</c:v>
+                  <c:v>16.979999999999993</c:v>
                 </c:pt>
                 <c:pt idx="14">
-                  <c:v>15.6</c:v>
+                  <c:v>16.64</c:v>
                 </c:pt>
                 <c:pt idx="15">
-                  <c:v>15.35</c:v>
+                  <c:v>17.420000000000002</c:v>
                 </c:pt>
                 <c:pt idx="16">
-                  <c:v>16.5</c:v>
+                  <c:v>17.16</c:v>
                 </c:pt>
                 <c:pt idx="17">
-                  <c:v>16.7</c:v>
+                  <c:v>15.88</c:v>
                 </c:pt>
                 <c:pt idx="18">
-                  <c:v>14.6</c:v>
+                  <c:v>14.84</c:v>
                 </c:pt>
                 <c:pt idx="19">
-                  <c:v>14.3</c:v>
+                  <c:v>15.860000000000003</c:v>
                 </c:pt>
                 <c:pt idx="20">
-                  <c:v>17.05</c:v>
+                  <c:v>16.100000000000001</c:v>
                 </c:pt>
               </c:numCache>
             </c:numRef>
@@ -10124,64 +10337,64 @@
                   <c:formatCode>General</c:formatCode>
                   <c:ptCount val="21"/>
                   <c:pt idx="0">
-                    <c:v>5.1565492337414947</c:v>
+                    <c:v>5.0833060108555337</c:v>
                   </c:pt>
                   <c:pt idx="1">
-                    <c:v>4.3871972830042649</c:v>
+                    <c:v>4.8644012992350838</c:v>
                   </c:pt>
                   <c:pt idx="2">
-                    <c:v>6.0216276869298389</c:v>
+                    <c:v>5.627219562092808</c:v>
                   </c:pt>
                   <c:pt idx="3">
-                    <c:v>7.6197112806194953</c:v>
+                    <c:v>5.7742878348762625</c:v>
                   </c:pt>
                   <c:pt idx="4">
-                    <c:v>5.8504273348192264</c:v>
+                    <c:v>5.9442745562431751</c:v>
                   </c:pt>
                   <c:pt idx="5">
-                    <c:v>4.2008927622589942</c:v>
+                    <c:v>5.5318712927905347</c:v>
                   </c:pt>
                   <c:pt idx="6">
-                    <c:v>4.8207883172775796</c:v>
+                    <c:v>5.1857111373465434</c:v>
                   </c:pt>
                   <c:pt idx="7">
-                    <c:v>6.6518794336638418</c:v>
+                    <c:v>5.9531504264548873</c:v>
                   </c:pt>
                   <c:pt idx="8">
-                    <c:v>5.3749418601506749</c:v>
+                    <c:v>5.9462929628466883</c:v>
                   </c:pt>
                   <c:pt idx="9">
-                    <c:v>5.5396299515400846</c:v>
+                    <c:v>6.0597359678454596</c:v>
                   </c:pt>
                   <c:pt idx="10">
-                    <c:v>7.5571158519636308</c:v>
+                    <c:v>5.9891902624645361</c:v>
                   </c:pt>
                   <c:pt idx="11">
-                    <c:v>5.3665631459994954</c:v>
+                    <c:v>5.2088002457379758</c:v>
                   </c:pt>
                   <c:pt idx="12">
-                    <c:v>6.582362797658603</c:v>
+                    <c:v>4.7958732260142156</c:v>
                   </c:pt>
                   <c:pt idx="13">
-                    <c:v>4.4732538492690086</c:v>
+                    <c:v>4.5878535286122641</c:v>
                   </c:pt>
                   <c:pt idx="14">
-                    <c:v>4.3817804600413286</c:v>
+                    <c:v>6.0406953242155828</c:v>
                   </c:pt>
                   <c:pt idx="15">
-                    <c:v>5.1923019942988677</c:v>
+                    <c:v>4.5722642093387389</c:v>
                   </c:pt>
                   <c:pt idx="16">
-                    <c:v>6.0778285596090971</c:v>
+                    <c:v>4.4438271793579007</c:v>
                   </c:pt>
                   <c:pt idx="17">
-                    <c:v>4.1264391428930578</c:v>
+                    <c:v>4.1542267631895093</c:v>
                   </c:pt>
                   <c:pt idx="18">
-                    <c:v>6.3015871016752589</c:v>
+                    <c:v>6.2410255567494666</c:v>
                   </c:pt>
                   <c:pt idx="19">
-                    <c:v>4.241167292149651</c:v>
+                    <c:v>6.139087880133336</c:v>
                   </c:pt>
                   <c:pt idx="20">
                     <c:v>0</c:v>
@@ -10196,64 +10409,64 @@
                   <c:formatCode>General</c:formatCode>
                   <c:ptCount val="21"/>
                   <c:pt idx="0">
-                    <c:v>5.1565492337414947</c:v>
+                    <c:v>5.0833060108555337</c:v>
                   </c:pt>
                   <c:pt idx="1">
-                    <c:v>4.3871972830042649</c:v>
+                    <c:v>4.8644012992350838</c:v>
                   </c:pt>
                   <c:pt idx="2">
-                    <c:v>6.0216276869298389</c:v>
+                    <c:v>5.627219562092808</c:v>
                   </c:pt>
                   <c:pt idx="3">
-                    <c:v>7.6197112806194953</c:v>
+                    <c:v>5.7742878348762625</c:v>
                   </c:pt>
                   <c:pt idx="4">
-                    <c:v>5.8504273348192264</c:v>
+                    <c:v>5.9442745562431751</c:v>
                   </c:pt>
                   <c:pt idx="5">
-                    <c:v>4.2008927622589942</c:v>
+                    <c:v>5.5318712927905347</c:v>
                   </c:pt>
                   <c:pt idx="6">
-                    <c:v>4.8207883172775796</c:v>
+                    <c:v>5.1857111373465434</c:v>
                   </c:pt>
                   <c:pt idx="7">
-                    <c:v>6.6518794336638418</c:v>
+                    <c:v>5.9531504264548873</c:v>
                   </c:pt>
                   <c:pt idx="8">
-                    <c:v>5.3749418601506749</c:v>
+                    <c:v>5.9462929628466883</c:v>
                   </c:pt>
                   <c:pt idx="9">
-                    <c:v>5.5396299515400846</c:v>
+                    <c:v>6.0597359678454596</c:v>
                   </c:pt>
                   <c:pt idx="10">
-                    <c:v>7.5571158519636308</c:v>
+                    <c:v>5.9891902624645361</c:v>
                   </c:pt>
                   <c:pt idx="11">
-                    <c:v>5.3665631459994954</c:v>
+                    <c:v>5.2088002457379758</c:v>
                   </c:pt>
                   <c:pt idx="12">
-                    <c:v>6.582362797658603</c:v>
+                    <c:v>4.7958732260142156</c:v>
                   </c:pt>
                   <c:pt idx="13">
-                    <c:v>4.4732538492690086</c:v>
+                    <c:v>4.5878535286122641</c:v>
                   </c:pt>
                   <c:pt idx="14">
-                    <c:v>4.3817804600413286</c:v>
+                    <c:v>6.0406953242155828</c:v>
                   </c:pt>
                   <c:pt idx="15">
-                    <c:v>5.1923019942988677</c:v>
+                    <c:v>4.5722642093387389</c:v>
                   </c:pt>
                   <c:pt idx="16">
-                    <c:v>6.0778285596090971</c:v>
+                    <c:v>4.4438271793579007</c:v>
                   </c:pt>
                   <c:pt idx="17">
-                    <c:v>4.1264391428930578</c:v>
+                    <c:v>4.1542267631895093</c:v>
                   </c:pt>
                   <c:pt idx="18">
-                    <c:v>6.3015871016752589</c:v>
+                    <c:v>6.2410255567494666</c:v>
                   </c:pt>
                   <c:pt idx="19">
-                    <c:v>4.241167292149651</c:v>
+                    <c:v>6.139087880133336</c:v>
                   </c:pt>
                   <c:pt idx="20">
                     <c:v>0</c:v>
@@ -10278,7 +10491,7 @@
                   <c:v>0.1</c:v>
                 </c:pt>
                 <c:pt idx="3">
-                  <c:v>0.15</c:v>
+                  <c:v>0.15000000000000005</c:v>
                 </c:pt>
                 <c:pt idx="4">
                   <c:v>0.2</c:v>
@@ -10287,10 +10500,10 @@
                   <c:v>0.25</c:v>
                 </c:pt>
                 <c:pt idx="6">
-                  <c:v>0.3</c:v>
+                  <c:v>0.3000000000000001</c:v>
                 </c:pt>
                 <c:pt idx="7">
-                  <c:v>0.35</c:v>
+                  <c:v>0.35000000000000009</c:v>
                 </c:pt>
                 <c:pt idx="8">
                   <c:v>0.4</c:v>
@@ -10305,28 +10518,28 @@
                   <c:v>0.55000000000000004</c:v>
                 </c:pt>
                 <c:pt idx="12">
-                  <c:v>0.60000000000000009</c:v>
+                  <c:v>0.60000000000000031</c:v>
                 </c:pt>
                 <c:pt idx="13">
-                  <c:v>0.65</c:v>
+                  <c:v>0.65000000000000024</c:v>
                 </c:pt>
                 <c:pt idx="14">
-                  <c:v>0.70000000000000007</c:v>
+                  <c:v>0.70000000000000029</c:v>
                 </c:pt>
                 <c:pt idx="15">
-                  <c:v>0.75</c:v>
+                  <c:v>0.75000000000000022</c:v>
                 </c:pt>
                 <c:pt idx="16">
                   <c:v>0.8</c:v>
                 </c:pt>
                 <c:pt idx="17">
-                  <c:v>0.85000000000000009</c:v>
+                  <c:v>0.85000000000000031</c:v>
                 </c:pt>
                 <c:pt idx="18">
                   <c:v>0.9</c:v>
                 </c:pt>
                 <c:pt idx="19">
-                  <c:v>0.95000000000000007</c:v>
+                  <c:v>0.95000000000000029</c:v>
                 </c:pt>
                 <c:pt idx="20">
                   <c:v>1</c:v>
@@ -10341,64 +10554,64 @@
                 <c:formatCode>General</c:formatCode>
                 <c:ptCount val="21"/>
                 <c:pt idx="0">
-                  <c:v>15.9</c:v>
+                  <c:v>17.2</c:v>
                 </c:pt>
                 <c:pt idx="1">
-                  <c:v>15.05</c:v>
+                  <c:v>15.76</c:v>
                 </c:pt>
                 <c:pt idx="2">
-                  <c:v>18.8</c:v>
+                  <c:v>16.88</c:v>
                 </c:pt>
                 <c:pt idx="3">
-                  <c:v>17.2</c:v>
+                  <c:v>15.24</c:v>
                 </c:pt>
                 <c:pt idx="4">
-                  <c:v>16.850000000000001</c:v>
+                  <c:v>16.84</c:v>
                 </c:pt>
                 <c:pt idx="5">
-                  <c:v>14.45</c:v>
+                  <c:v>16.279999999999994</c:v>
                 </c:pt>
                 <c:pt idx="6">
-                  <c:v>16.399999999999999</c:v>
+                  <c:v>16.22</c:v>
                 </c:pt>
                 <c:pt idx="7">
-                  <c:v>17.45</c:v>
+                  <c:v>18.2</c:v>
                 </c:pt>
                 <c:pt idx="8">
-                  <c:v>14.9</c:v>
+                  <c:v>18.04</c:v>
                 </c:pt>
                 <c:pt idx="9">
-                  <c:v>16.75</c:v>
+                  <c:v>17.14</c:v>
                 </c:pt>
                 <c:pt idx="10">
-                  <c:v>18.3</c:v>
+                  <c:v>16.36</c:v>
                 </c:pt>
                 <c:pt idx="11">
-                  <c:v>16</c:v>
+                  <c:v>16.22</c:v>
                 </c:pt>
                 <c:pt idx="12">
-                  <c:v>18.350000000000001</c:v>
+                  <c:v>15.14</c:v>
                 </c:pt>
                 <c:pt idx="13">
-                  <c:v>14.3</c:v>
+                  <c:v>16.459999999999994</c:v>
                 </c:pt>
                 <c:pt idx="14">
-                  <c:v>18</c:v>
+                  <c:v>16.3</c:v>
                 </c:pt>
                 <c:pt idx="15">
-                  <c:v>15.8</c:v>
+                  <c:v>15.12</c:v>
                 </c:pt>
                 <c:pt idx="16">
-                  <c:v>17.600000000000001</c:v>
+                  <c:v>15.82</c:v>
                 </c:pt>
                 <c:pt idx="17">
-                  <c:v>15.65</c:v>
+                  <c:v>15.32</c:v>
                 </c:pt>
                 <c:pt idx="18">
-                  <c:v>16.7</c:v>
+                  <c:v>18.36</c:v>
                 </c:pt>
                 <c:pt idx="19">
-                  <c:v>16.75</c:v>
+                  <c:v>17.54</c:v>
                 </c:pt>
                 <c:pt idx="20">
                   <c:v>2</c:v>
@@ -10433,64 +10646,64 @@
                   <c:formatCode>General</c:formatCode>
                   <c:ptCount val="21"/>
                   <c:pt idx="0">
-                    <c:v>5.4277066980447648</c:v>
+                    <c:v>4.3655011167104272</c:v>
                   </c:pt>
                   <c:pt idx="1">
-                    <c:v>6.0423505360083176</c:v>
+                    <c:v>5.4264537222757179</c:v>
                   </c:pt>
                   <c:pt idx="2">
-                    <c:v>4.1530109559210171</c:v>
+                    <c:v>5.6743634004177084</c:v>
                   </c:pt>
                   <c:pt idx="3">
-                    <c:v>6.0448325038829651</c:v>
+                    <c:v>4.631587200949582</c:v>
                   </c:pt>
                   <c:pt idx="4">
-                    <c:v>4.6861498055439927</c:v>
+                    <c:v>4.7340891415350415</c:v>
                   </c:pt>
                   <c:pt idx="5">
-                    <c:v>4.7592016137163169</c:v>
+                    <c:v>5.2274659252834912</c:v>
                   </c:pt>
                   <c:pt idx="6">
-                    <c:v>5.4632865566433546</c:v>
+                    <c:v>5.0120255386420345</c:v>
                   </c:pt>
                   <c:pt idx="7">
-                    <c:v>4.8744230427815767</c:v>
+                    <c:v>5.7418115608229412</c:v>
                   </c:pt>
                   <c:pt idx="8">
-                    <c:v>4.3734997427689413</c:v>
+                    <c:v>4.2530459673039021</c:v>
                   </c:pt>
                   <c:pt idx="9">
-                    <c:v>4.9759421218498909</c:v>
+                    <c:v>4.6948482403587848</c:v>
                   </c:pt>
                   <c:pt idx="10">
-                    <c:v>4.5453272709454051</c:v>
+                    <c:v>6.4204672727146583</c:v>
                   </c:pt>
                   <c:pt idx="11">
-                    <c:v>6.5772334609621392</c:v>
+                    <c:v>5.6380493080497285</c:v>
                   </c:pt>
                   <c:pt idx="12">
-                    <c:v>5.3000000000000007</c:v>
+                    <c:v>4.8342527861087294</c:v>
                   </c:pt>
                   <c:pt idx="13">
-                    <c:v>4.112177038990418</c:v>
+                    <c:v>5.2095681202955797</c:v>
                   </c:pt>
                   <c:pt idx="14">
-                    <c:v>3.734635189680513</c:v>
+                    <c:v>6.0604950292859714</c:v>
                   </c:pt>
                   <c:pt idx="15">
-                    <c:v>4.1409539963636401</c:v>
+                    <c:v>6.867313885355756</c:v>
                   </c:pt>
                   <c:pt idx="16">
-                    <c:v>7.1082698316819686</c:v>
+                    <c:v>4.2747631513336533</c:v>
                   </c:pt>
                   <c:pt idx="17">
-                    <c:v>5.4906739112790151</c:v>
+                    <c:v>5.7492956090289882</c:v>
                   </c:pt>
                   <c:pt idx="18">
-                    <c:v>5.78013840664737</c:v>
+                    <c:v>5.07164667539055</c:v>
                   </c:pt>
                   <c:pt idx="19">
-                    <c:v>3.640054944640259</c:v>
+                    <c:v>4.9063632152542516</c:v>
                   </c:pt>
                   <c:pt idx="20">
                     <c:v>0</c:v>
@@ -10505,64 +10718,64 @@
                   <c:formatCode>General</c:formatCode>
                   <c:ptCount val="21"/>
                   <c:pt idx="0">
-                    <c:v>5.4277066980447648</c:v>
+                    <c:v>4.3655011167104272</c:v>
                   </c:pt>
                   <c:pt idx="1">
-                    <c:v>6.0423505360083176</c:v>
+                    <c:v>5.4264537222757179</c:v>
                   </c:pt>
                   <c:pt idx="2">
-                    <c:v>4.1530109559210171</c:v>
+                    <c:v>5.6743634004177084</c:v>
                   </c:pt>
                   <c:pt idx="3">
-                    <c:v>6.0448325038829651</c:v>
+                    <c:v>4.631587200949582</c:v>
                   </c:pt>
                   <c:pt idx="4">
-                    <c:v>4.6861498055439927</c:v>
+                    <c:v>4.7340891415350415</c:v>
                   </c:pt>
                   <c:pt idx="5">
-                    <c:v>4.7592016137163169</c:v>
+                    <c:v>5.2274659252834912</c:v>
                   </c:pt>
                   <c:pt idx="6">
-                    <c:v>5.4632865566433546</c:v>
+                    <c:v>5.0120255386420345</c:v>
                   </c:pt>
                   <c:pt idx="7">
-                    <c:v>4.8744230427815767</c:v>
+                    <c:v>5.7418115608229412</c:v>
                   </c:pt>
                   <c:pt idx="8">
-                    <c:v>4.3734997427689413</c:v>
+                    <c:v>4.2530459673039021</c:v>
                   </c:pt>
                   <c:pt idx="9">
-                    <c:v>4.9759421218498909</c:v>
+                    <c:v>4.6948482403587848</c:v>
                   </c:pt>
                   <c:pt idx="10">
-                    <c:v>4.5453272709454051</c:v>
+                    <c:v>6.4204672727146583</c:v>
                   </c:pt>
                   <c:pt idx="11">
-                    <c:v>6.5772334609621392</c:v>
+                    <c:v>5.6380493080497285</c:v>
                   </c:pt>
                   <c:pt idx="12">
-                    <c:v>5.3000000000000007</c:v>
+                    <c:v>4.8342527861087294</c:v>
                   </c:pt>
                   <c:pt idx="13">
-                    <c:v>4.112177038990418</c:v>
+                    <c:v>5.2095681202955797</c:v>
                   </c:pt>
                   <c:pt idx="14">
-                    <c:v>3.734635189680513</c:v>
+                    <c:v>6.0604950292859714</c:v>
                   </c:pt>
                   <c:pt idx="15">
-                    <c:v>4.1409539963636401</c:v>
+                    <c:v>6.867313885355756</c:v>
                   </c:pt>
                   <c:pt idx="16">
-                    <c:v>7.1082698316819686</c:v>
+                    <c:v>4.2747631513336533</c:v>
                   </c:pt>
                   <c:pt idx="17">
-                    <c:v>5.4906739112790151</c:v>
+                    <c:v>5.7492956090289882</c:v>
                   </c:pt>
                   <c:pt idx="18">
-                    <c:v>5.78013840664737</c:v>
+                    <c:v>5.07164667539055</c:v>
                   </c:pt>
                   <c:pt idx="19">
-                    <c:v>3.640054944640259</c:v>
+                    <c:v>4.9063632152542516</c:v>
                   </c:pt>
                   <c:pt idx="20">
                     <c:v>0</c:v>
@@ -10587,7 +10800,7 @@
                   <c:v>0.1</c:v>
                 </c:pt>
                 <c:pt idx="3">
-                  <c:v>0.15</c:v>
+                  <c:v>0.15000000000000005</c:v>
                 </c:pt>
                 <c:pt idx="4">
                   <c:v>0.2</c:v>
@@ -10596,10 +10809,10 @@
                   <c:v>0.25</c:v>
                 </c:pt>
                 <c:pt idx="6">
-                  <c:v>0.3</c:v>
+                  <c:v>0.3000000000000001</c:v>
                 </c:pt>
                 <c:pt idx="7">
-                  <c:v>0.35</c:v>
+                  <c:v>0.35000000000000009</c:v>
                 </c:pt>
                 <c:pt idx="8">
                   <c:v>0.4</c:v>
@@ -10614,28 +10827,28 @@
                   <c:v>0.55000000000000004</c:v>
                 </c:pt>
                 <c:pt idx="12">
-                  <c:v>0.60000000000000009</c:v>
+                  <c:v>0.60000000000000031</c:v>
                 </c:pt>
                 <c:pt idx="13">
-                  <c:v>0.65</c:v>
+                  <c:v>0.65000000000000024</c:v>
                 </c:pt>
                 <c:pt idx="14">
-                  <c:v>0.70000000000000007</c:v>
+                  <c:v>0.70000000000000029</c:v>
                 </c:pt>
                 <c:pt idx="15">
-                  <c:v>0.75</c:v>
+                  <c:v>0.75000000000000022</c:v>
                 </c:pt>
                 <c:pt idx="16">
                   <c:v>0.8</c:v>
                 </c:pt>
                 <c:pt idx="17">
-                  <c:v>0.85000000000000009</c:v>
+                  <c:v>0.85000000000000031</c:v>
                 </c:pt>
                 <c:pt idx="18">
                   <c:v>0.9</c:v>
                 </c:pt>
                 <c:pt idx="19">
-                  <c:v>0.95000000000000007</c:v>
+                  <c:v>0.95000000000000029</c:v>
                 </c:pt>
                 <c:pt idx="20">
                   <c:v>1</c:v>
@@ -10650,64 +10863,64 @@
                 <c:formatCode>General</c:formatCode>
                 <c:ptCount val="21"/>
                 <c:pt idx="0">
-                  <c:v>16.2</c:v>
+                  <c:v>15.68</c:v>
                 </c:pt>
                 <c:pt idx="1">
-                  <c:v>17.7</c:v>
+                  <c:v>17.559999999999999</c:v>
                 </c:pt>
                 <c:pt idx="2">
-                  <c:v>16.05</c:v>
+                  <c:v>16.959999999999994</c:v>
                 </c:pt>
                 <c:pt idx="3">
-                  <c:v>17.399999999999999</c:v>
+                  <c:v>15.78</c:v>
                 </c:pt>
                 <c:pt idx="4">
-                  <c:v>17.2</c:v>
+                  <c:v>15.78</c:v>
                 </c:pt>
                 <c:pt idx="5">
-                  <c:v>15.5</c:v>
+                  <c:v>16.439999999999994</c:v>
                 </c:pt>
                 <c:pt idx="6">
-                  <c:v>18.55</c:v>
+                  <c:v>16.86</c:v>
                 </c:pt>
                 <c:pt idx="7">
-                  <c:v>15.8</c:v>
+                  <c:v>16.54</c:v>
                 </c:pt>
                 <c:pt idx="8">
-                  <c:v>16.850000000000001</c:v>
+                  <c:v>15.54</c:v>
                 </c:pt>
                 <c:pt idx="9">
-                  <c:v>15.8</c:v>
+                  <c:v>16.279999999999994</c:v>
                 </c:pt>
                 <c:pt idx="10">
-                  <c:v>15.8</c:v>
+                  <c:v>17.760000000000002</c:v>
                 </c:pt>
                 <c:pt idx="11">
-                  <c:v>16.2</c:v>
+                  <c:v>17.18</c:v>
                 </c:pt>
                 <c:pt idx="12">
-                  <c:v>15.9</c:v>
+                  <c:v>16.899999999999999</c:v>
                 </c:pt>
                 <c:pt idx="13">
-                  <c:v>15.3</c:v>
+                  <c:v>16.979999999999993</c:v>
                 </c:pt>
                 <c:pt idx="14">
-                  <c:v>15.45</c:v>
+                  <c:v>17.52</c:v>
                 </c:pt>
                 <c:pt idx="15">
-                  <c:v>17.95</c:v>
+                  <c:v>18.600000000000001</c:v>
                 </c:pt>
                 <c:pt idx="16">
-                  <c:v>18.149999999999999</c:v>
+                  <c:v>16.079999999999991</c:v>
                 </c:pt>
                 <c:pt idx="17">
-                  <c:v>15.95</c:v>
+                  <c:v>17.84</c:v>
                 </c:pt>
                 <c:pt idx="18">
-                  <c:v>20.7</c:v>
+                  <c:v>16.279999999999994</c:v>
                 </c:pt>
                 <c:pt idx="19">
-                  <c:v>14.5</c:v>
+                  <c:v>16.260000000000002</c:v>
                 </c:pt>
                 <c:pt idx="20">
                   <c:v>2</c:v>
@@ -10717,11 +10930,11 @@
           </c:yVal>
           <c:smooth val="1"/>
         </c:ser>
-        <c:axId val="100972032"/>
-        <c:axId val="100988800"/>
+        <c:axId val="65845120"/>
+        <c:axId val="65847296"/>
       </c:scatterChart>
       <c:valAx>
-        <c:axId val="100972032"/>
+        <c:axId val="65845120"/>
         <c:scaling>
           <c:orientation val="minMax"/>
         </c:scaling>
@@ -10735,7 +10948,7 @@
               <a:lstStyle/>
               <a:p>
                 <a:pPr>
-                  <a:defRPr/>
+                  <a:defRPr lang="en-IN"/>
                 </a:pPr>
                 <a:r>
                   <a:rPr lang="en-US"/>
@@ -10748,12 +10961,22 @@
         </c:title>
         <c:numFmt formatCode="General" sourceLinked="1"/>
         <c:tickLblPos val="nextTo"/>
-        <c:crossAx val="100988800"/>
+        <c:txPr>
+          <a:bodyPr/>
+          <a:lstStyle/>
+          <a:p>
+            <a:pPr>
+              <a:defRPr lang="en-IN"/>
+            </a:pPr>
+            <a:endParaRPr lang="en-US"/>
+          </a:p>
+        </c:txPr>
+        <c:crossAx val="65847296"/>
         <c:crosses val="autoZero"/>
         <c:crossBetween val="midCat"/>
       </c:valAx>
       <c:valAx>
-        <c:axId val="100988800"/>
+        <c:axId val="65847296"/>
         <c:scaling>
           <c:orientation val="minMax"/>
         </c:scaling>
@@ -10767,7 +10990,7 @@
               <a:lstStyle/>
               <a:p>
                 <a:pPr>
-                  <a:defRPr/>
+                  <a:defRPr lang="en-IN"/>
                 </a:pPr>
                 <a:r>
                   <a:rPr lang="en-US"/>
@@ -10780,7 +11003,17 @@
         </c:title>
         <c:numFmt formatCode="General" sourceLinked="1"/>
         <c:tickLblPos val="nextTo"/>
-        <c:crossAx val="100972032"/>
+        <c:txPr>
+          <a:bodyPr/>
+          <a:lstStyle/>
+          <a:p>
+            <a:pPr>
+              <a:defRPr lang="en-IN"/>
+            </a:pPr>
+            <a:endParaRPr lang="en-US"/>
+          </a:p>
+        </c:txPr>
+        <c:crossAx val="65845120"/>
         <c:crosses val="autoZero"/>
         <c:crossBetween val="midCat"/>
       </c:valAx>
@@ -10788,6 +11021,1400 @@
     <c:legend>
       <c:legendPos val="r"/>
       <c:layout/>
+      <c:txPr>
+        <a:bodyPr/>
+        <a:lstStyle/>
+        <a:p>
+          <a:pPr>
+            <a:defRPr lang="en-IN"/>
+          </a:pPr>
+          <a:endParaRPr lang="en-US"/>
+        </a:p>
+      </c:txPr>
+    </c:legend>
+    <c:plotVisOnly val="1"/>
+  </c:chart>
+  <c:externalData r:id="rId1"/>
+</c:chartSpace>
+</file>
+
+<file path=ppt/charts/chart9.xml><?xml version="1.0" encoding="utf-8"?>
+<c:chartSpace xmlns:c="http://schemas.openxmlformats.org/drawingml/2006/chart" xmlns:a="http://schemas.openxmlformats.org/drawingml/2006/main" xmlns:r="http://schemas.openxmlformats.org/officeDocument/2006/relationships">
+  <c:date1904 val="1"/>
+  <c:lang val="en-US"/>
+  <c:chart>
+    <c:title>
+      <c:tx>
+        <c:rich>
+          <a:bodyPr/>
+          <a:lstStyle/>
+          <a:p>
+            <a:pPr>
+              <a:defRPr lang="en-IN"/>
+            </a:pPr>
+            <a:r>
+              <a:rPr lang="en-US"/>
+              <a:t>(x</a:t>
+            </a:r>
+            <a:r>
+              <a:rPr lang="en-US" baseline="0"/>
+              <a:t> + y)</a:t>
+            </a:r>
+            <a:r>
+              <a:rPr lang="en-US" baseline="30000"/>
+              <a:t>2</a:t>
+            </a:r>
+            <a:r>
+              <a:rPr lang="en-US" baseline="0"/>
+              <a:t> type</a:t>
+            </a:r>
+            <a:endParaRPr lang="en-US"/>
+          </a:p>
+        </c:rich>
+      </c:tx>
+      <c:layout/>
+    </c:title>
+    <c:plotArea>
+      <c:layout/>
+      <c:scatterChart>
+        <c:scatterStyle val="smoothMarker"/>
+        <c:ser>
+          <c:idx val="0"/>
+          <c:order val="0"/>
+          <c:tx>
+            <c:strRef>
+              <c:f>Sheet1!$B$1:$B$2</c:f>
+              <c:strCache>
+                <c:ptCount val="1"/>
+                <c:pt idx="0">
+                  <c:v> +ve int tfix_x</c:v>
+                </c:pt>
+              </c:strCache>
+            </c:strRef>
+          </c:tx>
+          <c:errBars>
+            <c:errDir val="y"/>
+            <c:errBarType val="both"/>
+            <c:errValType val="cust"/>
+            <c:plus>
+              <c:numRef>
+                <c:f>Sheet1!$C$3:$C$23</c:f>
+                <c:numCache>
+                  <c:formatCode>General</c:formatCode>
+                  <c:ptCount val="21"/>
+                  <c:pt idx="0">
+                    <c:v>11.62</c:v>
+                  </c:pt>
+                  <c:pt idx="1">
+                    <c:v>14.363843496780383</c:v>
+                  </c:pt>
+                  <c:pt idx="2">
+                    <c:v>15.179314872549423</c:v>
+                  </c:pt>
+                  <c:pt idx="3">
+                    <c:v>13.657364313805216</c:v>
+                  </c:pt>
+                  <c:pt idx="4">
+                    <c:v>16.664981248114266</c:v>
+                  </c:pt>
+                  <c:pt idx="5">
+                    <c:v>15.379531852432967</c:v>
+                  </c:pt>
+                  <c:pt idx="6">
+                    <c:v>12.740549438701613</c:v>
+                  </c:pt>
+                  <c:pt idx="7">
+                    <c:v>15.897484077677207</c:v>
+                  </c:pt>
+                  <c:pt idx="8">
+                    <c:v>17.717607061903134</c:v>
+                  </c:pt>
+                  <c:pt idx="9">
+                    <c:v>14.016290522103199</c:v>
+                  </c:pt>
+                  <c:pt idx="10">
+                    <c:v>15.004332707588169</c:v>
+                  </c:pt>
+                  <c:pt idx="11">
+                    <c:v>15.161912808085923</c:v>
+                  </c:pt>
+                  <c:pt idx="12">
+                    <c:v>14.048843368761711</c:v>
+                  </c:pt>
+                  <c:pt idx="13">
+                    <c:v>20.78149176551096</c:v>
+                  </c:pt>
+                  <c:pt idx="14">
+                    <c:v>12.367699866992254</c:v>
+                  </c:pt>
+                  <c:pt idx="15">
+                    <c:v>12.16552506059644</c:v>
+                  </c:pt>
+                  <c:pt idx="16">
+                    <c:v>13.715917760033406</c:v>
+                  </c:pt>
+                  <c:pt idx="17">
+                    <c:v>13.271397816356799</c:v>
+                  </c:pt>
+                  <c:pt idx="18">
+                    <c:v>13.709325293390631</c:v>
+                  </c:pt>
+                  <c:pt idx="19">
+                    <c:v>12.867385126745839</c:v>
+                  </c:pt>
+                  <c:pt idx="20">
+                    <c:v>13.416050089351932</c:v>
+                  </c:pt>
+                </c:numCache>
+              </c:numRef>
+            </c:plus>
+            <c:minus>
+              <c:numRef>
+                <c:f>Sheet1!$C$3:$C$23</c:f>
+                <c:numCache>
+                  <c:formatCode>General</c:formatCode>
+                  <c:ptCount val="21"/>
+                  <c:pt idx="0">
+                    <c:v>11.62</c:v>
+                  </c:pt>
+                  <c:pt idx="1">
+                    <c:v>14.363843496780383</c:v>
+                  </c:pt>
+                  <c:pt idx="2">
+                    <c:v>15.179314872549423</c:v>
+                  </c:pt>
+                  <c:pt idx="3">
+                    <c:v>13.657364313805216</c:v>
+                  </c:pt>
+                  <c:pt idx="4">
+                    <c:v>16.664981248114266</c:v>
+                  </c:pt>
+                  <c:pt idx="5">
+                    <c:v>15.379531852432967</c:v>
+                  </c:pt>
+                  <c:pt idx="6">
+                    <c:v>12.740549438701613</c:v>
+                  </c:pt>
+                  <c:pt idx="7">
+                    <c:v>15.897484077677207</c:v>
+                  </c:pt>
+                  <c:pt idx="8">
+                    <c:v>17.717607061903134</c:v>
+                  </c:pt>
+                  <c:pt idx="9">
+                    <c:v>14.016290522103199</c:v>
+                  </c:pt>
+                  <c:pt idx="10">
+                    <c:v>15.004332707588169</c:v>
+                  </c:pt>
+                  <c:pt idx="11">
+                    <c:v>15.161912808085923</c:v>
+                  </c:pt>
+                  <c:pt idx="12">
+                    <c:v>14.048843368761711</c:v>
+                  </c:pt>
+                  <c:pt idx="13">
+                    <c:v>20.78149176551096</c:v>
+                  </c:pt>
+                  <c:pt idx="14">
+                    <c:v>12.367699866992254</c:v>
+                  </c:pt>
+                  <c:pt idx="15">
+                    <c:v>12.16552506059644</c:v>
+                  </c:pt>
+                  <c:pt idx="16">
+                    <c:v>13.715917760033406</c:v>
+                  </c:pt>
+                  <c:pt idx="17">
+                    <c:v>13.271397816356799</c:v>
+                  </c:pt>
+                  <c:pt idx="18">
+                    <c:v>13.709325293390631</c:v>
+                  </c:pt>
+                  <c:pt idx="19">
+                    <c:v>12.867385126745839</c:v>
+                  </c:pt>
+                  <c:pt idx="20">
+                    <c:v>13.416050089351932</c:v>
+                  </c:pt>
+                </c:numCache>
+              </c:numRef>
+            </c:minus>
+          </c:errBars>
+          <c:xVal>
+            <c:numRef>
+              <c:f>Sheet1!$A$3:$A$23</c:f>
+              <c:numCache>
+                <c:formatCode>General</c:formatCode>
+                <c:ptCount val="21"/>
+                <c:pt idx="0">
+                  <c:v>0</c:v>
+                </c:pt>
+                <c:pt idx="1">
+                  <c:v>0.05</c:v>
+                </c:pt>
+                <c:pt idx="2">
+                  <c:v>0.1</c:v>
+                </c:pt>
+                <c:pt idx="3">
+                  <c:v>0.15000000000000005</c:v>
+                </c:pt>
+                <c:pt idx="4">
+                  <c:v>0.2</c:v>
+                </c:pt>
+                <c:pt idx="5">
+                  <c:v>0.25</c:v>
+                </c:pt>
+                <c:pt idx="6">
+                  <c:v>0.3000000000000001</c:v>
+                </c:pt>
+                <c:pt idx="7">
+                  <c:v>0.35000000000000009</c:v>
+                </c:pt>
+                <c:pt idx="8">
+                  <c:v>0.4</c:v>
+                </c:pt>
+                <c:pt idx="9">
+                  <c:v>0.45</c:v>
+                </c:pt>
+                <c:pt idx="10">
+                  <c:v>0.5</c:v>
+                </c:pt>
+                <c:pt idx="11">
+                  <c:v>0.55000000000000004</c:v>
+                </c:pt>
+                <c:pt idx="12">
+                  <c:v>0.60000000000000031</c:v>
+                </c:pt>
+                <c:pt idx="13">
+                  <c:v>0.65000000000000024</c:v>
+                </c:pt>
+                <c:pt idx="14">
+                  <c:v>0.70000000000000029</c:v>
+                </c:pt>
+                <c:pt idx="15">
+                  <c:v>0.75000000000000022</c:v>
+                </c:pt>
+                <c:pt idx="16">
+                  <c:v>0.8</c:v>
+                </c:pt>
+                <c:pt idx="17">
+                  <c:v>0.85000000000000031</c:v>
+                </c:pt>
+                <c:pt idx="18">
+                  <c:v>0.9</c:v>
+                </c:pt>
+                <c:pt idx="19">
+                  <c:v>0.95000000000000029</c:v>
+                </c:pt>
+                <c:pt idx="20">
+                  <c:v>1</c:v>
+                </c:pt>
+              </c:numCache>
+            </c:numRef>
+          </c:xVal>
+          <c:yVal>
+            <c:numRef>
+              <c:f>Sheet1!$B$3:$B$23</c:f>
+              <c:numCache>
+                <c:formatCode>General</c:formatCode>
+                <c:ptCount val="21"/>
+                <c:pt idx="0">
+                  <c:v>36.660000000000011</c:v>
+                </c:pt>
+                <c:pt idx="1">
+                  <c:v>35.4</c:v>
+                </c:pt>
+                <c:pt idx="2">
+                  <c:v>35.220000000000013</c:v>
+                </c:pt>
+                <c:pt idx="3">
+                  <c:v>38.42</c:v>
+                </c:pt>
+                <c:pt idx="4">
+                  <c:v>39.28</c:v>
+                </c:pt>
+                <c:pt idx="5">
+                  <c:v>38.1</c:v>
+                </c:pt>
+                <c:pt idx="6">
+                  <c:v>36.28</c:v>
+                </c:pt>
+                <c:pt idx="7">
+                  <c:v>38.1</c:v>
+                </c:pt>
+                <c:pt idx="8">
+                  <c:v>39.92</c:v>
+                </c:pt>
+                <c:pt idx="9">
+                  <c:v>38.06</c:v>
+                </c:pt>
+                <c:pt idx="10">
+                  <c:v>37.300000000000004</c:v>
+                </c:pt>
+                <c:pt idx="11">
+                  <c:v>41.42</c:v>
+                </c:pt>
+                <c:pt idx="12">
+                  <c:v>37.300000000000004</c:v>
+                </c:pt>
+                <c:pt idx="13">
+                  <c:v>40.64</c:v>
+                </c:pt>
+                <c:pt idx="14">
+                  <c:v>37</c:v>
+                </c:pt>
+                <c:pt idx="15">
+                  <c:v>36.800000000000004</c:v>
+                </c:pt>
+                <c:pt idx="16">
+                  <c:v>36.56</c:v>
+                </c:pt>
+                <c:pt idx="17">
+                  <c:v>37.700000000000003</c:v>
+                </c:pt>
+                <c:pt idx="18">
+                  <c:v>34.880000000000003</c:v>
+                </c:pt>
+                <c:pt idx="19">
+                  <c:v>38.520000000000003</c:v>
+                </c:pt>
+                <c:pt idx="20">
+                  <c:v>35.36</c:v>
+                </c:pt>
+              </c:numCache>
+            </c:numRef>
+          </c:yVal>
+          <c:smooth val="1"/>
+        </c:ser>
+        <c:ser>
+          <c:idx val="1"/>
+          <c:order val="1"/>
+          <c:tx>
+            <c:strRef>
+              <c:f>Sheet1!$F$1:$F$2</c:f>
+              <c:strCache>
+                <c:ptCount val="1"/>
+                <c:pt idx="0">
+                  <c:v> +ve int tfix_y</c:v>
+                </c:pt>
+              </c:strCache>
+            </c:strRef>
+          </c:tx>
+          <c:errBars>
+            <c:errDir val="y"/>
+            <c:errBarType val="both"/>
+            <c:errValType val="cust"/>
+            <c:plus>
+              <c:numRef>
+                <c:f>Sheet1!$G$3:$G$23</c:f>
+                <c:numCache>
+                  <c:formatCode>General</c:formatCode>
+                  <c:ptCount val="21"/>
+                  <c:pt idx="0">
+                    <c:v>16.456014098195219</c:v>
+                  </c:pt>
+                  <c:pt idx="1">
+                    <c:v>11.610340218959994</c:v>
+                  </c:pt>
+                  <c:pt idx="2">
+                    <c:v>14.239508418481314</c:v>
+                  </c:pt>
+                  <c:pt idx="3">
+                    <c:v>11.607600957993</c:v>
+                  </c:pt>
+                  <c:pt idx="4">
+                    <c:v>15.348289807011071</c:v>
+                  </c:pt>
+                  <c:pt idx="5">
+                    <c:v>19.14601786273062</c:v>
+                  </c:pt>
+                  <c:pt idx="6">
+                    <c:v>11.535267660526999</c:v>
+                  </c:pt>
+                  <c:pt idx="7">
+                    <c:v>12.480320508704892</c:v>
+                  </c:pt>
+                  <c:pt idx="8">
+                    <c:v>14.983777894776743</c:v>
+                  </c:pt>
+                  <c:pt idx="9">
+                    <c:v>12.653916389798059</c:v>
+                  </c:pt>
+                  <c:pt idx="10">
+                    <c:v>11.508188389142751</c:v>
+                  </c:pt>
+                  <c:pt idx="11">
+                    <c:v>13.046317488088349</c:v>
+                  </c:pt>
+                  <c:pt idx="12">
+                    <c:v>11.52222200792885</c:v>
+                  </c:pt>
+                  <c:pt idx="13">
+                    <c:v>14.073080686189504</c:v>
+                  </c:pt>
+                  <c:pt idx="14">
+                    <c:v>14.113823011501877</c:v>
+                  </c:pt>
+                  <c:pt idx="15">
+                    <c:v>12.574959244466763</c:v>
+                  </c:pt>
+                  <c:pt idx="16">
+                    <c:v>12.330839387486973</c:v>
+                  </c:pt>
+                  <c:pt idx="17">
+                    <c:v>13.887389963560469</c:v>
+                  </c:pt>
+                  <c:pt idx="18">
+                    <c:v>13.63606981501635</c:v>
+                  </c:pt>
+                  <c:pt idx="19">
+                    <c:v>13.364131097830494</c:v>
+                  </c:pt>
+                  <c:pt idx="20">
+                    <c:v>13.175188803201273</c:v>
+                  </c:pt>
+                </c:numCache>
+              </c:numRef>
+            </c:plus>
+            <c:minus>
+              <c:numRef>
+                <c:f>Sheet1!$G$3:$G$23</c:f>
+                <c:numCache>
+                  <c:formatCode>General</c:formatCode>
+                  <c:ptCount val="21"/>
+                  <c:pt idx="0">
+                    <c:v>16.456014098195219</c:v>
+                  </c:pt>
+                  <c:pt idx="1">
+                    <c:v>11.610340218959994</c:v>
+                  </c:pt>
+                  <c:pt idx="2">
+                    <c:v>14.239508418481314</c:v>
+                  </c:pt>
+                  <c:pt idx="3">
+                    <c:v>11.607600957993</c:v>
+                  </c:pt>
+                  <c:pt idx="4">
+                    <c:v>15.348289807011071</c:v>
+                  </c:pt>
+                  <c:pt idx="5">
+                    <c:v>19.14601786273062</c:v>
+                  </c:pt>
+                  <c:pt idx="6">
+                    <c:v>11.535267660526999</c:v>
+                  </c:pt>
+                  <c:pt idx="7">
+                    <c:v>12.480320508704892</c:v>
+                  </c:pt>
+                  <c:pt idx="8">
+                    <c:v>14.983777894776743</c:v>
+                  </c:pt>
+                  <c:pt idx="9">
+                    <c:v>12.653916389798059</c:v>
+                  </c:pt>
+                  <c:pt idx="10">
+                    <c:v>11.508188389142751</c:v>
+                  </c:pt>
+                  <c:pt idx="11">
+                    <c:v>13.046317488088349</c:v>
+                  </c:pt>
+                  <c:pt idx="12">
+                    <c:v>11.52222200792885</c:v>
+                  </c:pt>
+                  <c:pt idx="13">
+                    <c:v>14.073080686189504</c:v>
+                  </c:pt>
+                  <c:pt idx="14">
+                    <c:v>14.113823011501877</c:v>
+                  </c:pt>
+                  <c:pt idx="15">
+                    <c:v>12.574959244466763</c:v>
+                  </c:pt>
+                  <c:pt idx="16">
+                    <c:v>12.330839387486973</c:v>
+                  </c:pt>
+                  <c:pt idx="17">
+                    <c:v>13.887389963560469</c:v>
+                  </c:pt>
+                  <c:pt idx="18">
+                    <c:v>13.63606981501635</c:v>
+                  </c:pt>
+                  <c:pt idx="19">
+                    <c:v>13.364131097830494</c:v>
+                  </c:pt>
+                  <c:pt idx="20">
+                    <c:v>13.175188803201273</c:v>
+                  </c:pt>
+                </c:numCache>
+              </c:numRef>
+            </c:minus>
+          </c:errBars>
+          <c:xVal>
+            <c:numRef>
+              <c:f>Sheet1!$A$3:$A$23</c:f>
+              <c:numCache>
+                <c:formatCode>General</c:formatCode>
+                <c:ptCount val="21"/>
+                <c:pt idx="0">
+                  <c:v>0</c:v>
+                </c:pt>
+                <c:pt idx="1">
+                  <c:v>0.05</c:v>
+                </c:pt>
+                <c:pt idx="2">
+                  <c:v>0.1</c:v>
+                </c:pt>
+                <c:pt idx="3">
+                  <c:v>0.15000000000000005</c:v>
+                </c:pt>
+                <c:pt idx="4">
+                  <c:v>0.2</c:v>
+                </c:pt>
+                <c:pt idx="5">
+                  <c:v>0.25</c:v>
+                </c:pt>
+                <c:pt idx="6">
+                  <c:v>0.3000000000000001</c:v>
+                </c:pt>
+                <c:pt idx="7">
+                  <c:v>0.35000000000000009</c:v>
+                </c:pt>
+                <c:pt idx="8">
+                  <c:v>0.4</c:v>
+                </c:pt>
+                <c:pt idx="9">
+                  <c:v>0.45</c:v>
+                </c:pt>
+                <c:pt idx="10">
+                  <c:v>0.5</c:v>
+                </c:pt>
+                <c:pt idx="11">
+                  <c:v>0.55000000000000004</c:v>
+                </c:pt>
+                <c:pt idx="12">
+                  <c:v>0.60000000000000031</c:v>
+                </c:pt>
+                <c:pt idx="13">
+                  <c:v>0.65000000000000024</c:v>
+                </c:pt>
+                <c:pt idx="14">
+                  <c:v>0.70000000000000029</c:v>
+                </c:pt>
+                <c:pt idx="15">
+                  <c:v>0.75000000000000022</c:v>
+                </c:pt>
+                <c:pt idx="16">
+                  <c:v>0.8</c:v>
+                </c:pt>
+                <c:pt idx="17">
+                  <c:v>0.85000000000000031</c:v>
+                </c:pt>
+                <c:pt idx="18">
+                  <c:v>0.9</c:v>
+                </c:pt>
+                <c:pt idx="19">
+                  <c:v>0.95000000000000029</c:v>
+                </c:pt>
+                <c:pt idx="20">
+                  <c:v>1</c:v>
+                </c:pt>
+              </c:numCache>
+            </c:numRef>
+          </c:xVal>
+          <c:yVal>
+            <c:numRef>
+              <c:f>Sheet1!$F$3:$F$23</c:f>
+              <c:numCache>
+                <c:formatCode>General</c:formatCode>
+                <c:ptCount val="21"/>
+                <c:pt idx="0">
+                  <c:v>37.14</c:v>
+                </c:pt>
+                <c:pt idx="1">
+                  <c:v>33</c:v>
+                </c:pt>
+                <c:pt idx="2">
+                  <c:v>37.58</c:v>
+                </c:pt>
+                <c:pt idx="3">
+                  <c:v>33.94</c:v>
+                </c:pt>
+                <c:pt idx="4">
+                  <c:v>37.9</c:v>
+                </c:pt>
+                <c:pt idx="5">
+                  <c:v>40.9</c:v>
+                </c:pt>
+                <c:pt idx="6">
+                  <c:v>35.760000000000012</c:v>
+                </c:pt>
+                <c:pt idx="7">
+                  <c:v>33.96</c:v>
+                </c:pt>
+                <c:pt idx="8">
+                  <c:v>35.92</c:v>
+                </c:pt>
+                <c:pt idx="9">
+                  <c:v>36.720000000000013</c:v>
+                </c:pt>
+                <c:pt idx="10">
+                  <c:v>35.04</c:v>
+                </c:pt>
+                <c:pt idx="11">
+                  <c:v>36.56</c:v>
+                </c:pt>
+                <c:pt idx="12">
+                  <c:v>35.720000000000013</c:v>
+                </c:pt>
+                <c:pt idx="13">
+                  <c:v>37.220000000000013</c:v>
+                </c:pt>
+                <c:pt idx="14">
+                  <c:v>37.6</c:v>
+                </c:pt>
+                <c:pt idx="15">
+                  <c:v>37.480000000000004</c:v>
+                </c:pt>
+                <c:pt idx="16">
+                  <c:v>38.520000000000003</c:v>
+                </c:pt>
+                <c:pt idx="17">
+                  <c:v>36.020000000000003</c:v>
+                </c:pt>
+                <c:pt idx="18">
+                  <c:v>40.24</c:v>
+                </c:pt>
+                <c:pt idx="19">
+                  <c:v>35.800000000000004</c:v>
+                </c:pt>
+                <c:pt idx="20">
+                  <c:v>35.880000000000003</c:v>
+                </c:pt>
+              </c:numCache>
+            </c:numRef>
+          </c:yVal>
+          <c:smooth val="1"/>
+        </c:ser>
+        <c:ser>
+          <c:idx val="2"/>
+          <c:order val="2"/>
+          <c:tx>
+            <c:strRef>
+              <c:f>Sheet1!$K$1:$K$2</c:f>
+              <c:strCache>
+                <c:ptCount val="1"/>
+                <c:pt idx="0">
+                  <c:v> -ve int tfix_x</c:v>
+                </c:pt>
+              </c:strCache>
+            </c:strRef>
+          </c:tx>
+          <c:errBars>
+            <c:errDir val="y"/>
+            <c:errBarType val="both"/>
+            <c:errValType val="cust"/>
+            <c:plus>
+              <c:numRef>
+                <c:f>Sheet1!$L$3:$L$23</c:f>
+                <c:numCache>
+                  <c:formatCode>General</c:formatCode>
+                  <c:ptCount val="21"/>
+                  <c:pt idx="0">
+                    <c:v>15.3286790037498</c:v>
+                  </c:pt>
+                  <c:pt idx="1">
+                    <c:v>16.252458275596332</c:v>
+                  </c:pt>
+                  <c:pt idx="2">
+                    <c:v>16.722440013347313</c:v>
+                  </c:pt>
+                  <c:pt idx="3">
+                    <c:v>10.98706512222441</c:v>
+                  </c:pt>
+                  <c:pt idx="4">
+                    <c:v>15.28</c:v>
+                  </c:pt>
+                  <c:pt idx="5">
+                    <c:v>16.916843677234827</c:v>
+                  </c:pt>
+                  <c:pt idx="6">
+                    <c:v>10.295649566685924</c:v>
+                  </c:pt>
+                  <c:pt idx="7">
+                    <c:v>15.194327889051227</c:v>
+                  </c:pt>
+                  <c:pt idx="8">
+                    <c:v>14.448653916541851</c:v>
+                  </c:pt>
+                  <c:pt idx="9">
+                    <c:v>13.605528288162869</c:v>
+                  </c:pt>
+                  <c:pt idx="10">
+                    <c:v>11.559740481516014</c:v>
+                  </c:pt>
+                  <c:pt idx="11">
+                    <c:v>15.14765988527601</c:v>
+                  </c:pt>
+                  <c:pt idx="12">
+                    <c:v>15.982102489972959</c:v>
+                  </c:pt>
+                  <c:pt idx="13">
+                    <c:v>13.890269975778009</c:v>
+                  </c:pt>
+                  <c:pt idx="14">
+                    <c:v>10.990978118438781</c:v>
+                  </c:pt>
+                  <c:pt idx="15">
+                    <c:v>12.11108583075853</c:v>
+                  </c:pt>
+                  <c:pt idx="16">
+                    <c:v>12.957916499190762</c:v>
+                  </c:pt>
+                  <c:pt idx="17">
+                    <c:v>10.283987553473599</c:v>
+                  </c:pt>
+                  <c:pt idx="18">
+                    <c:v>14.294950157310797</c:v>
+                  </c:pt>
+                  <c:pt idx="19">
+                    <c:v>14.151480487920693</c:v>
+                  </c:pt>
+                  <c:pt idx="20">
+                    <c:v>0</c:v>
+                  </c:pt>
+                </c:numCache>
+              </c:numRef>
+            </c:plus>
+            <c:minus>
+              <c:numRef>
+                <c:f>Sheet1!$L$3:$L$23</c:f>
+                <c:numCache>
+                  <c:formatCode>General</c:formatCode>
+                  <c:ptCount val="21"/>
+                  <c:pt idx="0">
+                    <c:v>15.3286790037498</c:v>
+                  </c:pt>
+                  <c:pt idx="1">
+                    <c:v>16.252458275596332</c:v>
+                  </c:pt>
+                  <c:pt idx="2">
+                    <c:v>16.722440013347313</c:v>
+                  </c:pt>
+                  <c:pt idx="3">
+                    <c:v>10.98706512222441</c:v>
+                  </c:pt>
+                  <c:pt idx="4">
+                    <c:v>15.28</c:v>
+                  </c:pt>
+                  <c:pt idx="5">
+                    <c:v>16.916843677234827</c:v>
+                  </c:pt>
+                  <c:pt idx="6">
+                    <c:v>10.295649566685924</c:v>
+                  </c:pt>
+                  <c:pt idx="7">
+                    <c:v>15.194327889051227</c:v>
+                  </c:pt>
+                  <c:pt idx="8">
+                    <c:v>14.448653916541851</c:v>
+                  </c:pt>
+                  <c:pt idx="9">
+                    <c:v>13.605528288162869</c:v>
+                  </c:pt>
+                  <c:pt idx="10">
+                    <c:v>11.559740481516014</c:v>
+                  </c:pt>
+                  <c:pt idx="11">
+                    <c:v>15.14765988527601</c:v>
+                  </c:pt>
+                  <c:pt idx="12">
+                    <c:v>15.982102489972959</c:v>
+                  </c:pt>
+                  <c:pt idx="13">
+                    <c:v>13.890269975778009</c:v>
+                  </c:pt>
+                  <c:pt idx="14">
+                    <c:v>10.990978118438781</c:v>
+                  </c:pt>
+                  <c:pt idx="15">
+                    <c:v>12.11108583075853</c:v>
+                  </c:pt>
+                  <c:pt idx="16">
+                    <c:v>12.957916499190762</c:v>
+                  </c:pt>
+                  <c:pt idx="17">
+                    <c:v>10.283987553473599</c:v>
+                  </c:pt>
+                  <c:pt idx="18">
+                    <c:v>14.294950157310797</c:v>
+                  </c:pt>
+                  <c:pt idx="19">
+                    <c:v>14.151480487920693</c:v>
+                  </c:pt>
+                  <c:pt idx="20">
+                    <c:v>0</c:v>
+                  </c:pt>
+                </c:numCache>
+              </c:numRef>
+            </c:minus>
+          </c:errBars>
+          <c:xVal>
+            <c:numRef>
+              <c:f>Sheet1!$A$3:$A$23</c:f>
+              <c:numCache>
+                <c:formatCode>General</c:formatCode>
+                <c:ptCount val="21"/>
+                <c:pt idx="0">
+                  <c:v>0</c:v>
+                </c:pt>
+                <c:pt idx="1">
+                  <c:v>0.05</c:v>
+                </c:pt>
+                <c:pt idx="2">
+                  <c:v>0.1</c:v>
+                </c:pt>
+                <c:pt idx="3">
+                  <c:v>0.15000000000000005</c:v>
+                </c:pt>
+                <c:pt idx="4">
+                  <c:v>0.2</c:v>
+                </c:pt>
+                <c:pt idx="5">
+                  <c:v>0.25</c:v>
+                </c:pt>
+                <c:pt idx="6">
+                  <c:v>0.3000000000000001</c:v>
+                </c:pt>
+                <c:pt idx="7">
+                  <c:v>0.35000000000000009</c:v>
+                </c:pt>
+                <c:pt idx="8">
+                  <c:v>0.4</c:v>
+                </c:pt>
+                <c:pt idx="9">
+                  <c:v>0.45</c:v>
+                </c:pt>
+                <c:pt idx="10">
+                  <c:v>0.5</c:v>
+                </c:pt>
+                <c:pt idx="11">
+                  <c:v>0.55000000000000004</c:v>
+                </c:pt>
+                <c:pt idx="12">
+                  <c:v>0.60000000000000031</c:v>
+                </c:pt>
+                <c:pt idx="13">
+                  <c:v>0.65000000000000024</c:v>
+                </c:pt>
+                <c:pt idx="14">
+                  <c:v>0.70000000000000029</c:v>
+                </c:pt>
+                <c:pt idx="15">
+                  <c:v>0.75000000000000022</c:v>
+                </c:pt>
+                <c:pt idx="16">
+                  <c:v>0.8</c:v>
+                </c:pt>
+                <c:pt idx="17">
+                  <c:v>0.85000000000000031</c:v>
+                </c:pt>
+                <c:pt idx="18">
+                  <c:v>0.9</c:v>
+                </c:pt>
+                <c:pt idx="19">
+                  <c:v>0.95000000000000029</c:v>
+                </c:pt>
+                <c:pt idx="20">
+                  <c:v>1</c:v>
+                </c:pt>
+              </c:numCache>
+            </c:numRef>
+          </c:xVal>
+          <c:yVal>
+            <c:numRef>
+              <c:f>Sheet1!$K$3:$K$23</c:f>
+              <c:numCache>
+                <c:formatCode>General</c:formatCode>
+                <c:ptCount val="21"/>
+                <c:pt idx="0">
+                  <c:v>39.54</c:v>
+                </c:pt>
+                <c:pt idx="1">
+                  <c:v>36.24</c:v>
+                </c:pt>
+                <c:pt idx="2">
+                  <c:v>39</c:v>
+                </c:pt>
+                <c:pt idx="3">
+                  <c:v>35.620000000000012</c:v>
+                </c:pt>
+                <c:pt idx="4">
+                  <c:v>37.04</c:v>
+                </c:pt>
+                <c:pt idx="5">
+                  <c:v>36.020000000000003</c:v>
+                </c:pt>
+                <c:pt idx="6">
+                  <c:v>32.14</c:v>
+                </c:pt>
+                <c:pt idx="7">
+                  <c:v>38.18</c:v>
+                </c:pt>
+                <c:pt idx="8">
+                  <c:v>34.58</c:v>
+                </c:pt>
+                <c:pt idx="9">
+                  <c:v>37.36</c:v>
+                </c:pt>
+                <c:pt idx="10">
+                  <c:v>35.82</c:v>
+                </c:pt>
+                <c:pt idx="11">
+                  <c:v>37.78</c:v>
+                </c:pt>
+                <c:pt idx="12">
+                  <c:v>36.18</c:v>
+                </c:pt>
+                <c:pt idx="13">
+                  <c:v>36.980000000000004</c:v>
+                </c:pt>
+                <c:pt idx="14">
+                  <c:v>33.28</c:v>
+                </c:pt>
+                <c:pt idx="15">
+                  <c:v>39.96</c:v>
+                </c:pt>
+                <c:pt idx="16">
+                  <c:v>34.82</c:v>
+                </c:pt>
+                <c:pt idx="17">
+                  <c:v>32.14</c:v>
+                </c:pt>
+                <c:pt idx="18">
+                  <c:v>37.120000000000012</c:v>
+                </c:pt>
+                <c:pt idx="19">
+                  <c:v>35.660000000000011</c:v>
+                </c:pt>
+                <c:pt idx="20">
+                  <c:v>2</c:v>
+                </c:pt>
+              </c:numCache>
+            </c:numRef>
+          </c:yVal>
+          <c:smooth val="1"/>
+        </c:ser>
+        <c:ser>
+          <c:idx val="3"/>
+          <c:order val="3"/>
+          <c:tx>
+            <c:strRef>
+              <c:f>Sheet1!$O$1:$O$2</c:f>
+              <c:strCache>
+                <c:ptCount val="1"/>
+                <c:pt idx="0">
+                  <c:v> -ve int tfix_y</c:v>
+                </c:pt>
+              </c:strCache>
+            </c:strRef>
+          </c:tx>
+          <c:errBars>
+            <c:errDir val="y"/>
+            <c:errBarType val="both"/>
+            <c:errValType val="cust"/>
+            <c:plus>
+              <c:numRef>
+                <c:f>Sheet1!$P$3:$P$23</c:f>
+                <c:numCache>
+                  <c:formatCode>General</c:formatCode>
+                  <c:ptCount val="21"/>
+                  <c:pt idx="0">
+                    <c:v>10.900935739650979</c:v>
+                  </c:pt>
+                  <c:pt idx="1">
+                    <c:v>11.565898149300812</c:v>
+                  </c:pt>
+                  <c:pt idx="2">
+                    <c:v>13.11519729169181</c:v>
+                  </c:pt>
+                  <c:pt idx="3">
+                    <c:v>13.519408271074592</c:v>
+                  </c:pt>
+                  <c:pt idx="4">
+                    <c:v>13.067532284253215</c:v>
+                  </c:pt>
+                  <c:pt idx="5">
+                    <c:v>11.307979483532856</c:v>
+                  </c:pt>
+                  <c:pt idx="6">
+                    <c:v>15.436644713149297</c:v>
+                  </c:pt>
+                  <c:pt idx="7">
+                    <c:v>16.609587592712828</c:v>
+                  </c:pt>
+                  <c:pt idx="8">
+                    <c:v>16.591865476793146</c:v>
+                  </c:pt>
+                  <c:pt idx="9">
+                    <c:v>12.469306315910286</c:v>
+                  </c:pt>
+                  <c:pt idx="10">
+                    <c:v>13.505865392487809</c:v>
+                  </c:pt>
+                  <c:pt idx="11">
+                    <c:v>13.482670358649298</c:v>
+                  </c:pt>
+                  <c:pt idx="12">
+                    <c:v>12.142899159591169</c:v>
+                  </c:pt>
+                  <c:pt idx="13">
+                    <c:v>16.062490466923226</c:v>
+                  </c:pt>
+                  <c:pt idx="14">
+                    <c:v>10.750795319417072</c:v>
+                  </c:pt>
+                  <c:pt idx="15">
+                    <c:v>15.827520336426673</c:v>
+                  </c:pt>
+                  <c:pt idx="16">
+                    <c:v>11.690611617875264</c:v>
+                  </c:pt>
+                  <c:pt idx="17">
+                    <c:v>11.109923492085798</c:v>
+                  </c:pt>
+                  <c:pt idx="18">
+                    <c:v>12.333515313972743</c:v>
+                  </c:pt>
+                  <c:pt idx="19">
+                    <c:v>12.734849822436068</c:v>
+                  </c:pt>
+                  <c:pt idx="20">
+                    <c:v>0</c:v>
+                  </c:pt>
+                </c:numCache>
+              </c:numRef>
+            </c:plus>
+            <c:minus>
+              <c:numRef>
+                <c:f>Sheet1!$P$3:$P$23</c:f>
+                <c:numCache>
+                  <c:formatCode>General</c:formatCode>
+                  <c:ptCount val="21"/>
+                  <c:pt idx="0">
+                    <c:v>10.900935739650979</c:v>
+                  </c:pt>
+                  <c:pt idx="1">
+                    <c:v>11.565898149300812</c:v>
+                  </c:pt>
+                  <c:pt idx="2">
+                    <c:v>13.11519729169181</c:v>
+                  </c:pt>
+                  <c:pt idx="3">
+                    <c:v>13.519408271074592</c:v>
+                  </c:pt>
+                  <c:pt idx="4">
+                    <c:v>13.067532284253215</c:v>
+                  </c:pt>
+                  <c:pt idx="5">
+                    <c:v>11.307979483532856</c:v>
+                  </c:pt>
+                  <c:pt idx="6">
+                    <c:v>15.436644713149297</c:v>
+                  </c:pt>
+                  <c:pt idx="7">
+                    <c:v>16.609587592712828</c:v>
+                  </c:pt>
+                  <c:pt idx="8">
+                    <c:v>16.591865476793146</c:v>
+                  </c:pt>
+                  <c:pt idx="9">
+                    <c:v>12.469306315910286</c:v>
+                  </c:pt>
+                  <c:pt idx="10">
+                    <c:v>13.505865392487809</c:v>
+                  </c:pt>
+                  <c:pt idx="11">
+                    <c:v>13.482670358649298</c:v>
+                  </c:pt>
+                  <c:pt idx="12">
+                    <c:v>12.142899159591169</c:v>
+                  </c:pt>
+                  <c:pt idx="13">
+                    <c:v>16.062490466923226</c:v>
+                  </c:pt>
+                  <c:pt idx="14">
+                    <c:v>10.750795319417072</c:v>
+                  </c:pt>
+                  <c:pt idx="15">
+                    <c:v>15.827520336426673</c:v>
+                  </c:pt>
+                  <c:pt idx="16">
+                    <c:v>11.690611617875264</c:v>
+                  </c:pt>
+                  <c:pt idx="17">
+                    <c:v>11.109923492085798</c:v>
+                  </c:pt>
+                  <c:pt idx="18">
+                    <c:v>12.333515313972743</c:v>
+                  </c:pt>
+                  <c:pt idx="19">
+                    <c:v>12.734849822436068</c:v>
+                  </c:pt>
+                  <c:pt idx="20">
+                    <c:v>0</c:v>
+                  </c:pt>
+                </c:numCache>
+              </c:numRef>
+            </c:minus>
+          </c:errBars>
+          <c:xVal>
+            <c:numRef>
+              <c:f>Sheet1!$A$3:$A$23</c:f>
+              <c:numCache>
+                <c:formatCode>General</c:formatCode>
+                <c:ptCount val="21"/>
+                <c:pt idx="0">
+                  <c:v>0</c:v>
+                </c:pt>
+                <c:pt idx="1">
+                  <c:v>0.05</c:v>
+                </c:pt>
+                <c:pt idx="2">
+                  <c:v>0.1</c:v>
+                </c:pt>
+                <c:pt idx="3">
+                  <c:v>0.15000000000000005</c:v>
+                </c:pt>
+                <c:pt idx="4">
+                  <c:v>0.2</c:v>
+                </c:pt>
+                <c:pt idx="5">
+                  <c:v>0.25</c:v>
+                </c:pt>
+                <c:pt idx="6">
+                  <c:v>0.3000000000000001</c:v>
+                </c:pt>
+                <c:pt idx="7">
+                  <c:v>0.35000000000000009</c:v>
+                </c:pt>
+                <c:pt idx="8">
+                  <c:v>0.4</c:v>
+                </c:pt>
+                <c:pt idx="9">
+                  <c:v>0.45</c:v>
+                </c:pt>
+                <c:pt idx="10">
+                  <c:v>0.5</c:v>
+                </c:pt>
+                <c:pt idx="11">
+                  <c:v>0.55000000000000004</c:v>
+                </c:pt>
+                <c:pt idx="12">
+                  <c:v>0.60000000000000031</c:v>
+                </c:pt>
+                <c:pt idx="13">
+                  <c:v>0.65000000000000024</c:v>
+                </c:pt>
+                <c:pt idx="14">
+                  <c:v>0.70000000000000029</c:v>
+                </c:pt>
+                <c:pt idx="15">
+                  <c:v>0.75000000000000022</c:v>
+                </c:pt>
+                <c:pt idx="16">
+                  <c:v>0.8</c:v>
+                </c:pt>
+                <c:pt idx="17">
+                  <c:v>0.85000000000000031</c:v>
+                </c:pt>
+                <c:pt idx="18">
+                  <c:v>0.9</c:v>
+                </c:pt>
+                <c:pt idx="19">
+                  <c:v>0.95000000000000029</c:v>
+                </c:pt>
+                <c:pt idx="20">
+                  <c:v>1</c:v>
+                </c:pt>
+              </c:numCache>
+            </c:numRef>
+          </c:xVal>
+          <c:yVal>
+            <c:numRef>
+              <c:f>Sheet1!$O$3:$O$23</c:f>
+              <c:numCache>
+                <c:formatCode>General</c:formatCode>
+                <c:ptCount val="21"/>
+                <c:pt idx="0">
+                  <c:v>34.36</c:v>
+                </c:pt>
+                <c:pt idx="1">
+                  <c:v>37.5</c:v>
+                </c:pt>
+                <c:pt idx="2">
+                  <c:v>36.46</c:v>
+                </c:pt>
+                <c:pt idx="3">
+                  <c:v>38.840000000000003</c:v>
+                </c:pt>
+                <c:pt idx="4">
+                  <c:v>36.14</c:v>
+                </c:pt>
+                <c:pt idx="5">
+                  <c:v>32.64</c:v>
+                </c:pt>
+                <c:pt idx="6">
+                  <c:v>39.1</c:v>
+                </c:pt>
+                <c:pt idx="7">
+                  <c:v>36.96</c:v>
+                </c:pt>
+                <c:pt idx="8">
+                  <c:v>41.7</c:v>
+                </c:pt>
+                <c:pt idx="9">
+                  <c:v>35.42</c:v>
+                </c:pt>
+                <c:pt idx="10">
+                  <c:v>39.46</c:v>
+                </c:pt>
+                <c:pt idx="11">
+                  <c:v>33.24</c:v>
+                </c:pt>
+                <c:pt idx="12">
+                  <c:v>36.9</c:v>
+                </c:pt>
+                <c:pt idx="13">
+                  <c:v>39.42</c:v>
+                </c:pt>
+                <c:pt idx="14">
+                  <c:v>36.980000000000004</c:v>
+                </c:pt>
+                <c:pt idx="15">
+                  <c:v>38.36</c:v>
+                </c:pt>
+                <c:pt idx="16">
+                  <c:v>32.36</c:v>
+                </c:pt>
+                <c:pt idx="17">
+                  <c:v>35.36</c:v>
+                </c:pt>
+                <c:pt idx="18">
+                  <c:v>36.380000000000003</c:v>
+                </c:pt>
+                <c:pt idx="19">
+                  <c:v>39.06</c:v>
+                </c:pt>
+                <c:pt idx="20">
+                  <c:v>2</c:v>
+                </c:pt>
+              </c:numCache>
+            </c:numRef>
+          </c:yVal>
+          <c:smooth val="1"/>
+        </c:ser>
+        <c:axId val="65971328"/>
+        <c:axId val="65973248"/>
+      </c:scatterChart>
+      <c:valAx>
+        <c:axId val="65971328"/>
+        <c:scaling>
+          <c:orientation val="minMax"/>
+        </c:scaling>
+        <c:axPos val="b"/>
+        <c:majorGridlines/>
+        <c:minorGridlines/>
+        <c:title>
+          <c:tx>
+            <c:rich>
+              <a:bodyPr/>
+              <a:lstStyle/>
+              <a:p>
+                <a:pPr>
+                  <a:defRPr lang="en-IN"/>
+                </a:pPr>
+                <a:r>
+                  <a:rPr lang="en-US"/>
+                  <a:t>b, interaction coeff</a:t>
+                </a:r>
+              </a:p>
+            </c:rich>
+          </c:tx>
+          <c:layout/>
+        </c:title>
+        <c:numFmt formatCode="General" sourceLinked="1"/>
+        <c:tickLblPos val="nextTo"/>
+        <c:txPr>
+          <a:bodyPr/>
+          <a:lstStyle/>
+          <a:p>
+            <a:pPr>
+              <a:defRPr lang="en-IN"/>
+            </a:pPr>
+            <a:endParaRPr lang="en-US"/>
+          </a:p>
+        </c:txPr>
+        <c:crossAx val="65973248"/>
+        <c:crosses val="autoZero"/>
+        <c:crossBetween val="midCat"/>
+      </c:valAx>
+      <c:valAx>
+        <c:axId val="65973248"/>
+        <c:scaling>
+          <c:orientation val="minMax"/>
+        </c:scaling>
+        <c:axPos val="l"/>
+        <c:majorGridlines/>
+        <c:minorGridlines/>
+        <c:title>
+          <c:tx>
+            <c:rich>
+              <a:bodyPr/>
+              <a:lstStyle/>
+              <a:p>
+                <a:pPr>
+                  <a:defRPr lang="en-IN"/>
+                </a:pPr>
+                <a:r>
+                  <a:rPr lang="en-US"/>
+                  <a:t>Time to fixation</a:t>
+                </a:r>
+              </a:p>
+            </c:rich>
+          </c:tx>
+          <c:layout/>
+        </c:title>
+        <c:numFmt formatCode="General" sourceLinked="1"/>
+        <c:tickLblPos val="nextTo"/>
+        <c:txPr>
+          <a:bodyPr/>
+          <a:lstStyle/>
+          <a:p>
+            <a:pPr>
+              <a:defRPr lang="en-IN"/>
+            </a:pPr>
+            <a:endParaRPr lang="en-US"/>
+          </a:p>
+        </c:txPr>
+        <c:crossAx val="65971328"/>
+        <c:crosses val="autoZero"/>
+        <c:crossBetween val="midCat"/>
+      </c:valAx>
+    </c:plotArea>
+    <c:legend>
+      <c:legendPos val="r"/>
+      <c:layout/>
+      <c:txPr>
+        <a:bodyPr/>
+        <a:lstStyle/>
+        <a:p>
+          <a:pPr>
+            <a:defRPr lang="en-IN"/>
+          </a:pPr>
+          <a:endParaRPr lang="en-US"/>
+        </a:p>
+      </c:txPr>
     </c:legend>
     <c:plotVisOnly val="1"/>
   </c:chart>
@@ -10977,7 +12604,7 @@
             <a:fld id="{1D8BD707-D9CF-40AE-B4C6-C98DA3205C09}" type="datetimeFigureOut">
               <a:rPr lang="en-US" smtClean="0"/>
               <a:pPr/>
-              <a:t>6/26/2018</a:t>
+              <a:t>7/2/2018</a:t>
             </a:fld>
             <a:endParaRPr lang="en-US"/>
           </a:p>
@@ -11144,7 +12771,7 @@
             <a:fld id="{1D8BD707-D9CF-40AE-B4C6-C98DA3205C09}" type="datetimeFigureOut">
               <a:rPr lang="en-US" smtClean="0"/>
               <a:pPr/>
-              <a:t>6/26/2018</a:t>
+              <a:t>7/2/2018</a:t>
             </a:fld>
             <a:endParaRPr lang="en-US"/>
           </a:p>
@@ -11321,7 +12948,7 @@
             <a:fld id="{1D8BD707-D9CF-40AE-B4C6-C98DA3205C09}" type="datetimeFigureOut">
               <a:rPr lang="en-US" smtClean="0"/>
               <a:pPr/>
-              <a:t>6/26/2018</a:t>
+              <a:t>7/2/2018</a:t>
             </a:fld>
             <a:endParaRPr lang="en-US"/>
           </a:p>
@@ -11488,7 +13115,7 @@
             <a:fld id="{1D8BD707-D9CF-40AE-B4C6-C98DA3205C09}" type="datetimeFigureOut">
               <a:rPr lang="en-US" smtClean="0"/>
               <a:pPr/>
-              <a:t>6/26/2018</a:t>
+              <a:t>7/2/2018</a:t>
             </a:fld>
             <a:endParaRPr lang="en-US"/>
           </a:p>
@@ -11731,7 +13358,7 @@
             <a:fld id="{1D8BD707-D9CF-40AE-B4C6-C98DA3205C09}" type="datetimeFigureOut">
               <a:rPr lang="en-US" smtClean="0"/>
               <a:pPr/>
-              <a:t>6/26/2018</a:t>
+              <a:t>7/2/2018</a:t>
             </a:fld>
             <a:endParaRPr lang="en-US"/>
           </a:p>
@@ -12016,7 +13643,7 @@
             <a:fld id="{1D8BD707-D9CF-40AE-B4C6-C98DA3205C09}" type="datetimeFigureOut">
               <a:rPr lang="en-US" smtClean="0"/>
               <a:pPr/>
-              <a:t>6/26/2018</a:t>
+              <a:t>7/2/2018</a:t>
             </a:fld>
             <a:endParaRPr lang="en-US"/>
           </a:p>
@@ -12435,7 +14062,7 @@
             <a:fld id="{1D8BD707-D9CF-40AE-B4C6-C98DA3205C09}" type="datetimeFigureOut">
               <a:rPr lang="en-US" smtClean="0"/>
               <a:pPr/>
-              <a:t>6/26/2018</a:t>
+              <a:t>7/2/2018</a:t>
             </a:fld>
             <a:endParaRPr lang="en-US"/>
           </a:p>
@@ -12550,7 +14177,7 @@
             <a:fld id="{1D8BD707-D9CF-40AE-B4C6-C98DA3205C09}" type="datetimeFigureOut">
               <a:rPr lang="en-US" smtClean="0"/>
               <a:pPr/>
-              <a:t>6/26/2018</a:t>
+              <a:t>7/2/2018</a:t>
             </a:fld>
             <a:endParaRPr lang="en-US"/>
           </a:p>
@@ -12642,7 +14269,7 @@
             <a:fld id="{1D8BD707-D9CF-40AE-B4C6-C98DA3205C09}" type="datetimeFigureOut">
               <a:rPr lang="en-US" smtClean="0"/>
               <a:pPr/>
-              <a:t>6/26/2018</a:t>
+              <a:t>7/2/2018</a:t>
             </a:fld>
             <a:endParaRPr lang="en-US"/>
           </a:p>
@@ -12916,7 +14543,7 @@
             <a:fld id="{1D8BD707-D9CF-40AE-B4C6-C98DA3205C09}" type="datetimeFigureOut">
               <a:rPr lang="en-US" smtClean="0"/>
               <a:pPr/>
-              <a:t>6/26/2018</a:t>
+              <a:t>7/2/2018</a:t>
             </a:fld>
             <a:endParaRPr lang="en-US"/>
           </a:p>
@@ -13166,7 +14793,7 @@
             <a:fld id="{1D8BD707-D9CF-40AE-B4C6-C98DA3205C09}" type="datetimeFigureOut">
               <a:rPr lang="en-US" smtClean="0"/>
               <a:pPr/>
-              <a:t>6/26/2018</a:t>
+              <a:t>7/2/2018</a:t>
             </a:fld>
             <a:endParaRPr lang="en-US"/>
           </a:p>
@@ -13376,7 +15003,7 @@
             <a:fld id="{1D8BD707-D9CF-40AE-B4C6-C98DA3205C09}" type="datetimeFigureOut">
               <a:rPr lang="en-US" smtClean="0"/>
               <a:pPr/>
-              <a:t>6/26/2018</a:t>
+              <a:t>7/2/2018</a:t>
             </a:fld>
             <a:endParaRPr lang="en-US"/>
           </a:p>
@@ -13891,7 +15518,7 @@
           <p:nvPr/>
         </p:nvPicPr>
         <p:blipFill>
-          <a:blip r:embed="rId2"/>
+          <a:blip r:embed="rId2" cstate="print"/>
           <a:srcRect/>
           <a:stretch>
             <a:fillRect/>
@@ -13917,7 +15544,7 @@
           <p:nvPr/>
         </p:nvPicPr>
         <p:blipFill>
-          <a:blip r:embed="rId3"/>
+          <a:blip r:embed="rId3" cstate="print"/>
           <a:srcRect/>
           <a:stretch>
             <a:fillRect/>
@@ -13991,7 +15618,7 @@
           <p:nvPr/>
         </p:nvPicPr>
         <p:blipFill>
-          <a:blip r:embed="rId2"/>
+          <a:blip r:embed="rId2" cstate="print"/>
           <a:srcRect/>
           <a:stretch>
             <a:fillRect/>
@@ -14017,7 +15644,7 @@
           <p:nvPr/>
         </p:nvPicPr>
         <p:blipFill>
-          <a:blip r:embed="rId3"/>
+          <a:blip r:embed="rId3" cstate="print"/>
           <a:srcRect/>
           <a:stretch>
             <a:fillRect/>
@@ -14099,7 +15726,7 @@
           <a:p>
             <a:r>
               <a:rPr lang="en-US" dirty="0" smtClean="0"/>
-              <a:t>(x – y)</a:t>
+              <a:t>(x ± y)</a:t>
             </a:r>
             <a:r>
               <a:rPr lang="en-US" baseline="30000" dirty="0" smtClean="0"/>
@@ -14130,11 +15757,7 @@
           <a:p>
             <a:r>
               <a:rPr lang="en-US" dirty="0" err="1" smtClean="0"/>
-              <a:t>f</a:t>
-            </a:r>
-            <a:r>
-              <a:rPr lang="en-US" dirty="0" err="1" smtClean="0"/>
-              <a:t>ecx</a:t>
+              <a:t>fecx</a:t>
             </a:r>
             <a:r>
               <a:rPr lang="en-US" dirty="0" smtClean="0"/>
@@ -14151,6 +15774,36 @@
             <a:r>
               <a:rPr lang="en-US" baseline="30000" dirty="0" smtClean="0"/>
               <a:t>2</a:t>
+            </a:r>
+            <a:r>
+              <a:rPr lang="en-US" dirty="0" smtClean="0"/>
+              <a:t/>
+            </a:r>
+            <a:br>
+              <a:rPr lang="en-US" dirty="0" smtClean="0"/>
+            </a:br>
+            <a:endParaRPr lang="en-US" dirty="0" smtClean="0"/>
+          </a:p>
+          <a:p>
+            <a:r>
+              <a:rPr lang="en-US" dirty="0" err="1" smtClean="0"/>
+              <a:t>fecx</a:t>
+            </a:r>
+            <a:r>
+              <a:rPr lang="en-US" dirty="0" smtClean="0"/>
+              <a:t> = a*(x + y)</a:t>
+            </a:r>
+            <a:r>
+              <a:rPr lang="en-US" baseline="30000" dirty="0" smtClean="0"/>
+              <a:t>2</a:t>
+            </a:r>
+            <a:r>
+              <a:rPr lang="en-US" dirty="0" smtClean="0"/>
+              <a:t> ± b*(y + x)</a:t>
+            </a:r>
+            <a:r>
+              <a:rPr lang="en-US" baseline="30000" dirty="0" smtClean="0"/>
+              <a:t>2 </a:t>
             </a:r>
             <a:r>
               <a:rPr lang="en-US" dirty="0" smtClean="0"/>
@@ -14178,6 +15831,13 @@
   <p:clrMapOvr>
     <a:masterClrMapping/>
   </p:clrMapOvr>
+  <p:timing>
+    <p:tnLst>
+      <p:par>
+        <p:cTn id="1" dur="indefinite" restart="never" nodeType="tmRoot"/>
+      </p:par>
+    </p:tnLst>
+  </p:timing>
 </p:sld>
 </file>
 
@@ -14207,7 +15867,7 @@
           <p:nvPr/>
         </p:nvPicPr>
         <p:blipFill>
-          <a:blip r:embed="rId2"/>
+          <a:blip r:embed="rId2" cstate="print"/>
           <a:srcRect/>
           <a:stretch>
             <a:fillRect/>
@@ -14233,7 +15893,7 @@
           <p:nvPr/>
         </p:nvPicPr>
         <p:blipFill>
-          <a:blip r:embed="rId3"/>
+          <a:blip r:embed="rId3" cstate="print"/>
           <a:srcRect/>
           <a:stretch>
             <a:fillRect/>
@@ -14252,7 +15912,7 @@
       </p:pic>
       <p:graphicFrame>
         <p:nvGraphicFramePr>
-          <p:cNvPr id="6" name="Chart 5"/>
+          <p:cNvPr id="5" name="Chart 4"/>
           <p:cNvGraphicFramePr/>
           <p:nvPr/>
         </p:nvGraphicFramePr>
@@ -14271,6 +15931,113 @@
   <p:clrMapOvr>
     <a:masterClrMapping/>
   </p:clrMapOvr>
+  <p:timing>
+    <p:tnLst>
+      <p:par>
+        <p:cTn id="1" dur="indefinite" restart="never" nodeType="tmRoot"/>
+      </p:par>
+    </p:tnLst>
+  </p:timing>
+</p:sld>
+</file>
+
+<file path=ppt/slides/slide14.xml><?xml version="1.0" encoding="utf-8"?>
+<p:sld xmlns:a="http://schemas.openxmlformats.org/drawingml/2006/main" xmlns:r="http://schemas.openxmlformats.org/officeDocument/2006/relationships" xmlns:p="http://schemas.openxmlformats.org/presentationml/2006/main">
+  <p:cSld>
+    <p:spTree>
+      <p:nvGrpSpPr>
+        <p:cNvPr id="1" name=""/>
+        <p:cNvGrpSpPr/>
+        <p:nvPr/>
+      </p:nvGrpSpPr>
+      <p:grpSpPr>
+        <a:xfrm>
+          <a:off x="0" y="0"/>
+          <a:ext cx="0" cy="0"/>
+          <a:chOff x="0" y="0"/>
+          <a:chExt cx="0" cy="0"/>
+        </a:xfrm>
+      </p:grpSpPr>
+      <p:pic>
+        <p:nvPicPr>
+          <p:cNvPr id="1026" name="Picture 2" descr="D:\Downloads\x +- y square type\x+y square_Fitness Vs Phenotype.png"/>
+          <p:cNvPicPr>
+            <a:picLocks noChangeAspect="1" noChangeArrowheads="1"/>
+          </p:cNvPicPr>
+          <p:nvPr/>
+        </p:nvPicPr>
+        <p:blipFill>
+          <a:blip r:embed="rId2" cstate="print"/>
+          <a:srcRect/>
+          <a:stretch>
+            <a:fillRect/>
+          </a:stretch>
+        </p:blipFill>
+        <p:spPr bwMode="auto">
+          <a:xfrm>
+            <a:off x="1" y="1"/>
+            <a:ext cx="4571999" cy="3428999"/>
+          </a:xfrm>
+          <a:prstGeom prst="rect">
+            <a:avLst/>
+          </a:prstGeom>
+          <a:noFill/>
+        </p:spPr>
+      </p:pic>
+      <p:pic>
+        <p:nvPicPr>
+          <p:cNvPr id="1027" name="Picture 3" descr="D:\Downloads\x +- y square type\x+y square_Fitness_only interactions Vs Phenotype.png"/>
+          <p:cNvPicPr>
+            <a:picLocks noChangeAspect="1" noChangeArrowheads="1"/>
+          </p:cNvPicPr>
+          <p:nvPr/>
+        </p:nvPicPr>
+        <p:blipFill>
+          <a:blip r:embed="rId3" cstate="print"/>
+          <a:srcRect/>
+          <a:stretch>
+            <a:fillRect/>
+          </a:stretch>
+        </p:blipFill>
+        <p:spPr bwMode="auto">
+          <a:xfrm>
+            <a:off x="4114800" y="0"/>
+            <a:ext cx="5029200" cy="3429000"/>
+          </a:xfrm>
+          <a:prstGeom prst="rect">
+            <a:avLst/>
+          </a:prstGeom>
+          <a:noFill/>
+        </p:spPr>
+      </p:pic>
+      <p:graphicFrame>
+        <p:nvGraphicFramePr>
+          <p:cNvPr id="4" name="Chart 3"/>
+          <p:cNvGraphicFramePr/>
+          <p:nvPr/>
+        </p:nvGraphicFramePr>
+        <p:xfrm>
+          <a:off x="0" y="3124200"/>
+          <a:ext cx="9144000" cy="3733800"/>
+        </p:xfrm>
+        <a:graphic>
+          <a:graphicData uri="http://schemas.openxmlformats.org/drawingml/2006/chart">
+            <c:chart xmlns:c="http://schemas.openxmlformats.org/drawingml/2006/chart" xmlns:r="http://schemas.openxmlformats.org/officeDocument/2006/relationships" r:id="rId4"/>
+          </a:graphicData>
+        </a:graphic>
+      </p:graphicFrame>
+    </p:spTree>
+  </p:cSld>
+  <p:clrMapOvr>
+    <a:masterClrMapping/>
+  </p:clrMapOvr>
+  <p:timing>
+    <p:tnLst>
+      <p:par>
+        <p:cTn id="1" dur="indefinite" restart="never" nodeType="tmRoot"/>
+      </p:par>
+    </p:tnLst>
+  </p:timing>
 </p:sld>
 </file>
 
@@ -14291,35 +16058,25 @@
           <a:chExt cx="0" cy="0"/>
         </a:xfrm>
       </p:grpSpPr>
+      <p:graphicFrame>
+        <p:nvGraphicFramePr>
+          <p:cNvPr id="5" name="Chart 4"/>
+          <p:cNvGraphicFramePr/>
+          <p:nvPr/>
+        </p:nvGraphicFramePr>
+        <p:xfrm>
+          <a:off x="0" y="2971801"/>
+          <a:ext cx="9144000" cy="3886200"/>
+        </p:xfrm>
+        <a:graphic>
+          <a:graphicData uri="http://schemas.openxmlformats.org/drawingml/2006/chart">
+            <c:chart xmlns:c="http://schemas.openxmlformats.org/drawingml/2006/chart" xmlns:r="http://schemas.openxmlformats.org/officeDocument/2006/relationships" r:id="rId2"/>
+          </a:graphicData>
+        </a:graphic>
+      </p:graphicFrame>
       <p:pic>
         <p:nvPicPr>
-          <p:cNvPr id="1026" name="Picture 2" descr="D:\Projects\Summer 2018\Fitness Vs Phenotype\Fitness Vs phenotype_b = point 5.png"/>
-          <p:cNvPicPr>
-            <a:picLocks noChangeAspect="1" noChangeArrowheads="1"/>
-          </p:cNvPicPr>
-          <p:nvPr/>
-        </p:nvPicPr>
-        <p:blipFill>
-          <a:blip r:embed="rId2"/>
-          <a:srcRect/>
-          <a:stretch>
-            <a:fillRect/>
-          </a:stretch>
-        </p:blipFill>
-        <p:spPr bwMode="auto">
-          <a:xfrm>
-            <a:off x="0" y="0"/>
-            <a:ext cx="5105400" cy="3276599"/>
-          </a:xfrm>
-          <a:prstGeom prst="rect">
-            <a:avLst/>
-          </a:prstGeom>
-          <a:noFill/>
-        </p:spPr>
-      </p:pic>
-      <p:pic>
-        <p:nvPicPr>
-          <p:cNvPr id="1027" name="Picture 3" descr="D:\Projects\Summer 2018\Fitness Vs Phenotype\Fitness(only interaction contribution) Vs phenotype_b = 0.5.png"/>
+          <p:cNvPr id="2" name="Picture 2" descr="D:\Projects\Summer 2018\Tasks 1_First Simulation\Fitness Vs Phenotype\Fitness Vs phenotype_b = point 5.png"/>
           <p:cNvPicPr>
             <a:picLocks noChangeAspect="1" noChangeArrowheads="1"/>
           </p:cNvPicPr>
@@ -14334,8 +16091,8 @@
         </p:blipFill>
         <p:spPr bwMode="auto">
           <a:xfrm>
-            <a:off x="4419600" y="0"/>
-            <a:ext cx="4724400" cy="3200400"/>
+            <a:off x="1" y="1"/>
+            <a:ext cx="4724399" cy="3124199"/>
           </a:xfrm>
           <a:prstGeom prst="rect">
             <a:avLst/>
@@ -14343,22 +16100,32 @@
           <a:noFill/>
         </p:spPr>
       </p:pic>
-      <p:graphicFrame>
-        <p:nvGraphicFramePr>
-          <p:cNvPr id="5" name="Chart 4"/>
-          <p:cNvGraphicFramePr/>
+      <p:pic>
+        <p:nvPicPr>
+          <p:cNvPr id="3" name="Picture 3" descr="D:\Projects\Summer 2018\Tasks 1_First Simulation\Fitness Vs Phenotype\Fitness(only interaction contribution) Vs phenotype_b = 0.5.png"/>
+          <p:cNvPicPr>
+            <a:picLocks noChangeAspect="1" noChangeArrowheads="1"/>
+          </p:cNvPicPr>
           <p:nvPr/>
-        </p:nvGraphicFramePr>
-        <p:xfrm>
-          <a:off x="0" y="2971801"/>
-          <a:ext cx="9144000" cy="3886200"/>
-        </p:xfrm>
-        <a:graphic>
-          <a:graphicData uri="http://schemas.openxmlformats.org/drawingml/2006/chart">
-            <c:chart xmlns:c="http://schemas.openxmlformats.org/drawingml/2006/chart" xmlns:r="http://schemas.openxmlformats.org/officeDocument/2006/relationships" r:id="rId4"/>
-          </a:graphicData>
-        </a:graphic>
-      </p:graphicFrame>
+        </p:nvPicPr>
+        <p:blipFill>
+          <a:blip r:embed="rId4"/>
+          <a:srcRect/>
+          <a:stretch>
+            <a:fillRect/>
+          </a:stretch>
+        </p:blipFill>
+        <p:spPr bwMode="auto">
+          <a:xfrm>
+            <a:off x="4267200" y="1"/>
+            <a:ext cx="4876800" cy="3124200"/>
+          </a:xfrm>
+          <a:prstGeom prst="rect">
+            <a:avLst/>
+          </a:prstGeom>
+          <a:noFill/>
+        </p:spPr>
+      </p:pic>
     </p:spTree>
   </p:cSld>
   <p:clrMapOvr>
@@ -14571,7 +16338,7 @@
           <p:nvPr/>
         </p:nvPicPr>
         <p:blipFill>
-          <a:blip r:embed="rId2"/>
+          <a:blip r:embed="rId2" cstate="print"/>
           <a:srcRect/>
           <a:stretch>
             <a:fillRect/>
@@ -14597,7 +16364,7 @@
           <p:nvPr/>
         </p:nvPicPr>
         <p:blipFill>
-          <a:blip r:embed="rId3"/>
+          <a:blip r:embed="rId3" cstate="print"/>
           <a:srcRect/>
           <a:stretch>
             <a:fillRect/>
@@ -14671,7 +16438,7 @@
           <p:nvPr/>
         </p:nvPicPr>
         <p:blipFill>
-          <a:blip r:embed="rId2"/>
+          <a:blip r:embed="rId2" cstate="print"/>
           <a:srcRect/>
           <a:stretch>
             <a:fillRect/>
@@ -14697,7 +16464,7 @@
           <p:nvPr/>
         </p:nvPicPr>
         <p:blipFill>
-          <a:blip r:embed="rId3"/>
+          <a:blip r:embed="rId3" cstate="print"/>
           <a:srcRect/>
           <a:stretch>
             <a:fillRect/>
@@ -14909,7 +16676,7 @@
           <p:nvPr/>
         </p:nvPicPr>
         <p:blipFill>
-          <a:blip r:embed="rId2"/>
+          <a:blip r:embed="rId2" cstate="print"/>
           <a:srcRect/>
           <a:stretch>
             <a:fillRect/>
@@ -14935,7 +16702,7 @@
           <p:nvPr/>
         </p:nvPicPr>
         <p:blipFill>
-          <a:blip r:embed="rId3"/>
+          <a:blip r:embed="rId3" cstate="print"/>
           <a:srcRect/>
           <a:stretch>
             <a:fillRect/>
@@ -15009,7 +16776,7 @@
           <p:nvPr/>
         </p:nvPicPr>
         <p:blipFill>
-          <a:blip r:embed="rId2"/>
+          <a:blip r:embed="rId2" cstate="print"/>
           <a:srcRect/>
           <a:stretch>
             <a:fillRect/>
@@ -15035,7 +16802,7 @@
           <p:nvPr/>
         </p:nvPicPr>
         <p:blipFill>
-          <a:blip r:embed="rId3"/>
+          <a:blip r:embed="rId3" cstate="print"/>
           <a:srcRect/>
           <a:stretch>
             <a:fillRect/>

--- a/Compiled results.pptx
+++ b/Compiled results.pptx
@@ -199,13 +199,13 @@
                     <c:v>14.847073785766668</c:v>
                   </c:pt>
                   <c:pt idx="7">
-                    <c:v>19.459537507350969</c:v>
+                    <c:v>19.459537507350966</c:v>
                   </c:pt>
                   <c:pt idx="8">
                     <c:v>14.565177650821839</c:v>
                   </c:pt>
                   <c:pt idx="9">
-                    <c:v>22.922163946713209</c:v>
+                    <c:v>22.922163946713205</c:v>
                   </c:pt>
                   <c:pt idx="10">
                     <c:v>24.3000329217884</c:v>
@@ -214,16 +214,16 @@
                     <c:v>17.354204101600295</c:v>
                   </c:pt>
                   <c:pt idx="12">
-                    <c:v>27.795567992037853</c:v>
+                    <c:v>27.795567992037849</c:v>
                   </c:pt>
                   <c:pt idx="13">
-                    <c:v>18.70952698493468</c:v>
+                    <c:v>18.709526984934676</c:v>
                   </c:pt>
                   <c:pt idx="14">
                     <c:v>24.638538917719927</c:v>
                   </c:pt>
                   <c:pt idx="15">
-                    <c:v>25.235760341230041</c:v>
+                    <c:v>25.235760341230037</c:v>
                   </c:pt>
                   <c:pt idx="16">
                     <c:v>24.065086744078027</c:v>
@@ -241,10 +241,10 @@
                     <c:v>18.824335313630598</c:v>
                   </c:pt>
                   <c:pt idx="21">
-                    <c:v>16.797868912454359</c:v>
+                    <c:v>16.797868912454366</c:v>
                   </c:pt>
                   <c:pt idx="22">
-                    <c:v>25.525869231036953</c:v>
+                    <c:v>25.52586923103695</c:v>
                   </c:pt>
                 </c:numCache>
               </c:numRef>
@@ -274,13 +274,13 @@
                     <c:v>14.847073785766668</c:v>
                   </c:pt>
                   <c:pt idx="7">
-                    <c:v>19.459537507350969</c:v>
+                    <c:v>19.459537507350966</c:v>
                   </c:pt>
                   <c:pt idx="8">
                     <c:v>14.565177650821839</c:v>
                   </c:pt>
                   <c:pt idx="9">
-                    <c:v>22.922163946713209</c:v>
+                    <c:v>22.922163946713205</c:v>
                   </c:pt>
                   <c:pt idx="10">
                     <c:v>24.3000329217884</c:v>
@@ -289,16 +289,16 @@
                     <c:v>17.354204101600295</c:v>
                   </c:pt>
                   <c:pt idx="12">
-                    <c:v>27.795567992037853</c:v>
+                    <c:v>27.795567992037849</c:v>
                   </c:pt>
                   <c:pt idx="13">
-                    <c:v>18.70952698493468</c:v>
+                    <c:v>18.709526984934676</c:v>
                   </c:pt>
                   <c:pt idx="14">
                     <c:v>24.638538917719927</c:v>
                   </c:pt>
                   <c:pt idx="15">
-                    <c:v>25.235760341230041</c:v>
+                    <c:v>25.235760341230037</c:v>
                   </c:pt>
                   <c:pt idx="16">
                     <c:v>24.065086744078027</c:v>
@@ -316,10 +316,10 @@
                     <c:v>18.824335313630598</c:v>
                   </c:pt>
                   <c:pt idx="21">
-                    <c:v>16.797868912454359</c:v>
+                    <c:v>16.797868912454366</c:v>
                   </c:pt>
                   <c:pt idx="22">
-                    <c:v>25.525869231036953</c:v>
+                    <c:v>25.52586923103695</c:v>
                   </c:pt>
                 </c:numCache>
               </c:numRef>
@@ -335,13 +335,13 @@
                   <c:v>0</c:v>
                 </c:pt>
                 <c:pt idx="1">
-                  <c:v>5.0000000000000037E-2</c:v>
+                  <c:v>5.0000000000000044E-2</c:v>
                 </c:pt>
                 <c:pt idx="2">
                   <c:v>0.1</c:v>
                 </c:pt>
                 <c:pt idx="3">
-                  <c:v>0.15000000000000013</c:v>
+                  <c:v>0.15000000000000016</c:v>
                 </c:pt>
                 <c:pt idx="4">
                   <c:v>0.2</c:v>
@@ -350,10 +350,10 @@
                   <c:v>0.25</c:v>
                 </c:pt>
                 <c:pt idx="6">
-                  <c:v>0.30000000000000027</c:v>
+                  <c:v>0.30000000000000032</c:v>
                 </c:pt>
                 <c:pt idx="7">
-                  <c:v>0.35000000000000026</c:v>
+                  <c:v>0.35000000000000031</c:v>
                 </c:pt>
                 <c:pt idx="8">
                   <c:v>0.4</c:v>
@@ -371,13 +371,13 @@
                   <c:v>0.60000000000000064</c:v>
                 </c:pt>
                 <c:pt idx="13">
-                  <c:v>0.6500000000000008</c:v>
+                  <c:v>0.65000000000000091</c:v>
                 </c:pt>
                 <c:pt idx="14">
                   <c:v>0.70000000000000062</c:v>
                 </c:pt>
                 <c:pt idx="15">
-                  <c:v>0.75000000000000056</c:v>
+                  <c:v>0.75000000000000078</c:v>
                 </c:pt>
                 <c:pt idx="16">
                   <c:v>0.8</c:v>
@@ -422,7 +422,7 @@
                   <c:v>46.92</c:v>
                 </c:pt>
                 <c:pt idx="6">
-                  <c:v>44.339999999999996</c:v>
+                  <c:v>44.34</c:v>
                 </c:pt>
                 <c:pt idx="7">
                   <c:v>52.120000000000012</c:v>
@@ -458,7 +458,7 @@
                   <c:v>65.319999999999993</c:v>
                 </c:pt>
                 <c:pt idx="18">
-                  <c:v>51.379999999999995</c:v>
+                  <c:v>51.38</c:v>
                 </c:pt>
                 <c:pt idx="19">
                   <c:v>51.46</c:v>
@@ -508,16 +508,16 @@
                     <c:v>22.202558411138121</c:v>
                   </c:pt>
                   <c:pt idx="5">
-                    <c:v>19.143667360252604</c:v>
+                    <c:v>19.143667360252607</c:v>
                   </c:pt>
                   <c:pt idx="6">
-                    <c:v>19.997039780927558</c:v>
+                    <c:v>19.997039780927551</c:v>
                   </c:pt>
                   <c:pt idx="7">
                     <c:v>20.861601089082299</c:v>
                   </c:pt>
                   <c:pt idx="8">
-                    <c:v>27.580203044937836</c:v>
+                    <c:v>27.580203044937829</c:v>
                   </c:pt>
                   <c:pt idx="9">
                     <c:v>21.8906372680194</c:v>
@@ -526,28 +526,28 @@
                     <c:v>22.561914812355788</c:v>
                   </c:pt>
                   <c:pt idx="11">
-                    <c:v>20.4999902439001</c:v>
+                    <c:v>20.499990243900097</c:v>
                   </c:pt>
                   <c:pt idx="12">
-                    <c:v>21.481377981870693</c:v>
+                    <c:v>21.48137798187069</c:v>
                   </c:pt>
                   <c:pt idx="13">
                     <c:v>27.777285684530092</c:v>
                   </c:pt>
                   <c:pt idx="14">
-                    <c:v>30.460262638394923</c:v>
+                    <c:v>30.460262638394919</c:v>
                   </c:pt>
                   <c:pt idx="15">
-                    <c:v>22.355312567709703</c:v>
+                    <c:v>22.355312567709699</c:v>
                   </c:pt>
                   <c:pt idx="16">
                     <c:v>26.730664039638071</c:v>
                   </c:pt>
                   <c:pt idx="17">
-                    <c:v>24.333318721456834</c:v>
+                    <c:v>24.333318721456838</c:v>
                   </c:pt>
                   <c:pt idx="18">
-                    <c:v>26.314171087077803</c:v>
+                    <c:v>26.314171087077806</c:v>
                   </c:pt>
                   <c:pt idx="19">
                     <c:v>27.567401038182759</c:v>
@@ -556,7 +556,7 @@
                     <c:v>36.30083194638933</c:v>
                   </c:pt>
                   <c:pt idx="21">
-                    <c:v>31.41161568592101</c:v>
+                    <c:v>31.411615685921007</c:v>
                   </c:pt>
                   <c:pt idx="22">
                     <c:v>22.488183563818581</c:v>
@@ -583,16 +583,16 @@
                     <c:v>22.202558411138121</c:v>
                   </c:pt>
                   <c:pt idx="5">
-                    <c:v>19.143667360252604</c:v>
+                    <c:v>19.143667360252607</c:v>
                   </c:pt>
                   <c:pt idx="6">
-                    <c:v>19.997039780927558</c:v>
+                    <c:v>19.997039780927551</c:v>
                   </c:pt>
                   <c:pt idx="7">
                     <c:v>20.861601089082299</c:v>
                   </c:pt>
                   <c:pt idx="8">
-                    <c:v>27.580203044937836</c:v>
+                    <c:v>27.580203044937829</c:v>
                   </c:pt>
                   <c:pt idx="9">
                     <c:v>21.8906372680194</c:v>
@@ -601,28 +601,28 @@
                     <c:v>22.561914812355788</c:v>
                   </c:pt>
                   <c:pt idx="11">
-                    <c:v>20.4999902439001</c:v>
+                    <c:v>20.499990243900097</c:v>
                   </c:pt>
                   <c:pt idx="12">
-                    <c:v>21.481377981870693</c:v>
+                    <c:v>21.48137798187069</c:v>
                   </c:pt>
                   <c:pt idx="13">
                     <c:v>27.777285684530092</c:v>
                   </c:pt>
                   <c:pt idx="14">
-                    <c:v>30.460262638394923</c:v>
+                    <c:v>30.460262638394919</c:v>
                   </c:pt>
                   <c:pt idx="15">
-                    <c:v>22.355312567709703</c:v>
+                    <c:v>22.355312567709699</c:v>
                   </c:pt>
                   <c:pt idx="16">
                     <c:v>26.730664039638071</c:v>
                   </c:pt>
                   <c:pt idx="17">
-                    <c:v>24.333318721456834</c:v>
+                    <c:v>24.333318721456838</c:v>
                   </c:pt>
                   <c:pt idx="18">
-                    <c:v>26.314171087077803</c:v>
+                    <c:v>26.314171087077806</c:v>
                   </c:pt>
                   <c:pt idx="19">
                     <c:v>27.567401038182759</c:v>
@@ -631,7 +631,7 @@
                     <c:v>36.30083194638933</c:v>
                   </c:pt>
                   <c:pt idx="21">
-                    <c:v>31.41161568592101</c:v>
+                    <c:v>31.411615685921007</c:v>
                   </c:pt>
                   <c:pt idx="22">
                     <c:v>22.488183563818581</c:v>
@@ -650,13 +650,13 @@
                   <c:v>0</c:v>
                 </c:pt>
                 <c:pt idx="1">
-                  <c:v>5.0000000000000037E-2</c:v>
+                  <c:v>5.0000000000000044E-2</c:v>
                 </c:pt>
                 <c:pt idx="2">
                   <c:v>0.1</c:v>
                 </c:pt>
                 <c:pt idx="3">
-                  <c:v>0.15000000000000013</c:v>
+                  <c:v>0.15000000000000016</c:v>
                 </c:pt>
                 <c:pt idx="4">
                   <c:v>0.2</c:v>
@@ -665,10 +665,10 @@
                   <c:v>0.25</c:v>
                 </c:pt>
                 <c:pt idx="6">
-                  <c:v>0.30000000000000027</c:v>
+                  <c:v>0.30000000000000032</c:v>
                 </c:pt>
                 <c:pt idx="7">
-                  <c:v>0.35000000000000026</c:v>
+                  <c:v>0.35000000000000031</c:v>
                 </c:pt>
                 <c:pt idx="8">
                   <c:v>0.4</c:v>
@@ -686,13 +686,13 @@
                   <c:v>0.60000000000000064</c:v>
                 </c:pt>
                 <c:pt idx="13">
-                  <c:v>0.6500000000000008</c:v>
+                  <c:v>0.65000000000000091</c:v>
                 </c:pt>
                 <c:pt idx="14">
                   <c:v>0.70000000000000062</c:v>
                 </c:pt>
                 <c:pt idx="15">
-                  <c:v>0.75000000000000056</c:v>
+                  <c:v>0.75000000000000078</c:v>
                 </c:pt>
                 <c:pt idx="16">
                   <c:v>0.8</c:v>
@@ -817,16 +817,16 @@
                     <c:v>20.006808840992111</c:v>
                   </c:pt>
                   <c:pt idx="3">
-                    <c:v>19.359018570165144</c:v>
+                    <c:v>19.359018570165137</c:v>
                   </c:pt>
                   <c:pt idx="4">
                     <c:v>18.804520733057785</c:v>
                   </c:pt>
                   <c:pt idx="5">
-                    <c:v>12.360598691002004</c:v>
+                    <c:v>12.360598691002005</c:v>
                   </c:pt>
                   <c:pt idx="6">
-                    <c:v>16.720346886353735</c:v>
+                    <c:v>16.720346886353724</c:v>
                   </c:pt>
                   <c:pt idx="7">
                     <c:v>13.010165256444672</c:v>
@@ -838,37 +838,37 @@
                     <c:v>10.96474349905186</c:v>
                   </c:pt>
                   <c:pt idx="10">
-                    <c:v>9.5974163189892057</c:v>
+                    <c:v>9.5974163189892092</c:v>
                   </c:pt>
                   <c:pt idx="11">
                     <c:v>9.8808096834217007</c:v>
                   </c:pt>
                   <c:pt idx="12">
-                    <c:v>7.4767907553976753</c:v>
+                    <c:v>7.4767907553976771</c:v>
                   </c:pt>
                   <c:pt idx="13">
                     <c:v>7.0785309210315672</c:v>
                   </c:pt>
                   <c:pt idx="14">
-                    <c:v>6.4982766946322066</c:v>
+                    <c:v>6.4982766946322084</c:v>
                   </c:pt>
                   <c:pt idx="15">
-                    <c:v>6.3220566273958614</c:v>
+                    <c:v>6.3220566273958596</c:v>
                   </c:pt>
                   <c:pt idx="16">
-                    <c:v>5.0596442562694026</c:v>
+                    <c:v>5.0596442562694017</c:v>
                   </c:pt>
                   <c:pt idx="17">
                     <c:v>4.2286640916488034</c:v>
                   </c:pt>
                   <c:pt idx="18">
-                    <c:v>4.3081318457075977</c:v>
+                    <c:v>4.3081318457075968</c:v>
                   </c:pt>
                   <c:pt idx="19">
-                    <c:v>2.5640592816859771</c:v>
+                    <c:v>2.5640592816859775</c:v>
                   </c:pt>
                   <c:pt idx="20">
-                    <c:v>2.156756824493661</c:v>
+                    <c:v>2.1567568244936601</c:v>
                   </c:pt>
                   <c:pt idx="21">
                     <c:v>1.0111379727811629</c:v>
@@ -892,16 +892,16 @@
                     <c:v>20.006808840992111</c:v>
                   </c:pt>
                   <c:pt idx="3">
-                    <c:v>19.359018570165144</c:v>
+                    <c:v>19.359018570165137</c:v>
                   </c:pt>
                   <c:pt idx="4">
                     <c:v>18.804520733057785</c:v>
                   </c:pt>
                   <c:pt idx="5">
-                    <c:v>12.360598691002004</c:v>
+                    <c:v>12.360598691002005</c:v>
                   </c:pt>
                   <c:pt idx="6">
-                    <c:v>16.720346886353735</c:v>
+                    <c:v>16.720346886353724</c:v>
                   </c:pt>
                   <c:pt idx="7">
                     <c:v>13.010165256444672</c:v>
@@ -913,37 +913,37 @@
                     <c:v>10.96474349905186</c:v>
                   </c:pt>
                   <c:pt idx="10">
-                    <c:v>9.5974163189892057</c:v>
+                    <c:v>9.5974163189892092</c:v>
                   </c:pt>
                   <c:pt idx="11">
                     <c:v>9.8808096834217007</c:v>
                   </c:pt>
                   <c:pt idx="12">
-                    <c:v>7.4767907553976753</c:v>
+                    <c:v>7.4767907553976771</c:v>
                   </c:pt>
                   <c:pt idx="13">
                     <c:v>7.0785309210315672</c:v>
                   </c:pt>
                   <c:pt idx="14">
-                    <c:v>6.4982766946322066</c:v>
+                    <c:v>6.4982766946322084</c:v>
                   </c:pt>
                   <c:pt idx="15">
-                    <c:v>6.3220566273958614</c:v>
+                    <c:v>6.3220566273958596</c:v>
                   </c:pt>
                   <c:pt idx="16">
-                    <c:v>5.0596442562694026</c:v>
+                    <c:v>5.0596442562694017</c:v>
                   </c:pt>
                   <c:pt idx="17">
                     <c:v>4.2286640916488034</c:v>
                   </c:pt>
                   <c:pt idx="18">
-                    <c:v>4.3081318457075977</c:v>
+                    <c:v>4.3081318457075968</c:v>
                   </c:pt>
                   <c:pt idx="19">
-                    <c:v>2.5640592816859771</c:v>
+                    <c:v>2.5640592816859775</c:v>
                   </c:pt>
                   <c:pt idx="20">
-                    <c:v>2.156756824493661</c:v>
+                    <c:v>2.1567568244936601</c:v>
                   </c:pt>
                   <c:pt idx="21">
                     <c:v>1.0111379727811629</c:v>
@@ -965,13 +965,13 @@
                   <c:v>0</c:v>
                 </c:pt>
                 <c:pt idx="1">
-                  <c:v>5.0000000000000037E-2</c:v>
+                  <c:v>5.0000000000000044E-2</c:v>
                 </c:pt>
                 <c:pt idx="2">
                   <c:v>0.1</c:v>
                 </c:pt>
                 <c:pt idx="3">
-                  <c:v>0.15000000000000013</c:v>
+                  <c:v>0.15000000000000016</c:v>
                 </c:pt>
                 <c:pt idx="4">
                   <c:v>0.2</c:v>
@@ -980,10 +980,10 @@
                   <c:v>0.25</c:v>
                 </c:pt>
                 <c:pt idx="6">
-                  <c:v>0.30000000000000027</c:v>
+                  <c:v>0.30000000000000032</c:v>
                 </c:pt>
                 <c:pt idx="7">
-                  <c:v>0.35000000000000026</c:v>
+                  <c:v>0.35000000000000031</c:v>
                 </c:pt>
                 <c:pt idx="8">
                   <c:v>0.4</c:v>
@@ -1001,13 +1001,13 @@
                   <c:v>0.60000000000000064</c:v>
                 </c:pt>
                 <c:pt idx="13">
-                  <c:v>0.6500000000000008</c:v>
+                  <c:v>0.65000000000000091</c:v>
                 </c:pt>
                 <c:pt idx="14">
                   <c:v>0.70000000000000062</c:v>
                 </c:pt>
                 <c:pt idx="15">
-                  <c:v>0.75000000000000056</c:v>
+                  <c:v>0.75000000000000078</c:v>
                 </c:pt>
                 <c:pt idx="16">
                   <c:v>0.8</c:v>
@@ -1079,7 +1079,7 @@
                   <c:v>16.8</c:v>
                 </c:pt>
                 <c:pt idx="15">
-                  <c:v>14.719999999999999</c:v>
+                  <c:v>14.72</c:v>
                 </c:pt>
                 <c:pt idx="16">
                   <c:v>13.2</c:v>
@@ -1088,7 +1088,7 @@
                   <c:v>10.16</c:v>
                 </c:pt>
                 <c:pt idx="18">
-                  <c:v>8.2200000000000024</c:v>
+                  <c:v>8.2200000000000006</c:v>
                 </c:pt>
                 <c:pt idx="19">
                   <c:v>7.24</c:v>
@@ -1135,7 +1135,7 @@
                     <c:v>13.044554419373632</c:v>
                   </c:pt>
                   <c:pt idx="4">
-                    <c:v>17.38115070989263</c:v>
+                    <c:v>17.381150709892633</c:v>
                   </c:pt>
                   <c:pt idx="5">
                     <c:v>14.0511778865688</c:v>
@@ -1147,7 +1147,7 @@
                     <c:v>13.751741707871041</c:v>
                   </c:pt>
                   <c:pt idx="8">
-                    <c:v>13.689777207829223</c:v>
+                    <c:v>13.689777207829225</c:v>
                   </c:pt>
                   <c:pt idx="9">
                     <c:v>8.3744611766966841</c:v>
@@ -1159,7 +1159,7 @@
                     <c:v>9.5440243084350929</c:v>
                   </c:pt>
                   <c:pt idx="12">
-                    <c:v>7.7388629655783472</c:v>
+                    <c:v>7.7388629655783481</c:v>
                   </c:pt>
                   <c:pt idx="13">
                     <c:v>5.9711305462198698</c:v>
@@ -1168,7 +1168,7 @@
                     <c:v>6.7959988228368609</c:v>
                   </c:pt>
                   <c:pt idx="15">
-                    <c:v>6.9697632671418663</c:v>
+                    <c:v>6.9697632671418672</c:v>
                   </c:pt>
                   <c:pt idx="16">
                     <c:v>4.2209477608707715</c:v>
@@ -1183,7 +1183,7 @@
                     <c:v>3.2452426719738527</c:v>
                   </c:pt>
                   <c:pt idx="20">
-                    <c:v>1.506784656146988</c:v>
+                    <c:v>1.5067846561469878</c:v>
                   </c:pt>
                   <c:pt idx="21">
                     <c:v>1.0873821775254551</c:v>
@@ -1210,7 +1210,7 @@
                     <c:v>13.044554419373632</c:v>
                   </c:pt>
                   <c:pt idx="4">
-                    <c:v>17.38115070989263</c:v>
+                    <c:v>17.381150709892633</c:v>
                   </c:pt>
                   <c:pt idx="5">
                     <c:v>14.0511778865688</c:v>
@@ -1222,7 +1222,7 @@
                     <c:v>13.751741707871041</c:v>
                   </c:pt>
                   <c:pt idx="8">
-                    <c:v>13.689777207829223</c:v>
+                    <c:v>13.689777207829225</c:v>
                   </c:pt>
                   <c:pt idx="9">
                     <c:v>8.3744611766966841</c:v>
@@ -1234,7 +1234,7 @@
                     <c:v>9.5440243084350929</c:v>
                   </c:pt>
                   <c:pt idx="12">
-                    <c:v>7.7388629655783472</c:v>
+                    <c:v>7.7388629655783481</c:v>
                   </c:pt>
                   <c:pt idx="13">
                     <c:v>5.9711305462198698</c:v>
@@ -1243,7 +1243,7 @@
                     <c:v>6.7959988228368609</c:v>
                   </c:pt>
                   <c:pt idx="15">
-                    <c:v>6.9697632671418663</c:v>
+                    <c:v>6.9697632671418672</c:v>
                   </c:pt>
                   <c:pt idx="16">
                     <c:v>4.2209477608707715</c:v>
@@ -1258,7 +1258,7 @@
                     <c:v>3.2452426719738527</c:v>
                   </c:pt>
                   <c:pt idx="20">
-                    <c:v>1.506784656146988</c:v>
+                    <c:v>1.5067846561469878</c:v>
                   </c:pt>
                   <c:pt idx="21">
                     <c:v>1.0873821775254551</c:v>
@@ -1280,13 +1280,13 @@
                   <c:v>0</c:v>
                 </c:pt>
                 <c:pt idx="1">
-                  <c:v>5.0000000000000037E-2</c:v>
+                  <c:v>5.0000000000000044E-2</c:v>
                 </c:pt>
                 <c:pt idx="2">
                   <c:v>0.1</c:v>
                 </c:pt>
                 <c:pt idx="3">
-                  <c:v>0.15000000000000013</c:v>
+                  <c:v>0.15000000000000016</c:v>
                 </c:pt>
                 <c:pt idx="4">
                   <c:v>0.2</c:v>
@@ -1295,10 +1295,10 @@
                   <c:v>0.25</c:v>
                 </c:pt>
                 <c:pt idx="6">
-                  <c:v>0.30000000000000027</c:v>
+                  <c:v>0.30000000000000032</c:v>
                 </c:pt>
                 <c:pt idx="7">
-                  <c:v>0.35000000000000026</c:v>
+                  <c:v>0.35000000000000031</c:v>
                 </c:pt>
                 <c:pt idx="8">
                   <c:v>0.4</c:v>
@@ -1316,13 +1316,13 @@
                   <c:v>0.60000000000000064</c:v>
                 </c:pt>
                 <c:pt idx="13">
-                  <c:v>0.6500000000000008</c:v>
+                  <c:v>0.65000000000000091</c:v>
                 </c:pt>
                 <c:pt idx="14">
                   <c:v>0.70000000000000062</c:v>
                 </c:pt>
                 <c:pt idx="15">
-                  <c:v>0.75000000000000056</c:v>
+                  <c:v>0.75000000000000078</c:v>
                 </c:pt>
                 <c:pt idx="16">
                   <c:v>0.8</c:v>
@@ -1358,7 +1358,7 @@
                   <c:v>40.660000000000011</c:v>
                 </c:pt>
                 <c:pt idx="3">
-                  <c:v>36.379999999999995</c:v>
+                  <c:v>36.380000000000003</c:v>
                 </c:pt>
                 <c:pt idx="4">
                   <c:v>35.260000000000012</c:v>
@@ -1416,11 +1416,11 @@
           </c:yVal>
           <c:smooth val="1"/>
         </c:ser>
-        <c:axId val="65705088"/>
-        <c:axId val="65707008"/>
+        <c:axId val="63550592"/>
+        <c:axId val="63552512"/>
       </c:scatterChart>
       <c:valAx>
-        <c:axId val="65705088"/>
+        <c:axId val="63550592"/>
         <c:scaling>
           <c:orientation val="minMax"/>
         </c:scaling>
@@ -1462,12 +1462,12 @@
             <a:endParaRPr lang="en-US"/>
           </a:p>
         </c:txPr>
-        <c:crossAx val="65707008"/>
+        <c:crossAx val="63552512"/>
         <c:crosses val="autoZero"/>
         <c:crossBetween val="midCat"/>
       </c:valAx>
       <c:valAx>
-        <c:axId val="65707008"/>
+        <c:axId val="63552512"/>
         <c:scaling>
           <c:orientation val="minMax"/>
         </c:scaling>
@@ -1504,7 +1504,7 @@
             <a:endParaRPr lang="en-US"/>
           </a:p>
         </c:txPr>
-        <c:crossAx val="65705088"/>
+        <c:crossAx val="63550592"/>
         <c:crosses val="autoZero"/>
         <c:crossBetween val="midCat"/>
       </c:valAx>
@@ -1593,16 +1593,16 @@
                   <c:formatCode>General</c:formatCode>
                   <c:ptCount val="21"/>
                   <c:pt idx="0">
-                    <c:v>9.4804219315387019</c:v>
+                    <c:v>9.4804219315387037</c:v>
                   </c:pt>
                   <c:pt idx="1">
-                    <c:v>16.472291886680491</c:v>
+                    <c:v>16.472291886680487</c:v>
                   </c:pt>
                   <c:pt idx="2">
                     <c:v>13.990339524114489</c:v>
                   </c:pt>
                   <c:pt idx="3">
-                    <c:v>17.962639004333411</c:v>
+                    <c:v>17.962639004333401</c:v>
                   </c:pt>
                   <c:pt idx="4">
                     <c:v>13.540694221493959</c:v>
@@ -1614,7 +1614,7 @@
                     <c:v>11.06735740816208</c:v>
                   </c:pt>
                   <c:pt idx="7">
-                    <c:v>12.864897978608299</c:v>
+                    <c:v>12.864897978608303</c:v>
                   </c:pt>
                   <c:pt idx="8">
                     <c:v>14.749115227700949</c:v>
@@ -1632,28 +1632,28 @@
                     <c:v>16.032467059064871</c:v>
                   </c:pt>
                   <c:pt idx="13">
-                    <c:v>14.976301279020801</c:v>
+                    <c:v>14.976301279020802</c:v>
                   </c:pt>
                   <c:pt idx="14">
                     <c:v>13.1224997618594</c:v>
                   </c:pt>
                   <c:pt idx="15">
-                    <c:v>14.02973984078108</c:v>
+                    <c:v>14.029739840781081</c:v>
                   </c:pt>
                   <c:pt idx="16">
-                    <c:v>15.25549081478534</c:v>
+                    <c:v>15.255490814785345</c:v>
                   </c:pt>
                   <c:pt idx="17">
-                    <c:v>12.82709631990031</c:v>
+                    <c:v>12.827096319900313</c:v>
                   </c:pt>
                   <c:pt idx="18">
-                    <c:v>12.502943653396191</c:v>
+                    <c:v>12.502943653396192</c:v>
                   </c:pt>
                   <c:pt idx="19">
-                    <c:v>14.83908352965236</c:v>
+                    <c:v>14.839083529652362</c:v>
                   </c:pt>
                   <c:pt idx="20">
-                    <c:v>13.24924148772299</c:v>
+                    <c:v>13.249241487722989</c:v>
                   </c:pt>
                 </c:numCache>
               </c:numRef>
@@ -1665,16 +1665,16 @@
                   <c:formatCode>General</c:formatCode>
                   <c:ptCount val="21"/>
                   <c:pt idx="0">
-                    <c:v>9.4804219315387019</c:v>
+                    <c:v>9.4804219315387037</c:v>
                   </c:pt>
                   <c:pt idx="1">
-                    <c:v>16.472291886680491</c:v>
+                    <c:v>16.472291886680487</c:v>
                   </c:pt>
                   <c:pt idx="2">
                     <c:v>13.990339524114489</c:v>
                   </c:pt>
                   <c:pt idx="3">
-                    <c:v>17.962639004333411</c:v>
+                    <c:v>17.962639004333401</c:v>
                   </c:pt>
                   <c:pt idx="4">
                     <c:v>13.540694221493959</c:v>
@@ -1686,7 +1686,7 @@
                     <c:v>11.06735740816208</c:v>
                   </c:pt>
                   <c:pt idx="7">
-                    <c:v>12.864897978608299</c:v>
+                    <c:v>12.864897978608303</c:v>
                   </c:pt>
                   <c:pt idx="8">
                     <c:v>14.749115227700949</c:v>
@@ -1704,28 +1704,28 @@
                     <c:v>16.032467059064871</c:v>
                   </c:pt>
                   <c:pt idx="13">
-                    <c:v>14.976301279020801</c:v>
+                    <c:v>14.976301279020802</c:v>
                   </c:pt>
                   <c:pt idx="14">
                     <c:v>13.1224997618594</c:v>
                   </c:pt>
                   <c:pt idx="15">
-                    <c:v>14.02973984078108</c:v>
+                    <c:v>14.029739840781081</c:v>
                   </c:pt>
                   <c:pt idx="16">
-                    <c:v>15.25549081478534</c:v>
+                    <c:v>15.255490814785345</c:v>
                   </c:pt>
                   <c:pt idx="17">
-                    <c:v>12.82709631990031</c:v>
+                    <c:v>12.827096319900313</c:v>
                   </c:pt>
                   <c:pt idx="18">
-                    <c:v>12.502943653396191</c:v>
+                    <c:v>12.502943653396192</c:v>
                   </c:pt>
                   <c:pt idx="19">
-                    <c:v>14.83908352965236</c:v>
+                    <c:v>14.839083529652362</c:v>
                   </c:pt>
                   <c:pt idx="20">
-                    <c:v>13.24924148772299</c:v>
+                    <c:v>13.249241487722989</c:v>
                   </c:pt>
                 </c:numCache>
               </c:numRef>
@@ -1747,7 +1747,7 @@
                   <c:v>0.1</c:v>
                 </c:pt>
                 <c:pt idx="3">
-                  <c:v>0.15</c:v>
+                  <c:v>0.15000000000000002</c:v>
                 </c:pt>
                 <c:pt idx="4">
                   <c:v>0.2</c:v>
@@ -1756,10 +1756,10 @@
                   <c:v>0.25</c:v>
                 </c:pt>
                 <c:pt idx="6">
-                  <c:v>0.3</c:v>
+                  <c:v>0.30000000000000004</c:v>
                 </c:pt>
                 <c:pt idx="7">
-                  <c:v>0.35</c:v>
+                  <c:v>0.35000000000000003</c:v>
                 </c:pt>
                 <c:pt idx="8">
                   <c:v>0.4</c:v>
@@ -1774,28 +1774,28 @@
                   <c:v>0.55000000000000004</c:v>
                 </c:pt>
                 <c:pt idx="12">
-                  <c:v>0.60000000000000009</c:v>
+                  <c:v>0.6000000000000002</c:v>
                 </c:pt>
                 <c:pt idx="13">
-                  <c:v>0.65</c:v>
+                  <c:v>0.65000000000000013</c:v>
                 </c:pt>
                 <c:pt idx="14">
-                  <c:v>0.70000000000000007</c:v>
+                  <c:v>0.70000000000000018</c:v>
                 </c:pt>
                 <c:pt idx="15">
-                  <c:v>0.75</c:v>
+                  <c:v>0.75000000000000011</c:v>
                 </c:pt>
                 <c:pt idx="16">
                   <c:v>0.8</c:v>
                 </c:pt>
                 <c:pt idx="17">
-                  <c:v>0.85000000000000009</c:v>
+                  <c:v>0.8500000000000002</c:v>
                 </c:pt>
                 <c:pt idx="18">
                   <c:v>0.9</c:v>
                 </c:pt>
                 <c:pt idx="19">
-                  <c:v>0.95000000000000007</c:v>
+                  <c:v>0.95000000000000018</c:v>
                 </c:pt>
                 <c:pt idx="20">
                   <c:v>1</c:v>
@@ -1825,13 +1825,13 @@
                   <c:v>38.36</c:v>
                 </c:pt>
                 <c:pt idx="5">
-                  <c:v>35.880000000000003</c:v>
+                  <c:v>35.879999999999995</c:v>
                 </c:pt>
                 <c:pt idx="6">
                   <c:v>36.56</c:v>
                 </c:pt>
                 <c:pt idx="7">
-                  <c:v>38.119999999999997</c:v>
+                  <c:v>38.120000000000005</c:v>
                 </c:pt>
                 <c:pt idx="8">
                   <c:v>34.94</c:v>
@@ -1843,10 +1843,10 @@
                   <c:v>39.4</c:v>
                 </c:pt>
                 <c:pt idx="11">
-                  <c:v>35.380000000000003</c:v>
+                  <c:v>35.379999999999995</c:v>
                 </c:pt>
                 <c:pt idx="12">
-                  <c:v>36.799999999999997</c:v>
+                  <c:v>36.800000000000011</c:v>
                 </c:pt>
                 <c:pt idx="13">
                   <c:v>39.520000000000003</c:v>
@@ -1861,7 +1861,7 @@
                   <c:v>35.5</c:v>
                 </c:pt>
                 <c:pt idx="17">
-                  <c:v>34.840000000000003</c:v>
+                  <c:v>34.839999999999996</c:v>
                 </c:pt>
                 <c:pt idx="18">
                   <c:v>36.58</c:v>
@@ -1902,67 +1902,67 @@
                   <c:formatCode>General</c:formatCode>
                   <c:ptCount val="21"/>
                   <c:pt idx="0">
-                    <c:v>11.96568426793888</c:v>
+                    <c:v>11.965684267938883</c:v>
                   </c:pt>
                   <c:pt idx="1">
-                    <c:v>13.586228321355421</c:v>
+                    <c:v>13.586228321355419</c:v>
                   </c:pt>
                   <c:pt idx="2">
-                    <c:v>12.32681629618938</c:v>
+                    <c:v>12.326816296189383</c:v>
                   </c:pt>
                   <c:pt idx="3">
-                    <c:v>12.91171561025102</c:v>
+                    <c:v>12.911715610251019</c:v>
                   </c:pt>
                   <c:pt idx="4">
-                    <c:v>12.672947565582369</c:v>
+                    <c:v>12.672947565582371</c:v>
                   </c:pt>
                   <c:pt idx="5">
-                    <c:v>13.29264458262538</c:v>
+                    <c:v>13.292644582625382</c:v>
                   </c:pt>
                   <c:pt idx="6">
-                    <c:v>14.74075981759421</c:v>
+                    <c:v>14.740759817594212</c:v>
                   </c:pt>
                   <c:pt idx="7">
                     <c:v>15.08376610797184</c:v>
                   </c:pt>
                   <c:pt idx="8">
-                    <c:v>15.4257058185355</c:v>
+                    <c:v>15.425705818535501</c:v>
                   </c:pt>
                   <c:pt idx="9">
-                    <c:v>21.58741299924565</c:v>
+                    <c:v>21.587412999245647</c:v>
                   </c:pt>
                   <c:pt idx="10">
-                    <c:v>12.60501487504081</c:v>
+                    <c:v>12.605014875040812</c:v>
                   </c:pt>
                   <c:pt idx="11">
-                    <c:v>11.627553482998909</c:v>
+                    <c:v>11.627553482998907</c:v>
                   </c:pt>
                   <c:pt idx="12">
-                    <c:v>10.832709725641131</c:v>
+                    <c:v>10.832709725641132</c:v>
                   </c:pt>
                   <c:pt idx="13">
-                    <c:v>14.064081911024269</c:v>
+                    <c:v>14.064081911024271</c:v>
                   </c:pt>
                   <c:pt idx="14">
-                    <c:v>14.530092910921111</c:v>
+                    <c:v>14.530092910921113</c:v>
                   </c:pt>
                   <c:pt idx="15">
-                    <c:v>13.00055383435644</c:v>
+                    <c:v>13.000553834356442</c:v>
                   </c:pt>
                   <c:pt idx="16">
                     <c:v>12.141976774808951</c:v>
                   </c:pt>
                   <c:pt idx="17">
-                    <c:v>15.917650580409161</c:v>
+                    <c:v>15.917650580409163</c:v>
                   </c:pt>
                   <c:pt idx="18">
-                    <c:v>14.392553630263119</c:v>
+                    <c:v>14.392553630263121</c:v>
                   </c:pt>
                   <c:pt idx="19">
-                    <c:v>14.43364125922492</c:v>
+                    <c:v>14.433641259224922</c:v>
                   </c:pt>
                   <c:pt idx="20">
-                    <c:v>14.857402195538761</c:v>
+                    <c:v>14.857402195538764</c:v>
                   </c:pt>
                 </c:numCache>
               </c:numRef>
@@ -1974,67 +1974,67 @@
                   <c:formatCode>General</c:formatCode>
                   <c:ptCount val="21"/>
                   <c:pt idx="0">
-                    <c:v>11.96568426793888</c:v>
+                    <c:v>11.965684267938883</c:v>
                   </c:pt>
                   <c:pt idx="1">
-                    <c:v>13.586228321355421</c:v>
+                    <c:v>13.586228321355419</c:v>
                   </c:pt>
                   <c:pt idx="2">
-                    <c:v>12.32681629618938</c:v>
+                    <c:v>12.326816296189383</c:v>
                   </c:pt>
                   <c:pt idx="3">
-                    <c:v>12.91171561025102</c:v>
+                    <c:v>12.911715610251019</c:v>
                   </c:pt>
                   <c:pt idx="4">
-                    <c:v>12.672947565582369</c:v>
+                    <c:v>12.672947565582371</c:v>
                   </c:pt>
                   <c:pt idx="5">
-                    <c:v>13.29264458262538</c:v>
+                    <c:v>13.292644582625382</c:v>
                   </c:pt>
                   <c:pt idx="6">
-                    <c:v>14.74075981759421</c:v>
+                    <c:v>14.740759817594212</c:v>
                   </c:pt>
                   <c:pt idx="7">
                     <c:v>15.08376610797184</c:v>
                   </c:pt>
                   <c:pt idx="8">
-                    <c:v>15.4257058185355</c:v>
+                    <c:v>15.425705818535501</c:v>
                   </c:pt>
                   <c:pt idx="9">
-                    <c:v>21.58741299924565</c:v>
+                    <c:v>21.587412999245647</c:v>
                   </c:pt>
                   <c:pt idx="10">
-                    <c:v>12.60501487504081</c:v>
+                    <c:v>12.605014875040812</c:v>
                   </c:pt>
                   <c:pt idx="11">
-                    <c:v>11.627553482998909</c:v>
+                    <c:v>11.627553482998907</c:v>
                   </c:pt>
                   <c:pt idx="12">
-                    <c:v>10.832709725641131</c:v>
+                    <c:v>10.832709725641132</c:v>
                   </c:pt>
                   <c:pt idx="13">
-                    <c:v>14.064081911024269</c:v>
+                    <c:v>14.064081911024271</c:v>
                   </c:pt>
                   <c:pt idx="14">
-                    <c:v>14.530092910921111</c:v>
+                    <c:v>14.530092910921113</c:v>
                   </c:pt>
                   <c:pt idx="15">
-                    <c:v>13.00055383435644</c:v>
+                    <c:v>13.000553834356442</c:v>
                   </c:pt>
                   <c:pt idx="16">
                     <c:v>12.141976774808951</c:v>
                   </c:pt>
                   <c:pt idx="17">
-                    <c:v>15.917650580409161</c:v>
+                    <c:v>15.917650580409163</c:v>
                   </c:pt>
                   <c:pt idx="18">
-                    <c:v>14.392553630263119</c:v>
+                    <c:v>14.392553630263121</c:v>
                   </c:pt>
                   <c:pt idx="19">
-                    <c:v>14.43364125922492</c:v>
+                    <c:v>14.433641259224922</c:v>
                   </c:pt>
                   <c:pt idx="20">
-                    <c:v>14.857402195538761</c:v>
+                    <c:v>14.857402195538764</c:v>
                   </c:pt>
                 </c:numCache>
               </c:numRef>
@@ -2056,7 +2056,7 @@
                   <c:v>0.1</c:v>
                 </c:pt>
                 <c:pt idx="3">
-                  <c:v>0.15</c:v>
+                  <c:v>0.15000000000000002</c:v>
                 </c:pt>
                 <c:pt idx="4">
                   <c:v>0.2</c:v>
@@ -2065,10 +2065,10 @@
                   <c:v>0.25</c:v>
                 </c:pt>
                 <c:pt idx="6">
-                  <c:v>0.3</c:v>
+                  <c:v>0.30000000000000004</c:v>
                 </c:pt>
                 <c:pt idx="7">
-                  <c:v>0.35</c:v>
+                  <c:v>0.35000000000000003</c:v>
                 </c:pt>
                 <c:pt idx="8">
                   <c:v>0.4</c:v>
@@ -2083,28 +2083,28 @@
                   <c:v>0.55000000000000004</c:v>
                 </c:pt>
                 <c:pt idx="12">
-                  <c:v>0.60000000000000009</c:v>
+                  <c:v>0.6000000000000002</c:v>
                 </c:pt>
                 <c:pt idx="13">
-                  <c:v>0.65</c:v>
+                  <c:v>0.65000000000000013</c:v>
                 </c:pt>
                 <c:pt idx="14">
-                  <c:v>0.70000000000000007</c:v>
+                  <c:v>0.70000000000000018</c:v>
                 </c:pt>
                 <c:pt idx="15">
-                  <c:v>0.75</c:v>
+                  <c:v>0.75000000000000011</c:v>
                 </c:pt>
                 <c:pt idx="16">
                   <c:v>0.8</c:v>
                 </c:pt>
                 <c:pt idx="17">
-                  <c:v>0.85000000000000009</c:v>
+                  <c:v>0.8500000000000002</c:v>
                 </c:pt>
                 <c:pt idx="18">
                   <c:v>0.9</c:v>
                 </c:pt>
                 <c:pt idx="19">
-                  <c:v>0.95000000000000007</c:v>
+                  <c:v>0.95000000000000018</c:v>
                 </c:pt>
                 <c:pt idx="20">
                   <c:v>1</c:v>
@@ -2122,19 +2122,19 @@
                   <c:v>33.32</c:v>
                 </c:pt>
                 <c:pt idx="1">
-                  <c:v>38.119999999999997</c:v>
+                  <c:v>38.120000000000005</c:v>
                 </c:pt>
                 <c:pt idx="2">
                   <c:v>37.36</c:v>
                 </c:pt>
                 <c:pt idx="3">
-                  <c:v>38.26</c:v>
+                  <c:v>38.260000000000005</c:v>
                 </c:pt>
                 <c:pt idx="4">
                   <c:v>35.42</c:v>
                 </c:pt>
                 <c:pt idx="5">
-                  <c:v>38.840000000000003</c:v>
+                  <c:v>38.839999999999996</c:v>
                 </c:pt>
                 <c:pt idx="6">
                   <c:v>37.5</c:v>
@@ -2164,7 +2164,7 @@
                   <c:v>37.58</c:v>
                 </c:pt>
                 <c:pt idx="15">
-                  <c:v>34.840000000000003</c:v>
+                  <c:v>34.839999999999996</c:v>
                 </c:pt>
                 <c:pt idx="16">
                   <c:v>35.82</c:v>
@@ -2173,7 +2173,7 @@
                   <c:v>37.78</c:v>
                 </c:pt>
                 <c:pt idx="18">
-                  <c:v>38.880000000000003</c:v>
+                  <c:v>38.879999999999995</c:v>
                 </c:pt>
                 <c:pt idx="19">
                   <c:v>39.1</c:v>
@@ -2214,10 +2214,10 @@
                     <c:v>12.27283178406679</c:v>
                   </c:pt>
                   <c:pt idx="1">
-                    <c:v>4.6191341179922452</c:v>
+                    <c:v>4.6191341179922443</c:v>
                   </c:pt>
                   <c:pt idx="2">
-                    <c:v>5.0241019097944264</c:v>
+                    <c:v>5.0241019097944255</c:v>
                   </c:pt>
                   <c:pt idx="3">
                     <c:v>0.66962676171132829</c:v>
@@ -2286,10 +2286,10 @@
                     <c:v>12.27283178406679</c:v>
                   </c:pt>
                   <c:pt idx="1">
-                    <c:v>4.6191341179922452</c:v>
+                    <c:v>4.6191341179922443</c:v>
                   </c:pt>
                   <c:pt idx="2">
-                    <c:v>5.0241019097944264</c:v>
+                    <c:v>5.0241019097944255</c:v>
                   </c:pt>
                   <c:pt idx="3">
                     <c:v>0.66962676171132829</c:v>
@@ -2365,7 +2365,7 @@
                   <c:v>0.1</c:v>
                 </c:pt>
                 <c:pt idx="3">
-                  <c:v>0.15</c:v>
+                  <c:v>0.15000000000000002</c:v>
                 </c:pt>
                 <c:pt idx="4">
                   <c:v>0.2</c:v>
@@ -2374,10 +2374,10 @@
                   <c:v>0.25</c:v>
                 </c:pt>
                 <c:pt idx="6">
-                  <c:v>0.3</c:v>
+                  <c:v>0.30000000000000004</c:v>
                 </c:pt>
                 <c:pt idx="7">
-                  <c:v>0.35</c:v>
+                  <c:v>0.35000000000000003</c:v>
                 </c:pt>
                 <c:pt idx="8">
                   <c:v>0.4</c:v>
@@ -2392,28 +2392,28 @@
                   <c:v>0.55000000000000004</c:v>
                 </c:pt>
                 <c:pt idx="12">
-                  <c:v>0.60000000000000009</c:v>
+                  <c:v>0.6000000000000002</c:v>
                 </c:pt>
                 <c:pt idx="13">
-                  <c:v>0.65</c:v>
+                  <c:v>0.65000000000000013</c:v>
                 </c:pt>
                 <c:pt idx="14">
-                  <c:v>0.70000000000000007</c:v>
+                  <c:v>0.70000000000000018</c:v>
                 </c:pt>
                 <c:pt idx="15">
-                  <c:v>0.75</c:v>
+                  <c:v>0.75000000000000011</c:v>
                 </c:pt>
                 <c:pt idx="16">
                   <c:v>0.8</c:v>
                 </c:pt>
                 <c:pt idx="17">
-                  <c:v>0.85000000000000009</c:v>
+                  <c:v>0.8500000000000002</c:v>
                 </c:pt>
                 <c:pt idx="18">
                   <c:v>0.9</c:v>
                 </c:pt>
                 <c:pt idx="19">
-                  <c:v>0.95000000000000007</c:v>
+                  <c:v>0.95000000000000018</c:v>
                 </c:pt>
                 <c:pt idx="20">
                   <c:v>1</c:v>
@@ -2520,10 +2520,10 @@
                   <c:formatCode>General</c:formatCode>
                   <c:ptCount val="21"/>
                   <c:pt idx="0">
-                    <c:v>15.32678700837198</c:v>
+                    <c:v>15.326787008371982</c:v>
                   </c:pt>
                   <c:pt idx="1">
-                    <c:v>19.421596226881039</c:v>
+                    <c:v>19.421596226881036</c:v>
                   </c:pt>
                   <c:pt idx="2">
                     <c:v>4.8998367319738314</c:v>
@@ -2532,7 +2532,7 @@
                     <c:v>0.68146900149603296</c:v>
                   </c:pt>
                   <c:pt idx="4">
-                    <c:v>0.44721359549995793</c:v>
+                    <c:v>0.44721359549995798</c:v>
                   </c:pt>
                   <c:pt idx="5">
                     <c:v>0</c:v>
@@ -2592,10 +2592,10 @@
                   <c:formatCode>General</c:formatCode>
                   <c:ptCount val="21"/>
                   <c:pt idx="0">
-                    <c:v>15.32678700837198</c:v>
+                    <c:v>15.326787008371982</c:v>
                   </c:pt>
                   <c:pt idx="1">
-                    <c:v>19.421596226881039</c:v>
+                    <c:v>19.421596226881036</c:v>
                   </c:pt>
                   <c:pt idx="2">
                     <c:v>4.8998367319738314</c:v>
@@ -2604,7 +2604,7 @@
                     <c:v>0.68146900149603296</c:v>
                   </c:pt>
                   <c:pt idx="4">
-                    <c:v>0.44721359549995793</c:v>
+                    <c:v>0.44721359549995798</c:v>
                   </c:pt>
                   <c:pt idx="5">
                     <c:v>0</c:v>
@@ -2674,7 +2674,7 @@
                   <c:v>0.1</c:v>
                 </c:pt>
                 <c:pt idx="3">
-                  <c:v>0.15</c:v>
+                  <c:v>0.15000000000000002</c:v>
                 </c:pt>
                 <c:pt idx="4">
                   <c:v>0.2</c:v>
@@ -2683,10 +2683,10 @@
                   <c:v>0.25</c:v>
                 </c:pt>
                 <c:pt idx="6">
-                  <c:v>0.3</c:v>
+                  <c:v>0.30000000000000004</c:v>
                 </c:pt>
                 <c:pt idx="7">
-                  <c:v>0.35</c:v>
+                  <c:v>0.35000000000000003</c:v>
                 </c:pt>
                 <c:pt idx="8">
                   <c:v>0.4</c:v>
@@ -2701,28 +2701,28 @@
                   <c:v>0.55000000000000004</c:v>
                 </c:pt>
                 <c:pt idx="12">
-                  <c:v>0.60000000000000009</c:v>
+                  <c:v>0.6000000000000002</c:v>
                 </c:pt>
                 <c:pt idx="13">
-                  <c:v>0.65</c:v>
+                  <c:v>0.65000000000000013</c:v>
                 </c:pt>
                 <c:pt idx="14">
-                  <c:v>0.70000000000000007</c:v>
+                  <c:v>0.70000000000000018</c:v>
                 </c:pt>
                 <c:pt idx="15">
-                  <c:v>0.75</c:v>
+                  <c:v>0.75000000000000011</c:v>
                 </c:pt>
                 <c:pt idx="16">
                   <c:v>0.8</c:v>
                 </c:pt>
                 <c:pt idx="17">
-                  <c:v>0.85000000000000009</c:v>
+                  <c:v>0.8500000000000002</c:v>
                 </c:pt>
                 <c:pt idx="18">
                   <c:v>0.9</c:v>
                 </c:pt>
                 <c:pt idx="19">
-                  <c:v>0.95000000000000007</c:v>
+                  <c:v>0.95000000000000018</c:v>
                 </c:pt>
                 <c:pt idx="20">
                   <c:v>1</c:v>
@@ -2740,7 +2740,7 @@
                   <c:v>39.36</c:v>
                 </c:pt>
                 <c:pt idx="1">
-                  <c:v>21.96</c:v>
+                  <c:v>21.959999999999997</c:v>
                 </c:pt>
                 <c:pt idx="2">
                   <c:v>7.46</c:v>
@@ -2804,11 +2804,11 @@
           </c:yVal>
           <c:smooth val="1"/>
         </c:ser>
-        <c:axId val="95244288"/>
-        <c:axId val="95246208"/>
+        <c:axId val="64622976"/>
+        <c:axId val="64624896"/>
       </c:scatterChart>
       <c:valAx>
-        <c:axId val="95244288"/>
+        <c:axId val="64622976"/>
         <c:scaling>
           <c:orientation val="minMax"/>
         </c:scaling>
@@ -2835,12 +2835,12 @@
         </c:title>
         <c:numFmt formatCode="General" sourceLinked="1"/>
         <c:tickLblPos val="nextTo"/>
-        <c:crossAx val="95246208"/>
+        <c:crossAx val="64624896"/>
         <c:crosses val="autoZero"/>
         <c:crossBetween val="midCat"/>
       </c:valAx>
       <c:valAx>
-        <c:axId val="95246208"/>
+        <c:axId val="64624896"/>
         <c:scaling>
           <c:orientation val="minMax"/>
         </c:scaling>
@@ -2867,7 +2867,7 @@
         </c:title>
         <c:numFmt formatCode="General" sourceLinked="1"/>
         <c:tickLblPos val="nextTo"/>
-        <c:crossAx val="95244288"/>
+        <c:crossAx val="64622976"/>
         <c:crosses val="autoZero"/>
         <c:crossBetween val="midCat"/>
       </c:valAx>
@@ -2933,67 +2933,67 @@
                   <c:formatCode>General</c:formatCode>
                   <c:ptCount val="21"/>
                   <c:pt idx="0">
-                    <c:v>11.806032356384589</c:v>
+                    <c:v>12.04460044999418</c:v>
                   </c:pt>
                   <c:pt idx="1">
-                    <c:v>11.253159556320171</c:v>
+                    <c:v>17.544332418191349</c:v>
                   </c:pt>
                   <c:pt idx="2">
-                    <c:v>18.16836811604168</c:v>
+                    <c:v>17.920145088698359</c:v>
                   </c:pt>
                   <c:pt idx="3">
-                    <c:v>17.54182430649675</c:v>
+                    <c:v>27.80011510767536</c:v>
                   </c:pt>
                   <c:pt idx="4">
-                    <c:v>30.530011464131491</c:v>
+                    <c:v>38.342274319607078</c:v>
                   </c:pt>
                   <c:pt idx="5">
-                    <c:v>23.72512592168901</c:v>
+                    <c:v>20.339872172656349</c:v>
                   </c:pt>
                   <c:pt idx="6">
-                    <c:v>7.9704705005413583</c:v>
+                    <c:v>9.0022441646513904</c:v>
                   </c:pt>
                   <c:pt idx="7">
-                    <c:v>8.3201201914395444</c:v>
+                    <c:v>9.4934925080288544</c:v>
                   </c:pt>
                   <c:pt idx="8">
-                    <c:v>5.5722526863020132</c:v>
+                    <c:v>8.0072217404040966</c:v>
                   </c:pt>
                   <c:pt idx="9">
-                    <c:v>7.0484040746824386</c:v>
+                    <c:v>5.419077412253861</c:v>
                   </c:pt>
                   <c:pt idx="10">
-                    <c:v>7.1693793315739676</c:v>
+                    <c:v>8.6820274129951933</c:v>
                   </c:pt>
                   <c:pt idx="11">
-                    <c:v>6.8679254509640666</c:v>
+                    <c:v>7.7319079146094341</c:v>
                   </c:pt>
                   <c:pt idx="12">
-                    <c:v>6.3914004725099183</c:v>
+                    <c:v>5.8898217290508894</c:v>
                   </c:pt>
                   <c:pt idx="13">
-                    <c:v>9.0757919764613391</c:v>
+                    <c:v>6.8872055290952368</c:v>
                   </c:pt>
                   <c:pt idx="14">
-                    <c:v>5.6836959806098006</c:v>
+                    <c:v>8.2166659905341159</c:v>
                   </c:pt>
                   <c:pt idx="15">
-                    <c:v>6.7048937351758227</c:v>
+                    <c:v>6.0262426104497324</c:v>
                   </c:pt>
                   <c:pt idx="16">
-                    <c:v>5.8241222514641642</c:v>
+                    <c:v>6.4101482042149387</c:v>
                   </c:pt>
                   <c:pt idx="17">
-                    <c:v>5.6329388422030648</c:v>
+                    <c:v>7.2178667208531904</c:v>
                   </c:pt>
                   <c:pt idx="18">
-                    <c:v>5.4744862772683973</c:v>
+                    <c:v>7.608968392627216</c:v>
                   </c:pt>
                   <c:pt idx="19">
-                    <c:v>6.9482659707296746</c:v>
+                    <c:v>7.3437047870948629</c:v>
                   </c:pt>
                   <c:pt idx="20">
-                    <c:v>7.1487341536806364</c:v>
+                    <c:v>6.9557458262935397</c:v>
                   </c:pt>
                 </c:numCache>
               </c:numRef>
@@ -3005,67 +3005,67 @@
                   <c:formatCode>General</c:formatCode>
                   <c:ptCount val="21"/>
                   <c:pt idx="0">
-                    <c:v>11.806032356384589</c:v>
+                    <c:v>12.04460044999418</c:v>
                   </c:pt>
                   <c:pt idx="1">
-                    <c:v>11.253159556320171</c:v>
+                    <c:v>17.544332418191349</c:v>
                   </c:pt>
                   <c:pt idx="2">
-                    <c:v>18.16836811604168</c:v>
+                    <c:v>17.920145088698359</c:v>
                   </c:pt>
                   <c:pt idx="3">
-                    <c:v>17.54182430649675</c:v>
+                    <c:v>27.80011510767536</c:v>
                   </c:pt>
                   <c:pt idx="4">
-                    <c:v>30.530011464131491</c:v>
+                    <c:v>38.342274319607078</c:v>
                   </c:pt>
                   <c:pt idx="5">
-                    <c:v>23.72512592168901</c:v>
+                    <c:v>20.339872172656349</c:v>
                   </c:pt>
                   <c:pt idx="6">
-                    <c:v>7.9704705005413583</c:v>
+                    <c:v>9.0022441646513904</c:v>
                   </c:pt>
                   <c:pt idx="7">
-                    <c:v>8.3201201914395444</c:v>
+                    <c:v>9.4934925080288544</c:v>
                   </c:pt>
                   <c:pt idx="8">
-                    <c:v>5.5722526863020132</c:v>
+                    <c:v>8.0072217404040966</c:v>
                   </c:pt>
                   <c:pt idx="9">
-                    <c:v>7.0484040746824386</c:v>
+                    <c:v>5.419077412253861</c:v>
                   </c:pt>
                   <c:pt idx="10">
-                    <c:v>7.1693793315739676</c:v>
+                    <c:v>8.6820274129951933</c:v>
                   </c:pt>
                   <c:pt idx="11">
-                    <c:v>6.8679254509640666</c:v>
+                    <c:v>7.7319079146094341</c:v>
                   </c:pt>
                   <c:pt idx="12">
-                    <c:v>6.3914004725099183</c:v>
+                    <c:v>5.8898217290508894</c:v>
                   </c:pt>
                   <c:pt idx="13">
-                    <c:v>9.0757919764613391</c:v>
+                    <c:v>6.8872055290952368</c:v>
                   </c:pt>
                   <c:pt idx="14">
-                    <c:v>5.6836959806098006</c:v>
+                    <c:v>8.2166659905341159</c:v>
                   </c:pt>
                   <c:pt idx="15">
-                    <c:v>6.7048937351758227</c:v>
+                    <c:v>6.0262426104497324</c:v>
                   </c:pt>
                   <c:pt idx="16">
-                    <c:v>5.8241222514641642</c:v>
+                    <c:v>6.4101482042149387</c:v>
                   </c:pt>
                   <c:pt idx="17">
-                    <c:v>5.6329388422030648</c:v>
+                    <c:v>7.2178667208531904</c:v>
                   </c:pt>
                   <c:pt idx="18">
-                    <c:v>5.4744862772683973</c:v>
+                    <c:v>7.608968392627216</c:v>
                   </c:pt>
                   <c:pt idx="19">
-                    <c:v>6.9482659707296746</c:v>
+                    <c:v>7.3437047870948629</c:v>
                   </c:pt>
                   <c:pt idx="20">
-                    <c:v>7.1487341536806364</c:v>
+                    <c:v>6.9557458262935397</c:v>
                   </c:pt>
                 </c:numCache>
               </c:numRef>
@@ -3150,67 +3150,67 @@
                 <c:formatCode>General</c:formatCode>
                 <c:ptCount val="21"/>
                 <c:pt idx="0">
-                  <c:v>35.76</c:v>
+                  <c:v>34.26</c:v>
                 </c:pt>
                 <c:pt idx="1">
-                  <c:v>34.92</c:v>
+                  <c:v>38.42</c:v>
                 </c:pt>
                 <c:pt idx="2">
-                  <c:v>38.520000000000003</c:v>
+                  <c:v>40.78</c:v>
                 </c:pt>
                 <c:pt idx="3">
-                  <c:v>39.380000000000003</c:v>
+                  <c:v>49.44</c:v>
                 </c:pt>
                 <c:pt idx="4">
-                  <c:v>41.28</c:v>
+                  <c:v>49.1</c:v>
                 </c:pt>
                 <c:pt idx="5">
-                  <c:v>37.72</c:v>
+                  <c:v>32.64</c:v>
                 </c:pt>
                 <c:pt idx="6">
-                  <c:v>26.46</c:v>
+                  <c:v>25.86</c:v>
                 </c:pt>
                 <c:pt idx="7">
-                  <c:v>23.66</c:v>
+                  <c:v>26.56</c:v>
                 </c:pt>
                 <c:pt idx="8">
+                  <c:v>22.38</c:v>
+                </c:pt>
+                <c:pt idx="9">
+                  <c:v>22.44</c:v>
+                </c:pt>
+                <c:pt idx="10">
+                  <c:v>22.32</c:v>
+                </c:pt>
+                <c:pt idx="11">
+                  <c:v>21.24</c:v>
+                </c:pt>
+                <c:pt idx="12">
+                  <c:v>20.100000000000001</c:v>
+                </c:pt>
+                <c:pt idx="13">
+                  <c:v>20.92</c:v>
+                </c:pt>
+                <c:pt idx="14">
+                  <c:v>20.079999999999998</c:v>
+                </c:pt>
+                <c:pt idx="15">
+                  <c:v>19.38</c:v>
+                </c:pt>
+                <c:pt idx="16">
+                  <c:v>19.5</c:v>
+                </c:pt>
+                <c:pt idx="17">
+                  <c:v>21.32</c:v>
+                </c:pt>
+                <c:pt idx="18">
+                  <c:v>19.059999999999999</c:v>
+                </c:pt>
+                <c:pt idx="19">
                   <c:v>20.9</c:v>
                 </c:pt>
-                <c:pt idx="9">
-                  <c:v>22.8</c:v>
-                </c:pt>
-                <c:pt idx="10">
-                  <c:v>22.2</c:v>
-                </c:pt>
-                <c:pt idx="11">
-                  <c:v>21.46</c:v>
-                </c:pt>
-                <c:pt idx="12">
-                  <c:v>19.899999999999999</c:v>
-                </c:pt>
-                <c:pt idx="13">
-                  <c:v>22.3</c:v>
-                </c:pt>
-                <c:pt idx="14">
-                  <c:v>20.34</c:v>
-                </c:pt>
-                <c:pt idx="15">
-                  <c:v>19.62</c:v>
-                </c:pt>
-                <c:pt idx="16">
-                  <c:v>19.14</c:v>
-                </c:pt>
-                <c:pt idx="17">
-                  <c:v>18.3</c:v>
-                </c:pt>
-                <c:pt idx="18">
-                  <c:v>17.899999999999999</c:v>
-                </c:pt>
-                <c:pt idx="19">
-                  <c:v>18.96</c:v>
-                </c:pt>
                 <c:pt idx="20">
-                  <c:v>19.66</c:v>
+                  <c:v>20.239999999999998</c:v>
                 </c:pt>
               </c:numCache>
             </c:numRef>
@@ -3242,67 +3242,67 @@
                   <c:formatCode>General</c:formatCode>
                   <c:ptCount val="21"/>
                   <c:pt idx="0">
-                    <c:v>14.08284062254487</c:v>
+                    <c:v>11.23466065353111</c:v>
                   </c:pt>
                   <c:pt idx="1">
-                    <c:v>14.78795455767971</c:v>
+                    <c:v>16.502557377570302</c:v>
                   </c:pt>
                   <c:pt idx="2">
-                    <c:v>22.630952255705019</c:v>
+                    <c:v>17.34959365518397</c:v>
                   </c:pt>
                   <c:pt idx="3">
-                    <c:v>17.33897344135459</c:v>
+                    <c:v>20.353869410998978</c:v>
                   </c:pt>
                   <c:pt idx="4">
-                    <c:v>15.75101266585739</c:v>
+                    <c:v>28.585094017686909</c:v>
                   </c:pt>
                   <c:pt idx="5">
-                    <c:v>12.30058535192533</c:v>
+                    <c:v>34.142788403995361</c:v>
                   </c:pt>
                   <c:pt idx="6">
-                    <c:v>13.429832463586431</c:v>
+                    <c:v>14.104197956636879</c:v>
                   </c:pt>
                   <c:pt idx="7">
-                    <c:v>7.4646098357516326</c:v>
+                    <c:v>8.5</c:v>
                   </c:pt>
                   <c:pt idx="8">
-                    <c:v>7.4499932885875806</c:v>
+                    <c:v>7.4760684855076072</c:v>
                   </c:pt>
                   <c:pt idx="9">
-                    <c:v>4.7836805913438658</c:v>
+                    <c:v>6.8153063027277074</c:v>
                   </c:pt>
                   <c:pt idx="10">
-                    <c:v>6.2622998970026984</c:v>
+                    <c:v>6.7059674917195951</c:v>
                   </c:pt>
                   <c:pt idx="11">
-                    <c:v>6.7510295511129259</c:v>
+                    <c:v>7.6540446823885206</c:v>
                   </c:pt>
                   <c:pt idx="12">
-                    <c:v>6.6899626306878579</c:v>
+                    <c:v>6.5366964133268421</c:v>
                   </c:pt>
                   <c:pt idx="13">
-                    <c:v>4.5818773444953766</c:v>
+                    <c:v>6.2691626235088203</c:v>
                   </c:pt>
                   <c:pt idx="14">
-                    <c:v>6.5544183571084318</c:v>
+                    <c:v>5.6508052523512076</c:v>
                   </c:pt>
                   <c:pt idx="15">
-                    <c:v>5.6821122832974709</c:v>
+                    <c:v>5.3257487736467626</c:v>
                   </c:pt>
                   <c:pt idx="16">
-                    <c:v>5.8831624148921806</c:v>
+                    <c:v>6.1949656980486987</c:v>
                   </c:pt>
                   <c:pt idx="17">
-                    <c:v>5.5707809147371794</c:v>
+                    <c:v>6.9057946682478182</c:v>
                   </c:pt>
                   <c:pt idx="18">
-                    <c:v>7.1781891866960432</c:v>
+                    <c:v>6.1783169229167898</c:v>
                   </c:pt>
                   <c:pt idx="19">
-                    <c:v>5.8212026248877473</c:v>
+                    <c:v>5.2649786324352732</c:v>
                   </c:pt>
                   <c:pt idx="20">
-                    <c:v>5.3172925441431182</c:v>
+                    <c:v>4.9719211578624209</c:v>
                   </c:pt>
                 </c:numCache>
               </c:numRef>
@@ -3314,67 +3314,67 @@
                   <c:formatCode>General</c:formatCode>
                   <c:ptCount val="21"/>
                   <c:pt idx="0">
-                    <c:v>14.08284062254487</c:v>
+                    <c:v>11.23466065353111</c:v>
                   </c:pt>
                   <c:pt idx="1">
-                    <c:v>14.78795455767971</c:v>
+                    <c:v>16.502557377570302</c:v>
                   </c:pt>
                   <c:pt idx="2">
-                    <c:v>22.630952255705019</c:v>
+                    <c:v>17.34959365518397</c:v>
                   </c:pt>
                   <c:pt idx="3">
-                    <c:v>17.33897344135459</c:v>
+                    <c:v>20.353869410998978</c:v>
                   </c:pt>
                   <c:pt idx="4">
-                    <c:v>15.75101266585739</c:v>
+                    <c:v>28.585094017686909</c:v>
                   </c:pt>
                   <c:pt idx="5">
-                    <c:v>12.30058535192533</c:v>
+                    <c:v>34.142788403995361</c:v>
                   </c:pt>
                   <c:pt idx="6">
-                    <c:v>13.429832463586431</c:v>
+                    <c:v>14.104197956636879</c:v>
                   </c:pt>
                   <c:pt idx="7">
-                    <c:v>7.4646098357516326</c:v>
+                    <c:v>8.5</c:v>
                   </c:pt>
                   <c:pt idx="8">
-                    <c:v>7.4499932885875806</c:v>
+                    <c:v>7.4760684855076072</c:v>
                   </c:pt>
                   <c:pt idx="9">
-                    <c:v>4.7836805913438658</c:v>
+                    <c:v>6.8153063027277074</c:v>
                   </c:pt>
                   <c:pt idx="10">
-                    <c:v>6.2622998970026984</c:v>
+                    <c:v>6.7059674917195951</c:v>
                   </c:pt>
                   <c:pt idx="11">
-                    <c:v>6.7510295511129259</c:v>
+                    <c:v>7.6540446823885206</c:v>
                   </c:pt>
                   <c:pt idx="12">
-                    <c:v>6.6899626306878579</c:v>
+                    <c:v>6.5366964133268421</c:v>
                   </c:pt>
                   <c:pt idx="13">
-                    <c:v>4.5818773444953766</c:v>
+                    <c:v>6.2691626235088203</c:v>
                   </c:pt>
                   <c:pt idx="14">
-                    <c:v>6.5544183571084318</c:v>
+                    <c:v>5.6508052523512076</c:v>
                   </c:pt>
                   <c:pt idx="15">
-                    <c:v>5.6821122832974709</c:v>
+                    <c:v>5.3257487736467626</c:v>
                   </c:pt>
                   <c:pt idx="16">
-                    <c:v>5.8831624148921806</c:v>
+                    <c:v>6.1949656980486987</c:v>
                   </c:pt>
                   <c:pt idx="17">
-                    <c:v>5.5707809147371794</c:v>
+                    <c:v>6.9057946682478182</c:v>
                   </c:pt>
                   <c:pt idx="18">
-                    <c:v>7.1781891866960432</c:v>
+                    <c:v>6.1783169229167898</c:v>
                   </c:pt>
                   <c:pt idx="19">
-                    <c:v>5.8212026248877473</c:v>
+                    <c:v>5.2649786324352732</c:v>
                   </c:pt>
                   <c:pt idx="20">
-                    <c:v>5.3172925441431182</c:v>
+                    <c:v>4.9719211578624209</c:v>
                   </c:pt>
                 </c:numCache>
               </c:numRef>
@@ -3459,67 +3459,67 @@
                 <c:formatCode>General</c:formatCode>
                 <c:ptCount val="21"/>
                 <c:pt idx="0">
-                  <c:v>36.56</c:v>
+                  <c:v>34.68</c:v>
                 </c:pt>
                 <c:pt idx="1">
-                  <c:v>35.58</c:v>
+                  <c:v>37.840000000000003</c:v>
                 </c:pt>
                 <c:pt idx="2">
-                  <c:v>42</c:v>
+                  <c:v>35.46</c:v>
                 </c:pt>
                 <c:pt idx="3">
-                  <c:v>40</c:v>
+                  <c:v>41</c:v>
                 </c:pt>
                 <c:pt idx="4">
-                  <c:v>37.159999999999997</c:v>
+                  <c:v>43.18</c:v>
                 </c:pt>
                 <c:pt idx="5">
-                  <c:v>32.340000000000003</c:v>
+                  <c:v>38.1</c:v>
                 </c:pt>
                 <c:pt idx="6">
-                  <c:v>27.14</c:v>
+                  <c:v>29.54</c:v>
                 </c:pt>
                 <c:pt idx="7">
-                  <c:v>25.14</c:v>
+                  <c:v>24.3</c:v>
                 </c:pt>
                 <c:pt idx="8">
-                  <c:v>22.76</c:v>
+                  <c:v>24.22</c:v>
                 </c:pt>
                 <c:pt idx="9">
-                  <c:v>20.420000000000002</c:v>
+                  <c:v>21.46</c:v>
                 </c:pt>
                 <c:pt idx="10">
-                  <c:v>22.06</c:v>
+                  <c:v>21.5</c:v>
                 </c:pt>
                 <c:pt idx="11">
-                  <c:v>21.06</c:v>
+                  <c:v>22.66</c:v>
                 </c:pt>
                 <c:pt idx="12">
-                  <c:v>20.62</c:v>
+                  <c:v>19.46</c:v>
                 </c:pt>
                 <c:pt idx="13">
-                  <c:v>18.920000000000002</c:v>
+                  <c:v>20.239999999999998</c:v>
                 </c:pt>
                 <c:pt idx="14">
-                  <c:v>20.86</c:v>
+                  <c:v>19.22</c:v>
                 </c:pt>
                 <c:pt idx="15">
-                  <c:v>18.440000000000001</c:v>
+                  <c:v>18.420000000000002</c:v>
                 </c:pt>
                 <c:pt idx="16">
-                  <c:v>18.78</c:v>
+                  <c:v>19.32</c:v>
                 </c:pt>
                 <c:pt idx="17">
-                  <c:v>17.920000000000002</c:v>
+                  <c:v>19.3</c:v>
                 </c:pt>
                 <c:pt idx="18">
-                  <c:v>21.44</c:v>
+                  <c:v>19.78</c:v>
                 </c:pt>
                 <c:pt idx="19">
-                  <c:v>17.559999999999999</c:v>
+                  <c:v>19</c:v>
                 </c:pt>
                 <c:pt idx="20">
-                  <c:v>16.920000000000002</c:v>
+                  <c:v>18</c:v>
                 </c:pt>
               </c:numCache>
             </c:numRef>
@@ -3551,67 +3551,67 @@
                   <c:formatCode>General</c:formatCode>
                   <c:ptCount val="21"/>
                   <c:pt idx="0">
-                    <c:v>14.656056768449011</c:v>
+                    <c:v>17.61631062396437</c:v>
                   </c:pt>
                   <c:pt idx="1">
-                    <c:v>14.18095906488697</c:v>
+                    <c:v>11.12095319655649</c:v>
                   </c:pt>
                   <c:pt idx="2">
-                    <c:v>15.523208431249</c:v>
+                    <c:v>18.77445072432214</c:v>
                   </c:pt>
                   <c:pt idx="3">
-                    <c:v>19.427701871297081</c:v>
+                    <c:v>15.37791923505908</c:v>
                   </c:pt>
                   <c:pt idx="4">
-                    <c:v>17.291338872395048</c:v>
+                    <c:v>13.691004345919991</c:v>
                   </c:pt>
                   <c:pt idx="5">
-                    <c:v>16.010546524088429</c:v>
+                    <c:v>16.713156494211379</c:v>
                   </c:pt>
                   <c:pt idx="6">
-                    <c:v>11.53818009913175</c:v>
+                    <c:v>20.145282326142759</c:v>
                   </c:pt>
                   <c:pt idx="7">
-                    <c:v>6.9977424931187624</c:v>
+                    <c:v>21.377829637266739</c:v>
                   </c:pt>
                   <c:pt idx="8">
-                    <c:v>10.422590848728539</c:v>
+                    <c:v>14.38539537169556</c:v>
                   </c:pt>
                   <c:pt idx="9">
-                    <c:v>5.8103356185335802</c:v>
+                    <c:v>16.583799323436111</c:v>
                   </c:pt>
                   <c:pt idx="10">
-                    <c:v>8.7095579681175543</c:v>
+                    <c:v>25.750930080290299</c:v>
                   </c:pt>
                   <c:pt idx="11">
-                    <c:v>7.1189886922230743</c:v>
+                    <c:v>32.213761034688261</c:v>
                   </c:pt>
                   <c:pt idx="12">
-                    <c:v>6.9739228558968156</c:v>
+                    <c:v>23.437201198095309</c:v>
                   </c:pt>
                   <c:pt idx="13">
-                    <c:v>6.700567140175524</c:v>
+                    <c:v>25.627672543561189</c:v>
                   </c:pt>
                   <c:pt idx="14">
-                    <c:v>5.7466860015142638</c:v>
+                    <c:v>25.626400449536408</c:v>
                   </c:pt>
                   <c:pt idx="15">
-                    <c:v>8.1472449331046857</c:v>
+                    <c:v>28.469042836035069</c:v>
                   </c:pt>
                   <c:pt idx="16">
-                    <c:v>5.6654743843741802</c:v>
+                    <c:v>18.914132282502411</c:v>
                   </c:pt>
                   <c:pt idx="17">
-                    <c:v>5.2312904717669806</c:v>
+                    <c:v>25.306449770760018</c:v>
                   </c:pt>
                   <c:pt idx="18">
-                    <c:v>5.5172456896534889</c:v>
+                    <c:v>41.125179634866043</c:v>
                   </c:pt>
                   <c:pt idx="19">
-                    <c:v>6.294156019674122</c:v>
+                    <c:v>49.535587207582388</c:v>
                   </c:pt>
                   <c:pt idx="20">
-                    <c:v>6.7766953598343189</c:v>
+                    <c:v>48.199070530457327</c:v>
                   </c:pt>
                 </c:numCache>
               </c:numRef>
@@ -3623,67 +3623,67 @@
                   <c:formatCode>General</c:formatCode>
                   <c:ptCount val="21"/>
                   <c:pt idx="0">
-                    <c:v>14.656056768449011</c:v>
+                    <c:v>17.61631062396437</c:v>
                   </c:pt>
                   <c:pt idx="1">
-                    <c:v>14.18095906488697</c:v>
+                    <c:v>11.12095319655649</c:v>
                   </c:pt>
                   <c:pt idx="2">
-                    <c:v>15.523208431249</c:v>
+                    <c:v>18.77445072432214</c:v>
                   </c:pt>
                   <c:pt idx="3">
-                    <c:v>19.427701871297081</c:v>
+                    <c:v>15.37791923505908</c:v>
                   </c:pt>
                   <c:pt idx="4">
-                    <c:v>17.291338872395048</c:v>
+                    <c:v>13.691004345919991</c:v>
                   </c:pt>
                   <c:pt idx="5">
-                    <c:v>16.010546524088429</c:v>
+                    <c:v>16.713156494211379</c:v>
                   </c:pt>
                   <c:pt idx="6">
-                    <c:v>11.53818009913175</c:v>
+                    <c:v>20.145282326142759</c:v>
                   </c:pt>
                   <c:pt idx="7">
-                    <c:v>6.9977424931187624</c:v>
+                    <c:v>21.377829637266739</c:v>
                   </c:pt>
                   <c:pt idx="8">
-                    <c:v>10.422590848728539</c:v>
+                    <c:v>14.38539537169556</c:v>
                   </c:pt>
                   <c:pt idx="9">
-                    <c:v>5.8103356185335802</c:v>
+                    <c:v>16.583799323436111</c:v>
                   </c:pt>
                   <c:pt idx="10">
-                    <c:v>8.7095579681175543</c:v>
+                    <c:v>25.750930080290299</c:v>
                   </c:pt>
                   <c:pt idx="11">
-                    <c:v>7.1189886922230743</c:v>
+                    <c:v>32.213761034688261</c:v>
                   </c:pt>
                   <c:pt idx="12">
-                    <c:v>6.9739228558968156</c:v>
+                    <c:v>23.437201198095309</c:v>
                   </c:pt>
                   <c:pt idx="13">
-                    <c:v>6.700567140175524</c:v>
+                    <c:v>25.627672543561189</c:v>
                   </c:pt>
                   <c:pt idx="14">
-                    <c:v>5.7466860015142638</c:v>
+                    <c:v>25.626400449536408</c:v>
                   </c:pt>
                   <c:pt idx="15">
-                    <c:v>8.1472449331046857</c:v>
+                    <c:v>28.469042836035069</c:v>
                   </c:pt>
                   <c:pt idx="16">
-                    <c:v>5.6654743843741802</c:v>
+                    <c:v>18.914132282502411</c:v>
                   </c:pt>
                   <c:pt idx="17">
-                    <c:v>5.2312904717669806</c:v>
+                    <c:v>25.306449770760018</c:v>
                   </c:pt>
                   <c:pt idx="18">
-                    <c:v>5.5172456896534889</c:v>
+                    <c:v>41.125179634866043</c:v>
                   </c:pt>
                   <c:pt idx="19">
-                    <c:v>6.294156019674122</c:v>
+                    <c:v>49.535587207582388</c:v>
                   </c:pt>
                   <c:pt idx="20">
-                    <c:v>6.7766953598343189</c:v>
+                    <c:v>48.199070530457327</c:v>
                   </c:pt>
                 </c:numCache>
               </c:numRef>
@@ -3768,67 +3768,67 @@
                 <c:formatCode>General</c:formatCode>
                 <c:ptCount val="21"/>
                 <c:pt idx="0">
-                  <c:v>38.6</c:v>
+                  <c:v>37.159999999999997</c:v>
                 </c:pt>
                 <c:pt idx="1">
+                  <c:v>33.380000000000003</c:v>
+                </c:pt>
+                <c:pt idx="2">
+                  <c:v>39.200000000000003</c:v>
+                </c:pt>
+                <c:pt idx="3">
+                  <c:v>40.14</c:v>
+                </c:pt>
+                <c:pt idx="4">
+                  <c:v>38.42</c:v>
+                </c:pt>
+                <c:pt idx="5">
+                  <c:v>38.479999999999997</c:v>
+                </c:pt>
+                <c:pt idx="6">
+                  <c:v>43.26</c:v>
+                </c:pt>
+                <c:pt idx="7">
+                  <c:v>43.22</c:v>
+                </c:pt>
+                <c:pt idx="8">
                   <c:v>34.979999999999997</c:v>
                 </c:pt>
-                <c:pt idx="2">
-                  <c:v>34.299999999999997</c:v>
-                </c:pt>
-                <c:pt idx="3">
-                  <c:v>41.62</c:v>
-                </c:pt>
-                <c:pt idx="4">
-                  <c:v>36.64</c:v>
-                </c:pt>
-                <c:pt idx="5">
-                  <c:v>32.68</c:v>
-                </c:pt>
-                <c:pt idx="6">
-                  <c:v>28.48</c:v>
-                </c:pt>
-                <c:pt idx="7">
-                  <c:v>23.46</c:v>
-                </c:pt>
-                <c:pt idx="8">
-                  <c:v>23.64</c:v>
-                </c:pt>
                 <c:pt idx="9">
-                  <c:v>20.6</c:v>
+                  <c:v>40.24</c:v>
                 </c:pt>
                 <c:pt idx="10">
-                  <c:v>23.06</c:v>
+                  <c:v>44.36</c:v>
                 </c:pt>
                 <c:pt idx="11">
-                  <c:v>20.8</c:v>
+                  <c:v>51.44</c:v>
                 </c:pt>
                 <c:pt idx="12">
-                  <c:v>21.38</c:v>
+                  <c:v>39.24</c:v>
                 </c:pt>
                 <c:pt idx="13">
-                  <c:v>19.68</c:v>
+                  <c:v>42.68</c:v>
                 </c:pt>
                 <c:pt idx="14">
-                  <c:v>19.66</c:v>
+                  <c:v>41.74</c:v>
                 </c:pt>
                 <c:pt idx="15">
-                  <c:v>20.32</c:v>
+                  <c:v>42.44</c:v>
                 </c:pt>
                 <c:pt idx="16">
-                  <c:v>19.32</c:v>
+                  <c:v>37.659999999999997</c:v>
                 </c:pt>
                 <c:pt idx="17">
-                  <c:v>18.440000000000001</c:v>
+                  <c:v>41.06</c:v>
                 </c:pt>
                 <c:pt idx="18">
-                  <c:v>19.399999999999999</c:v>
+                  <c:v>49.14</c:v>
                 </c:pt>
                 <c:pt idx="19">
-                  <c:v>19.059999999999999</c:v>
+                  <c:v>48.84</c:v>
                 </c:pt>
                 <c:pt idx="20">
-                  <c:v>19.579999999999998</c:v>
+                  <c:v>47.64</c:v>
                 </c:pt>
               </c:numCache>
             </c:numRef>
@@ -3860,67 +3860,67 @@
                   <c:formatCode>General</c:formatCode>
                   <c:ptCount val="21"/>
                   <c:pt idx="0">
-                    <c:v>15.003679548697381</c:v>
+                    <c:v>13.447691251661009</c:v>
                   </c:pt>
                   <c:pt idx="1">
-                    <c:v>15.1</c:v>
+                    <c:v>14.36697602141801</c:v>
                   </c:pt>
                   <c:pt idx="2">
-                    <c:v>17.85268607240938</c:v>
+                    <c:v>11.906300852909769</c:v>
                   </c:pt>
                   <c:pt idx="3">
-                    <c:v>23.954122818421052</c:v>
+                    <c:v>15.75574815741861</c:v>
                   </c:pt>
                   <c:pt idx="4">
-                    <c:v>30.001333303705021</c:v>
+                    <c:v>15.13147712551554</c:v>
                   </c:pt>
                   <c:pt idx="5">
-                    <c:v>26.821819475941599</c:v>
+                    <c:v>14.064494303031299</c:v>
                   </c:pt>
                   <c:pt idx="6">
-                    <c:v>17.879161054143449</c:v>
+                    <c:v>17.99559946209073</c:v>
                   </c:pt>
                   <c:pt idx="7">
-                    <c:v>7.7744195924840591</c:v>
+                    <c:v>18.91877374461675</c:v>
                   </c:pt>
                   <c:pt idx="8">
-                    <c:v>6.6423188722011828</c:v>
+                    <c:v>24.240041254090311</c:v>
                   </c:pt>
                   <c:pt idx="9">
-                    <c:v>9.0402654828273707</c:v>
+                    <c:v>19.451488374929049</c:v>
                   </c:pt>
                   <c:pt idx="10">
-                    <c:v>6.6262810082277674</c:v>
+                    <c:v>20.652786736903089</c:v>
                   </c:pt>
                   <c:pt idx="11">
-                    <c:v>8.02349051223967</c:v>
+                    <c:v>23.324845122744119</c:v>
                   </c:pt>
                   <c:pt idx="12">
-                    <c:v>7.9848857224133143</c:v>
+                    <c:v>19.05382901151367</c:v>
                   </c:pt>
                   <c:pt idx="13">
-                    <c:v>7.8892331693264079</c:v>
+                    <c:v>21.55106493888411</c:v>
                   </c:pt>
                   <c:pt idx="14">
-                    <c:v>6.4962758562117724</c:v>
+                    <c:v>19.523616468267349</c:v>
                   </c:pt>
                   <c:pt idx="15">
-                    <c:v>5.4304695929541857</c:v>
+                    <c:v>35.330581653859021</c:v>
                   </c:pt>
                   <c:pt idx="16">
-                    <c:v>8.2249376897335829</c:v>
+                    <c:v>29.159074059373008</c:v>
                   </c:pt>
                   <c:pt idx="17">
-                    <c:v>6.4783948629270807</c:v>
+                    <c:v>38.434359627812199</c:v>
                   </c:pt>
                   <c:pt idx="18">
-                    <c:v>6.5048904679479431</c:v>
+                    <c:v>30.012457413547459</c:v>
                   </c:pt>
                   <c:pt idx="19">
-                    <c:v>6.748896206047327</c:v>
+                    <c:v>36.535248733243897</c:v>
                   </c:pt>
                   <c:pt idx="20">
-                    <c:v>7.2301867195806233</c:v>
+                    <c:v>19.29539841516624</c:v>
                   </c:pt>
                 </c:numCache>
               </c:numRef>
@@ -3932,67 +3932,67 @@
                   <c:formatCode>General</c:formatCode>
                   <c:ptCount val="21"/>
                   <c:pt idx="0">
-                    <c:v>15.003679548697381</c:v>
+                    <c:v>13.447691251661009</c:v>
                   </c:pt>
                   <c:pt idx="1">
-                    <c:v>15.1</c:v>
+                    <c:v>14.36697602141801</c:v>
                   </c:pt>
                   <c:pt idx="2">
-                    <c:v>17.85268607240938</c:v>
+                    <c:v>11.906300852909769</c:v>
                   </c:pt>
                   <c:pt idx="3">
-                    <c:v>23.954122818421052</c:v>
+                    <c:v>15.75574815741861</c:v>
                   </c:pt>
                   <c:pt idx="4">
-                    <c:v>30.001333303705021</c:v>
+                    <c:v>15.13147712551554</c:v>
                   </c:pt>
                   <c:pt idx="5">
-                    <c:v>26.821819475941599</c:v>
+                    <c:v>14.064494303031299</c:v>
                   </c:pt>
                   <c:pt idx="6">
-                    <c:v>17.879161054143449</c:v>
+                    <c:v>17.99559946209073</c:v>
                   </c:pt>
                   <c:pt idx="7">
-                    <c:v>7.7744195924840591</c:v>
+                    <c:v>18.91877374461675</c:v>
                   </c:pt>
                   <c:pt idx="8">
-                    <c:v>6.6423188722011828</c:v>
+                    <c:v>24.240041254090311</c:v>
                   </c:pt>
                   <c:pt idx="9">
-                    <c:v>9.0402654828273707</c:v>
+                    <c:v>19.451488374929049</c:v>
                   </c:pt>
                   <c:pt idx="10">
-                    <c:v>6.6262810082277674</c:v>
+                    <c:v>20.652786736903089</c:v>
                   </c:pt>
                   <c:pt idx="11">
-                    <c:v>8.02349051223967</c:v>
+                    <c:v>23.324845122744119</c:v>
                   </c:pt>
                   <c:pt idx="12">
-                    <c:v>7.9848857224133143</c:v>
+                    <c:v>19.05382901151367</c:v>
                   </c:pt>
                   <c:pt idx="13">
-                    <c:v>7.8892331693264079</c:v>
+                    <c:v>21.55106493888411</c:v>
                   </c:pt>
                   <c:pt idx="14">
-                    <c:v>6.4962758562117724</c:v>
+                    <c:v>19.523616468267349</c:v>
                   </c:pt>
                   <c:pt idx="15">
-                    <c:v>5.4304695929541857</c:v>
+                    <c:v>35.330581653859021</c:v>
                   </c:pt>
                   <c:pt idx="16">
-                    <c:v>8.2249376897335829</c:v>
+                    <c:v>29.159074059373008</c:v>
                   </c:pt>
                   <c:pt idx="17">
-                    <c:v>6.4783948629270807</c:v>
+                    <c:v>38.434359627812199</c:v>
                   </c:pt>
                   <c:pt idx="18">
-                    <c:v>6.5048904679479431</c:v>
+                    <c:v>30.012457413547459</c:v>
                   </c:pt>
                   <c:pt idx="19">
-                    <c:v>6.748896206047327</c:v>
+                    <c:v>36.535248733243897</c:v>
                   </c:pt>
                   <c:pt idx="20">
-                    <c:v>7.2301867195806233</c:v>
+                    <c:v>19.29539841516624</c:v>
                   </c:pt>
                 </c:numCache>
               </c:numRef>
@@ -4077,78 +4077,78 @@
                 <c:formatCode>General</c:formatCode>
                 <c:ptCount val="21"/>
                 <c:pt idx="0">
-                  <c:v>39.64</c:v>
+                  <c:v>37.14</c:v>
                 </c:pt>
                 <c:pt idx="1">
-                  <c:v>40.9</c:v>
+                  <c:v>35.299999999999997</c:v>
                 </c:pt>
                 <c:pt idx="2">
-                  <c:v>41.96</c:v>
+                  <c:v>35.6</c:v>
                 </c:pt>
                 <c:pt idx="3">
-                  <c:v>45.6</c:v>
+                  <c:v>37.58</c:v>
                 </c:pt>
                 <c:pt idx="4">
-                  <c:v>41.8</c:v>
+                  <c:v>39.72</c:v>
                 </c:pt>
                 <c:pt idx="5">
-                  <c:v>38.5</c:v>
+                  <c:v>40.1</c:v>
                 </c:pt>
                 <c:pt idx="6">
-                  <c:v>30.34</c:v>
+                  <c:v>42.72</c:v>
                 </c:pt>
                 <c:pt idx="7">
-                  <c:v>24.72</c:v>
+                  <c:v>43</c:v>
                 </c:pt>
                 <c:pt idx="8">
-                  <c:v>21.86</c:v>
+                  <c:v>43.98</c:v>
                 </c:pt>
                 <c:pt idx="9">
-                  <c:v>22.44</c:v>
+                  <c:v>44.14</c:v>
                 </c:pt>
                 <c:pt idx="10">
-                  <c:v>22.18</c:v>
+                  <c:v>42.32</c:v>
                 </c:pt>
                 <c:pt idx="11">
-                  <c:v>23.06</c:v>
+                  <c:v>40.46</c:v>
                 </c:pt>
                 <c:pt idx="12">
-                  <c:v>19.96</c:v>
+                  <c:v>38.46</c:v>
                 </c:pt>
                 <c:pt idx="13">
-                  <c:v>21.6</c:v>
+                  <c:v>42.54</c:v>
                 </c:pt>
                 <c:pt idx="14">
-                  <c:v>20.72</c:v>
+                  <c:v>42.22</c:v>
                 </c:pt>
                 <c:pt idx="15">
-                  <c:v>19.899999999999999</c:v>
+                  <c:v>45.9</c:v>
                 </c:pt>
                 <c:pt idx="16">
-                  <c:v>20.52</c:v>
+                  <c:v>43.22</c:v>
                 </c:pt>
                 <c:pt idx="17">
-                  <c:v>19.52</c:v>
+                  <c:v>47.8</c:v>
                 </c:pt>
                 <c:pt idx="18">
-                  <c:v>19.920000000000002</c:v>
+                  <c:v>40.18</c:v>
                 </c:pt>
                 <c:pt idx="19">
-                  <c:v>18.82</c:v>
+                  <c:v>43.66</c:v>
                 </c:pt>
                 <c:pt idx="20">
-                  <c:v>19.62</c:v>
+                  <c:v>34.74</c:v>
                 </c:pt>
               </c:numCache>
             </c:numRef>
           </c:yVal>
           <c:smooth val="1"/>
         </c:ser>
-        <c:axId val="63260544"/>
-        <c:axId val="63304832"/>
+        <c:axId val="84513920"/>
+        <c:axId val="84516224"/>
       </c:scatterChart>
       <c:valAx>
-        <c:axId val="63260544"/>
+        <c:axId val="84513920"/>
         <c:scaling>
           <c:orientation val="minMax"/>
         </c:scaling>
@@ -4175,12 +4175,12 @@
         </c:title>
         <c:numFmt formatCode="General" sourceLinked="1"/>
         <c:tickLblPos val="nextTo"/>
-        <c:crossAx val="63304832"/>
+        <c:crossAx val="84516224"/>
         <c:crosses val="autoZero"/>
         <c:crossBetween val="midCat"/>
       </c:valAx>
       <c:valAx>
-        <c:axId val="63304832"/>
+        <c:axId val="84516224"/>
         <c:scaling>
           <c:orientation val="minMax"/>
         </c:scaling>
@@ -4207,7 +4207,7 @@
         </c:title>
         <c:numFmt formatCode="General" sourceLinked="1"/>
         <c:tickLblPos val="nextTo"/>
-        <c:crossAx val="63260544"/>
+        <c:crossAx val="84513920"/>
         <c:crosses val="autoZero"/>
         <c:crossBetween val="midCat"/>
       </c:valAx>
@@ -4224,6 +4224,7 @@
 
 <file path=ppt/charts/chart12.xml><?xml version="1.0" encoding="utf-8"?>
 <c:chartSpace xmlns:c="http://schemas.openxmlformats.org/drawingml/2006/chart" xmlns:a="http://schemas.openxmlformats.org/drawingml/2006/main" xmlns:r="http://schemas.openxmlformats.org/officeDocument/2006/relationships">
+  <c:date1904 val="1"/>
   <c:lang val="en-US"/>
   <c:chart>
     <c:title>
@@ -4273,22 +4274,22 @@
                   <c:formatCode>General</c:formatCode>
                   <c:ptCount val="21"/>
                   <c:pt idx="0">
-                    <c:v>6.7357256476195646</c:v>
+                    <c:v>6.7357256476195655</c:v>
                   </c:pt>
                   <c:pt idx="1">
-                    <c:v>7.0556643911115842</c:v>
+                    <c:v>7.0556643911115851</c:v>
                   </c:pt>
                   <c:pt idx="2">
-                    <c:v>7.020569777446843</c:v>
+                    <c:v>7.0205697774468421</c:v>
                   </c:pt>
                   <c:pt idx="3">
-                    <c:v>7.4496711336810044</c:v>
+                    <c:v>7.4496711336810062</c:v>
                   </c:pt>
                   <c:pt idx="4">
                     <c:v>7.2571068615530256</c:v>
                   </c:pt>
                   <c:pt idx="5">
-                    <c:v>7.9164638570513288</c:v>
+                    <c:v>7.9164638570513297</c:v>
                   </c:pt>
                   <c:pt idx="6">
                     <c:v>8.4876616332179502</c:v>
@@ -4297,16 +4298,16 @@
                     <c:v>9.9483465962942805</c:v>
                   </c:pt>
                   <c:pt idx="8">
-                    <c:v>9.8534258001976163</c:v>
+                    <c:v>9.853425800197618</c:v>
                   </c:pt>
                   <c:pt idx="9">
-                    <c:v>10.16112198529277</c:v>
+                    <c:v>10.161121985292766</c:v>
                   </c:pt>
                   <c:pt idx="10">
-                    <c:v>8.5554427120985395</c:v>
+                    <c:v>8.5554427120985412</c:v>
                   </c:pt>
                   <c:pt idx="11">
-                    <c:v>10.537343118642379</c:v>
+                    <c:v>10.537343118642378</c:v>
                   </c:pt>
                   <c:pt idx="12">
                     <c:v>9.5226046856939295</c:v>
@@ -4315,25 +4316,25 @@
                     <c:v>10.574005863437</c:v>
                   </c:pt>
                   <c:pt idx="14">
-                    <c:v>11.231402405755039</c:v>
+                    <c:v>11.231402405755038</c:v>
                   </c:pt>
                   <c:pt idx="15">
-                    <c:v>12.018003161923369</c:v>
+                    <c:v>12.018003161923367</c:v>
                   </c:pt>
                   <c:pt idx="16">
-                    <c:v>12.21697180155541</c:v>
+                    <c:v>12.216971801555408</c:v>
                   </c:pt>
                   <c:pt idx="17">
-                    <c:v>14.295957470557889</c:v>
+                    <c:v>14.295957470557887</c:v>
                   </c:pt>
                   <c:pt idx="18">
                     <c:v>14.984738903297581</c:v>
                   </c:pt>
                   <c:pt idx="19">
-                    <c:v>11.93924620736167</c:v>
+                    <c:v>11.939246207361672</c:v>
                   </c:pt>
                   <c:pt idx="20">
-                    <c:v>18.54805650196268</c:v>
+                    <c:v>18.548056501962677</c:v>
                   </c:pt>
                 </c:numCache>
               </c:numRef>
@@ -4345,22 +4346,22 @@
                   <c:formatCode>General</c:formatCode>
                   <c:ptCount val="21"/>
                   <c:pt idx="0">
-                    <c:v>6.7357256476195646</c:v>
+                    <c:v>6.7357256476195655</c:v>
                   </c:pt>
                   <c:pt idx="1">
-                    <c:v>7.0556643911115842</c:v>
+                    <c:v>7.0556643911115851</c:v>
                   </c:pt>
                   <c:pt idx="2">
-                    <c:v>7.020569777446843</c:v>
+                    <c:v>7.0205697774468421</c:v>
                   </c:pt>
                   <c:pt idx="3">
-                    <c:v>7.4496711336810044</c:v>
+                    <c:v>7.4496711336810062</c:v>
                   </c:pt>
                   <c:pt idx="4">
                     <c:v>7.2571068615530256</c:v>
                   </c:pt>
                   <c:pt idx="5">
-                    <c:v>7.9164638570513288</c:v>
+                    <c:v>7.9164638570513297</c:v>
                   </c:pt>
                   <c:pt idx="6">
                     <c:v>8.4876616332179502</c:v>
@@ -4369,16 +4370,16 @@
                     <c:v>9.9483465962942805</c:v>
                   </c:pt>
                   <c:pt idx="8">
-                    <c:v>9.8534258001976163</c:v>
+                    <c:v>9.853425800197618</c:v>
                   </c:pt>
                   <c:pt idx="9">
-                    <c:v>10.16112198529277</c:v>
+                    <c:v>10.161121985292766</c:v>
                   </c:pt>
                   <c:pt idx="10">
-                    <c:v>8.5554427120985395</c:v>
+                    <c:v>8.5554427120985412</c:v>
                   </c:pt>
                   <c:pt idx="11">
-                    <c:v>10.537343118642379</c:v>
+                    <c:v>10.537343118642378</c:v>
                   </c:pt>
                   <c:pt idx="12">
                     <c:v>9.5226046856939295</c:v>
@@ -4387,25 +4388,25 @@
                     <c:v>10.574005863437</c:v>
                   </c:pt>
                   <c:pt idx="14">
-                    <c:v>11.231402405755039</c:v>
+                    <c:v>11.231402405755038</c:v>
                   </c:pt>
                   <c:pt idx="15">
-                    <c:v>12.018003161923369</c:v>
+                    <c:v>12.018003161923367</c:v>
                   </c:pt>
                   <c:pt idx="16">
-                    <c:v>12.21697180155541</c:v>
+                    <c:v>12.216971801555408</c:v>
                   </c:pt>
                   <c:pt idx="17">
-                    <c:v>14.295957470557889</c:v>
+                    <c:v>14.295957470557887</c:v>
                   </c:pt>
                   <c:pt idx="18">
                     <c:v>14.984738903297581</c:v>
                   </c:pt>
                   <c:pt idx="19">
-                    <c:v>11.93924620736167</c:v>
+                    <c:v>11.939246207361672</c:v>
                   </c:pt>
                   <c:pt idx="20">
-                    <c:v>18.54805650196268</c:v>
+                    <c:v>18.548056501962677</c:v>
                   </c:pt>
                 </c:numCache>
               </c:numRef>
@@ -4427,7 +4428,7 @@
                   <c:v>0.1</c:v>
                 </c:pt>
                 <c:pt idx="3">
-                  <c:v>0.15</c:v>
+                  <c:v>0.15000000000000002</c:v>
                 </c:pt>
                 <c:pt idx="4">
                   <c:v>0.2</c:v>
@@ -4436,10 +4437,10 @@
                   <c:v>0.25</c:v>
                 </c:pt>
                 <c:pt idx="6">
-                  <c:v>0.3</c:v>
+                  <c:v>0.30000000000000004</c:v>
                 </c:pt>
                 <c:pt idx="7">
-                  <c:v>0.35</c:v>
+                  <c:v>0.35000000000000003</c:v>
                 </c:pt>
                 <c:pt idx="8">
                   <c:v>0.4</c:v>
@@ -4454,28 +4455,28 @@
                   <c:v>0.55000000000000004</c:v>
                 </c:pt>
                 <c:pt idx="12">
-                  <c:v>0.60000000000000009</c:v>
+                  <c:v>0.6000000000000002</c:v>
                 </c:pt>
                 <c:pt idx="13">
-                  <c:v>0.65</c:v>
+                  <c:v>0.65000000000000013</c:v>
                 </c:pt>
                 <c:pt idx="14">
-                  <c:v>0.70000000000000007</c:v>
+                  <c:v>0.70000000000000018</c:v>
                 </c:pt>
                 <c:pt idx="15">
-                  <c:v>0.75</c:v>
+                  <c:v>0.75000000000000011</c:v>
                 </c:pt>
                 <c:pt idx="16">
                   <c:v>0.8</c:v>
                 </c:pt>
                 <c:pt idx="17">
-                  <c:v>0.85000000000000009</c:v>
+                  <c:v>0.8500000000000002</c:v>
                 </c:pt>
                 <c:pt idx="18">
                   <c:v>0.9</c:v>
                 </c:pt>
                 <c:pt idx="19">
-                  <c:v>0.95000000000000007</c:v>
+                  <c:v>0.95000000000000018</c:v>
                 </c:pt>
                 <c:pt idx="20">
                   <c:v>1</c:v>
@@ -4496,7 +4497,7 @@
                   <c:v>22.24</c:v>
                 </c:pt>
                 <c:pt idx="2">
-                  <c:v>23.46</c:v>
+                  <c:v>23.459999999999997</c:v>
                 </c:pt>
                 <c:pt idx="3">
                   <c:v>23.68</c:v>
@@ -4517,13 +4518,13 @@
                   <c:v>28.7</c:v>
                 </c:pt>
                 <c:pt idx="9">
-                  <c:v>29.46</c:v>
+                  <c:v>29.459999999999997</c:v>
                 </c:pt>
                 <c:pt idx="10">
                   <c:v>29.62</c:v>
                 </c:pt>
                 <c:pt idx="11">
-                  <c:v>32.380000000000003</c:v>
+                  <c:v>32.379999999999995</c:v>
                 </c:pt>
                 <c:pt idx="12">
                   <c:v>30.6</c:v>
@@ -4532,22 +4533,22 @@
                   <c:v>30.52</c:v>
                 </c:pt>
                 <c:pt idx="14">
-                  <c:v>32.659999999999997</c:v>
+                  <c:v>32.660000000000004</c:v>
                 </c:pt>
                 <c:pt idx="15">
                   <c:v>29.74</c:v>
                 </c:pt>
                 <c:pt idx="16">
-                  <c:v>33.840000000000003</c:v>
+                  <c:v>33.839999999999996</c:v>
                 </c:pt>
                 <c:pt idx="17">
-                  <c:v>34.840000000000003</c:v>
+                  <c:v>34.839999999999996</c:v>
                 </c:pt>
                 <c:pt idx="18">
-                  <c:v>36.76</c:v>
+                  <c:v>36.760000000000005</c:v>
                 </c:pt>
                 <c:pt idx="19">
-                  <c:v>37.119999999999997</c:v>
+                  <c:v>37.120000000000005</c:v>
                 </c:pt>
                 <c:pt idx="20">
                   <c:v>42.64</c:v>
@@ -4582,19 +4583,19 @@
                   <c:formatCode>General</c:formatCode>
                   <c:ptCount val="21"/>
                   <c:pt idx="0">
-                    <c:v>7.0143852189625289</c:v>
+                    <c:v>7.014385218962528</c:v>
                   </c:pt>
                   <c:pt idx="1">
                     <c:v>6.5429351211822357</c:v>
                   </c:pt>
                   <c:pt idx="2">
-                    <c:v>7.9837084115090278</c:v>
+                    <c:v>7.9837084115090295</c:v>
                   </c:pt>
                   <c:pt idx="3">
-                    <c:v>7.0027423199772247</c:v>
+                    <c:v>7.0027423199772256</c:v>
                   </c:pt>
                   <c:pt idx="4">
-                    <c:v>9.2433760066330741</c:v>
+                    <c:v>9.2433760066330706</c:v>
                   </c:pt>
                   <c:pt idx="5">
                     <c:v>9.9202620933118499</c:v>
@@ -4603,46 +4604,46 @@
                     <c:v>10.95461546563822</c:v>
                   </c:pt>
                   <c:pt idx="7">
-                    <c:v>10.28056418685278</c:v>
+                    <c:v>10.280564186852779</c:v>
                   </c:pt>
                   <c:pt idx="8">
-                    <c:v>9.908299551386202</c:v>
+                    <c:v>9.9082995513862038</c:v>
                   </c:pt>
                   <c:pt idx="9">
                     <c:v>11.39735056932092</c:v>
                   </c:pt>
                   <c:pt idx="10">
-                    <c:v>8.0530491119823679</c:v>
+                    <c:v>8.0530491119823715</c:v>
                   </c:pt>
                   <c:pt idx="11">
-                    <c:v>10.421055608718341</c:v>
+                    <c:v>10.421055608718342</c:v>
                   </c:pt>
                   <c:pt idx="12">
                     <c:v>9.0332718325089711</c:v>
                   </c:pt>
                   <c:pt idx="13">
-                    <c:v>9.317102553905908</c:v>
+                    <c:v>9.3171025539059116</c:v>
                   </c:pt>
                   <c:pt idx="14">
                     <c:v>12.65695065961782</c:v>
                   </c:pt>
                   <c:pt idx="15">
-                    <c:v>12.51559027772961</c:v>
+                    <c:v>12.515590277729615</c:v>
                   </c:pt>
                   <c:pt idx="16">
                     <c:v>10.00617809155924</c:v>
                   </c:pt>
                   <c:pt idx="17">
-                    <c:v>14.21082685842031</c:v>
+                    <c:v>14.210826858420312</c:v>
                   </c:pt>
                   <c:pt idx="18">
                     <c:v>14.0965811457956</c:v>
                   </c:pt>
                   <c:pt idx="19">
-                    <c:v>16.263591239329649</c:v>
+                    <c:v>16.263591239329642</c:v>
                   </c:pt>
                   <c:pt idx="20">
-                    <c:v>11.53769474375189</c:v>
+                    <c:v>11.537694743751889</c:v>
                   </c:pt>
                 </c:numCache>
               </c:numRef>
@@ -4654,19 +4655,19 @@
                   <c:formatCode>General</c:formatCode>
                   <c:ptCount val="21"/>
                   <c:pt idx="0">
-                    <c:v>7.0143852189625289</c:v>
+                    <c:v>7.014385218962528</c:v>
                   </c:pt>
                   <c:pt idx="1">
                     <c:v>6.5429351211822357</c:v>
                   </c:pt>
                   <c:pt idx="2">
-                    <c:v>7.9837084115090278</c:v>
+                    <c:v>7.9837084115090295</c:v>
                   </c:pt>
                   <c:pt idx="3">
-                    <c:v>7.0027423199772247</c:v>
+                    <c:v>7.0027423199772256</c:v>
                   </c:pt>
                   <c:pt idx="4">
-                    <c:v>9.2433760066330741</c:v>
+                    <c:v>9.2433760066330706</c:v>
                   </c:pt>
                   <c:pt idx="5">
                     <c:v>9.9202620933118499</c:v>
@@ -4675,46 +4676,46 @@
                     <c:v>10.95461546563822</c:v>
                   </c:pt>
                   <c:pt idx="7">
-                    <c:v>10.28056418685278</c:v>
+                    <c:v>10.280564186852779</c:v>
                   </c:pt>
                   <c:pt idx="8">
-                    <c:v>9.908299551386202</c:v>
+                    <c:v>9.9082995513862038</c:v>
                   </c:pt>
                   <c:pt idx="9">
                     <c:v>11.39735056932092</c:v>
                   </c:pt>
                   <c:pt idx="10">
-                    <c:v>8.0530491119823679</c:v>
+                    <c:v>8.0530491119823715</c:v>
                   </c:pt>
                   <c:pt idx="11">
-                    <c:v>10.421055608718341</c:v>
+                    <c:v>10.421055608718342</c:v>
                   </c:pt>
                   <c:pt idx="12">
                     <c:v>9.0332718325089711</c:v>
                   </c:pt>
                   <c:pt idx="13">
-                    <c:v>9.317102553905908</c:v>
+                    <c:v>9.3171025539059116</c:v>
                   </c:pt>
                   <c:pt idx="14">
                     <c:v>12.65695065961782</c:v>
                   </c:pt>
                   <c:pt idx="15">
-                    <c:v>12.51559027772961</c:v>
+                    <c:v>12.515590277729615</c:v>
                   </c:pt>
                   <c:pt idx="16">
                     <c:v>10.00617809155924</c:v>
                   </c:pt>
                   <c:pt idx="17">
-                    <c:v>14.21082685842031</c:v>
+                    <c:v>14.210826858420312</c:v>
                   </c:pt>
                   <c:pt idx="18">
                     <c:v>14.0965811457956</c:v>
                   </c:pt>
                   <c:pt idx="19">
-                    <c:v>16.263591239329649</c:v>
+                    <c:v>16.263591239329642</c:v>
                   </c:pt>
                   <c:pt idx="20">
-                    <c:v>11.53769474375189</c:v>
+                    <c:v>11.537694743751889</c:v>
                   </c:pt>
                 </c:numCache>
               </c:numRef>
@@ -4736,7 +4737,7 @@
                   <c:v>0.1</c:v>
                 </c:pt>
                 <c:pt idx="3">
-                  <c:v>0.15</c:v>
+                  <c:v>0.15000000000000002</c:v>
                 </c:pt>
                 <c:pt idx="4">
                   <c:v>0.2</c:v>
@@ -4745,10 +4746,10 @@
                   <c:v>0.25</c:v>
                 </c:pt>
                 <c:pt idx="6">
-                  <c:v>0.3</c:v>
+                  <c:v>0.30000000000000004</c:v>
                 </c:pt>
                 <c:pt idx="7">
-                  <c:v>0.35</c:v>
+                  <c:v>0.35000000000000003</c:v>
                 </c:pt>
                 <c:pt idx="8">
                   <c:v>0.4</c:v>
@@ -4763,28 +4764,28 @@
                   <c:v>0.55000000000000004</c:v>
                 </c:pt>
                 <c:pt idx="12">
-                  <c:v>0.60000000000000009</c:v>
+                  <c:v>0.6000000000000002</c:v>
                 </c:pt>
                 <c:pt idx="13">
-                  <c:v>0.65</c:v>
+                  <c:v>0.65000000000000013</c:v>
                 </c:pt>
                 <c:pt idx="14">
-                  <c:v>0.70000000000000007</c:v>
+                  <c:v>0.70000000000000018</c:v>
                 </c:pt>
                 <c:pt idx="15">
-                  <c:v>0.75</c:v>
+                  <c:v>0.75000000000000011</c:v>
                 </c:pt>
                 <c:pt idx="16">
                   <c:v>0.8</c:v>
                 </c:pt>
                 <c:pt idx="17">
-                  <c:v>0.85000000000000009</c:v>
+                  <c:v>0.8500000000000002</c:v>
                 </c:pt>
                 <c:pt idx="18">
                   <c:v>0.9</c:v>
                 </c:pt>
                 <c:pt idx="19">
-                  <c:v>0.95000000000000007</c:v>
+                  <c:v>0.95000000000000018</c:v>
                 </c:pt>
                 <c:pt idx="20">
                   <c:v>1</c:v>
@@ -4799,16 +4800,16 @@
                 <c:formatCode>General</c:formatCode>
                 <c:ptCount val="21"/>
                 <c:pt idx="0">
-                  <c:v>22.28</c:v>
+                  <c:v>22.279999999999998</c:v>
                 </c:pt>
                 <c:pt idx="1">
                   <c:v>19.899999999999999</c:v>
                 </c:pt>
                 <c:pt idx="2">
-                  <c:v>23.98</c:v>
+                  <c:v>23.979999999999997</c:v>
                 </c:pt>
                 <c:pt idx="3">
-                  <c:v>23.96</c:v>
+                  <c:v>23.959999999999997</c:v>
                 </c:pt>
                 <c:pt idx="4">
                   <c:v>23.6</c:v>
@@ -4826,13 +4827,13 @@
                   <c:v>27.84</c:v>
                 </c:pt>
                 <c:pt idx="9">
-                  <c:v>29.98</c:v>
+                  <c:v>29.979999999999997</c:v>
                 </c:pt>
                 <c:pt idx="10">
                   <c:v>29.22</c:v>
                 </c:pt>
                 <c:pt idx="11">
-                  <c:v>29.96</c:v>
+                  <c:v>29.959999999999997</c:v>
                 </c:pt>
                 <c:pt idx="12">
                   <c:v>29.8</c:v>
@@ -4856,7 +4857,7 @@
                   <c:v>37.08</c:v>
                 </c:pt>
                 <c:pt idx="19">
-                  <c:v>37.340000000000003</c:v>
+                  <c:v>37.339999999999996</c:v>
                 </c:pt>
                 <c:pt idx="20">
                   <c:v>38.96</c:v>
@@ -4900,16 +4901,16 @@
                     <c:v>4.706123670283219</c:v>
                   </c:pt>
                   <c:pt idx="3">
-                    <c:v>6.0802631521999109</c:v>
+                    <c:v>6.0802631521999118</c:v>
                   </c:pt>
                   <c:pt idx="4">
-                    <c:v>5.6044268217187021</c:v>
+                    <c:v>5.6044268217187003</c:v>
                   </c:pt>
                   <c:pt idx="5">
-                    <c:v>5.5733652311686868</c:v>
+                    <c:v>5.5733652311686877</c:v>
                   </c:pt>
                   <c:pt idx="6">
-                    <c:v>4.7290168111352697</c:v>
+                    <c:v>4.7290168111352688</c:v>
                   </c:pt>
                   <c:pt idx="7">
                     <c:v>4.8408263757337959</c:v>
@@ -4918,31 +4919,31 @@
                     <c:v>3.934259777899777</c:v>
                   </c:pt>
                   <c:pt idx="9">
-                    <c:v>3.4423247958320262</c:v>
+                    <c:v>3.4423247958320267</c:v>
                   </c:pt>
                   <c:pt idx="10">
-                    <c:v>4.1660052808415884</c:v>
+                    <c:v>4.1660052808415875</c:v>
                   </c:pt>
                   <c:pt idx="11">
                     <c:v>4.5138010589745754</c:v>
                   </c:pt>
                   <c:pt idx="12">
-                    <c:v>3.885151219708185</c:v>
+                    <c:v>3.8851512197081846</c:v>
                   </c:pt>
                   <c:pt idx="13">
-                    <c:v>5.1405836244535514</c:v>
+                    <c:v>5.1405836244535505</c:v>
                   </c:pt>
                   <c:pt idx="14">
-                    <c:v>11.74904251417961</c:v>
+                    <c:v>11.749042514179612</c:v>
                   </c:pt>
                   <c:pt idx="15">
-                    <c:v>5.1376648392046746</c:v>
+                    <c:v>5.1376648392046755</c:v>
                   </c:pt>
                   <c:pt idx="16">
-                    <c:v>4.112614740040696</c:v>
+                    <c:v>4.1126147400406952</c:v>
                   </c:pt>
                   <c:pt idx="17">
-                    <c:v>4.839380125594599</c:v>
+                    <c:v>4.8393801255945998</c:v>
                   </c:pt>
                   <c:pt idx="18">
                     <c:v>4.2914333269899467</c:v>
@@ -4951,7 +4952,7 @@
                     <c:v>4.870154001671815</c:v>
                   </c:pt>
                   <c:pt idx="20">
-                    <c:v>5.7724864659867334</c:v>
+                    <c:v>5.7724864659867325</c:v>
                   </c:pt>
                 </c:numCache>
               </c:numRef>
@@ -4972,16 +4973,16 @@
                     <c:v>4.706123670283219</c:v>
                   </c:pt>
                   <c:pt idx="3">
-                    <c:v>6.0802631521999109</c:v>
+                    <c:v>6.0802631521999118</c:v>
                   </c:pt>
                   <c:pt idx="4">
-                    <c:v>5.6044268217187021</c:v>
+                    <c:v>5.6044268217187003</c:v>
                   </c:pt>
                   <c:pt idx="5">
-                    <c:v>5.5733652311686868</c:v>
+                    <c:v>5.5733652311686877</c:v>
                   </c:pt>
                   <c:pt idx="6">
-                    <c:v>4.7290168111352697</c:v>
+                    <c:v>4.7290168111352688</c:v>
                   </c:pt>
                   <c:pt idx="7">
                     <c:v>4.8408263757337959</c:v>
@@ -4990,31 +4991,31 @@
                     <c:v>3.934259777899777</c:v>
                   </c:pt>
                   <c:pt idx="9">
-                    <c:v>3.4423247958320262</c:v>
+                    <c:v>3.4423247958320267</c:v>
                   </c:pt>
                   <c:pt idx="10">
-                    <c:v>4.1660052808415884</c:v>
+                    <c:v>4.1660052808415875</c:v>
                   </c:pt>
                   <c:pt idx="11">
                     <c:v>4.5138010589745754</c:v>
                   </c:pt>
                   <c:pt idx="12">
-                    <c:v>3.885151219708185</c:v>
+                    <c:v>3.8851512197081846</c:v>
                   </c:pt>
                   <c:pt idx="13">
-                    <c:v>5.1405836244535514</c:v>
+                    <c:v>5.1405836244535505</c:v>
                   </c:pt>
                   <c:pt idx="14">
-                    <c:v>11.74904251417961</c:v>
+                    <c:v>11.749042514179612</c:v>
                   </c:pt>
                   <c:pt idx="15">
-                    <c:v>5.1376648392046746</c:v>
+                    <c:v>5.1376648392046755</c:v>
                   </c:pt>
                   <c:pt idx="16">
-                    <c:v>4.112614740040696</c:v>
+                    <c:v>4.1126147400406952</c:v>
                   </c:pt>
                   <c:pt idx="17">
-                    <c:v>4.839380125594599</c:v>
+                    <c:v>4.8393801255945998</c:v>
                   </c:pt>
                   <c:pt idx="18">
                     <c:v>4.2914333269899467</c:v>
@@ -5023,7 +5024,7 @@
                     <c:v>4.870154001671815</c:v>
                   </c:pt>
                   <c:pt idx="20">
-                    <c:v>5.7724864659867334</c:v>
+                    <c:v>5.7724864659867325</c:v>
                   </c:pt>
                 </c:numCache>
               </c:numRef>
@@ -5045,7 +5046,7 @@
                   <c:v>0.1</c:v>
                 </c:pt>
                 <c:pt idx="3">
-                  <c:v>0.15</c:v>
+                  <c:v>0.15000000000000002</c:v>
                 </c:pt>
                 <c:pt idx="4">
                   <c:v>0.2</c:v>
@@ -5054,10 +5055,10 @@
                   <c:v>0.25</c:v>
                 </c:pt>
                 <c:pt idx="6">
-                  <c:v>0.3</c:v>
+                  <c:v>0.30000000000000004</c:v>
                 </c:pt>
                 <c:pt idx="7">
-                  <c:v>0.35</c:v>
+                  <c:v>0.35000000000000003</c:v>
                 </c:pt>
                 <c:pt idx="8">
                   <c:v>0.4</c:v>
@@ -5072,28 +5073,28 @@
                   <c:v>0.55000000000000004</c:v>
                 </c:pt>
                 <c:pt idx="12">
-                  <c:v>0.60000000000000009</c:v>
+                  <c:v>0.6000000000000002</c:v>
                 </c:pt>
                 <c:pt idx="13">
-                  <c:v>0.65</c:v>
+                  <c:v>0.65000000000000013</c:v>
                 </c:pt>
                 <c:pt idx="14">
-                  <c:v>0.70000000000000007</c:v>
+                  <c:v>0.70000000000000018</c:v>
                 </c:pt>
                 <c:pt idx="15">
-                  <c:v>0.75</c:v>
+                  <c:v>0.75000000000000011</c:v>
                 </c:pt>
                 <c:pt idx="16">
                   <c:v>0.8</c:v>
                 </c:pt>
                 <c:pt idx="17">
-                  <c:v>0.85000000000000009</c:v>
+                  <c:v>0.8500000000000002</c:v>
                 </c:pt>
                 <c:pt idx="18">
                   <c:v>0.9</c:v>
                 </c:pt>
                 <c:pt idx="19">
-                  <c:v>0.95000000000000007</c:v>
+                  <c:v>0.95000000000000018</c:v>
                 </c:pt>
                 <c:pt idx="20">
                   <c:v>1</c:v>
@@ -5111,13 +5112,13 @@
                   <c:v>21.64</c:v>
                 </c:pt>
                 <c:pt idx="1">
-                  <c:v>19.98</c:v>
+                  <c:v>19.979999999999997</c:v>
                 </c:pt>
                 <c:pt idx="2">
                   <c:v>19.18</c:v>
                 </c:pt>
                 <c:pt idx="3">
-                  <c:v>19.48</c:v>
+                  <c:v>19.479999999999997</c:v>
                 </c:pt>
                 <c:pt idx="4">
                   <c:v>18.52</c:v>
@@ -5126,7 +5127,7 @@
                   <c:v>17.760000000000002</c:v>
                 </c:pt>
                 <c:pt idx="6">
-                  <c:v>16.579999999999998</c:v>
+                  <c:v>16.579999999999995</c:v>
                 </c:pt>
                 <c:pt idx="7">
                   <c:v>15.92</c:v>
@@ -5165,7 +5166,7 @@
                   <c:v>15.94</c:v>
                 </c:pt>
                 <c:pt idx="19">
-                  <c:v>16.96</c:v>
+                  <c:v>16.959999999999997</c:v>
                 </c:pt>
                 <c:pt idx="20">
                   <c:v>16.72</c:v>
@@ -5203,49 +5204,49 @@
                     <c:v>7.5043720590066698</c:v>
                   </c:pt>
                   <c:pt idx="1">
-                    <c:v>8.3857021172946506</c:v>
+                    <c:v>8.3857021172946524</c:v>
                   </c:pt>
                   <c:pt idx="2">
-                    <c:v>4.7369188297879878</c:v>
+                    <c:v>4.736918829787987</c:v>
                   </c:pt>
                   <c:pt idx="3">
-                    <c:v>5.4890436325465659</c:v>
+                    <c:v>5.4890436325465677</c:v>
                   </c:pt>
                   <c:pt idx="4">
-                    <c:v>5.539711183807329</c:v>
+                    <c:v>5.5397111838073307</c:v>
                   </c:pt>
                   <c:pt idx="5">
-                    <c:v>4.6151489683432754</c:v>
+                    <c:v>4.6151489683432745</c:v>
                   </c:pt>
                   <c:pt idx="6">
-                    <c:v>4.3660508471615396</c:v>
+                    <c:v>4.3660508471615387</c:v>
                   </c:pt>
                   <c:pt idx="7">
-                    <c:v>4.3055313260966992</c:v>
+                    <c:v>4.3055313260966974</c:v>
                   </c:pt>
                   <c:pt idx="8">
-                    <c:v>4.1916583830269376</c:v>
+                    <c:v>4.1916583830269385</c:v>
                   </c:pt>
                   <c:pt idx="9">
-                    <c:v>3.3047844105175761</c:v>
+                    <c:v>3.3047844105175765</c:v>
                   </c:pt>
                   <c:pt idx="10">
-                    <c:v>2.964860873633028</c:v>
+                    <c:v>2.9648608736330275</c:v>
                   </c:pt>
                   <c:pt idx="11">
-                    <c:v>2.6505848411246902</c:v>
+                    <c:v>2.6505848411246906</c:v>
                   </c:pt>
                   <c:pt idx="12">
-                    <c:v>4.6953594111633246</c:v>
+                    <c:v>4.6953594111633263</c:v>
                   </c:pt>
                   <c:pt idx="13">
-                    <c:v>4.6292980029373787</c:v>
+                    <c:v>4.6292980029373796</c:v>
                   </c:pt>
                   <c:pt idx="14">
-                    <c:v>7.7673418876730276</c:v>
+                    <c:v>7.7673418876730285</c:v>
                   </c:pt>
                   <c:pt idx="15">
-                    <c:v>4.78785964706569</c:v>
+                    <c:v>4.7878596470656891</c:v>
                   </c:pt>
                   <c:pt idx="16">
                     <c:v>4.9769066698100737</c:v>
@@ -5254,10 +5255,10 @@
                     <c:v>4.3633015023030426</c:v>
                   </c:pt>
                   <c:pt idx="18">
-                    <c:v>5.3043755523152756</c:v>
+                    <c:v>5.3043755523152747</c:v>
                   </c:pt>
                   <c:pt idx="19">
-                    <c:v>4.3772137256478576</c:v>
+                    <c:v>4.3772137256478585</c:v>
                   </c:pt>
                   <c:pt idx="20">
                     <c:v>5.676935793189843</c:v>
@@ -5275,49 +5276,49 @@
                     <c:v>7.5043720590066698</c:v>
                   </c:pt>
                   <c:pt idx="1">
-                    <c:v>8.3857021172946506</c:v>
+                    <c:v>8.3857021172946524</c:v>
                   </c:pt>
                   <c:pt idx="2">
-                    <c:v>4.7369188297879878</c:v>
+                    <c:v>4.736918829787987</c:v>
                   </c:pt>
                   <c:pt idx="3">
-                    <c:v>5.4890436325465659</c:v>
+                    <c:v>5.4890436325465677</c:v>
                   </c:pt>
                   <c:pt idx="4">
-                    <c:v>5.539711183807329</c:v>
+                    <c:v>5.5397111838073307</c:v>
                   </c:pt>
                   <c:pt idx="5">
-                    <c:v>4.6151489683432754</c:v>
+                    <c:v>4.6151489683432745</c:v>
                   </c:pt>
                   <c:pt idx="6">
-                    <c:v>4.3660508471615396</c:v>
+                    <c:v>4.3660508471615387</c:v>
                   </c:pt>
                   <c:pt idx="7">
-                    <c:v>4.3055313260966992</c:v>
+                    <c:v>4.3055313260966974</c:v>
                   </c:pt>
                   <c:pt idx="8">
-                    <c:v>4.1916583830269376</c:v>
+                    <c:v>4.1916583830269385</c:v>
                   </c:pt>
                   <c:pt idx="9">
-                    <c:v>3.3047844105175761</c:v>
+                    <c:v>3.3047844105175765</c:v>
                   </c:pt>
                   <c:pt idx="10">
-                    <c:v>2.964860873633028</c:v>
+                    <c:v>2.9648608736330275</c:v>
                   </c:pt>
                   <c:pt idx="11">
-                    <c:v>2.6505848411246902</c:v>
+                    <c:v>2.6505848411246906</c:v>
                   </c:pt>
                   <c:pt idx="12">
-                    <c:v>4.6953594111633246</c:v>
+                    <c:v>4.6953594111633263</c:v>
                   </c:pt>
                   <c:pt idx="13">
-                    <c:v>4.6292980029373787</c:v>
+                    <c:v>4.6292980029373796</c:v>
                   </c:pt>
                   <c:pt idx="14">
-                    <c:v>7.7673418876730276</c:v>
+                    <c:v>7.7673418876730285</c:v>
                   </c:pt>
                   <c:pt idx="15">
-                    <c:v>4.78785964706569</c:v>
+                    <c:v>4.7878596470656891</c:v>
                   </c:pt>
                   <c:pt idx="16">
                     <c:v>4.9769066698100737</c:v>
@@ -5326,10 +5327,10 @@
                     <c:v>4.3633015023030426</c:v>
                   </c:pt>
                   <c:pt idx="18">
-                    <c:v>5.3043755523152756</c:v>
+                    <c:v>5.3043755523152747</c:v>
                   </c:pt>
                   <c:pt idx="19">
-                    <c:v>4.3772137256478576</c:v>
+                    <c:v>4.3772137256478585</c:v>
                   </c:pt>
                   <c:pt idx="20">
                     <c:v>5.676935793189843</c:v>
@@ -5354,7 +5355,7 @@
                   <c:v>0.1</c:v>
                 </c:pt>
                 <c:pt idx="3">
-                  <c:v>0.15</c:v>
+                  <c:v>0.15000000000000002</c:v>
                 </c:pt>
                 <c:pt idx="4">
                   <c:v>0.2</c:v>
@@ -5363,10 +5364,10 @@
                   <c:v>0.25</c:v>
                 </c:pt>
                 <c:pt idx="6">
-                  <c:v>0.3</c:v>
+                  <c:v>0.30000000000000004</c:v>
                 </c:pt>
                 <c:pt idx="7">
-                  <c:v>0.35</c:v>
+                  <c:v>0.35000000000000003</c:v>
                 </c:pt>
                 <c:pt idx="8">
                   <c:v>0.4</c:v>
@@ -5381,28 +5382,28 @@
                   <c:v>0.55000000000000004</c:v>
                 </c:pt>
                 <c:pt idx="12">
-                  <c:v>0.60000000000000009</c:v>
+                  <c:v>0.6000000000000002</c:v>
                 </c:pt>
                 <c:pt idx="13">
-                  <c:v>0.65</c:v>
+                  <c:v>0.65000000000000013</c:v>
                 </c:pt>
                 <c:pt idx="14">
-                  <c:v>0.70000000000000007</c:v>
+                  <c:v>0.70000000000000018</c:v>
                 </c:pt>
                 <c:pt idx="15">
-                  <c:v>0.75</c:v>
+                  <c:v>0.75000000000000011</c:v>
                 </c:pt>
                 <c:pt idx="16">
                   <c:v>0.8</c:v>
                 </c:pt>
                 <c:pt idx="17">
-                  <c:v>0.85000000000000009</c:v>
+                  <c:v>0.8500000000000002</c:v>
                 </c:pt>
                 <c:pt idx="18">
                   <c:v>0.9</c:v>
                 </c:pt>
                 <c:pt idx="19">
-                  <c:v>0.95000000000000007</c:v>
+                  <c:v>0.95000000000000018</c:v>
                 </c:pt>
                 <c:pt idx="20">
                   <c:v>1</c:v>
@@ -5429,13 +5430,13 @@
                   <c:v>20.52</c:v>
                 </c:pt>
                 <c:pt idx="4">
-                  <c:v>19.46</c:v>
+                  <c:v>19.459999999999997</c:v>
                 </c:pt>
                 <c:pt idx="5">
-                  <c:v>17.98</c:v>
+                  <c:v>17.979999999999997</c:v>
                 </c:pt>
                 <c:pt idx="6">
-                  <c:v>16.239999999999998</c:v>
+                  <c:v>16.239999999999995</c:v>
                 </c:pt>
                 <c:pt idx="7">
                   <c:v>15.32</c:v>
@@ -5447,7 +5448,7 @@
                   <c:v>14.28</c:v>
                 </c:pt>
                 <c:pt idx="10">
-                  <c:v>12.36</c:v>
+                  <c:v>12.360000000000001</c:v>
                 </c:pt>
                 <c:pt idx="11">
                   <c:v>11.88</c:v>
@@ -5456,10 +5457,10 @@
                   <c:v>12.44</c:v>
                 </c:pt>
                 <c:pt idx="13">
-                  <c:v>12.36</c:v>
+                  <c:v>12.360000000000001</c:v>
                 </c:pt>
                 <c:pt idx="14">
-                  <c:v>15.22</c:v>
+                  <c:v>15.219999999999999</c:v>
                 </c:pt>
                 <c:pt idx="15">
                   <c:v>12.42</c:v>
@@ -5484,11 +5485,11 @@
           </c:yVal>
           <c:smooth val="1"/>
         </c:ser>
-        <c:axId val="67333504"/>
-        <c:axId val="67352832"/>
+        <c:axId val="65977728"/>
+        <c:axId val="65877504"/>
       </c:scatterChart>
       <c:valAx>
-        <c:axId val="67333504"/>
+        <c:axId val="65977728"/>
         <c:scaling>
           <c:orientation val="minMax"/>
         </c:scaling>
@@ -5515,12 +5516,12 @@
         </c:title>
         <c:numFmt formatCode="General" sourceLinked="1"/>
         <c:tickLblPos val="nextTo"/>
-        <c:crossAx val="67352832"/>
+        <c:crossAx val="65877504"/>
         <c:crosses val="autoZero"/>
         <c:crossBetween val="midCat"/>
       </c:valAx>
       <c:valAx>
-        <c:axId val="67352832"/>
+        <c:axId val="65877504"/>
         <c:scaling>
           <c:orientation val="minMax"/>
         </c:scaling>
@@ -5547,7 +5548,7 @@
         </c:title>
         <c:numFmt formatCode="General" sourceLinked="1"/>
         <c:tickLblPos val="nextTo"/>
-        <c:crossAx val="67333504"/>
+        <c:crossAx val="65977728"/>
         <c:crosses val="autoZero"/>
         <c:crossBetween val="midCat"/>
       </c:valAx>
@@ -5591,10 +5592,10 @@
           <c:layoutTarget val="inner"/>
           <c:xMode val="edge"/>
           <c:yMode val="edge"/>
-          <c:x val="0.1086690726159231"/>
-          <c:y val="0.12147007874015757"/>
+          <c:x val="0.10866907261592311"/>
+          <c:y val="0.12147007874015758"/>
           <c:w val="0.74166426071741032"/>
-          <c:h val="0.73887296587926443"/>
+          <c:h val="0.73887296587926432"/>
         </c:manualLayout>
       </c:layout>
       <c:scatterChart>
@@ -5627,31 +5628,31 @@
                     <c:v>49.096900105811159</c:v>
                   </c:pt>
                   <c:pt idx="1">
-                    <c:v>65.355336430929484</c:v>
+                    <c:v>65.355336430929455</c:v>
                   </c:pt>
                   <c:pt idx="2">
                     <c:v>59.327754044797594</c:v>
                   </c:pt>
                   <c:pt idx="3">
-                    <c:v>62.880508903793043</c:v>
+                    <c:v>62.880508903793036</c:v>
                   </c:pt>
                   <c:pt idx="4">
                     <c:v>70.788993494751708</c:v>
                   </c:pt>
                   <c:pt idx="5">
-                    <c:v>67.947320771315361</c:v>
+                    <c:v>67.94732077131539</c:v>
                   </c:pt>
                   <c:pt idx="6">
-                    <c:v>65.771775101482419</c:v>
+                    <c:v>65.771775101482405</c:v>
                   </c:pt>
                   <c:pt idx="7">
-                    <c:v>63.016493079193104</c:v>
+                    <c:v>63.016493079193097</c:v>
                   </c:pt>
                   <c:pt idx="8">
                     <c:v>61.079702029397595</c:v>
                   </c:pt>
                   <c:pt idx="9">
-                    <c:v>53.414863100077262</c:v>
+                    <c:v>53.414863100077248</c:v>
                   </c:pt>
                   <c:pt idx="10">
                     <c:v>61.284725666351811</c:v>
@@ -5672,16 +5673,16 @@
                     <c:v>66.979985070168539</c:v>
                   </c:pt>
                   <c:pt idx="16">
-                    <c:v>52.316960920909807</c:v>
+                    <c:v>52.316960920909814</c:v>
                   </c:pt>
                   <c:pt idx="17">
-                    <c:v>51.778377726614835</c:v>
+                    <c:v>51.778377726614842</c:v>
                   </c:pt>
                   <c:pt idx="18">
-                    <c:v>48.580094689080177</c:v>
+                    <c:v>48.58009468908017</c:v>
                   </c:pt>
                   <c:pt idx="19">
-                    <c:v>47.496631459504535</c:v>
+                    <c:v>47.496631459504528</c:v>
                   </c:pt>
                   <c:pt idx="20">
                     <c:v>66.121793684079691</c:v>
@@ -5699,31 +5700,31 @@
                     <c:v>49.096900105811159</c:v>
                   </c:pt>
                   <c:pt idx="1">
-                    <c:v>65.355336430929484</c:v>
+                    <c:v>65.355336430929455</c:v>
                   </c:pt>
                   <c:pt idx="2">
                     <c:v>59.327754044797594</c:v>
                   </c:pt>
                   <c:pt idx="3">
-                    <c:v>62.880508903793043</c:v>
+                    <c:v>62.880508903793036</c:v>
                   </c:pt>
                   <c:pt idx="4">
                     <c:v>70.788993494751708</c:v>
                   </c:pt>
                   <c:pt idx="5">
-                    <c:v>67.947320771315361</c:v>
+                    <c:v>67.94732077131539</c:v>
                   </c:pt>
                   <c:pt idx="6">
-                    <c:v>65.771775101482419</c:v>
+                    <c:v>65.771775101482405</c:v>
                   </c:pt>
                   <c:pt idx="7">
-                    <c:v>63.016493079193104</c:v>
+                    <c:v>63.016493079193097</c:v>
                   </c:pt>
                   <c:pt idx="8">
                     <c:v>61.079702029397595</c:v>
                   </c:pt>
                   <c:pt idx="9">
-                    <c:v>53.414863100077262</c:v>
+                    <c:v>53.414863100077248</c:v>
                   </c:pt>
                   <c:pt idx="10">
                     <c:v>61.284725666351811</c:v>
@@ -5744,16 +5745,16 @@
                     <c:v>66.979985070168539</c:v>
                   </c:pt>
                   <c:pt idx="16">
-                    <c:v>52.316960920909807</c:v>
+                    <c:v>52.316960920909814</c:v>
                   </c:pt>
                   <c:pt idx="17">
-                    <c:v>51.778377726614835</c:v>
+                    <c:v>51.778377726614842</c:v>
                   </c:pt>
                   <c:pt idx="18">
-                    <c:v>48.580094689080177</c:v>
+                    <c:v>48.58009468908017</c:v>
                   </c:pt>
                   <c:pt idx="19">
-                    <c:v>47.496631459504535</c:v>
+                    <c:v>47.496631459504528</c:v>
                   </c:pt>
                   <c:pt idx="20">
                     <c:v>66.121793684079691</c:v>
@@ -5778,7 +5779,7 @@
                   <c:v>0.1</c:v>
                 </c:pt>
                 <c:pt idx="3">
-                  <c:v>0.15000000000000013</c:v>
+                  <c:v>0.15000000000000016</c:v>
                 </c:pt>
                 <c:pt idx="4">
                   <c:v>0.2</c:v>
@@ -5787,10 +5788,10 @@
                   <c:v>0.25</c:v>
                 </c:pt>
                 <c:pt idx="6">
-                  <c:v>0.30000000000000027</c:v>
+                  <c:v>0.30000000000000032</c:v>
                 </c:pt>
                 <c:pt idx="7">
-                  <c:v>0.35000000000000026</c:v>
+                  <c:v>0.35000000000000031</c:v>
                 </c:pt>
                 <c:pt idx="8">
                   <c:v>0.4</c:v>
@@ -5808,13 +5809,13 @@
                   <c:v>0.60000000000000064</c:v>
                 </c:pt>
                 <c:pt idx="13">
-                  <c:v>0.6500000000000008</c:v>
+                  <c:v>0.65000000000000091</c:v>
                 </c:pt>
                 <c:pt idx="14">
                   <c:v>0.70000000000000062</c:v>
                 </c:pt>
                 <c:pt idx="15">
-                  <c:v>0.75000000000000056</c:v>
+                  <c:v>0.75000000000000078</c:v>
                 </c:pt>
                 <c:pt idx="16">
                   <c:v>0.8</c:v>
@@ -5889,13 +5890,13 @@
                   <c:v>79.040000000000006</c:v>
                 </c:pt>
                 <c:pt idx="16">
-                  <c:v>61.339999999999996</c:v>
+                  <c:v>61.34</c:v>
                 </c:pt>
                 <c:pt idx="17">
                   <c:v>54.86</c:v>
                 </c:pt>
                 <c:pt idx="18">
-                  <c:v>57.879999999999995</c:v>
+                  <c:v>57.88</c:v>
                 </c:pt>
                 <c:pt idx="19">
                   <c:v>49.7</c:v>
@@ -5939,10 +5940,10 @@
                     <c:v>56.981386434519095</c:v>
                   </c:pt>
                   <c:pt idx="2">
-                    <c:v>53.450047708117097</c:v>
+                    <c:v>53.45004770811709</c:v>
                   </c:pt>
                   <c:pt idx="3">
-                    <c:v>68.186711315328765</c:v>
+                    <c:v>68.186711315328736</c:v>
                   </c:pt>
                   <c:pt idx="4">
                     <c:v>67.388797288570089</c:v>
@@ -5963,22 +5964,22 @@
                     <c:v>52.777271623303896</c:v>
                   </c:pt>
                   <c:pt idx="10">
-                    <c:v>67.508189132874719</c:v>
+                    <c:v>67.508189132874705</c:v>
                   </c:pt>
                   <c:pt idx="11">
-                    <c:v>62.057341225676055</c:v>
+                    <c:v>62.057341225676048</c:v>
                   </c:pt>
                   <c:pt idx="12">
                     <c:v>63.602732645696918</c:v>
                   </c:pt>
                   <c:pt idx="13">
-                    <c:v>57.453288852771486</c:v>
+                    <c:v>57.453288852771479</c:v>
                   </c:pt>
                   <c:pt idx="14">
                     <c:v>62.973962873555962</c:v>
                   </c:pt>
                   <c:pt idx="15">
-                    <c:v>63.058068476603303</c:v>
+                    <c:v>63.058068476603289</c:v>
                   </c:pt>
                   <c:pt idx="16">
                     <c:v>52.148035437588639</c:v>
@@ -5993,7 +5994,7 @@
                     <c:v>45.648837882250604</c:v>
                   </c:pt>
                   <c:pt idx="20">
-                    <c:v>60.325039577276655</c:v>
+                    <c:v>60.325039577276648</c:v>
                   </c:pt>
                 </c:numCache>
               </c:numRef>
@@ -6011,10 +6012,10 @@
                     <c:v>56.981386434519095</c:v>
                   </c:pt>
                   <c:pt idx="2">
-                    <c:v>53.450047708117097</c:v>
+                    <c:v>53.45004770811709</c:v>
                   </c:pt>
                   <c:pt idx="3">
-                    <c:v>68.186711315328765</c:v>
+                    <c:v>68.186711315328736</c:v>
                   </c:pt>
                   <c:pt idx="4">
                     <c:v>67.388797288570089</c:v>
@@ -6035,22 +6036,22 @@
                     <c:v>52.777271623303896</c:v>
                   </c:pt>
                   <c:pt idx="10">
-                    <c:v>67.508189132874719</c:v>
+                    <c:v>67.508189132874705</c:v>
                   </c:pt>
                   <c:pt idx="11">
-                    <c:v>62.057341225676055</c:v>
+                    <c:v>62.057341225676048</c:v>
                   </c:pt>
                   <c:pt idx="12">
                     <c:v>63.602732645696918</c:v>
                   </c:pt>
                   <c:pt idx="13">
-                    <c:v>57.453288852771486</c:v>
+                    <c:v>57.453288852771479</c:v>
                   </c:pt>
                   <c:pt idx="14">
                     <c:v>62.973962873555962</c:v>
                   </c:pt>
                   <c:pt idx="15">
-                    <c:v>63.058068476603303</c:v>
+                    <c:v>63.058068476603289</c:v>
                   </c:pt>
                   <c:pt idx="16">
                     <c:v>52.148035437588639</c:v>
@@ -6065,7 +6066,7 @@
                     <c:v>45.648837882250604</c:v>
                   </c:pt>
                   <c:pt idx="20">
-                    <c:v>60.325039577276655</c:v>
+                    <c:v>60.325039577276648</c:v>
                   </c:pt>
                 </c:numCache>
               </c:numRef>
@@ -6087,7 +6088,7 @@
                   <c:v>0.1</c:v>
                 </c:pt>
                 <c:pt idx="3">
-                  <c:v>0.15000000000000013</c:v>
+                  <c:v>0.15000000000000016</c:v>
                 </c:pt>
                 <c:pt idx="4">
                   <c:v>0.2</c:v>
@@ -6096,10 +6097,10 @@
                   <c:v>0.25</c:v>
                 </c:pt>
                 <c:pt idx="6">
-                  <c:v>0.30000000000000027</c:v>
+                  <c:v>0.30000000000000032</c:v>
                 </c:pt>
                 <c:pt idx="7">
-                  <c:v>0.35000000000000026</c:v>
+                  <c:v>0.35000000000000031</c:v>
                 </c:pt>
                 <c:pt idx="8">
                   <c:v>0.4</c:v>
@@ -6117,13 +6118,13 @@
                   <c:v>0.60000000000000064</c:v>
                 </c:pt>
                 <c:pt idx="13">
-                  <c:v>0.6500000000000008</c:v>
+                  <c:v>0.65000000000000091</c:v>
                 </c:pt>
                 <c:pt idx="14">
                   <c:v>0.70000000000000062</c:v>
                 </c:pt>
                 <c:pt idx="15">
-                  <c:v>0.75000000000000056</c:v>
+                  <c:v>0.75000000000000078</c:v>
                 </c:pt>
                 <c:pt idx="16">
                   <c:v>0.8</c:v>
@@ -6174,13 +6175,13 @@
                   <c:v>60.02</c:v>
                 </c:pt>
                 <c:pt idx="8">
-                  <c:v>62.379999999999995</c:v>
+                  <c:v>62.38</c:v>
                 </c:pt>
                 <c:pt idx="9">
                   <c:v>51.86</c:v>
                 </c:pt>
                 <c:pt idx="10">
-                  <c:v>62.379999999999995</c:v>
+                  <c:v>62.38</c:v>
                 </c:pt>
                 <c:pt idx="11">
                   <c:v>59.92</c:v>
@@ -6245,10 +6246,10 @@
                     <c:v>67.440370698862566</c:v>
                   </c:pt>
                   <c:pt idx="1">
-                    <c:v>58.266371090020769</c:v>
+                    <c:v>58.266371090020776</c:v>
                   </c:pt>
                   <c:pt idx="2">
-                    <c:v>60.081611163483224</c:v>
+                    <c:v>60.081611163483217</c:v>
                   </c:pt>
                   <c:pt idx="3">
                     <c:v>58.652413420080173</c:v>
@@ -6275,10 +6276,10 @@
                     <c:v>64.864400097433958</c:v>
                   </c:pt>
                   <c:pt idx="11">
-                    <c:v>65.770878054044445</c:v>
+                    <c:v>65.770878054044417</c:v>
                   </c:pt>
                   <c:pt idx="12">
-                    <c:v>67.043377003250583</c:v>
+                    <c:v>67.043377003250569</c:v>
                   </c:pt>
                   <c:pt idx="13">
                     <c:v>61.907983330100492</c:v>
@@ -6302,7 +6303,7 @@
                     <c:v>63.304900284259197</c:v>
                   </c:pt>
                   <c:pt idx="20">
-                    <c:v>28.675536612241434</c:v>
+                    <c:v>28.67553661224143</c:v>
                   </c:pt>
                 </c:numCache>
               </c:numRef>
@@ -6317,10 +6318,10 @@
                     <c:v>67.440370698862566</c:v>
                   </c:pt>
                   <c:pt idx="1">
-                    <c:v>58.266371090020769</c:v>
+                    <c:v>58.266371090020776</c:v>
                   </c:pt>
                   <c:pt idx="2">
-                    <c:v>60.081611163483224</c:v>
+                    <c:v>60.081611163483217</c:v>
                   </c:pt>
                   <c:pt idx="3">
                     <c:v>58.652413420080173</c:v>
@@ -6347,10 +6348,10 @@
                     <c:v>64.864400097433958</c:v>
                   </c:pt>
                   <c:pt idx="11">
-                    <c:v>65.770878054044445</c:v>
+                    <c:v>65.770878054044417</c:v>
                   </c:pt>
                   <c:pt idx="12">
-                    <c:v>67.043377003250583</c:v>
+                    <c:v>67.043377003250569</c:v>
                   </c:pt>
                   <c:pt idx="13">
                     <c:v>61.907983330100492</c:v>
@@ -6374,7 +6375,7 @@
                     <c:v>63.304900284259197</c:v>
                   </c:pt>
                   <c:pt idx="20">
-                    <c:v>28.675536612241434</c:v>
+                    <c:v>28.67553661224143</c:v>
                   </c:pt>
                 </c:numCache>
               </c:numRef>
@@ -6396,7 +6397,7 @@
                   <c:v>0.1</c:v>
                 </c:pt>
                 <c:pt idx="3">
-                  <c:v>0.15000000000000013</c:v>
+                  <c:v>0.15000000000000016</c:v>
                 </c:pt>
                 <c:pt idx="4">
                   <c:v>0.2</c:v>
@@ -6405,10 +6406,10 @@
                   <c:v>0.25</c:v>
                 </c:pt>
                 <c:pt idx="6">
-                  <c:v>0.30000000000000027</c:v>
+                  <c:v>0.30000000000000032</c:v>
                 </c:pt>
                 <c:pt idx="7">
-                  <c:v>0.35000000000000026</c:v>
+                  <c:v>0.35000000000000031</c:v>
                 </c:pt>
                 <c:pt idx="8">
                   <c:v>0.4</c:v>
@@ -6426,13 +6427,13 @@
                   <c:v>0.60000000000000064</c:v>
                 </c:pt>
                 <c:pt idx="13">
-                  <c:v>0.6500000000000008</c:v>
+                  <c:v>0.65000000000000091</c:v>
                 </c:pt>
                 <c:pt idx="14">
                   <c:v>0.70000000000000062</c:v>
                 </c:pt>
                 <c:pt idx="15">
-                  <c:v>0.75000000000000056</c:v>
+                  <c:v>0.75000000000000078</c:v>
                 </c:pt>
                 <c:pt idx="16">
                   <c:v>0.8</c:v>
@@ -6468,7 +6469,7 @@
                   <c:v>52.8</c:v>
                 </c:pt>
                 <c:pt idx="3">
-                  <c:v>57.879999999999995</c:v>
+                  <c:v>57.88</c:v>
                 </c:pt>
                 <c:pt idx="4">
                   <c:v>56.68</c:v>
@@ -6495,7 +6496,7 @@
                   <c:v>54.54</c:v>
                 </c:pt>
                 <c:pt idx="12">
-                  <c:v>63.839999999999996</c:v>
+                  <c:v>63.84</c:v>
                 </c:pt>
                 <c:pt idx="13">
                   <c:v>54.04</c:v>
@@ -6554,10 +6555,10 @@
                     <c:v>69.286293016728749</c:v>
                   </c:pt>
                   <c:pt idx="1">
-                    <c:v>66.815267716293633</c:v>
+                    <c:v>66.815267716293619</c:v>
                   </c:pt>
                   <c:pt idx="2">
-                    <c:v>60.13184181446627</c:v>
+                    <c:v>60.131841814466263</c:v>
                   </c:pt>
                   <c:pt idx="3">
                     <c:v>73.396228785953326</c:v>
@@ -6590,10 +6591,10 @@
                     <c:v>70.971588681668962</c:v>
                   </c:pt>
                   <c:pt idx="13">
-                    <c:v>60.231832115584908</c:v>
+                    <c:v>60.231832115584915</c:v>
                   </c:pt>
                   <c:pt idx="14">
-                    <c:v>63.172908750507958</c:v>
+                    <c:v>63.172908750507965</c:v>
                   </c:pt>
                   <c:pt idx="15">
                     <c:v>65.805680605856509</c:v>
@@ -6602,16 +6603,16 @@
                     <c:v>72.827360243249245</c:v>
                   </c:pt>
                   <c:pt idx="17">
-                    <c:v>59.939666332070985</c:v>
+                    <c:v>59.939666332070992</c:v>
                   </c:pt>
                   <c:pt idx="18">
                     <c:v>63.069869192824555</c:v>
                   </c:pt>
                   <c:pt idx="19">
-                    <c:v>56.316494919339519</c:v>
+                    <c:v>56.316494919339505</c:v>
                   </c:pt>
                   <c:pt idx="20">
-                    <c:v>37.087685287706968</c:v>
+                    <c:v>37.087685287706954</c:v>
                   </c:pt>
                 </c:numCache>
               </c:numRef>
@@ -6626,10 +6627,10 @@
                     <c:v>69.286293016728749</c:v>
                   </c:pt>
                   <c:pt idx="1">
-                    <c:v>66.815267716293633</c:v>
+                    <c:v>66.815267716293619</c:v>
                   </c:pt>
                   <c:pt idx="2">
-                    <c:v>60.13184181446627</c:v>
+                    <c:v>60.131841814466263</c:v>
                   </c:pt>
                   <c:pt idx="3">
                     <c:v>73.396228785953326</c:v>
@@ -6662,10 +6663,10 @@
                     <c:v>70.971588681668962</c:v>
                   </c:pt>
                   <c:pt idx="13">
-                    <c:v>60.231832115584908</c:v>
+                    <c:v>60.231832115584915</c:v>
                   </c:pt>
                   <c:pt idx="14">
-                    <c:v>63.172908750507958</c:v>
+                    <c:v>63.172908750507965</c:v>
                   </c:pt>
                   <c:pt idx="15">
                     <c:v>65.805680605856509</c:v>
@@ -6674,16 +6675,16 @@
                     <c:v>72.827360243249245</c:v>
                   </c:pt>
                   <c:pt idx="17">
-                    <c:v>59.939666332070985</c:v>
+                    <c:v>59.939666332070992</c:v>
                   </c:pt>
                   <c:pt idx="18">
                     <c:v>63.069869192824555</c:v>
                   </c:pt>
                   <c:pt idx="19">
-                    <c:v>56.316494919339519</c:v>
+                    <c:v>56.316494919339505</c:v>
                   </c:pt>
                   <c:pt idx="20">
-                    <c:v>37.087685287706968</c:v>
+                    <c:v>37.087685287706954</c:v>
                   </c:pt>
                 </c:numCache>
               </c:numRef>
@@ -6705,7 +6706,7 @@
                   <c:v>0.1</c:v>
                 </c:pt>
                 <c:pt idx="3">
-                  <c:v>0.15000000000000013</c:v>
+                  <c:v>0.15000000000000016</c:v>
                 </c:pt>
                 <c:pt idx="4">
                   <c:v>0.2</c:v>
@@ -6714,10 +6715,10 @@
                   <c:v>0.25</c:v>
                 </c:pt>
                 <c:pt idx="6">
-                  <c:v>0.30000000000000027</c:v>
+                  <c:v>0.30000000000000032</c:v>
                 </c:pt>
                 <c:pt idx="7">
-                  <c:v>0.35000000000000026</c:v>
+                  <c:v>0.35000000000000031</c:v>
                 </c:pt>
                 <c:pt idx="8">
                   <c:v>0.4</c:v>
@@ -6735,13 +6736,13 @@
                   <c:v>0.60000000000000064</c:v>
                 </c:pt>
                 <c:pt idx="13">
-                  <c:v>0.6500000000000008</c:v>
+                  <c:v>0.65000000000000091</c:v>
                 </c:pt>
                 <c:pt idx="14">
                   <c:v>0.70000000000000062</c:v>
                 </c:pt>
                 <c:pt idx="15">
-                  <c:v>0.75000000000000056</c:v>
+                  <c:v>0.75000000000000078</c:v>
                 </c:pt>
                 <c:pt idx="16">
                   <c:v>0.8</c:v>
@@ -6783,7 +6784,7 @@
                   <c:v>61.9</c:v>
                 </c:pt>
                 <c:pt idx="5">
-                  <c:v>59.839999999999996</c:v>
+                  <c:v>59.84</c:v>
                 </c:pt>
                 <c:pt idx="6">
                   <c:v>58.8</c:v>
@@ -6835,11 +6836,11 @@
           </c:yVal>
           <c:smooth val="1"/>
         </c:ser>
-        <c:axId val="65756544"/>
-        <c:axId val="65775104"/>
+        <c:axId val="63602048"/>
+        <c:axId val="63620608"/>
       </c:scatterChart>
       <c:valAx>
-        <c:axId val="65756544"/>
+        <c:axId val="63602048"/>
         <c:scaling>
           <c:orientation val="minMax"/>
           <c:max val="1.2"/>
@@ -6868,7 +6869,7 @@
             <c:manualLayout>
               <c:xMode val="edge"/>
               <c:yMode val="edge"/>
-              <c:x val="0.42388320209973784"/>
+              <c:x val="0.4238832020997379"/>
               <c:y val="0.90312493438320263"/>
             </c:manualLayout>
           </c:layout>
@@ -6885,12 +6886,12 @@
             <a:endParaRPr lang="en-US"/>
           </a:p>
         </c:txPr>
-        <c:crossAx val="65775104"/>
+        <c:crossAx val="63620608"/>
         <c:crosses val="autoZero"/>
         <c:crossBetween val="midCat"/>
       </c:valAx>
       <c:valAx>
-        <c:axId val="65775104"/>
+        <c:axId val="63620608"/>
         <c:scaling>
           <c:orientation val="minMax"/>
         </c:scaling>
@@ -6917,8 +6918,8 @@
             <c:manualLayout>
               <c:xMode val="edge"/>
               <c:yMode val="edge"/>
-              <c:x val="3.9653980752405983E-2"/>
-              <c:y val="0.38466482939632574"/>
+              <c:x val="3.965398075240599E-2"/>
+              <c:y val="0.38466482939632585"/>
             </c:manualLayout>
           </c:layout>
         </c:title>
@@ -6934,7 +6935,7 @@
             <a:endParaRPr lang="en-US"/>
           </a:p>
         </c:txPr>
-        <c:crossAx val="65756544"/>
+        <c:crossAx val="63602048"/>
         <c:crosses val="autoZero"/>
         <c:crossBetween val="midCat"/>
       </c:valAx>
@@ -6994,9 +6995,9 @@
           <c:xMode val="edge"/>
           <c:yMode val="edge"/>
           <c:x val="9.9970581802274694E-2"/>
-          <c:y val="0.14147034120734925"/>
-          <c:w val="0.75772779965004444"/>
-          <c:h val="0.73942834645669342"/>
+          <c:y val="0.14147034120734928"/>
+          <c:w val="0.75772779965004455"/>
+          <c:h val="0.73942834645669353"/>
         </c:manualLayout>
       </c:layout>
       <c:scatterChart>
@@ -7029,10 +7030,10 @@
                     <c:v>61.034953919864627</c:v>
                   </c:pt>
                   <c:pt idx="1">
-                    <c:v>58.084521173889314</c:v>
+                    <c:v>58.084521173889307</c:v>
                   </c:pt>
                   <c:pt idx="2">
-                    <c:v>55.824729287296996</c:v>
+                    <c:v>55.824729287296989</c:v>
                   </c:pt>
                   <c:pt idx="3">
                     <c:v>61.585611956040495</c:v>
@@ -7041,7 +7042,7 @@
                     <c:v>59.471418345285862</c:v>
                   </c:pt>
                   <c:pt idx="5">
-                    <c:v>53.914840257576508</c:v>
+                    <c:v>53.914840257576493</c:v>
                   </c:pt>
                   <c:pt idx="6">
                     <c:v>53.376178207136554</c:v>
@@ -7056,13 +7057,13 @@
                     <c:v>58.057175267145055</c:v>
                   </c:pt>
                   <c:pt idx="10">
-                    <c:v>57.831133483617542</c:v>
+                    <c:v>57.831133483617528</c:v>
                   </c:pt>
                   <c:pt idx="11">
                     <c:v>55.616903905197738</c:v>
                   </c:pt>
                   <c:pt idx="12">
-                    <c:v>65.57275043796767</c:v>
+                    <c:v>65.572750437967656</c:v>
                   </c:pt>
                   <c:pt idx="13">
                     <c:v>63.120269327689023</c:v>
@@ -7074,19 +7075,19 @@
                     <c:v>55.450157799595104</c:v>
                   </c:pt>
                   <c:pt idx="16">
-                    <c:v>54.426522946078478</c:v>
+                    <c:v>54.426522946078492</c:v>
                   </c:pt>
                   <c:pt idx="17">
                     <c:v>56.138617724343739</c:v>
                   </c:pt>
                   <c:pt idx="18">
-                    <c:v>54.108369038439925</c:v>
+                    <c:v>54.108369038439939</c:v>
                   </c:pt>
                   <c:pt idx="19">
-                    <c:v>58.340809044784386</c:v>
+                    <c:v>58.340809044784379</c:v>
                   </c:pt>
                   <c:pt idx="20">
-                    <c:v>54.991693918263657</c:v>
+                    <c:v>54.99169391826365</c:v>
                   </c:pt>
                 </c:numCache>
               </c:numRef>
@@ -7101,10 +7102,10 @@
                     <c:v>61.034953919864627</c:v>
                   </c:pt>
                   <c:pt idx="1">
-                    <c:v>58.084521173889314</c:v>
+                    <c:v>58.084521173889307</c:v>
                   </c:pt>
                   <c:pt idx="2">
-                    <c:v>55.824729287296996</c:v>
+                    <c:v>55.824729287296989</c:v>
                   </c:pt>
                   <c:pt idx="3">
                     <c:v>61.585611956040495</c:v>
@@ -7113,7 +7114,7 @@
                     <c:v>59.471418345285862</c:v>
                   </c:pt>
                   <c:pt idx="5">
-                    <c:v>53.914840257576508</c:v>
+                    <c:v>53.914840257576493</c:v>
                   </c:pt>
                   <c:pt idx="6">
                     <c:v>53.376178207136554</c:v>
@@ -7128,13 +7129,13 @@
                     <c:v>58.057175267145055</c:v>
                   </c:pt>
                   <c:pt idx="10">
-                    <c:v>57.831133483617542</c:v>
+                    <c:v>57.831133483617528</c:v>
                   </c:pt>
                   <c:pt idx="11">
                     <c:v>55.616903905197738</c:v>
                   </c:pt>
                   <c:pt idx="12">
-                    <c:v>65.57275043796767</c:v>
+                    <c:v>65.572750437967656</c:v>
                   </c:pt>
                   <c:pt idx="13">
                     <c:v>63.120269327689023</c:v>
@@ -7146,19 +7147,19 @@
                     <c:v>55.450157799595104</c:v>
                   </c:pt>
                   <c:pt idx="16">
-                    <c:v>54.426522946078478</c:v>
+                    <c:v>54.426522946078492</c:v>
                   </c:pt>
                   <c:pt idx="17">
                     <c:v>56.138617724343739</c:v>
                   </c:pt>
                   <c:pt idx="18">
-                    <c:v>54.108369038439925</c:v>
+                    <c:v>54.108369038439939</c:v>
                   </c:pt>
                   <c:pt idx="19">
-                    <c:v>58.340809044784386</c:v>
+                    <c:v>58.340809044784379</c:v>
                   </c:pt>
                   <c:pt idx="20">
-                    <c:v>54.991693918263657</c:v>
+                    <c:v>54.99169391826365</c:v>
                   </c:pt>
                 </c:numCache>
               </c:numRef>
@@ -7180,7 +7181,7 @@
                   <c:v>0.1</c:v>
                 </c:pt>
                 <c:pt idx="3">
-                  <c:v>0.15000000000000013</c:v>
+                  <c:v>0.15000000000000016</c:v>
                 </c:pt>
                 <c:pt idx="4">
                   <c:v>0.2</c:v>
@@ -7189,10 +7190,10 @@
                   <c:v>0.25</c:v>
                 </c:pt>
                 <c:pt idx="6">
-                  <c:v>0.30000000000000027</c:v>
+                  <c:v>0.30000000000000032</c:v>
                 </c:pt>
                 <c:pt idx="7">
-                  <c:v>0.35000000000000026</c:v>
+                  <c:v>0.35000000000000031</c:v>
                 </c:pt>
                 <c:pt idx="8">
                   <c:v>0.4</c:v>
@@ -7210,13 +7211,13 @@
                   <c:v>0.60000000000000064</c:v>
                 </c:pt>
                 <c:pt idx="13">
-                  <c:v>0.6500000000000008</c:v>
+                  <c:v>0.65000000000000091</c:v>
                 </c:pt>
                 <c:pt idx="14">
                   <c:v>0.70000000000000062</c:v>
                 </c:pt>
                 <c:pt idx="15">
-                  <c:v>0.75000000000000056</c:v>
+                  <c:v>0.75000000000000078</c:v>
                 </c:pt>
                 <c:pt idx="16">
                   <c:v>0.8</c:v>
@@ -7261,7 +7262,7 @@
                   <c:v>112.5</c:v>
                 </c:pt>
                 <c:pt idx="6">
-                  <c:v>118.94000000000007</c:v>
+                  <c:v>118.94000000000008</c:v>
                 </c:pt>
                 <c:pt idx="7">
                   <c:v>112.7</c:v>
@@ -7338,28 +7339,28 @@
                     <c:v>61.30060032332473</c:v>
                   </c:pt>
                   <c:pt idx="1">
-                    <c:v>54.702193740288017</c:v>
+                    <c:v>54.702193740288024</c:v>
                   </c:pt>
                   <c:pt idx="2">
-                    <c:v>58.44686133574659</c:v>
+                    <c:v>58.446861335746576</c:v>
                   </c:pt>
                   <c:pt idx="3">
-                    <c:v>58.246318338586946</c:v>
+                    <c:v>58.246318338586967</c:v>
                   </c:pt>
                   <c:pt idx="4">
-                    <c:v>53.263649893712625</c:v>
+                    <c:v>53.263649893712618</c:v>
                   </c:pt>
                   <c:pt idx="5">
                     <c:v>57.68517660543305</c:v>
                   </c:pt>
                   <c:pt idx="6">
-                    <c:v>58.812243623245585</c:v>
+                    <c:v>58.812243623245571</c:v>
                   </c:pt>
                   <c:pt idx="7">
-                    <c:v>52.938715511428917</c:v>
+                    <c:v>52.938715511428924</c:v>
                   </c:pt>
                   <c:pt idx="8">
-                    <c:v>53.870515126551417</c:v>
+                    <c:v>53.870515126551425</c:v>
                   </c:pt>
                   <c:pt idx="9">
                     <c:v>55.411872374067997</c:v>
@@ -7368,7 +7369,7 @@
                     <c:v>54.055512207359612</c:v>
                   </c:pt>
                   <c:pt idx="11">
-                    <c:v>57.772187079943542</c:v>
+                    <c:v>57.772187079943535</c:v>
                   </c:pt>
                   <c:pt idx="12">
                     <c:v>55.323051253523595</c:v>
@@ -7377,10 +7378,10 @@
                     <c:v>53.871732847570463</c:v>
                   </c:pt>
                   <c:pt idx="14">
-                    <c:v>57.861019693745419</c:v>
+                    <c:v>57.861019693745405</c:v>
                   </c:pt>
                   <c:pt idx="15">
-                    <c:v>52.452679626497584</c:v>
+                    <c:v>52.452679626497577</c:v>
                   </c:pt>
                   <c:pt idx="16">
                     <c:v>58.642049759536874</c:v>
@@ -7410,28 +7411,28 @@
                     <c:v>61.30060032332473</c:v>
                   </c:pt>
                   <c:pt idx="1">
-                    <c:v>54.702193740288017</c:v>
+                    <c:v>54.702193740288024</c:v>
                   </c:pt>
                   <c:pt idx="2">
-                    <c:v>58.44686133574659</c:v>
+                    <c:v>58.446861335746576</c:v>
                   </c:pt>
                   <c:pt idx="3">
-                    <c:v>58.246318338586946</c:v>
+                    <c:v>58.246318338586967</c:v>
                   </c:pt>
                   <c:pt idx="4">
-                    <c:v>53.263649893712625</c:v>
+                    <c:v>53.263649893712618</c:v>
                   </c:pt>
                   <c:pt idx="5">
                     <c:v>57.68517660543305</c:v>
                   </c:pt>
                   <c:pt idx="6">
-                    <c:v>58.812243623245585</c:v>
+                    <c:v>58.812243623245571</c:v>
                   </c:pt>
                   <c:pt idx="7">
-                    <c:v>52.938715511428917</c:v>
+                    <c:v>52.938715511428924</c:v>
                   </c:pt>
                   <c:pt idx="8">
-                    <c:v>53.870515126551417</c:v>
+                    <c:v>53.870515126551425</c:v>
                   </c:pt>
                   <c:pt idx="9">
                     <c:v>55.411872374067997</c:v>
@@ -7440,7 +7441,7 @@
                     <c:v>54.055512207359612</c:v>
                   </c:pt>
                   <c:pt idx="11">
-                    <c:v>57.772187079943542</c:v>
+                    <c:v>57.772187079943535</c:v>
                   </c:pt>
                   <c:pt idx="12">
                     <c:v>55.323051253523595</c:v>
@@ -7449,10 +7450,10 @@
                     <c:v>53.871732847570463</c:v>
                   </c:pt>
                   <c:pt idx="14">
-                    <c:v>57.861019693745419</c:v>
+                    <c:v>57.861019693745405</c:v>
                   </c:pt>
                   <c:pt idx="15">
-                    <c:v>52.452679626497584</c:v>
+                    <c:v>52.452679626497577</c:v>
                   </c:pt>
                   <c:pt idx="16">
                     <c:v>58.642049759536874</c:v>
@@ -7489,7 +7490,7 @@
                   <c:v>0.1</c:v>
                 </c:pt>
                 <c:pt idx="3">
-                  <c:v>0.15000000000000013</c:v>
+                  <c:v>0.15000000000000016</c:v>
                 </c:pt>
                 <c:pt idx="4">
                   <c:v>0.2</c:v>
@@ -7498,10 +7499,10 @@
                   <c:v>0.25</c:v>
                 </c:pt>
                 <c:pt idx="6">
-                  <c:v>0.30000000000000027</c:v>
+                  <c:v>0.30000000000000032</c:v>
                 </c:pt>
                 <c:pt idx="7">
-                  <c:v>0.35000000000000026</c:v>
+                  <c:v>0.35000000000000031</c:v>
                 </c:pt>
                 <c:pt idx="8">
                   <c:v>0.4</c:v>
@@ -7519,13 +7520,13 @@
                   <c:v>0.60000000000000064</c:v>
                 </c:pt>
                 <c:pt idx="13">
-                  <c:v>0.6500000000000008</c:v>
+                  <c:v>0.65000000000000091</c:v>
                 </c:pt>
                 <c:pt idx="14">
                   <c:v>0.70000000000000062</c:v>
                 </c:pt>
                 <c:pt idx="15">
-                  <c:v>0.75000000000000056</c:v>
+                  <c:v>0.75000000000000078</c:v>
                 </c:pt>
                 <c:pt idx="16">
                   <c:v>0.8</c:v>
@@ -7603,7 +7604,7 @@
                   <c:v>116.7</c:v>
                 </c:pt>
                 <c:pt idx="17">
-                  <c:v>104.94000000000007</c:v>
+                  <c:v>104.94000000000008</c:v>
                 </c:pt>
                 <c:pt idx="18">
                   <c:v>96.88</c:v>
@@ -7644,7 +7645,7 @@
                   <c:formatCode>General</c:formatCode>
                   <c:ptCount val="21"/>
                   <c:pt idx="0">
-                    <c:v>56.379886484454687</c:v>
+                    <c:v>56.379886484454673</c:v>
                   </c:pt>
                   <c:pt idx="1">
                     <c:v>56.196071037039587</c:v>
@@ -7653,13 +7654,13 @@
                     <c:v>58.237458735765593</c:v>
                   </c:pt>
                   <c:pt idx="3">
-                    <c:v>59.192959040750864</c:v>
+                    <c:v>59.192959040750878</c:v>
                   </c:pt>
                   <c:pt idx="4">
                     <c:v>53.158814885209772</c:v>
                   </c:pt>
                   <c:pt idx="5">
-                    <c:v>57.557220224746743</c:v>
+                    <c:v>57.557220224746736</c:v>
                   </c:pt>
                   <c:pt idx="6">
                     <c:v>50.720504729349862</c:v>
@@ -7668,19 +7669,19 @@
                     <c:v>59.755113588713073</c:v>
                   </c:pt>
                   <c:pt idx="8">
-                    <c:v>52.397362529043335</c:v>
+                    <c:v>52.397362529043328</c:v>
                   </c:pt>
                   <c:pt idx="9">
-                    <c:v>56.877763669117577</c:v>
+                    <c:v>56.877763669117563</c:v>
                   </c:pt>
                   <c:pt idx="10">
-                    <c:v>57.766637430267615</c:v>
+                    <c:v>57.766637430267608</c:v>
                   </c:pt>
                   <c:pt idx="11">
-                    <c:v>58.841944223487303</c:v>
+                    <c:v>58.841944223487289</c:v>
                   </c:pt>
                   <c:pt idx="12">
-                    <c:v>67.048531676689109</c:v>
+                    <c:v>67.048531676689095</c:v>
                   </c:pt>
                   <c:pt idx="13">
                     <c:v>51.521137409804922</c:v>
@@ -7695,13 +7696,13 @@
                     <c:v>57.415820119545444</c:v>
                   </c:pt>
                   <c:pt idx="17">
-                    <c:v>57.582570279555995</c:v>
+                    <c:v>57.582570279556009</c:v>
                   </c:pt>
                   <c:pt idx="18">
                     <c:v>61.36880314948305</c:v>
                   </c:pt>
                   <c:pt idx="19">
-                    <c:v>62.272305240773044</c:v>
+                    <c:v>62.272305240773065</c:v>
                   </c:pt>
                   <c:pt idx="20">
                     <c:v>0.37363083384538798</c:v>
@@ -7716,7 +7717,7 @@
                   <c:formatCode>General</c:formatCode>
                   <c:ptCount val="21"/>
                   <c:pt idx="0">
-                    <c:v>56.379886484454687</c:v>
+                    <c:v>56.379886484454673</c:v>
                   </c:pt>
                   <c:pt idx="1">
                     <c:v>56.196071037039587</c:v>
@@ -7725,13 +7726,13 @@
                     <c:v>58.237458735765593</c:v>
                   </c:pt>
                   <c:pt idx="3">
-                    <c:v>59.192959040750864</c:v>
+                    <c:v>59.192959040750878</c:v>
                   </c:pt>
                   <c:pt idx="4">
                     <c:v>53.158814885209772</c:v>
                   </c:pt>
                   <c:pt idx="5">
-                    <c:v>57.557220224746743</c:v>
+                    <c:v>57.557220224746736</c:v>
                   </c:pt>
                   <c:pt idx="6">
                     <c:v>50.720504729349862</c:v>
@@ -7740,19 +7741,19 @@
                     <c:v>59.755113588713073</c:v>
                   </c:pt>
                   <c:pt idx="8">
-                    <c:v>52.397362529043335</c:v>
+                    <c:v>52.397362529043328</c:v>
                   </c:pt>
                   <c:pt idx="9">
-                    <c:v>56.877763669117577</c:v>
+                    <c:v>56.877763669117563</c:v>
                   </c:pt>
                   <c:pt idx="10">
-                    <c:v>57.766637430267615</c:v>
+                    <c:v>57.766637430267608</c:v>
                   </c:pt>
                   <c:pt idx="11">
-                    <c:v>58.841944223487303</c:v>
+                    <c:v>58.841944223487289</c:v>
                   </c:pt>
                   <c:pt idx="12">
-                    <c:v>67.048531676689109</c:v>
+                    <c:v>67.048531676689095</c:v>
                   </c:pt>
                   <c:pt idx="13">
                     <c:v>51.521137409804922</c:v>
@@ -7767,13 +7768,13 @@
                     <c:v>57.415820119545444</c:v>
                   </c:pt>
                   <c:pt idx="17">
-                    <c:v>57.582570279555995</c:v>
+                    <c:v>57.582570279556009</c:v>
                   </c:pt>
                   <c:pt idx="18">
                     <c:v>61.36880314948305</c:v>
                   </c:pt>
                   <c:pt idx="19">
-                    <c:v>62.272305240773044</c:v>
+                    <c:v>62.272305240773065</c:v>
                   </c:pt>
                   <c:pt idx="20">
                     <c:v>0.37363083384538798</c:v>
@@ -7798,7 +7799,7 @@
                   <c:v>0.1</c:v>
                 </c:pt>
                 <c:pt idx="3">
-                  <c:v>0.15000000000000013</c:v>
+                  <c:v>0.15000000000000016</c:v>
                 </c:pt>
                 <c:pt idx="4">
                   <c:v>0.2</c:v>
@@ -7807,10 +7808,10 @@
                   <c:v>0.25</c:v>
                 </c:pt>
                 <c:pt idx="6">
-                  <c:v>0.30000000000000027</c:v>
+                  <c:v>0.30000000000000032</c:v>
                 </c:pt>
                 <c:pt idx="7">
-                  <c:v>0.35000000000000026</c:v>
+                  <c:v>0.35000000000000031</c:v>
                 </c:pt>
                 <c:pt idx="8">
                   <c:v>0.4</c:v>
@@ -7828,13 +7829,13 @@
                   <c:v>0.60000000000000064</c:v>
                 </c:pt>
                 <c:pt idx="13">
-                  <c:v>0.6500000000000008</c:v>
+                  <c:v>0.65000000000000091</c:v>
                 </c:pt>
                 <c:pt idx="14">
                   <c:v>0.70000000000000062</c:v>
                 </c:pt>
                 <c:pt idx="15">
-                  <c:v>0.75000000000000056</c:v>
+                  <c:v>0.75000000000000078</c:v>
                 </c:pt>
                 <c:pt idx="16">
                   <c:v>0.8</c:v>
@@ -7909,7 +7910,7 @@
                   <c:v>96.92</c:v>
                 </c:pt>
                 <c:pt idx="16">
-                  <c:v>110.94000000000007</c:v>
+                  <c:v>110.94000000000008</c:v>
                 </c:pt>
                 <c:pt idx="17">
                   <c:v>115.74000000000002</c:v>
@@ -7959,7 +7960,7 @@
                     <c:v>54.222021356640703</c:v>
                   </c:pt>
                   <c:pt idx="2">
-                    <c:v>57.257858849244407</c:v>
+                    <c:v>57.2578588492444</c:v>
                   </c:pt>
                   <c:pt idx="3">
                     <c:v>59.544390163977646</c:v>
@@ -7968,28 +7969,28 @@
                     <c:v>53.964243717483875</c:v>
                   </c:pt>
                   <c:pt idx="5">
-                    <c:v>62.200887453476028</c:v>
+                    <c:v>62.200887453476014</c:v>
                   </c:pt>
                   <c:pt idx="6">
                     <c:v>55.662199022316763</c:v>
                   </c:pt>
                   <c:pt idx="7">
-                    <c:v>63.817289193446513</c:v>
+                    <c:v>63.817289193446484</c:v>
                   </c:pt>
                   <c:pt idx="8">
-                    <c:v>58.719673023612756</c:v>
+                    <c:v>58.719673023612749</c:v>
                   </c:pt>
                   <c:pt idx="9">
                     <c:v>61.264554189188388</c:v>
                   </c:pt>
                   <c:pt idx="10">
-                    <c:v>63.626107848901214</c:v>
+                    <c:v>63.626107848901228</c:v>
                   </c:pt>
                   <c:pt idx="11">
                     <c:v>57.718769910662495</c:v>
                   </c:pt>
                   <c:pt idx="12">
-                    <c:v>61.784839564410902</c:v>
+                    <c:v>61.784839564410895</c:v>
                   </c:pt>
                   <c:pt idx="13">
                     <c:v>55.608089339591587</c:v>
@@ -8001,13 +8002,13 @@
                     <c:v>59.207705579594958</c:v>
                   </c:pt>
                   <c:pt idx="16">
-                    <c:v>59.796056726175578</c:v>
+                    <c:v>59.796056726175593</c:v>
                   </c:pt>
                   <c:pt idx="17">
                     <c:v>70.579172565282988</c:v>
                   </c:pt>
                   <c:pt idx="18">
-                    <c:v>60.281061702660772</c:v>
+                    <c:v>60.281061702660764</c:v>
                   </c:pt>
                   <c:pt idx="19">
                     <c:v>61.963347230439382</c:v>
@@ -8031,7 +8032,7 @@
                     <c:v>54.222021356640703</c:v>
                   </c:pt>
                   <c:pt idx="2">
-                    <c:v>57.257858849244407</c:v>
+                    <c:v>57.2578588492444</c:v>
                   </c:pt>
                   <c:pt idx="3">
                     <c:v>59.544390163977646</c:v>
@@ -8040,28 +8041,28 @@
                     <c:v>53.964243717483875</c:v>
                   </c:pt>
                   <c:pt idx="5">
-                    <c:v>62.200887453476028</c:v>
+                    <c:v>62.200887453476014</c:v>
                   </c:pt>
                   <c:pt idx="6">
                     <c:v>55.662199022316763</c:v>
                   </c:pt>
                   <c:pt idx="7">
-                    <c:v>63.817289193446513</c:v>
+                    <c:v>63.817289193446484</c:v>
                   </c:pt>
                   <c:pt idx="8">
-                    <c:v>58.719673023612756</c:v>
+                    <c:v>58.719673023612749</c:v>
                   </c:pt>
                   <c:pt idx="9">
                     <c:v>61.264554189188388</c:v>
                   </c:pt>
                   <c:pt idx="10">
-                    <c:v>63.626107848901214</c:v>
+                    <c:v>63.626107848901228</c:v>
                   </c:pt>
                   <c:pt idx="11">
                     <c:v>57.718769910662495</c:v>
                   </c:pt>
                   <c:pt idx="12">
-                    <c:v>61.784839564410902</c:v>
+                    <c:v>61.784839564410895</c:v>
                   </c:pt>
                   <c:pt idx="13">
                     <c:v>55.608089339591587</c:v>
@@ -8073,13 +8074,13 @@
                     <c:v>59.207705579594958</c:v>
                   </c:pt>
                   <c:pt idx="16">
-                    <c:v>59.796056726175578</c:v>
+                    <c:v>59.796056726175593</c:v>
                   </c:pt>
                   <c:pt idx="17">
                     <c:v>70.579172565282988</c:v>
                   </c:pt>
                   <c:pt idx="18">
-                    <c:v>60.281061702660772</c:v>
+                    <c:v>60.281061702660764</c:v>
                   </c:pt>
                   <c:pt idx="19">
                     <c:v>61.963347230439382</c:v>
@@ -8107,7 +8108,7 @@
                   <c:v>0.1</c:v>
                 </c:pt>
                 <c:pt idx="3">
-                  <c:v>0.15000000000000013</c:v>
+                  <c:v>0.15000000000000016</c:v>
                 </c:pt>
                 <c:pt idx="4">
                   <c:v>0.2</c:v>
@@ -8116,10 +8117,10 @@
                   <c:v>0.25</c:v>
                 </c:pt>
                 <c:pt idx="6">
-                  <c:v>0.30000000000000027</c:v>
+                  <c:v>0.30000000000000032</c:v>
                 </c:pt>
                 <c:pt idx="7">
-                  <c:v>0.35000000000000026</c:v>
+                  <c:v>0.35000000000000031</c:v>
                 </c:pt>
                 <c:pt idx="8">
                   <c:v>0.4</c:v>
@@ -8137,13 +8138,13 @@
                   <c:v>0.60000000000000064</c:v>
                 </c:pt>
                 <c:pt idx="13">
-                  <c:v>0.6500000000000008</c:v>
+                  <c:v>0.65000000000000091</c:v>
                 </c:pt>
                 <c:pt idx="14">
                   <c:v>0.70000000000000062</c:v>
                 </c:pt>
                 <c:pt idx="15">
-                  <c:v>0.75000000000000056</c:v>
+                  <c:v>0.75000000000000078</c:v>
                 </c:pt>
                 <c:pt idx="16">
                   <c:v>0.8</c:v>
@@ -8191,7 +8192,7 @@
                   <c:v>120.14</c:v>
                 </c:pt>
                 <c:pt idx="7">
-                  <c:v>107.44000000000007</c:v>
+                  <c:v>107.44000000000008</c:v>
                 </c:pt>
                 <c:pt idx="8">
                   <c:v>114.8</c:v>
@@ -8224,10 +8225,10 @@
                   <c:v>115.98</c:v>
                 </c:pt>
                 <c:pt idx="18">
-                  <c:v>126.44000000000007</c:v>
+                  <c:v>126.44000000000008</c:v>
                 </c:pt>
                 <c:pt idx="19">
-                  <c:v>113.94000000000007</c:v>
+                  <c:v>113.94000000000008</c:v>
                 </c:pt>
                 <c:pt idx="20">
                   <c:v>6.6</c:v>
@@ -8237,11 +8238,11 @@
           </c:yVal>
           <c:smooth val="1"/>
         </c:ser>
-        <c:axId val="63708544"/>
-        <c:axId val="63723008"/>
+        <c:axId val="63069568"/>
+        <c:axId val="63084032"/>
       </c:scatterChart>
       <c:valAx>
-        <c:axId val="63708544"/>
+        <c:axId val="63069568"/>
         <c:scaling>
           <c:orientation val="minMax"/>
           <c:max val="1.2"/>
@@ -8269,7 +8270,7 @@
             <c:manualLayout>
               <c:xMode val="edge"/>
               <c:yMode val="edge"/>
-              <c:x val="0.43258442694663202"/>
+              <c:x val="0.43258442694663207"/>
               <c:y val="0.90108766404199458"/>
             </c:manualLayout>
           </c:layout>
@@ -8286,12 +8287,12 @@
             <a:endParaRPr lang="en-US"/>
           </a:p>
         </c:txPr>
-        <c:crossAx val="63723008"/>
+        <c:crossAx val="63084032"/>
         <c:crosses val="autoZero"/>
         <c:crossBetween val="midCat"/>
       </c:valAx>
       <c:valAx>
-        <c:axId val="63723008"/>
+        <c:axId val="63084032"/>
         <c:scaling>
           <c:orientation val="minMax"/>
         </c:scaling>
@@ -8319,7 +8320,7 @@
               <c:xMode val="edge"/>
               <c:yMode val="edge"/>
               <c:x val="3.1292990766592435E-2"/>
-              <c:y val="0.35884808791424566"/>
+              <c:y val="0.35884808791424583"/>
             </c:manualLayout>
           </c:layout>
         </c:title>
@@ -8335,7 +8336,7 @@
             <a:endParaRPr lang="en-US"/>
           </a:p>
         </c:txPr>
-        <c:crossAx val="63708544"/>
+        <c:crossAx val="63069568"/>
         <c:crosses val="autoZero"/>
         <c:crossBetween val="midCat"/>
       </c:valAx>
@@ -8394,9 +8395,9 @@
           <c:layoutTarget val="inner"/>
           <c:xMode val="edge"/>
           <c:yMode val="edge"/>
-          <c:x val="0.1086690726159231"/>
+          <c:x val="0.10866907261592311"/>
           <c:y val="0.12535897856517936"/>
-          <c:w val="0.74101137357830338"/>
+          <c:w val="0.7410113735783036"/>
           <c:h val="0.69553942475940511"/>
         </c:manualLayout>
       </c:layout>
@@ -8433,10 +8434,10 @@
                     <c:v>40.458353896321583</c:v>
                   </c:pt>
                   <c:pt idx="2">
-                    <c:v>58.159604537857675</c:v>
+                    <c:v>58.159604537857668</c:v>
                   </c:pt>
                   <c:pt idx="3">
-                    <c:v>48.553821682746999</c:v>
+                    <c:v>48.553821682746985</c:v>
                   </c:pt>
                   <c:pt idx="4">
                     <c:v>45.690594218066373</c:v>
@@ -8463,16 +8464,16 @@
                     <c:v>45.682189089403295</c:v>
                   </c:pt>
                   <c:pt idx="12">
-                    <c:v>39.200719381154265</c:v>
+                    <c:v>39.200719381154272</c:v>
                   </c:pt>
                   <c:pt idx="13">
                     <c:v>52.623188804936561</c:v>
                   </c:pt>
                   <c:pt idx="14">
-                    <c:v>48.041881728341949</c:v>
+                    <c:v>48.041881728341941</c:v>
                   </c:pt>
                   <c:pt idx="15">
-                    <c:v>46.854088402187422</c:v>
+                    <c:v>46.854088402187408</c:v>
                   </c:pt>
                   <c:pt idx="16">
                     <c:v>41.377984484505745</c:v>
@@ -8481,7 +8482,7 @@
                     <c:v>45.191631968761648</c:v>
                   </c:pt>
                   <c:pt idx="18">
-                    <c:v>56.827936791687208</c:v>
+                    <c:v>56.8279367916872</c:v>
                   </c:pt>
                   <c:pt idx="19">
                     <c:v>46.19432432669624</c:v>
@@ -8505,10 +8506,10 @@
                     <c:v>40.458353896321583</c:v>
                   </c:pt>
                   <c:pt idx="2">
-                    <c:v>58.159604537857675</c:v>
+                    <c:v>58.159604537857668</c:v>
                   </c:pt>
                   <c:pt idx="3">
-                    <c:v>48.553821682746999</c:v>
+                    <c:v>48.553821682746985</c:v>
                   </c:pt>
                   <c:pt idx="4">
                     <c:v>45.690594218066373</c:v>
@@ -8535,16 +8536,16 @@
                     <c:v>45.682189089403295</c:v>
                   </c:pt>
                   <c:pt idx="12">
-                    <c:v>39.200719381154265</c:v>
+                    <c:v>39.200719381154272</c:v>
                   </c:pt>
                   <c:pt idx="13">
                     <c:v>52.623188804936561</c:v>
                   </c:pt>
                   <c:pt idx="14">
-                    <c:v>48.041881728341949</c:v>
+                    <c:v>48.041881728341941</c:v>
                   </c:pt>
                   <c:pt idx="15">
-                    <c:v>46.854088402187422</c:v>
+                    <c:v>46.854088402187408</c:v>
                   </c:pt>
                   <c:pt idx="16">
                     <c:v>41.377984484505745</c:v>
@@ -8553,7 +8554,7 @@
                     <c:v>45.191631968761648</c:v>
                   </c:pt>
                   <c:pt idx="18">
-                    <c:v>56.827936791687208</c:v>
+                    <c:v>56.8279367916872</c:v>
                   </c:pt>
                   <c:pt idx="19">
                     <c:v>46.19432432669624</c:v>
@@ -8581,7 +8582,7 @@
                   <c:v>0.1</c:v>
                 </c:pt>
                 <c:pt idx="3">
-                  <c:v>0.15000000000000013</c:v>
+                  <c:v>0.15000000000000016</c:v>
                 </c:pt>
                 <c:pt idx="4">
                   <c:v>0.2</c:v>
@@ -8590,10 +8591,10 @@
                   <c:v>0.25</c:v>
                 </c:pt>
                 <c:pt idx="6">
-                  <c:v>0.30000000000000027</c:v>
+                  <c:v>0.30000000000000032</c:v>
                 </c:pt>
                 <c:pt idx="7">
-                  <c:v>0.35000000000000026</c:v>
+                  <c:v>0.35000000000000031</c:v>
                 </c:pt>
                 <c:pt idx="8">
                   <c:v>0.4</c:v>
@@ -8611,13 +8612,13 @@
                   <c:v>0.60000000000000064</c:v>
                 </c:pt>
                 <c:pt idx="13">
-                  <c:v>0.6500000000000008</c:v>
+                  <c:v>0.65000000000000091</c:v>
                 </c:pt>
                 <c:pt idx="14">
                   <c:v>0.70000000000000062</c:v>
                 </c:pt>
                 <c:pt idx="15">
-                  <c:v>0.75000000000000056</c:v>
+                  <c:v>0.75000000000000078</c:v>
                 </c:pt>
                 <c:pt idx="16">
                   <c:v>0.8</c:v>
@@ -8739,7 +8740,7 @@
                     <c:v>49.457250226837296</c:v>
                   </c:pt>
                   <c:pt idx="1">
-                    <c:v>34.254628884283598</c:v>
+                    <c:v>34.254628884283591</c:v>
                   </c:pt>
                   <c:pt idx="2">
                     <c:v>47.895619841484461</c:v>
@@ -8757,7 +8758,7 @@
                     <c:v>40.758312035706311</c:v>
                   </c:pt>
                   <c:pt idx="7">
-                    <c:v>38.837862969015134</c:v>
+                    <c:v>38.837862969015127</c:v>
                   </c:pt>
                   <c:pt idx="8">
                     <c:v>49.601306434407547</c:v>
@@ -8775,7 +8776,7 @@
                     <c:v>53.736129373076359</c:v>
                   </c:pt>
                   <c:pt idx="13">
-                    <c:v>54.943057796231152</c:v>
+                    <c:v>54.943057796231145</c:v>
                   </c:pt>
                   <c:pt idx="14">
                     <c:v>48.362067780441294</c:v>
@@ -8784,7 +8785,7 @@
                     <c:v>42.506112501615576</c:v>
                   </c:pt>
                   <c:pt idx="16">
-                    <c:v>43.793337392804446</c:v>
+                    <c:v>43.79333739280446</c:v>
                   </c:pt>
                   <c:pt idx="17">
                     <c:v>46.067988885993245</c:v>
@@ -8811,7 +8812,7 @@
                     <c:v>49.457250226837296</c:v>
                   </c:pt>
                   <c:pt idx="1">
-                    <c:v>34.254628884283598</c:v>
+                    <c:v>34.254628884283591</c:v>
                   </c:pt>
                   <c:pt idx="2">
                     <c:v>47.895619841484461</c:v>
@@ -8829,7 +8830,7 @@
                     <c:v>40.758312035706311</c:v>
                   </c:pt>
                   <c:pt idx="7">
-                    <c:v>38.837862969015134</c:v>
+                    <c:v>38.837862969015127</c:v>
                   </c:pt>
                   <c:pt idx="8">
                     <c:v>49.601306434407547</c:v>
@@ -8847,7 +8848,7 @@
                     <c:v>53.736129373076359</c:v>
                   </c:pt>
                   <c:pt idx="13">
-                    <c:v>54.943057796231152</c:v>
+                    <c:v>54.943057796231145</c:v>
                   </c:pt>
                   <c:pt idx="14">
                     <c:v>48.362067780441294</c:v>
@@ -8856,7 +8857,7 @@
                     <c:v>42.506112501615576</c:v>
                   </c:pt>
                   <c:pt idx="16">
-                    <c:v>43.793337392804446</c:v>
+                    <c:v>43.79333739280446</c:v>
                   </c:pt>
                   <c:pt idx="17">
                     <c:v>46.067988885993245</c:v>
@@ -8890,7 +8891,7 @@
                   <c:v>0.1</c:v>
                 </c:pt>
                 <c:pt idx="3">
-                  <c:v>0.15000000000000013</c:v>
+                  <c:v>0.15000000000000016</c:v>
                 </c:pt>
                 <c:pt idx="4">
                   <c:v>0.2</c:v>
@@ -8899,10 +8900,10 @@
                   <c:v>0.25</c:v>
                 </c:pt>
                 <c:pt idx="6">
-                  <c:v>0.30000000000000027</c:v>
+                  <c:v>0.30000000000000032</c:v>
                 </c:pt>
                 <c:pt idx="7">
-                  <c:v>0.35000000000000026</c:v>
+                  <c:v>0.35000000000000031</c:v>
                 </c:pt>
                 <c:pt idx="8">
                   <c:v>0.4</c:v>
@@ -8920,13 +8921,13 @@
                   <c:v>0.60000000000000064</c:v>
                 </c:pt>
                 <c:pt idx="13">
-                  <c:v>0.6500000000000008</c:v>
+                  <c:v>0.65000000000000091</c:v>
                 </c:pt>
                 <c:pt idx="14">
                   <c:v>0.70000000000000062</c:v>
                 </c:pt>
                 <c:pt idx="15">
-                  <c:v>0.75000000000000056</c:v>
+                  <c:v>0.75000000000000078</c:v>
                 </c:pt>
                 <c:pt idx="16">
                   <c:v>0.8</c:v>
@@ -9054,7 +9055,7 @@
                     <c:v>39.774308290654162</c:v>
                   </c:pt>
                   <c:pt idx="3">
-                    <c:v>35.140426861380007</c:v>
+                    <c:v>35.14042686138</c:v>
                   </c:pt>
                   <c:pt idx="4">
                     <c:v>46.091322393700111</c:v>
@@ -9063,16 +9064,16 @@
                     <c:v>38.222276227352033</c:v>
                   </c:pt>
                   <c:pt idx="6">
-                    <c:v>45.711377139613674</c:v>
+                    <c:v>45.711377139613667</c:v>
                   </c:pt>
                   <c:pt idx="7">
-                    <c:v>35.867807292891449</c:v>
+                    <c:v>35.867807292891442</c:v>
                   </c:pt>
                   <c:pt idx="8">
-                    <c:v>33.989463073134857</c:v>
+                    <c:v>33.98946307313485</c:v>
                   </c:pt>
                   <c:pt idx="9">
-                    <c:v>30.667565928844137</c:v>
+                    <c:v>30.667565928844141</c:v>
                   </c:pt>
                   <c:pt idx="10">
                     <c:v>46.570501393049227</c:v>
@@ -9090,13 +9091,13 @@
                     <c:v>44.794504127180602</c:v>
                   </c:pt>
                   <c:pt idx="15">
-                    <c:v>34.620508372928384</c:v>
+                    <c:v>34.620508372928398</c:v>
                   </c:pt>
                   <c:pt idx="16">
                     <c:v>28.610410692613275</c:v>
                   </c:pt>
                   <c:pt idx="17">
-                    <c:v>17.120992961858278</c:v>
+                    <c:v>17.120992961858281</c:v>
                   </c:pt>
                   <c:pt idx="18">
                     <c:v>14.62496495722297</c:v>
@@ -9126,7 +9127,7 @@
                     <c:v>39.774308290654162</c:v>
                   </c:pt>
                   <c:pt idx="3">
-                    <c:v>35.140426861380007</c:v>
+                    <c:v>35.14042686138</c:v>
                   </c:pt>
                   <c:pt idx="4">
                     <c:v>46.091322393700111</c:v>
@@ -9135,16 +9136,16 @@
                     <c:v>38.222276227352033</c:v>
                   </c:pt>
                   <c:pt idx="6">
-                    <c:v>45.711377139613674</c:v>
+                    <c:v>45.711377139613667</c:v>
                   </c:pt>
                   <c:pt idx="7">
-                    <c:v>35.867807292891449</c:v>
+                    <c:v>35.867807292891442</c:v>
                   </c:pt>
                   <c:pt idx="8">
-                    <c:v>33.989463073134857</c:v>
+                    <c:v>33.98946307313485</c:v>
                   </c:pt>
                   <c:pt idx="9">
-                    <c:v>30.667565928844137</c:v>
+                    <c:v>30.667565928844141</c:v>
                   </c:pt>
                   <c:pt idx="10">
                     <c:v>46.570501393049227</c:v>
@@ -9162,13 +9163,13 @@
                     <c:v>44.794504127180602</c:v>
                   </c:pt>
                   <c:pt idx="15">
-                    <c:v>34.620508372928384</c:v>
+                    <c:v>34.620508372928398</c:v>
                   </c:pt>
                   <c:pt idx="16">
                     <c:v>28.610410692613275</c:v>
                   </c:pt>
                   <c:pt idx="17">
-                    <c:v>17.120992961858278</c:v>
+                    <c:v>17.120992961858281</c:v>
                   </c:pt>
                   <c:pt idx="18">
                     <c:v>14.62496495722297</c:v>
@@ -9199,7 +9200,7 @@
                   <c:v>0.1</c:v>
                 </c:pt>
                 <c:pt idx="3">
-                  <c:v>0.15000000000000013</c:v>
+                  <c:v>0.15000000000000016</c:v>
                 </c:pt>
                 <c:pt idx="4">
                   <c:v>0.2</c:v>
@@ -9208,10 +9209,10 @@
                   <c:v>0.25</c:v>
                 </c:pt>
                 <c:pt idx="6">
-                  <c:v>0.30000000000000027</c:v>
+                  <c:v>0.30000000000000032</c:v>
                 </c:pt>
                 <c:pt idx="7">
-                  <c:v>0.35000000000000026</c:v>
+                  <c:v>0.35000000000000031</c:v>
                 </c:pt>
                 <c:pt idx="8">
                   <c:v>0.4</c:v>
@@ -9229,13 +9230,13 @@
                   <c:v>0.60000000000000064</c:v>
                 </c:pt>
                 <c:pt idx="13">
-                  <c:v>0.6500000000000008</c:v>
+                  <c:v>0.65000000000000091</c:v>
                 </c:pt>
                 <c:pt idx="14">
                   <c:v>0.70000000000000062</c:v>
                 </c:pt>
                 <c:pt idx="15">
-                  <c:v>0.75000000000000056</c:v>
+                  <c:v>0.75000000000000078</c:v>
                 </c:pt>
                 <c:pt idx="16">
                   <c:v>0.8</c:v>
@@ -9298,7 +9299,7 @@
                   <c:v>63.96</c:v>
                 </c:pt>
                 <c:pt idx="12">
-                  <c:v>57.339999999999996</c:v>
+                  <c:v>57.34</c:v>
                 </c:pt>
                 <c:pt idx="13">
                   <c:v>62.44</c:v>
@@ -9357,19 +9358,19 @@
                     <c:v>35.931045072471811</c:v>
                   </c:pt>
                   <c:pt idx="1">
-                    <c:v>43.871289016850149</c:v>
+                    <c:v>43.871289016850142</c:v>
                   </c:pt>
                   <c:pt idx="2">
                     <c:v>44.576567835579262</c:v>
                   </c:pt>
                   <c:pt idx="3">
-                    <c:v>39.204208957712623</c:v>
+                    <c:v>39.204208957712609</c:v>
                   </c:pt>
                   <c:pt idx="4">
                     <c:v>32.614205493925496</c:v>
                   </c:pt>
                   <c:pt idx="5">
-                    <c:v>40.486664471156317</c:v>
+                    <c:v>40.486664471156296</c:v>
                   </c:pt>
                   <c:pt idx="6">
                     <c:v>46.825928714762291</c:v>
@@ -9378,13 +9379,13 @@
                     <c:v>33.151168908501553</c:v>
                   </c:pt>
                   <c:pt idx="8">
-                    <c:v>45.59796486686654</c:v>
+                    <c:v>45.597964866866533</c:v>
                   </c:pt>
                   <c:pt idx="9">
                     <c:v>34.619815135266094</c:v>
                   </c:pt>
                   <c:pt idx="10">
-                    <c:v>34.026395636329219</c:v>
+                    <c:v>34.026395636329227</c:v>
                   </c:pt>
                   <c:pt idx="11">
                     <c:v>35.021416304884113</c:v>
@@ -9396,13 +9397,13 @@
                     <c:v>37.666542182685163</c:v>
                   </c:pt>
                   <c:pt idx="14">
-                    <c:v>27.67570053313915</c:v>
+                    <c:v>27.675700533139143</c:v>
                   </c:pt>
                   <c:pt idx="15">
                     <c:v>28.910378759193041</c:v>
                   </c:pt>
                   <c:pt idx="16">
-                    <c:v>31.338213095197354</c:v>
+                    <c:v>31.33821309519735</c:v>
                   </c:pt>
                   <c:pt idx="17">
                     <c:v>13.84918770181125</c:v>
@@ -9429,19 +9430,19 @@
                     <c:v>35.931045072471811</c:v>
                   </c:pt>
                   <c:pt idx="1">
-                    <c:v>43.871289016850149</c:v>
+                    <c:v>43.871289016850142</c:v>
                   </c:pt>
                   <c:pt idx="2">
                     <c:v>44.576567835579262</c:v>
                   </c:pt>
                   <c:pt idx="3">
-                    <c:v>39.204208957712623</c:v>
+                    <c:v>39.204208957712609</c:v>
                   </c:pt>
                   <c:pt idx="4">
                     <c:v>32.614205493925496</c:v>
                   </c:pt>
                   <c:pt idx="5">
-                    <c:v>40.486664471156317</c:v>
+                    <c:v>40.486664471156296</c:v>
                   </c:pt>
                   <c:pt idx="6">
                     <c:v>46.825928714762291</c:v>
@@ -9450,13 +9451,13 @@
                     <c:v>33.151168908501553</c:v>
                   </c:pt>
                   <c:pt idx="8">
-                    <c:v>45.59796486686654</c:v>
+                    <c:v>45.597964866866533</c:v>
                   </c:pt>
                   <c:pt idx="9">
                     <c:v>34.619815135266094</c:v>
                   </c:pt>
                   <c:pt idx="10">
-                    <c:v>34.026395636329219</c:v>
+                    <c:v>34.026395636329227</c:v>
                   </c:pt>
                   <c:pt idx="11">
                     <c:v>35.021416304884113</c:v>
@@ -9468,13 +9469,13 @@
                     <c:v>37.666542182685163</c:v>
                   </c:pt>
                   <c:pt idx="14">
-                    <c:v>27.67570053313915</c:v>
+                    <c:v>27.675700533139143</c:v>
                   </c:pt>
                   <c:pt idx="15">
                     <c:v>28.910378759193041</c:v>
                   </c:pt>
                   <c:pt idx="16">
-                    <c:v>31.338213095197354</c:v>
+                    <c:v>31.33821309519735</c:v>
                   </c:pt>
                   <c:pt idx="17">
                     <c:v>13.84918770181125</c:v>
@@ -9508,7 +9509,7 @@
                   <c:v>0.1</c:v>
                 </c:pt>
                 <c:pt idx="3">
-                  <c:v>0.15000000000000013</c:v>
+                  <c:v>0.15000000000000016</c:v>
                 </c:pt>
                 <c:pt idx="4">
                   <c:v>0.2</c:v>
@@ -9517,10 +9518,10 @@
                   <c:v>0.25</c:v>
                 </c:pt>
                 <c:pt idx="6">
-                  <c:v>0.30000000000000027</c:v>
+                  <c:v>0.30000000000000032</c:v>
                 </c:pt>
                 <c:pt idx="7">
-                  <c:v>0.35000000000000026</c:v>
+                  <c:v>0.35000000000000031</c:v>
                 </c:pt>
                 <c:pt idx="8">
                   <c:v>0.4</c:v>
@@ -9538,13 +9539,13 @@
                   <c:v>0.60000000000000064</c:v>
                 </c:pt>
                 <c:pt idx="13">
-                  <c:v>0.6500000000000008</c:v>
+                  <c:v>0.65000000000000091</c:v>
                 </c:pt>
                 <c:pt idx="14">
                   <c:v>0.70000000000000062</c:v>
                 </c:pt>
                 <c:pt idx="15">
-                  <c:v>0.75000000000000056</c:v>
+                  <c:v>0.75000000000000078</c:v>
                 </c:pt>
                 <c:pt idx="16">
                   <c:v>0.8</c:v>
@@ -9638,11 +9639,11 @@
           </c:yVal>
           <c:smooth val="1"/>
         </c:ser>
-        <c:axId val="66083456"/>
-        <c:axId val="66089728"/>
+        <c:axId val="64387712"/>
+        <c:axId val="64393984"/>
       </c:scatterChart>
       <c:valAx>
-        <c:axId val="66083456"/>
+        <c:axId val="64387712"/>
         <c:scaling>
           <c:orientation val="minMax"/>
           <c:max val="1.2"/>
@@ -9671,7 +9672,7 @@
             <c:manualLayout>
               <c:xMode val="edge"/>
               <c:yMode val="edge"/>
-              <c:x val="0.44091776027996543"/>
+              <c:x val="0.44091776027996554"/>
               <c:y val="0.89719898293963252"/>
             </c:manualLayout>
           </c:layout>
@@ -9688,12 +9689,12 @@
             <a:endParaRPr lang="en-US"/>
           </a:p>
         </c:txPr>
-        <c:crossAx val="66089728"/>
+        <c:crossAx val="64393984"/>
         <c:crosses val="autoZero"/>
         <c:crossBetween val="midCat"/>
       </c:valAx>
       <c:valAx>
-        <c:axId val="66089728"/>
+        <c:axId val="64393984"/>
         <c:scaling>
           <c:orientation val="minMax"/>
         </c:scaling>
@@ -9720,7 +9721,7 @@
             <c:manualLayout>
               <c:xMode val="edge"/>
               <c:yMode val="edge"/>
-              <c:x val="3.9653980752405983E-2"/>
+              <c:x val="3.965398075240599E-2"/>
               <c:y val="0.38329368985126888"/>
             </c:manualLayout>
           </c:layout>
@@ -9737,7 +9738,7 @@
             <a:endParaRPr lang="en-US"/>
           </a:p>
         </c:txPr>
-        <c:crossAx val="66083456"/>
+        <c:crossAx val="64387712"/>
         <c:crosses val="autoZero"/>
         <c:crossBetween val="midCat"/>
       </c:valAx>
@@ -9787,7 +9788,7 @@
         <c:manualLayout>
           <c:xMode val="edge"/>
           <c:yMode val="edge"/>
-          <c:x val="0.42371008311461122"/>
+          <c:x val="0.42371008311461134"/>
           <c:y val="3.9286351706036754E-2"/>
         </c:manualLayout>
       </c:layout>
@@ -9798,7 +9799,7 @@
           <c:layoutTarget val="inner"/>
           <c:xMode val="edge"/>
           <c:yMode val="edge"/>
-          <c:x val="0.10033573928258981"/>
+          <c:x val="0.10033573928258985"/>
           <c:y val="0.14147007874015738"/>
           <c:w val="0.76666426071741034"/>
           <c:h val="0.67887296587926449"/>
@@ -9831,22 +9832,22 @@
                   <c:formatCode>General</c:formatCode>
                   <c:ptCount val="21"/>
                   <c:pt idx="0">
-                    <c:v>11.817360111293882</c:v>
+                    <c:v>11.81736011129388</c:v>
                   </c:pt>
                   <c:pt idx="1">
                     <c:v>10.174399245164309</c:v>
                   </c:pt>
                   <c:pt idx="2">
-                    <c:v>13.430353681120971</c:v>
+                    <c:v>13.43035368112097</c:v>
                   </c:pt>
                   <c:pt idx="3">
-                    <c:v>10.072457495566823</c:v>
+                    <c:v>10.072457495566825</c:v>
                   </c:pt>
                   <c:pt idx="4">
                     <c:v>13.588583443464588</c:v>
                   </c:pt>
                   <c:pt idx="5">
-                    <c:v>13.34839316172549</c:v>
+                    <c:v>13.348393161725488</c:v>
                   </c:pt>
                   <c:pt idx="6">
                     <c:v>13.2685492801587</c:v>
@@ -9873,13 +9874,13 @@
                     <c:v>13.99005360961851</c:v>
                   </c:pt>
                   <c:pt idx="14">
-                    <c:v>17.075409219108018</c:v>
+                    <c:v>17.075409219108014</c:v>
                   </c:pt>
                   <c:pt idx="15">
                     <c:v>19.916465549891132</c:v>
                   </c:pt>
                   <c:pt idx="16">
-                    <c:v>15.53922778004106</c:v>
+                    <c:v>15.539227780041058</c:v>
                   </c:pt>
                   <c:pt idx="17">
                     <c:v>17.85492649102763</c:v>
@@ -9903,22 +9904,22 @@
                   <c:formatCode>General</c:formatCode>
                   <c:ptCount val="21"/>
                   <c:pt idx="0">
-                    <c:v>11.817360111293882</c:v>
+                    <c:v>11.81736011129388</c:v>
                   </c:pt>
                   <c:pt idx="1">
                     <c:v>10.174399245164309</c:v>
                   </c:pt>
                   <c:pt idx="2">
-                    <c:v>13.430353681120971</c:v>
+                    <c:v>13.43035368112097</c:v>
                   </c:pt>
                   <c:pt idx="3">
-                    <c:v>10.072457495566823</c:v>
+                    <c:v>10.072457495566825</c:v>
                   </c:pt>
                   <c:pt idx="4">
                     <c:v>13.588583443464588</c:v>
                   </c:pt>
                   <c:pt idx="5">
-                    <c:v>13.34839316172549</c:v>
+                    <c:v>13.348393161725488</c:v>
                   </c:pt>
                   <c:pt idx="6">
                     <c:v>13.2685492801587</c:v>
@@ -9945,13 +9946,13 @@
                     <c:v>13.99005360961851</c:v>
                   </c:pt>
                   <c:pt idx="14">
-                    <c:v>17.075409219108018</c:v>
+                    <c:v>17.075409219108014</c:v>
                   </c:pt>
                   <c:pt idx="15">
                     <c:v>19.916465549891132</c:v>
                   </c:pt>
                   <c:pt idx="16">
-                    <c:v>15.53922778004106</c:v>
+                    <c:v>15.539227780041058</c:v>
                   </c:pt>
                   <c:pt idx="17">
                     <c:v>17.85492649102763</c:v>
@@ -9985,7 +9986,7 @@
                   <c:v>0.1</c:v>
                 </c:pt>
                 <c:pt idx="3">
-                  <c:v>0.15000000000000013</c:v>
+                  <c:v>0.15000000000000016</c:v>
                 </c:pt>
                 <c:pt idx="4">
                   <c:v>0.2</c:v>
@@ -9994,10 +9995,10 @@
                   <c:v>0.25</c:v>
                 </c:pt>
                 <c:pt idx="6">
-                  <c:v>0.30000000000000027</c:v>
+                  <c:v>0.30000000000000032</c:v>
                 </c:pt>
                 <c:pt idx="7">
-                  <c:v>0.35000000000000026</c:v>
+                  <c:v>0.35000000000000031</c:v>
                 </c:pt>
                 <c:pt idx="8">
                   <c:v>0.4</c:v>
@@ -10015,13 +10016,13 @@
                   <c:v>0.60000000000000064</c:v>
                 </c:pt>
                 <c:pt idx="13">
-                  <c:v>0.6500000000000008</c:v>
+                  <c:v>0.65000000000000091</c:v>
                 </c:pt>
                 <c:pt idx="14">
                   <c:v>0.70000000000000062</c:v>
                 </c:pt>
                 <c:pt idx="15">
-                  <c:v>0.75000000000000056</c:v>
+                  <c:v>0.75000000000000078</c:v>
                 </c:pt>
                 <c:pt idx="16">
                   <c:v>0.8</c:v>
@@ -10054,10 +10055,10 @@
                   <c:v>30.959999999999987</c:v>
                 </c:pt>
                 <c:pt idx="2">
-                  <c:v>33.839999999999996</c:v>
+                  <c:v>33.840000000000003</c:v>
                 </c:pt>
                 <c:pt idx="3">
-                  <c:v>32.839999999999996</c:v>
+                  <c:v>32.840000000000003</c:v>
                 </c:pt>
                 <c:pt idx="4">
                   <c:v>37.480000000000004</c:v>
@@ -10066,7 +10067,7 @@
                   <c:v>34.980000000000004</c:v>
                 </c:pt>
                 <c:pt idx="6">
-                  <c:v>36.839999999999996</c:v>
+                  <c:v>36.840000000000003</c:v>
                 </c:pt>
                 <c:pt idx="7">
                   <c:v>37.14</c:v>
@@ -10146,13 +10147,13 @@
                     <c:v>12.30681112230134</c:v>
                   </c:pt>
                   <c:pt idx="2">
-                    <c:v>12.852766239218724</c:v>
+                    <c:v>12.852766239218727</c:v>
                   </c:pt>
                   <c:pt idx="3">
-                    <c:v>12.122639976506779</c:v>
+                    <c:v>12.122639976506781</c:v>
                   </c:pt>
                   <c:pt idx="4">
-                    <c:v>16.116376764024867</c:v>
+                    <c:v>16.116376764024871</c:v>
                   </c:pt>
                   <c:pt idx="5">
                     <c:v>18.771254619763699</c:v>
@@ -10164,7 +10165,7 @@
                     <c:v>11.506328693375661</c:v>
                   </c:pt>
                   <c:pt idx="8">
-                    <c:v>12.620633898501302</c:v>
+                    <c:v>12.620633898501303</c:v>
                   </c:pt>
                   <c:pt idx="9">
                     <c:v>19.88898187439468</c:v>
@@ -10200,7 +10201,7 @@
                     <c:v>16.55609857424146</c:v>
                   </c:pt>
                   <c:pt idx="20">
-                    <c:v>19.291749531859448</c:v>
+                    <c:v>19.291749531859441</c:v>
                   </c:pt>
                 </c:numCache>
               </c:numRef>
@@ -10218,13 +10219,13 @@
                     <c:v>12.30681112230134</c:v>
                   </c:pt>
                   <c:pt idx="2">
-                    <c:v>12.852766239218724</c:v>
+                    <c:v>12.852766239218727</c:v>
                   </c:pt>
                   <c:pt idx="3">
-                    <c:v>12.122639976506779</c:v>
+                    <c:v>12.122639976506781</c:v>
                   </c:pt>
                   <c:pt idx="4">
-                    <c:v>16.116376764024867</c:v>
+                    <c:v>16.116376764024871</c:v>
                   </c:pt>
                   <c:pt idx="5">
                     <c:v>18.771254619763699</c:v>
@@ -10236,7 +10237,7 @@
                     <c:v>11.506328693375661</c:v>
                   </c:pt>
                   <c:pt idx="8">
-                    <c:v>12.620633898501302</c:v>
+                    <c:v>12.620633898501303</c:v>
                   </c:pt>
                   <c:pt idx="9">
                     <c:v>19.88898187439468</c:v>
@@ -10272,7 +10273,7 @@
                     <c:v>16.55609857424146</c:v>
                   </c:pt>
                   <c:pt idx="20">
-                    <c:v>19.291749531859448</c:v>
+                    <c:v>19.291749531859441</c:v>
                   </c:pt>
                 </c:numCache>
               </c:numRef>
@@ -10294,7 +10295,7 @@
                   <c:v>0.1</c:v>
                 </c:pt>
                 <c:pt idx="3">
-                  <c:v>0.15000000000000013</c:v>
+                  <c:v>0.15000000000000016</c:v>
                 </c:pt>
                 <c:pt idx="4">
                   <c:v>0.2</c:v>
@@ -10303,10 +10304,10 @@
                   <c:v>0.25</c:v>
                 </c:pt>
                 <c:pt idx="6">
-                  <c:v>0.30000000000000027</c:v>
+                  <c:v>0.30000000000000032</c:v>
                 </c:pt>
                 <c:pt idx="7">
-                  <c:v>0.35000000000000026</c:v>
+                  <c:v>0.35000000000000031</c:v>
                 </c:pt>
                 <c:pt idx="8">
                   <c:v>0.4</c:v>
@@ -10324,13 +10325,13 @@
                   <c:v>0.60000000000000064</c:v>
                 </c:pt>
                 <c:pt idx="13">
-                  <c:v>0.6500000000000008</c:v>
+                  <c:v>0.65000000000000091</c:v>
                 </c:pt>
                 <c:pt idx="14">
                   <c:v>0.70000000000000062</c:v>
                 </c:pt>
                 <c:pt idx="15">
-                  <c:v>0.75000000000000056</c:v>
+                  <c:v>0.75000000000000078</c:v>
                 </c:pt>
                 <c:pt idx="16">
                   <c:v>0.8</c:v>
@@ -10378,7 +10379,7 @@
                   <c:v>38.300000000000004</c:v>
                 </c:pt>
                 <c:pt idx="7">
-                  <c:v>35.379999999999995</c:v>
+                  <c:v>35.380000000000003</c:v>
                 </c:pt>
                 <c:pt idx="8">
                   <c:v>38.14</c:v>
@@ -10402,7 +10403,7 @@
                   <c:v>42.36</c:v>
                 </c:pt>
                 <c:pt idx="15">
-                  <c:v>38.379999999999995</c:v>
+                  <c:v>38.380000000000003</c:v>
                 </c:pt>
                 <c:pt idx="16">
                   <c:v>45.32</c:v>
@@ -10449,7 +10450,7 @@
                   <c:formatCode>General</c:formatCode>
                   <c:ptCount val="21"/>
                   <c:pt idx="0">
-                    <c:v>10.073013451792852</c:v>
+                    <c:v>10.07301345179285</c:v>
                   </c:pt>
                   <c:pt idx="1">
                     <c:v>11.978664366280578</c:v>
@@ -10464,7 +10465,7 @@
                     <c:v>11.729347807955914</c:v>
                   </c:pt>
                   <c:pt idx="5">
-                    <c:v>10.499695233672274</c:v>
+                    <c:v>10.499695233672275</c:v>
                   </c:pt>
                   <c:pt idx="6">
                     <c:v>9.8392072851424377</c:v>
@@ -10479,7 +10480,7 @@
                     <c:v>8.0259828058624727</c:v>
                   </c:pt>
                   <c:pt idx="10">
-                    <c:v>8.453732903280077</c:v>
+                    <c:v>8.4537329032800788</c:v>
                   </c:pt>
                   <c:pt idx="11">
                     <c:v>7.7651529283073355</c:v>
@@ -10491,10 +10492,10 @@
                     <c:v>5.3807434430569163</c:v>
                   </c:pt>
                   <c:pt idx="14">
-                    <c:v>6.427939016512207</c:v>
+                    <c:v>6.4279390165122061</c:v>
                   </c:pt>
                   <c:pt idx="15">
-                    <c:v>5.6272195620928054</c:v>
+                    <c:v>5.6272195620928045</c:v>
                   </c:pt>
                   <c:pt idx="16">
                     <c:v>6.8813952073689242</c:v>
@@ -10521,7 +10522,7 @@
                   <c:formatCode>General</c:formatCode>
                   <c:ptCount val="21"/>
                   <c:pt idx="0">
-                    <c:v>10.073013451792852</c:v>
+                    <c:v>10.07301345179285</c:v>
                   </c:pt>
                   <c:pt idx="1">
                     <c:v>11.978664366280578</c:v>
@@ -10536,7 +10537,7 @@
                     <c:v>11.729347807955914</c:v>
                   </c:pt>
                   <c:pt idx="5">
-                    <c:v>10.499695233672274</c:v>
+                    <c:v>10.499695233672275</c:v>
                   </c:pt>
                   <c:pt idx="6">
                     <c:v>9.8392072851424377</c:v>
@@ -10551,7 +10552,7 @@
                     <c:v>8.0259828058624727</c:v>
                   </c:pt>
                   <c:pt idx="10">
-                    <c:v>8.453732903280077</c:v>
+                    <c:v>8.4537329032800788</c:v>
                   </c:pt>
                   <c:pt idx="11">
                     <c:v>7.7651529283073355</c:v>
@@ -10563,10 +10564,10 @@
                     <c:v>5.3807434430569163</c:v>
                   </c:pt>
                   <c:pt idx="14">
-                    <c:v>6.427939016512207</c:v>
+                    <c:v>6.4279390165122061</c:v>
                   </c:pt>
                   <c:pt idx="15">
-                    <c:v>5.6272195620928054</c:v>
+                    <c:v>5.6272195620928045</c:v>
                   </c:pt>
                   <c:pt idx="16">
                     <c:v>6.8813952073689242</c:v>
@@ -10603,7 +10604,7 @@
                   <c:v>0.1</c:v>
                 </c:pt>
                 <c:pt idx="3">
-                  <c:v>0.15000000000000013</c:v>
+                  <c:v>0.15000000000000016</c:v>
                 </c:pt>
                 <c:pt idx="4">
                   <c:v>0.2</c:v>
@@ -10612,10 +10613,10 @@
                   <c:v>0.25</c:v>
                 </c:pt>
                 <c:pt idx="6">
-                  <c:v>0.30000000000000027</c:v>
+                  <c:v>0.30000000000000032</c:v>
                 </c:pt>
                 <c:pt idx="7">
-                  <c:v>0.35000000000000026</c:v>
+                  <c:v>0.35000000000000031</c:v>
                 </c:pt>
                 <c:pt idx="8">
                   <c:v>0.4</c:v>
@@ -10633,13 +10634,13 @@
                   <c:v>0.60000000000000064</c:v>
                 </c:pt>
                 <c:pt idx="13">
-                  <c:v>0.6500000000000008</c:v>
+                  <c:v>0.65000000000000091</c:v>
                 </c:pt>
                 <c:pt idx="14">
                   <c:v>0.70000000000000062</c:v>
                 </c:pt>
                 <c:pt idx="15">
-                  <c:v>0.75000000000000056</c:v>
+                  <c:v>0.75000000000000078</c:v>
                 </c:pt>
                 <c:pt idx="16">
                   <c:v>0.8</c:v>
@@ -10764,13 +10765,13 @@
                     <c:v>10.271144045333999</c:v>
                   </c:pt>
                   <c:pt idx="2">
-                    <c:v>8.7504285609334502</c:v>
+                    <c:v>8.7504285609334485</c:v>
                   </c:pt>
                   <c:pt idx="3">
                     <c:v>9.8453847055358903</c:v>
                   </c:pt>
                   <c:pt idx="4">
-                    <c:v>7.4072667023673509</c:v>
+                    <c:v>7.4072667023673517</c:v>
                   </c:pt>
                   <c:pt idx="5">
                     <c:v>9.0667745091625598</c:v>
@@ -10797,10 +10798,10 @@
                     <c:v>6.3395898920986991</c:v>
                   </c:pt>
                   <c:pt idx="13">
-                    <c:v>7.3789159095357562</c:v>
+                    <c:v>7.3789159095357544</c:v>
                   </c:pt>
                   <c:pt idx="14">
-                    <c:v>6.1393484996374053</c:v>
+                    <c:v>6.1393484996374061</c:v>
                   </c:pt>
                   <c:pt idx="15">
                     <c:v>6.4084007365332569</c:v>
@@ -10809,13 +10810,13 @@
                     <c:v>5.9594966230378894</c:v>
                   </c:pt>
                   <c:pt idx="17">
-                    <c:v>6.3584903868764284</c:v>
+                    <c:v>6.3584903868764275</c:v>
                   </c:pt>
                   <c:pt idx="18">
-                    <c:v>5.3822300210971994</c:v>
+                    <c:v>5.3822300210971985</c:v>
                   </c:pt>
                   <c:pt idx="19">
-                    <c:v>5.5099909255823709</c:v>
+                    <c:v>5.5099909255823718</c:v>
                   </c:pt>
                   <c:pt idx="20">
                     <c:v>4.9421048147525157</c:v>
@@ -10852,7 +10853,7 @@
                   <c:v>0.1</c:v>
                 </c:pt>
                 <c:pt idx="3">
-                  <c:v>0.15000000000000013</c:v>
+                  <c:v>0.15000000000000016</c:v>
                 </c:pt>
                 <c:pt idx="4">
                   <c:v>0.2</c:v>
@@ -10861,10 +10862,10 @@
                   <c:v>0.25</c:v>
                 </c:pt>
                 <c:pt idx="6">
-                  <c:v>0.30000000000000027</c:v>
+                  <c:v>0.30000000000000032</c:v>
                 </c:pt>
                 <c:pt idx="7">
-                  <c:v>0.35000000000000026</c:v>
+                  <c:v>0.35000000000000031</c:v>
                 </c:pt>
                 <c:pt idx="8">
                   <c:v>0.4</c:v>
@@ -10882,13 +10883,13 @@
                   <c:v>0.60000000000000064</c:v>
                 </c:pt>
                 <c:pt idx="13">
-                  <c:v>0.6500000000000008</c:v>
+                  <c:v>0.65000000000000091</c:v>
                 </c:pt>
                 <c:pt idx="14">
                   <c:v>0.70000000000000062</c:v>
                 </c:pt>
                 <c:pt idx="15">
-                  <c:v>0.75000000000000056</c:v>
+                  <c:v>0.75000000000000078</c:v>
                 </c:pt>
                 <c:pt idx="16">
                   <c:v>0.8</c:v>
@@ -10982,11 +10983,11 @@
           </c:yVal>
           <c:smooth val="1"/>
         </c:ser>
-        <c:axId val="67204608"/>
-        <c:axId val="67206528"/>
+        <c:axId val="64325120"/>
+        <c:axId val="64327040"/>
       </c:scatterChart>
       <c:valAx>
-        <c:axId val="67204608"/>
+        <c:axId val="64325120"/>
         <c:scaling>
           <c:orientation val="minMax"/>
           <c:max val="1.2"/>
@@ -11032,12 +11033,12 @@
             <a:endParaRPr lang="en-US"/>
           </a:p>
         </c:txPr>
-        <c:crossAx val="67206528"/>
+        <c:crossAx val="64327040"/>
         <c:crosses val="autoZero"/>
         <c:crossBetween val="midCat"/>
       </c:valAx>
       <c:valAx>
-        <c:axId val="67206528"/>
+        <c:axId val="64327040"/>
         <c:scaling>
           <c:orientation val="minMax"/>
         </c:scaling>
@@ -11064,8 +11065,8 @@
             <c:manualLayout>
               <c:xMode val="edge"/>
               <c:yMode val="edge"/>
-              <c:x val="3.9751202974628211E-2"/>
-              <c:y val="0.38466482939632574"/>
+              <c:x val="3.9751202974628218E-2"/>
+              <c:y val="0.38466482939632585"/>
             </c:manualLayout>
           </c:layout>
         </c:title>
@@ -11081,7 +11082,7 @@
             <a:endParaRPr lang="en-US"/>
           </a:p>
         </c:txPr>
-        <c:crossAx val="67204608"/>
+        <c:crossAx val="64325120"/>
         <c:crosses val="autoZero"/>
         <c:crossBetween val="midCat"/>
       </c:valAx>
@@ -11142,7 +11143,7 @@
           <c:layoutTarget val="inner"/>
           <c:xMode val="edge"/>
           <c:yMode val="edge"/>
-          <c:x val="0.1086690726159231"/>
+          <c:x val="0.10866907261592311"/>
           <c:y val="0.14147007874015738"/>
           <c:w val="0.76666426071741034"/>
           <c:h val="0.67887296587926449"/>
@@ -11181,7 +11182,7 @@
                     <c:v>13.668416148186306</c:v>
                   </c:pt>
                   <c:pt idx="2">
-                    <c:v>10.491444133197309</c:v>
+                    <c:v>10.491444133197311</c:v>
                   </c:pt>
                   <c:pt idx="3">
                     <c:v>29.074359838180449</c:v>
@@ -11196,22 +11197,22 @@
                     <c:v>19.433054314749388</c:v>
                   </c:pt>
                   <c:pt idx="7">
-                    <c:v>20.723358801120998</c:v>
+                    <c:v>20.723358801120991</c:v>
                   </c:pt>
                   <c:pt idx="8">
-                    <c:v>15.9062754911387</c:v>
+                    <c:v>15.906275491138699</c:v>
                   </c:pt>
                   <c:pt idx="9">
                     <c:v>22.221152085344269</c:v>
                   </c:pt>
                   <c:pt idx="10">
-                    <c:v>31.906294049920604</c:v>
+                    <c:v>31.9062940499206</c:v>
                   </c:pt>
                   <c:pt idx="11">
                     <c:v>29.901812654085028</c:v>
                   </c:pt>
                   <c:pt idx="12">
-                    <c:v>25.448897815033153</c:v>
+                    <c:v>25.448897815033149</c:v>
                   </c:pt>
                   <c:pt idx="13">
                     <c:v>27.368039754428889</c:v>
@@ -11229,13 +11230,13 @@
                     <c:v>31.915945857831002</c:v>
                   </c:pt>
                   <c:pt idx="18">
-                    <c:v>18.935479925261969</c:v>
+                    <c:v>18.935479925261966</c:v>
                   </c:pt>
                   <c:pt idx="19">
                     <c:v>27.986882641694827</c:v>
                   </c:pt>
                   <c:pt idx="20">
-                    <c:v>23.784103935191652</c:v>
+                    <c:v>23.784103935191649</c:v>
                   </c:pt>
                 </c:numCache>
               </c:numRef>
@@ -11253,7 +11254,7 @@
                     <c:v>13.668416148186306</c:v>
                   </c:pt>
                   <c:pt idx="2">
-                    <c:v>10.491444133197309</c:v>
+                    <c:v>10.491444133197311</c:v>
                   </c:pt>
                   <c:pt idx="3">
                     <c:v>29.074359838180449</c:v>
@@ -11268,22 +11269,22 @@
                     <c:v>19.433054314749388</c:v>
                   </c:pt>
                   <c:pt idx="7">
-                    <c:v>20.723358801120998</c:v>
+                    <c:v>20.723358801120991</c:v>
                   </c:pt>
                   <c:pt idx="8">
-                    <c:v>15.9062754911387</c:v>
+                    <c:v>15.906275491138699</c:v>
                   </c:pt>
                   <c:pt idx="9">
                     <c:v>22.221152085344269</c:v>
                   </c:pt>
                   <c:pt idx="10">
-                    <c:v>31.906294049920604</c:v>
+                    <c:v>31.9062940499206</c:v>
                   </c:pt>
                   <c:pt idx="11">
                     <c:v>29.901812654085028</c:v>
                   </c:pt>
                   <c:pt idx="12">
-                    <c:v>25.448897815033153</c:v>
+                    <c:v>25.448897815033149</c:v>
                   </c:pt>
                   <c:pt idx="13">
                     <c:v>27.368039754428889</c:v>
@@ -11301,13 +11302,13 @@
                     <c:v>31.915945857831002</c:v>
                   </c:pt>
                   <c:pt idx="18">
-                    <c:v>18.935479925261969</c:v>
+                    <c:v>18.935479925261966</c:v>
                   </c:pt>
                   <c:pt idx="19">
                     <c:v>27.986882641694827</c:v>
                   </c:pt>
                   <c:pt idx="20">
-                    <c:v>23.784103935191652</c:v>
+                    <c:v>23.784103935191649</c:v>
                   </c:pt>
                 </c:numCache>
               </c:numRef>
@@ -11329,7 +11330,7 @@
                   <c:v>0.1</c:v>
                 </c:pt>
                 <c:pt idx="3">
-                  <c:v>0.15000000000000013</c:v>
+                  <c:v>0.15000000000000016</c:v>
                 </c:pt>
                 <c:pt idx="4">
                   <c:v>0.2</c:v>
@@ -11338,10 +11339,10 @@
                   <c:v>0.25</c:v>
                 </c:pt>
                 <c:pt idx="6">
-                  <c:v>0.30000000000000027</c:v>
+                  <c:v>0.30000000000000032</c:v>
                 </c:pt>
                 <c:pt idx="7">
-                  <c:v>0.35000000000000026</c:v>
+                  <c:v>0.35000000000000031</c:v>
                 </c:pt>
                 <c:pt idx="8">
                   <c:v>0.4</c:v>
@@ -11359,13 +11360,13 @@
                   <c:v>0.60000000000000064</c:v>
                 </c:pt>
                 <c:pt idx="13">
-                  <c:v>0.6500000000000008</c:v>
+                  <c:v>0.65000000000000091</c:v>
                 </c:pt>
                 <c:pt idx="14">
                   <c:v>0.70000000000000062</c:v>
                 </c:pt>
                 <c:pt idx="15">
-                  <c:v>0.75000000000000056</c:v>
+                  <c:v>0.75000000000000078</c:v>
                 </c:pt>
                 <c:pt idx="16">
                   <c:v>0.8</c:v>
@@ -11449,7 +11450,7 @@
                   <c:v>35.260000000000012</c:v>
                 </c:pt>
                 <c:pt idx="19">
-                  <c:v>39.879999999999995</c:v>
+                  <c:v>39.880000000000003</c:v>
                 </c:pt>
                 <c:pt idx="20">
                   <c:v>42.42</c:v>
@@ -11484,13 +11485,13 @@
                   <c:formatCode>General</c:formatCode>
                   <c:ptCount val="21"/>
                   <c:pt idx="0">
-                    <c:v>16.244986919046767</c:v>
+                    <c:v>16.24498691904677</c:v>
                   </c:pt>
                   <c:pt idx="1">
-                    <c:v>19.119215465075996</c:v>
+                    <c:v>19.119215465076</c:v>
                   </c:pt>
                   <c:pt idx="2">
-                    <c:v>15.406492138056624</c:v>
+                    <c:v>15.406492138056626</c:v>
                   </c:pt>
                   <c:pt idx="3">
                     <c:v>19.27200041511</c:v>
@@ -11499,13 +11500,13 @@
                     <c:v>17.637743619862491</c:v>
                   </c:pt>
                   <c:pt idx="5">
-                    <c:v>16.468454693747052</c:v>
+                    <c:v>16.468454693747049</c:v>
                   </c:pt>
                   <c:pt idx="6">
                     <c:v>24.107003131870211</c:v>
                   </c:pt>
                   <c:pt idx="7">
-                    <c:v>32.601380338875266</c:v>
+                    <c:v>32.601380338875273</c:v>
                   </c:pt>
                   <c:pt idx="8">
                     <c:v>25.503795795920269</c:v>
@@ -11523,7 +11524,7 @@
                     <c:v>21.843452108126129</c:v>
                   </c:pt>
                   <c:pt idx="13">
-                    <c:v>19.709500247342632</c:v>
+                    <c:v>19.709500247342628</c:v>
                   </c:pt>
                   <c:pt idx="14">
                     <c:v>34.217328943095481</c:v>
@@ -11535,10 +11536,10 @@
                     <c:v>26.441490124423769</c:v>
                   </c:pt>
                   <c:pt idx="17">
-                    <c:v>25.690901113040031</c:v>
+                    <c:v>25.690901113040034</c:v>
                   </c:pt>
                   <c:pt idx="18">
-                    <c:v>37.014051385926365</c:v>
+                    <c:v>37.014051385926358</c:v>
                   </c:pt>
                   <c:pt idx="19">
                     <c:v>39.382452945442594</c:v>
@@ -11556,13 +11557,13 @@
                   <c:formatCode>General</c:formatCode>
                   <c:ptCount val="21"/>
                   <c:pt idx="0">
-                    <c:v>16.244986919046767</c:v>
+                    <c:v>16.24498691904677</c:v>
                   </c:pt>
                   <c:pt idx="1">
-                    <c:v>19.119215465075996</c:v>
+                    <c:v>19.119215465076</c:v>
                   </c:pt>
                   <c:pt idx="2">
-                    <c:v>15.406492138056624</c:v>
+                    <c:v>15.406492138056626</c:v>
                   </c:pt>
                   <c:pt idx="3">
                     <c:v>19.27200041511</c:v>
@@ -11571,13 +11572,13 @@
                     <c:v>17.637743619862491</c:v>
                   </c:pt>
                   <c:pt idx="5">
-                    <c:v>16.468454693747052</c:v>
+                    <c:v>16.468454693747049</c:v>
                   </c:pt>
                   <c:pt idx="6">
                     <c:v>24.107003131870211</c:v>
                   </c:pt>
                   <c:pt idx="7">
-                    <c:v>32.601380338875266</c:v>
+                    <c:v>32.601380338875273</c:v>
                   </c:pt>
                   <c:pt idx="8">
                     <c:v>25.503795795920269</c:v>
@@ -11595,7 +11596,7 @@
                     <c:v>21.843452108126129</c:v>
                   </c:pt>
                   <c:pt idx="13">
-                    <c:v>19.709500247342632</c:v>
+                    <c:v>19.709500247342628</c:v>
                   </c:pt>
                   <c:pt idx="14">
                     <c:v>34.217328943095481</c:v>
@@ -11607,10 +11608,10 @@
                     <c:v>26.441490124423769</c:v>
                   </c:pt>
                   <c:pt idx="17">
-                    <c:v>25.690901113040031</c:v>
+                    <c:v>25.690901113040034</c:v>
                   </c:pt>
                   <c:pt idx="18">
-                    <c:v>37.014051385926365</c:v>
+                    <c:v>37.014051385926358</c:v>
                   </c:pt>
                   <c:pt idx="19">
                     <c:v>39.382452945442594</c:v>
@@ -11638,7 +11639,7 @@
                   <c:v>0.1</c:v>
                 </c:pt>
                 <c:pt idx="3">
-                  <c:v>0.15000000000000013</c:v>
+                  <c:v>0.15000000000000016</c:v>
                 </c:pt>
                 <c:pt idx="4">
                   <c:v>0.2</c:v>
@@ -11647,10 +11648,10 @@
                   <c:v>0.25</c:v>
                 </c:pt>
                 <c:pt idx="6">
-                  <c:v>0.30000000000000027</c:v>
+                  <c:v>0.30000000000000032</c:v>
                 </c:pt>
                 <c:pt idx="7">
-                  <c:v>0.35000000000000026</c:v>
+                  <c:v>0.35000000000000031</c:v>
                 </c:pt>
                 <c:pt idx="8">
                   <c:v>0.4</c:v>
@@ -11668,13 +11669,13 @@
                   <c:v>0.60000000000000064</c:v>
                 </c:pt>
                 <c:pt idx="13">
-                  <c:v>0.6500000000000008</c:v>
+                  <c:v>0.65000000000000091</c:v>
                 </c:pt>
                 <c:pt idx="14">
                   <c:v>0.70000000000000062</c:v>
                 </c:pt>
                 <c:pt idx="15">
-                  <c:v>0.75000000000000056</c:v>
+                  <c:v>0.75000000000000078</c:v>
                 </c:pt>
                 <c:pt idx="16">
                   <c:v>0.8</c:v>
@@ -11796,10 +11797,10 @@
                     <c:v>13.56862557520105</c:v>
                   </c:pt>
                   <c:pt idx="1">
-                    <c:v>17.463344467770177</c:v>
+                    <c:v>17.463344467770174</c:v>
                   </c:pt>
                   <c:pt idx="2">
-                    <c:v>15.905080949181004</c:v>
+                    <c:v>15.905080949181006</c:v>
                   </c:pt>
                   <c:pt idx="3">
                     <c:v>11.212296820901592</c:v>
@@ -11817,13 +11818,13 @@
                     <c:v>8.5327838364744721</c:v>
                   </c:pt>
                   <c:pt idx="8">
-                    <c:v>9.3125506710030965</c:v>
+                    <c:v>9.3125506710030983</c:v>
                   </c:pt>
                   <c:pt idx="9">
-                    <c:v>6.1307095837268353</c:v>
+                    <c:v>6.1307095837268362</c:v>
                   </c:pt>
                   <c:pt idx="10">
-                    <c:v>6.6224164773894909</c:v>
+                    <c:v>6.6224164773894882</c:v>
                   </c:pt>
                   <c:pt idx="11">
                     <c:v>7.3543456541013885</c:v>
@@ -11841,7 +11842,7 @@
                     <c:v>5.9999999999999991</c:v>
                   </c:pt>
                   <c:pt idx="16">
-                    <c:v>3.1192947920964462</c:v>
+                    <c:v>3.1192947920964467</c:v>
                   </c:pt>
                   <c:pt idx="17">
                     <c:v>1.9983993594874858</c:v>
@@ -11850,7 +11851,7 @@
                     <c:v>1.937937047481161</c:v>
                   </c:pt>
                   <c:pt idx="19">
-                    <c:v>2.0424495097798578</c:v>
+                    <c:v>2.0424495097798574</c:v>
                   </c:pt>
                   <c:pt idx="20">
                     <c:v>1.1634431657799189</c:v>
@@ -11868,10 +11869,10 @@
                     <c:v>13.56862557520105</c:v>
                   </c:pt>
                   <c:pt idx="1">
-                    <c:v>17.463344467770177</c:v>
+                    <c:v>17.463344467770174</c:v>
                   </c:pt>
                   <c:pt idx="2">
-                    <c:v>15.905080949181004</c:v>
+                    <c:v>15.905080949181006</c:v>
                   </c:pt>
                   <c:pt idx="3">
                     <c:v>11.212296820901592</c:v>
@@ -11889,13 +11890,13 @@
                     <c:v>8.5327838364744721</c:v>
                   </c:pt>
                   <c:pt idx="8">
-                    <c:v>9.3125506710030965</c:v>
+                    <c:v>9.3125506710030983</c:v>
                   </c:pt>
                   <c:pt idx="9">
-                    <c:v>6.1307095837268353</c:v>
+                    <c:v>6.1307095837268362</c:v>
                   </c:pt>
                   <c:pt idx="10">
-                    <c:v>6.6224164773894909</c:v>
+                    <c:v>6.6224164773894882</c:v>
                   </c:pt>
                   <c:pt idx="11">
                     <c:v>7.3543456541013885</c:v>
@@ -11913,7 +11914,7 @@
                     <c:v>5.9999999999999991</c:v>
                   </c:pt>
                   <c:pt idx="16">
-                    <c:v>3.1192947920964462</c:v>
+                    <c:v>3.1192947920964467</c:v>
                   </c:pt>
                   <c:pt idx="17">
                     <c:v>1.9983993594874858</c:v>
@@ -11922,7 +11923,7 @@
                     <c:v>1.937937047481161</c:v>
                   </c:pt>
                   <c:pt idx="19">
-                    <c:v>2.0424495097798578</c:v>
+                    <c:v>2.0424495097798574</c:v>
                   </c:pt>
                   <c:pt idx="20">
                     <c:v>1.1634431657799189</c:v>
@@ -11947,7 +11948,7 @@
                   <c:v>0.1</c:v>
                 </c:pt>
                 <c:pt idx="3">
-                  <c:v>0.15000000000000013</c:v>
+                  <c:v>0.15000000000000016</c:v>
                 </c:pt>
                 <c:pt idx="4">
                   <c:v>0.2</c:v>
@@ -11956,10 +11957,10 @@
                   <c:v>0.25</c:v>
                 </c:pt>
                 <c:pt idx="6">
-                  <c:v>0.30000000000000027</c:v>
+                  <c:v>0.30000000000000032</c:v>
                 </c:pt>
                 <c:pt idx="7">
-                  <c:v>0.35000000000000026</c:v>
+                  <c:v>0.35000000000000031</c:v>
                 </c:pt>
                 <c:pt idx="8">
                   <c:v>0.4</c:v>
@@ -11977,13 +11978,13 @@
                   <c:v>0.60000000000000064</c:v>
                 </c:pt>
                 <c:pt idx="13">
-                  <c:v>0.6500000000000008</c:v>
+                  <c:v>0.65000000000000091</c:v>
                 </c:pt>
                 <c:pt idx="14">
                   <c:v>0.70000000000000062</c:v>
                 </c:pt>
                 <c:pt idx="15">
-                  <c:v>0.75000000000000056</c:v>
+                  <c:v>0.75000000000000078</c:v>
                 </c:pt>
                 <c:pt idx="16">
                   <c:v>0.8</c:v>
@@ -12049,7 +12050,7 @@
                   <c:v>12.4</c:v>
                 </c:pt>
                 <c:pt idx="13">
-                  <c:v>11.639999999999999</c:v>
+                  <c:v>11.64</c:v>
                 </c:pt>
                 <c:pt idx="14">
                   <c:v>10.62</c:v>
@@ -12105,7 +12106,7 @@
                     <c:v>10.00177984160819</c:v>
                   </c:pt>
                   <c:pt idx="1">
-                    <c:v>10.662476260231498</c:v>
+                    <c:v>10.6624762602315</c:v>
                   </c:pt>
                   <c:pt idx="2">
                     <c:v>9.1586898626386528</c:v>
@@ -12123,10 +12124,10 @@
                     <c:v>14.24613631831452</c:v>
                   </c:pt>
                   <c:pt idx="7">
-                    <c:v>7.6565266276556452</c:v>
+                    <c:v>7.6565266276556443</c:v>
                   </c:pt>
                   <c:pt idx="8">
-                    <c:v>7.4409945571811793</c:v>
+                    <c:v>7.4409945571811784</c:v>
                   </c:pt>
                   <c:pt idx="9">
                     <c:v>8.2390290690104919</c:v>
@@ -12144,7 +12145,7 @@
                     <c:v>5.3209397666201745</c:v>
                   </c:pt>
                   <c:pt idx="14">
-                    <c:v>3.925761072709343</c:v>
+                    <c:v>3.9257610727093435</c:v>
                   </c:pt>
                   <c:pt idx="15">
                     <c:v>3.48</c:v>
@@ -12156,10 +12157,10 @@
                     <c:v>1.9287301521985909</c:v>
                   </c:pt>
                   <c:pt idx="18">
-                    <c:v>1.7116074316267751</c:v>
+                    <c:v>1.7116074316267753</c:v>
                   </c:pt>
                   <c:pt idx="19">
-                    <c:v>1.8629009635512053</c:v>
+                    <c:v>1.8629009635512057</c:v>
                   </c:pt>
                   <c:pt idx="20">
                     <c:v>1.3965672200076871</c:v>
@@ -12196,7 +12197,7 @@
                   <c:v>0.1</c:v>
                 </c:pt>
                 <c:pt idx="3">
-                  <c:v>0.15000000000000013</c:v>
+                  <c:v>0.15000000000000016</c:v>
                 </c:pt>
                 <c:pt idx="4">
                   <c:v>0.2</c:v>
@@ -12205,10 +12206,10 @@
                   <c:v>0.25</c:v>
                 </c:pt>
                 <c:pt idx="6">
-                  <c:v>0.30000000000000027</c:v>
+                  <c:v>0.30000000000000032</c:v>
                 </c:pt>
                 <c:pt idx="7">
-                  <c:v>0.35000000000000026</c:v>
+                  <c:v>0.35000000000000031</c:v>
                 </c:pt>
                 <c:pt idx="8">
                   <c:v>0.4</c:v>
@@ -12226,13 +12227,13 @@
                   <c:v>0.60000000000000064</c:v>
                 </c:pt>
                 <c:pt idx="13">
-                  <c:v>0.6500000000000008</c:v>
+                  <c:v>0.65000000000000091</c:v>
                 </c:pt>
                 <c:pt idx="14">
                   <c:v>0.70000000000000062</c:v>
                 </c:pt>
                 <c:pt idx="15">
-                  <c:v>0.75000000000000056</c:v>
+                  <c:v>0.75000000000000078</c:v>
                 </c:pt>
                 <c:pt idx="16">
                   <c:v>0.8</c:v>
@@ -12286,7 +12287,7 @@
                   <c:v>15.54</c:v>
                 </c:pt>
                 <c:pt idx="9">
-                  <c:v>14.719999999999999</c:v>
+                  <c:v>14.72</c:v>
                 </c:pt>
                 <c:pt idx="10">
                   <c:v>12.98</c:v>
@@ -12298,7 +12299,7 @@
                   <c:v>12.44</c:v>
                 </c:pt>
                 <c:pt idx="13">
-                  <c:v>10.739999999999998</c:v>
+                  <c:v>10.74</c:v>
                 </c:pt>
                 <c:pt idx="14">
                   <c:v>9.7800000000000011</c:v>
@@ -12326,11 +12327,11 @@
           </c:yVal>
           <c:smooth val="1"/>
         </c:ser>
-        <c:axId val="67248896"/>
-        <c:axId val="67250816"/>
+        <c:axId val="64508672"/>
+        <c:axId val="64510592"/>
       </c:scatterChart>
       <c:valAx>
-        <c:axId val="67248896"/>
+        <c:axId val="64508672"/>
         <c:scaling>
           <c:orientation val="minMax"/>
         </c:scaling>
@@ -12374,12 +12375,12 @@
             <a:endParaRPr lang="en-US"/>
           </a:p>
         </c:txPr>
-        <c:crossAx val="67250816"/>
+        <c:crossAx val="64510592"/>
         <c:crosses val="autoZero"/>
         <c:crossBetween val="midCat"/>
       </c:valAx>
       <c:valAx>
-        <c:axId val="67250816"/>
+        <c:axId val="64510592"/>
         <c:scaling>
           <c:orientation val="minMax"/>
         </c:scaling>
@@ -12406,7 +12407,7 @@
             <c:manualLayout>
               <c:xMode val="edge"/>
               <c:yMode val="edge"/>
-              <c:x val="3.9653980752405983E-2"/>
+              <c:x val="3.965398075240599E-2"/>
               <c:y val="0.40466482939632548"/>
             </c:manualLayout>
           </c:layout>
@@ -12423,7 +12424,7 @@
             <a:endParaRPr lang="en-US"/>
           </a:p>
         </c:txPr>
-        <c:crossAx val="67248896"/>
+        <c:crossAx val="64508672"/>
         <c:crosses val="autoZero"/>
         <c:crossBetween val="midCat"/>
       </c:valAx>
@@ -12482,10 +12483,10 @@
           <c:layoutTarget val="inner"/>
           <c:xMode val="edge"/>
           <c:yMode val="edge"/>
-          <c:x val="0.1086690726159231"/>
+          <c:x val="0.10866907261592311"/>
           <c:y val="0.12535897856517936"/>
           <c:w val="0.77434470691163604"/>
-          <c:h val="0.70942831364829484"/>
+          <c:h val="0.70942831364829495"/>
         </c:manualLayout>
       </c:layout>
       <c:scatterChart>
@@ -12521,25 +12522,25 @@
                     <c:v>25.857795729721431</c:v>
                   </c:pt>
                   <c:pt idx="2">
-                    <c:v>29.590160526769694</c:v>
+                    <c:v>29.59016052676969</c:v>
                   </c:pt>
                   <c:pt idx="3">
-                    <c:v>35.966184117862667</c:v>
+                    <c:v>35.966184117862653</c:v>
                   </c:pt>
                   <c:pt idx="4">
-                    <c:v>32.071644797234775</c:v>
+                    <c:v>32.071644797234768</c:v>
                   </c:pt>
                   <c:pt idx="5">
                     <c:v>31.932359762472927</c:v>
                   </c:pt>
                   <c:pt idx="6">
-                    <c:v>39.912484262445957</c:v>
+                    <c:v>39.91248426244595</c:v>
                   </c:pt>
                   <c:pt idx="7">
                     <c:v>32.368632964646494</c:v>
                   </c:pt>
                   <c:pt idx="8">
-                    <c:v>37.724162018526037</c:v>
+                    <c:v>37.724162018526044</c:v>
                   </c:pt>
                   <c:pt idx="9">
                     <c:v>35.731778573141305</c:v>
@@ -12554,7 +12555,7 @@
                     <c:v>44.1334159113024</c:v>
                   </c:pt>
                   <c:pt idx="13">
-                    <c:v>30.502039276087725</c:v>
+                    <c:v>30.502039276087718</c:v>
                   </c:pt>
                   <c:pt idx="14">
                     <c:v>41.006340973073911</c:v>
@@ -12563,19 +12564,19 @@
                     <c:v>38.853385952835545</c:v>
                   </c:pt>
                   <c:pt idx="16">
-                    <c:v>38.99043985389234</c:v>
+                    <c:v>38.990439853892333</c:v>
                   </c:pt>
                   <c:pt idx="17">
-                    <c:v>44.968771386374385</c:v>
+                    <c:v>44.968771386374392</c:v>
                   </c:pt>
                   <c:pt idx="18">
-                    <c:v>41.549989169673609</c:v>
+                    <c:v>41.549989169673594</c:v>
                   </c:pt>
                   <c:pt idx="19">
                     <c:v>39.798874355941273</c:v>
                   </c:pt>
                   <c:pt idx="20">
-                    <c:v>46.443359051644784</c:v>
+                    <c:v>46.443359051644777</c:v>
                   </c:pt>
                 </c:numCache>
               </c:numRef>
@@ -12593,25 +12594,25 @@
                     <c:v>25.857795729721431</c:v>
                   </c:pt>
                   <c:pt idx="2">
-                    <c:v>29.590160526769694</c:v>
+                    <c:v>29.59016052676969</c:v>
                   </c:pt>
                   <c:pt idx="3">
-                    <c:v>35.966184117862667</c:v>
+                    <c:v>35.966184117862653</c:v>
                   </c:pt>
                   <c:pt idx="4">
-                    <c:v>32.071644797234775</c:v>
+                    <c:v>32.071644797234768</c:v>
                   </c:pt>
                   <c:pt idx="5">
                     <c:v>31.932359762472927</c:v>
                   </c:pt>
                   <c:pt idx="6">
-                    <c:v>39.912484262445957</c:v>
+                    <c:v>39.91248426244595</c:v>
                   </c:pt>
                   <c:pt idx="7">
                     <c:v>32.368632964646494</c:v>
                   </c:pt>
                   <c:pt idx="8">
-                    <c:v>37.724162018526037</c:v>
+                    <c:v>37.724162018526044</c:v>
                   </c:pt>
                   <c:pt idx="9">
                     <c:v>35.731778573141305</c:v>
@@ -12626,7 +12627,7 @@
                     <c:v>44.1334159113024</c:v>
                   </c:pt>
                   <c:pt idx="13">
-                    <c:v>30.502039276087725</c:v>
+                    <c:v>30.502039276087718</c:v>
                   </c:pt>
                   <c:pt idx="14">
                     <c:v>41.006340973073911</c:v>
@@ -12635,19 +12636,19 @@
                     <c:v>38.853385952835545</c:v>
                   </c:pt>
                   <c:pt idx="16">
-                    <c:v>38.99043985389234</c:v>
+                    <c:v>38.990439853892333</c:v>
                   </c:pt>
                   <c:pt idx="17">
-                    <c:v>44.968771386374385</c:v>
+                    <c:v>44.968771386374392</c:v>
                   </c:pt>
                   <c:pt idx="18">
-                    <c:v>41.549989169673609</c:v>
+                    <c:v>41.549989169673594</c:v>
                   </c:pt>
                   <c:pt idx="19">
                     <c:v>39.798874355941273</c:v>
                   </c:pt>
                   <c:pt idx="20">
-                    <c:v>46.443359051644784</c:v>
+                    <c:v>46.443359051644777</c:v>
                   </c:pt>
                 </c:numCache>
               </c:numRef>
@@ -12669,7 +12670,7 @@
                   <c:v>0.1</c:v>
                 </c:pt>
                 <c:pt idx="3">
-                  <c:v>0.15000000000000013</c:v>
+                  <c:v>0.15000000000000016</c:v>
                 </c:pt>
                 <c:pt idx="4">
                   <c:v>0.2</c:v>
@@ -12678,10 +12679,10 @@
                   <c:v>0.25</c:v>
                 </c:pt>
                 <c:pt idx="6">
-                  <c:v>0.30000000000000027</c:v>
+                  <c:v>0.30000000000000032</c:v>
                 </c:pt>
                 <c:pt idx="7">
-                  <c:v>0.35000000000000026</c:v>
+                  <c:v>0.35000000000000031</c:v>
                 </c:pt>
                 <c:pt idx="8">
                   <c:v>0.4</c:v>
@@ -12699,13 +12700,13 @@
                   <c:v>0.60000000000000064</c:v>
                 </c:pt>
                 <c:pt idx="13">
-                  <c:v>0.6500000000000008</c:v>
+                  <c:v>0.65000000000000091</c:v>
                 </c:pt>
                 <c:pt idx="14">
                   <c:v>0.70000000000000062</c:v>
                 </c:pt>
                 <c:pt idx="15">
-                  <c:v>0.75000000000000056</c:v>
+                  <c:v>0.75000000000000078</c:v>
                 </c:pt>
                 <c:pt idx="16">
                   <c:v>0.8</c:v>
@@ -12735,7 +12736,7 @@
                   <c:v>70.319999999999993</c:v>
                 </c:pt>
                 <c:pt idx="1">
-                  <c:v>58.879999999999995</c:v>
+                  <c:v>58.88</c:v>
                 </c:pt>
                 <c:pt idx="2">
                   <c:v>65.679999999999978</c:v>
@@ -12839,7 +12840,7 @@
                     <c:v>19.288597668052493</c:v>
                   </c:pt>
                   <c:pt idx="5">
-                    <c:v>24.171793479177317</c:v>
+                    <c:v>24.171793479177314</c:v>
                   </c:pt>
                   <c:pt idx="6">
                     <c:v>20.912857289237159</c:v>
@@ -12911,7 +12912,7 @@
                     <c:v>19.288597668052493</c:v>
                   </c:pt>
                   <c:pt idx="5">
-                    <c:v>24.171793479177317</c:v>
+                    <c:v>24.171793479177314</c:v>
                   </c:pt>
                   <c:pt idx="6">
                     <c:v>20.912857289237159</c:v>
@@ -12978,7 +12979,7 @@
                   <c:v>0.1</c:v>
                 </c:pt>
                 <c:pt idx="3">
-                  <c:v>0.15000000000000013</c:v>
+                  <c:v>0.15000000000000016</c:v>
                 </c:pt>
                 <c:pt idx="4">
                   <c:v>0.2</c:v>
@@ -12987,10 +12988,10 @@
                   <c:v>0.25</c:v>
                 </c:pt>
                 <c:pt idx="6">
-                  <c:v>0.30000000000000027</c:v>
+                  <c:v>0.30000000000000032</c:v>
                 </c:pt>
                 <c:pt idx="7">
-                  <c:v>0.35000000000000026</c:v>
+                  <c:v>0.35000000000000031</c:v>
                 </c:pt>
                 <c:pt idx="8">
                   <c:v>0.4</c:v>
@@ -13008,13 +13009,13 @@
                   <c:v>0.60000000000000064</c:v>
                 </c:pt>
                 <c:pt idx="13">
-                  <c:v>0.6500000000000008</c:v>
+                  <c:v>0.65000000000000091</c:v>
                 </c:pt>
                 <c:pt idx="14">
                   <c:v>0.70000000000000062</c:v>
                 </c:pt>
                 <c:pt idx="15">
-                  <c:v>0.75000000000000056</c:v>
+                  <c:v>0.75000000000000078</c:v>
                 </c:pt>
                 <c:pt idx="16">
                   <c:v>0.8</c:v>
@@ -13077,7 +13078,7 @@
                   <c:v>40.020000000000003</c:v>
                 </c:pt>
                 <c:pt idx="12">
-                  <c:v>37.339999999999996</c:v>
+                  <c:v>37.340000000000003</c:v>
                 </c:pt>
                 <c:pt idx="13">
                   <c:v>35.06</c:v>
@@ -13101,7 +13102,7 @@
                   <c:v>12.76</c:v>
                 </c:pt>
                 <c:pt idx="20">
-                  <c:v>8.6399999999999988</c:v>
+                  <c:v>8.64</c:v>
                 </c:pt>
               </c:numCache>
             </c:numRef>
@@ -13139,13 +13140,13 @@
                     <c:v>26.459213896108089</c:v>
                   </c:pt>
                   <c:pt idx="2">
-                    <c:v>30.123937325655177</c:v>
+                    <c:v>30.123937325655181</c:v>
                   </c:pt>
                   <c:pt idx="3">
-                    <c:v>20.908601100982317</c:v>
+                    <c:v>20.908601100982313</c:v>
                   </c:pt>
                   <c:pt idx="4">
-                    <c:v>20.947257577067198</c:v>
+                    <c:v>20.947257577067191</c:v>
                   </c:pt>
                   <c:pt idx="5">
                     <c:v>25.80523977799858</c:v>
@@ -13154,34 +13155,34 @@
                     <c:v>22.59348578683689</c:v>
                   </c:pt>
                   <c:pt idx="7">
-                    <c:v>26.059163455491067</c:v>
+                    <c:v>26.05916345549107</c:v>
                   </c:pt>
                   <c:pt idx="8">
                     <c:v>17.664937022248338</c:v>
                   </c:pt>
                   <c:pt idx="9">
-                    <c:v>18.463466630077864</c:v>
+                    <c:v>18.463466630077857</c:v>
                   </c:pt>
                   <c:pt idx="10">
                     <c:v>17.203488018422309</c:v>
                   </c:pt>
                   <c:pt idx="11">
-                    <c:v>15.885452464440549</c:v>
+                    <c:v>15.885452464440551</c:v>
                   </c:pt>
                   <c:pt idx="12">
-                    <c:v>13.555574499076029</c:v>
+                    <c:v>13.55557449907603</c:v>
                   </c:pt>
                   <c:pt idx="13">
                     <c:v>14.236024726025168</c:v>
                   </c:pt>
                   <c:pt idx="14">
-                    <c:v>14.552855389922629</c:v>
+                    <c:v>14.55285538992263</c:v>
                   </c:pt>
                   <c:pt idx="15">
-                    <c:v>9.3783580652478751</c:v>
+                    <c:v>9.3783580652478733</c:v>
                   </c:pt>
                   <c:pt idx="16">
-                    <c:v>9.7302826269333007</c:v>
+                    <c:v>9.7302826269332989</c:v>
                   </c:pt>
                   <c:pt idx="17">
                     <c:v>7.6765617303581974</c:v>
@@ -13193,7 +13194,7 @@
                     <c:v>3.9216833120485388</c:v>
                   </c:pt>
                   <c:pt idx="20">
-                    <c:v>1.1173182178770729</c:v>
+                    <c:v>1.1173182178770726</c:v>
                   </c:pt>
                 </c:numCache>
               </c:numRef>
@@ -13211,13 +13212,13 @@
                     <c:v>26.459213896108089</c:v>
                   </c:pt>
                   <c:pt idx="2">
-                    <c:v>30.123937325655177</c:v>
+                    <c:v>30.123937325655181</c:v>
                   </c:pt>
                   <c:pt idx="3">
-                    <c:v>20.908601100982317</c:v>
+                    <c:v>20.908601100982313</c:v>
                   </c:pt>
                   <c:pt idx="4">
-                    <c:v>20.947257577067198</c:v>
+                    <c:v>20.947257577067191</c:v>
                   </c:pt>
                   <c:pt idx="5">
                     <c:v>25.80523977799858</c:v>
@@ -13226,34 +13227,34 @@
                     <c:v>22.59348578683689</c:v>
                   </c:pt>
                   <c:pt idx="7">
-                    <c:v>26.059163455491067</c:v>
+                    <c:v>26.05916345549107</c:v>
                   </c:pt>
                   <c:pt idx="8">
                     <c:v>17.664937022248338</c:v>
                   </c:pt>
                   <c:pt idx="9">
-                    <c:v>18.463466630077864</c:v>
+                    <c:v>18.463466630077857</c:v>
                   </c:pt>
                   <c:pt idx="10">
                     <c:v>17.203488018422309</c:v>
                   </c:pt>
                   <c:pt idx="11">
-                    <c:v>15.885452464440549</c:v>
+                    <c:v>15.885452464440551</c:v>
                   </c:pt>
                   <c:pt idx="12">
-                    <c:v>13.555574499076029</c:v>
+                    <c:v>13.55557449907603</c:v>
                   </c:pt>
                   <c:pt idx="13">
                     <c:v>14.236024726025168</c:v>
                   </c:pt>
                   <c:pt idx="14">
-                    <c:v>14.552855389922629</c:v>
+                    <c:v>14.55285538992263</c:v>
                   </c:pt>
                   <c:pt idx="15">
-                    <c:v>9.3783580652478751</c:v>
+                    <c:v>9.3783580652478733</c:v>
                   </c:pt>
                   <c:pt idx="16">
-                    <c:v>9.7302826269333007</c:v>
+                    <c:v>9.7302826269332989</c:v>
                   </c:pt>
                   <c:pt idx="17">
                     <c:v>7.6765617303581974</c:v>
@@ -13265,7 +13266,7 @@
                     <c:v>3.9216833120485388</c:v>
                   </c:pt>
                   <c:pt idx="20">
-                    <c:v>1.1173182178770729</c:v>
+                    <c:v>1.1173182178770726</c:v>
                   </c:pt>
                 </c:numCache>
               </c:numRef>
@@ -13287,7 +13288,7 @@
                   <c:v>0.1</c:v>
                 </c:pt>
                 <c:pt idx="3">
-                  <c:v>0.15000000000000013</c:v>
+                  <c:v>0.15000000000000016</c:v>
                 </c:pt>
                 <c:pt idx="4">
                   <c:v>0.2</c:v>
@@ -13296,10 +13297,10 @@
                   <c:v>0.25</c:v>
                 </c:pt>
                 <c:pt idx="6">
-                  <c:v>0.30000000000000027</c:v>
+                  <c:v>0.30000000000000032</c:v>
                 </c:pt>
                 <c:pt idx="7">
-                  <c:v>0.35000000000000026</c:v>
+                  <c:v>0.35000000000000031</c:v>
                 </c:pt>
                 <c:pt idx="8">
                   <c:v>0.4</c:v>
@@ -13317,13 +13318,13 @@
                   <c:v>0.60000000000000064</c:v>
                 </c:pt>
                 <c:pt idx="13">
-                  <c:v>0.6500000000000008</c:v>
+                  <c:v>0.65000000000000091</c:v>
                 </c:pt>
                 <c:pt idx="14">
                   <c:v>0.70000000000000062</c:v>
                 </c:pt>
                 <c:pt idx="15">
-                  <c:v>0.75000000000000056</c:v>
+                  <c:v>0.75000000000000078</c:v>
                 </c:pt>
                 <c:pt idx="16">
                   <c:v>0.8</c:v>
@@ -13368,7 +13369,7 @@
                   <c:v>53.64</c:v>
                 </c:pt>
                 <c:pt idx="6">
-                  <c:v>54.879999999999995</c:v>
+                  <c:v>54.88</c:v>
                 </c:pt>
                 <c:pt idx="7">
                   <c:v>50.6</c:v>
@@ -13439,7 +13440,7 @@
                   <c:v>0.1</c:v>
                 </c:pt>
                 <c:pt idx="3">
-                  <c:v>0.15000000000000013</c:v>
+                  <c:v>0.15000000000000016</c:v>
                 </c:pt>
                 <c:pt idx="4">
                   <c:v>0.2</c:v>
@@ -13448,10 +13449,10 @@
                   <c:v>0.25</c:v>
                 </c:pt>
                 <c:pt idx="6">
-                  <c:v>0.30000000000000027</c:v>
+                  <c:v>0.30000000000000032</c:v>
                 </c:pt>
                 <c:pt idx="7">
-                  <c:v>0.35000000000000026</c:v>
+                  <c:v>0.35000000000000031</c:v>
                 </c:pt>
                 <c:pt idx="8">
                   <c:v>0.4</c:v>
@@ -13469,13 +13470,13 @@
                   <c:v>0.60000000000000064</c:v>
                 </c:pt>
                 <c:pt idx="13">
-                  <c:v>0.6500000000000008</c:v>
+                  <c:v>0.65000000000000091</c:v>
                 </c:pt>
                 <c:pt idx="14">
                   <c:v>0.70000000000000062</c:v>
                 </c:pt>
                 <c:pt idx="15">
-                  <c:v>0.75000000000000056</c:v>
+                  <c:v>0.75000000000000078</c:v>
                 </c:pt>
                 <c:pt idx="16">
                   <c:v>0.8</c:v>
@@ -13502,7 +13503,7 @@
                 <c:formatCode>General</c:formatCode>
                 <c:ptCount val="21"/>
                 <c:pt idx="0">
-                  <c:v>62.339999999999996</c:v>
+                  <c:v>62.34</c:v>
                 </c:pt>
                 <c:pt idx="1">
                   <c:v>62.02</c:v>
@@ -13569,11 +13570,11 @@
           </c:yVal>
           <c:smooth val="1"/>
         </c:ser>
-        <c:axId val="67574784"/>
-        <c:axId val="67585152"/>
+        <c:axId val="64560128"/>
+        <c:axId val="64582784"/>
       </c:scatterChart>
       <c:valAx>
-        <c:axId val="67574784"/>
+        <c:axId val="64560128"/>
         <c:scaling>
           <c:orientation val="minMax"/>
         </c:scaling>
@@ -13600,7 +13601,7 @@
             <c:manualLayout>
               <c:xMode val="edge"/>
               <c:yMode val="edge"/>
-              <c:x val="0.46591776027996562"/>
+              <c:x val="0.46591776027996573"/>
               <c:y val="0.89719898293963252"/>
             </c:manualLayout>
           </c:layout>
@@ -13617,12 +13618,12 @@
             <a:endParaRPr lang="en-US"/>
           </a:p>
         </c:txPr>
-        <c:crossAx val="67585152"/>
+        <c:crossAx val="64582784"/>
         <c:crosses val="autoZero"/>
         <c:crossBetween val="midCat"/>
       </c:valAx>
       <c:valAx>
-        <c:axId val="67585152"/>
+        <c:axId val="64582784"/>
         <c:scaling>
           <c:orientation val="minMax"/>
         </c:scaling>
@@ -13649,7 +13650,7 @@
             <c:manualLayout>
               <c:xMode val="edge"/>
               <c:yMode val="edge"/>
-              <c:x val="3.9653980752405983E-2"/>
+              <c:x val="3.965398075240599E-2"/>
               <c:y val="0.38329368985126888"/>
             </c:manualLayout>
           </c:layout>
@@ -13666,7 +13667,7 @@
             <a:endParaRPr lang="en-US"/>
           </a:p>
         </c:txPr>
-        <c:crossAx val="67574784"/>
+        <c:crossAx val="64560128"/>
         <c:crosses val="autoZero"/>
         <c:crossBetween val="midCat"/>
       </c:valAx>
@@ -13756,16 +13757,16 @@
                   <c:formatCode>General</c:formatCode>
                   <c:ptCount val="21"/>
                   <c:pt idx="0">
-                    <c:v>4.3174066289845783</c:v>
+                    <c:v>4.3174066289845774</c:v>
                   </c:pt>
                   <c:pt idx="1">
-                    <c:v>5.4785399514834268</c:v>
+                    <c:v>5.4785399514834277</c:v>
                   </c:pt>
                   <c:pt idx="2">
                     <c:v>6.8934751758456354</c:v>
                   </c:pt>
                   <c:pt idx="3">
-                    <c:v>5.8879198364108136</c:v>
+                    <c:v>5.8879198364108118</c:v>
                   </c:pt>
                   <c:pt idx="4">
                     <c:v>4.4862456464175029</c:v>
@@ -13774,19 +13775,19 @@
                     <c:v>5.8531700812465717</c:v>
                   </c:pt>
                   <c:pt idx="6">
-                    <c:v>7.0313583324987805</c:v>
+                    <c:v>7.0313583324987814</c:v>
                   </c:pt>
                   <c:pt idx="7">
                     <c:v>6.1599999999999975</c:v>
                   </c:pt>
                   <c:pt idx="8">
-                    <c:v>6.0279681485555283</c:v>
+                    <c:v>6.0279681485555274</c:v>
                   </c:pt>
                   <c:pt idx="9">
                     <c:v>5.3823786563191556</c:v>
                   </c:pt>
                   <c:pt idx="10">
-                    <c:v>4.2628159706935467</c:v>
+                    <c:v>4.2628159706935458</c:v>
                   </c:pt>
                   <c:pt idx="11">
                     <c:v>4.5514393327825431</c:v>
@@ -13810,13 +13811,13 @@
                     <c:v>5.1179683469126696</c:v>
                   </c:pt>
                   <c:pt idx="18">
-                    <c:v>6.3812224534175321</c:v>
+                    <c:v>6.381222453417533</c:v>
                   </c:pt>
                   <c:pt idx="19">
-                    <c:v>6.1510649484459137</c:v>
+                    <c:v>6.1510649484459119</c:v>
                   </c:pt>
                   <c:pt idx="20">
-                    <c:v>5.5776697643370792</c:v>
+                    <c:v>5.5776697643370801</c:v>
                   </c:pt>
                 </c:numCache>
               </c:numRef>
@@ -13828,16 +13829,16 @@
                   <c:formatCode>General</c:formatCode>
                   <c:ptCount val="21"/>
                   <c:pt idx="0">
-                    <c:v>4.3174066289845783</c:v>
+                    <c:v>4.3174066289845774</c:v>
                   </c:pt>
                   <c:pt idx="1">
-                    <c:v>5.4785399514834268</c:v>
+                    <c:v>5.4785399514834277</c:v>
                   </c:pt>
                   <c:pt idx="2">
                     <c:v>6.8934751758456354</c:v>
                   </c:pt>
                   <c:pt idx="3">
-                    <c:v>5.8879198364108136</c:v>
+                    <c:v>5.8879198364108118</c:v>
                   </c:pt>
                   <c:pt idx="4">
                     <c:v>4.4862456464175029</c:v>
@@ -13846,19 +13847,19 @@
                     <c:v>5.8531700812465717</c:v>
                   </c:pt>
                   <c:pt idx="6">
-                    <c:v>7.0313583324987805</c:v>
+                    <c:v>7.0313583324987814</c:v>
                   </c:pt>
                   <c:pt idx="7">
                     <c:v>6.1599999999999975</c:v>
                   </c:pt>
                   <c:pt idx="8">
-                    <c:v>6.0279681485555283</c:v>
+                    <c:v>6.0279681485555274</c:v>
                   </c:pt>
                   <c:pt idx="9">
                     <c:v>5.3823786563191556</c:v>
                   </c:pt>
                   <c:pt idx="10">
-                    <c:v>4.2628159706935467</c:v>
+                    <c:v>4.2628159706935458</c:v>
                   </c:pt>
                   <c:pt idx="11">
                     <c:v>4.5514393327825431</c:v>
@@ -13882,13 +13883,13 @@
                     <c:v>5.1179683469126696</c:v>
                   </c:pt>
                   <c:pt idx="18">
-                    <c:v>6.3812224534175321</c:v>
+                    <c:v>6.381222453417533</c:v>
                   </c:pt>
                   <c:pt idx="19">
-                    <c:v>6.1510649484459137</c:v>
+                    <c:v>6.1510649484459119</c:v>
                   </c:pt>
                   <c:pt idx="20">
-                    <c:v>5.5776697643370792</c:v>
+                    <c:v>5.5776697643370801</c:v>
                   </c:pt>
                 </c:numCache>
               </c:numRef>
@@ -13910,7 +13911,7 @@
                   <c:v>0.1</c:v>
                 </c:pt>
                 <c:pt idx="3">
-                  <c:v>0.15000000000000008</c:v>
+                  <c:v>0.15000000000000011</c:v>
                 </c:pt>
                 <c:pt idx="4">
                   <c:v>0.2</c:v>
@@ -13919,10 +13920,10 @@
                   <c:v>0.25</c:v>
                 </c:pt>
                 <c:pt idx="6">
-                  <c:v>0.30000000000000016</c:v>
+                  <c:v>0.30000000000000021</c:v>
                 </c:pt>
                 <c:pt idx="7">
-                  <c:v>0.35000000000000014</c:v>
+                  <c:v>0.3500000000000002</c:v>
                 </c:pt>
                 <c:pt idx="8">
                   <c:v>0.4</c:v>
@@ -13937,28 +13938,28 @@
                   <c:v>0.55000000000000004</c:v>
                 </c:pt>
                 <c:pt idx="12">
-                  <c:v>0.60000000000000042</c:v>
+                  <c:v>0.60000000000000053</c:v>
                 </c:pt>
                 <c:pt idx="13">
-                  <c:v>0.65000000000000036</c:v>
+                  <c:v>0.65000000000000058</c:v>
                 </c:pt>
                 <c:pt idx="14">
-                  <c:v>0.7000000000000004</c:v>
+                  <c:v>0.70000000000000051</c:v>
                 </c:pt>
                 <c:pt idx="15">
-                  <c:v>0.75000000000000033</c:v>
+                  <c:v>0.75000000000000044</c:v>
                 </c:pt>
                 <c:pt idx="16">
                   <c:v>0.8</c:v>
                 </c:pt>
                 <c:pt idx="17">
-                  <c:v>0.85000000000000042</c:v>
+                  <c:v>0.85000000000000053</c:v>
                 </c:pt>
                 <c:pt idx="18">
                   <c:v>0.9</c:v>
                 </c:pt>
                 <c:pt idx="19">
-                  <c:v>0.9500000000000004</c:v>
+                  <c:v>0.95000000000000051</c:v>
                 </c:pt>
                 <c:pt idx="20">
                   <c:v>1</c:v>
@@ -14018,7 +14019,7 @@
                   <c:v>15.68</c:v>
                 </c:pt>
                 <c:pt idx="15">
-                  <c:v>16.95999999999999</c:v>
+                  <c:v>16.959999999999987</c:v>
                 </c:pt>
                 <c:pt idx="16">
                   <c:v>16.059999999999999</c:v>
@@ -14065,10 +14066,10 @@
                   <c:formatCode>General</c:formatCode>
                   <c:ptCount val="21"/>
                   <c:pt idx="0">
-                    <c:v>5.0362287477834071</c:v>
+                    <c:v>5.036228747783408</c:v>
                   </c:pt>
                   <c:pt idx="1">
-                    <c:v>5.4304327636018135</c:v>
+                    <c:v>5.4304327636018144</c:v>
                   </c:pt>
                   <c:pt idx="2">
                     <c:v>4.2941821107167755</c:v>
@@ -14083,28 +14084,28 @@
                     <c:v>4.9343287284087589</c:v>
                   </c:pt>
                   <c:pt idx="6">
-                    <c:v>5.1691391933280375</c:v>
+                    <c:v>5.1691391933280384</c:v>
                   </c:pt>
                   <c:pt idx="7">
-                    <c:v>5.369692728639138</c:v>
+                    <c:v>5.3696927286391389</c:v>
                   </c:pt>
                   <c:pt idx="8">
                     <c:v>5.498399767205</c:v>
                   </c:pt>
                   <c:pt idx="9">
-                    <c:v>4.8916663827370765</c:v>
+                    <c:v>4.8916663827370783</c:v>
                   </c:pt>
                   <c:pt idx="10">
-                    <c:v>4.7425309698514333</c:v>
+                    <c:v>4.7425309698514315</c:v>
                   </c:pt>
                   <c:pt idx="11">
-                    <c:v>5.1833965698178988</c:v>
+                    <c:v>5.1833965698178979</c:v>
                   </c:pt>
                   <c:pt idx="12">
                     <c:v>4.447066448795205</c:v>
                   </c:pt>
                   <c:pt idx="13">
-                    <c:v>5.4460627980220782</c:v>
+                    <c:v>5.4460627980220799</c:v>
                   </c:pt>
                   <c:pt idx="14">
                     <c:v>5.7957225606476372</c:v>
@@ -14116,16 +14117,16 @@
                     <c:v>6.6794011707637404</c:v>
                   </c:pt>
                   <c:pt idx="17">
-                    <c:v>5.3390635883083499</c:v>
+                    <c:v>5.3390635883083508</c:v>
                   </c:pt>
                   <c:pt idx="18">
                     <c:v>4.8181324182716274</c:v>
                   </c:pt>
                   <c:pt idx="19">
-                    <c:v>4.7833461091583187</c:v>
+                    <c:v>4.7833461091583196</c:v>
                   </c:pt>
                   <c:pt idx="20">
-                    <c:v>5.8591808301160961</c:v>
+                    <c:v>5.8591808301160944</c:v>
                   </c:pt>
                 </c:numCache>
               </c:numRef>
@@ -14137,10 +14138,10 @@
                   <c:formatCode>General</c:formatCode>
                   <c:ptCount val="21"/>
                   <c:pt idx="0">
-                    <c:v>5.0362287477834071</c:v>
+                    <c:v>5.036228747783408</c:v>
                   </c:pt>
                   <c:pt idx="1">
-                    <c:v>5.4304327636018135</c:v>
+                    <c:v>5.4304327636018144</c:v>
                   </c:pt>
                   <c:pt idx="2">
                     <c:v>4.2941821107167755</c:v>
@@ -14155,28 +14156,28 @@
                     <c:v>4.9343287284087589</c:v>
                   </c:pt>
                   <c:pt idx="6">
-                    <c:v>5.1691391933280375</c:v>
+                    <c:v>5.1691391933280384</c:v>
                   </c:pt>
                   <c:pt idx="7">
-                    <c:v>5.369692728639138</c:v>
+                    <c:v>5.3696927286391389</c:v>
                   </c:pt>
                   <c:pt idx="8">
                     <c:v>5.498399767205</c:v>
                   </c:pt>
                   <c:pt idx="9">
-                    <c:v>4.8916663827370765</c:v>
+                    <c:v>4.8916663827370783</c:v>
                   </c:pt>
                   <c:pt idx="10">
-                    <c:v>4.7425309698514333</c:v>
+                    <c:v>4.7425309698514315</c:v>
                   </c:pt>
                   <c:pt idx="11">
-                    <c:v>5.1833965698178988</c:v>
+                    <c:v>5.1833965698178979</c:v>
                   </c:pt>
                   <c:pt idx="12">
                     <c:v>4.447066448795205</c:v>
                   </c:pt>
                   <c:pt idx="13">
-                    <c:v>5.4460627980220782</c:v>
+                    <c:v>5.4460627980220799</c:v>
                   </c:pt>
                   <c:pt idx="14">
                     <c:v>5.7957225606476372</c:v>
@@ -14188,16 +14189,16 @@
                     <c:v>6.6794011707637404</c:v>
                   </c:pt>
                   <c:pt idx="17">
-                    <c:v>5.3390635883083499</c:v>
+                    <c:v>5.3390635883083508</c:v>
                   </c:pt>
                   <c:pt idx="18">
                     <c:v>4.8181324182716274</c:v>
                   </c:pt>
                   <c:pt idx="19">
-                    <c:v>4.7833461091583187</c:v>
+                    <c:v>4.7833461091583196</c:v>
                   </c:pt>
                   <c:pt idx="20">
-                    <c:v>5.8591808301160961</c:v>
+                    <c:v>5.8591808301160944</c:v>
                   </c:pt>
                 </c:numCache>
               </c:numRef>
@@ -14219,7 +14220,7 @@
                   <c:v>0.1</c:v>
                 </c:pt>
                 <c:pt idx="3">
-                  <c:v>0.15000000000000008</c:v>
+                  <c:v>0.15000000000000011</c:v>
                 </c:pt>
                 <c:pt idx="4">
                   <c:v>0.2</c:v>
@@ -14228,10 +14229,10 @@
                   <c:v>0.25</c:v>
                 </c:pt>
                 <c:pt idx="6">
-                  <c:v>0.30000000000000016</c:v>
+                  <c:v>0.30000000000000021</c:v>
                 </c:pt>
                 <c:pt idx="7">
-                  <c:v>0.35000000000000014</c:v>
+                  <c:v>0.3500000000000002</c:v>
                 </c:pt>
                 <c:pt idx="8">
                   <c:v>0.4</c:v>
@@ -14246,28 +14247,28 @@
                   <c:v>0.55000000000000004</c:v>
                 </c:pt>
                 <c:pt idx="12">
-                  <c:v>0.60000000000000042</c:v>
+                  <c:v>0.60000000000000053</c:v>
                 </c:pt>
                 <c:pt idx="13">
-                  <c:v>0.65000000000000036</c:v>
+                  <c:v>0.65000000000000058</c:v>
                 </c:pt>
                 <c:pt idx="14">
-                  <c:v>0.7000000000000004</c:v>
+                  <c:v>0.70000000000000051</c:v>
                 </c:pt>
                 <c:pt idx="15">
-                  <c:v>0.75000000000000033</c:v>
+                  <c:v>0.75000000000000044</c:v>
                 </c:pt>
                 <c:pt idx="16">
                   <c:v>0.8</c:v>
                 </c:pt>
                 <c:pt idx="17">
-                  <c:v>0.85000000000000042</c:v>
+                  <c:v>0.85000000000000053</c:v>
                 </c:pt>
                 <c:pt idx="18">
                   <c:v>0.9</c:v>
                 </c:pt>
                 <c:pt idx="19">
-                  <c:v>0.9500000000000004</c:v>
+                  <c:v>0.95000000000000051</c:v>
                 </c:pt>
                 <c:pt idx="20">
                   <c:v>1</c:v>
@@ -14285,7 +14286,7 @@
                   <c:v>16.420000000000002</c:v>
                 </c:pt>
                 <c:pt idx="1">
-                  <c:v>16.47999999999999</c:v>
+                  <c:v>16.479999999999986</c:v>
                 </c:pt>
                 <c:pt idx="2">
                   <c:v>15.8</c:v>
@@ -14309,7 +14310,7 @@
                   <c:v>16.739999999999988</c:v>
                 </c:pt>
                 <c:pt idx="9">
-                  <c:v>17.45999999999999</c:v>
+                  <c:v>17.459999999999987</c:v>
                 </c:pt>
                 <c:pt idx="10">
                   <c:v>15.78</c:v>
@@ -14321,7 +14322,7 @@
                   <c:v>16.059999999999999</c:v>
                 </c:pt>
                 <c:pt idx="13">
-                  <c:v>16.97999999999999</c:v>
+                  <c:v>16.979999999999986</c:v>
                 </c:pt>
                 <c:pt idx="14">
                   <c:v>16.64</c:v>
@@ -14339,7 +14340,7 @@
                   <c:v>14.84</c:v>
                 </c:pt>
                 <c:pt idx="19">
-                  <c:v>15.860000000000005</c:v>
+                  <c:v>15.860000000000007</c:v>
                 </c:pt>
                 <c:pt idx="20">
                   <c:v>16.100000000000001</c:v>
@@ -14377,10 +14378,10 @@
                     <c:v>5.0833060108555337</c:v>
                   </c:pt>
                   <c:pt idx="1">
-                    <c:v>4.864401299235082</c:v>
+                    <c:v>4.8644012992350802</c:v>
                   </c:pt>
                   <c:pt idx="2">
-                    <c:v>5.6272195620928072</c:v>
+                    <c:v>5.6272195620928063</c:v>
                   </c:pt>
                   <c:pt idx="3">
                     <c:v>5.7742878348762625</c:v>
@@ -14389,22 +14390,22 @@
                     <c:v>5.9442745562431751</c:v>
                   </c:pt>
                   <c:pt idx="5">
-                    <c:v>5.5318712927905365</c:v>
+                    <c:v>5.5318712927905382</c:v>
                   </c:pt>
                   <c:pt idx="6">
-                    <c:v>5.1857111373465417</c:v>
+                    <c:v>5.1857111373465408</c:v>
                   </c:pt>
                   <c:pt idx="7">
                     <c:v>5.9531504264548873</c:v>
                   </c:pt>
                   <c:pt idx="8">
-                    <c:v>5.9462929628466892</c:v>
+                    <c:v>5.9462929628466901</c:v>
                   </c:pt>
                   <c:pt idx="9">
-                    <c:v>6.0597359678454579</c:v>
+                    <c:v>6.0597359678454561</c:v>
                   </c:pt>
                   <c:pt idx="10">
-                    <c:v>5.989190262464537</c:v>
+                    <c:v>5.9891902624645379</c:v>
                   </c:pt>
                   <c:pt idx="11">
                     <c:v>5.2088002457379758</c:v>
@@ -14431,7 +14432,7 @@
                     <c:v>6.2410255567494666</c:v>
                   </c:pt>
                   <c:pt idx="19">
-                    <c:v>6.1390878801333368</c:v>
+                    <c:v>6.1390878801333377</c:v>
                   </c:pt>
                   <c:pt idx="20">
                     <c:v>0</c:v>
@@ -14449,10 +14450,10 @@
                     <c:v>5.0833060108555337</c:v>
                   </c:pt>
                   <c:pt idx="1">
-                    <c:v>4.864401299235082</c:v>
+                    <c:v>4.8644012992350802</c:v>
                   </c:pt>
                   <c:pt idx="2">
-                    <c:v>5.6272195620928072</c:v>
+                    <c:v>5.6272195620928063</c:v>
                   </c:pt>
                   <c:pt idx="3">
                     <c:v>5.7742878348762625</c:v>
@@ -14461,22 +14462,22 @@
                     <c:v>5.9442745562431751</c:v>
                   </c:pt>
                   <c:pt idx="5">
-                    <c:v>5.5318712927905365</c:v>
+                    <c:v>5.5318712927905382</c:v>
                   </c:pt>
                   <c:pt idx="6">
-                    <c:v>5.1857111373465417</c:v>
+                    <c:v>5.1857111373465408</c:v>
                   </c:pt>
                   <c:pt idx="7">
                     <c:v>5.9531504264548873</c:v>
                   </c:pt>
                   <c:pt idx="8">
-                    <c:v>5.9462929628466892</c:v>
+                    <c:v>5.9462929628466901</c:v>
                   </c:pt>
                   <c:pt idx="9">
-                    <c:v>6.0597359678454579</c:v>
+                    <c:v>6.0597359678454561</c:v>
                   </c:pt>
                   <c:pt idx="10">
-                    <c:v>5.989190262464537</c:v>
+                    <c:v>5.9891902624645379</c:v>
                   </c:pt>
                   <c:pt idx="11">
                     <c:v>5.2088002457379758</c:v>
@@ -14503,7 +14504,7 @@
                     <c:v>6.2410255567494666</c:v>
                   </c:pt>
                   <c:pt idx="19">
-                    <c:v>6.1390878801333368</c:v>
+                    <c:v>6.1390878801333377</c:v>
                   </c:pt>
                   <c:pt idx="20">
                     <c:v>0</c:v>
@@ -14528,7 +14529,7 @@
                   <c:v>0.1</c:v>
                 </c:pt>
                 <c:pt idx="3">
-                  <c:v>0.15000000000000008</c:v>
+                  <c:v>0.15000000000000011</c:v>
                 </c:pt>
                 <c:pt idx="4">
                   <c:v>0.2</c:v>
@@ -14537,10 +14538,10 @@
                   <c:v>0.25</c:v>
                 </c:pt>
                 <c:pt idx="6">
-                  <c:v>0.30000000000000016</c:v>
+                  <c:v>0.30000000000000021</c:v>
                 </c:pt>
                 <c:pt idx="7">
-                  <c:v>0.35000000000000014</c:v>
+                  <c:v>0.3500000000000002</c:v>
                 </c:pt>
                 <c:pt idx="8">
                   <c:v>0.4</c:v>
@@ -14555,28 +14556,28 @@
                   <c:v>0.55000000000000004</c:v>
                 </c:pt>
                 <c:pt idx="12">
-                  <c:v>0.60000000000000042</c:v>
+                  <c:v>0.60000000000000053</c:v>
                 </c:pt>
                 <c:pt idx="13">
-                  <c:v>0.65000000000000036</c:v>
+                  <c:v>0.65000000000000058</c:v>
                 </c:pt>
                 <c:pt idx="14">
-                  <c:v>0.7000000000000004</c:v>
+                  <c:v>0.70000000000000051</c:v>
                 </c:pt>
                 <c:pt idx="15">
-                  <c:v>0.75000000000000033</c:v>
+                  <c:v>0.75000000000000044</c:v>
                 </c:pt>
                 <c:pt idx="16">
                   <c:v>0.8</c:v>
                 </c:pt>
                 <c:pt idx="17">
-                  <c:v>0.85000000000000042</c:v>
+                  <c:v>0.85000000000000053</c:v>
                 </c:pt>
                 <c:pt idx="18">
                   <c:v>0.9</c:v>
                 </c:pt>
                 <c:pt idx="19">
-                  <c:v>0.9500000000000004</c:v>
+                  <c:v>0.95000000000000051</c:v>
                 </c:pt>
                 <c:pt idx="20">
                   <c:v>1</c:v>
@@ -14600,13 +14601,13 @@
                   <c:v>16.88</c:v>
                 </c:pt>
                 <c:pt idx="3">
-                  <c:v>15.239999999999998</c:v>
+                  <c:v>15.24</c:v>
                 </c:pt>
                 <c:pt idx="4">
                   <c:v>16.84</c:v>
                 </c:pt>
                 <c:pt idx="5">
-                  <c:v>16.27999999999999</c:v>
+                  <c:v>16.279999999999987</c:v>
                 </c:pt>
                 <c:pt idx="6">
                   <c:v>16.22</c:v>
@@ -14627,10 +14628,10 @@
                   <c:v>16.22</c:v>
                 </c:pt>
                 <c:pt idx="12">
-                  <c:v>15.139999999999999</c:v>
+                  <c:v>15.14</c:v>
                 </c:pt>
                 <c:pt idx="13">
-                  <c:v>16.45999999999999</c:v>
+                  <c:v>16.459999999999987</c:v>
                 </c:pt>
                 <c:pt idx="14">
                   <c:v>16.3</c:v>
@@ -14683,7 +14684,7 @@
                   <c:formatCode>General</c:formatCode>
                   <c:ptCount val="21"/>
                   <c:pt idx="0">
-                    <c:v>4.3655011167104263</c:v>
+                    <c:v>4.3655011167104254</c:v>
                   </c:pt>
                   <c:pt idx="1">
                     <c:v>5.4264537222757179</c:v>
@@ -14692,25 +14693,25 @@
                     <c:v>5.6743634004177084</c:v>
                   </c:pt>
                   <c:pt idx="3">
-                    <c:v>4.6315872009495811</c:v>
+                    <c:v>4.6315872009495802</c:v>
                   </c:pt>
                   <c:pt idx="4">
                     <c:v>4.7340891415350415</c:v>
                   </c:pt>
                   <c:pt idx="5">
-                    <c:v>5.2274659252834903</c:v>
+                    <c:v>5.2274659252834894</c:v>
                   </c:pt>
                   <c:pt idx="6">
                     <c:v>5.0120255386420345</c:v>
                   </c:pt>
                   <c:pt idx="7">
-                    <c:v>5.7418115608229403</c:v>
+                    <c:v>5.7418115608229394</c:v>
                   </c:pt>
                   <c:pt idx="8">
-                    <c:v>4.2530459673039012</c:v>
+                    <c:v>4.2530459673039003</c:v>
                   </c:pt>
                   <c:pt idx="9">
-                    <c:v>4.6948482403587839</c:v>
+                    <c:v>4.6948482403587821</c:v>
                   </c:pt>
                   <c:pt idx="10">
                     <c:v>6.4204672727146583</c:v>
@@ -14722,25 +14723,25 @@
                     <c:v>4.8342527861087294</c:v>
                   </c:pt>
                   <c:pt idx="13">
-                    <c:v>5.2095681202955806</c:v>
+                    <c:v>5.2095681202955815</c:v>
                   </c:pt>
                   <c:pt idx="14">
-                    <c:v>6.0604950292859696</c:v>
+                    <c:v>6.0604950292859687</c:v>
                   </c:pt>
                   <c:pt idx="15">
-                    <c:v>6.8673138853557552</c:v>
+                    <c:v>6.8673138853557543</c:v>
                   </c:pt>
                   <c:pt idx="16">
-                    <c:v>4.2747631513336541</c:v>
+                    <c:v>4.2747631513336559</c:v>
                   </c:pt>
                   <c:pt idx="17">
                     <c:v>5.7492956090289882</c:v>
                   </c:pt>
                   <c:pt idx="18">
-                    <c:v>5.0716466753905509</c:v>
+                    <c:v>5.0716466753905518</c:v>
                   </c:pt>
                   <c:pt idx="19">
-                    <c:v>4.9063632152542533</c:v>
+                    <c:v>4.9063632152542542</c:v>
                   </c:pt>
                   <c:pt idx="20">
                     <c:v>0</c:v>
@@ -14755,7 +14756,7 @@
                   <c:formatCode>General</c:formatCode>
                   <c:ptCount val="21"/>
                   <c:pt idx="0">
-                    <c:v>4.3655011167104263</c:v>
+                    <c:v>4.3655011167104254</c:v>
                   </c:pt>
                   <c:pt idx="1">
                     <c:v>5.4264537222757179</c:v>
@@ -14764,25 +14765,25 @@
                     <c:v>5.6743634004177084</c:v>
                   </c:pt>
                   <c:pt idx="3">
-                    <c:v>4.6315872009495811</c:v>
+                    <c:v>4.6315872009495802</c:v>
                   </c:pt>
                   <c:pt idx="4">
                     <c:v>4.7340891415350415</c:v>
                   </c:pt>
                   <c:pt idx="5">
-                    <c:v>5.2274659252834903</c:v>
+                    <c:v>5.2274659252834894</c:v>
                   </c:pt>
                   <c:pt idx="6">
                     <c:v>5.0120255386420345</c:v>
                   </c:pt>
                   <c:pt idx="7">
-                    <c:v>5.7418115608229403</c:v>
+                    <c:v>5.7418115608229394</c:v>
                   </c:pt>
                   <c:pt idx="8">
-                    <c:v>4.2530459673039012</c:v>
+                    <c:v>4.2530459673039003</c:v>
                   </c:pt>
                   <c:pt idx="9">
-                    <c:v>4.6948482403587839</c:v>
+                    <c:v>4.6948482403587821</c:v>
                   </c:pt>
                   <c:pt idx="10">
                     <c:v>6.4204672727146583</c:v>
@@ -14794,25 +14795,25 @@
                     <c:v>4.8342527861087294</c:v>
                   </c:pt>
                   <c:pt idx="13">
-                    <c:v>5.2095681202955806</c:v>
+                    <c:v>5.2095681202955815</c:v>
                   </c:pt>
                   <c:pt idx="14">
-                    <c:v>6.0604950292859696</c:v>
+                    <c:v>6.0604950292859687</c:v>
                   </c:pt>
                   <c:pt idx="15">
-                    <c:v>6.8673138853557552</c:v>
+                    <c:v>6.8673138853557543</c:v>
                   </c:pt>
                   <c:pt idx="16">
-                    <c:v>4.2747631513336541</c:v>
+                    <c:v>4.2747631513336559</c:v>
                   </c:pt>
                   <c:pt idx="17">
                     <c:v>5.7492956090289882</c:v>
                   </c:pt>
                   <c:pt idx="18">
-                    <c:v>5.0716466753905509</c:v>
+                    <c:v>5.0716466753905518</c:v>
                   </c:pt>
                   <c:pt idx="19">
-                    <c:v>4.9063632152542533</c:v>
+                    <c:v>4.9063632152542542</c:v>
                   </c:pt>
                   <c:pt idx="20">
                     <c:v>0</c:v>
@@ -14837,7 +14838,7 @@
                   <c:v>0.1</c:v>
                 </c:pt>
                 <c:pt idx="3">
-                  <c:v>0.15000000000000008</c:v>
+                  <c:v>0.15000000000000011</c:v>
                 </c:pt>
                 <c:pt idx="4">
                   <c:v>0.2</c:v>
@@ -14846,10 +14847,10 @@
                   <c:v>0.25</c:v>
                 </c:pt>
                 <c:pt idx="6">
-                  <c:v>0.30000000000000016</c:v>
+                  <c:v>0.30000000000000021</c:v>
                 </c:pt>
                 <c:pt idx="7">
-                  <c:v>0.35000000000000014</c:v>
+                  <c:v>0.3500000000000002</c:v>
                 </c:pt>
                 <c:pt idx="8">
                   <c:v>0.4</c:v>
@@ -14864,28 +14865,28 @@
                   <c:v>0.55000000000000004</c:v>
                 </c:pt>
                 <c:pt idx="12">
-                  <c:v>0.60000000000000042</c:v>
+                  <c:v>0.60000000000000053</c:v>
                 </c:pt>
                 <c:pt idx="13">
-                  <c:v>0.65000000000000036</c:v>
+                  <c:v>0.65000000000000058</c:v>
                 </c:pt>
                 <c:pt idx="14">
-                  <c:v>0.7000000000000004</c:v>
+                  <c:v>0.70000000000000051</c:v>
                 </c:pt>
                 <c:pt idx="15">
-                  <c:v>0.75000000000000033</c:v>
+                  <c:v>0.75000000000000044</c:v>
                 </c:pt>
                 <c:pt idx="16">
                   <c:v>0.8</c:v>
                 </c:pt>
                 <c:pt idx="17">
-                  <c:v>0.85000000000000042</c:v>
+                  <c:v>0.85000000000000053</c:v>
                 </c:pt>
                 <c:pt idx="18">
                   <c:v>0.9</c:v>
                 </c:pt>
                 <c:pt idx="19">
-                  <c:v>0.9500000000000004</c:v>
+                  <c:v>0.95000000000000051</c:v>
                 </c:pt>
                 <c:pt idx="20">
                   <c:v>1</c:v>
@@ -14906,7 +14907,7 @@
                   <c:v>17.559999999999999</c:v>
                 </c:pt>
                 <c:pt idx="2">
-                  <c:v>16.95999999999999</c:v>
+                  <c:v>16.959999999999987</c:v>
                 </c:pt>
                 <c:pt idx="3">
                   <c:v>15.78</c:v>
@@ -14915,7 +14916,7 @@
                   <c:v>15.78</c:v>
                 </c:pt>
                 <c:pt idx="5">
-                  <c:v>16.439999999999991</c:v>
+                  <c:v>16.439999999999987</c:v>
                 </c:pt>
                 <c:pt idx="6">
                   <c:v>16.86</c:v>
@@ -14927,7 +14928,7 @@
                   <c:v>15.54</c:v>
                 </c:pt>
                 <c:pt idx="9">
-                  <c:v>16.27999999999999</c:v>
+                  <c:v>16.279999999999987</c:v>
                 </c:pt>
                 <c:pt idx="10">
                   <c:v>17.760000000000002</c:v>
@@ -14939,7 +14940,7 @@
                   <c:v>16.899999999999999</c:v>
                 </c:pt>
                 <c:pt idx="13">
-                  <c:v>16.97999999999999</c:v>
+                  <c:v>16.979999999999986</c:v>
                 </c:pt>
                 <c:pt idx="14">
                   <c:v>17.52</c:v>
@@ -14954,7 +14955,7 @@
                   <c:v>17.84</c:v>
                 </c:pt>
                 <c:pt idx="18">
-                  <c:v>16.27999999999999</c:v>
+                  <c:v>16.279999999999987</c:v>
                 </c:pt>
                 <c:pt idx="19">
                   <c:v>16.260000000000002</c:v>
@@ -14967,11 +14968,11 @@
           </c:yVal>
           <c:smooth val="1"/>
         </c:ser>
-        <c:axId val="67632128"/>
-        <c:axId val="67773568"/>
+        <c:axId val="64687104"/>
+        <c:axId val="64705664"/>
       </c:scatterChart>
       <c:valAx>
-        <c:axId val="67632128"/>
+        <c:axId val="64687104"/>
         <c:scaling>
           <c:orientation val="minMax"/>
         </c:scaling>
@@ -15008,12 +15009,12 @@
             <a:endParaRPr lang="en-US"/>
           </a:p>
         </c:txPr>
-        <c:crossAx val="67773568"/>
+        <c:crossAx val="64705664"/>
         <c:crosses val="autoZero"/>
         <c:crossBetween val="midCat"/>
       </c:valAx>
       <c:valAx>
-        <c:axId val="67773568"/>
+        <c:axId val="64705664"/>
         <c:scaling>
           <c:orientation val="minMax"/>
         </c:scaling>
@@ -15050,7 +15051,7 @@
             <a:endParaRPr lang="en-US"/>
           </a:p>
         </c:txPr>
-        <c:crossAx val="67632128"/>
+        <c:crossAx val="64687104"/>
         <c:crosses val="autoZero"/>
         <c:crossBetween val="midCat"/>
       </c:valAx>
@@ -15143,28 +15144,28 @@
                     <c:v>11.62</c:v>
                   </c:pt>
                   <c:pt idx="1">
-                    <c:v>14.363843496780385</c:v>
+                    <c:v>14.363843496780387</c:v>
                   </c:pt>
                   <c:pt idx="2">
                     <c:v>15.179314872549424</c:v>
                   </c:pt>
                   <c:pt idx="3">
-                    <c:v>13.657364313805218</c:v>
+                    <c:v>13.657364313805221</c:v>
                   </c:pt>
                   <c:pt idx="4">
-                    <c:v>16.66498124811427</c:v>
+                    <c:v>16.664981248114273</c:v>
                   </c:pt>
                   <c:pt idx="5">
-                    <c:v>15.37953185243297</c:v>
+                    <c:v>15.379531852432972</c:v>
                   </c:pt>
                   <c:pt idx="6">
-                    <c:v>12.740549438701615</c:v>
+                    <c:v>12.740549438701617</c:v>
                   </c:pt>
                   <c:pt idx="7">
-                    <c:v>15.897484077677211</c:v>
+                    <c:v>15.897484077677216</c:v>
                   </c:pt>
                   <c:pt idx="8">
-                    <c:v>17.717607061903131</c:v>
+                    <c:v>17.717607061903127</c:v>
                   </c:pt>
                   <c:pt idx="9">
                     <c:v>14.016290522103199</c:v>
@@ -15182,13 +15183,13 @@
                     <c:v>20.78149176551096</c:v>
                   </c:pt>
                   <c:pt idx="14">
-                    <c:v>12.367699866992256</c:v>
+                    <c:v>12.367699866992258</c:v>
                   </c:pt>
                   <c:pt idx="15">
                     <c:v>12.16552506059644</c:v>
                   </c:pt>
                   <c:pt idx="16">
-                    <c:v>13.715917760033403</c:v>
+                    <c:v>13.715917760033401</c:v>
                   </c:pt>
                   <c:pt idx="17">
                     <c:v>13.271397816356799</c:v>
@@ -15215,28 +15216,28 @@
                     <c:v>11.62</c:v>
                   </c:pt>
                   <c:pt idx="1">
-                    <c:v>14.363843496780385</c:v>
+                    <c:v>14.363843496780387</c:v>
                   </c:pt>
                   <c:pt idx="2">
                     <c:v>15.179314872549424</c:v>
                   </c:pt>
                   <c:pt idx="3">
-                    <c:v>13.657364313805218</c:v>
+                    <c:v>13.657364313805221</c:v>
                   </c:pt>
                   <c:pt idx="4">
-                    <c:v>16.66498124811427</c:v>
+                    <c:v>16.664981248114273</c:v>
                   </c:pt>
                   <c:pt idx="5">
-                    <c:v>15.37953185243297</c:v>
+                    <c:v>15.379531852432972</c:v>
                   </c:pt>
                   <c:pt idx="6">
-                    <c:v>12.740549438701615</c:v>
+                    <c:v>12.740549438701617</c:v>
                   </c:pt>
                   <c:pt idx="7">
-                    <c:v>15.897484077677211</c:v>
+                    <c:v>15.897484077677216</c:v>
                   </c:pt>
                   <c:pt idx="8">
-                    <c:v>17.717607061903131</c:v>
+                    <c:v>17.717607061903127</c:v>
                   </c:pt>
                   <c:pt idx="9">
                     <c:v>14.016290522103199</c:v>
@@ -15254,13 +15255,13 @@
                     <c:v>20.78149176551096</c:v>
                   </c:pt>
                   <c:pt idx="14">
-                    <c:v>12.367699866992256</c:v>
+                    <c:v>12.367699866992258</c:v>
                   </c:pt>
                   <c:pt idx="15">
                     <c:v>12.16552506059644</c:v>
                   </c:pt>
                   <c:pt idx="16">
-                    <c:v>13.715917760033403</c:v>
+                    <c:v>13.715917760033401</c:v>
                   </c:pt>
                   <c:pt idx="17">
                     <c:v>13.271397816356799</c:v>
@@ -15294,7 +15295,7 @@
                   <c:v>0.1</c:v>
                 </c:pt>
                 <c:pt idx="3">
-                  <c:v>0.15000000000000008</c:v>
+                  <c:v>0.15000000000000011</c:v>
                 </c:pt>
                 <c:pt idx="4">
                   <c:v>0.2</c:v>
@@ -15303,10 +15304,10 @@
                   <c:v>0.25</c:v>
                 </c:pt>
                 <c:pt idx="6">
-                  <c:v>0.30000000000000016</c:v>
+                  <c:v>0.30000000000000021</c:v>
                 </c:pt>
                 <c:pt idx="7">
-                  <c:v>0.35000000000000014</c:v>
+                  <c:v>0.3500000000000002</c:v>
                 </c:pt>
                 <c:pt idx="8">
                   <c:v>0.4</c:v>
@@ -15321,28 +15322,28 @@
                   <c:v>0.55000000000000004</c:v>
                 </c:pt>
                 <c:pt idx="12">
-                  <c:v>0.60000000000000042</c:v>
+                  <c:v>0.60000000000000053</c:v>
                 </c:pt>
                 <c:pt idx="13">
-                  <c:v>0.65000000000000036</c:v>
+                  <c:v>0.65000000000000058</c:v>
                 </c:pt>
                 <c:pt idx="14">
-                  <c:v>0.7000000000000004</c:v>
+                  <c:v>0.70000000000000051</c:v>
                 </c:pt>
                 <c:pt idx="15">
-                  <c:v>0.75000000000000033</c:v>
+                  <c:v>0.75000000000000044</c:v>
                 </c:pt>
                 <c:pt idx="16">
                   <c:v>0.8</c:v>
                 </c:pt>
                 <c:pt idx="17">
-                  <c:v>0.85000000000000042</c:v>
+                  <c:v>0.85000000000000053</c:v>
                 </c:pt>
                 <c:pt idx="18">
                   <c:v>0.9</c:v>
                 </c:pt>
                 <c:pt idx="19">
-                  <c:v>0.9500000000000004</c:v>
+                  <c:v>0.95000000000000051</c:v>
                 </c:pt>
                 <c:pt idx="20">
                   <c:v>1</c:v>
@@ -15411,7 +15412,7 @@
                   <c:v>37.700000000000003</c:v>
                 </c:pt>
                 <c:pt idx="18">
-                  <c:v>34.879999999999995</c:v>
+                  <c:v>34.880000000000003</c:v>
                 </c:pt>
                 <c:pt idx="19">
                   <c:v>38.520000000000003</c:v>
@@ -15452,7 +15453,7 @@
                     <c:v>16.456014098195219</c:v>
                   </c:pt>
                   <c:pt idx="1">
-                    <c:v>11.610340218959996</c:v>
+                    <c:v>11.610340218959998</c:v>
                   </c:pt>
                   <c:pt idx="2">
                     <c:v>14.239508418481314</c:v>
@@ -15473,7 +15474,7 @@
                     <c:v>12.480320508704892</c:v>
                   </c:pt>
                   <c:pt idx="8">
-                    <c:v>14.983777894776745</c:v>
+                    <c:v>14.983777894776747</c:v>
                   </c:pt>
                   <c:pt idx="9">
                     <c:v>12.653916389798059</c:v>
@@ -15491,13 +15492,13 @@
                     <c:v>14.073080686189504</c:v>
                   </c:pt>
                   <c:pt idx="14">
-                    <c:v>14.113823011501875</c:v>
+                    <c:v>14.113823011501873</c:v>
                   </c:pt>
                   <c:pt idx="15">
-                    <c:v>12.574959244466765</c:v>
+                    <c:v>12.574959244466767</c:v>
                   </c:pt>
                   <c:pt idx="16">
-                    <c:v>12.330839387486975</c:v>
+                    <c:v>12.330839387486977</c:v>
                   </c:pt>
                   <c:pt idx="17">
                     <c:v>13.887389963560469</c:v>
@@ -15509,7 +15510,7 @@
                     <c:v>13.364131097830494</c:v>
                   </c:pt>
                   <c:pt idx="20">
-                    <c:v>13.175188803201275</c:v>
+                    <c:v>13.175188803201276</c:v>
                   </c:pt>
                 </c:numCache>
               </c:numRef>
@@ -15524,7 +15525,7 @@
                     <c:v>16.456014098195219</c:v>
                   </c:pt>
                   <c:pt idx="1">
-                    <c:v>11.610340218959996</c:v>
+                    <c:v>11.610340218959998</c:v>
                   </c:pt>
                   <c:pt idx="2">
                     <c:v>14.239508418481314</c:v>
@@ -15545,7 +15546,7 @@
                     <c:v>12.480320508704892</c:v>
                   </c:pt>
                   <c:pt idx="8">
-                    <c:v>14.983777894776745</c:v>
+                    <c:v>14.983777894776747</c:v>
                   </c:pt>
                   <c:pt idx="9">
                     <c:v>12.653916389798059</c:v>
@@ -15563,13 +15564,13 @@
                     <c:v>14.073080686189504</c:v>
                   </c:pt>
                   <c:pt idx="14">
-                    <c:v>14.113823011501875</c:v>
+                    <c:v>14.113823011501873</c:v>
                   </c:pt>
                   <c:pt idx="15">
-                    <c:v>12.574959244466765</c:v>
+                    <c:v>12.574959244466767</c:v>
                   </c:pt>
                   <c:pt idx="16">
-                    <c:v>12.330839387486975</c:v>
+                    <c:v>12.330839387486977</c:v>
                   </c:pt>
                   <c:pt idx="17">
                     <c:v>13.887389963560469</c:v>
@@ -15581,7 +15582,7 @@
                     <c:v>13.364131097830494</c:v>
                   </c:pt>
                   <c:pt idx="20">
-                    <c:v>13.175188803201275</c:v>
+                    <c:v>13.175188803201276</c:v>
                   </c:pt>
                 </c:numCache>
               </c:numRef>
@@ -15603,7 +15604,7 @@
                   <c:v>0.1</c:v>
                 </c:pt>
                 <c:pt idx="3">
-                  <c:v>0.15000000000000008</c:v>
+                  <c:v>0.15000000000000011</c:v>
                 </c:pt>
                 <c:pt idx="4">
                   <c:v>0.2</c:v>
@@ -15612,10 +15613,10 @@
                   <c:v>0.25</c:v>
                 </c:pt>
                 <c:pt idx="6">
-                  <c:v>0.30000000000000016</c:v>
+                  <c:v>0.30000000000000021</c:v>
                 </c:pt>
                 <c:pt idx="7">
-                  <c:v>0.35000000000000014</c:v>
+                  <c:v>0.3500000000000002</c:v>
                 </c:pt>
                 <c:pt idx="8">
                   <c:v>0.4</c:v>
@@ -15630,28 +15631,28 @@
                   <c:v>0.55000000000000004</c:v>
                 </c:pt>
                 <c:pt idx="12">
-                  <c:v>0.60000000000000042</c:v>
+                  <c:v>0.60000000000000053</c:v>
                 </c:pt>
                 <c:pt idx="13">
-                  <c:v>0.65000000000000036</c:v>
+                  <c:v>0.65000000000000058</c:v>
                 </c:pt>
                 <c:pt idx="14">
-                  <c:v>0.7000000000000004</c:v>
+                  <c:v>0.70000000000000051</c:v>
                 </c:pt>
                 <c:pt idx="15">
-                  <c:v>0.75000000000000033</c:v>
+                  <c:v>0.75000000000000044</c:v>
                 </c:pt>
                 <c:pt idx="16">
                   <c:v>0.8</c:v>
                 </c:pt>
                 <c:pt idx="17">
-                  <c:v>0.85000000000000042</c:v>
+                  <c:v>0.85000000000000053</c:v>
                 </c:pt>
                 <c:pt idx="18">
                   <c:v>0.9</c:v>
                 </c:pt>
                 <c:pt idx="19">
-                  <c:v>0.9500000000000004</c:v>
+                  <c:v>0.95000000000000051</c:v>
                 </c:pt>
                 <c:pt idx="20">
                   <c:v>1</c:v>
@@ -15726,7 +15727,7 @@
                   <c:v>35.800000000000004</c:v>
                 </c:pt>
                 <c:pt idx="20">
-                  <c:v>35.879999999999995</c:v>
+                  <c:v>35.880000000000003</c:v>
                 </c:pt>
               </c:numCache>
             </c:numRef>
@@ -15764,7 +15765,7 @@
                     <c:v>16.252458275596329</c:v>
                   </c:pt>
                   <c:pt idx="2">
-                    <c:v>16.722440013347306</c:v>
+                    <c:v>16.722440013347299</c:v>
                   </c:pt>
                   <c:pt idx="3">
                     <c:v>10.98706512222441</c:v>
@@ -15776,10 +15777,10 @@
                     <c:v>16.916843677234827</c:v>
                   </c:pt>
                   <c:pt idx="6">
-                    <c:v>10.295649566685926</c:v>
+                    <c:v>10.295649566685928</c:v>
                   </c:pt>
                   <c:pt idx="7">
-                    <c:v>15.194327889051225</c:v>
+                    <c:v>15.194327889051223</c:v>
                   </c:pt>
                   <c:pt idx="8">
                     <c:v>14.448653916541851</c:v>
@@ -15812,10 +15813,10 @@
                     <c:v>10.283987553473599</c:v>
                   </c:pt>
                   <c:pt idx="18">
-                    <c:v>14.294950157310796</c:v>
+                    <c:v>14.294950157310794</c:v>
                   </c:pt>
                   <c:pt idx="19">
-                    <c:v>14.151480487920695</c:v>
+                    <c:v>14.151480487920697</c:v>
                   </c:pt>
                   <c:pt idx="20">
                     <c:v>0</c:v>
@@ -15836,7 +15837,7 @@
                     <c:v>16.252458275596329</c:v>
                   </c:pt>
                   <c:pt idx="2">
-                    <c:v>16.722440013347306</c:v>
+                    <c:v>16.722440013347299</c:v>
                   </c:pt>
                   <c:pt idx="3">
                     <c:v>10.98706512222441</c:v>
@@ -15848,10 +15849,10 @@
                     <c:v>16.916843677234827</c:v>
                   </c:pt>
                   <c:pt idx="6">
-                    <c:v>10.295649566685926</c:v>
+                    <c:v>10.295649566685928</c:v>
                   </c:pt>
                   <c:pt idx="7">
-                    <c:v>15.194327889051225</c:v>
+                    <c:v>15.194327889051223</c:v>
                   </c:pt>
                   <c:pt idx="8">
                     <c:v>14.448653916541851</c:v>
@@ -15884,10 +15885,10 @@
                     <c:v>10.283987553473599</c:v>
                   </c:pt>
                   <c:pt idx="18">
-                    <c:v>14.294950157310796</c:v>
+                    <c:v>14.294950157310794</c:v>
                   </c:pt>
                   <c:pt idx="19">
-                    <c:v>14.151480487920695</c:v>
+                    <c:v>14.151480487920697</c:v>
                   </c:pt>
                   <c:pt idx="20">
                     <c:v>0</c:v>
@@ -15912,7 +15913,7 @@
                   <c:v>0.1</c:v>
                 </c:pt>
                 <c:pt idx="3">
-                  <c:v>0.15000000000000008</c:v>
+                  <c:v>0.15000000000000011</c:v>
                 </c:pt>
                 <c:pt idx="4">
                   <c:v>0.2</c:v>
@@ -15921,10 +15922,10 @@
                   <c:v>0.25</c:v>
                 </c:pt>
                 <c:pt idx="6">
-                  <c:v>0.30000000000000016</c:v>
+                  <c:v>0.30000000000000021</c:v>
                 </c:pt>
                 <c:pt idx="7">
-                  <c:v>0.35000000000000014</c:v>
+                  <c:v>0.3500000000000002</c:v>
                 </c:pt>
                 <c:pt idx="8">
                   <c:v>0.4</c:v>
@@ -15939,28 +15940,28 @@
                   <c:v>0.55000000000000004</c:v>
                 </c:pt>
                 <c:pt idx="12">
-                  <c:v>0.60000000000000042</c:v>
+                  <c:v>0.60000000000000053</c:v>
                 </c:pt>
                 <c:pt idx="13">
-                  <c:v>0.65000000000000036</c:v>
+                  <c:v>0.65000000000000058</c:v>
                 </c:pt>
                 <c:pt idx="14">
-                  <c:v>0.7000000000000004</c:v>
+                  <c:v>0.70000000000000051</c:v>
                 </c:pt>
                 <c:pt idx="15">
-                  <c:v>0.75000000000000033</c:v>
+                  <c:v>0.75000000000000044</c:v>
                 </c:pt>
                 <c:pt idx="16">
                   <c:v>0.8</c:v>
                 </c:pt>
                 <c:pt idx="17">
-                  <c:v>0.85000000000000042</c:v>
+                  <c:v>0.85000000000000053</c:v>
                 </c:pt>
                 <c:pt idx="18">
                   <c:v>0.9</c:v>
                 </c:pt>
                 <c:pt idx="19">
-                  <c:v>0.9500000000000004</c:v>
+                  <c:v>0.95000000000000051</c:v>
                 </c:pt>
                 <c:pt idx="20">
                   <c:v>1</c:v>
@@ -16079,40 +16080,40 @@
                     <c:v>13.519408271074592</c:v>
                   </c:pt>
                   <c:pt idx="4">
-                    <c:v>13.067532284253218</c:v>
+                    <c:v>13.067532284253222</c:v>
                   </c:pt>
                   <c:pt idx="5">
-                    <c:v>11.307979483532852</c:v>
+                    <c:v>11.307979483532849</c:v>
                   </c:pt>
                   <c:pt idx="6">
-                    <c:v>15.436644713149301</c:v>
+                    <c:v>15.436644713149304</c:v>
                   </c:pt>
                   <c:pt idx="7">
                     <c:v>16.609587592712828</c:v>
                   </c:pt>
                   <c:pt idx="8">
-                    <c:v>16.591865476793149</c:v>
+                    <c:v>16.591865476793153</c:v>
                   </c:pt>
                   <c:pt idx="9">
-                    <c:v>12.469306315910288</c:v>
+                    <c:v>12.469306315910291</c:v>
                   </c:pt>
                   <c:pt idx="10">
                     <c:v>13.505865392487809</c:v>
                   </c:pt>
                   <c:pt idx="11">
-                    <c:v>13.482670358649303</c:v>
+                    <c:v>13.482670358649306</c:v>
                   </c:pt>
                   <c:pt idx="12">
                     <c:v>12.142899159591169</c:v>
                   </c:pt>
                   <c:pt idx="13">
-                    <c:v>16.062490466923222</c:v>
+                    <c:v>16.062490466923219</c:v>
                   </c:pt>
                   <c:pt idx="14">
                     <c:v>10.750795319417072</c:v>
                   </c:pt>
                   <c:pt idx="15">
-                    <c:v>15.827520336426675</c:v>
+                    <c:v>15.827520336426677</c:v>
                   </c:pt>
                   <c:pt idx="16">
                     <c:v>11.690611617875264</c:v>
@@ -16121,7 +16122,7 @@
                     <c:v>11.109923492085798</c:v>
                   </c:pt>
                   <c:pt idx="18">
-                    <c:v>12.333515313972745</c:v>
+                    <c:v>12.333515313972747</c:v>
                   </c:pt>
                   <c:pt idx="19">
                     <c:v>12.734849822436068</c:v>
@@ -16151,40 +16152,40 @@
                     <c:v>13.519408271074592</c:v>
                   </c:pt>
                   <c:pt idx="4">
-                    <c:v>13.067532284253218</c:v>
+                    <c:v>13.067532284253222</c:v>
                   </c:pt>
                   <c:pt idx="5">
-                    <c:v>11.307979483532852</c:v>
+                    <c:v>11.307979483532849</c:v>
                   </c:pt>
                   <c:pt idx="6">
-                    <c:v>15.436644713149301</c:v>
+                    <c:v>15.436644713149304</c:v>
                   </c:pt>
                   <c:pt idx="7">
                     <c:v>16.609587592712828</c:v>
                   </c:pt>
                   <c:pt idx="8">
-                    <c:v>16.591865476793149</c:v>
+                    <c:v>16.591865476793153</c:v>
                   </c:pt>
                   <c:pt idx="9">
-                    <c:v>12.469306315910288</c:v>
+                    <c:v>12.469306315910291</c:v>
                   </c:pt>
                   <c:pt idx="10">
                     <c:v>13.505865392487809</c:v>
                   </c:pt>
                   <c:pt idx="11">
-                    <c:v>13.482670358649303</c:v>
+                    <c:v>13.482670358649306</c:v>
                   </c:pt>
                   <c:pt idx="12">
                     <c:v>12.142899159591169</c:v>
                   </c:pt>
                   <c:pt idx="13">
-                    <c:v>16.062490466923222</c:v>
+                    <c:v>16.062490466923219</c:v>
                   </c:pt>
                   <c:pt idx="14">
                     <c:v>10.750795319417072</c:v>
                   </c:pt>
                   <c:pt idx="15">
-                    <c:v>15.827520336426675</c:v>
+                    <c:v>15.827520336426677</c:v>
                   </c:pt>
                   <c:pt idx="16">
                     <c:v>11.690611617875264</c:v>
@@ -16193,7 +16194,7 @@
                     <c:v>11.109923492085798</c:v>
                   </c:pt>
                   <c:pt idx="18">
-                    <c:v>12.333515313972745</c:v>
+                    <c:v>12.333515313972747</c:v>
                   </c:pt>
                   <c:pt idx="19">
                     <c:v>12.734849822436068</c:v>
@@ -16221,7 +16222,7 @@
                   <c:v>0.1</c:v>
                 </c:pt>
                 <c:pt idx="3">
-                  <c:v>0.15000000000000008</c:v>
+                  <c:v>0.15000000000000011</c:v>
                 </c:pt>
                 <c:pt idx="4">
                   <c:v>0.2</c:v>
@@ -16230,10 +16231,10 @@
                   <c:v>0.25</c:v>
                 </c:pt>
                 <c:pt idx="6">
-                  <c:v>0.30000000000000016</c:v>
+                  <c:v>0.30000000000000021</c:v>
                 </c:pt>
                 <c:pt idx="7">
-                  <c:v>0.35000000000000014</c:v>
+                  <c:v>0.3500000000000002</c:v>
                 </c:pt>
                 <c:pt idx="8">
                   <c:v>0.4</c:v>
@@ -16248,28 +16249,28 @@
                   <c:v>0.55000000000000004</c:v>
                 </c:pt>
                 <c:pt idx="12">
-                  <c:v>0.60000000000000042</c:v>
+                  <c:v>0.60000000000000053</c:v>
                 </c:pt>
                 <c:pt idx="13">
-                  <c:v>0.65000000000000036</c:v>
+                  <c:v>0.65000000000000058</c:v>
                 </c:pt>
                 <c:pt idx="14">
-                  <c:v>0.7000000000000004</c:v>
+                  <c:v>0.70000000000000051</c:v>
                 </c:pt>
                 <c:pt idx="15">
-                  <c:v>0.75000000000000033</c:v>
+                  <c:v>0.75000000000000044</c:v>
                 </c:pt>
                 <c:pt idx="16">
                   <c:v>0.8</c:v>
                 </c:pt>
                 <c:pt idx="17">
-                  <c:v>0.85000000000000042</c:v>
+                  <c:v>0.85000000000000053</c:v>
                 </c:pt>
                 <c:pt idx="18">
                   <c:v>0.9</c:v>
                 </c:pt>
                 <c:pt idx="19">
-                  <c:v>0.9500000000000004</c:v>
+                  <c:v>0.95000000000000051</c:v>
                 </c:pt>
                 <c:pt idx="20">
                   <c:v>1</c:v>
@@ -16293,7 +16294,7 @@
                   <c:v>36.46</c:v>
                 </c:pt>
                 <c:pt idx="3">
-                  <c:v>38.839999999999996</c:v>
+                  <c:v>38.840000000000003</c:v>
                 </c:pt>
                 <c:pt idx="4">
                   <c:v>36.14</c:v>
@@ -16338,7 +16339,7 @@
                   <c:v>35.36</c:v>
                 </c:pt>
                 <c:pt idx="18">
-                  <c:v>36.379999999999995</c:v>
+                  <c:v>36.380000000000003</c:v>
                 </c:pt>
                 <c:pt idx="19">
                   <c:v>39.06</c:v>
@@ -16351,11 +16352,11 @@
           </c:yVal>
           <c:smooth val="1"/>
         </c:ser>
-        <c:axId val="67844352"/>
-        <c:axId val="67850624"/>
+        <c:axId val="64768256"/>
+        <c:axId val="64778624"/>
       </c:scatterChart>
       <c:valAx>
-        <c:axId val="67844352"/>
+        <c:axId val="64768256"/>
         <c:scaling>
           <c:orientation val="minMax"/>
         </c:scaling>
@@ -16392,12 +16393,12 @@
             <a:endParaRPr lang="en-US"/>
           </a:p>
         </c:txPr>
-        <c:crossAx val="67850624"/>
+        <c:crossAx val="64778624"/>
         <c:crosses val="autoZero"/>
         <c:crossBetween val="midCat"/>
       </c:valAx>
       <c:valAx>
-        <c:axId val="67850624"/>
+        <c:axId val="64778624"/>
         <c:scaling>
           <c:orientation val="minMax"/>
         </c:scaling>
@@ -16434,7 +16435,7 @@
             <a:endParaRPr lang="en-US"/>
           </a:p>
         </c:txPr>
-        <c:crossAx val="67844352"/>
+        <c:crossAx val="64768256"/>
         <c:crosses val="autoZero"/>
         <c:crossBetween val="midCat"/>
       </c:valAx>
@@ -16641,7 +16642,7 @@
             <a:fld id="{1D8BD707-D9CF-40AE-B4C6-C98DA3205C09}" type="datetimeFigureOut">
               <a:rPr lang="en-US" smtClean="0"/>
               <a:pPr/>
-              <a:t>7/9/2018</a:t>
+              <a:t>7/24/2018</a:t>
             </a:fld>
             <a:endParaRPr lang="en-US"/>
           </a:p>
@@ -16808,7 +16809,7 @@
             <a:fld id="{1D8BD707-D9CF-40AE-B4C6-C98DA3205C09}" type="datetimeFigureOut">
               <a:rPr lang="en-US" smtClean="0"/>
               <a:pPr/>
-              <a:t>7/9/2018</a:t>
+              <a:t>7/24/2018</a:t>
             </a:fld>
             <a:endParaRPr lang="en-US"/>
           </a:p>
@@ -16985,7 +16986,7 @@
             <a:fld id="{1D8BD707-D9CF-40AE-B4C6-C98DA3205C09}" type="datetimeFigureOut">
               <a:rPr lang="en-US" smtClean="0"/>
               <a:pPr/>
-              <a:t>7/9/2018</a:t>
+              <a:t>7/24/2018</a:t>
             </a:fld>
             <a:endParaRPr lang="en-US"/>
           </a:p>
@@ -17152,7 +17153,7 @@
             <a:fld id="{1D8BD707-D9CF-40AE-B4C6-C98DA3205C09}" type="datetimeFigureOut">
               <a:rPr lang="en-US" smtClean="0"/>
               <a:pPr/>
-              <a:t>7/9/2018</a:t>
+              <a:t>7/24/2018</a:t>
             </a:fld>
             <a:endParaRPr lang="en-US"/>
           </a:p>
@@ -17395,7 +17396,7 @@
             <a:fld id="{1D8BD707-D9CF-40AE-B4C6-C98DA3205C09}" type="datetimeFigureOut">
               <a:rPr lang="en-US" smtClean="0"/>
               <a:pPr/>
-              <a:t>7/9/2018</a:t>
+              <a:t>7/24/2018</a:t>
             </a:fld>
             <a:endParaRPr lang="en-US"/>
           </a:p>
@@ -17680,7 +17681,7 @@
             <a:fld id="{1D8BD707-D9CF-40AE-B4C6-C98DA3205C09}" type="datetimeFigureOut">
               <a:rPr lang="en-US" smtClean="0"/>
               <a:pPr/>
-              <a:t>7/9/2018</a:t>
+              <a:t>7/24/2018</a:t>
             </a:fld>
             <a:endParaRPr lang="en-US"/>
           </a:p>
@@ -18099,7 +18100,7 @@
             <a:fld id="{1D8BD707-D9CF-40AE-B4C6-C98DA3205C09}" type="datetimeFigureOut">
               <a:rPr lang="en-US" smtClean="0"/>
               <a:pPr/>
-              <a:t>7/9/2018</a:t>
+              <a:t>7/24/2018</a:t>
             </a:fld>
             <a:endParaRPr lang="en-US"/>
           </a:p>
@@ -18214,7 +18215,7 @@
             <a:fld id="{1D8BD707-D9CF-40AE-B4C6-C98DA3205C09}" type="datetimeFigureOut">
               <a:rPr lang="en-US" smtClean="0"/>
               <a:pPr/>
-              <a:t>7/9/2018</a:t>
+              <a:t>7/24/2018</a:t>
             </a:fld>
             <a:endParaRPr lang="en-US"/>
           </a:p>
@@ -18306,7 +18307,7 @@
             <a:fld id="{1D8BD707-D9CF-40AE-B4C6-C98DA3205C09}" type="datetimeFigureOut">
               <a:rPr lang="en-US" smtClean="0"/>
               <a:pPr/>
-              <a:t>7/9/2018</a:t>
+              <a:t>7/24/2018</a:t>
             </a:fld>
             <a:endParaRPr lang="en-US"/>
           </a:p>
@@ -18580,7 +18581,7 @@
             <a:fld id="{1D8BD707-D9CF-40AE-B4C6-C98DA3205C09}" type="datetimeFigureOut">
               <a:rPr lang="en-US" smtClean="0"/>
               <a:pPr/>
-              <a:t>7/9/2018</a:t>
+              <a:t>7/24/2018</a:t>
             </a:fld>
             <a:endParaRPr lang="en-US"/>
           </a:p>
@@ -18830,7 +18831,7 @@
             <a:fld id="{1D8BD707-D9CF-40AE-B4C6-C98DA3205C09}" type="datetimeFigureOut">
               <a:rPr lang="en-US" smtClean="0"/>
               <a:pPr/>
-              <a:t>7/9/2018</a:t>
+              <a:t>7/24/2018</a:t>
             </a:fld>
             <a:endParaRPr lang="en-US"/>
           </a:p>
@@ -19040,7 +19041,7 @@
             <a:fld id="{1D8BD707-D9CF-40AE-B4C6-C98DA3205C09}" type="datetimeFigureOut">
               <a:rPr lang="en-US" smtClean="0"/>
               <a:pPr/>
-              <a:t>7/9/2018</a:t>
+              <a:t>7/24/2018</a:t>
             </a:fld>
             <a:endParaRPr lang="en-US"/>
           </a:p>
@@ -20400,7 +20401,7 @@
       </p:pic>
       <p:graphicFrame>
         <p:nvGraphicFramePr>
-          <p:cNvPr id="4" name="Chart 3"/>
+          <p:cNvPr id="5" name="Chart 4"/>
           <p:cNvGraphicFramePr/>
           <p:nvPr/>
         </p:nvGraphicFramePr>
